--- a/presentation/presentation.pptx
+++ b/presentation/presentation.pptx
@@ -5,18 +5,25 @@
     <p:sldMasterId id="2147483648" r:id="rId1"/>
   </p:sldMasterIdLst>
   <p:notesMasterIdLst>
-    <p:notesMasterId r:id="rId11"/>
+    <p:notesMasterId r:id="rId18"/>
   </p:notesMasterIdLst>
   <p:sldIdLst>
     <p:sldId id="256" r:id="rId2"/>
-    <p:sldId id="257" r:id="rId3"/>
-    <p:sldId id="260" r:id="rId4"/>
-    <p:sldId id="259" r:id="rId5"/>
-    <p:sldId id="261" r:id="rId6"/>
-    <p:sldId id="262" r:id="rId7"/>
-    <p:sldId id="264" r:id="rId8"/>
-    <p:sldId id="265" r:id="rId9"/>
-    <p:sldId id="263" r:id="rId10"/>
+    <p:sldId id="267" r:id="rId3"/>
+    <p:sldId id="257" r:id="rId4"/>
+    <p:sldId id="260" r:id="rId5"/>
+    <p:sldId id="259" r:id="rId6"/>
+    <p:sldId id="261" r:id="rId7"/>
+    <p:sldId id="262" r:id="rId8"/>
+    <p:sldId id="266" r:id="rId9"/>
+    <p:sldId id="264" r:id="rId10"/>
+    <p:sldId id="265" r:id="rId11"/>
+    <p:sldId id="263" r:id="rId12"/>
+    <p:sldId id="268" r:id="rId13"/>
+    <p:sldId id="269" r:id="rId14"/>
+    <p:sldId id="271" r:id="rId15"/>
+    <p:sldId id="272" r:id="rId16"/>
+    <p:sldId id="270" r:id="rId17"/>
   </p:sldIdLst>
   <p:sldSz cx="12192000" cy="6858000"/>
   <p:notesSz cx="6858000" cy="9144000"/>
@@ -533,7 +540,7 @@
           <a:p>
             <a:fld id="{4B39A058-F5AB-D241-BAD1-33D1B1351E6C}" type="slidenum">
               <a:rPr lang="en-US" smtClean="0"/>
-              <a:t>3</a:t>
+              <a:t>4</a:t>
             </a:fld>
             <a:endParaRPr lang="en-US"/>
           </a:p>
@@ -3610,7 +3617,2449 @@
 </p:sld>
 </file>
 
+<file path=ppt/slides/slide10.xml><?xml version="1.0" encoding="utf-8"?>
+<p:sld xmlns:a="http://schemas.openxmlformats.org/drawingml/2006/main" xmlns:r="http://schemas.openxmlformats.org/officeDocument/2006/relationships" xmlns:p="http://schemas.openxmlformats.org/presentationml/2006/main">
+  <p:cSld>
+    <p:spTree>
+      <p:nvGrpSpPr>
+        <p:cNvPr id="1" name=""/>
+        <p:cNvGrpSpPr/>
+        <p:nvPr/>
+      </p:nvGrpSpPr>
+      <p:grpSpPr>
+        <a:xfrm>
+          <a:off x="0" y="0"/>
+          <a:ext cx="0" cy="0"/>
+          <a:chOff x="0" y="0"/>
+          <a:chExt cx="0" cy="0"/>
+        </a:xfrm>
+      </p:grpSpPr>
+      <p:sp>
+        <p:nvSpPr>
+          <p:cNvPr id="2" name="Title 1"/>
+          <p:cNvSpPr>
+            <a:spLocks noGrp="1"/>
+          </p:cNvSpPr>
+          <p:nvPr>
+            <p:ph type="title"/>
+          </p:nvPr>
+        </p:nvSpPr>
+        <p:spPr>
+          <a:xfrm>
+            <a:off x="2625212" y="619433"/>
+            <a:ext cx="8716297" cy="2757948"/>
+          </a:xfrm>
+        </p:spPr>
+        <p:txBody>
+          <a:bodyPr>
+            <a:normAutofit fontScale="90000"/>
+          </a:bodyPr>
+          <a:lstStyle/>
+          <a:p>
+            <a:pPr algn="r"/>
+            <a:r>
+              <a:rPr lang="en-US" sz="5300" b="0" dirty="0" smtClean="0">
+                <a:solidFill>
+                  <a:schemeClr val="bg1">
+                    <a:lumMod val="85000"/>
+                  </a:schemeClr>
+                </a:solidFill>
+              </a:rPr>
+              <a:t>“Credit is fundamentally broken when crossing borders”</a:t>
+            </a:r>
+            <a:r>
+              <a:rPr lang="en-US" sz="2400" b="0" dirty="0" smtClean="0">
+                <a:solidFill>
+                  <a:schemeClr val="bg1">
+                    <a:lumMod val="85000"/>
+                  </a:schemeClr>
+                </a:solidFill>
+              </a:rPr>
+              <a:t/>
+            </a:r>
+            <a:br>
+              <a:rPr lang="en-US" sz="2400" b="0" dirty="0" smtClean="0">
+                <a:solidFill>
+                  <a:schemeClr val="bg1">
+                    <a:lumMod val="85000"/>
+                  </a:schemeClr>
+                </a:solidFill>
+              </a:rPr>
+            </a:br>
+            <a:r>
+              <a:rPr lang="en-US" sz="2400" b="0" dirty="0">
+                <a:solidFill>
+                  <a:schemeClr val="bg1">
+                    <a:lumMod val="85000"/>
+                  </a:schemeClr>
+                </a:solidFill>
+              </a:rPr>
+              <a:t/>
+            </a:r>
+            <a:br>
+              <a:rPr lang="en-US" sz="2400" b="0" dirty="0">
+                <a:solidFill>
+                  <a:schemeClr val="bg1">
+                    <a:lumMod val="85000"/>
+                  </a:schemeClr>
+                </a:solidFill>
+              </a:rPr>
+            </a:br>
+            <a:r>
+              <a:rPr lang="en-US" sz="2400" dirty="0" smtClean="0">
+                <a:solidFill>
+                  <a:schemeClr val="bg1">
+                    <a:lumMod val="85000"/>
+                  </a:schemeClr>
+                </a:solidFill>
+              </a:rPr>
+              <a:t>Cameron Stevens</a:t>
+            </a:r>
+            <a:br>
+              <a:rPr lang="en-US" sz="2400" dirty="0" smtClean="0">
+                <a:solidFill>
+                  <a:schemeClr val="bg1">
+                    <a:lumMod val="85000"/>
+                  </a:schemeClr>
+                </a:solidFill>
+              </a:rPr>
+            </a:br>
+            <a:r>
+              <a:rPr lang="en-US" sz="2400" dirty="0" smtClean="0">
+                <a:solidFill>
+                  <a:schemeClr val="bg1">
+                    <a:lumMod val="85000"/>
+                  </a:schemeClr>
+                </a:solidFill>
+              </a:rPr>
+              <a:t>Founder, Prodigy Finance</a:t>
+            </a:r>
+            <a:endParaRPr lang="en-US" sz="2400" dirty="0">
+              <a:solidFill>
+                <a:schemeClr val="bg1">
+                  <a:lumMod val="85000"/>
+                </a:schemeClr>
+              </a:solidFill>
+            </a:endParaRPr>
+          </a:p>
+        </p:txBody>
+      </p:sp>
+      <p:sp>
+        <p:nvSpPr>
+          <p:cNvPr id="4" name="Rounded Rectangle 3"/>
+          <p:cNvSpPr/>
+          <p:nvPr/>
+        </p:nvSpPr>
+        <p:spPr>
+          <a:xfrm>
+            <a:off x="2625209" y="2690047"/>
+            <a:ext cx="2920181" cy="1548581"/>
+          </a:xfrm>
+          <a:prstGeom prst="roundRect">
+            <a:avLst>
+              <a:gd name="adj" fmla="val 9587"/>
+            </a:avLst>
+          </a:prstGeom>
+          <a:ln w="28575"/>
+        </p:spPr>
+        <p:style>
+          <a:lnRef idx="2">
+            <a:schemeClr val="dk1"/>
+          </a:lnRef>
+          <a:fillRef idx="1">
+            <a:schemeClr val="lt1"/>
+          </a:fillRef>
+          <a:effectRef idx="0">
+            <a:schemeClr val="dk1"/>
+          </a:effectRef>
+          <a:fontRef idx="minor">
+            <a:schemeClr val="dk1"/>
+          </a:fontRef>
+        </p:style>
+        <p:txBody>
+          <a:bodyPr rtlCol="0" anchor="ctr"/>
+          <a:lstStyle/>
+          <a:p>
+            <a:pPr algn="ctr"/>
+            <a:r>
+              <a:rPr lang="en-US" sz="2000" dirty="0" smtClean="0">
+                <a:latin typeface="SF Pro Display Light" charset="0"/>
+                <a:ea typeface="SF Pro Display Light" charset="0"/>
+                <a:cs typeface="SF Pro Display Light" charset="0"/>
+              </a:rPr>
+              <a:t>Global credit history and identity-as-collateral</a:t>
+            </a:r>
+            <a:endParaRPr lang="en-US" sz="2000" dirty="0">
+              <a:latin typeface="SF Pro Display Light" charset="0"/>
+              <a:ea typeface="SF Pro Display Light" charset="0"/>
+              <a:cs typeface="SF Pro Display Light" charset="0"/>
+            </a:endParaRPr>
+          </a:p>
+        </p:txBody>
+      </p:sp>
+      <p:sp>
+        <p:nvSpPr>
+          <p:cNvPr id="5" name="Rounded Rectangle 4"/>
+          <p:cNvSpPr/>
+          <p:nvPr/>
+        </p:nvSpPr>
+        <p:spPr>
+          <a:xfrm>
+            <a:off x="5565055" y="4542503"/>
+            <a:ext cx="2920181" cy="1548581"/>
+          </a:xfrm>
+          <a:prstGeom prst="roundRect">
+            <a:avLst>
+              <a:gd name="adj" fmla="val 9587"/>
+            </a:avLst>
+          </a:prstGeom>
+          <a:ln w="28575"/>
+        </p:spPr>
+        <p:style>
+          <a:lnRef idx="2">
+            <a:schemeClr val="dk1"/>
+          </a:lnRef>
+          <a:fillRef idx="1">
+            <a:schemeClr val="lt1"/>
+          </a:fillRef>
+          <a:effectRef idx="0">
+            <a:schemeClr val="dk1"/>
+          </a:effectRef>
+          <a:fontRef idx="minor">
+            <a:schemeClr val="dk1"/>
+          </a:fontRef>
+        </p:style>
+        <p:txBody>
+          <a:bodyPr rtlCol="0" anchor="ctr"/>
+          <a:lstStyle/>
+          <a:p>
+            <a:pPr algn="ctr"/>
+            <a:r>
+              <a:rPr lang="en-US" sz="2000" dirty="0" smtClean="0">
+                <a:latin typeface="SF Pro Display Light" charset="0"/>
+                <a:ea typeface="SF Pro Display Light" charset="0"/>
+                <a:cs typeface="SF Pro Display Light" charset="0"/>
+              </a:rPr>
+              <a:t>Free (i.e. $0) money movement and servicing</a:t>
+            </a:r>
+            <a:endParaRPr lang="en-US" sz="2000" dirty="0">
+              <a:latin typeface="SF Pro Display Light" charset="0"/>
+              <a:ea typeface="SF Pro Display Light" charset="0"/>
+              <a:cs typeface="SF Pro Display Light" charset="0"/>
+            </a:endParaRPr>
+          </a:p>
+        </p:txBody>
+      </p:sp>
+      <p:sp>
+        <p:nvSpPr>
+          <p:cNvPr id="24" name="TextBox 23"/>
+          <p:cNvSpPr txBox="1"/>
+          <p:nvPr/>
+        </p:nvSpPr>
+        <p:spPr>
+          <a:xfrm>
+            <a:off x="271731" y="1660374"/>
+            <a:ext cx="2353478" cy="738664"/>
+          </a:xfrm>
+          <a:prstGeom prst="rect">
+            <a:avLst/>
+          </a:prstGeom>
+          <a:noFill/>
+          <a:ln>
+            <a:noFill/>
+          </a:ln>
+        </p:spPr>
+        <p:txBody>
+          <a:bodyPr wrap="square" rtlCol="0">
+            <a:spAutoFit/>
+          </a:bodyPr>
+          <a:lstStyle/>
+          <a:p>
+            <a:r>
+              <a:rPr lang="en-US" sz="1400" dirty="0" smtClean="0">
+                <a:latin typeface="SF Pro Text" charset="0"/>
+                <a:ea typeface="SF Pro Text" charset="0"/>
+                <a:cs typeface="SF Pro Text" charset="0"/>
+              </a:rPr>
+              <a:t>Identity (if it can be verified</a:t>
+            </a:r>
+            <a:r>
+              <a:rPr lang="en-US" sz="1400" smtClean="0">
+                <a:latin typeface="SF Pro Text" charset="0"/>
+                <a:ea typeface="SF Pro Text" charset="0"/>
+                <a:cs typeface="SF Pro Text" charset="0"/>
+              </a:rPr>
+              <a:t>) can be used globally </a:t>
+            </a:r>
+            <a:endParaRPr lang="en-US" sz="1400" b="1" dirty="0">
+              <a:latin typeface="SF Pro Text" charset="0"/>
+              <a:ea typeface="SF Pro Text" charset="0"/>
+              <a:cs typeface="SF Pro Text" charset="0"/>
+            </a:endParaRPr>
+          </a:p>
+        </p:txBody>
+      </p:sp>
+      <p:cxnSp>
+        <p:nvCxnSpPr>
+          <p:cNvPr id="25" name="Straight Arrow Connector 24"/>
+          <p:cNvCxnSpPr/>
+          <p:nvPr/>
+        </p:nvCxnSpPr>
+        <p:spPr>
+          <a:xfrm flipH="1" flipV="1">
+            <a:off x="1887794" y="2231449"/>
+            <a:ext cx="840655" cy="458598"/>
+          </a:xfrm>
+          <a:prstGeom prst="straightConnector1">
+            <a:avLst/>
+          </a:prstGeom>
+          <a:ln>
+            <a:solidFill>
+              <a:schemeClr val="tx1"/>
+            </a:solidFill>
+            <a:tailEnd type="triangle"/>
+          </a:ln>
+        </p:spPr>
+        <p:style>
+          <a:lnRef idx="1">
+            <a:schemeClr val="accent1"/>
+          </a:lnRef>
+          <a:fillRef idx="0">
+            <a:schemeClr val="accent1"/>
+          </a:fillRef>
+          <a:effectRef idx="0">
+            <a:schemeClr val="accent1"/>
+          </a:effectRef>
+          <a:fontRef idx="minor">
+            <a:schemeClr val="tx1"/>
+          </a:fontRef>
+        </p:style>
+      </p:cxnSp>
+      <p:sp>
+        <p:nvSpPr>
+          <p:cNvPr id="28" name="TextBox 27"/>
+          <p:cNvSpPr txBox="1"/>
+          <p:nvPr/>
+        </p:nvSpPr>
+        <p:spPr>
+          <a:xfrm>
+            <a:off x="212734" y="2778331"/>
+            <a:ext cx="2043768" cy="738664"/>
+          </a:xfrm>
+          <a:prstGeom prst="rect">
+            <a:avLst/>
+          </a:prstGeom>
+          <a:noFill/>
+          <a:ln>
+            <a:noFill/>
+          </a:ln>
+        </p:spPr>
+        <p:txBody>
+          <a:bodyPr wrap="square" rtlCol="0">
+            <a:spAutoFit/>
+          </a:bodyPr>
+          <a:lstStyle/>
+          <a:p>
+            <a:r>
+              <a:rPr lang="en-US" sz="1400" dirty="0" smtClean="0">
+                <a:latin typeface="SF Pro Text" charset="0"/>
+                <a:ea typeface="SF Pro Text" charset="0"/>
+                <a:cs typeface="SF Pro Text" charset="0"/>
+              </a:rPr>
+              <a:t>Unsecured cross-border loans can use identity as collateral</a:t>
+            </a:r>
+            <a:endParaRPr lang="en-US" sz="1400" b="1" dirty="0">
+              <a:latin typeface="SF Pro Text" charset="0"/>
+              <a:ea typeface="SF Pro Text" charset="0"/>
+              <a:cs typeface="SF Pro Text" charset="0"/>
+            </a:endParaRPr>
+          </a:p>
+        </p:txBody>
+      </p:sp>
+      <p:cxnSp>
+        <p:nvCxnSpPr>
+          <p:cNvPr id="29" name="Straight Arrow Connector 28"/>
+          <p:cNvCxnSpPr/>
+          <p:nvPr/>
+        </p:nvCxnSpPr>
+        <p:spPr>
+          <a:xfrm flipH="1" flipV="1">
+            <a:off x="2072149" y="3516995"/>
+            <a:ext cx="553060" cy="139616"/>
+          </a:xfrm>
+          <a:prstGeom prst="straightConnector1">
+            <a:avLst/>
+          </a:prstGeom>
+          <a:ln>
+            <a:solidFill>
+              <a:schemeClr val="tx1"/>
+            </a:solidFill>
+            <a:tailEnd type="triangle"/>
+          </a:ln>
+        </p:spPr>
+        <p:style>
+          <a:lnRef idx="1">
+            <a:schemeClr val="accent1"/>
+          </a:lnRef>
+          <a:fillRef idx="0">
+            <a:schemeClr val="accent1"/>
+          </a:fillRef>
+          <a:effectRef idx="0">
+            <a:schemeClr val="accent1"/>
+          </a:effectRef>
+          <a:fontRef idx="minor">
+            <a:schemeClr val="tx1"/>
+          </a:fontRef>
+        </p:style>
+      </p:cxnSp>
+      <p:sp>
+        <p:nvSpPr>
+          <p:cNvPr id="37" name="TextBox 36"/>
+          <p:cNvSpPr txBox="1"/>
+          <p:nvPr/>
+        </p:nvSpPr>
+        <p:spPr>
+          <a:xfrm>
+            <a:off x="212733" y="4076060"/>
+            <a:ext cx="2206001" cy="1169551"/>
+          </a:xfrm>
+          <a:prstGeom prst="rect">
+            <a:avLst/>
+          </a:prstGeom>
+          <a:noFill/>
+          <a:ln>
+            <a:noFill/>
+          </a:ln>
+        </p:spPr>
+        <p:txBody>
+          <a:bodyPr wrap="square" rtlCol="0">
+            <a:spAutoFit/>
+          </a:bodyPr>
+          <a:lstStyle/>
+          <a:p>
+            <a:r>
+              <a:rPr lang="en-US" sz="1400" dirty="0" smtClean="0">
+                <a:latin typeface="SF Pro Text" charset="0"/>
+                <a:ea typeface="SF Pro Text" charset="0"/>
+                <a:cs typeface="SF Pro Text" charset="0"/>
+              </a:rPr>
+              <a:t>Identity can be innovated on: </a:t>
+            </a:r>
+            <a:r>
+              <a:rPr lang="en-US" sz="1400" smtClean="0">
+                <a:latin typeface="SF Pro Text" charset="0"/>
+                <a:ea typeface="SF Pro Text" charset="0"/>
+                <a:cs typeface="SF Pro Text" charset="0"/>
+              </a:rPr>
+              <a:t>pooled identity for group credit, </a:t>
+            </a:r>
+            <a:r>
+              <a:rPr lang="en-US" sz="1400" dirty="0" smtClean="0">
+                <a:latin typeface="SF Pro Text" charset="0"/>
+                <a:ea typeface="SF Pro Text" charset="0"/>
+                <a:cs typeface="SF Pro Text" charset="0"/>
+              </a:rPr>
+              <a:t>socially attested loans </a:t>
+            </a:r>
+            <a:r>
+              <a:rPr lang="en-US" sz="1400" dirty="0" err="1" smtClean="0">
+                <a:latin typeface="SF Pro Text" charset="0"/>
+                <a:ea typeface="SF Pro Text" charset="0"/>
+                <a:cs typeface="SF Pro Text" charset="0"/>
+              </a:rPr>
+              <a:t>etc</a:t>
+            </a:r>
+            <a:endParaRPr lang="en-US" sz="1400" b="1" dirty="0">
+              <a:latin typeface="SF Pro Text" charset="0"/>
+              <a:ea typeface="SF Pro Text" charset="0"/>
+              <a:cs typeface="SF Pro Text" charset="0"/>
+            </a:endParaRPr>
+          </a:p>
+        </p:txBody>
+      </p:sp>
+      <p:cxnSp>
+        <p:nvCxnSpPr>
+          <p:cNvPr id="38" name="Straight Arrow Connector 37"/>
+          <p:cNvCxnSpPr/>
+          <p:nvPr/>
+        </p:nvCxnSpPr>
+        <p:spPr>
+          <a:xfrm flipH="1">
+            <a:off x="2181535" y="4255659"/>
+            <a:ext cx="546915" cy="273978"/>
+          </a:xfrm>
+          <a:prstGeom prst="straightConnector1">
+            <a:avLst/>
+          </a:prstGeom>
+          <a:ln>
+            <a:solidFill>
+              <a:schemeClr val="tx1"/>
+            </a:solidFill>
+            <a:tailEnd type="triangle"/>
+          </a:ln>
+        </p:spPr>
+        <p:style>
+          <a:lnRef idx="1">
+            <a:schemeClr val="accent1"/>
+          </a:lnRef>
+          <a:fillRef idx="0">
+            <a:schemeClr val="accent1"/>
+          </a:fillRef>
+          <a:effectRef idx="0">
+            <a:schemeClr val="accent1"/>
+          </a:effectRef>
+          <a:fontRef idx="minor">
+            <a:schemeClr val="tx1"/>
+          </a:fontRef>
+        </p:style>
+      </p:cxnSp>
+    </p:spTree>
+    <p:extLst>
+      <p:ext uri="{BB962C8B-B14F-4D97-AF65-F5344CB8AC3E}">
+        <p14:creationId xmlns:p14="http://schemas.microsoft.com/office/powerpoint/2010/main" val="153697257"/>
+      </p:ext>
+    </p:extLst>
+  </p:cSld>
+  <p:clrMapOvr>
+    <a:masterClrMapping/>
+  </p:clrMapOvr>
+</p:sld>
+</file>
+
+<file path=ppt/slides/slide11.xml><?xml version="1.0" encoding="utf-8"?>
+<p:sld xmlns:a="http://schemas.openxmlformats.org/drawingml/2006/main" xmlns:r="http://schemas.openxmlformats.org/officeDocument/2006/relationships" xmlns:p="http://schemas.openxmlformats.org/presentationml/2006/main">
+  <p:cSld>
+    <p:spTree>
+      <p:nvGrpSpPr>
+        <p:cNvPr id="1" name=""/>
+        <p:cNvGrpSpPr/>
+        <p:nvPr/>
+      </p:nvGrpSpPr>
+      <p:grpSpPr>
+        <a:xfrm>
+          <a:off x="0" y="0"/>
+          <a:ext cx="0" cy="0"/>
+          <a:chOff x="0" y="0"/>
+          <a:chExt cx="0" cy="0"/>
+        </a:xfrm>
+      </p:grpSpPr>
+      <p:sp>
+        <p:nvSpPr>
+          <p:cNvPr id="2" name="Title 1"/>
+          <p:cNvSpPr>
+            <a:spLocks noGrp="1"/>
+          </p:cNvSpPr>
+          <p:nvPr>
+            <p:ph type="title"/>
+          </p:nvPr>
+        </p:nvSpPr>
+        <p:spPr>
+          <a:xfrm>
+            <a:off x="2625212" y="619433"/>
+            <a:ext cx="8716297" cy="2757948"/>
+          </a:xfrm>
+        </p:spPr>
+        <p:txBody>
+          <a:bodyPr>
+            <a:normAutofit fontScale="90000"/>
+          </a:bodyPr>
+          <a:lstStyle/>
+          <a:p>
+            <a:pPr algn="r"/>
+            <a:r>
+              <a:rPr lang="en-US" sz="5300" b="0" dirty="0" smtClean="0">
+                <a:solidFill>
+                  <a:schemeClr val="bg1">
+                    <a:lumMod val="85000"/>
+                  </a:schemeClr>
+                </a:solidFill>
+              </a:rPr>
+              <a:t>“Credit is fundamentally broken when crossing borders”</a:t>
+            </a:r>
+            <a:r>
+              <a:rPr lang="en-US" sz="2400" b="0" dirty="0" smtClean="0">
+                <a:solidFill>
+                  <a:schemeClr val="bg1">
+                    <a:lumMod val="85000"/>
+                  </a:schemeClr>
+                </a:solidFill>
+              </a:rPr>
+              <a:t/>
+            </a:r>
+            <a:br>
+              <a:rPr lang="en-US" sz="2400" b="0" dirty="0" smtClean="0">
+                <a:solidFill>
+                  <a:schemeClr val="bg1">
+                    <a:lumMod val="85000"/>
+                  </a:schemeClr>
+                </a:solidFill>
+              </a:rPr>
+            </a:br>
+            <a:r>
+              <a:rPr lang="en-US" sz="2400" b="0" dirty="0">
+                <a:solidFill>
+                  <a:schemeClr val="bg1">
+                    <a:lumMod val="85000"/>
+                  </a:schemeClr>
+                </a:solidFill>
+              </a:rPr>
+              <a:t/>
+            </a:r>
+            <a:br>
+              <a:rPr lang="en-US" sz="2400" b="0" dirty="0">
+                <a:solidFill>
+                  <a:schemeClr val="bg1">
+                    <a:lumMod val="85000"/>
+                  </a:schemeClr>
+                </a:solidFill>
+              </a:rPr>
+            </a:br>
+            <a:r>
+              <a:rPr lang="en-US" sz="2400" dirty="0" smtClean="0">
+                <a:solidFill>
+                  <a:schemeClr val="bg1">
+                    <a:lumMod val="85000"/>
+                  </a:schemeClr>
+                </a:solidFill>
+              </a:rPr>
+              <a:t>Cameron Stevens</a:t>
+            </a:r>
+            <a:br>
+              <a:rPr lang="en-US" sz="2400" dirty="0" smtClean="0">
+                <a:solidFill>
+                  <a:schemeClr val="bg1">
+                    <a:lumMod val="85000"/>
+                  </a:schemeClr>
+                </a:solidFill>
+              </a:rPr>
+            </a:br>
+            <a:r>
+              <a:rPr lang="en-US" sz="2400" dirty="0" smtClean="0">
+                <a:solidFill>
+                  <a:schemeClr val="bg1">
+                    <a:lumMod val="85000"/>
+                  </a:schemeClr>
+                </a:solidFill>
+              </a:rPr>
+              <a:t>Founder, Prodigy Finance</a:t>
+            </a:r>
+            <a:endParaRPr lang="en-US" sz="2400" dirty="0">
+              <a:solidFill>
+                <a:schemeClr val="bg1">
+                  <a:lumMod val="85000"/>
+                </a:schemeClr>
+              </a:solidFill>
+            </a:endParaRPr>
+          </a:p>
+        </p:txBody>
+      </p:sp>
+      <p:sp>
+        <p:nvSpPr>
+          <p:cNvPr id="4" name="Rounded Rectangle 3"/>
+          <p:cNvSpPr/>
+          <p:nvPr/>
+        </p:nvSpPr>
+        <p:spPr>
+          <a:xfrm>
+            <a:off x="2625209" y="2690047"/>
+            <a:ext cx="2920181" cy="1548581"/>
+          </a:xfrm>
+          <a:prstGeom prst="roundRect">
+            <a:avLst>
+              <a:gd name="adj" fmla="val 9587"/>
+            </a:avLst>
+          </a:prstGeom>
+          <a:ln w="28575"/>
+        </p:spPr>
+        <p:style>
+          <a:lnRef idx="2">
+            <a:schemeClr val="dk1"/>
+          </a:lnRef>
+          <a:fillRef idx="1">
+            <a:schemeClr val="lt1"/>
+          </a:fillRef>
+          <a:effectRef idx="0">
+            <a:schemeClr val="dk1"/>
+          </a:effectRef>
+          <a:fontRef idx="minor">
+            <a:schemeClr val="dk1"/>
+          </a:fontRef>
+        </p:style>
+        <p:txBody>
+          <a:bodyPr rtlCol="0" anchor="ctr"/>
+          <a:lstStyle/>
+          <a:p>
+            <a:pPr algn="ctr"/>
+            <a:r>
+              <a:rPr lang="en-US" sz="2000" b="1" dirty="0" smtClean="0">
+                <a:latin typeface="SF Pro Display Light" charset="0"/>
+                <a:ea typeface="SF Pro Display Light" charset="0"/>
+                <a:cs typeface="SF Pro Display Light" charset="0"/>
+              </a:rPr>
+              <a:t>Global Credit Reputation </a:t>
+            </a:r>
+            <a:br>
+              <a:rPr lang="en-US" sz="2000" b="1" dirty="0" smtClean="0">
+                <a:latin typeface="SF Pro Display Light" charset="0"/>
+                <a:ea typeface="SF Pro Display Light" charset="0"/>
+                <a:cs typeface="SF Pro Display Light" charset="0"/>
+              </a:rPr>
+            </a:br>
+            <a:r>
+              <a:rPr lang="en-US" dirty="0" smtClean="0">
+                <a:latin typeface="SF Pro Display Light" charset="0"/>
+                <a:ea typeface="SF Pro Display Light" charset="0"/>
+                <a:cs typeface="SF Pro Display Light" charset="0"/>
+              </a:rPr>
+              <a:t>“identity-as-collateral”</a:t>
+            </a:r>
+            <a:endParaRPr lang="en-US" dirty="0">
+              <a:latin typeface="SF Pro Display Light" charset="0"/>
+              <a:ea typeface="SF Pro Display Light" charset="0"/>
+              <a:cs typeface="SF Pro Display Light" charset="0"/>
+            </a:endParaRPr>
+          </a:p>
+        </p:txBody>
+      </p:sp>
+      <p:sp>
+        <p:nvSpPr>
+          <p:cNvPr id="5" name="Rounded Rectangle 4"/>
+          <p:cNvSpPr/>
+          <p:nvPr/>
+        </p:nvSpPr>
+        <p:spPr>
+          <a:xfrm>
+            <a:off x="5565055" y="4542503"/>
+            <a:ext cx="2920181" cy="1548581"/>
+          </a:xfrm>
+          <a:prstGeom prst="roundRect">
+            <a:avLst>
+              <a:gd name="adj" fmla="val 9587"/>
+            </a:avLst>
+          </a:prstGeom>
+          <a:ln w="28575"/>
+        </p:spPr>
+        <p:style>
+          <a:lnRef idx="2">
+            <a:schemeClr val="dk1"/>
+          </a:lnRef>
+          <a:fillRef idx="1">
+            <a:schemeClr val="lt1"/>
+          </a:fillRef>
+          <a:effectRef idx="0">
+            <a:schemeClr val="dk1"/>
+          </a:effectRef>
+          <a:fontRef idx="minor">
+            <a:schemeClr val="dk1"/>
+          </a:fontRef>
+        </p:style>
+        <p:txBody>
+          <a:bodyPr rtlCol="0" anchor="ctr"/>
+          <a:lstStyle/>
+          <a:p>
+            <a:pPr algn="ctr"/>
+            <a:r>
+              <a:rPr lang="en-US" sz="2000" b="1" dirty="0" smtClean="0">
+                <a:latin typeface="SF Pro Display Light" charset="0"/>
+                <a:ea typeface="SF Pro Display Light" charset="0"/>
+                <a:cs typeface="SF Pro Display Light" charset="0"/>
+              </a:rPr>
+              <a:t>Free (i.e. $0)</a:t>
+            </a:r>
+            <a:r>
+              <a:rPr lang="en-US" sz="2000" dirty="0" smtClean="0">
+                <a:latin typeface="SF Pro Display Light" charset="0"/>
+                <a:ea typeface="SF Pro Display Light" charset="0"/>
+                <a:cs typeface="SF Pro Display Light" charset="0"/>
+              </a:rPr>
+              <a:t> money movement and servicing</a:t>
+            </a:r>
+            <a:endParaRPr lang="en-US" sz="2000" dirty="0">
+              <a:latin typeface="SF Pro Display Light" charset="0"/>
+              <a:ea typeface="SF Pro Display Light" charset="0"/>
+              <a:cs typeface="SF Pro Display Light" charset="0"/>
+            </a:endParaRPr>
+          </a:p>
+        </p:txBody>
+      </p:sp>
+      <p:sp>
+        <p:nvSpPr>
+          <p:cNvPr id="6" name="TextBox 5"/>
+          <p:cNvSpPr txBox="1"/>
+          <p:nvPr/>
+        </p:nvSpPr>
+        <p:spPr>
+          <a:xfrm>
+            <a:off x="9026011" y="3539962"/>
+            <a:ext cx="2585881" cy="738664"/>
+          </a:xfrm>
+          <a:prstGeom prst="rect">
+            <a:avLst/>
+          </a:prstGeom>
+          <a:noFill/>
+          <a:ln>
+            <a:noFill/>
+          </a:ln>
+        </p:spPr>
+        <p:txBody>
+          <a:bodyPr wrap="square" rtlCol="0">
+            <a:spAutoFit/>
+          </a:bodyPr>
+          <a:lstStyle/>
+          <a:p>
+            <a:r>
+              <a:rPr lang="en-US" sz="1400" dirty="0" smtClean="0">
+                <a:latin typeface="SF Pro Text" charset="0"/>
+                <a:ea typeface="SF Pro Text" charset="0"/>
+                <a:cs typeface="SF Pro Text" charset="0"/>
+              </a:rPr>
+              <a:t>Reduce servicing fees to near 0% </a:t>
+            </a:r>
+            <a:r>
+              <a:rPr lang="en-US" sz="1400" smtClean="0">
+                <a:latin typeface="SF Pro Text" charset="0"/>
+                <a:ea typeface="SF Pro Text" charset="0"/>
+                <a:cs typeface="SF Pro Text" charset="0"/>
+              </a:rPr>
+              <a:t>on origination and repayments</a:t>
+            </a:r>
+            <a:endParaRPr lang="en-US" sz="1400" b="1" dirty="0">
+              <a:latin typeface="SF Pro Text" charset="0"/>
+              <a:ea typeface="SF Pro Text" charset="0"/>
+              <a:cs typeface="SF Pro Text" charset="0"/>
+            </a:endParaRPr>
+          </a:p>
+        </p:txBody>
+      </p:sp>
+      <p:cxnSp>
+        <p:nvCxnSpPr>
+          <p:cNvPr id="7" name="Straight Arrow Connector 6"/>
+          <p:cNvCxnSpPr/>
+          <p:nvPr/>
+        </p:nvCxnSpPr>
+        <p:spPr>
+          <a:xfrm flipV="1">
+            <a:off x="8485236" y="3945197"/>
+            <a:ext cx="540775" cy="597306"/>
+          </a:xfrm>
+          <a:prstGeom prst="straightConnector1">
+            <a:avLst/>
+          </a:prstGeom>
+          <a:ln>
+            <a:solidFill>
+              <a:schemeClr val="tx1"/>
+            </a:solidFill>
+            <a:tailEnd type="triangle"/>
+          </a:ln>
+        </p:spPr>
+        <p:style>
+          <a:lnRef idx="1">
+            <a:schemeClr val="accent1"/>
+          </a:lnRef>
+          <a:fillRef idx="0">
+            <a:schemeClr val="accent1"/>
+          </a:fillRef>
+          <a:effectRef idx="0">
+            <a:schemeClr val="accent1"/>
+          </a:effectRef>
+          <a:fontRef idx="minor">
+            <a:schemeClr val="tx1"/>
+          </a:fontRef>
+        </p:style>
+      </p:cxnSp>
+      <p:sp>
+        <p:nvSpPr>
+          <p:cNvPr id="11" name="TextBox 10"/>
+          <p:cNvSpPr txBox="1"/>
+          <p:nvPr/>
+        </p:nvSpPr>
+        <p:spPr>
+          <a:xfrm>
+            <a:off x="9106016" y="4578129"/>
+            <a:ext cx="2029014" cy="738664"/>
+          </a:xfrm>
+          <a:prstGeom prst="rect">
+            <a:avLst/>
+          </a:prstGeom>
+          <a:noFill/>
+          <a:ln>
+            <a:noFill/>
+          </a:ln>
+        </p:spPr>
+        <p:txBody>
+          <a:bodyPr wrap="square" rtlCol="0">
+            <a:spAutoFit/>
+          </a:bodyPr>
+          <a:lstStyle/>
+          <a:p>
+            <a:r>
+              <a:rPr lang="en-US" sz="1400" dirty="0" smtClean="0">
+                <a:latin typeface="SF Pro Text" charset="0"/>
+                <a:ea typeface="SF Pro Text" charset="0"/>
+                <a:cs typeface="SF Pro Text" charset="0"/>
+              </a:rPr>
+              <a:t>Free ($0) movement of money across borders</a:t>
+            </a:r>
+            <a:endParaRPr lang="en-US" sz="1400" b="1" dirty="0">
+              <a:latin typeface="SF Pro Text" charset="0"/>
+              <a:ea typeface="SF Pro Text" charset="0"/>
+              <a:cs typeface="SF Pro Text" charset="0"/>
+            </a:endParaRPr>
+          </a:p>
+        </p:txBody>
+      </p:sp>
+      <p:cxnSp>
+        <p:nvCxnSpPr>
+          <p:cNvPr id="12" name="Straight Arrow Connector 11"/>
+          <p:cNvCxnSpPr>
+            <a:endCxn id="11" idx="1"/>
+          </p:cNvCxnSpPr>
+          <p:nvPr/>
+        </p:nvCxnSpPr>
+        <p:spPr>
+          <a:xfrm flipV="1">
+            <a:off x="8485236" y="4947461"/>
+            <a:ext cx="620780" cy="50821"/>
+          </a:xfrm>
+          <a:prstGeom prst="straightConnector1">
+            <a:avLst/>
+          </a:prstGeom>
+          <a:ln>
+            <a:solidFill>
+              <a:schemeClr val="tx1"/>
+            </a:solidFill>
+            <a:tailEnd type="triangle"/>
+          </a:ln>
+        </p:spPr>
+        <p:style>
+          <a:lnRef idx="1">
+            <a:schemeClr val="accent1"/>
+          </a:lnRef>
+          <a:fillRef idx="0">
+            <a:schemeClr val="accent1"/>
+          </a:fillRef>
+          <a:effectRef idx="0">
+            <a:schemeClr val="accent1"/>
+          </a:effectRef>
+          <a:fontRef idx="minor">
+            <a:schemeClr val="tx1"/>
+          </a:fontRef>
+        </p:style>
+      </p:cxnSp>
+      <p:sp>
+        <p:nvSpPr>
+          <p:cNvPr id="19" name="TextBox 18"/>
+          <p:cNvSpPr txBox="1"/>
+          <p:nvPr/>
+        </p:nvSpPr>
+        <p:spPr>
+          <a:xfrm>
+            <a:off x="9106016" y="5574267"/>
+            <a:ext cx="2161750" cy="738664"/>
+          </a:xfrm>
+          <a:prstGeom prst="rect">
+            <a:avLst/>
+          </a:prstGeom>
+          <a:noFill/>
+          <a:ln>
+            <a:noFill/>
+          </a:ln>
+        </p:spPr>
+        <p:txBody>
+          <a:bodyPr wrap="square" rtlCol="0">
+            <a:spAutoFit/>
+          </a:bodyPr>
+          <a:lstStyle/>
+          <a:p>
+            <a:r>
+              <a:rPr lang="en-US" sz="1400" dirty="0" smtClean="0">
+                <a:latin typeface="SF Pro Text" charset="0"/>
+                <a:ea typeface="SF Pro Text" charset="0"/>
+                <a:cs typeface="SF Pro Text" charset="0"/>
+              </a:rPr>
+              <a:t>Automatic tracking of repayments and flow-of-funds handling</a:t>
+            </a:r>
+            <a:endParaRPr lang="en-US" sz="1400" b="1" dirty="0">
+              <a:latin typeface="SF Pro Text" charset="0"/>
+              <a:ea typeface="SF Pro Text" charset="0"/>
+              <a:cs typeface="SF Pro Text" charset="0"/>
+            </a:endParaRPr>
+          </a:p>
+        </p:txBody>
+      </p:sp>
+      <p:cxnSp>
+        <p:nvCxnSpPr>
+          <p:cNvPr id="20" name="Straight Arrow Connector 19"/>
+          <p:cNvCxnSpPr/>
+          <p:nvPr/>
+        </p:nvCxnSpPr>
+        <p:spPr>
+          <a:xfrm>
+            <a:off x="8485236" y="5566266"/>
+            <a:ext cx="620780" cy="229848"/>
+          </a:xfrm>
+          <a:prstGeom prst="straightConnector1">
+            <a:avLst/>
+          </a:prstGeom>
+          <a:ln>
+            <a:solidFill>
+              <a:schemeClr val="tx1"/>
+            </a:solidFill>
+            <a:tailEnd type="triangle"/>
+          </a:ln>
+        </p:spPr>
+        <p:style>
+          <a:lnRef idx="1">
+            <a:schemeClr val="accent1"/>
+          </a:lnRef>
+          <a:fillRef idx="0">
+            <a:schemeClr val="accent1"/>
+          </a:fillRef>
+          <a:effectRef idx="0">
+            <a:schemeClr val="accent1"/>
+          </a:effectRef>
+          <a:fontRef idx="minor">
+            <a:schemeClr val="tx1"/>
+          </a:fontRef>
+        </p:style>
+      </p:cxnSp>
+      <p:sp>
+        <p:nvSpPr>
+          <p:cNvPr id="24" name="TextBox 23"/>
+          <p:cNvSpPr txBox="1"/>
+          <p:nvPr/>
+        </p:nvSpPr>
+        <p:spPr>
+          <a:xfrm>
+            <a:off x="271731" y="1660374"/>
+            <a:ext cx="2353478" cy="738664"/>
+          </a:xfrm>
+          <a:prstGeom prst="rect">
+            <a:avLst/>
+          </a:prstGeom>
+          <a:noFill/>
+          <a:ln>
+            <a:noFill/>
+          </a:ln>
+        </p:spPr>
+        <p:txBody>
+          <a:bodyPr wrap="square" rtlCol="0">
+            <a:spAutoFit/>
+          </a:bodyPr>
+          <a:lstStyle/>
+          <a:p>
+            <a:r>
+              <a:rPr lang="en-US" sz="1400" dirty="0" smtClean="0">
+                <a:latin typeface="SF Pro Text" charset="0"/>
+                <a:ea typeface="SF Pro Text" charset="0"/>
+                <a:cs typeface="SF Pro Text" charset="0"/>
+              </a:rPr>
+              <a:t>Identity (if it can be verified</a:t>
+            </a:r>
+            <a:r>
+              <a:rPr lang="en-US" sz="1400" smtClean="0">
+                <a:latin typeface="SF Pro Text" charset="0"/>
+                <a:ea typeface="SF Pro Text" charset="0"/>
+                <a:cs typeface="SF Pro Text" charset="0"/>
+              </a:rPr>
+              <a:t>) can be used globally </a:t>
+            </a:r>
+            <a:endParaRPr lang="en-US" sz="1400" b="1" dirty="0">
+              <a:latin typeface="SF Pro Text" charset="0"/>
+              <a:ea typeface="SF Pro Text" charset="0"/>
+              <a:cs typeface="SF Pro Text" charset="0"/>
+            </a:endParaRPr>
+          </a:p>
+        </p:txBody>
+      </p:sp>
+      <p:cxnSp>
+        <p:nvCxnSpPr>
+          <p:cNvPr id="25" name="Straight Arrow Connector 24"/>
+          <p:cNvCxnSpPr/>
+          <p:nvPr/>
+        </p:nvCxnSpPr>
+        <p:spPr>
+          <a:xfrm flipH="1" flipV="1">
+            <a:off x="1887794" y="2231449"/>
+            <a:ext cx="840655" cy="458598"/>
+          </a:xfrm>
+          <a:prstGeom prst="straightConnector1">
+            <a:avLst/>
+          </a:prstGeom>
+          <a:ln>
+            <a:solidFill>
+              <a:schemeClr val="tx1"/>
+            </a:solidFill>
+            <a:tailEnd type="triangle"/>
+          </a:ln>
+        </p:spPr>
+        <p:style>
+          <a:lnRef idx="1">
+            <a:schemeClr val="accent1"/>
+          </a:lnRef>
+          <a:fillRef idx="0">
+            <a:schemeClr val="accent1"/>
+          </a:fillRef>
+          <a:effectRef idx="0">
+            <a:schemeClr val="accent1"/>
+          </a:effectRef>
+          <a:fontRef idx="minor">
+            <a:schemeClr val="tx1"/>
+          </a:fontRef>
+        </p:style>
+      </p:cxnSp>
+      <p:sp>
+        <p:nvSpPr>
+          <p:cNvPr id="28" name="TextBox 27"/>
+          <p:cNvSpPr txBox="1"/>
+          <p:nvPr/>
+        </p:nvSpPr>
+        <p:spPr>
+          <a:xfrm>
+            <a:off x="212734" y="2778331"/>
+            <a:ext cx="2043768" cy="738664"/>
+          </a:xfrm>
+          <a:prstGeom prst="rect">
+            <a:avLst/>
+          </a:prstGeom>
+          <a:noFill/>
+          <a:ln>
+            <a:noFill/>
+          </a:ln>
+        </p:spPr>
+        <p:txBody>
+          <a:bodyPr wrap="square" rtlCol="0">
+            <a:spAutoFit/>
+          </a:bodyPr>
+          <a:lstStyle/>
+          <a:p>
+            <a:r>
+              <a:rPr lang="en-US" sz="1400" dirty="0" smtClean="0">
+                <a:latin typeface="SF Pro Text" charset="0"/>
+                <a:ea typeface="SF Pro Text" charset="0"/>
+                <a:cs typeface="SF Pro Text" charset="0"/>
+              </a:rPr>
+              <a:t>Unsecured cross-border loans can use identity as collateral</a:t>
+            </a:r>
+            <a:endParaRPr lang="en-US" sz="1400" b="1" dirty="0">
+              <a:latin typeface="SF Pro Text" charset="0"/>
+              <a:ea typeface="SF Pro Text" charset="0"/>
+              <a:cs typeface="SF Pro Text" charset="0"/>
+            </a:endParaRPr>
+          </a:p>
+        </p:txBody>
+      </p:sp>
+      <p:cxnSp>
+        <p:nvCxnSpPr>
+          <p:cNvPr id="29" name="Straight Arrow Connector 28"/>
+          <p:cNvCxnSpPr/>
+          <p:nvPr/>
+        </p:nvCxnSpPr>
+        <p:spPr>
+          <a:xfrm flipH="1" flipV="1">
+            <a:off x="2072149" y="3516995"/>
+            <a:ext cx="553060" cy="139616"/>
+          </a:xfrm>
+          <a:prstGeom prst="straightConnector1">
+            <a:avLst/>
+          </a:prstGeom>
+          <a:ln>
+            <a:solidFill>
+              <a:schemeClr val="tx1"/>
+            </a:solidFill>
+            <a:tailEnd type="triangle"/>
+          </a:ln>
+        </p:spPr>
+        <p:style>
+          <a:lnRef idx="1">
+            <a:schemeClr val="accent1"/>
+          </a:lnRef>
+          <a:fillRef idx="0">
+            <a:schemeClr val="accent1"/>
+          </a:fillRef>
+          <a:effectRef idx="0">
+            <a:schemeClr val="accent1"/>
+          </a:effectRef>
+          <a:fontRef idx="minor">
+            <a:schemeClr val="tx1"/>
+          </a:fontRef>
+        </p:style>
+      </p:cxnSp>
+      <p:sp>
+        <p:nvSpPr>
+          <p:cNvPr id="37" name="TextBox 36"/>
+          <p:cNvSpPr txBox="1"/>
+          <p:nvPr/>
+        </p:nvSpPr>
+        <p:spPr>
+          <a:xfrm>
+            <a:off x="212733" y="4076060"/>
+            <a:ext cx="2206001" cy="1169551"/>
+          </a:xfrm>
+          <a:prstGeom prst="rect">
+            <a:avLst/>
+          </a:prstGeom>
+          <a:noFill/>
+          <a:ln>
+            <a:noFill/>
+          </a:ln>
+        </p:spPr>
+        <p:txBody>
+          <a:bodyPr wrap="square" rtlCol="0">
+            <a:spAutoFit/>
+          </a:bodyPr>
+          <a:lstStyle/>
+          <a:p>
+            <a:r>
+              <a:rPr lang="en-US" sz="1400" dirty="0" smtClean="0">
+                <a:latin typeface="SF Pro Text" charset="0"/>
+                <a:ea typeface="SF Pro Text" charset="0"/>
+                <a:cs typeface="SF Pro Text" charset="0"/>
+              </a:rPr>
+              <a:t>Identity can be innovated on: </a:t>
+            </a:r>
+            <a:r>
+              <a:rPr lang="en-US" sz="1400" smtClean="0">
+                <a:latin typeface="SF Pro Text" charset="0"/>
+                <a:ea typeface="SF Pro Text" charset="0"/>
+                <a:cs typeface="SF Pro Text" charset="0"/>
+              </a:rPr>
+              <a:t>pooled identity for group credit, </a:t>
+            </a:r>
+            <a:r>
+              <a:rPr lang="en-US" sz="1400" dirty="0" smtClean="0">
+                <a:latin typeface="SF Pro Text" charset="0"/>
+                <a:ea typeface="SF Pro Text" charset="0"/>
+                <a:cs typeface="SF Pro Text" charset="0"/>
+              </a:rPr>
+              <a:t>socially attested loans </a:t>
+            </a:r>
+            <a:r>
+              <a:rPr lang="en-US" sz="1400" dirty="0" err="1" smtClean="0">
+                <a:latin typeface="SF Pro Text" charset="0"/>
+                <a:ea typeface="SF Pro Text" charset="0"/>
+                <a:cs typeface="SF Pro Text" charset="0"/>
+              </a:rPr>
+              <a:t>etc</a:t>
+            </a:r>
+            <a:endParaRPr lang="en-US" sz="1400" b="1" dirty="0">
+              <a:latin typeface="SF Pro Text" charset="0"/>
+              <a:ea typeface="SF Pro Text" charset="0"/>
+              <a:cs typeface="SF Pro Text" charset="0"/>
+            </a:endParaRPr>
+          </a:p>
+        </p:txBody>
+      </p:sp>
+      <p:cxnSp>
+        <p:nvCxnSpPr>
+          <p:cNvPr id="38" name="Straight Arrow Connector 37"/>
+          <p:cNvCxnSpPr/>
+          <p:nvPr/>
+        </p:nvCxnSpPr>
+        <p:spPr>
+          <a:xfrm flipH="1">
+            <a:off x="2181535" y="4255659"/>
+            <a:ext cx="546915" cy="273978"/>
+          </a:xfrm>
+          <a:prstGeom prst="straightConnector1">
+            <a:avLst/>
+          </a:prstGeom>
+          <a:ln>
+            <a:solidFill>
+              <a:schemeClr val="tx1"/>
+            </a:solidFill>
+            <a:tailEnd type="triangle"/>
+          </a:ln>
+        </p:spPr>
+        <p:style>
+          <a:lnRef idx="1">
+            <a:schemeClr val="accent1"/>
+          </a:lnRef>
+          <a:fillRef idx="0">
+            <a:schemeClr val="accent1"/>
+          </a:fillRef>
+          <a:effectRef idx="0">
+            <a:schemeClr val="accent1"/>
+          </a:effectRef>
+          <a:fontRef idx="minor">
+            <a:schemeClr val="tx1"/>
+          </a:fontRef>
+        </p:style>
+      </p:cxnSp>
+    </p:spTree>
+    <p:extLst>
+      <p:ext uri="{BB962C8B-B14F-4D97-AF65-F5344CB8AC3E}">
+        <p14:creationId xmlns:p14="http://schemas.microsoft.com/office/powerpoint/2010/main" val="605354845"/>
+      </p:ext>
+    </p:extLst>
+  </p:cSld>
+  <p:clrMapOvr>
+    <a:masterClrMapping/>
+  </p:clrMapOvr>
+</p:sld>
+</file>
+
+<file path=ppt/slides/slide12.xml><?xml version="1.0" encoding="utf-8"?>
+<p:sld xmlns:a="http://schemas.openxmlformats.org/drawingml/2006/main" xmlns:r="http://schemas.openxmlformats.org/officeDocument/2006/relationships" xmlns:p="http://schemas.openxmlformats.org/presentationml/2006/main">
+  <p:cSld>
+    <p:spTree>
+      <p:nvGrpSpPr>
+        <p:cNvPr id="1" name=""/>
+        <p:cNvGrpSpPr/>
+        <p:nvPr/>
+      </p:nvGrpSpPr>
+      <p:grpSpPr>
+        <a:xfrm>
+          <a:off x="0" y="0"/>
+          <a:ext cx="0" cy="0"/>
+          <a:chOff x="0" y="0"/>
+          <a:chExt cx="0" cy="0"/>
+        </a:xfrm>
+      </p:grpSpPr>
+      <p:sp>
+        <p:nvSpPr>
+          <p:cNvPr id="2" name="Title 1"/>
+          <p:cNvSpPr>
+            <a:spLocks noGrp="1"/>
+          </p:cNvSpPr>
+          <p:nvPr>
+            <p:ph type="ctrTitle"/>
+          </p:nvPr>
+        </p:nvSpPr>
+        <p:spPr/>
+        <p:txBody>
+          <a:bodyPr/>
+          <a:lstStyle/>
+          <a:p>
+            <a:r>
+              <a:rPr lang="en-US" dirty="0" smtClean="0"/>
+              <a:t>Product</a:t>
+            </a:r>
+            <a:endParaRPr lang="en-US" dirty="0"/>
+          </a:p>
+        </p:txBody>
+      </p:sp>
+    </p:spTree>
+    <p:extLst>
+      <p:ext uri="{BB962C8B-B14F-4D97-AF65-F5344CB8AC3E}">
+        <p14:creationId xmlns:p14="http://schemas.microsoft.com/office/powerpoint/2010/main" val="1764398525"/>
+      </p:ext>
+    </p:extLst>
+  </p:cSld>
+  <p:clrMapOvr>
+    <a:masterClrMapping/>
+  </p:clrMapOvr>
+</p:sld>
+</file>
+
+<file path=ppt/slides/slide13.xml><?xml version="1.0" encoding="utf-8"?>
+<p:sld xmlns:a="http://schemas.openxmlformats.org/drawingml/2006/main" xmlns:r="http://schemas.openxmlformats.org/officeDocument/2006/relationships" xmlns:p="http://schemas.openxmlformats.org/presentationml/2006/main">
+  <p:cSld>
+    <p:spTree>
+      <p:nvGrpSpPr>
+        <p:cNvPr id="1" name=""/>
+        <p:cNvGrpSpPr/>
+        <p:nvPr/>
+      </p:nvGrpSpPr>
+      <p:grpSpPr>
+        <a:xfrm>
+          <a:off x="0" y="0"/>
+          <a:ext cx="0" cy="0"/>
+          <a:chOff x="0" y="0"/>
+          <a:chExt cx="0" cy="0"/>
+        </a:xfrm>
+      </p:grpSpPr>
+      <p:pic>
+        <p:nvPicPr>
+          <p:cNvPr id="4" name="Picture 3"/>
+          <p:cNvPicPr>
+            <a:picLocks noChangeAspect="1"/>
+          </p:cNvPicPr>
+          <p:nvPr/>
+        </p:nvPicPr>
+        <p:blipFill>
+          <a:blip r:embed="rId2"/>
+          <a:stretch>
+            <a:fillRect/>
+          </a:stretch>
+        </p:blipFill>
+        <p:spPr>
+          <a:xfrm>
+            <a:off x="5037648" y="1236054"/>
+            <a:ext cx="3374574" cy="4689987"/>
+          </a:xfrm>
+          <a:prstGeom prst="rect">
+            <a:avLst/>
+          </a:prstGeom>
+        </p:spPr>
+      </p:pic>
+      <p:pic>
+        <p:nvPicPr>
+          <p:cNvPr id="6" name="Picture 5"/>
+          <p:cNvPicPr>
+            <a:picLocks noChangeAspect="1"/>
+          </p:cNvPicPr>
+          <p:nvPr/>
+        </p:nvPicPr>
+        <p:blipFill>
+          <a:blip r:embed="rId3"/>
+          <a:stretch>
+            <a:fillRect/>
+          </a:stretch>
+        </p:blipFill>
+        <p:spPr>
+          <a:xfrm>
+            <a:off x="241709" y="343502"/>
+            <a:ext cx="2057658" cy="2639961"/>
+          </a:xfrm>
+          <a:prstGeom prst="rect">
+            <a:avLst/>
+          </a:prstGeom>
+        </p:spPr>
+      </p:pic>
+      <p:sp>
+        <p:nvSpPr>
+          <p:cNvPr id="7" name="TextBox 6"/>
+          <p:cNvSpPr txBox="1"/>
+          <p:nvPr/>
+        </p:nvSpPr>
+        <p:spPr>
+          <a:xfrm>
+            <a:off x="385523" y="5316783"/>
+            <a:ext cx="3907686" cy="892552"/>
+          </a:xfrm>
+          <a:prstGeom prst="rect">
+            <a:avLst/>
+          </a:prstGeom>
+          <a:noFill/>
+          <a:ln>
+            <a:solidFill>
+              <a:schemeClr val="tx1"/>
+            </a:solidFill>
+          </a:ln>
+        </p:spPr>
+        <p:txBody>
+          <a:bodyPr wrap="square" rtlCol="0">
+            <a:spAutoFit/>
+          </a:bodyPr>
+          <a:lstStyle/>
+          <a:p>
+            <a:r>
+              <a:rPr lang="en-US" sz="2000" b="1" dirty="0" smtClean="0">
+                <a:latin typeface="SF Pro Display" charset="0"/>
+                <a:ea typeface="SF Pro Display" charset="0"/>
+                <a:cs typeface="SF Pro Display" charset="0"/>
+              </a:rPr>
+              <a:t>Borderless Credit Marketplace</a:t>
+            </a:r>
+          </a:p>
+          <a:p>
+            <a:r>
+              <a:rPr lang="en-US" sz="1600" dirty="0" smtClean="0">
+                <a:latin typeface="SF Pro Display" charset="0"/>
+                <a:ea typeface="SF Pro Display" charset="0"/>
+                <a:cs typeface="SF Pro Display" charset="0"/>
+              </a:rPr>
+              <a:t>Anyone around the world with USDC can fund a loan</a:t>
+            </a:r>
+            <a:endParaRPr lang="en-US" sz="1600" dirty="0">
+              <a:latin typeface="SF Pro Display" charset="0"/>
+              <a:ea typeface="SF Pro Display" charset="0"/>
+              <a:cs typeface="SF Pro Display" charset="0"/>
+            </a:endParaRPr>
+          </a:p>
+        </p:txBody>
+      </p:sp>
+      <p:sp>
+        <p:nvSpPr>
+          <p:cNvPr id="8" name="TextBox 7"/>
+          <p:cNvSpPr txBox="1"/>
+          <p:nvPr/>
+        </p:nvSpPr>
+        <p:spPr>
+          <a:xfrm>
+            <a:off x="2319274" y="343502"/>
+            <a:ext cx="3730705" cy="892552"/>
+          </a:xfrm>
+          <a:prstGeom prst="rect">
+            <a:avLst/>
+          </a:prstGeom>
+          <a:noFill/>
+          <a:ln>
+            <a:solidFill>
+              <a:schemeClr val="tx1"/>
+            </a:solidFill>
+          </a:ln>
+        </p:spPr>
+        <p:txBody>
+          <a:bodyPr wrap="square" rtlCol="0">
+            <a:spAutoFit/>
+          </a:bodyPr>
+          <a:lstStyle/>
+          <a:p>
+            <a:r>
+              <a:rPr lang="en-US" sz="2000" b="1" dirty="0" err="1" smtClean="0">
+                <a:latin typeface="SF Pro Display" charset="0"/>
+                <a:ea typeface="SF Pro Display" charset="0"/>
+                <a:cs typeface="SF Pro Display" charset="0"/>
+              </a:rPr>
+              <a:t>Stablecoin</a:t>
+            </a:r>
+            <a:r>
+              <a:rPr lang="en-US" sz="2000" b="1" dirty="0" smtClean="0">
+                <a:latin typeface="SF Pro Display" charset="0"/>
+                <a:ea typeface="SF Pro Display" charset="0"/>
+                <a:cs typeface="SF Pro Display" charset="0"/>
+              </a:rPr>
+              <a:t> Loans</a:t>
+            </a:r>
+          </a:p>
+          <a:p>
+            <a:r>
+              <a:rPr lang="en-US" sz="1600" dirty="0" smtClean="0">
+                <a:latin typeface="SF Pro Display" charset="0"/>
+                <a:ea typeface="SF Pro Display" charset="0"/>
+                <a:cs typeface="SF Pro Display" charset="0"/>
+              </a:rPr>
+              <a:t>Near-$0 money movement across borders from wallet to wallet </a:t>
+            </a:r>
+            <a:endParaRPr lang="en-US" sz="1600" dirty="0">
+              <a:latin typeface="SF Pro Display" charset="0"/>
+              <a:ea typeface="SF Pro Display" charset="0"/>
+              <a:cs typeface="SF Pro Display" charset="0"/>
+            </a:endParaRPr>
+          </a:p>
+        </p:txBody>
+      </p:sp>
+      <p:cxnSp>
+        <p:nvCxnSpPr>
+          <p:cNvPr id="27" name="Straight Arrow Connector 26"/>
+          <p:cNvCxnSpPr>
+            <a:stCxn id="8" idx="2"/>
+          </p:cNvCxnSpPr>
+          <p:nvPr/>
+        </p:nvCxnSpPr>
+        <p:spPr>
+          <a:xfrm>
+            <a:off x="4184627" y="1236054"/>
+            <a:ext cx="1036302" cy="3011481"/>
+          </a:xfrm>
+          <a:prstGeom prst="straightConnector1">
+            <a:avLst/>
+          </a:prstGeom>
+          <a:ln>
+            <a:solidFill>
+              <a:schemeClr val="tx1"/>
+            </a:solidFill>
+            <a:tailEnd type="triangle"/>
+          </a:ln>
+        </p:spPr>
+        <p:style>
+          <a:lnRef idx="1">
+            <a:schemeClr val="accent1"/>
+          </a:lnRef>
+          <a:fillRef idx="0">
+            <a:schemeClr val="accent1"/>
+          </a:fillRef>
+          <a:effectRef idx="0">
+            <a:schemeClr val="accent1"/>
+          </a:effectRef>
+          <a:fontRef idx="minor">
+            <a:schemeClr val="tx1"/>
+          </a:fontRef>
+        </p:style>
+      </p:cxnSp>
+      <p:cxnSp>
+        <p:nvCxnSpPr>
+          <p:cNvPr id="29" name="Straight Arrow Connector 28"/>
+          <p:cNvCxnSpPr>
+            <a:stCxn id="7" idx="3"/>
+          </p:cNvCxnSpPr>
+          <p:nvPr/>
+        </p:nvCxnSpPr>
+        <p:spPr>
+          <a:xfrm flipV="1">
+            <a:off x="4293209" y="5140087"/>
+            <a:ext cx="927720" cy="622972"/>
+          </a:xfrm>
+          <a:prstGeom prst="straightConnector1">
+            <a:avLst/>
+          </a:prstGeom>
+          <a:ln>
+            <a:solidFill>
+              <a:schemeClr val="tx1"/>
+            </a:solidFill>
+            <a:tailEnd type="triangle"/>
+          </a:ln>
+        </p:spPr>
+        <p:style>
+          <a:lnRef idx="1">
+            <a:schemeClr val="accent1"/>
+          </a:lnRef>
+          <a:fillRef idx="0">
+            <a:schemeClr val="accent1"/>
+          </a:fillRef>
+          <a:effectRef idx="0">
+            <a:schemeClr val="accent1"/>
+          </a:effectRef>
+          <a:fontRef idx="minor">
+            <a:schemeClr val="tx1"/>
+          </a:fontRef>
+        </p:style>
+      </p:cxnSp>
+    </p:spTree>
+    <p:extLst>
+      <p:ext uri="{BB962C8B-B14F-4D97-AF65-F5344CB8AC3E}">
+        <p14:creationId xmlns:p14="http://schemas.microsoft.com/office/powerpoint/2010/main" val="1044109734"/>
+      </p:ext>
+    </p:extLst>
+  </p:cSld>
+  <p:clrMapOvr>
+    <a:masterClrMapping/>
+  </p:clrMapOvr>
+</p:sld>
+</file>
+
+<file path=ppt/slides/slide14.xml><?xml version="1.0" encoding="utf-8"?>
+<p:sld xmlns:a="http://schemas.openxmlformats.org/drawingml/2006/main" xmlns:r="http://schemas.openxmlformats.org/officeDocument/2006/relationships" xmlns:p="http://schemas.openxmlformats.org/presentationml/2006/main">
+  <p:cSld>
+    <p:spTree>
+      <p:nvGrpSpPr>
+        <p:cNvPr id="1" name=""/>
+        <p:cNvGrpSpPr/>
+        <p:nvPr/>
+      </p:nvGrpSpPr>
+      <p:grpSpPr>
+        <a:xfrm>
+          <a:off x="0" y="0"/>
+          <a:ext cx="0" cy="0"/>
+          <a:chOff x="0" y="0"/>
+          <a:chExt cx="0" cy="0"/>
+        </a:xfrm>
+      </p:grpSpPr>
+      <p:pic>
+        <p:nvPicPr>
+          <p:cNvPr id="2" name="Picture 1"/>
+          <p:cNvPicPr>
+            <a:picLocks noChangeAspect="1"/>
+          </p:cNvPicPr>
+          <p:nvPr/>
+        </p:nvPicPr>
+        <p:blipFill rotWithShape="1">
+          <a:blip r:embed="rId2"/>
+          <a:srcRect b="78184"/>
+          <a:stretch/>
+        </p:blipFill>
+        <p:spPr>
+          <a:xfrm>
+            <a:off x="2736320" y="757457"/>
+            <a:ext cx="6904521" cy="5379675"/>
+          </a:xfrm>
+          <a:prstGeom prst="rect">
+            <a:avLst/>
+          </a:prstGeom>
+        </p:spPr>
+      </p:pic>
+      <p:sp>
+        <p:nvSpPr>
+          <p:cNvPr id="8" name="TextBox 7"/>
+          <p:cNvSpPr txBox="1"/>
+          <p:nvPr/>
+        </p:nvSpPr>
+        <p:spPr>
+          <a:xfrm>
+            <a:off x="439197" y="1470783"/>
+            <a:ext cx="2761203" cy="1384995"/>
+          </a:xfrm>
+          <a:prstGeom prst="rect">
+            <a:avLst/>
+          </a:prstGeom>
+          <a:noFill/>
+          <a:ln>
+            <a:solidFill>
+              <a:schemeClr val="tx1"/>
+            </a:solidFill>
+          </a:ln>
+        </p:spPr>
+        <p:txBody>
+          <a:bodyPr wrap="square" rtlCol="0">
+            <a:spAutoFit/>
+          </a:bodyPr>
+          <a:lstStyle/>
+          <a:p>
+            <a:r>
+              <a:rPr lang="en-US" sz="2000" b="1" dirty="0" smtClean="0">
+                <a:latin typeface="SF Pro Display" charset="0"/>
+                <a:ea typeface="SF Pro Display" charset="0"/>
+                <a:cs typeface="SF Pro Display" charset="0"/>
+              </a:rPr>
+              <a:t>Identity-as-collateral</a:t>
+            </a:r>
+          </a:p>
+          <a:p>
+            <a:r>
+              <a:rPr lang="en-US" sz="1600" dirty="0" smtClean="0">
+                <a:latin typeface="SF Pro Display" charset="0"/>
+                <a:ea typeface="SF Pro Display" charset="0"/>
+                <a:cs typeface="SF Pro Display" charset="0"/>
+              </a:rPr>
+              <a:t>Real-world identity allows unsecured lending with globally verified identity as collateral</a:t>
+            </a:r>
+            <a:endParaRPr lang="en-US" sz="1600" dirty="0">
+              <a:latin typeface="SF Pro Display" charset="0"/>
+              <a:ea typeface="SF Pro Display" charset="0"/>
+              <a:cs typeface="SF Pro Display" charset="0"/>
+            </a:endParaRPr>
+          </a:p>
+        </p:txBody>
+      </p:sp>
+      <p:cxnSp>
+        <p:nvCxnSpPr>
+          <p:cNvPr id="27" name="Straight Arrow Connector 26"/>
+          <p:cNvCxnSpPr>
+            <a:stCxn id="8" idx="2"/>
+          </p:cNvCxnSpPr>
+          <p:nvPr/>
+        </p:nvCxnSpPr>
+        <p:spPr>
+          <a:xfrm>
+            <a:off x="1819799" y="2855778"/>
+            <a:ext cx="1483840" cy="454601"/>
+          </a:xfrm>
+          <a:prstGeom prst="straightConnector1">
+            <a:avLst/>
+          </a:prstGeom>
+          <a:ln>
+            <a:solidFill>
+              <a:schemeClr val="tx1"/>
+            </a:solidFill>
+            <a:tailEnd type="triangle"/>
+          </a:ln>
+        </p:spPr>
+        <p:style>
+          <a:lnRef idx="1">
+            <a:schemeClr val="accent1"/>
+          </a:lnRef>
+          <a:fillRef idx="0">
+            <a:schemeClr val="accent1"/>
+          </a:fillRef>
+          <a:effectRef idx="0">
+            <a:schemeClr val="accent1"/>
+          </a:effectRef>
+          <a:fontRef idx="minor">
+            <a:schemeClr val="tx1"/>
+          </a:fontRef>
+        </p:style>
+      </p:cxnSp>
+      <p:sp>
+        <p:nvSpPr>
+          <p:cNvPr id="10" name="TextBox 9"/>
+          <p:cNvSpPr txBox="1"/>
+          <p:nvPr/>
+        </p:nvSpPr>
+        <p:spPr>
+          <a:xfrm>
+            <a:off x="9099755" y="2000744"/>
+            <a:ext cx="2838209" cy="1138773"/>
+          </a:xfrm>
+          <a:prstGeom prst="rect">
+            <a:avLst/>
+          </a:prstGeom>
+          <a:noFill/>
+          <a:ln>
+            <a:solidFill>
+              <a:schemeClr val="tx1"/>
+            </a:solidFill>
+          </a:ln>
+        </p:spPr>
+        <p:txBody>
+          <a:bodyPr wrap="square" rtlCol="0">
+            <a:spAutoFit/>
+          </a:bodyPr>
+          <a:lstStyle/>
+          <a:p>
+            <a:r>
+              <a:rPr lang="en-US" sz="2000" b="1" dirty="0" smtClean="0">
+                <a:latin typeface="SF Pro Display" charset="0"/>
+                <a:ea typeface="SF Pro Display" charset="0"/>
+                <a:cs typeface="SF Pro Display" charset="0"/>
+              </a:rPr>
+              <a:t>Social Attestation</a:t>
+            </a:r>
+          </a:p>
+          <a:p>
+            <a:r>
+              <a:rPr lang="en-US" sz="1600" dirty="0" smtClean="0">
+                <a:latin typeface="SF Pro Display" charset="0"/>
+                <a:ea typeface="SF Pro Display" charset="0"/>
+                <a:cs typeface="SF Pro Display" charset="0"/>
+              </a:rPr>
+              <a:t>Develop a richer credit profile by other verified profiles attesting for the borrower</a:t>
+            </a:r>
+            <a:endParaRPr lang="en-US" sz="1600" dirty="0">
+              <a:latin typeface="SF Pro Display" charset="0"/>
+              <a:ea typeface="SF Pro Display" charset="0"/>
+              <a:cs typeface="SF Pro Display" charset="0"/>
+            </a:endParaRPr>
+          </a:p>
+        </p:txBody>
+      </p:sp>
+      <p:cxnSp>
+        <p:nvCxnSpPr>
+          <p:cNvPr id="11" name="Straight Arrow Connector 10"/>
+          <p:cNvCxnSpPr>
+            <a:stCxn id="10" idx="1"/>
+          </p:cNvCxnSpPr>
+          <p:nvPr/>
+        </p:nvCxnSpPr>
+        <p:spPr>
+          <a:xfrm flipH="1">
+            <a:off x="7813965" y="2570131"/>
+            <a:ext cx="1285790" cy="543725"/>
+          </a:xfrm>
+          <a:prstGeom prst="straightConnector1">
+            <a:avLst/>
+          </a:prstGeom>
+          <a:ln>
+            <a:solidFill>
+              <a:schemeClr val="tx1"/>
+            </a:solidFill>
+            <a:tailEnd type="triangle"/>
+          </a:ln>
+        </p:spPr>
+        <p:style>
+          <a:lnRef idx="1">
+            <a:schemeClr val="accent1"/>
+          </a:lnRef>
+          <a:fillRef idx="0">
+            <a:schemeClr val="accent1"/>
+          </a:fillRef>
+          <a:effectRef idx="0">
+            <a:schemeClr val="accent1"/>
+          </a:effectRef>
+          <a:fontRef idx="minor">
+            <a:schemeClr val="tx1"/>
+          </a:fontRef>
+        </p:style>
+      </p:cxnSp>
+      <p:pic>
+        <p:nvPicPr>
+          <p:cNvPr id="13" name="Picture 12"/>
+          <p:cNvPicPr>
+            <a:picLocks noChangeAspect="1"/>
+          </p:cNvPicPr>
+          <p:nvPr/>
+        </p:nvPicPr>
+        <p:blipFill>
+          <a:blip r:embed="rId3"/>
+          <a:stretch>
+            <a:fillRect/>
+          </a:stretch>
+        </p:blipFill>
+        <p:spPr>
+          <a:xfrm>
+            <a:off x="430620" y="3113856"/>
+            <a:ext cx="1517379" cy="1946787"/>
+          </a:xfrm>
+          <a:prstGeom prst="rect">
+            <a:avLst/>
+          </a:prstGeom>
+        </p:spPr>
+      </p:pic>
+      <p:sp>
+        <p:nvSpPr>
+          <p:cNvPr id="14" name="AutoShape 2" descr="Box Logo"/>
+          <p:cNvSpPr>
+            <a:spLocks noChangeAspect="1" noChangeArrowheads="1"/>
+          </p:cNvSpPr>
+          <p:nvPr/>
+        </p:nvSpPr>
+        <p:spPr bwMode="auto">
+          <a:xfrm>
+            <a:off x="0" y="0"/>
+            <a:ext cx="304800" cy="304800"/>
+          </a:xfrm>
+          <a:prstGeom prst="rect">
+            <a:avLst/>
+          </a:prstGeom>
+          <a:noFill/>
+          <a:extLst>
+            <a:ext uri="{909E8E84-426E-40DD-AFC4-6F175D3DCCD1}">
+              <a14:hiddenFill xmlns:a14="http://schemas.microsoft.com/office/drawing/2010/main">
+                <a:solidFill>
+                  <a:srgbClr val="FFFFFF"/>
+                </a:solidFill>
+              </a14:hiddenFill>
+            </a:ext>
+          </a:extLst>
+        </p:spPr>
+        <p:txBody>
+          <a:bodyPr vert="horz" wrap="square" lIns="91440" tIns="45720" rIns="91440" bIns="45720" numCol="1" anchor="t" anchorCtr="0" compatLnSpc="1">
+            <a:prstTxWarp prst="textNoShape">
+              <a:avLst/>
+            </a:prstTxWarp>
+          </a:bodyPr>
+          <a:lstStyle/>
+          <a:p>
+            <a:endParaRPr lang="en-US"/>
+          </a:p>
+        </p:txBody>
+      </p:sp>
+      <p:pic>
+        <p:nvPicPr>
+          <p:cNvPr id="18" name="Picture 17"/>
+          <p:cNvPicPr>
+            <a:picLocks noChangeAspect="1"/>
+          </p:cNvPicPr>
+          <p:nvPr/>
+        </p:nvPicPr>
+        <p:blipFill>
+          <a:blip r:embed="rId4"/>
+          <a:stretch>
+            <a:fillRect/>
+          </a:stretch>
+        </p:blipFill>
+        <p:spPr>
+          <a:xfrm>
+            <a:off x="536309" y="5158520"/>
+            <a:ext cx="1208612" cy="499623"/>
+          </a:xfrm>
+          <a:prstGeom prst="rect">
+            <a:avLst/>
+          </a:prstGeom>
+        </p:spPr>
+      </p:pic>
+      <p:pic>
+        <p:nvPicPr>
+          <p:cNvPr id="25" name="Picture 24"/>
+          <p:cNvPicPr>
+            <a:picLocks noChangeAspect="1"/>
+          </p:cNvPicPr>
+          <p:nvPr/>
+        </p:nvPicPr>
+        <p:blipFill>
+          <a:blip r:embed="rId3"/>
+          <a:stretch>
+            <a:fillRect/>
+          </a:stretch>
+        </p:blipFill>
+        <p:spPr>
+          <a:xfrm>
+            <a:off x="10518859" y="3275177"/>
+            <a:ext cx="1517379" cy="1946787"/>
+          </a:xfrm>
+          <a:prstGeom prst="rect">
+            <a:avLst/>
+          </a:prstGeom>
+        </p:spPr>
+      </p:pic>
+    </p:spTree>
+    <p:extLst>
+      <p:ext uri="{BB962C8B-B14F-4D97-AF65-F5344CB8AC3E}">
+        <p14:creationId xmlns:p14="http://schemas.microsoft.com/office/powerpoint/2010/main" val="292632525"/>
+      </p:ext>
+    </p:extLst>
+  </p:cSld>
+  <p:clrMapOvr>
+    <a:masterClrMapping/>
+  </p:clrMapOvr>
+</p:sld>
+</file>
+
+<file path=ppt/slides/slide15.xml><?xml version="1.0" encoding="utf-8"?>
+<p:sld xmlns:a="http://schemas.openxmlformats.org/drawingml/2006/main" xmlns:r="http://schemas.openxmlformats.org/officeDocument/2006/relationships" xmlns:p="http://schemas.openxmlformats.org/presentationml/2006/main">
+  <p:cSld>
+    <p:spTree>
+      <p:nvGrpSpPr>
+        <p:cNvPr id="1" name=""/>
+        <p:cNvGrpSpPr/>
+        <p:nvPr/>
+      </p:nvGrpSpPr>
+      <p:grpSpPr>
+        <a:xfrm>
+          <a:off x="0" y="0"/>
+          <a:ext cx="0" cy="0"/>
+          <a:chOff x="0" y="0"/>
+          <a:chExt cx="0" cy="0"/>
+        </a:xfrm>
+      </p:grpSpPr>
+      <p:pic>
+        <p:nvPicPr>
+          <p:cNvPr id="2" name="Picture 1"/>
+          <p:cNvPicPr>
+            <a:picLocks noChangeAspect="1"/>
+          </p:cNvPicPr>
+          <p:nvPr/>
+        </p:nvPicPr>
+        <p:blipFill rotWithShape="1">
+          <a:blip r:embed="rId2"/>
+          <a:srcRect l="-507" t="21462" r="507" b="56722"/>
+          <a:stretch/>
+        </p:blipFill>
+        <p:spPr>
+          <a:xfrm>
+            <a:off x="2736320" y="757457"/>
+            <a:ext cx="6904521" cy="5379675"/>
+          </a:xfrm>
+          <a:prstGeom prst="rect">
+            <a:avLst/>
+          </a:prstGeom>
+        </p:spPr>
+      </p:pic>
+      <p:sp>
+        <p:nvSpPr>
+          <p:cNvPr id="8" name="TextBox 7"/>
+          <p:cNvSpPr txBox="1"/>
+          <p:nvPr/>
+        </p:nvSpPr>
+        <p:spPr>
+          <a:xfrm>
+            <a:off x="304800" y="437893"/>
+            <a:ext cx="2881745" cy="1692771"/>
+          </a:xfrm>
+          <a:prstGeom prst="rect">
+            <a:avLst/>
+          </a:prstGeom>
+          <a:noFill/>
+          <a:ln>
+            <a:solidFill>
+              <a:schemeClr val="tx1"/>
+            </a:solidFill>
+          </a:ln>
+        </p:spPr>
+        <p:txBody>
+          <a:bodyPr wrap="square" rtlCol="0">
+            <a:spAutoFit/>
+          </a:bodyPr>
+          <a:lstStyle/>
+          <a:p>
+            <a:r>
+              <a:rPr lang="en-US" sz="2000" b="1" dirty="0" smtClean="0">
+                <a:latin typeface="SF Pro Display" charset="0"/>
+                <a:ea typeface="SF Pro Display" charset="0"/>
+                <a:cs typeface="SF Pro Display" charset="0"/>
+              </a:rPr>
+              <a:t>Smart Contract Fundraising</a:t>
+            </a:r>
+          </a:p>
+          <a:p>
+            <a:r>
+              <a:rPr lang="en-US" sz="1600" dirty="0" smtClean="0">
+                <a:latin typeface="SF Pro Display" charset="0"/>
+                <a:ea typeface="SF Pro Display" charset="0"/>
+                <a:cs typeface="SF Pro Display" charset="0"/>
+              </a:rPr>
+              <a:t>Using smart contract (ERC-20) smart contract to fund loan with automatic handling of flow of funds</a:t>
+            </a:r>
+            <a:endParaRPr lang="en-US" sz="1600" dirty="0">
+              <a:latin typeface="SF Pro Display" charset="0"/>
+              <a:ea typeface="SF Pro Display" charset="0"/>
+              <a:cs typeface="SF Pro Display" charset="0"/>
+            </a:endParaRPr>
+          </a:p>
+        </p:txBody>
+      </p:sp>
+      <p:cxnSp>
+        <p:nvCxnSpPr>
+          <p:cNvPr id="27" name="Straight Arrow Connector 26"/>
+          <p:cNvCxnSpPr>
+            <a:stCxn id="8" idx="3"/>
+          </p:cNvCxnSpPr>
+          <p:nvPr/>
+        </p:nvCxnSpPr>
+        <p:spPr>
+          <a:xfrm>
+            <a:off x="3186545" y="1284279"/>
+            <a:ext cx="249382" cy="292387"/>
+          </a:xfrm>
+          <a:prstGeom prst="straightConnector1">
+            <a:avLst/>
+          </a:prstGeom>
+          <a:ln>
+            <a:solidFill>
+              <a:schemeClr val="tx1"/>
+            </a:solidFill>
+            <a:tailEnd type="triangle"/>
+          </a:ln>
+        </p:spPr>
+        <p:style>
+          <a:lnRef idx="1">
+            <a:schemeClr val="accent1"/>
+          </a:lnRef>
+          <a:fillRef idx="0">
+            <a:schemeClr val="accent1"/>
+          </a:fillRef>
+          <a:effectRef idx="0">
+            <a:schemeClr val="accent1"/>
+          </a:effectRef>
+          <a:fontRef idx="minor">
+            <a:schemeClr val="tx1"/>
+          </a:fontRef>
+        </p:style>
+      </p:cxnSp>
+      <p:pic>
+        <p:nvPicPr>
+          <p:cNvPr id="9" name="Picture 8"/>
+          <p:cNvPicPr>
+            <a:picLocks noChangeAspect="1"/>
+          </p:cNvPicPr>
+          <p:nvPr/>
+        </p:nvPicPr>
+        <p:blipFill>
+          <a:blip r:embed="rId3"/>
+          <a:stretch>
+            <a:fillRect/>
+          </a:stretch>
+        </p:blipFill>
+        <p:spPr>
+          <a:xfrm>
+            <a:off x="10416832" y="3447294"/>
+            <a:ext cx="1655529" cy="2124032"/>
+          </a:xfrm>
+          <a:prstGeom prst="rect">
+            <a:avLst/>
+          </a:prstGeom>
+        </p:spPr>
+      </p:pic>
+      <p:sp>
+        <p:nvSpPr>
+          <p:cNvPr id="10" name="TextBox 9"/>
+          <p:cNvSpPr txBox="1"/>
+          <p:nvPr/>
+        </p:nvSpPr>
+        <p:spPr>
+          <a:xfrm>
+            <a:off x="9226622" y="1822888"/>
+            <a:ext cx="2845739" cy="1446550"/>
+          </a:xfrm>
+          <a:prstGeom prst="rect">
+            <a:avLst/>
+          </a:prstGeom>
+          <a:noFill/>
+          <a:ln>
+            <a:solidFill>
+              <a:schemeClr val="tx1"/>
+            </a:solidFill>
+          </a:ln>
+        </p:spPr>
+        <p:txBody>
+          <a:bodyPr wrap="square" rtlCol="0">
+            <a:spAutoFit/>
+          </a:bodyPr>
+          <a:lstStyle/>
+          <a:p>
+            <a:r>
+              <a:rPr lang="en-US" sz="2000" b="1" dirty="0" smtClean="0">
+                <a:latin typeface="SF Pro Display" charset="0"/>
+                <a:ea typeface="SF Pro Display" charset="0"/>
+                <a:cs typeface="SF Pro Display" charset="0"/>
+              </a:rPr>
+              <a:t>Smart Contract for Loan Operations</a:t>
+            </a:r>
+          </a:p>
+          <a:p>
+            <a:r>
+              <a:rPr lang="en-US" sz="1600" dirty="0" smtClean="0">
+                <a:latin typeface="SF Pro Display" charset="0"/>
+                <a:ea typeface="SF Pro Display" charset="0"/>
+                <a:cs typeface="SF Pro Display" charset="0"/>
+              </a:rPr>
+              <a:t>Automated tracking of debt terms, repayment payments, and handling of flow-of-funds </a:t>
+            </a:r>
+            <a:endParaRPr lang="en-US" sz="1600" dirty="0">
+              <a:latin typeface="SF Pro Display" charset="0"/>
+              <a:ea typeface="SF Pro Display" charset="0"/>
+              <a:cs typeface="SF Pro Display" charset="0"/>
+            </a:endParaRPr>
+          </a:p>
+        </p:txBody>
+      </p:sp>
+      <p:cxnSp>
+        <p:nvCxnSpPr>
+          <p:cNvPr id="11" name="Straight Arrow Connector 10"/>
+          <p:cNvCxnSpPr/>
+          <p:nvPr/>
+        </p:nvCxnSpPr>
+        <p:spPr>
+          <a:xfrm flipH="1">
+            <a:off x="6012873" y="2355273"/>
+            <a:ext cx="3213749" cy="1092021"/>
+          </a:xfrm>
+          <a:prstGeom prst="straightConnector1">
+            <a:avLst/>
+          </a:prstGeom>
+          <a:ln>
+            <a:solidFill>
+              <a:schemeClr val="tx1"/>
+            </a:solidFill>
+            <a:tailEnd type="triangle"/>
+          </a:ln>
+        </p:spPr>
+        <p:style>
+          <a:lnRef idx="1">
+            <a:schemeClr val="accent1"/>
+          </a:lnRef>
+          <a:fillRef idx="0">
+            <a:schemeClr val="accent1"/>
+          </a:fillRef>
+          <a:effectRef idx="0">
+            <a:schemeClr val="accent1"/>
+          </a:effectRef>
+          <a:fontRef idx="minor">
+            <a:schemeClr val="tx1"/>
+          </a:fontRef>
+        </p:style>
+      </p:cxnSp>
+      <p:sp>
+        <p:nvSpPr>
+          <p:cNvPr id="14" name="AutoShape 2" descr="Box Logo"/>
+          <p:cNvSpPr>
+            <a:spLocks noChangeAspect="1" noChangeArrowheads="1"/>
+          </p:cNvSpPr>
+          <p:nvPr/>
+        </p:nvSpPr>
+        <p:spPr bwMode="auto">
+          <a:xfrm>
+            <a:off x="0" y="0"/>
+            <a:ext cx="304800" cy="304800"/>
+          </a:xfrm>
+          <a:prstGeom prst="rect">
+            <a:avLst/>
+          </a:prstGeom>
+          <a:noFill/>
+          <a:extLst>
+            <a:ext uri="{909E8E84-426E-40DD-AFC4-6F175D3DCCD1}">
+              <a14:hiddenFill xmlns:a14="http://schemas.microsoft.com/office/drawing/2010/main">
+                <a:solidFill>
+                  <a:srgbClr val="FFFFFF"/>
+                </a:solidFill>
+              </a14:hiddenFill>
+            </a:ext>
+          </a:extLst>
+        </p:spPr>
+        <p:txBody>
+          <a:bodyPr vert="horz" wrap="square" lIns="91440" tIns="45720" rIns="91440" bIns="45720" numCol="1" anchor="t" anchorCtr="0" compatLnSpc="1">
+            <a:prstTxWarp prst="textNoShape">
+              <a:avLst/>
+            </a:prstTxWarp>
+          </a:bodyPr>
+          <a:lstStyle/>
+          <a:p>
+            <a:endParaRPr lang="en-US"/>
+          </a:p>
+        </p:txBody>
+      </p:sp>
+      <p:cxnSp>
+        <p:nvCxnSpPr>
+          <p:cNvPr id="15" name="Straight Arrow Connector 14"/>
+          <p:cNvCxnSpPr/>
+          <p:nvPr/>
+        </p:nvCxnSpPr>
+        <p:spPr>
+          <a:xfrm>
+            <a:off x="3186545" y="757457"/>
+            <a:ext cx="2992582" cy="461743"/>
+          </a:xfrm>
+          <a:prstGeom prst="straightConnector1">
+            <a:avLst/>
+          </a:prstGeom>
+          <a:ln>
+            <a:solidFill>
+              <a:schemeClr val="tx1"/>
+            </a:solidFill>
+            <a:tailEnd type="triangle"/>
+          </a:ln>
+        </p:spPr>
+        <p:style>
+          <a:lnRef idx="1">
+            <a:schemeClr val="accent1"/>
+          </a:lnRef>
+          <a:fillRef idx="0">
+            <a:schemeClr val="accent1"/>
+          </a:fillRef>
+          <a:effectRef idx="0">
+            <a:schemeClr val="accent1"/>
+          </a:effectRef>
+          <a:fontRef idx="minor">
+            <a:schemeClr val="tx1"/>
+          </a:fontRef>
+        </p:style>
+      </p:cxnSp>
+      <p:cxnSp>
+        <p:nvCxnSpPr>
+          <p:cNvPr id="20" name="Straight Arrow Connector 19"/>
+          <p:cNvCxnSpPr/>
+          <p:nvPr/>
+        </p:nvCxnSpPr>
+        <p:spPr>
+          <a:xfrm flipH="1">
+            <a:off x="7619747" y="2646218"/>
+            <a:ext cx="1606875" cy="2743200"/>
+          </a:xfrm>
+          <a:prstGeom prst="straightConnector1">
+            <a:avLst/>
+          </a:prstGeom>
+          <a:ln>
+            <a:solidFill>
+              <a:schemeClr val="tx1"/>
+            </a:solidFill>
+            <a:tailEnd type="triangle"/>
+          </a:ln>
+        </p:spPr>
+        <p:style>
+          <a:lnRef idx="1">
+            <a:schemeClr val="accent1"/>
+          </a:lnRef>
+          <a:fillRef idx="0">
+            <a:schemeClr val="accent1"/>
+          </a:fillRef>
+          <a:effectRef idx="0">
+            <a:schemeClr val="accent1"/>
+          </a:effectRef>
+          <a:fontRef idx="minor">
+            <a:schemeClr val="tx1"/>
+          </a:fontRef>
+        </p:style>
+      </p:cxnSp>
+    </p:spTree>
+    <p:extLst>
+      <p:ext uri="{BB962C8B-B14F-4D97-AF65-F5344CB8AC3E}">
+        <p14:creationId xmlns:p14="http://schemas.microsoft.com/office/powerpoint/2010/main" val="185665706"/>
+      </p:ext>
+    </p:extLst>
+  </p:cSld>
+  <p:clrMapOvr>
+    <a:masterClrMapping/>
+  </p:clrMapOvr>
+</p:sld>
+</file>
+
+<file path=ppt/slides/slide16.xml><?xml version="1.0" encoding="utf-8"?>
+<p:sld xmlns:a="http://schemas.openxmlformats.org/drawingml/2006/main" xmlns:r="http://schemas.openxmlformats.org/officeDocument/2006/relationships" xmlns:p="http://schemas.openxmlformats.org/presentationml/2006/main">
+  <p:cSld>
+    <p:spTree>
+      <p:nvGrpSpPr>
+        <p:cNvPr id="1" name=""/>
+        <p:cNvGrpSpPr/>
+        <p:nvPr/>
+      </p:nvGrpSpPr>
+      <p:grpSpPr>
+        <a:xfrm>
+          <a:off x="0" y="0"/>
+          <a:ext cx="0" cy="0"/>
+          <a:chOff x="0" y="0"/>
+          <a:chExt cx="0" cy="0"/>
+        </a:xfrm>
+      </p:grpSpPr>
+      <p:sp>
+        <p:nvSpPr>
+          <p:cNvPr id="2" name="Title 1"/>
+          <p:cNvSpPr>
+            <a:spLocks noGrp="1"/>
+          </p:cNvSpPr>
+          <p:nvPr>
+            <p:ph type="ctrTitle"/>
+          </p:nvPr>
+        </p:nvSpPr>
+        <p:spPr/>
+        <p:txBody>
+          <a:bodyPr/>
+          <a:lstStyle/>
+          <a:p>
+            <a:r>
+              <a:rPr lang="en-US" dirty="0" smtClean="0"/>
+              <a:t>Implementation</a:t>
+            </a:r>
+            <a:endParaRPr lang="en-US" dirty="0"/>
+          </a:p>
+        </p:txBody>
+      </p:sp>
+    </p:spTree>
+    <p:extLst>
+      <p:ext uri="{BB962C8B-B14F-4D97-AF65-F5344CB8AC3E}">
+        <p14:creationId xmlns:p14="http://schemas.microsoft.com/office/powerpoint/2010/main" val="176927560"/>
+      </p:ext>
+    </p:extLst>
+  </p:cSld>
+  <p:clrMapOvr>
+    <a:masterClrMapping/>
+  </p:clrMapOvr>
+</p:sld>
+</file>
+
 <file path=ppt/slides/slide2.xml><?xml version="1.0" encoding="utf-8"?>
+<p:sld xmlns:a="http://schemas.openxmlformats.org/drawingml/2006/main" xmlns:r="http://schemas.openxmlformats.org/officeDocument/2006/relationships" xmlns:p="http://schemas.openxmlformats.org/presentationml/2006/main">
+  <p:cSld>
+    <p:spTree>
+      <p:nvGrpSpPr>
+        <p:cNvPr id="1" name=""/>
+        <p:cNvGrpSpPr/>
+        <p:nvPr/>
+      </p:nvGrpSpPr>
+      <p:grpSpPr>
+        <a:xfrm>
+          <a:off x="0" y="0"/>
+          <a:ext cx="0" cy="0"/>
+          <a:chOff x="0" y="0"/>
+          <a:chExt cx="0" cy="0"/>
+        </a:xfrm>
+      </p:grpSpPr>
+      <p:sp>
+        <p:nvSpPr>
+          <p:cNvPr id="2" name="Title 1"/>
+          <p:cNvSpPr>
+            <a:spLocks noGrp="1"/>
+          </p:cNvSpPr>
+          <p:nvPr>
+            <p:ph type="ctrTitle"/>
+          </p:nvPr>
+        </p:nvSpPr>
+        <p:spPr/>
+        <p:txBody>
+          <a:bodyPr/>
+          <a:lstStyle/>
+          <a:p>
+            <a:r>
+              <a:rPr lang="en-US" dirty="0" smtClean="0"/>
+              <a:t>Problem</a:t>
+            </a:r>
+            <a:endParaRPr lang="en-US" dirty="0"/>
+          </a:p>
+        </p:txBody>
+      </p:sp>
+      <p:sp>
+        <p:nvSpPr>
+          <p:cNvPr id="3" name="Subtitle 2"/>
+          <p:cNvSpPr>
+            <a:spLocks noGrp="1"/>
+          </p:cNvSpPr>
+          <p:nvPr>
+            <p:ph type="subTitle" idx="1"/>
+          </p:nvPr>
+        </p:nvSpPr>
+        <p:spPr/>
+        <p:txBody>
+          <a:bodyPr/>
+          <a:lstStyle/>
+          <a:p>
+            <a:endParaRPr lang="en-US"/>
+          </a:p>
+        </p:txBody>
+      </p:sp>
+    </p:spTree>
+    <p:extLst>
+      <p:ext uri="{BB962C8B-B14F-4D97-AF65-F5344CB8AC3E}">
+        <p14:creationId xmlns:p14="http://schemas.microsoft.com/office/powerpoint/2010/main" val="245039172"/>
+      </p:ext>
+    </p:extLst>
+  </p:cSld>
+  <p:clrMapOvr>
+    <a:masterClrMapping/>
+  </p:clrMapOvr>
+</p:sld>
+</file>
+
+<file path=ppt/slides/slide3.xml><?xml version="1.0" encoding="utf-8"?>
 <p:sld xmlns:a="http://schemas.openxmlformats.org/drawingml/2006/main" xmlns:r="http://schemas.openxmlformats.org/officeDocument/2006/relationships" xmlns:p="http://schemas.openxmlformats.org/presentationml/2006/main">
   <p:cSld>
     <p:bg>
@@ -4014,7 +6463,7 @@
 </p:sld>
 </file>
 
-<file path=ppt/slides/slide3.xml><?xml version="1.0" encoding="utf-8"?>
+<file path=ppt/slides/slide4.xml><?xml version="1.0" encoding="utf-8"?>
 <p:sld xmlns:a="http://schemas.openxmlformats.org/drawingml/2006/main" xmlns:r="http://schemas.openxmlformats.org/officeDocument/2006/relationships" xmlns:p="http://schemas.openxmlformats.org/presentationml/2006/main">
   <p:cSld>
     <p:spTree>
@@ -4398,7 +6847,7 @@
                 <a:ea typeface="SF Pro Text" charset="0"/>
                 <a:cs typeface="SF Pro Text" charset="0"/>
               </a:rPr>
-              <a:t>Inflation: </a:t>
+              <a:t>Inflation: 2.5-2.57%</a:t>
             </a:r>
             <a:endParaRPr lang="en-US" sz="1400" dirty="0">
               <a:latin typeface="SF Pro Text" charset="0"/>
@@ -4587,390 +7036,6 @@
     <p:extLst>
       <p:ext uri="{BB962C8B-B14F-4D97-AF65-F5344CB8AC3E}">
         <p14:creationId xmlns:p14="http://schemas.microsoft.com/office/powerpoint/2010/main" val="641689755"/>
-      </p:ext>
-    </p:extLst>
-  </p:cSld>
-  <p:clrMapOvr>
-    <a:masterClrMapping/>
-  </p:clrMapOvr>
-</p:sld>
-</file>
-
-<file path=ppt/slides/slide4.xml><?xml version="1.0" encoding="utf-8"?>
-<p:sld xmlns:a="http://schemas.openxmlformats.org/drawingml/2006/main" xmlns:r="http://schemas.openxmlformats.org/officeDocument/2006/relationships" xmlns:p="http://schemas.openxmlformats.org/presentationml/2006/main">
-  <p:cSld>
-    <p:spTree>
-      <p:nvGrpSpPr>
-        <p:cNvPr id="1" name=""/>
-        <p:cNvGrpSpPr/>
-        <p:nvPr/>
-      </p:nvGrpSpPr>
-      <p:grpSpPr>
-        <a:xfrm>
-          <a:off x="0" y="0"/>
-          <a:ext cx="0" cy="0"/>
-          <a:chOff x="0" y="0"/>
-          <a:chExt cx="0" cy="0"/>
-        </a:xfrm>
-      </p:grpSpPr>
-      <p:pic>
-        <p:nvPicPr>
-          <p:cNvPr id="7" name="Content Placeholder 3"/>
-          <p:cNvPicPr>
-            <a:picLocks noGrp="1" noChangeAspect="1"/>
-          </p:cNvPicPr>
-          <p:nvPr>
-            <p:ph idx="1"/>
-          </p:nvPr>
-        </p:nvPicPr>
-        <p:blipFill rotWithShape="1">
-          <a:blip r:embed="rId2"/>
-          <a:srcRect b="16045"/>
-          <a:stretch/>
-        </p:blipFill>
-        <p:spPr>
-          <a:xfrm>
-            <a:off x="7429895" y="1060652"/>
-            <a:ext cx="4168000" cy="2344501"/>
-          </a:xfrm>
-          <a:prstGeom prst="rect">
-            <a:avLst/>
-          </a:prstGeom>
-        </p:spPr>
-      </p:pic>
-      <p:sp>
-        <p:nvSpPr>
-          <p:cNvPr id="2" name="Title 1"/>
-          <p:cNvSpPr>
-            <a:spLocks noGrp="1"/>
-          </p:cNvSpPr>
-          <p:nvPr>
-            <p:ph type="title"/>
-          </p:nvPr>
-        </p:nvSpPr>
-        <p:spPr>
-          <a:xfrm>
-            <a:off x="381395" y="135139"/>
-            <a:ext cx="2606733" cy="1325563"/>
-          </a:xfrm>
-        </p:spPr>
-        <p:txBody>
-          <a:bodyPr>
-            <a:normAutofit/>
-          </a:bodyPr>
-          <a:lstStyle/>
-          <a:p>
-            <a:r>
-              <a:rPr lang="en-US" dirty="0" smtClean="0"/>
-              <a:t>Problem</a:t>
-            </a:r>
-            <a:endParaRPr lang="en-US" dirty="0"/>
-          </a:p>
-        </p:txBody>
-      </p:sp>
-      <p:pic>
-        <p:nvPicPr>
-          <p:cNvPr id="3" name="Picture 2"/>
-          <p:cNvPicPr>
-            <a:picLocks noChangeAspect="1"/>
-          </p:cNvPicPr>
-          <p:nvPr/>
-        </p:nvPicPr>
-        <p:blipFill>
-          <a:blip r:embed="rId3"/>
-          <a:stretch>
-            <a:fillRect/>
-          </a:stretch>
-        </p:blipFill>
-        <p:spPr>
-          <a:xfrm>
-            <a:off x="7429895" y="3405153"/>
-            <a:ext cx="4160553" cy="2472130"/>
-          </a:xfrm>
-          <a:prstGeom prst="rect">
-            <a:avLst/>
-          </a:prstGeom>
-        </p:spPr>
-      </p:pic>
-      <p:pic>
-        <p:nvPicPr>
-          <p:cNvPr id="5" name="Picture 4" descr="https://enable-loans-staging.herokuapp.com/static/media/world_dotted_map.8095d163.png"/>
-          <p:cNvPicPr>
-            <a:picLocks noChangeAspect="1" noChangeArrowheads="1"/>
-          </p:cNvPicPr>
-          <p:nvPr/>
-        </p:nvPicPr>
-        <p:blipFill>
-          <a:blip r:embed="rId4">
-            <a:extLst>
-              <a:ext uri="{28A0092B-C50C-407E-A947-70E740481C1C}">
-                <a14:useLocalDpi xmlns:a14="http://schemas.microsoft.com/office/drawing/2010/main" val="0"/>
-              </a:ext>
-            </a:extLst>
-          </a:blip>
-          <a:srcRect/>
-          <a:stretch>
-            <a:fillRect/>
-          </a:stretch>
-        </p:blipFill>
-        <p:spPr bwMode="auto">
-          <a:xfrm>
-            <a:off x="1667240" y="2847249"/>
-            <a:ext cx="3716884" cy="2101434"/>
-          </a:xfrm>
-          <a:prstGeom prst="rect">
-            <a:avLst/>
-          </a:prstGeom>
-          <a:noFill/>
-          <a:extLst>
-            <a:ext uri="{909E8E84-426E-40DD-AFC4-6F175D3DCCD1}">
-              <a14:hiddenFill xmlns:a14="http://schemas.microsoft.com/office/drawing/2010/main">
-                <a:solidFill>
-                  <a:srgbClr val="FFFFFF"/>
-                </a:solidFill>
-              </a14:hiddenFill>
-            </a:ext>
-          </a:extLst>
-        </p:spPr>
-      </p:pic>
-      <p:sp>
-        <p:nvSpPr>
-          <p:cNvPr id="9" name="TextBox 8"/>
-          <p:cNvSpPr txBox="1"/>
-          <p:nvPr/>
-        </p:nvSpPr>
-        <p:spPr>
-          <a:xfrm>
-            <a:off x="3137181" y="475877"/>
-            <a:ext cx="3427135" cy="584775"/>
-          </a:xfrm>
-          <a:prstGeom prst="rect">
-            <a:avLst/>
-          </a:prstGeom>
-          <a:noFill/>
-        </p:spPr>
-        <p:txBody>
-          <a:bodyPr wrap="square" rtlCol="0">
-            <a:spAutoFit/>
-          </a:bodyPr>
-          <a:lstStyle/>
-          <a:p>
-            <a:r>
-              <a:rPr lang="en-US" b="1" dirty="0" smtClean="0">
-                <a:latin typeface="SF Pro Text" charset="0"/>
-                <a:ea typeface="SF Pro Text" charset="0"/>
-                <a:cs typeface="SF Pro Text" charset="0"/>
-              </a:rPr>
-              <a:t>$60,000 due May 20th</a:t>
-            </a:r>
-            <a:br>
-              <a:rPr lang="en-US" b="1" dirty="0" smtClean="0">
-                <a:latin typeface="SF Pro Text" charset="0"/>
-                <a:ea typeface="SF Pro Text" charset="0"/>
-                <a:cs typeface="SF Pro Text" charset="0"/>
-              </a:rPr>
-            </a:br>
-            <a:r>
-              <a:rPr lang="en-US" sz="1400" dirty="0" smtClean="0">
-                <a:latin typeface="SF Pro Text" charset="0"/>
-                <a:ea typeface="SF Pro Text" charset="0"/>
-                <a:cs typeface="SF Pro Text" charset="0"/>
-              </a:rPr>
-              <a:t>Cornell University, Masters </a:t>
-            </a:r>
-            <a:r>
-              <a:rPr lang="en-US" sz="1400" smtClean="0">
-                <a:latin typeface="SF Pro Text" charset="0"/>
-                <a:ea typeface="SF Pro Text" charset="0"/>
-                <a:cs typeface="SF Pro Text" charset="0"/>
-              </a:rPr>
-              <a:t>in HR</a:t>
-            </a:r>
-            <a:endParaRPr lang="en-US" sz="1400" dirty="0">
-              <a:latin typeface="SF Pro Text" charset="0"/>
-              <a:ea typeface="SF Pro Text" charset="0"/>
-              <a:cs typeface="SF Pro Text" charset="0"/>
-            </a:endParaRPr>
-          </a:p>
-        </p:txBody>
-      </p:sp>
-      <p:sp>
-        <p:nvSpPr>
-          <p:cNvPr id="14" name="TextBox 13"/>
-          <p:cNvSpPr txBox="1"/>
-          <p:nvPr/>
-        </p:nvSpPr>
-        <p:spPr>
-          <a:xfrm>
-            <a:off x="1366303" y="1779215"/>
-            <a:ext cx="4902724" cy="800219"/>
-          </a:xfrm>
-          <a:prstGeom prst="rect">
-            <a:avLst/>
-          </a:prstGeom>
-          <a:noFill/>
-          <a:ln>
-            <a:solidFill>
-              <a:schemeClr val="tx1"/>
-            </a:solidFill>
-          </a:ln>
-        </p:spPr>
-        <p:txBody>
-          <a:bodyPr wrap="square" rtlCol="0">
-            <a:spAutoFit/>
-          </a:bodyPr>
-          <a:lstStyle/>
-          <a:p>
-            <a:r>
-              <a:rPr lang="en-US" b="1" dirty="0" smtClean="0">
-                <a:latin typeface="SF Pro Text" charset="0"/>
-                <a:ea typeface="SF Pro Text" charset="0"/>
-                <a:cs typeface="SF Pro Text" charset="0"/>
-              </a:rPr>
-              <a:t>Cost of sending money to the US</a:t>
-            </a:r>
-            <a:br>
-              <a:rPr lang="en-US" b="1" dirty="0" smtClean="0">
-                <a:latin typeface="SF Pro Text" charset="0"/>
-                <a:ea typeface="SF Pro Text" charset="0"/>
-                <a:cs typeface="SF Pro Text" charset="0"/>
-              </a:rPr>
-            </a:br>
-            <a:r>
-              <a:rPr lang="en-US" sz="1400" dirty="0" smtClean="0">
-                <a:latin typeface="SF Pro Text" charset="0"/>
-                <a:ea typeface="SF Pro Text" charset="0"/>
-                <a:cs typeface="SF Pro Text" charset="0"/>
-              </a:rPr>
-              <a:t>Domestic bank fees and US bank fees can amount up to 5% or more. For a $60,000 loan, that’s $3,000</a:t>
-            </a:r>
-            <a:endParaRPr lang="en-US" sz="1400" b="1" dirty="0">
-              <a:latin typeface="SF Pro Text" charset="0"/>
-              <a:ea typeface="SF Pro Text" charset="0"/>
-              <a:cs typeface="SF Pro Text" charset="0"/>
-            </a:endParaRPr>
-          </a:p>
-        </p:txBody>
-      </p:sp>
-      <p:sp>
-        <p:nvSpPr>
-          <p:cNvPr id="16" name="TextBox 15"/>
-          <p:cNvSpPr txBox="1"/>
-          <p:nvPr/>
-        </p:nvSpPr>
-        <p:spPr>
-          <a:xfrm>
-            <a:off x="5364279" y="4132769"/>
-            <a:ext cx="1339270" cy="276999"/>
-          </a:xfrm>
-          <a:prstGeom prst="rect">
-            <a:avLst/>
-          </a:prstGeom>
-          <a:noFill/>
-          <a:ln>
-            <a:noFill/>
-          </a:ln>
-        </p:spPr>
-        <p:txBody>
-          <a:bodyPr wrap="square" rtlCol="0">
-            <a:spAutoFit/>
-          </a:bodyPr>
-          <a:lstStyle/>
-          <a:p>
-            <a:r>
-              <a:rPr lang="en-US" sz="1200" dirty="0" smtClean="0">
-                <a:latin typeface="SF Pro Text" charset="0"/>
-                <a:ea typeface="SF Pro Text" charset="0"/>
-                <a:cs typeface="SF Pro Text" charset="0"/>
-              </a:rPr>
-              <a:t>Indonesia</a:t>
-            </a:r>
-            <a:endParaRPr lang="en-US" sz="1050" dirty="0">
-              <a:latin typeface="SF Pro Text" charset="0"/>
-              <a:ea typeface="SF Pro Text" charset="0"/>
-              <a:cs typeface="SF Pro Text" charset="0"/>
-            </a:endParaRPr>
-          </a:p>
-        </p:txBody>
-      </p:sp>
-      <p:cxnSp>
-        <p:nvCxnSpPr>
-          <p:cNvPr id="17" name="Straight Arrow Connector 16"/>
-          <p:cNvCxnSpPr>
-            <a:stCxn id="14" idx="2"/>
-          </p:cNvCxnSpPr>
-          <p:nvPr/>
-        </p:nvCxnSpPr>
-        <p:spPr>
-          <a:xfrm flipH="1">
-            <a:off x="3598607" y="2579434"/>
-            <a:ext cx="219058" cy="796834"/>
-          </a:xfrm>
-          <a:prstGeom prst="straightConnector1">
-            <a:avLst/>
-          </a:prstGeom>
-          <a:ln>
-            <a:solidFill>
-              <a:schemeClr val="tx1"/>
-            </a:solidFill>
-            <a:tailEnd type="triangle"/>
-          </a:ln>
-        </p:spPr>
-        <p:style>
-          <a:lnRef idx="1">
-            <a:schemeClr val="accent1"/>
-          </a:lnRef>
-          <a:fillRef idx="0">
-            <a:schemeClr val="accent1"/>
-          </a:fillRef>
-          <a:effectRef idx="0">
-            <a:schemeClr val="accent1"/>
-          </a:effectRef>
-          <a:fontRef idx="minor">
-            <a:schemeClr val="tx1"/>
-          </a:fontRef>
-        </p:style>
-      </p:cxnSp>
-      <p:cxnSp>
-        <p:nvCxnSpPr>
-          <p:cNvPr id="23" name="Straight Arrow Connector 22"/>
-          <p:cNvCxnSpPr/>
-          <p:nvPr/>
-        </p:nvCxnSpPr>
-        <p:spPr>
-          <a:xfrm flipH="1" flipV="1">
-            <a:off x="2486683" y="3515895"/>
-            <a:ext cx="2012978" cy="755373"/>
-          </a:xfrm>
-          <a:prstGeom prst="straightConnector1">
-            <a:avLst/>
-          </a:prstGeom>
-          <a:ln w="38100">
-            <a:solidFill>
-              <a:schemeClr val="tx1"/>
-            </a:solidFill>
-            <a:tailEnd type="triangle"/>
-          </a:ln>
-        </p:spPr>
-        <p:style>
-          <a:lnRef idx="1">
-            <a:schemeClr val="accent1"/>
-          </a:lnRef>
-          <a:fillRef idx="0">
-            <a:schemeClr val="accent1"/>
-          </a:fillRef>
-          <a:effectRef idx="0">
-            <a:schemeClr val="accent1"/>
-          </a:effectRef>
-          <a:fontRef idx="minor">
-            <a:schemeClr val="tx1"/>
-          </a:fontRef>
-        </p:style>
-      </p:cxnSp>
-    </p:spTree>
-    <p:extLst>
-      <p:ext uri="{BB962C8B-B14F-4D97-AF65-F5344CB8AC3E}">
-        <p14:creationId xmlns:p14="http://schemas.microsoft.com/office/powerpoint/2010/main" val="740250046"/>
       </p:ext>
     </p:extLst>
   </p:cSld>
@@ -5180,6 +7245,64 @@
       </p:sp>
       <p:sp>
         <p:nvSpPr>
+          <p:cNvPr id="14" name="TextBox 13"/>
+          <p:cNvSpPr txBox="1"/>
+          <p:nvPr/>
+        </p:nvSpPr>
+        <p:spPr>
+          <a:xfrm>
+            <a:off x="1366303" y="1779215"/>
+            <a:ext cx="4902724" cy="800219"/>
+          </a:xfrm>
+          <a:prstGeom prst="rect">
+            <a:avLst/>
+          </a:prstGeom>
+          <a:noFill/>
+          <a:ln>
+            <a:solidFill>
+              <a:schemeClr val="tx1"/>
+            </a:solidFill>
+          </a:ln>
+        </p:spPr>
+        <p:txBody>
+          <a:bodyPr wrap="square" rtlCol="0">
+            <a:spAutoFit/>
+          </a:bodyPr>
+          <a:lstStyle/>
+          <a:p>
+            <a:r>
+              <a:rPr lang="en-US" b="1" dirty="0" smtClean="0">
+                <a:latin typeface="SF Pro Text" charset="0"/>
+                <a:ea typeface="SF Pro Text" charset="0"/>
+                <a:cs typeface="SF Pro Text" charset="0"/>
+              </a:rPr>
+              <a:t>Cost of sending money to the US</a:t>
+            </a:r>
+            <a:br>
+              <a:rPr lang="en-US" b="1" dirty="0" smtClean="0">
+                <a:latin typeface="SF Pro Text" charset="0"/>
+                <a:ea typeface="SF Pro Text" charset="0"/>
+                <a:cs typeface="SF Pro Text" charset="0"/>
+              </a:rPr>
+            </a:br>
+            <a:r>
+              <a:rPr lang="en-US" sz="1400" dirty="0" smtClean="0">
+                <a:latin typeface="SF Pro Text" charset="0"/>
+                <a:ea typeface="SF Pro Text" charset="0"/>
+                <a:cs typeface="SF Pro Text" charset="0"/>
+              </a:rPr>
+              <a:t>Domestic bank fees and US bank fees can amount up to 5% or more. For a $60,000 loan, that’s $3,000</a:t>
+            </a:r>
+            <a:endParaRPr lang="en-US" sz="1400" b="1" dirty="0">
+              <a:latin typeface="SF Pro Text" charset="0"/>
+              <a:ea typeface="SF Pro Text" charset="0"/>
+              <a:cs typeface="SF Pro Text" charset="0"/>
+            </a:endParaRPr>
+          </a:p>
+        </p:txBody>
+      </p:sp>
+      <p:sp>
+        <p:nvSpPr>
           <p:cNvPr id="16" name="TextBox 15"/>
           <p:cNvSpPr txBox="1"/>
           <p:nvPr/>
@@ -5221,14 +7344,16 @@
       </p:sp>
       <p:cxnSp>
         <p:nvCxnSpPr>
-          <p:cNvPr id="12" name="Straight Arrow Connector 11"/>
-          <p:cNvCxnSpPr/>
+          <p:cNvPr id="17" name="Straight Arrow Connector 16"/>
+          <p:cNvCxnSpPr>
+            <a:stCxn id="14" idx="2"/>
+          </p:cNvCxnSpPr>
           <p:nvPr/>
         </p:nvCxnSpPr>
         <p:spPr>
-          <a:xfrm flipV="1">
-            <a:off x="1684761" y="3805084"/>
-            <a:ext cx="792969" cy="1143599"/>
+          <a:xfrm flipH="1">
+            <a:off x="3598607" y="2579434"/>
+            <a:ext cx="219058" cy="796834"/>
           </a:xfrm>
           <a:prstGeom prst="straightConnector1">
             <a:avLst/>
@@ -5255,81 +7380,21 @@
           </a:fontRef>
         </p:style>
       </p:cxnSp>
-      <p:sp>
-        <p:nvSpPr>
-          <p:cNvPr id="13" name="TextBox 12"/>
-          <p:cNvSpPr txBox="1"/>
-          <p:nvPr/>
-        </p:nvSpPr>
-        <p:spPr>
-          <a:xfrm>
-            <a:off x="335644" y="1372085"/>
-            <a:ext cx="3587427" cy="1292662"/>
-          </a:xfrm>
-          <a:prstGeom prst="rect">
-            <a:avLst/>
-          </a:prstGeom>
-          <a:noFill/>
-          <a:ln>
-            <a:solidFill>
-              <a:schemeClr val="tx1"/>
-            </a:solidFill>
-          </a:ln>
-        </p:spPr>
-        <p:txBody>
-          <a:bodyPr wrap="square" rtlCol="0">
-            <a:spAutoFit/>
-          </a:bodyPr>
-          <a:lstStyle/>
-          <a:p>
-            <a:r>
-              <a:rPr lang="en-US" b="1" dirty="0" smtClean="0">
-                <a:latin typeface="SF Pro Text" charset="0"/>
-                <a:ea typeface="SF Pro Text" charset="0"/>
-                <a:cs typeface="SF Pro Text" charset="0"/>
-              </a:rPr>
-              <a:t>Immigrants have no credit history</a:t>
-            </a:r>
-            <a:br>
-              <a:rPr lang="en-US" b="1" dirty="0" smtClean="0">
-                <a:latin typeface="SF Pro Text" charset="0"/>
-                <a:ea typeface="SF Pro Text" charset="0"/>
-                <a:cs typeface="SF Pro Text" charset="0"/>
-              </a:rPr>
-            </a:br>
-            <a:r>
-              <a:rPr lang="en-US" sz="1400" dirty="0" smtClean="0">
-                <a:latin typeface="SF Pro Text" charset="0"/>
-                <a:ea typeface="SF Pro Text" charset="0"/>
-                <a:cs typeface="SF Pro Text" charset="0"/>
-              </a:rPr>
-              <a:t>Credit score and financial reputation in Indonesia doesn’t follow Ines to the US, despite being an executive in Indonesia</a:t>
-            </a:r>
-            <a:endParaRPr lang="en-US" sz="1400" b="1" dirty="0">
-              <a:latin typeface="SF Pro Text" charset="0"/>
-              <a:ea typeface="SF Pro Text" charset="0"/>
-              <a:cs typeface="SF Pro Text" charset="0"/>
-            </a:endParaRPr>
-          </a:p>
-        </p:txBody>
-      </p:sp>
       <p:cxnSp>
         <p:nvCxnSpPr>
-          <p:cNvPr id="15" name="Straight Arrow Connector 14"/>
-          <p:cNvCxnSpPr>
-            <a:stCxn id="13" idx="2"/>
-          </p:cNvCxnSpPr>
+          <p:cNvPr id="23" name="Straight Arrow Connector 22"/>
+          <p:cNvCxnSpPr/>
           <p:nvPr/>
         </p:nvCxnSpPr>
         <p:spPr>
-          <a:xfrm>
-            <a:off x="2129358" y="2664747"/>
-            <a:ext cx="200887" cy="740406"/>
+          <a:xfrm flipH="1" flipV="1">
+            <a:off x="2486683" y="3515895"/>
+            <a:ext cx="2012978" cy="755373"/>
           </a:xfrm>
           <a:prstGeom prst="straightConnector1">
             <a:avLst/>
           </a:prstGeom>
-          <a:ln>
+          <a:ln w="38100">
             <a:solidFill>
               <a:schemeClr val="tx1"/>
             </a:solidFill>
@@ -5351,271 +7416,10 @@
           </a:fontRef>
         </p:style>
       </p:cxnSp>
-      <p:sp>
-        <p:nvSpPr>
-          <p:cNvPr id="18" name="TextBox 17"/>
-          <p:cNvSpPr txBox="1"/>
-          <p:nvPr/>
-        </p:nvSpPr>
-        <p:spPr>
-          <a:xfrm>
-            <a:off x="381396" y="5006422"/>
-            <a:ext cx="3670008" cy="1862048"/>
-          </a:xfrm>
-          <a:prstGeom prst="rect">
-            <a:avLst/>
-          </a:prstGeom>
-          <a:noFill/>
-          <a:ln>
-            <a:noFill/>
-          </a:ln>
-        </p:spPr>
-        <p:txBody>
-          <a:bodyPr wrap="square" rtlCol="0">
-            <a:spAutoFit/>
-          </a:bodyPr>
-          <a:lstStyle/>
-          <a:p>
-            <a:r>
-              <a:rPr lang="en-US" b="1" dirty="0" smtClean="0">
-                <a:latin typeface="SF Pro Text" charset="0"/>
-                <a:ea typeface="SF Pro Text" charset="0"/>
-                <a:cs typeface="SF Pro Text" charset="0"/>
-              </a:rPr>
-              <a:t>Current Solution: </a:t>
-            </a:r>
-            <a:endParaRPr lang="en-US" b="1" dirty="0">
-              <a:latin typeface="SF Pro Text" charset="0"/>
-              <a:ea typeface="SF Pro Text" charset="0"/>
-              <a:cs typeface="SF Pro Text" charset="0"/>
-            </a:endParaRPr>
-          </a:p>
-          <a:p>
-            <a:r>
-              <a:rPr lang="en-US" sz="1400" dirty="0" smtClean="0">
-                <a:latin typeface="SF Pro Text" charset="0"/>
-                <a:ea typeface="SF Pro Text" charset="0"/>
-                <a:cs typeface="SF Pro Text" charset="0"/>
-              </a:rPr>
-              <a:t>Cross-border lenders (</a:t>
-            </a:r>
-            <a:r>
-              <a:rPr lang="en-US" sz="1400" dirty="0" err="1" smtClean="0">
-                <a:latin typeface="SF Pro Text" charset="0"/>
-                <a:ea typeface="SF Pro Text" charset="0"/>
-                <a:cs typeface="SF Pro Text" charset="0"/>
-              </a:rPr>
-              <a:t>Mpower</a:t>
-            </a:r>
-            <a:r>
-              <a:rPr lang="en-US" sz="1400" dirty="0" smtClean="0">
-                <a:latin typeface="SF Pro Text" charset="0"/>
-                <a:ea typeface="SF Pro Text" charset="0"/>
-                <a:cs typeface="SF Pro Text" charset="0"/>
-              </a:rPr>
-              <a:t>, Prodigy)</a:t>
-            </a:r>
-            <a:br>
-              <a:rPr lang="en-US" sz="1400" dirty="0" smtClean="0">
-                <a:latin typeface="SF Pro Text" charset="0"/>
-                <a:ea typeface="SF Pro Text" charset="0"/>
-                <a:cs typeface="SF Pro Text" charset="0"/>
-              </a:rPr>
-            </a:br>
-            <a:endParaRPr lang="en-US" sz="900" dirty="0" smtClean="0">
-              <a:latin typeface="SF Pro Text" charset="0"/>
-              <a:ea typeface="SF Pro Text" charset="0"/>
-              <a:cs typeface="SF Pro Text" charset="0"/>
-            </a:endParaRPr>
-          </a:p>
-          <a:p>
-            <a:pPr marL="285750" indent="-285750">
-              <a:buFont typeface="Arial" charset="0"/>
-              <a:buChar char="•"/>
-            </a:pPr>
-            <a:r>
-              <a:rPr lang="en-US" sz="1400" b="1" dirty="0" smtClean="0">
-                <a:latin typeface="SF Pro Text" charset="0"/>
-                <a:ea typeface="SF Pro Text" charset="0"/>
-                <a:cs typeface="SF Pro Text" charset="0"/>
-              </a:rPr>
-              <a:t>11.99%</a:t>
-            </a:r>
-            <a:r>
-              <a:rPr lang="en-US" sz="1400" dirty="0" smtClean="0">
-                <a:latin typeface="SF Pro Text" charset="0"/>
-                <a:ea typeface="SF Pro Text" charset="0"/>
-                <a:cs typeface="SF Pro Text" charset="0"/>
-              </a:rPr>
-              <a:t> p.a. interest for $60,000, 10 year loan term </a:t>
-            </a:r>
-            <a:r>
-              <a:rPr lang="en-US" sz="1400" b="1" dirty="0" smtClean="0">
-                <a:latin typeface="SF Pro Text" charset="0"/>
-                <a:ea typeface="SF Pro Text" charset="0"/>
-                <a:cs typeface="SF Pro Text" charset="0"/>
-              </a:rPr>
-              <a:t>(total: </a:t>
-            </a:r>
-            <a:r>
-              <a:rPr lang="en-US" b="1" dirty="0" smtClean="0">
-                <a:latin typeface="SF Pro Text" charset="0"/>
-                <a:ea typeface="SF Pro Text" charset="0"/>
-                <a:cs typeface="SF Pro Text" charset="0"/>
-              </a:rPr>
-              <a:t>$103+k</a:t>
-            </a:r>
-            <a:r>
-              <a:rPr lang="en-US" sz="1400" b="1" dirty="0" smtClean="0">
-                <a:latin typeface="SF Pro Text" charset="0"/>
-                <a:ea typeface="SF Pro Text" charset="0"/>
-                <a:cs typeface="SF Pro Text" charset="0"/>
-              </a:rPr>
-              <a:t>)</a:t>
-            </a:r>
-          </a:p>
-          <a:p>
-            <a:pPr marL="285750" indent="-285750">
-              <a:buFont typeface="Arial" charset="0"/>
-              <a:buChar char="•"/>
-            </a:pPr>
-            <a:r>
-              <a:rPr lang="en-US" sz="1400" b="1" dirty="0" smtClean="0">
-                <a:latin typeface="SF Pro Text" charset="0"/>
-                <a:ea typeface="SF Pro Text" charset="0"/>
-                <a:cs typeface="SF Pro Text" charset="0"/>
-              </a:rPr>
-              <a:t>5% </a:t>
-            </a:r>
-            <a:r>
-              <a:rPr lang="en-US" sz="1400" dirty="0" smtClean="0">
-                <a:latin typeface="SF Pro Text" charset="0"/>
-                <a:ea typeface="SF Pro Text" charset="0"/>
-                <a:cs typeface="SF Pro Text" charset="0"/>
-              </a:rPr>
-              <a:t>origination fee (i.e. $3,000)</a:t>
-            </a:r>
-          </a:p>
-          <a:p>
-            <a:pPr marL="285750" indent="-285750">
-              <a:buFont typeface="Arial" charset="0"/>
-              <a:buChar char="•"/>
-            </a:pPr>
-            <a:r>
-              <a:rPr lang="en-US" sz="1400" dirty="0" smtClean="0">
-                <a:latin typeface="SF Pro Text" charset="0"/>
-                <a:ea typeface="SF Pro Text" charset="0"/>
-                <a:cs typeface="SF Pro Text" charset="0"/>
-              </a:rPr>
-              <a:t>Only funds </a:t>
-            </a:r>
-            <a:r>
-              <a:rPr lang="en-US" sz="1400" b="1" dirty="0" smtClean="0">
-                <a:latin typeface="SF Pro Text" charset="0"/>
-                <a:ea typeface="SF Pro Text" charset="0"/>
-                <a:cs typeface="SF Pro Text" charset="0"/>
-              </a:rPr>
-              <a:t>$25,000</a:t>
-            </a:r>
-            <a:r>
-              <a:rPr lang="en-US" sz="1400" dirty="0" smtClean="0">
-                <a:latin typeface="SF Pro Text" charset="0"/>
-                <a:ea typeface="SF Pro Text" charset="0"/>
-                <a:cs typeface="SF Pro Text" charset="0"/>
-              </a:rPr>
-              <a:t> out of </a:t>
-            </a:r>
-            <a:r>
-              <a:rPr lang="en-US" sz="1400" b="1" dirty="0" smtClean="0">
-                <a:latin typeface="SF Pro Text" charset="0"/>
-                <a:ea typeface="SF Pro Text" charset="0"/>
-                <a:cs typeface="SF Pro Text" charset="0"/>
-              </a:rPr>
-              <a:t>$60,000</a:t>
-            </a:r>
-          </a:p>
-          <a:p>
-            <a:pPr marL="285750" indent="-285750">
-              <a:buFont typeface="Arial" charset="0"/>
-              <a:buChar char="•"/>
-            </a:pPr>
-            <a:endParaRPr lang="en-US" sz="1400" dirty="0">
-              <a:latin typeface="SF Pro Text" charset="0"/>
-              <a:ea typeface="SF Pro Text" charset="0"/>
-              <a:cs typeface="SF Pro Text" charset="0"/>
-            </a:endParaRPr>
-          </a:p>
-        </p:txBody>
-      </p:sp>
-      <p:pic>
-        <p:nvPicPr>
-          <p:cNvPr id="24" name="Picture 23"/>
-          <p:cNvPicPr>
-            <a:picLocks noChangeAspect="1"/>
-          </p:cNvPicPr>
-          <p:nvPr/>
-        </p:nvPicPr>
-        <p:blipFill>
-          <a:blip r:embed="rId5"/>
-          <a:stretch>
-            <a:fillRect/>
-          </a:stretch>
-        </p:blipFill>
-        <p:spPr>
-          <a:xfrm>
-            <a:off x="4320843" y="5226914"/>
-            <a:ext cx="2566411" cy="652780"/>
-          </a:xfrm>
-          <a:prstGeom prst="rect">
-            <a:avLst/>
-          </a:prstGeom>
-        </p:spPr>
-      </p:pic>
-      <p:pic>
-        <p:nvPicPr>
-          <p:cNvPr id="7170" name="Picture 2" descr="mage result for prodigy finance"/>
-          <p:cNvPicPr>
-            <a:picLocks noChangeAspect="1" noChangeArrowheads="1"/>
-          </p:cNvPicPr>
-          <p:nvPr/>
-        </p:nvPicPr>
-        <p:blipFill>
-          <a:blip r:embed="rId6">
-            <a:extLst>
-              <a:ext uri="{28A0092B-C50C-407E-A947-70E740481C1C}">
-                <a14:useLocalDpi xmlns:a14="http://schemas.microsoft.com/office/drawing/2010/main" val="0"/>
-              </a:ext>
-            </a:extLst>
-          </a:blip>
-          <a:srcRect/>
-          <a:stretch>
-            <a:fillRect/>
-          </a:stretch>
-        </p:blipFill>
-        <p:spPr bwMode="auto">
-          <a:xfrm>
-            <a:off x="4712866" y="5834524"/>
-            <a:ext cx="1782364" cy="646802"/>
-          </a:xfrm>
-          <a:prstGeom prst="rect">
-            <a:avLst/>
-          </a:prstGeom>
-          <a:noFill/>
-          <a:extLst>
-            <a:ext uri="{909E8E84-426E-40DD-AFC4-6F175D3DCCD1}">
-              <a14:hiddenFill xmlns:a14="http://schemas.microsoft.com/office/drawing/2010/main">
-                <a:solidFill>
-                  <a:srgbClr val="FFFFFF"/>
-                </a:solidFill>
-              </a14:hiddenFill>
-            </a:ext>
-          </a:extLst>
-        </p:spPr>
-      </p:pic>
     </p:spTree>
     <p:extLst>
       <p:ext uri="{BB962C8B-B14F-4D97-AF65-F5344CB8AC3E}">
-        <p14:creationId xmlns:p14="http://schemas.microsoft.com/office/powerpoint/2010/main" val="288191567"/>
+        <p14:creationId xmlns:p14="http://schemas.microsoft.com/office/powerpoint/2010/main" val="740250046"/>
       </p:ext>
     </p:extLst>
   </p:cSld>
@@ -5642,6 +7446,31 @@
           <a:chExt cx="0" cy="0"/>
         </a:xfrm>
       </p:grpSpPr>
+      <p:pic>
+        <p:nvPicPr>
+          <p:cNvPr id="7" name="Content Placeholder 3"/>
+          <p:cNvPicPr>
+            <a:picLocks noGrp="1" noChangeAspect="1"/>
+          </p:cNvPicPr>
+          <p:nvPr>
+            <p:ph idx="1"/>
+          </p:nvPr>
+        </p:nvPicPr>
+        <p:blipFill rotWithShape="1">
+          <a:blip r:embed="rId2"/>
+          <a:srcRect b="16045"/>
+          <a:stretch/>
+        </p:blipFill>
+        <p:spPr>
+          <a:xfrm>
+            <a:off x="7429895" y="1060652"/>
+            <a:ext cx="4168000" cy="2344501"/>
+          </a:xfrm>
+          <a:prstGeom prst="rect">
+            <a:avLst/>
+          </a:prstGeom>
+        </p:spPr>
+      </p:pic>
       <p:sp>
         <p:nvSpPr>
           <p:cNvPr id="2" name="Title 1"/>
@@ -5654,54 +7483,588 @@
         </p:nvSpPr>
         <p:spPr>
           <a:xfrm>
-            <a:off x="2625212" y="1238865"/>
-            <a:ext cx="8716297" cy="2757948"/>
+            <a:off x="381395" y="135139"/>
+            <a:ext cx="2606733" cy="1325563"/>
           </a:xfrm>
         </p:spPr>
         <p:txBody>
           <a:bodyPr>
-            <a:normAutofit fontScale="90000"/>
+            <a:normAutofit/>
           </a:bodyPr>
           <a:lstStyle/>
           <a:p>
-            <a:pPr algn="r"/>
-            <a:r>
-              <a:rPr lang="en-US" sz="5300" b="0" dirty="0" smtClean="0"/>
-              <a:t>“Credit is fundamentally broken when crossing borders”</a:t>
-            </a:r>
-            <a:r>
-              <a:rPr lang="en-US" sz="2400" b="0" dirty="0" smtClean="0"/>
-              <a:t/>
+            <a:r>
+              <a:rPr lang="en-US" dirty="0" smtClean="0"/>
+              <a:t>Problem</a:t>
+            </a:r>
+            <a:endParaRPr lang="en-US" dirty="0"/>
+          </a:p>
+        </p:txBody>
+      </p:sp>
+      <p:pic>
+        <p:nvPicPr>
+          <p:cNvPr id="3" name="Picture 2"/>
+          <p:cNvPicPr>
+            <a:picLocks noChangeAspect="1"/>
+          </p:cNvPicPr>
+          <p:nvPr/>
+        </p:nvPicPr>
+        <p:blipFill>
+          <a:blip r:embed="rId3"/>
+          <a:stretch>
+            <a:fillRect/>
+          </a:stretch>
+        </p:blipFill>
+        <p:spPr>
+          <a:xfrm>
+            <a:off x="7429895" y="3405153"/>
+            <a:ext cx="4160553" cy="2472130"/>
+          </a:xfrm>
+          <a:prstGeom prst="rect">
+            <a:avLst/>
+          </a:prstGeom>
+        </p:spPr>
+      </p:pic>
+      <p:pic>
+        <p:nvPicPr>
+          <p:cNvPr id="5" name="Picture 4" descr="https://enable-loans-staging.herokuapp.com/static/media/world_dotted_map.8095d163.png"/>
+          <p:cNvPicPr>
+            <a:picLocks noChangeAspect="1" noChangeArrowheads="1"/>
+          </p:cNvPicPr>
+          <p:nvPr/>
+        </p:nvPicPr>
+        <p:blipFill>
+          <a:blip r:embed="rId4">
+            <a:extLst>
+              <a:ext uri="{28A0092B-C50C-407E-A947-70E740481C1C}">
+                <a14:useLocalDpi xmlns:a14="http://schemas.microsoft.com/office/drawing/2010/main" val="0"/>
+              </a:ext>
+            </a:extLst>
+          </a:blip>
+          <a:srcRect/>
+          <a:stretch>
+            <a:fillRect/>
+          </a:stretch>
+        </p:blipFill>
+        <p:spPr bwMode="auto">
+          <a:xfrm>
+            <a:off x="1667240" y="2847249"/>
+            <a:ext cx="3716884" cy="2101434"/>
+          </a:xfrm>
+          <a:prstGeom prst="rect">
+            <a:avLst/>
+          </a:prstGeom>
+          <a:noFill/>
+          <a:extLst>
+            <a:ext uri="{909E8E84-426E-40DD-AFC4-6F175D3DCCD1}">
+              <a14:hiddenFill xmlns:a14="http://schemas.microsoft.com/office/drawing/2010/main">
+                <a:solidFill>
+                  <a:srgbClr val="FFFFFF"/>
+                </a:solidFill>
+              </a14:hiddenFill>
+            </a:ext>
+          </a:extLst>
+        </p:spPr>
+      </p:pic>
+      <p:sp>
+        <p:nvSpPr>
+          <p:cNvPr id="9" name="TextBox 8"/>
+          <p:cNvSpPr txBox="1"/>
+          <p:nvPr/>
+        </p:nvSpPr>
+        <p:spPr>
+          <a:xfrm>
+            <a:off x="3137181" y="475877"/>
+            <a:ext cx="3427135" cy="584775"/>
+          </a:xfrm>
+          <a:prstGeom prst="rect">
+            <a:avLst/>
+          </a:prstGeom>
+          <a:noFill/>
+        </p:spPr>
+        <p:txBody>
+          <a:bodyPr wrap="square" rtlCol="0">
+            <a:spAutoFit/>
+          </a:bodyPr>
+          <a:lstStyle/>
+          <a:p>
+            <a:r>
+              <a:rPr lang="en-US" b="1" dirty="0" smtClean="0">
+                <a:latin typeface="SF Pro Text" charset="0"/>
+                <a:ea typeface="SF Pro Text" charset="0"/>
+                <a:cs typeface="SF Pro Text" charset="0"/>
+              </a:rPr>
+              <a:t>$60,000 due May 20th</a:t>
             </a:r>
             <a:br>
-              <a:rPr lang="en-US" sz="2400" b="0" dirty="0" smtClean="0"/>
+              <a:rPr lang="en-US" b="1" dirty="0" smtClean="0">
+                <a:latin typeface="SF Pro Text" charset="0"/>
+                <a:ea typeface="SF Pro Text" charset="0"/>
+                <a:cs typeface="SF Pro Text" charset="0"/>
+              </a:rPr>
             </a:br>
             <a:r>
-              <a:rPr lang="en-US" sz="2400" b="0" dirty="0"/>
-              <a:t/>
+              <a:rPr lang="en-US" sz="1400" dirty="0" smtClean="0">
+                <a:latin typeface="SF Pro Text" charset="0"/>
+                <a:ea typeface="SF Pro Text" charset="0"/>
+                <a:cs typeface="SF Pro Text" charset="0"/>
+              </a:rPr>
+              <a:t>Cornell University, Masters </a:t>
+            </a:r>
+            <a:r>
+              <a:rPr lang="en-US" sz="1400" smtClean="0">
+                <a:latin typeface="SF Pro Text" charset="0"/>
+                <a:ea typeface="SF Pro Text" charset="0"/>
+                <a:cs typeface="SF Pro Text" charset="0"/>
+              </a:rPr>
+              <a:t>in HR</a:t>
+            </a:r>
+            <a:endParaRPr lang="en-US" sz="1400" dirty="0">
+              <a:latin typeface="SF Pro Text" charset="0"/>
+              <a:ea typeface="SF Pro Text" charset="0"/>
+              <a:cs typeface="SF Pro Text" charset="0"/>
+            </a:endParaRPr>
+          </a:p>
+        </p:txBody>
+      </p:sp>
+      <p:sp>
+        <p:nvSpPr>
+          <p:cNvPr id="16" name="TextBox 15"/>
+          <p:cNvSpPr txBox="1"/>
+          <p:nvPr/>
+        </p:nvSpPr>
+        <p:spPr>
+          <a:xfrm>
+            <a:off x="5364279" y="4132769"/>
+            <a:ext cx="1339270" cy="276999"/>
+          </a:xfrm>
+          <a:prstGeom prst="rect">
+            <a:avLst/>
+          </a:prstGeom>
+          <a:noFill/>
+          <a:ln>
+            <a:noFill/>
+          </a:ln>
+        </p:spPr>
+        <p:txBody>
+          <a:bodyPr wrap="square" rtlCol="0">
+            <a:spAutoFit/>
+          </a:bodyPr>
+          <a:lstStyle/>
+          <a:p>
+            <a:r>
+              <a:rPr lang="en-US" sz="1200" dirty="0" smtClean="0">
+                <a:latin typeface="SF Pro Text" charset="0"/>
+                <a:ea typeface="SF Pro Text" charset="0"/>
+                <a:cs typeface="SF Pro Text" charset="0"/>
+              </a:rPr>
+              <a:t>Indonesia</a:t>
+            </a:r>
+            <a:endParaRPr lang="en-US" sz="1050" dirty="0">
+              <a:latin typeface="SF Pro Text" charset="0"/>
+              <a:ea typeface="SF Pro Text" charset="0"/>
+              <a:cs typeface="SF Pro Text" charset="0"/>
+            </a:endParaRPr>
+          </a:p>
+        </p:txBody>
+      </p:sp>
+      <p:cxnSp>
+        <p:nvCxnSpPr>
+          <p:cNvPr id="12" name="Straight Arrow Connector 11"/>
+          <p:cNvCxnSpPr/>
+          <p:nvPr/>
+        </p:nvCxnSpPr>
+        <p:spPr>
+          <a:xfrm flipV="1">
+            <a:off x="1684761" y="3805084"/>
+            <a:ext cx="792969" cy="1143599"/>
+          </a:xfrm>
+          <a:prstGeom prst="straightConnector1">
+            <a:avLst/>
+          </a:prstGeom>
+          <a:ln>
+            <a:solidFill>
+              <a:schemeClr val="tx1"/>
+            </a:solidFill>
+            <a:tailEnd type="triangle"/>
+          </a:ln>
+        </p:spPr>
+        <p:style>
+          <a:lnRef idx="1">
+            <a:schemeClr val="accent1"/>
+          </a:lnRef>
+          <a:fillRef idx="0">
+            <a:schemeClr val="accent1"/>
+          </a:fillRef>
+          <a:effectRef idx="0">
+            <a:schemeClr val="accent1"/>
+          </a:effectRef>
+          <a:fontRef idx="minor">
+            <a:schemeClr val="tx1"/>
+          </a:fontRef>
+        </p:style>
+      </p:cxnSp>
+      <p:sp>
+        <p:nvSpPr>
+          <p:cNvPr id="13" name="TextBox 12"/>
+          <p:cNvSpPr txBox="1"/>
+          <p:nvPr/>
+        </p:nvSpPr>
+        <p:spPr>
+          <a:xfrm>
+            <a:off x="335644" y="1372085"/>
+            <a:ext cx="3587427" cy="1292662"/>
+          </a:xfrm>
+          <a:prstGeom prst="rect">
+            <a:avLst/>
+          </a:prstGeom>
+          <a:noFill/>
+          <a:ln>
+            <a:solidFill>
+              <a:schemeClr val="tx1"/>
+            </a:solidFill>
+          </a:ln>
+        </p:spPr>
+        <p:txBody>
+          <a:bodyPr wrap="square" rtlCol="0">
+            <a:spAutoFit/>
+          </a:bodyPr>
+          <a:lstStyle/>
+          <a:p>
+            <a:r>
+              <a:rPr lang="en-US" b="1" dirty="0" smtClean="0">
+                <a:latin typeface="SF Pro Text" charset="0"/>
+                <a:ea typeface="SF Pro Text" charset="0"/>
+                <a:cs typeface="SF Pro Text" charset="0"/>
+              </a:rPr>
+              <a:t>Immigrants have no credit history</a:t>
             </a:r>
             <a:br>
-              <a:rPr lang="en-US" sz="2400" b="0" dirty="0"/>
+              <a:rPr lang="en-US" b="1" dirty="0" smtClean="0">
+                <a:latin typeface="SF Pro Text" charset="0"/>
+                <a:ea typeface="SF Pro Text" charset="0"/>
+                <a:cs typeface="SF Pro Text" charset="0"/>
+              </a:rPr>
             </a:br>
             <a:r>
-              <a:rPr lang="en-US" sz="2400" dirty="0" smtClean="0"/>
-              <a:t>Cameron Stevens</a:t>
+              <a:rPr lang="en-US" sz="1400" dirty="0" smtClean="0">
+                <a:latin typeface="SF Pro Text" charset="0"/>
+                <a:ea typeface="SF Pro Text" charset="0"/>
+                <a:cs typeface="SF Pro Text" charset="0"/>
+              </a:rPr>
+              <a:t>Credit score and financial reputation in Indonesia doesn’t follow Ines to the US, despite being an executive in Indonesia</a:t>
+            </a:r>
+            <a:endParaRPr lang="en-US" sz="1400" b="1" dirty="0">
+              <a:latin typeface="SF Pro Text" charset="0"/>
+              <a:ea typeface="SF Pro Text" charset="0"/>
+              <a:cs typeface="SF Pro Text" charset="0"/>
+            </a:endParaRPr>
+          </a:p>
+        </p:txBody>
+      </p:sp>
+      <p:cxnSp>
+        <p:nvCxnSpPr>
+          <p:cNvPr id="15" name="Straight Arrow Connector 14"/>
+          <p:cNvCxnSpPr>
+            <a:stCxn id="13" idx="2"/>
+          </p:cNvCxnSpPr>
+          <p:nvPr/>
+        </p:nvCxnSpPr>
+        <p:spPr>
+          <a:xfrm>
+            <a:off x="2129358" y="2664747"/>
+            <a:ext cx="200887" cy="740406"/>
+          </a:xfrm>
+          <a:prstGeom prst="straightConnector1">
+            <a:avLst/>
+          </a:prstGeom>
+          <a:ln>
+            <a:solidFill>
+              <a:schemeClr val="tx1"/>
+            </a:solidFill>
+            <a:tailEnd type="triangle"/>
+          </a:ln>
+        </p:spPr>
+        <p:style>
+          <a:lnRef idx="1">
+            <a:schemeClr val="accent1"/>
+          </a:lnRef>
+          <a:fillRef idx="0">
+            <a:schemeClr val="accent1"/>
+          </a:fillRef>
+          <a:effectRef idx="0">
+            <a:schemeClr val="accent1"/>
+          </a:effectRef>
+          <a:fontRef idx="minor">
+            <a:schemeClr val="tx1"/>
+          </a:fontRef>
+        </p:style>
+      </p:cxnSp>
+      <p:sp>
+        <p:nvSpPr>
+          <p:cNvPr id="18" name="TextBox 17"/>
+          <p:cNvSpPr txBox="1"/>
+          <p:nvPr/>
+        </p:nvSpPr>
+        <p:spPr>
+          <a:xfrm>
+            <a:off x="381396" y="5006422"/>
+            <a:ext cx="3670008" cy="1862048"/>
+          </a:xfrm>
+          <a:prstGeom prst="rect">
+            <a:avLst/>
+          </a:prstGeom>
+          <a:noFill/>
+          <a:ln>
+            <a:noFill/>
+          </a:ln>
+        </p:spPr>
+        <p:txBody>
+          <a:bodyPr wrap="square" rtlCol="0">
+            <a:spAutoFit/>
+          </a:bodyPr>
+          <a:lstStyle/>
+          <a:p>
+            <a:r>
+              <a:rPr lang="en-US" b="1" dirty="0" smtClean="0">
+                <a:latin typeface="SF Pro Text" charset="0"/>
+                <a:ea typeface="SF Pro Text" charset="0"/>
+                <a:cs typeface="SF Pro Text" charset="0"/>
+              </a:rPr>
+              <a:t>Current Solution: </a:t>
+            </a:r>
+            <a:endParaRPr lang="en-US" b="1" dirty="0">
+              <a:latin typeface="SF Pro Text" charset="0"/>
+              <a:ea typeface="SF Pro Text" charset="0"/>
+              <a:cs typeface="SF Pro Text" charset="0"/>
+            </a:endParaRPr>
+          </a:p>
+          <a:p>
+            <a:r>
+              <a:rPr lang="en-US" sz="1400" dirty="0" smtClean="0">
+                <a:latin typeface="SF Pro Text" charset="0"/>
+                <a:ea typeface="SF Pro Text" charset="0"/>
+                <a:cs typeface="SF Pro Text" charset="0"/>
+              </a:rPr>
+              <a:t>Cross-border lenders (</a:t>
+            </a:r>
+            <a:r>
+              <a:rPr lang="en-US" sz="1400" dirty="0" err="1" smtClean="0">
+                <a:latin typeface="SF Pro Text" charset="0"/>
+                <a:ea typeface="SF Pro Text" charset="0"/>
+                <a:cs typeface="SF Pro Text" charset="0"/>
+              </a:rPr>
+              <a:t>Mpower</a:t>
+            </a:r>
+            <a:r>
+              <a:rPr lang="en-US" sz="1400" dirty="0" smtClean="0">
+                <a:latin typeface="SF Pro Text" charset="0"/>
+                <a:ea typeface="SF Pro Text" charset="0"/>
+                <a:cs typeface="SF Pro Text" charset="0"/>
+              </a:rPr>
+              <a:t>, Prodigy)</a:t>
             </a:r>
             <a:br>
-              <a:rPr lang="en-US" sz="2400" dirty="0" smtClean="0"/>
+              <a:rPr lang="en-US" sz="1400" dirty="0" smtClean="0">
+                <a:latin typeface="SF Pro Text" charset="0"/>
+                <a:ea typeface="SF Pro Text" charset="0"/>
+                <a:cs typeface="SF Pro Text" charset="0"/>
+              </a:rPr>
             </a:br>
-            <a:r>
-              <a:rPr lang="en-US" sz="2400" dirty="0" smtClean="0"/>
-              <a:t>Founder, Prodigy Finance</a:t>
-            </a:r>
-            <a:endParaRPr lang="en-US" sz="2400" dirty="0"/>
-          </a:p>
-        </p:txBody>
-      </p:sp>
+            <a:endParaRPr lang="en-US" sz="900" dirty="0" smtClean="0">
+              <a:latin typeface="SF Pro Text" charset="0"/>
+              <a:ea typeface="SF Pro Text" charset="0"/>
+              <a:cs typeface="SF Pro Text" charset="0"/>
+            </a:endParaRPr>
+          </a:p>
+          <a:p>
+            <a:pPr marL="285750" indent="-285750">
+              <a:buFont typeface="Arial" charset="0"/>
+              <a:buChar char="•"/>
+            </a:pPr>
+            <a:r>
+              <a:rPr lang="en-US" sz="1400" b="1" dirty="0" smtClean="0">
+                <a:latin typeface="SF Pro Text" charset="0"/>
+                <a:ea typeface="SF Pro Text" charset="0"/>
+                <a:cs typeface="SF Pro Text" charset="0"/>
+              </a:rPr>
+              <a:t>11.99%</a:t>
+            </a:r>
+            <a:r>
+              <a:rPr lang="en-US" sz="1400" dirty="0" smtClean="0">
+                <a:latin typeface="SF Pro Text" charset="0"/>
+                <a:ea typeface="SF Pro Text" charset="0"/>
+                <a:cs typeface="SF Pro Text" charset="0"/>
+              </a:rPr>
+              <a:t> p.a. interest for $60,000, 10 year loan term </a:t>
+            </a:r>
+            <a:r>
+              <a:rPr lang="en-US" sz="1400" b="1" dirty="0" smtClean="0">
+                <a:latin typeface="SF Pro Text" charset="0"/>
+                <a:ea typeface="SF Pro Text" charset="0"/>
+                <a:cs typeface="SF Pro Text" charset="0"/>
+              </a:rPr>
+              <a:t>(total: </a:t>
+            </a:r>
+            <a:r>
+              <a:rPr lang="en-US" b="1" dirty="0" smtClean="0">
+                <a:latin typeface="SF Pro Text" charset="0"/>
+                <a:ea typeface="SF Pro Text" charset="0"/>
+                <a:cs typeface="SF Pro Text" charset="0"/>
+              </a:rPr>
+              <a:t>$103+k</a:t>
+            </a:r>
+            <a:r>
+              <a:rPr lang="en-US" sz="1400" b="1" dirty="0" smtClean="0">
+                <a:latin typeface="SF Pro Text" charset="0"/>
+                <a:ea typeface="SF Pro Text" charset="0"/>
+                <a:cs typeface="SF Pro Text" charset="0"/>
+              </a:rPr>
+              <a:t>)</a:t>
+            </a:r>
+          </a:p>
+          <a:p>
+            <a:pPr marL="285750" indent="-285750">
+              <a:buFont typeface="Arial" charset="0"/>
+              <a:buChar char="•"/>
+            </a:pPr>
+            <a:r>
+              <a:rPr lang="en-US" sz="1400" b="1" dirty="0" smtClean="0">
+                <a:latin typeface="SF Pro Text" charset="0"/>
+                <a:ea typeface="SF Pro Text" charset="0"/>
+                <a:cs typeface="SF Pro Text" charset="0"/>
+              </a:rPr>
+              <a:t>5% </a:t>
+            </a:r>
+            <a:r>
+              <a:rPr lang="en-US" sz="1400" dirty="0" smtClean="0">
+                <a:latin typeface="SF Pro Text" charset="0"/>
+                <a:ea typeface="SF Pro Text" charset="0"/>
+                <a:cs typeface="SF Pro Text" charset="0"/>
+              </a:rPr>
+              <a:t>origination fee (i.e. $3,000)</a:t>
+            </a:r>
+          </a:p>
+          <a:p>
+            <a:pPr marL="285750" indent="-285750">
+              <a:buFont typeface="Arial" charset="0"/>
+              <a:buChar char="•"/>
+            </a:pPr>
+            <a:r>
+              <a:rPr lang="en-US" sz="1400" dirty="0" smtClean="0">
+                <a:latin typeface="SF Pro Text" charset="0"/>
+                <a:ea typeface="SF Pro Text" charset="0"/>
+                <a:cs typeface="SF Pro Text" charset="0"/>
+              </a:rPr>
+              <a:t>Only funds </a:t>
+            </a:r>
+            <a:r>
+              <a:rPr lang="en-US" sz="1400" b="1" dirty="0" smtClean="0">
+                <a:latin typeface="SF Pro Text" charset="0"/>
+                <a:ea typeface="SF Pro Text" charset="0"/>
+                <a:cs typeface="SF Pro Text" charset="0"/>
+              </a:rPr>
+              <a:t>$25,000</a:t>
+            </a:r>
+            <a:r>
+              <a:rPr lang="en-US" sz="1400" dirty="0" smtClean="0">
+                <a:latin typeface="SF Pro Text" charset="0"/>
+                <a:ea typeface="SF Pro Text" charset="0"/>
+                <a:cs typeface="SF Pro Text" charset="0"/>
+              </a:rPr>
+              <a:t> out of </a:t>
+            </a:r>
+            <a:r>
+              <a:rPr lang="en-US" sz="1400" b="1" dirty="0" smtClean="0">
+                <a:latin typeface="SF Pro Text" charset="0"/>
+                <a:ea typeface="SF Pro Text" charset="0"/>
+                <a:cs typeface="SF Pro Text" charset="0"/>
+              </a:rPr>
+              <a:t>$60,000</a:t>
+            </a:r>
+          </a:p>
+          <a:p>
+            <a:pPr marL="285750" indent="-285750">
+              <a:buFont typeface="Arial" charset="0"/>
+              <a:buChar char="•"/>
+            </a:pPr>
+            <a:endParaRPr lang="en-US" sz="1400" dirty="0">
+              <a:latin typeface="SF Pro Text" charset="0"/>
+              <a:ea typeface="SF Pro Text" charset="0"/>
+              <a:cs typeface="SF Pro Text" charset="0"/>
+            </a:endParaRPr>
+          </a:p>
+        </p:txBody>
+      </p:sp>
+      <p:pic>
+        <p:nvPicPr>
+          <p:cNvPr id="24" name="Picture 23"/>
+          <p:cNvPicPr>
+            <a:picLocks noChangeAspect="1"/>
+          </p:cNvPicPr>
+          <p:nvPr/>
+        </p:nvPicPr>
+        <p:blipFill>
+          <a:blip r:embed="rId5"/>
+          <a:stretch>
+            <a:fillRect/>
+          </a:stretch>
+        </p:blipFill>
+        <p:spPr>
+          <a:xfrm>
+            <a:off x="4320843" y="5226914"/>
+            <a:ext cx="2566411" cy="652780"/>
+          </a:xfrm>
+          <a:prstGeom prst="rect">
+            <a:avLst/>
+          </a:prstGeom>
+        </p:spPr>
+      </p:pic>
+      <p:pic>
+        <p:nvPicPr>
+          <p:cNvPr id="7170" name="Picture 2" descr="mage result for prodigy finance"/>
+          <p:cNvPicPr>
+            <a:picLocks noChangeAspect="1" noChangeArrowheads="1"/>
+          </p:cNvPicPr>
+          <p:nvPr/>
+        </p:nvPicPr>
+        <p:blipFill>
+          <a:blip r:embed="rId6">
+            <a:extLst>
+              <a:ext uri="{28A0092B-C50C-407E-A947-70E740481C1C}">
+                <a14:useLocalDpi xmlns:a14="http://schemas.microsoft.com/office/drawing/2010/main" val="0"/>
+              </a:ext>
+            </a:extLst>
+          </a:blip>
+          <a:srcRect/>
+          <a:stretch>
+            <a:fillRect/>
+          </a:stretch>
+        </p:blipFill>
+        <p:spPr bwMode="auto">
+          <a:xfrm>
+            <a:off x="4712866" y="5834524"/>
+            <a:ext cx="1782364" cy="646802"/>
+          </a:xfrm>
+          <a:prstGeom prst="rect">
+            <a:avLst/>
+          </a:prstGeom>
+          <a:noFill/>
+          <a:extLst>
+            <a:ext uri="{909E8E84-426E-40DD-AFC4-6F175D3DCCD1}">
+              <a14:hiddenFill xmlns:a14="http://schemas.microsoft.com/office/drawing/2010/main">
+                <a:solidFill>
+                  <a:srgbClr val="FFFFFF"/>
+                </a:solidFill>
+              </a14:hiddenFill>
+            </a:ext>
+          </a:extLst>
+        </p:spPr>
+      </p:pic>
     </p:spTree>
     <p:extLst>
       <p:ext uri="{BB962C8B-B14F-4D97-AF65-F5344CB8AC3E}">
-        <p14:creationId xmlns:p14="http://schemas.microsoft.com/office/powerpoint/2010/main" val="269367575"/>
+        <p14:creationId xmlns:p14="http://schemas.microsoft.com/office/powerpoint/2010/main" val="288191567"/>
       </p:ext>
     </p:extLst>
   </p:cSld>
@@ -5740,7 +8103,7 @@
         </p:nvSpPr>
         <p:spPr>
           <a:xfrm>
-            <a:off x="2625212" y="619433"/>
+            <a:off x="2625212" y="1238865"/>
             <a:ext cx="8716297" cy="2757948"/>
           </a:xfrm>
         </p:spPr>
@@ -5752,202 +8115,42 @@
           <a:p>
             <a:pPr algn="r"/>
             <a:r>
-              <a:rPr lang="en-US" sz="5300" b="0" dirty="0" smtClean="0">
-                <a:solidFill>
-                  <a:schemeClr val="bg1">
-                    <a:lumMod val="85000"/>
-                  </a:schemeClr>
-                </a:solidFill>
-              </a:rPr>
+              <a:rPr lang="en-US" sz="5300" b="0" dirty="0" smtClean="0"/>
               <a:t>“Credit is fundamentally broken when crossing borders”</a:t>
             </a:r>
             <a:r>
-              <a:rPr lang="en-US" sz="2400" b="0" dirty="0" smtClean="0">
-                <a:solidFill>
-                  <a:schemeClr val="bg1">
-                    <a:lumMod val="85000"/>
-                  </a:schemeClr>
-                </a:solidFill>
-              </a:rPr>
+              <a:rPr lang="en-US" sz="2400" b="0" dirty="0" smtClean="0"/>
               <a:t/>
             </a:r>
             <a:br>
-              <a:rPr lang="en-US" sz="2400" b="0" dirty="0" smtClean="0">
-                <a:solidFill>
-                  <a:schemeClr val="bg1">
-                    <a:lumMod val="85000"/>
-                  </a:schemeClr>
-                </a:solidFill>
-              </a:rPr>
+              <a:rPr lang="en-US" sz="2400" b="0" dirty="0" smtClean="0"/>
             </a:br>
             <a:r>
-              <a:rPr lang="en-US" sz="2400" b="0" dirty="0" smtClean="0">
-                <a:solidFill>
-                  <a:schemeClr val="bg1">
-                    <a:lumMod val="85000"/>
-                  </a:schemeClr>
-                </a:solidFill>
-              </a:rPr>
+              <a:rPr lang="en-US" sz="2400" b="0" dirty="0"/>
               <a:t/>
             </a:r>
             <a:br>
-              <a:rPr lang="en-US" sz="2400" b="0" dirty="0" smtClean="0">
-                <a:solidFill>
-                  <a:schemeClr val="bg1">
-                    <a:lumMod val="85000"/>
-                  </a:schemeClr>
-                </a:solidFill>
-              </a:rPr>
+              <a:rPr lang="en-US" sz="2400" b="0" dirty="0"/>
             </a:br>
             <a:r>
-              <a:rPr lang="en-US" sz="2400" dirty="0" smtClean="0">
-                <a:solidFill>
-                  <a:schemeClr val="bg1">
-                    <a:lumMod val="85000"/>
-                  </a:schemeClr>
-                </a:solidFill>
-              </a:rPr>
+              <a:rPr lang="en-US" sz="2400" dirty="0" smtClean="0"/>
               <a:t>Cameron Stevens</a:t>
             </a:r>
             <a:br>
-              <a:rPr lang="en-US" sz="2400" dirty="0" smtClean="0">
-                <a:solidFill>
-                  <a:schemeClr val="bg1">
-                    <a:lumMod val="85000"/>
-                  </a:schemeClr>
-                </a:solidFill>
-              </a:rPr>
+              <a:rPr lang="en-US" sz="2400" dirty="0" smtClean="0"/>
             </a:br>
             <a:r>
-              <a:rPr lang="en-US" sz="2400" dirty="0" smtClean="0">
-                <a:solidFill>
-                  <a:schemeClr val="bg1">
-                    <a:lumMod val="85000"/>
-                  </a:schemeClr>
-                </a:solidFill>
-              </a:rPr>
+              <a:rPr lang="en-US" sz="2400" dirty="0" smtClean="0"/>
               <a:t>Founder, Prodigy Finance</a:t>
             </a:r>
-            <a:endParaRPr lang="en-US" sz="2400" dirty="0">
-              <a:solidFill>
-                <a:schemeClr val="bg1">
-                  <a:lumMod val="85000"/>
-                </a:schemeClr>
-              </a:solidFill>
-            </a:endParaRPr>
-          </a:p>
-        </p:txBody>
-      </p:sp>
-      <p:sp>
-        <p:nvSpPr>
-          <p:cNvPr id="4" name="Rounded Rectangle 3"/>
-          <p:cNvSpPr/>
-          <p:nvPr/>
-        </p:nvSpPr>
-        <p:spPr>
-          <a:xfrm>
-            <a:off x="2625209" y="2690047"/>
-            <a:ext cx="2920181" cy="1548581"/>
-          </a:xfrm>
-          <a:prstGeom prst="roundRect">
-            <a:avLst>
-              <a:gd name="adj" fmla="val 9587"/>
-            </a:avLst>
-          </a:prstGeom>
-          <a:ln w="28575"/>
-        </p:spPr>
-        <p:style>
-          <a:lnRef idx="2">
-            <a:schemeClr val="dk1"/>
-          </a:lnRef>
-          <a:fillRef idx="1">
-            <a:schemeClr val="lt1"/>
-          </a:fillRef>
-          <a:effectRef idx="0">
-            <a:schemeClr val="dk1"/>
-          </a:effectRef>
-          <a:fontRef idx="minor">
-            <a:schemeClr val="dk1"/>
-          </a:fontRef>
-        </p:style>
-        <p:txBody>
-          <a:bodyPr rtlCol="0" anchor="ctr"/>
-          <a:lstStyle/>
-          <a:p>
-            <a:pPr algn="ctr"/>
-            <a:r>
-              <a:rPr lang="en-US" sz="2000" dirty="0" smtClean="0">
-                <a:latin typeface="SF Pro Display Light" charset="0"/>
-                <a:ea typeface="SF Pro Display Light" charset="0"/>
-                <a:cs typeface="SF Pro Display Light" charset="0"/>
-              </a:rPr>
-              <a:t>Global credit history and identity-as-collateral</a:t>
-            </a:r>
-            <a:endParaRPr lang="en-US" sz="2000" dirty="0">
-              <a:latin typeface="SF Pro Display Light" charset="0"/>
-              <a:ea typeface="SF Pro Display Light" charset="0"/>
-              <a:cs typeface="SF Pro Display Light" charset="0"/>
-            </a:endParaRPr>
-          </a:p>
-        </p:txBody>
-      </p:sp>
-      <p:sp>
-        <p:nvSpPr>
-          <p:cNvPr id="5" name="Rounded Rectangle 4"/>
-          <p:cNvSpPr/>
-          <p:nvPr/>
-        </p:nvSpPr>
-        <p:spPr>
-          <a:xfrm>
-            <a:off x="5565055" y="4542503"/>
-            <a:ext cx="2920181" cy="1548581"/>
-          </a:xfrm>
-          <a:prstGeom prst="roundRect">
-            <a:avLst>
-              <a:gd name="adj" fmla="val 9587"/>
-            </a:avLst>
-          </a:prstGeom>
-          <a:ln w="28575"/>
-        </p:spPr>
-        <p:style>
-          <a:lnRef idx="2">
-            <a:schemeClr val="dk1"/>
-          </a:lnRef>
-          <a:fillRef idx="1">
-            <a:schemeClr val="lt1"/>
-          </a:fillRef>
-          <a:effectRef idx="0">
-            <a:schemeClr val="dk1"/>
-          </a:effectRef>
-          <a:fontRef idx="minor">
-            <a:schemeClr val="dk1"/>
-          </a:fontRef>
-        </p:style>
-        <p:txBody>
-          <a:bodyPr rtlCol="0" anchor="ctr"/>
-          <a:lstStyle/>
-          <a:p>
-            <a:pPr algn="ctr"/>
-            <a:r>
-              <a:rPr lang="en-US" sz="2000" dirty="0" smtClean="0">
-                <a:latin typeface="SF Pro Display Light" charset="0"/>
-                <a:ea typeface="SF Pro Display Light" charset="0"/>
-                <a:cs typeface="SF Pro Display Light" charset="0"/>
-              </a:rPr>
-              <a:t>Free (i.e. $0) money movement and servicing</a:t>
-            </a:r>
-            <a:endParaRPr lang="en-US" sz="2000" dirty="0">
-              <a:latin typeface="SF Pro Display Light" charset="0"/>
-              <a:ea typeface="SF Pro Display Light" charset="0"/>
-              <a:cs typeface="SF Pro Display Light" charset="0"/>
-            </a:endParaRPr>
+            <a:endParaRPr lang="en-US" sz="2400" dirty="0"/>
           </a:p>
         </p:txBody>
       </p:sp>
     </p:spTree>
     <p:extLst>
       <p:ext uri="{BB962C8B-B14F-4D97-AF65-F5344CB8AC3E}">
-        <p14:creationId xmlns:p14="http://schemas.microsoft.com/office/powerpoint/2010/main" val="937878503"/>
+        <p14:creationId xmlns:p14="http://schemas.microsoft.com/office/powerpoint/2010/main" val="269367575"/>
       </p:ext>
     </p:extLst>
   </p:cSld>
@@ -5981,482 +8184,45 @@
             <a:spLocks noGrp="1"/>
           </p:cNvSpPr>
           <p:nvPr>
-            <p:ph type="title"/>
+            <p:ph type="ctrTitle"/>
           </p:nvPr>
         </p:nvSpPr>
-        <p:spPr>
-          <a:xfrm>
-            <a:off x="2625212" y="619433"/>
-            <a:ext cx="8716297" cy="2757948"/>
-          </a:xfrm>
-        </p:spPr>
-        <p:txBody>
-          <a:bodyPr>
-            <a:normAutofit fontScale="90000"/>
-          </a:bodyPr>
-          <a:lstStyle/>
-          <a:p>
-            <a:pPr algn="r"/>
-            <a:r>
-              <a:rPr lang="en-US" sz="5300" b="0" dirty="0" smtClean="0">
-                <a:solidFill>
-                  <a:schemeClr val="bg1">
-                    <a:lumMod val="85000"/>
-                  </a:schemeClr>
-                </a:solidFill>
-              </a:rPr>
-              <a:t>“Credit is fundamentally broken when crossing borders”</a:t>
-            </a:r>
-            <a:r>
-              <a:rPr lang="en-US" sz="2400" b="0" dirty="0" smtClean="0">
-                <a:solidFill>
-                  <a:schemeClr val="bg1">
-                    <a:lumMod val="85000"/>
-                  </a:schemeClr>
-                </a:solidFill>
-              </a:rPr>
-              <a:t/>
-            </a:r>
-            <a:br>
-              <a:rPr lang="en-US" sz="2400" b="0" dirty="0" smtClean="0">
-                <a:solidFill>
-                  <a:schemeClr val="bg1">
-                    <a:lumMod val="85000"/>
-                  </a:schemeClr>
-                </a:solidFill>
-              </a:rPr>
-            </a:br>
-            <a:r>
-              <a:rPr lang="en-US" sz="2400" b="0" dirty="0">
-                <a:solidFill>
-                  <a:schemeClr val="bg1">
-                    <a:lumMod val="85000"/>
-                  </a:schemeClr>
-                </a:solidFill>
-              </a:rPr>
-              <a:t/>
-            </a:r>
-            <a:br>
-              <a:rPr lang="en-US" sz="2400" b="0" dirty="0">
-                <a:solidFill>
-                  <a:schemeClr val="bg1">
-                    <a:lumMod val="85000"/>
-                  </a:schemeClr>
-                </a:solidFill>
-              </a:rPr>
-            </a:br>
-            <a:r>
-              <a:rPr lang="en-US" sz="2400" dirty="0" smtClean="0">
-                <a:solidFill>
-                  <a:schemeClr val="bg1">
-                    <a:lumMod val="85000"/>
-                  </a:schemeClr>
-                </a:solidFill>
-              </a:rPr>
-              <a:t>Cameron Stevens</a:t>
-            </a:r>
-            <a:br>
-              <a:rPr lang="en-US" sz="2400" dirty="0" smtClean="0">
-                <a:solidFill>
-                  <a:schemeClr val="bg1">
-                    <a:lumMod val="85000"/>
-                  </a:schemeClr>
-                </a:solidFill>
-              </a:rPr>
-            </a:br>
-            <a:r>
-              <a:rPr lang="en-US" sz="2400" dirty="0" smtClean="0">
-                <a:solidFill>
-                  <a:schemeClr val="bg1">
-                    <a:lumMod val="85000"/>
-                  </a:schemeClr>
-                </a:solidFill>
-              </a:rPr>
-              <a:t>Founder, Prodigy Finance</a:t>
-            </a:r>
-            <a:endParaRPr lang="en-US" sz="2400" dirty="0">
-              <a:solidFill>
-                <a:schemeClr val="bg1">
-                  <a:lumMod val="85000"/>
-                </a:schemeClr>
-              </a:solidFill>
-            </a:endParaRPr>
-          </a:p>
-        </p:txBody>
-      </p:sp>
-      <p:sp>
-        <p:nvSpPr>
-          <p:cNvPr id="4" name="Rounded Rectangle 3"/>
-          <p:cNvSpPr/>
-          <p:nvPr/>
-        </p:nvSpPr>
-        <p:spPr>
-          <a:xfrm>
-            <a:off x="2625209" y="2690047"/>
-            <a:ext cx="2920181" cy="1548581"/>
-          </a:xfrm>
-          <a:prstGeom prst="roundRect">
-            <a:avLst>
-              <a:gd name="adj" fmla="val 9587"/>
-            </a:avLst>
-          </a:prstGeom>
-          <a:ln w="28575"/>
-        </p:spPr>
-        <p:style>
-          <a:lnRef idx="2">
-            <a:schemeClr val="dk1"/>
-          </a:lnRef>
-          <a:fillRef idx="1">
-            <a:schemeClr val="lt1"/>
-          </a:fillRef>
-          <a:effectRef idx="0">
-            <a:schemeClr val="dk1"/>
-          </a:effectRef>
-          <a:fontRef idx="minor">
-            <a:schemeClr val="dk1"/>
-          </a:fontRef>
-        </p:style>
-        <p:txBody>
-          <a:bodyPr rtlCol="0" anchor="ctr"/>
-          <a:lstStyle/>
-          <a:p>
-            <a:pPr algn="ctr"/>
-            <a:r>
-              <a:rPr lang="en-US" sz="2000" dirty="0" smtClean="0">
-                <a:latin typeface="SF Pro Display Light" charset="0"/>
-                <a:ea typeface="SF Pro Display Light" charset="0"/>
-                <a:cs typeface="SF Pro Display Light" charset="0"/>
-              </a:rPr>
-              <a:t>Global credit history and identity-as-collateral</a:t>
-            </a:r>
-            <a:endParaRPr lang="en-US" sz="2000" dirty="0">
-              <a:latin typeface="SF Pro Display Light" charset="0"/>
-              <a:ea typeface="SF Pro Display Light" charset="0"/>
-              <a:cs typeface="SF Pro Display Light" charset="0"/>
-            </a:endParaRPr>
-          </a:p>
-        </p:txBody>
-      </p:sp>
-      <p:sp>
-        <p:nvSpPr>
-          <p:cNvPr id="5" name="Rounded Rectangle 4"/>
-          <p:cNvSpPr/>
-          <p:nvPr/>
-        </p:nvSpPr>
-        <p:spPr>
-          <a:xfrm>
-            <a:off x="5565055" y="4542503"/>
-            <a:ext cx="2920181" cy="1548581"/>
-          </a:xfrm>
-          <a:prstGeom prst="roundRect">
-            <a:avLst>
-              <a:gd name="adj" fmla="val 9587"/>
-            </a:avLst>
-          </a:prstGeom>
-          <a:ln w="28575"/>
-        </p:spPr>
-        <p:style>
-          <a:lnRef idx="2">
-            <a:schemeClr val="dk1"/>
-          </a:lnRef>
-          <a:fillRef idx="1">
-            <a:schemeClr val="lt1"/>
-          </a:fillRef>
-          <a:effectRef idx="0">
-            <a:schemeClr val="dk1"/>
-          </a:effectRef>
-          <a:fontRef idx="minor">
-            <a:schemeClr val="dk1"/>
-          </a:fontRef>
-        </p:style>
-        <p:txBody>
-          <a:bodyPr rtlCol="0" anchor="ctr"/>
-          <a:lstStyle/>
-          <a:p>
-            <a:pPr algn="ctr"/>
-            <a:r>
-              <a:rPr lang="en-US" sz="2000" dirty="0" smtClean="0">
-                <a:latin typeface="SF Pro Display Light" charset="0"/>
-                <a:ea typeface="SF Pro Display Light" charset="0"/>
-                <a:cs typeface="SF Pro Display Light" charset="0"/>
-              </a:rPr>
-              <a:t>Free (i.e. $0) money movement and servicing</a:t>
-            </a:r>
-            <a:endParaRPr lang="en-US" sz="2000" dirty="0">
-              <a:latin typeface="SF Pro Display Light" charset="0"/>
-              <a:ea typeface="SF Pro Display Light" charset="0"/>
-              <a:cs typeface="SF Pro Display Light" charset="0"/>
-            </a:endParaRPr>
-          </a:p>
-        </p:txBody>
-      </p:sp>
-      <p:sp>
-        <p:nvSpPr>
-          <p:cNvPr id="24" name="TextBox 23"/>
-          <p:cNvSpPr txBox="1"/>
-          <p:nvPr/>
-        </p:nvSpPr>
-        <p:spPr>
-          <a:xfrm>
-            <a:off x="271731" y="1660374"/>
-            <a:ext cx="2353478" cy="738664"/>
-          </a:xfrm>
-          <a:prstGeom prst="rect">
-            <a:avLst/>
-          </a:prstGeom>
-          <a:noFill/>
-          <a:ln>
-            <a:noFill/>
-          </a:ln>
-        </p:spPr>
-        <p:txBody>
-          <a:bodyPr wrap="square" rtlCol="0">
-            <a:spAutoFit/>
-          </a:bodyPr>
-          <a:lstStyle/>
-          <a:p>
-            <a:r>
-              <a:rPr lang="en-US" sz="1400" dirty="0" smtClean="0">
-                <a:latin typeface="SF Pro Text" charset="0"/>
-                <a:ea typeface="SF Pro Text" charset="0"/>
-                <a:cs typeface="SF Pro Text" charset="0"/>
-              </a:rPr>
-              <a:t>Identity (if it can be verified</a:t>
-            </a:r>
-            <a:r>
-              <a:rPr lang="en-US" sz="1400" smtClean="0">
-                <a:latin typeface="SF Pro Text" charset="0"/>
-                <a:ea typeface="SF Pro Text" charset="0"/>
-                <a:cs typeface="SF Pro Text" charset="0"/>
-              </a:rPr>
-              <a:t>) can be used globally </a:t>
-            </a:r>
-            <a:endParaRPr lang="en-US" sz="1400" b="1" dirty="0">
-              <a:latin typeface="SF Pro Text" charset="0"/>
-              <a:ea typeface="SF Pro Text" charset="0"/>
-              <a:cs typeface="SF Pro Text" charset="0"/>
-            </a:endParaRPr>
-          </a:p>
-        </p:txBody>
-      </p:sp>
-      <p:cxnSp>
-        <p:nvCxnSpPr>
-          <p:cNvPr id="25" name="Straight Arrow Connector 24"/>
-          <p:cNvCxnSpPr/>
-          <p:nvPr/>
-        </p:nvCxnSpPr>
-        <p:spPr>
-          <a:xfrm flipH="1" flipV="1">
-            <a:off x="1887794" y="2231449"/>
-            <a:ext cx="840655" cy="458598"/>
-          </a:xfrm>
-          <a:prstGeom prst="straightConnector1">
-            <a:avLst/>
-          </a:prstGeom>
-          <a:ln>
-            <a:solidFill>
-              <a:schemeClr val="tx1"/>
-            </a:solidFill>
-            <a:tailEnd type="triangle"/>
-          </a:ln>
-        </p:spPr>
-        <p:style>
-          <a:lnRef idx="1">
-            <a:schemeClr val="accent1"/>
-          </a:lnRef>
-          <a:fillRef idx="0">
-            <a:schemeClr val="accent1"/>
-          </a:fillRef>
-          <a:effectRef idx="0">
-            <a:schemeClr val="accent1"/>
-          </a:effectRef>
-          <a:fontRef idx="minor">
-            <a:schemeClr val="tx1"/>
-          </a:fontRef>
-        </p:style>
-      </p:cxnSp>
-      <p:sp>
-        <p:nvSpPr>
-          <p:cNvPr id="28" name="TextBox 27"/>
-          <p:cNvSpPr txBox="1"/>
-          <p:nvPr/>
-        </p:nvSpPr>
-        <p:spPr>
-          <a:xfrm>
-            <a:off x="212734" y="2778331"/>
-            <a:ext cx="2043768" cy="738664"/>
-          </a:xfrm>
-          <a:prstGeom prst="rect">
-            <a:avLst/>
-          </a:prstGeom>
-          <a:noFill/>
-          <a:ln>
-            <a:noFill/>
-          </a:ln>
-        </p:spPr>
-        <p:txBody>
-          <a:bodyPr wrap="square" rtlCol="0">
-            <a:spAutoFit/>
-          </a:bodyPr>
-          <a:lstStyle/>
-          <a:p>
-            <a:r>
-              <a:rPr lang="en-US" sz="1400" dirty="0" smtClean="0">
-                <a:latin typeface="SF Pro Text" charset="0"/>
-                <a:ea typeface="SF Pro Text" charset="0"/>
-                <a:cs typeface="SF Pro Text" charset="0"/>
-              </a:rPr>
-              <a:t>Unsecured cross-border loans can use identity as collateral</a:t>
-            </a:r>
-            <a:endParaRPr lang="en-US" sz="1400" b="1" dirty="0">
-              <a:latin typeface="SF Pro Text" charset="0"/>
-              <a:ea typeface="SF Pro Text" charset="0"/>
-              <a:cs typeface="SF Pro Text" charset="0"/>
-            </a:endParaRPr>
-          </a:p>
-        </p:txBody>
-      </p:sp>
-      <p:cxnSp>
-        <p:nvCxnSpPr>
-          <p:cNvPr id="29" name="Straight Arrow Connector 28"/>
-          <p:cNvCxnSpPr/>
-          <p:nvPr/>
-        </p:nvCxnSpPr>
-        <p:spPr>
-          <a:xfrm flipH="1" flipV="1">
-            <a:off x="2072149" y="3516995"/>
-            <a:ext cx="553060" cy="139616"/>
-          </a:xfrm>
-          <a:prstGeom prst="straightConnector1">
-            <a:avLst/>
-          </a:prstGeom>
-          <a:ln>
-            <a:solidFill>
-              <a:schemeClr val="tx1"/>
-            </a:solidFill>
-            <a:tailEnd type="triangle"/>
-          </a:ln>
-        </p:spPr>
-        <p:style>
-          <a:lnRef idx="1">
-            <a:schemeClr val="accent1"/>
-          </a:lnRef>
-          <a:fillRef idx="0">
-            <a:schemeClr val="accent1"/>
-          </a:fillRef>
-          <a:effectRef idx="0">
-            <a:schemeClr val="accent1"/>
-          </a:effectRef>
-          <a:fontRef idx="minor">
-            <a:schemeClr val="tx1"/>
-          </a:fontRef>
-        </p:style>
-      </p:cxnSp>
-      <p:sp>
-        <p:nvSpPr>
-          <p:cNvPr id="37" name="TextBox 36"/>
-          <p:cNvSpPr txBox="1"/>
-          <p:nvPr/>
-        </p:nvSpPr>
-        <p:spPr>
-          <a:xfrm>
-            <a:off x="212733" y="4076060"/>
-            <a:ext cx="2206001" cy="1169551"/>
-          </a:xfrm>
-          <a:prstGeom prst="rect">
-            <a:avLst/>
-          </a:prstGeom>
-          <a:noFill/>
-          <a:ln>
-            <a:noFill/>
-          </a:ln>
-        </p:spPr>
-        <p:txBody>
-          <a:bodyPr wrap="square" rtlCol="0">
-            <a:spAutoFit/>
-          </a:bodyPr>
-          <a:lstStyle/>
-          <a:p>
-            <a:r>
-              <a:rPr lang="en-US" sz="1400" dirty="0" smtClean="0">
-                <a:latin typeface="SF Pro Text" charset="0"/>
-                <a:ea typeface="SF Pro Text" charset="0"/>
-                <a:cs typeface="SF Pro Text" charset="0"/>
-              </a:rPr>
-              <a:t>Identity can be innovated on: </a:t>
-            </a:r>
-            <a:r>
-              <a:rPr lang="en-US" sz="1400" smtClean="0">
-                <a:latin typeface="SF Pro Text" charset="0"/>
-                <a:ea typeface="SF Pro Text" charset="0"/>
-                <a:cs typeface="SF Pro Text" charset="0"/>
-              </a:rPr>
-              <a:t>pooled identity for group credit, </a:t>
-            </a:r>
-            <a:r>
-              <a:rPr lang="en-US" sz="1400" dirty="0" smtClean="0">
-                <a:latin typeface="SF Pro Text" charset="0"/>
-                <a:ea typeface="SF Pro Text" charset="0"/>
-                <a:cs typeface="SF Pro Text" charset="0"/>
-              </a:rPr>
-              <a:t>socially attested loans </a:t>
-            </a:r>
-            <a:r>
-              <a:rPr lang="en-US" sz="1400" dirty="0" err="1" smtClean="0">
-                <a:latin typeface="SF Pro Text" charset="0"/>
-                <a:ea typeface="SF Pro Text" charset="0"/>
-                <a:cs typeface="SF Pro Text" charset="0"/>
-              </a:rPr>
-              <a:t>etc</a:t>
-            </a:r>
-            <a:endParaRPr lang="en-US" sz="1400" b="1" dirty="0">
-              <a:latin typeface="SF Pro Text" charset="0"/>
-              <a:ea typeface="SF Pro Text" charset="0"/>
-              <a:cs typeface="SF Pro Text" charset="0"/>
-            </a:endParaRPr>
-          </a:p>
-        </p:txBody>
-      </p:sp>
-      <p:cxnSp>
-        <p:nvCxnSpPr>
-          <p:cNvPr id="38" name="Straight Arrow Connector 37"/>
-          <p:cNvCxnSpPr/>
-          <p:nvPr/>
-        </p:nvCxnSpPr>
-        <p:spPr>
-          <a:xfrm flipH="1">
-            <a:off x="2181535" y="4255659"/>
-            <a:ext cx="546915" cy="273978"/>
-          </a:xfrm>
-          <a:prstGeom prst="straightConnector1">
-            <a:avLst/>
-          </a:prstGeom>
-          <a:ln>
-            <a:solidFill>
-              <a:schemeClr val="tx1"/>
-            </a:solidFill>
-            <a:tailEnd type="triangle"/>
-          </a:ln>
-        </p:spPr>
-        <p:style>
-          <a:lnRef idx="1">
-            <a:schemeClr val="accent1"/>
-          </a:lnRef>
-          <a:fillRef idx="0">
-            <a:schemeClr val="accent1"/>
-          </a:fillRef>
-          <a:effectRef idx="0">
-            <a:schemeClr val="accent1"/>
-          </a:effectRef>
-          <a:fontRef idx="minor">
-            <a:schemeClr val="tx1"/>
-          </a:fontRef>
-        </p:style>
-      </p:cxnSp>
+        <p:spPr/>
+        <p:txBody>
+          <a:bodyPr/>
+          <a:lstStyle/>
+          <a:p>
+            <a:r>
+              <a:rPr lang="en-US" dirty="0" smtClean="0"/>
+              <a:t>Solution</a:t>
+            </a:r>
+            <a:endParaRPr lang="en-US" dirty="0"/>
+          </a:p>
+        </p:txBody>
+      </p:sp>
+      <p:sp>
+        <p:nvSpPr>
+          <p:cNvPr id="3" name="Subtitle 2"/>
+          <p:cNvSpPr>
+            <a:spLocks noGrp="1"/>
+          </p:cNvSpPr>
+          <p:nvPr>
+            <p:ph type="subTitle" idx="1"/>
+          </p:nvPr>
+        </p:nvSpPr>
+        <p:spPr/>
+        <p:txBody>
+          <a:bodyPr/>
+          <a:lstStyle/>
+          <a:p>
+            <a:endParaRPr lang="en-US"/>
+          </a:p>
+        </p:txBody>
+      </p:sp>
     </p:spTree>
     <p:extLst>
       <p:ext uri="{BB962C8B-B14F-4D97-AF65-F5344CB8AC3E}">
-        <p14:creationId xmlns:p14="http://schemas.microsoft.com/office/powerpoint/2010/main" val="153697257"/>
+        <p14:creationId xmlns:p14="http://schemas.microsoft.com/office/powerpoint/2010/main" val="2002223964"/>
       </p:ext>
     </p:extLst>
   </p:cSld>
@@ -6536,7 +8302,7 @@
               </a:rPr>
             </a:br>
             <a:r>
-              <a:rPr lang="en-US" sz="2400" b="0" dirty="0">
+              <a:rPr lang="en-US" sz="2400" b="0" dirty="0" smtClean="0">
                 <a:solidFill>
                   <a:schemeClr val="bg1">
                     <a:lumMod val="85000"/>
@@ -6546,7 +8312,7 @@
               <a:t/>
             </a:r>
             <a:br>
-              <a:rPr lang="en-US" sz="2400" b="0" dirty="0">
+              <a:rPr lang="en-US" sz="2400" b="0" dirty="0" smtClean="0">
                 <a:solidFill>
                   <a:schemeClr val="bg1">
                     <a:lumMod val="85000"/>
@@ -6631,29 +8397,14 @@
           <a:p>
             <a:pPr algn="ctr"/>
             <a:r>
-              <a:rPr lang="en-US" sz="2000" b="1" dirty="0" smtClean="0">
+              <a:rPr lang="en-US" sz="2000" dirty="0" smtClean="0">
                 <a:latin typeface="SF Pro Display Light" charset="0"/>
                 <a:ea typeface="SF Pro Display Light" charset="0"/>
                 <a:cs typeface="SF Pro Display Light" charset="0"/>
               </a:rPr>
-              <a:t>Global Credit Reputation </a:t>
-            </a:r>
-            <a:br>
-              <a:rPr lang="en-US" sz="2000" b="1" dirty="0" smtClean="0">
-                <a:latin typeface="SF Pro Display Light" charset="0"/>
-                <a:ea typeface="SF Pro Display Light" charset="0"/>
-                <a:cs typeface="SF Pro Display Light" charset="0"/>
-              </a:rPr>
-            </a:br>
-            <a:r>
-              <a:rPr lang="en-US" dirty="0" smtClean="0">
-                <a:latin typeface="SF Pro Display Light" charset="0"/>
-                <a:ea typeface="SF Pro Display Light" charset="0"/>
-                <a:cs typeface="SF Pro Display Light" charset="0"/>
-              </a:rPr>
-              <a:t>“identity-as-collateral”</a:t>
-            </a:r>
-            <a:endParaRPr lang="en-US" dirty="0">
+              <a:t>Global credit history and identity-as-collateral</a:t>
+            </a:r>
+            <a:endParaRPr lang="en-US" sz="2000" dirty="0">
               <a:latin typeface="SF Pro Display Light" charset="0"/>
               <a:ea typeface="SF Pro Display Light" charset="0"/>
               <a:cs typeface="SF Pro Display Light" charset="0"/>
@@ -6699,20 +8450,12 @@
           <a:p>
             <a:pPr algn="ctr"/>
             <a:r>
-              <a:rPr lang="en-US" sz="2000" b="1" dirty="0" smtClean="0">
-                <a:latin typeface="SF Pro Display Light" charset="0"/>
-                <a:ea typeface="SF Pro Display Light" charset="0"/>
-                <a:cs typeface="SF Pro Display Light" charset="0"/>
-              </a:rPr>
-              <a:t>Free (i.e. $0)</a:t>
-            </a:r>
-            <a:r>
               <a:rPr lang="en-US" sz="2000" dirty="0" smtClean="0">
                 <a:latin typeface="SF Pro Display Light" charset="0"/>
                 <a:ea typeface="SF Pro Display Light" charset="0"/>
                 <a:cs typeface="SF Pro Display Light" charset="0"/>
               </a:rPr>
-              <a:t> money movement and servicing</a:t>
+              <a:t>Free (i.e. $0) money movement and servicing</a:t>
             </a:r>
             <a:endParaRPr lang="en-US" sz="2000" dirty="0">
               <a:latin typeface="SF Pro Display Light" charset="0"/>
@@ -6722,514 +8465,10 @@
           </a:p>
         </p:txBody>
       </p:sp>
-      <p:sp>
-        <p:nvSpPr>
-          <p:cNvPr id="6" name="TextBox 5"/>
-          <p:cNvSpPr txBox="1"/>
-          <p:nvPr/>
-        </p:nvSpPr>
-        <p:spPr>
-          <a:xfrm>
-            <a:off x="9026011" y="3539962"/>
-            <a:ext cx="2585881" cy="738664"/>
-          </a:xfrm>
-          <a:prstGeom prst="rect">
-            <a:avLst/>
-          </a:prstGeom>
-          <a:noFill/>
-          <a:ln>
-            <a:noFill/>
-          </a:ln>
-        </p:spPr>
-        <p:txBody>
-          <a:bodyPr wrap="square" rtlCol="0">
-            <a:spAutoFit/>
-          </a:bodyPr>
-          <a:lstStyle/>
-          <a:p>
-            <a:r>
-              <a:rPr lang="en-US" sz="1400" dirty="0" smtClean="0">
-                <a:latin typeface="SF Pro Text" charset="0"/>
-                <a:ea typeface="SF Pro Text" charset="0"/>
-                <a:cs typeface="SF Pro Text" charset="0"/>
-              </a:rPr>
-              <a:t>Reduce servicing fees to near 0% </a:t>
-            </a:r>
-            <a:r>
-              <a:rPr lang="en-US" sz="1400" smtClean="0">
-                <a:latin typeface="SF Pro Text" charset="0"/>
-                <a:ea typeface="SF Pro Text" charset="0"/>
-                <a:cs typeface="SF Pro Text" charset="0"/>
-              </a:rPr>
-              <a:t>on origination and repayments</a:t>
-            </a:r>
-            <a:endParaRPr lang="en-US" sz="1400" b="1" dirty="0">
-              <a:latin typeface="SF Pro Text" charset="0"/>
-              <a:ea typeface="SF Pro Text" charset="0"/>
-              <a:cs typeface="SF Pro Text" charset="0"/>
-            </a:endParaRPr>
-          </a:p>
-        </p:txBody>
-      </p:sp>
-      <p:cxnSp>
-        <p:nvCxnSpPr>
-          <p:cNvPr id="7" name="Straight Arrow Connector 6"/>
-          <p:cNvCxnSpPr/>
-          <p:nvPr/>
-        </p:nvCxnSpPr>
-        <p:spPr>
-          <a:xfrm flipV="1">
-            <a:off x="8485236" y="3945197"/>
-            <a:ext cx="540775" cy="597306"/>
-          </a:xfrm>
-          <a:prstGeom prst="straightConnector1">
-            <a:avLst/>
-          </a:prstGeom>
-          <a:ln>
-            <a:solidFill>
-              <a:schemeClr val="tx1"/>
-            </a:solidFill>
-            <a:tailEnd type="triangle"/>
-          </a:ln>
-        </p:spPr>
-        <p:style>
-          <a:lnRef idx="1">
-            <a:schemeClr val="accent1"/>
-          </a:lnRef>
-          <a:fillRef idx="0">
-            <a:schemeClr val="accent1"/>
-          </a:fillRef>
-          <a:effectRef idx="0">
-            <a:schemeClr val="accent1"/>
-          </a:effectRef>
-          <a:fontRef idx="minor">
-            <a:schemeClr val="tx1"/>
-          </a:fontRef>
-        </p:style>
-      </p:cxnSp>
-      <p:sp>
-        <p:nvSpPr>
-          <p:cNvPr id="11" name="TextBox 10"/>
-          <p:cNvSpPr txBox="1"/>
-          <p:nvPr/>
-        </p:nvSpPr>
-        <p:spPr>
-          <a:xfrm>
-            <a:off x="9106016" y="4578129"/>
-            <a:ext cx="2029014" cy="738664"/>
-          </a:xfrm>
-          <a:prstGeom prst="rect">
-            <a:avLst/>
-          </a:prstGeom>
-          <a:noFill/>
-          <a:ln>
-            <a:noFill/>
-          </a:ln>
-        </p:spPr>
-        <p:txBody>
-          <a:bodyPr wrap="square" rtlCol="0">
-            <a:spAutoFit/>
-          </a:bodyPr>
-          <a:lstStyle/>
-          <a:p>
-            <a:r>
-              <a:rPr lang="en-US" sz="1400" dirty="0" smtClean="0">
-                <a:latin typeface="SF Pro Text" charset="0"/>
-                <a:ea typeface="SF Pro Text" charset="0"/>
-                <a:cs typeface="SF Pro Text" charset="0"/>
-              </a:rPr>
-              <a:t>Free ($0) movement of money across borders</a:t>
-            </a:r>
-            <a:endParaRPr lang="en-US" sz="1400" b="1" dirty="0">
-              <a:latin typeface="SF Pro Text" charset="0"/>
-              <a:ea typeface="SF Pro Text" charset="0"/>
-              <a:cs typeface="SF Pro Text" charset="0"/>
-            </a:endParaRPr>
-          </a:p>
-        </p:txBody>
-      </p:sp>
-      <p:cxnSp>
-        <p:nvCxnSpPr>
-          <p:cNvPr id="12" name="Straight Arrow Connector 11"/>
-          <p:cNvCxnSpPr>
-            <a:endCxn id="11" idx="1"/>
-          </p:cNvCxnSpPr>
-          <p:nvPr/>
-        </p:nvCxnSpPr>
-        <p:spPr>
-          <a:xfrm flipV="1">
-            <a:off x="8485236" y="4947461"/>
-            <a:ext cx="620780" cy="50821"/>
-          </a:xfrm>
-          <a:prstGeom prst="straightConnector1">
-            <a:avLst/>
-          </a:prstGeom>
-          <a:ln>
-            <a:solidFill>
-              <a:schemeClr val="tx1"/>
-            </a:solidFill>
-            <a:tailEnd type="triangle"/>
-          </a:ln>
-        </p:spPr>
-        <p:style>
-          <a:lnRef idx="1">
-            <a:schemeClr val="accent1"/>
-          </a:lnRef>
-          <a:fillRef idx="0">
-            <a:schemeClr val="accent1"/>
-          </a:fillRef>
-          <a:effectRef idx="0">
-            <a:schemeClr val="accent1"/>
-          </a:effectRef>
-          <a:fontRef idx="minor">
-            <a:schemeClr val="tx1"/>
-          </a:fontRef>
-        </p:style>
-      </p:cxnSp>
-      <p:sp>
-        <p:nvSpPr>
-          <p:cNvPr id="19" name="TextBox 18"/>
-          <p:cNvSpPr txBox="1"/>
-          <p:nvPr/>
-        </p:nvSpPr>
-        <p:spPr>
-          <a:xfrm>
-            <a:off x="9106016" y="5574267"/>
-            <a:ext cx="2161750" cy="738664"/>
-          </a:xfrm>
-          <a:prstGeom prst="rect">
-            <a:avLst/>
-          </a:prstGeom>
-          <a:noFill/>
-          <a:ln>
-            <a:noFill/>
-          </a:ln>
-        </p:spPr>
-        <p:txBody>
-          <a:bodyPr wrap="square" rtlCol="0">
-            <a:spAutoFit/>
-          </a:bodyPr>
-          <a:lstStyle/>
-          <a:p>
-            <a:r>
-              <a:rPr lang="en-US" sz="1400" dirty="0" smtClean="0">
-                <a:latin typeface="SF Pro Text" charset="0"/>
-                <a:ea typeface="SF Pro Text" charset="0"/>
-                <a:cs typeface="SF Pro Text" charset="0"/>
-              </a:rPr>
-              <a:t>Automatic tracking of repayments and flow-of-funds handling</a:t>
-            </a:r>
-            <a:endParaRPr lang="en-US" sz="1400" b="1" dirty="0">
-              <a:latin typeface="SF Pro Text" charset="0"/>
-              <a:ea typeface="SF Pro Text" charset="0"/>
-              <a:cs typeface="SF Pro Text" charset="0"/>
-            </a:endParaRPr>
-          </a:p>
-        </p:txBody>
-      </p:sp>
-      <p:cxnSp>
-        <p:nvCxnSpPr>
-          <p:cNvPr id="20" name="Straight Arrow Connector 19"/>
-          <p:cNvCxnSpPr/>
-          <p:nvPr/>
-        </p:nvCxnSpPr>
-        <p:spPr>
-          <a:xfrm>
-            <a:off x="8485236" y="5566266"/>
-            <a:ext cx="620780" cy="229848"/>
-          </a:xfrm>
-          <a:prstGeom prst="straightConnector1">
-            <a:avLst/>
-          </a:prstGeom>
-          <a:ln>
-            <a:solidFill>
-              <a:schemeClr val="tx1"/>
-            </a:solidFill>
-            <a:tailEnd type="triangle"/>
-          </a:ln>
-        </p:spPr>
-        <p:style>
-          <a:lnRef idx="1">
-            <a:schemeClr val="accent1"/>
-          </a:lnRef>
-          <a:fillRef idx="0">
-            <a:schemeClr val="accent1"/>
-          </a:fillRef>
-          <a:effectRef idx="0">
-            <a:schemeClr val="accent1"/>
-          </a:effectRef>
-          <a:fontRef idx="minor">
-            <a:schemeClr val="tx1"/>
-          </a:fontRef>
-        </p:style>
-      </p:cxnSp>
-      <p:sp>
-        <p:nvSpPr>
-          <p:cNvPr id="24" name="TextBox 23"/>
-          <p:cNvSpPr txBox="1"/>
-          <p:nvPr/>
-        </p:nvSpPr>
-        <p:spPr>
-          <a:xfrm>
-            <a:off x="271731" y="1660374"/>
-            <a:ext cx="2353478" cy="738664"/>
-          </a:xfrm>
-          <a:prstGeom prst="rect">
-            <a:avLst/>
-          </a:prstGeom>
-          <a:noFill/>
-          <a:ln>
-            <a:noFill/>
-          </a:ln>
-        </p:spPr>
-        <p:txBody>
-          <a:bodyPr wrap="square" rtlCol="0">
-            <a:spAutoFit/>
-          </a:bodyPr>
-          <a:lstStyle/>
-          <a:p>
-            <a:r>
-              <a:rPr lang="en-US" sz="1400" dirty="0" smtClean="0">
-                <a:latin typeface="SF Pro Text" charset="0"/>
-                <a:ea typeface="SF Pro Text" charset="0"/>
-                <a:cs typeface="SF Pro Text" charset="0"/>
-              </a:rPr>
-              <a:t>Identity (if it can be verified</a:t>
-            </a:r>
-            <a:r>
-              <a:rPr lang="en-US" sz="1400" smtClean="0">
-                <a:latin typeface="SF Pro Text" charset="0"/>
-                <a:ea typeface="SF Pro Text" charset="0"/>
-                <a:cs typeface="SF Pro Text" charset="0"/>
-              </a:rPr>
-              <a:t>) can be used globally </a:t>
-            </a:r>
-            <a:endParaRPr lang="en-US" sz="1400" b="1" dirty="0">
-              <a:latin typeface="SF Pro Text" charset="0"/>
-              <a:ea typeface="SF Pro Text" charset="0"/>
-              <a:cs typeface="SF Pro Text" charset="0"/>
-            </a:endParaRPr>
-          </a:p>
-        </p:txBody>
-      </p:sp>
-      <p:cxnSp>
-        <p:nvCxnSpPr>
-          <p:cNvPr id="25" name="Straight Arrow Connector 24"/>
-          <p:cNvCxnSpPr/>
-          <p:nvPr/>
-        </p:nvCxnSpPr>
-        <p:spPr>
-          <a:xfrm flipH="1" flipV="1">
-            <a:off x="1887794" y="2231449"/>
-            <a:ext cx="840655" cy="458598"/>
-          </a:xfrm>
-          <a:prstGeom prst="straightConnector1">
-            <a:avLst/>
-          </a:prstGeom>
-          <a:ln>
-            <a:solidFill>
-              <a:schemeClr val="tx1"/>
-            </a:solidFill>
-            <a:tailEnd type="triangle"/>
-          </a:ln>
-        </p:spPr>
-        <p:style>
-          <a:lnRef idx="1">
-            <a:schemeClr val="accent1"/>
-          </a:lnRef>
-          <a:fillRef idx="0">
-            <a:schemeClr val="accent1"/>
-          </a:fillRef>
-          <a:effectRef idx="0">
-            <a:schemeClr val="accent1"/>
-          </a:effectRef>
-          <a:fontRef idx="minor">
-            <a:schemeClr val="tx1"/>
-          </a:fontRef>
-        </p:style>
-      </p:cxnSp>
-      <p:sp>
-        <p:nvSpPr>
-          <p:cNvPr id="28" name="TextBox 27"/>
-          <p:cNvSpPr txBox="1"/>
-          <p:nvPr/>
-        </p:nvSpPr>
-        <p:spPr>
-          <a:xfrm>
-            <a:off x="212734" y="2778331"/>
-            <a:ext cx="2043768" cy="738664"/>
-          </a:xfrm>
-          <a:prstGeom prst="rect">
-            <a:avLst/>
-          </a:prstGeom>
-          <a:noFill/>
-          <a:ln>
-            <a:noFill/>
-          </a:ln>
-        </p:spPr>
-        <p:txBody>
-          <a:bodyPr wrap="square" rtlCol="0">
-            <a:spAutoFit/>
-          </a:bodyPr>
-          <a:lstStyle/>
-          <a:p>
-            <a:r>
-              <a:rPr lang="en-US" sz="1400" dirty="0" smtClean="0">
-                <a:latin typeface="SF Pro Text" charset="0"/>
-                <a:ea typeface="SF Pro Text" charset="0"/>
-                <a:cs typeface="SF Pro Text" charset="0"/>
-              </a:rPr>
-              <a:t>Unsecured cross-border loans can use identity as collateral</a:t>
-            </a:r>
-            <a:endParaRPr lang="en-US" sz="1400" b="1" dirty="0">
-              <a:latin typeface="SF Pro Text" charset="0"/>
-              <a:ea typeface="SF Pro Text" charset="0"/>
-              <a:cs typeface="SF Pro Text" charset="0"/>
-            </a:endParaRPr>
-          </a:p>
-        </p:txBody>
-      </p:sp>
-      <p:cxnSp>
-        <p:nvCxnSpPr>
-          <p:cNvPr id="29" name="Straight Arrow Connector 28"/>
-          <p:cNvCxnSpPr/>
-          <p:nvPr/>
-        </p:nvCxnSpPr>
-        <p:spPr>
-          <a:xfrm flipH="1" flipV="1">
-            <a:off x="2072149" y="3516995"/>
-            <a:ext cx="553060" cy="139616"/>
-          </a:xfrm>
-          <a:prstGeom prst="straightConnector1">
-            <a:avLst/>
-          </a:prstGeom>
-          <a:ln>
-            <a:solidFill>
-              <a:schemeClr val="tx1"/>
-            </a:solidFill>
-            <a:tailEnd type="triangle"/>
-          </a:ln>
-        </p:spPr>
-        <p:style>
-          <a:lnRef idx="1">
-            <a:schemeClr val="accent1"/>
-          </a:lnRef>
-          <a:fillRef idx="0">
-            <a:schemeClr val="accent1"/>
-          </a:fillRef>
-          <a:effectRef idx="0">
-            <a:schemeClr val="accent1"/>
-          </a:effectRef>
-          <a:fontRef idx="minor">
-            <a:schemeClr val="tx1"/>
-          </a:fontRef>
-        </p:style>
-      </p:cxnSp>
-      <p:sp>
-        <p:nvSpPr>
-          <p:cNvPr id="37" name="TextBox 36"/>
-          <p:cNvSpPr txBox="1"/>
-          <p:nvPr/>
-        </p:nvSpPr>
-        <p:spPr>
-          <a:xfrm>
-            <a:off x="212733" y="4076060"/>
-            <a:ext cx="2206001" cy="1169551"/>
-          </a:xfrm>
-          <a:prstGeom prst="rect">
-            <a:avLst/>
-          </a:prstGeom>
-          <a:noFill/>
-          <a:ln>
-            <a:noFill/>
-          </a:ln>
-        </p:spPr>
-        <p:txBody>
-          <a:bodyPr wrap="square" rtlCol="0">
-            <a:spAutoFit/>
-          </a:bodyPr>
-          <a:lstStyle/>
-          <a:p>
-            <a:r>
-              <a:rPr lang="en-US" sz="1400" dirty="0" smtClean="0">
-                <a:latin typeface="SF Pro Text" charset="0"/>
-                <a:ea typeface="SF Pro Text" charset="0"/>
-                <a:cs typeface="SF Pro Text" charset="0"/>
-              </a:rPr>
-              <a:t>Identity can be innovated on: </a:t>
-            </a:r>
-            <a:r>
-              <a:rPr lang="en-US" sz="1400" smtClean="0">
-                <a:latin typeface="SF Pro Text" charset="0"/>
-                <a:ea typeface="SF Pro Text" charset="0"/>
-                <a:cs typeface="SF Pro Text" charset="0"/>
-              </a:rPr>
-              <a:t>pooled identity for group credit, </a:t>
-            </a:r>
-            <a:r>
-              <a:rPr lang="en-US" sz="1400" dirty="0" smtClean="0">
-                <a:latin typeface="SF Pro Text" charset="0"/>
-                <a:ea typeface="SF Pro Text" charset="0"/>
-                <a:cs typeface="SF Pro Text" charset="0"/>
-              </a:rPr>
-              <a:t>socially attested loans </a:t>
-            </a:r>
-            <a:r>
-              <a:rPr lang="en-US" sz="1400" dirty="0" err="1" smtClean="0">
-                <a:latin typeface="SF Pro Text" charset="0"/>
-                <a:ea typeface="SF Pro Text" charset="0"/>
-                <a:cs typeface="SF Pro Text" charset="0"/>
-              </a:rPr>
-              <a:t>etc</a:t>
-            </a:r>
-            <a:endParaRPr lang="en-US" sz="1400" b="1" dirty="0">
-              <a:latin typeface="SF Pro Text" charset="0"/>
-              <a:ea typeface="SF Pro Text" charset="0"/>
-              <a:cs typeface="SF Pro Text" charset="0"/>
-            </a:endParaRPr>
-          </a:p>
-        </p:txBody>
-      </p:sp>
-      <p:cxnSp>
-        <p:nvCxnSpPr>
-          <p:cNvPr id="38" name="Straight Arrow Connector 37"/>
-          <p:cNvCxnSpPr/>
-          <p:nvPr/>
-        </p:nvCxnSpPr>
-        <p:spPr>
-          <a:xfrm flipH="1">
-            <a:off x="2181535" y="4255659"/>
-            <a:ext cx="546915" cy="273978"/>
-          </a:xfrm>
-          <a:prstGeom prst="straightConnector1">
-            <a:avLst/>
-          </a:prstGeom>
-          <a:ln>
-            <a:solidFill>
-              <a:schemeClr val="tx1"/>
-            </a:solidFill>
-            <a:tailEnd type="triangle"/>
-          </a:ln>
-        </p:spPr>
-        <p:style>
-          <a:lnRef idx="1">
-            <a:schemeClr val="accent1"/>
-          </a:lnRef>
-          <a:fillRef idx="0">
-            <a:schemeClr val="accent1"/>
-          </a:fillRef>
-          <a:effectRef idx="0">
-            <a:schemeClr val="accent1"/>
-          </a:effectRef>
-          <a:fontRef idx="minor">
-            <a:schemeClr val="tx1"/>
-          </a:fontRef>
-        </p:style>
-      </p:cxnSp>
     </p:spTree>
     <p:extLst>
       <p:ext uri="{BB962C8B-B14F-4D97-AF65-F5344CB8AC3E}">
-        <p14:creationId xmlns:p14="http://schemas.microsoft.com/office/powerpoint/2010/main" val="605354845"/>
+        <p14:creationId xmlns:p14="http://schemas.microsoft.com/office/powerpoint/2010/main" val="937878503"/>
       </p:ext>
     </p:extLst>
   </p:cSld>

--- a/presentation/presentation.pptx
+++ b/presentation/presentation.pptx
@@ -5,25 +5,30 @@
     <p:sldMasterId id="2147483648" r:id="rId1"/>
   </p:sldMasterIdLst>
   <p:notesMasterIdLst>
-    <p:notesMasterId r:id="rId18"/>
+    <p:notesMasterId r:id="rId23"/>
   </p:notesMasterIdLst>
   <p:sldIdLst>
     <p:sldId id="256" r:id="rId2"/>
-    <p:sldId id="267" r:id="rId3"/>
-    <p:sldId id="257" r:id="rId4"/>
-    <p:sldId id="260" r:id="rId5"/>
-    <p:sldId id="259" r:id="rId6"/>
-    <p:sldId id="261" r:id="rId7"/>
-    <p:sldId id="262" r:id="rId8"/>
-    <p:sldId id="266" r:id="rId9"/>
-    <p:sldId id="264" r:id="rId10"/>
-    <p:sldId id="265" r:id="rId11"/>
-    <p:sldId id="263" r:id="rId12"/>
-    <p:sldId id="268" r:id="rId13"/>
-    <p:sldId id="269" r:id="rId14"/>
-    <p:sldId id="271" r:id="rId15"/>
-    <p:sldId id="272" r:id="rId16"/>
-    <p:sldId id="270" r:id="rId17"/>
+    <p:sldId id="273" r:id="rId3"/>
+    <p:sldId id="274" r:id="rId4"/>
+    <p:sldId id="267" r:id="rId5"/>
+    <p:sldId id="257" r:id="rId6"/>
+    <p:sldId id="260" r:id="rId7"/>
+    <p:sldId id="259" r:id="rId8"/>
+    <p:sldId id="261" r:id="rId9"/>
+    <p:sldId id="262" r:id="rId10"/>
+    <p:sldId id="266" r:id="rId11"/>
+    <p:sldId id="264" r:id="rId12"/>
+    <p:sldId id="265" r:id="rId13"/>
+    <p:sldId id="263" r:id="rId14"/>
+    <p:sldId id="268" r:id="rId15"/>
+    <p:sldId id="269" r:id="rId16"/>
+    <p:sldId id="271" r:id="rId17"/>
+    <p:sldId id="272" r:id="rId18"/>
+    <p:sldId id="276" r:id="rId19"/>
+    <p:sldId id="275" r:id="rId20"/>
+    <p:sldId id="277" r:id="rId21"/>
+    <p:sldId id="270" r:id="rId22"/>
   </p:sldIdLst>
   <p:sldSz cx="12192000" cy="6858000"/>
   <p:notesSz cx="6858000" cy="9144000"/>
@@ -540,7 +545,7 @@
           <a:p>
             <a:fld id="{4B39A058-F5AB-D241-BAD1-33D1B1351E6C}" type="slidenum">
               <a:rPr lang="en-US" smtClean="0"/>
-              <a:t>4</a:t>
+              <a:t>6</a:t>
             </a:fld>
             <a:endParaRPr lang="en-US"/>
           </a:p>
@@ -3618,7 +3623,322 @@
 </file>
 
 <file path=ppt/slides/slide10.xml><?xml version="1.0" encoding="utf-8"?>
-<p:sld xmlns:a="http://schemas.openxmlformats.org/drawingml/2006/main" xmlns:r="http://schemas.openxmlformats.org/officeDocument/2006/relationships" xmlns:p="http://schemas.openxmlformats.org/presentationml/2006/main">
+<p:sld xmlns:a="http://schemas.openxmlformats.org/drawingml/2006/main" xmlns:r="http://schemas.openxmlformats.org/officeDocument/2006/relationships" xmlns:p="http://schemas.openxmlformats.org/presentationml/2006/main" show="0">
+  <p:cSld>
+    <p:spTree>
+      <p:nvGrpSpPr>
+        <p:cNvPr id="1" name=""/>
+        <p:cNvGrpSpPr/>
+        <p:nvPr/>
+      </p:nvGrpSpPr>
+      <p:grpSpPr>
+        <a:xfrm>
+          <a:off x="0" y="0"/>
+          <a:ext cx="0" cy="0"/>
+          <a:chOff x="0" y="0"/>
+          <a:chExt cx="0" cy="0"/>
+        </a:xfrm>
+      </p:grpSpPr>
+      <p:sp>
+        <p:nvSpPr>
+          <p:cNvPr id="2" name="Title 1"/>
+          <p:cNvSpPr>
+            <a:spLocks noGrp="1"/>
+          </p:cNvSpPr>
+          <p:nvPr>
+            <p:ph type="ctrTitle"/>
+          </p:nvPr>
+        </p:nvSpPr>
+        <p:spPr/>
+        <p:txBody>
+          <a:bodyPr/>
+          <a:lstStyle/>
+          <a:p>
+            <a:r>
+              <a:rPr lang="en-US" dirty="0" smtClean="0"/>
+              <a:t>Solution</a:t>
+            </a:r>
+            <a:endParaRPr lang="en-US" dirty="0"/>
+          </a:p>
+        </p:txBody>
+      </p:sp>
+    </p:spTree>
+    <p:extLst>
+      <p:ext uri="{BB962C8B-B14F-4D97-AF65-F5344CB8AC3E}">
+        <p14:creationId xmlns:p14="http://schemas.microsoft.com/office/powerpoint/2010/main" val="2002223964"/>
+      </p:ext>
+    </p:extLst>
+  </p:cSld>
+  <p:clrMapOvr>
+    <a:masterClrMapping/>
+  </p:clrMapOvr>
+  <mc:AlternateContent xmlns:mc="http://schemas.openxmlformats.org/markup-compatibility/2006">
+    <mc:Choice xmlns:p14="http://schemas.microsoft.com/office/powerpoint/2010/main" Requires="p14">
+      <p:transition spd="slow" p14:dur="2000"/>
+    </mc:Choice>
+    <mc:Fallback>
+      <p:transition spd="slow"/>
+    </mc:Fallback>
+  </mc:AlternateContent>
+</p:sld>
+</file>
+
+<file path=ppt/slides/slide11.xml><?xml version="1.0" encoding="utf-8"?>
+<p:sld xmlns:a="http://schemas.openxmlformats.org/drawingml/2006/main" xmlns:r="http://schemas.openxmlformats.org/officeDocument/2006/relationships" xmlns:p="http://schemas.openxmlformats.org/presentationml/2006/main" show="0">
+  <p:cSld>
+    <p:spTree>
+      <p:nvGrpSpPr>
+        <p:cNvPr id="1" name=""/>
+        <p:cNvGrpSpPr/>
+        <p:nvPr/>
+      </p:nvGrpSpPr>
+      <p:grpSpPr>
+        <a:xfrm>
+          <a:off x="0" y="0"/>
+          <a:ext cx="0" cy="0"/>
+          <a:chOff x="0" y="0"/>
+          <a:chExt cx="0" cy="0"/>
+        </a:xfrm>
+      </p:grpSpPr>
+      <p:sp>
+        <p:nvSpPr>
+          <p:cNvPr id="2" name="Title 1"/>
+          <p:cNvSpPr>
+            <a:spLocks noGrp="1"/>
+          </p:cNvSpPr>
+          <p:nvPr>
+            <p:ph type="title"/>
+          </p:nvPr>
+        </p:nvSpPr>
+        <p:spPr>
+          <a:xfrm>
+            <a:off x="2625212" y="619433"/>
+            <a:ext cx="8716297" cy="2757948"/>
+          </a:xfrm>
+        </p:spPr>
+        <p:txBody>
+          <a:bodyPr>
+            <a:normAutofit fontScale="90000"/>
+          </a:bodyPr>
+          <a:lstStyle/>
+          <a:p>
+            <a:pPr algn="r"/>
+            <a:r>
+              <a:rPr lang="en-US" sz="5300" b="0" dirty="0" smtClean="0">
+                <a:solidFill>
+                  <a:schemeClr val="bg1">
+                    <a:lumMod val="85000"/>
+                  </a:schemeClr>
+                </a:solidFill>
+              </a:rPr>
+              <a:t>“Credit is fundamentally broken when crossing borders”</a:t>
+            </a:r>
+            <a:r>
+              <a:rPr lang="en-US" sz="2400" b="0" dirty="0" smtClean="0">
+                <a:solidFill>
+                  <a:schemeClr val="bg1">
+                    <a:lumMod val="85000"/>
+                  </a:schemeClr>
+                </a:solidFill>
+              </a:rPr>
+              <a:t/>
+            </a:r>
+            <a:br>
+              <a:rPr lang="en-US" sz="2400" b="0" dirty="0" smtClean="0">
+                <a:solidFill>
+                  <a:schemeClr val="bg1">
+                    <a:lumMod val="85000"/>
+                  </a:schemeClr>
+                </a:solidFill>
+              </a:rPr>
+            </a:br>
+            <a:r>
+              <a:rPr lang="en-US" sz="2400" b="0" dirty="0" smtClean="0">
+                <a:solidFill>
+                  <a:schemeClr val="bg1">
+                    <a:lumMod val="85000"/>
+                  </a:schemeClr>
+                </a:solidFill>
+              </a:rPr>
+              <a:t/>
+            </a:r>
+            <a:br>
+              <a:rPr lang="en-US" sz="2400" b="0" dirty="0" smtClean="0">
+                <a:solidFill>
+                  <a:schemeClr val="bg1">
+                    <a:lumMod val="85000"/>
+                  </a:schemeClr>
+                </a:solidFill>
+              </a:rPr>
+            </a:br>
+            <a:r>
+              <a:rPr lang="en-US" sz="2400" dirty="0" smtClean="0">
+                <a:solidFill>
+                  <a:schemeClr val="bg1">
+                    <a:lumMod val="85000"/>
+                  </a:schemeClr>
+                </a:solidFill>
+              </a:rPr>
+              <a:t>Cameron Stevens</a:t>
+            </a:r>
+            <a:br>
+              <a:rPr lang="en-US" sz="2400" dirty="0" smtClean="0">
+                <a:solidFill>
+                  <a:schemeClr val="bg1">
+                    <a:lumMod val="85000"/>
+                  </a:schemeClr>
+                </a:solidFill>
+              </a:rPr>
+            </a:br>
+            <a:r>
+              <a:rPr lang="en-US" sz="2400" dirty="0" smtClean="0">
+                <a:solidFill>
+                  <a:schemeClr val="bg1">
+                    <a:lumMod val="85000"/>
+                  </a:schemeClr>
+                </a:solidFill>
+              </a:rPr>
+              <a:t>Founder, Prodigy Finance</a:t>
+            </a:r>
+            <a:endParaRPr lang="en-US" sz="2400" dirty="0">
+              <a:solidFill>
+                <a:schemeClr val="bg1">
+                  <a:lumMod val="85000"/>
+                </a:schemeClr>
+              </a:solidFill>
+            </a:endParaRPr>
+          </a:p>
+        </p:txBody>
+      </p:sp>
+      <p:sp>
+        <p:nvSpPr>
+          <p:cNvPr id="4" name="Rounded Rectangle 3"/>
+          <p:cNvSpPr/>
+          <p:nvPr/>
+        </p:nvSpPr>
+        <p:spPr>
+          <a:xfrm>
+            <a:off x="2625209" y="2690047"/>
+            <a:ext cx="2920181" cy="1548581"/>
+          </a:xfrm>
+          <a:prstGeom prst="roundRect">
+            <a:avLst>
+              <a:gd name="adj" fmla="val 9587"/>
+            </a:avLst>
+          </a:prstGeom>
+          <a:ln w="28575"/>
+        </p:spPr>
+        <p:style>
+          <a:lnRef idx="2">
+            <a:schemeClr val="dk1"/>
+          </a:lnRef>
+          <a:fillRef idx="1">
+            <a:schemeClr val="lt1"/>
+          </a:fillRef>
+          <a:effectRef idx="0">
+            <a:schemeClr val="dk1"/>
+          </a:effectRef>
+          <a:fontRef idx="minor">
+            <a:schemeClr val="dk1"/>
+          </a:fontRef>
+        </p:style>
+        <p:txBody>
+          <a:bodyPr rtlCol="0" anchor="ctr"/>
+          <a:lstStyle/>
+          <a:p>
+            <a:pPr algn="ctr"/>
+            <a:r>
+              <a:rPr lang="en-US" sz="2000" dirty="0" smtClean="0">
+                <a:latin typeface="SF Pro Display Light" charset="0"/>
+                <a:ea typeface="SF Pro Display Light" charset="0"/>
+                <a:cs typeface="SF Pro Display Light" charset="0"/>
+              </a:rPr>
+              <a:t>Global credit history and identity-as-collateral</a:t>
+            </a:r>
+            <a:endParaRPr lang="en-US" sz="2000" dirty="0">
+              <a:latin typeface="SF Pro Display Light" charset="0"/>
+              <a:ea typeface="SF Pro Display Light" charset="0"/>
+              <a:cs typeface="SF Pro Display Light" charset="0"/>
+            </a:endParaRPr>
+          </a:p>
+        </p:txBody>
+      </p:sp>
+      <p:sp>
+        <p:nvSpPr>
+          <p:cNvPr id="5" name="Rounded Rectangle 4"/>
+          <p:cNvSpPr/>
+          <p:nvPr/>
+        </p:nvSpPr>
+        <p:spPr>
+          <a:xfrm>
+            <a:off x="5565055" y="4542503"/>
+            <a:ext cx="2920181" cy="1548581"/>
+          </a:xfrm>
+          <a:prstGeom prst="roundRect">
+            <a:avLst>
+              <a:gd name="adj" fmla="val 9587"/>
+            </a:avLst>
+          </a:prstGeom>
+          <a:ln w="28575"/>
+        </p:spPr>
+        <p:style>
+          <a:lnRef idx="2">
+            <a:schemeClr val="dk1"/>
+          </a:lnRef>
+          <a:fillRef idx="1">
+            <a:schemeClr val="lt1"/>
+          </a:fillRef>
+          <a:effectRef idx="0">
+            <a:schemeClr val="dk1"/>
+          </a:effectRef>
+          <a:fontRef idx="minor">
+            <a:schemeClr val="dk1"/>
+          </a:fontRef>
+        </p:style>
+        <p:txBody>
+          <a:bodyPr rtlCol="0" anchor="ctr"/>
+          <a:lstStyle/>
+          <a:p>
+            <a:pPr algn="ctr"/>
+            <a:r>
+              <a:rPr lang="en-US" sz="2000" dirty="0" smtClean="0">
+                <a:latin typeface="SF Pro Display Light" charset="0"/>
+                <a:ea typeface="SF Pro Display Light" charset="0"/>
+                <a:cs typeface="SF Pro Display Light" charset="0"/>
+              </a:rPr>
+              <a:t>Free (i.e. $0) money movement and servicing</a:t>
+            </a:r>
+            <a:endParaRPr lang="en-US" sz="2000" dirty="0">
+              <a:latin typeface="SF Pro Display Light" charset="0"/>
+              <a:ea typeface="SF Pro Display Light" charset="0"/>
+              <a:cs typeface="SF Pro Display Light" charset="0"/>
+            </a:endParaRPr>
+          </a:p>
+        </p:txBody>
+      </p:sp>
+    </p:spTree>
+    <p:extLst>
+      <p:ext uri="{BB962C8B-B14F-4D97-AF65-F5344CB8AC3E}">
+        <p14:creationId xmlns:p14="http://schemas.microsoft.com/office/powerpoint/2010/main" val="937878503"/>
+      </p:ext>
+    </p:extLst>
+  </p:cSld>
+  <p:clrMapOvr>
+    <a:masterClrMapping/>
+  </p:clrMapOvr>
+  <mc:AlternateContent xmlns:mc="http://schemas.openxmlformats.org/markup-compatibility/2006">
+    <mc:Choice xmlns:p14="http://schemas.microsoft.com/office/powerpoint/2010/main" Requires="p14">
+      <p:transition spd="slow" p14:dur="2000"/>
+    </mc:Choice>
+    <mc:Fallback>
+      <p:transition spd="slow"/>
+    </mc:Fallback>
+  </mc:AlternateContent>
+</p:sld>
+</file>
+
+<file path=ppt/slides/slide12.xml><?xml version="1.0" encoding="utf-8"?>
+<p:sld xmlns:a="http://schemas.openxmlformats.org/drawingml/2006/main" xmlns:r="http://schemas.openxmlformats.org/officeDocument/2006/relationships" xmlns:p="http://schemas.openxmlformats.org/presentationml/2006/main" show="0">
   <p:cSld>
     <p:spTree>
       <p:nvGrpSpPr>
@@ -4123,11 +4443,19 @@
   <p:clrMapOvr>
     <a:masterClrMapping/>
   </p:clrMapOvr>
+  <mc:AlternateContent xmlns:mc="http://schemas.openxmlformats.org/markup-compatibility/2006">
+    <mc:Choice xmlns:p14="http://schemas.microsoft.com/office/powerpoint/2010/main" Requires="p14">
+      <p:transition spd="slow" p14:dur="2000"/>
+    </mc:Choice>
+    <mc:Fallback>
+      <p:transition spd="slow"/>
+    </mc:Fallback>
+  </mc:AlternateContent>
 </p:sld>
 </file>
 
-<file path=ppt/slides/slide11.xml><?xml version="1.0" encoding="utf-8"?>
-<p:sld xmlns:a="http://schemas.openxmlformats.org/drawingml/2006/main" xmlns:r="http://schemas.openxmlformats.org/officeDocument/2006/relationships" xmlns:p="http://schemas.openxmlformats.org/presentationml/2006/main">
+<file path=ppt/slides/slide13.xml><?xml version="1.0" encoding="utf-8"?>
+<p:sld xmlns:a="http://schemas.openxmlformats.org/drawingml/2006/main" xmlns:r="http://schemas.openxmlformats.org/officeDocument/2006/relationships" xmlns:p="http://schemas.openxmlformats.org/presentationml/2006/main" show="0">
   <p:cSld>
     <p:spTree>
       <p:nvGrpSpPr>
@@ -4896,327 +5224,14 @@
   <p:clrMapOvr>
     <a:masterClrMapping/>
   </p:clrMapOvr>
-</p:sld>
-</file>
-
-<file path=ppt/slides/slide12.xml><?xml version="1.0" encoding="utf-8"?>
-<p:sld xmlns:a="http://schemas.openxmlformats.org/drawingml/2006/main" xmlns:r="http://schemas.openxmlformats.org/officeDocument/2006/relationships" xmlns:p="http://schemas.openxmlformats.org/presentationml/2006/main">
-  <p:cSld>
-    <p:spTree>
-      <p:nvGrpSpPr>
-        <p:cNvPr id="1" name=""/>
-        <p:cNvGrpSpPr/>
-        <p:nvPr/>
-      </p:nvGrpSpPr>
-      <p:grpSpPr>
-        <a:xfrm>
-          <a:off x="0" y="0"/>
-          <a:ext cx="0" cy="0"/>
-          <a:chOff x="0" y="0"/>
-          <a:chExt cx="0" cy="0"/>
-        </a:xfrm>
-      </p:grpSpPr>
-      <p:sp>
-        <p:nvSpPr>
-          <p:cNvPr id="2" name="Title 1"/>
-          <p:cNvSpPr>
-            <a:spLocks noGrp="1"/>
-          </p:cNvSpPr>
-          <p:nvPr>
-            <p:ph type="ctrTitle"/>
-          </p:nvPr>
-        </p:nvSpPr>
-        <p:spPr/>
-        <p:txBody>
-          <a:bodyPr/>
-          <a:lstStyle/>
-          <a:p>
-            <a:r>
-              <a:rPr lang="en-US" dirty="0" smtClean="0"/>
-              <a:t>Product</a:t>
-            </a:r>
-            <a:endParaRPr lang="en-US" dirty="0"/>
-          </a:p>
-        </p:txBody>
-      </p:sp>
-    </p:spTree>
-    <p:extLst>
-      <p:ext uri="{BB962C8B-B14F-4D97-AF65-F5344CB8AC3E}">
-        <p14:creationId xmlns:p14="http://schemas.microsoft.com/office/powerpoint/2010/main" val="1764398525"/>
-      </p:ext>
-    </p:extLst>
-  </p:cSld>
-  <p:clrMapOvr>
-    <a:masterClrMapping/>
-  </p:clrMapOvr>
-</p:sld>
-</file>
-
-<file path=ppt/slides/slide13.xml><?xml version="1.0" encoding="utf-8"?>
-<p:sld xmlns:a="http://schemas.openxmlformats.org/drawingml/2006/main" xmlns:r="http://schemas.openxmlformats.org/officeDocument/2006/relationships" xmlns:p="http://schemas.openxmlformats.org/presentationml/2006/main">
-  <p:cSld>
-    <p:spTree>
-      <p:nvGrpSpPr>
-        <p:cNvPr id="1" name=""/>
-        <p:cNvGrpSpPr/>
-        <p:nvPr/>
-      </p:nvGrpSpPr>
-      <p:grpSpPr>
-        <a:xfrm>
-          <a:off x="0" y="0"/>
-          <a:ext cx="0" cy="0"/>
-          <a:chOff x="0" y="0"/>
-          <a:chExt cx="0" cy="0"/>
-        </a:xfrm>
-      </p:grpSpPr>
-      <p:pic>
-        <p:nvPicPr>
-          <p:cNvPr id="4" name="Picture 3"/>
-          <p:cNvPicPr>
-            <a:picLocks noChangeAspect="1"/>
-          </p:cNvPicPr>
-          <p:nvPr/>
-        </p:nvPicPr>
-        <p:blipFill>
-          <a:blip r:embed="rId2"/>
-          <a:stretch>
-            <a:fillRect/>
-          </a:stretch>
-        </p:blipFill>
-        <p:spPr>
-          <a:xfrm>
-            <a:off x="5037648" y="1236054"/>
-            <a:ext cx="3374574" cy="4689987"/>
-          </a:xfrm>
-          <a:prstGeom prst="rect">
-            <a:avLst/>
-          </a:prstGeom>
-        </p:spPr>
-      </p:pic>
-      <p:pic>
-        <p:nvPicPr>
-          <p:cNvPr id="6" name="Picture 5"/>
-          <p:cNvPicPr>
-            <a:picLocks noChangeAspect="1"/>
-          </p:cNvPicPr>
-          <p:nvPr/>
-        </p:nvPicPr>
-        <p:blipFill>
-          <a:blip r:embed="rId3"/>
-          <a:stretch>
-            <a:fillRect/>
-          </a:stretch>
-        </p:blipFill>
-        <p:spPr>
-          <a:xfrm>
-            <a:off x="241709" y="343502"/>
-            <a:ext cx="2057658" cy="2639961"/>
-          </a:xfrm>
-          <a:prstGeom prst="rect">
-            <a:avLst/>
-          </a:prstGeom>
-        </p:spPr>
-      </p:pic>
-      <p:sp>
-        <p:nvSpPr>
-          <p:cNvPr id="7" name="TextBox 6"/>
-          <p:cNvSpPr txBox="1"/>
-          <p:nvPr/>
-        </p:nvSpPr>
-        <p:spPr>
-          <a:xfrm>
-            <a:off x="385523" y="5316783"/>
-            <a:ext cx="3907686" cy="892552"/>
-          </a:xfrm>
-          <a:prstGeom prst="rect">
-            <a:avLst/>
-          </a:prstGeom>
-          <a:noFill/>
-          <a:ln>
-            <a:solidFill>
-              <a:schemeClr val="tx1"/>
-            </a:solidFill>
-          </a:ln>
-        </p:spPr>
-        <p:txBody>
-          <a:bodyPr wrap="square" rtlCol="0">
-            <a:spAutoFit/>
-          </a:bodyPr>
-          <a:lstStyle/>
-          <a:p>
-            <a:r>
-              <a:rPr lang="en-US" sz="2000" b="1" dirty="0" smtClean="0">
-                <a:latin typeface="SF Pro Display" charset="0"/>
-                <a:ea typeface="SF Pro Display" charset="0"/>
-                <a:cs typeface="SF Pro Display" charset="0"/>
-              </a:rPr>
-              <a:t>Borderless Credit Marketplace</a:t>
-            </a:r>
-          </a:p>
-          <a:p>
-            <a:r>
-              <a:rPr lang="en-US" sz="1600" dirty="0" smtClean="0">
-                <a:latin typeface="SF Pro Display" charset="0"/>
-                <a:ea typeface="SF Pro Display" charset="0"/>
-                <a:cs typeface="SF Pro Display" charset="0"/>
-              </a:rPr>
-              <a:t>Anyone around the world with USDC can fund a loan</a:t>
-            </a:r>
-            <a:endParaRPr lang="en-US" sz="1600" dirty="0">
-              <a:latin typeface="SF Pro Display" charset="0"/>
-              <a:ea typeface="SF Pro Display" charset="0"/>
-              <a:cs typeface="SF Pro Display" charset="0"/>
-            </a:endParaRPr>
-          </a:p>
-        </p:txBody>
-      </p:sp>
-      <p:sp>
-        <p:nvSpPr>
-          <p:cNvPr id="8" name="TextBox 7"/>
-          <p:cNvSpPr txBox="1"/>
-          <p:nvPr/>
-        </p:nvSpPr>
-        <p:spPr>
-          <a:xfrm>
-            <a:off x="2319274" y="343502"/>
-            <a:ext cx="3730705" cy="892552"/>
-          </a:xfrm>
-          <a:prstGeom prst="rect">
-            <a:avLst/>
-          </a:prstGeom>
-          <a:noFill/>
-          <a:ln>
-            <a:solidFill>
-              <a:schemeClr val="tx1"/>
-            </a:solidFill>
-          </a:ln>
-        </p:spPr>
-        <p:txBody>
-          <a:bodyPr wrap="square" rtlCol="0">
-            <a:spAutoFit/>
-          </a:bodyPr>
-          <a:lstStyle/>
-          <a:p>
-            <a:r>
-              <a:rPr lang="en-US" sz="2000" b="1" dirty="0" err="1" smtClean="0">
-                <a:latin typeface="SF Pro Display" charset="0"/>
-                <a:ea typeface="SF Pro Display" charset="0"/>
-                <a:cs typeface="SF Pro Display" charset="0"/>
-              </a:rPr>
-              <a:t>Stablecoin</a:t>
-            </a:r>
-            <a:r>
-              <a:rPr lang="en-US" sz="2000" b="1" dirty="0" smtClean="0">
-                <a:latin typeface="SF Pro Display" charset="0"/>
-                <a:ea typeface="SF Pro Display" charset="0"/>
-                <a:cs typeface="SF Pro Display" charset="0"/>
-              </a:rPr>
-              <a:t> Loans</a:t>
-            </a:r>
-          </a:p>
-          <a:p>
-            <a:r>
-              <a:rPr lang="en-US" sz="1600" dirty="0" smtClean="0">
-                <a:latin typeface="SF Pro Display" charset="0"/>
-                <a:ea typeface="SF Pro Display" charset="0"/>
-                <a:cs typeface="SF Pro Display" charset="0"/>
-              </a:rPr>
-              <a:t>Near-$0 money movement across borders from wallet to wallet </a:t>
-            </a:r>
-            <a:endParaRPr lang="en-US" sz="1600" dirty="0">
-              <a:latin typeface="SF Pro Display" charset="0"/>
-              <a:ea typeface="SF Pro Display" charset="0"/>
-              <a:cs typeface="SF Pro Display" charset="0"/>
-            </a:endParaRPr>
-          </a:p>
-        </p:txBody>
-      </p:sp>
-      <p:cxnSp>
-        <p:nvCxnSpPr>
-          <p:cNvPr id="27" name="Straight Arrow Connector 26"/>
-          <p:cNvCxnSpPr>
-            <a:stCxn id="8" idx="2"/>
-          </p:cNvCxnSpPr>
-          <p:nvPr/>
-        </p:nvCxnSpPr>
-        <p:spPr>
-          <a:xfrm>
-            <a:off x="4184627" y="1236054"/>
-            <a:ext cx="1036302" cy="3011481"/>
-          </a:xfrm>
-          <a:prstGeom prst="straightConnector1">
-            <a:avLst/>
-          </a:prstGeom>
-          <a:ln>
-            <a:solidFill>
-              <a:schemeClr val="tx1"/>
-            </a:solidFill>
-            <a:tailEnd type="triangle"/>
-          </a:ln>
-        </p:spPr>
-        <p:style>
-          <a:lnRef idx="1">
-            <a:schemeClr val="accent1"/>
-          </a:lnRef>
-          <a:fillRef idx="0">
-            <a:schemeClr val="accent1"/>
-          </a:fillRef>
-          <a:effectRef idx="0">
-            <a:schemeClr val="accent1"/>
-          </a:effectRef>
-          <a:fontRef idx="minor">
-            <a:schemeClr val="tx1"/>
-          </a:fontRef>
-        </p:style>
-      </p:cxnSp>
-      <p:cxnSp>
-        <p:nvCxnSpPr>
-          <p:cNvPr id="29" name="Straight Arrow Connector 28"/>
-          <p:cNvCxnSpPr>
-            <a:stCxn id="7" idx="3"/>
-          </p:cNvCxnSpPr>
-          <p:nvPr/>
-        </p:nvCxnSpPr>
-        <p:spPr>
-          <a:xfrm flipV="1">
-            <a:off x="4293209" y="5140087"/>
-            <a:ext cx="927720" cy="622972"/>
-          </a:xfrm>
-          <a:prstGeom prst="straightConnector1">
-            <a:avLst/>
-          </a:prstGeom>
-          <a:ln>
-            <a:solidFill>
-              <a:schemeClr val="tx1"/>
-            </a:solidFill>
-            <a:tailEnd type="triangle"/>
-          </a:ln>
-        </p:spPr>
-        <p:style>
-          <a:lnRef idx="1">
-            <a:schemeClr val="accent1"/>
-          </a:lnRef>
-          <a:fillRef idx="0">
-            <a:schemeClr val="accent1"/>
-          </a:fillRef>
-          <a:effectRef idx="0">
-            <a:schemeClr val="accent1"/>
-          </a:effectRef>
-          <a:fontRef idx="minor">
-            <a:schemeClr val="tx1"/>
-          </a:fontRef>
-        </p:style>
-      </p:cxnSp>
-    </p:spTree>
-    <p:extLst>
-      <p:ext uri="{BB962C8B-B14F-4D97-AF65-F5344CB8AC3E}">
-        <p14:creationId xmlns:p14="http://schemas.microsoft.com/office/powerpoint/2010/main" val="1044109734"/>
-      </p:ext>
-    </p:extLst>
-  </p:cSld>
-  <p:clrMapOvr>
-    <a:masterClrMapping/>
-  </p:clrMapOvr>
+  <mc:AlternateContent xmlns:mc="http://schemas.openxmlformats.org/markup-compatibility/2006">
+    <mc:Choice xmlns:p14="http://schemas.microsoft.com/office/powerpoint/2010/main" Requires="p14">
+      <p:transition spd="slow" p14:dur="2000"/>
+    </mc:Choice>
+    <mc:Fallback>
+      <p:transition spd="slow"/>
+    </mc:Fallback>
+  </mc:AlternateContent>
 </p:sld>
 </file>
 
@@ -5237,326 +5252,33 @@
           <a:chExt cx="0" cy="0"/>
         </a:xfrm>
       </p:grpSpPr>
-      <p:pic>
-        <p:nvPicPr>
-          <p:cNvPr id="2" name="Picture 1"/>
-          <p:cNvPicPr>
-            <a:picLocks noChangeAspect="1"/>
-          </p:cNvPicPr>
-          <p:nvPr/>
-        </p:nvPicPr>
-        <p:blipFill rotWithShape="1">
-          <a:blip r:embed="rId2"/>
-          <a:srcRect b="78184"/>
-          <a:stretch/>
-        </p:blipFill>
-        <p:spPr>
-          <a:xfrm>
-            <a:off x="2736320" y="757457"/>
-            <a:ext cx="6904521" cy="5379675"/>
-          </a:xfrm>
-          <a:prstGeom prst="rect">
-            <a:avLst/>
-          </a:prstGeom>
-        </p:spPr>
-      </p:pic>
-      <p:sp>
-        <p:nvSpPr>
-          <p:cNvPr id="8" name="TextBox 7"/>
-          <p:cNvSpPr txBox="1"/>
-          <p:nvPr/>
-        </p:nvSpPr>
-        <p:spPr>
-          <a:xfrm>
-            <a:off x="439197" y="1470783"/>
-            <a:ext cx="2761203" cy="1384995"/>
-          </a:xfrm>
-          <a:prstGeom prst="rect">
-            <a:avLst/>
-          </a:prstGeom>
-          <a:noFill/>
-          <a:ln>
-            <a:solidFill>
-              <a:schemeClr val="tx1"/>
-            </a:solidFill>
-          </a:ln>
-        </p:spPr>
-        <p:txBody>
-          <a:bodyPr wrap="square" rtlCol="0">
-            <a:spAutoFit/>
-          </a:bodyPr>
-          <a:lstStyle/>
-          <a:p>
-            <a:r>
-              <a:rPr lang="en-US" sz="2000" b="1" dirty="0" smtClean="0">
-                <a:latin typeface="SF Pro Display" charset="0"/>
-                <a:ea typeface="SF Pro Display" charset="0"/>
-                <a:cs typeface="SF Pro Display" charset="0"/>
-              </a:rPr>
-              <a:t>Identity-as-collateral</a:t>
-            </a:r>
-          </a:p>
-          <a:p>
-            <a:r>
-              <a:rPr lang="en-US" sz="1600" dirty="0" smtClean="0">
-                <a:latin typeface="SF Pro Display" charset="0"/>
-                <a:ea typeface="SF Pro Display" charset="0"/>
-                <a:cs typeface="SF Pro Display" charset="0"/>
-              </a:rPr>
-              <a:t>Real-world identity allows unsecured lending with globally verified identity as collateral</a:t>
-            </a:r>
-            <a:endParaRPr lang="en-US" sz="1600" dirty="0">
-              <a:latin typeface="SF Pro Display" charset="0"/>
-              <a:ea typeface="SF Pro Display" charset="0"/>
-              <a:cs typeface="SF Pro Display" charset="0"/>
-            </a:endParaRPr>
-          </a:p>
-        </p:txBody>
-      </p:sp>
-      <p:cxnSp>
-        <p:nvCxnSpPr>
-          <p:cNvPr id="27" name="Straight Arrow Connector 26"/>
-          <p:cNvCxnSpPr>
-            <a:stCxn id="8" idx="2"/>
-          </p:cNvCxnSpPr>
-          <p:nvPr/>
-        </p:nvCxnSpPr>
-        <p:spPr>
-          <a:xfrm>
-            <a:off x="1819799" y="2855778"/>
-            <a:ext cx="1483840" cy="454601"/>
-          </a:xfrm>
-          <a:prstGeom prst="straightConnector1">
-            <a:avLst/>
-          </a:prstGeom>
-          <a:ln>
-            <a:solidFill>
-              <a:schemeClr val="tx1"/>
-            </a:solidFill>
-            <a:tailEnd type="triangle"/>
-          </a:ln>
-        </p:spPr>
-        <p:style>
-          <a:lnRef idx="1">
-            <a:schemeClr val="accent1"/>
-          </a:lnRef>
-          <a:fillRef idx="0">
-            <a:schemeClr val="accent1"/>
-          </a:fillRef>
-          <a:effectRef idx="0">
-            <a:schemeClr val="accent1"/>
-          </a:effectRef>
-          <a:fontRef idx="minor">
-            <a:schemeClr val="tx1"/>
-          </a:fontRef>
-        </p:style>
-      </p:cxnSp>
-      <p:sp>
-        <p:nvSpPr>
-          <p:cNvPr id="10" name="TextBox 9"/>
-          <p:cNvSpPr txBox="1"/>
-          <p:nvPr/>
-        </p:nvSpPr>
-        <p:spPr>
-          <a:xfrm>
-            <a:off x="9099755" y="2000744"/>
-            <a:ext cx="2838209" cy="1138773"/>
-          </a:xfrm>
-          <a:prstGeom prst="rect">
-            <a:avLst/>
-          </a:prstGeom>
-          <a:noFill/>
-          <a:ln>
-            <a:solidFill>
-              <a:schemeClr val="tx1"/>
-            </a:solidFill>
-          </a:ln>
-        </p:spPr>
-        <p:txBody>
-          <a:bodyPr wrap="square" rtlCol="0">
-            <a:spAutoFit/>
-          </a:bodyPr>
-          <a:lstStyle/>
-          <a:p>
-            <a:r>
-              <a:rPr lang="en-US" sz="2000" b="1" dirty="0" smtClean="0">
-                <a:latin typeface="SF Pro Display" charset="0"/>
-                <a:ea typeface="SF Pro Display" charset="0"/>
-                <a:cs typeface="SF Pro Display" charset="0"/>
-              </a:rPr>
-              <a:t>Social Attestation</a:t>
-            </a:r>
-          </a:p>
-          <a:p>
-            <a:r>
-              <a:rPr lang="en-US" sz="1600" dirty="0" smtClean="0">
-                <a:latin typeface="SF Pro Display" charset="0"/>
-                <a:ea typeface="SF Pro Display" charset="0"/>
-                <a:cs typeface="SF Pro Display" charset="0"/>
-              </a:rPr>
-              <a:t>Develop a richer credit profile by other verified profiles attesting for the borrower</a:t>
-            </a:r>
-            <a:endParaRPr lang="en-US" sz="1600" dirty="0">
-              <a:latin typeface="SF Pro Display" charset="0"/>
-              <a:ea typeface="SF Pro Display" charset="0"/>
-              <a:cs typeface="SF Pro Display" charset="0"/>
-            </a:endParaRPr>
-          </a:p>
-        </p:txBody>
-      </p:sp>
-      <p:cxnSp>
-        <p:nvCxnSpPr>
-          <p:cNvPr id="11" name="Straight Arrow Connector 10"/>
-          <p:cNvCxnSpPr>
-            <a:stCxn id="10" idx="1"/>
-          </p:cNvCxnSpPr>
-          <p:nvPr/>
-        </p:nvCxnSpPr>
-        <p:spPr>
-          <a:xfrm flipH="1">
-            <a:off x="7813965" y="2570131"/>
-            <a:ext cx="1285790" cy="543725"/>
-          </a:xfrm>
-          <a:prstGeom prst="straightConnector1">
-            <a:avLst/>
-          </a:prstGeom>
-          <a:ln>
-            <a:solidFill>
-              <a:schemeClr val="tx1"/>
-            </a:solidFill>
-            <a:tailEnd type="triangle"/>
-          </a:ln>
-        </p:spPr>
-        <p:style>
-          <a:lnRef idx="1">
-            <a:schemeClr val="accent1"/>
-          </a:lnRef>
-          <a:fillRef idx="0">
-            <a:schemeClr val="accent1"/>
-          </a:fillRef>
-          <a:effectRef idx="0">
-            <a:schemeClr val="accent1"/>
-          </a:effectRef>
-          <a:fontRef idx="minor">
-            <a:schemeClr val="tx1"/>
-          </a:fontRef>
-        </p:style>
-      </p:cxnSp>
-      <p:pic>
-        <p:nvPicPr>
-          <p:cNvPr id="13" name="Picture 12"/>
-          <p:cNvPicPr>
-            <a:picLocks noChangeAspect="1"/>
-          </p:cNvPicPr>
-          <p:nvPr/>
-        </p:nvPicPr>
-        <p:blipFill>
-          <a:blip r:embed="rId3"/>
-          <a:stretch>
-            <a:fillRect/>
-          </a:stretch>
-        </p:blipFill>
-        <p:spPr>
-          <a:xfrm>
-            <a:off x="430620" y="3113856"/>
-            <a:ext cx="1517379" cy="1946787"/>
-          </a:xfrm>
-          <a:prstGeom prst="rect">
-            <a:avLst/>
-          </a:prstGeom>
-        </p:spPr>
-      </p:pic>
-      <p:sp>
-        <p:nvSpPr>
-          <p:cNvPr id="14" name="AutoShape 2" descr="Box Logo"/>
+      <p:sp>
+        <p:nvSpPr>
+          <p:cNvPr id="2" name="Title 1"/>
           <p:cNvSpPr>
-            <a:spLocks noChangeAspect="1" noChangeArrowheads="1"/>
+            <a:spLocks noGrp="1"/>
           </p:cNvSpPr>
-          <p:nvPr/>
-        </p:nvSpPr>
-        <p:spPr bwMode="auto">
-          <a:xfrm>
-            <a:off x="0" y="0"/>
-            <a:ext cx="304800" cy="304800"/>
-          </a:xfrm>
-          <a:prstGeom prst="rect">
-            <a:avLst/>
-          </a:prstGeom>
-          <a:noFill/>
-          <a:extLst>
-            <a:ext uri="{909E8E84-426E-40DD-AFC4-6F175D3DCCD1}">
-              <a14:hiddenFill xmlns:a14="http://schemas.microsoft.com/office/drawing/2010/main">
-                <a:solidFill>
-                  <a:srgbClr val="FFFFFF"/>
-                </a:solidFill>
-              </a14:hiddenFill>
-            </a:ext>
-          </a:extLst>
-        </p:spPr>
-        <p:txBody>
-          <a:bodyPr vert="horz" wrap="square" lIns="91440" tIns="45720" rIns="91440" bIns="45720" numCol="1" anchor="t" anchorCtr="0" compatLnSpc="1">
-            <a:prstTxWarp prst="textNoShape">
-              <a:avLst/>
-            </a:prstTxWarp>
-          </a:bodyPr>
-          <a:lstStyle/>
-          <a:p>
-            <a:endParaRPr lang="en-US"/>
-          </a:p>
-        </p:txBody>
-      </p:sp>
-      <p:pic>
-        <p:nvPicPr>
-          <p:cNvPr id="18" name="Picture 17"/>
-          <p:cNvPicPr>
-            <a:picLocks noChangeAspect="1"/>
-          </p:cNvPicPr>
-          <p:nvPr/>
-        </p:nvPicPr>
-        <p:blipFill>
-          <a:blip r:embed="rId4"/>
-          <a:stretch>
-            <a:fillRect/>
-          </a:stretch>
-        </p:blipFill>
-        <p:spPr>
-          <a:xfrm>
-            <a:off x="536309" y="5158520"/>
-            <a:ext cx="1208612" cy="499623"/>
-          </a:xfrm>
-          <a:prstGeom prst="rect">
-            <a:avLst/>
-          </a:prstGeom>
-        </p:spPr>
-      </p:pic>
-      <p:pic>
-        <p:nvPicPr>
-          <p:cNvPr id="25" name="Picture 24"/>
-          <p:cNvPicPr>
-            <a:picLocks noChangeAspect="1"/>
-          </p:cNvPicPr>
-          <p:nvPr/>
-        </p:nvPicPr>
-        <p:blipFill>
-          <a:blip r:embed="rId3"/>
-          <a:stretch>
-            <a:fillRect/>
-          </a:stretch>
-        </p:blipFill>
-        <p:spPr>
-          <a:xfrm>
-            <a:off x="10518859" y="3275177"/>
-            <a:ext cx="1517379" cy="1946787"/>
-          </a:xfrm>
-          <a:prstGeom prst="rect">
-            <a:avLst/>
-          </a:prstGeom>
-        </p:spPr>
-      </p:pic>
+          <p:nvPr>
+            <p:ph type="ctrTitle"/>
+          </p:nvPr>
+        </p:nvSpPr>
+        <p:spPr/>
+        <p:txBody>
+          <a:bodyPr/>
+          <a:lstStyle/>
+          <a:p>
+            <a:r>
+              <a:rPr lang="en-US" dirty="0" smtClean="0"/>
+              <a:t>Product</a:t>
+            </a:r>
+            <a:endParaRPr lang="en-US" dirty="0"/>
+          </a:p>
+        </p:txBody>
+      </p:sp>
     </p:spTree>
     <p:extLst>
       <p:ext uri="{BB962C8B-B14F-4D97-AF65-F5344CB8AC3E}">
-        <p14:creationId xmlns:p14="http://schemas.microsoft.com/office/powerpoint/2010/main" val="292632525"/>
+        <p14:creationId xmlns:p14="http://schemas.microsoft.com/office/powerpoint/2010/main" val="1764398525"/>
       </p:ext>
     </p:extLst>
   </p:cSld>
@@ -5585,121 +5307,31 @@
       </p:grpSpPr>
       <p:pic>
         <p:nvPicPr>
-          <p:cNvPr id="2" name="Picture 1"/>
+          <p:cNvPr id="4" name="Picture 3"/>
           <p:cNvPicPr>
             <a:picLocks noChangeAspect="1"/>
           </p:cNvPicPr>
           <p:nvPr/>
         </p:nvPicPr>
-        <p:blipFill rotWithShape="1">
+        <p:blipFill>
           <a:blip r:embed="rId2"/>
-          <a:srcRect l="-507" t="21462" r="507" b="56722"/>
-          <a:stretch/>
+          <a:stretch>
+            <a:fillRect/>
+          </a:stretch>
         </p:blipFill>
         <p:spPr>
           <a:xfrm>
-            <a:off x="2736320" y="757457"/>
-            <a:ext cx="6904521" cy="5379675"/>
+            <a:off x="5037648" y="1236054"/>
+            <a:ext cx="3374574" cy="4689987"/>
           </a:xfrm>
           <a:prstGeom prst="rect">
             <a:avLst/>
           </a:prstGeom>
         </p:spPr>
       </p:pic>
-      <p:sp>
-        <p:nvSpPr>
-          <p:cNvPr id="8" name="TextBox 7"/>
-          <p:cNvSpPr txBox="1"/>
-          <p:nvPr/>
-        </p:nvSpPr>
-        <p:spPr>
-          <a:xfrm>
-            <a:off x="304800" y="437893"/>
-            <a:ext cx="2881745" cy="1692771"/>
-          </a:xfrm>
-          <a:prstGeom prst="rect">
-            <a:avLst/>
-          </a:prstGeom>
-          <a:noFill/>
-          <a:ln>
-            <a:solidFill>
-              <a:schemeClr val="tx1"/>
-            </a:solidFill>
-          </a:ln>
-        </p:spPr>
-        <p:txBody>
-          <a:bodyPr wrap="square" rtlCol="0">
-            <a:spAutoFit/>
-          </a:bodyPr>
-          <a:lstStyle/>
-          <a:p>
-            <a:r>
-              <a:rPr lang="en-US" sz="2000" b="1" dirty="0" smtClean="0">
-                <a:latin typeface="SF Pro Display" charset="0"/>
-                <a:ea typeface="SF Pro Display" charset="0"/>
-                <a:cs typeface="SF Pro Display" charset="0"/>
-              </a:rPr>
-              <a:t>Smart Contract Fundraising</a:t>
-            </a:r>
-          </a:p>
-          <a:p>
-            <a:r>
-              <a:rPr lang="en-US" sz="1600" dirty="0" smtClean="0">
-                <a:latin typeface="SF Pro Display" charset="0"/>
-                <a:ea typeface="SF Pro Display" charset="0"/>
-                <a:cs typeface="SF Pro Display" charset="0"/>
-              </a:rPr>
-              <a:t>Using smart contract (ERC-20) smart contract to fund loan with automatic handling of flow of funds</a:t>
-            </a:r>
-            <a:endParaRPr lang="en-US" sz="1600" dirty="0">
-              <a:latin typeface="SF Pro Display" charset="0"/>
-              <a:ea typeface="SF Pro Display" charset="0"/>
-              <a:cs typeface="SF Pro Display" charset="0"/>
-            </a:endParaRPr>
-          </a:p>
-        </p:txBody>
-      </p:sp>
-      <p:cxnSp>
-        <p:nvCxnSpPr>
-          <p:cNvPr id="27" name="Straight Arrow Connector 26"/>
-          <p:cNvCxnSpPr>
-            <a:stCxn id="8" idx="3"/>
-          </p:cNvCxnSpPr>
-          <p:nvPr/>
-        </p:nvCxnSpPr>
-        <p:spPr>
-          <a:xfrm>
-            <a:off x="3186545" y="1284279"/>
-            <a:ext cx="249382" cy="292387"/>
-          </a:xfrm>
-          <a:prstGeom prst="straightConnector1">
-            <a:avLst/>
-          </a:prstGeom>
-          <a:ln>
-            <a:solidFill>
-              <a:schemeClr val="tx1"/>
-            </a:solidFill>
-            <a:tailEnd type="triangle"/>
-          </a:ln>
-        </p:spPr>
-        <p:style>
-          <a:lnRef idx="1">
-            <a:schemeClr val="accent1"/>
-          </a:lnRef>
-          <a:fillRef idx="0">
-            <a:schemeClr val="accent1"/>
-          </a:fillRef>
-          <a:effectRef idx="0">
-            <a:schemeClr val="accent1"/>
-          </a:effectRef>
-          <a:fontRef idx="minor">
-            <a:schemeClr val="tx1"/>
-          </a:fontRef>
-        </p:style>
-      </p:cxnSp>
       <p:pic>
         <p:nvPicPr>
-          <p:cNvPr id="9" name="Picture 8"/>
+          <p:cNvPr id="6" name="Picture 5"/>
           <p:cNvPicPr>
             <a:picLocks noChangeAspect="1"/>
           </p:cNvPicPr>
@@ -5713,8 +5345,8 @@
         </p:blipFill>
         <p:spPr>
           <a:xfrm>
-            <a:off x="10416832" y="3447294"/>
-            <a:ext cx="1655529" cy="2124032"/>
+            <a:off x="241709" y="343502"/>
+            <a:ext cx="2057658" cy="2639961"/>
           </a:xfrm>
           <a:prstGeom prst="rect">
             <a:avLst/>
@@ -5723,14 +5355,14 @@
       </p:pic>
       <p:sp>
         <p:nvSpPr>
-          <p:cNvPr id="10" name="TextBox 9"/>
+          <p:cNvPr id="7" name="TextBox 6"/>
           <p:cNvSpPr txBox="1"/>
           <p:nvPr/>
         </p:nvSpPr>
         <p:spPr>
           <a:xfrm>
-            <a:off x="9226622" y="1822888"/>
-            <a:ext cx="2845739" cy="1446550"/>
+            <a:off x="385523" y="5316783"/>
+            <a:ext cx="3907686" cy="892552"/>
           </a:xfrm>
           <a:prstGeom prst="rect">
             <a:avLst/>
@@ -5754,7 +5386,7 @@
                 <a:ea typeface="SF Pro Display" charset="0"/>
                 <a:cs typeface="SF Pro Display" charset="0"/>
               </a:rPr>
-              <a:t>Smart Contract for Loan Operations</a:t>
+              <a:t>Borderless Credit Marketplace</a:t>
             </a:r>
           </a:p>
           <a:p>
@@ -5764,7 +5396,7 @@
                 <a:ea typeface="SF Pro Display" charset="0"/>
                 <a:cs typeface="SF Pro Display" charset="0"/>
               </a:rPr>
-              <a:t>Automated tracking of debt terms, repayment payments, and handling of flow-of-funds </a:t>
+              <a:t>Anyone around the world with USDC can fund a loan</a:t>
             </a:r>
             <a:endParaRPr lang="en-US" sz="1600" dirty="0">
               <a:latin typeface="SF Pro Display" charset="0"/>
@@ -5774,91 +5406,79 @@
           </a:p>
         </p:txBody>
       </p:sp>
-      <p:cxnSp>
-        <p:nvCxnSpPr>
-          <p:cNvPr id="11" name="Straight Arrow Connector 10"/>
-          <p:cNvCxnSpPr/>
-          <p:nvPr/>
-        </p:nvCxnSpPr>
-        <p:spPr>
-          <a:xfrm flipH="1">
-            <a:off x="6012873" y="2355273"/>
-            <a:ext cx="3213749" cy="1092021"/>
-          </a:xfrm>
-          <a:prstGeom prst="straightConnector1">
-            <a:avLst/>
-          </a:prstGeom>
+      <p:sp>
+        <p:nvSpPr>
+          <p:cNvPr id="8" name="TextBox 7"/>
+          <p:cNvSpPr txBox="1"/>
+          <p:nvPr/>
+        </p:nvSpPr>
+        <p:spPr>
+          <a:xfrm>
+            <a:off x="2319274" y="343502"/>
+            <a:ext cx="3730705" cy="892552"/>
+          </a:xfrm>
+          <a:prstGeom prst="rect">
+            <a:avLst/>
+          </a:prstGeom>
+          <a:noFill/>
           <a:ln>
             <a:solidFill>
               <a:schemeClr val="tx1"/>
             </a:solidFill>
-            <a:tailEnd type="triangle"/>
           </a:ln>
         </p:spPr>
-        <p:style>
-          <a:lnRef idx="1">
-            <a:schemeClr val="accent1"/>
-          </a:lnRef>
-          <a:fillRef idx="0">
-            <a:schemeClr val="accent1"/>
-          </a:fillRef>
-          <a:effectRef idx="0">
-            <a:schemeClr val="accent1"/>
-          </a:effectRef>
-          <a:fontRef idx="minor">
-            <a:schemeClr val="tx1"/>
-          </a:fontRef>
-        </p:style>
-      </p:cxnSp>
-      <p:sp>
-        <p:nvSpPr>
-          <p:cNvPr id="14" name="AutoShape 2" descr="Box Logo"/>
-          <p:cNvSpPr>
-            <a:spLocks noChangeAspect="1" noChangeArrowheads="1"/>
-          </p:cNvSpPr>
-          <p:nvPr/>
-        </p:nvSpPr>
-        <p:spPr bwMode="auto">
-          <a:xfrm>
-            <a:off x="0" y="0"/>
-            <a:ext cx="304800" cy="304800"/>
-          </a:xfrm>
-          <a:prstGeom prst="rect">
-            <a:avLst/>
-          </a:prstGeom>
-          <a:noFill/>
-          <a:extLst>
-            <a:ext uri="{909E8E84-426E-40DD-AFC4-6F175D3DCCD1}">
-              <a14:hiddenFill xmlns:a14="http://schemas.microsoft.com/office/drawing/2010/main">
-                <a:solidFill>
-                  <a:srgbClr val="FFFFFF"/>
-                </a:solidFill>
-              </a14:hiddenFill>
-            </a:ext>
-          </a:extLst>
-        </p:spPr>
-        <p:txBody>
-          <a:bodyPr vert="horz" wrap="square" lIns="91440" tIns="45720" rIns="91440" bIns="45720" numCol="1" anchor="t" anchorCtr="0" compatLnSpc="1">
-            <a:prstTxWarp prst="textNoShape">
-              <a:avLst/>
-            </a:prstTxWarp>
+        <p:txBody>
+          <a:bodyPr wrap="square" rtlCol="0">
+            <a:spAutoFit/>
           </a:bodyPr>
           <a:lstStyle/>
           <a:p>
-            <a:endParaRPr lang="en-US"/>
+            <a:r>
+              <a:rPr lang="en-US" sz="2000" b="1" dirty="0" err="1" smtClean="0">
+                <a:latin typeface="SF Pro Display" charset="0"/>
+                <a:ea typeface="SF Pro Display" charset="0"/>
+                <a:cs typeface="SF Pro Display" charset="0"/>
+              </a:rPr>
+              <a:t>Stablecoin</a:t>
+            </a:r>
+            <a:r>
+              <a:rPr lang="en-US" sz="2000" b="1" dirty="0" smtClean="0">
+                <a:latin typeface="SF Pro Display" charset="0"/>
+                <a:ea typeface="SF Pro Display" charset="0"/>
+                <a:cs typeface="SF Pro Display" charset="0"/>
+              </a:rPr>
+              <a:t> Loans</a:t>
+            </a:r>
+          </a:p>
+          <a:p>
+            <a:r>
+              <a:rPr lang="en-US" sz="1600" dirty="0" smtClean="0">
+                <a:latin typeface="SF Pro Display" charset="0"/>
+                <a:ea typeface="SF Pro Display" charset="0"/>
+                <a:cs typeface="SF Pro Display" charset="0"/>
+              </a:rPr>
+              <a:t>Near-$0 money movement across borders from wallet to wallet </a:t>
+            </a:r>
+            <a:endParaRPr lang="en-US" sz="1600" dirty="0">
+              <a:latin typeface="SF Pro Display" charset="0"/>
+              <a:ea typeface="SF Pro Display" charset="0"/>
+              <a:cs typeface="SF Pro Display" charset="0"/>
+            </a:endParaRPr>
           </a:p>
         </p:txBody>
       </p:sp>
       <p:cxnSp>
         <p:nvCxnSpPr>
-          <p:cNvPr id="15" name="Straight Arrow Connector 14"/>
-          <p:cNvCxnSpPr/>
+          <p:cNvPr id="27" name="Straight Arrow Connector 26"/>
+          <p:cNvCxnSpPr>
+            <a:stCxn id="8" idx="2"/>
+          </p:cNvCxnSpPr>
           <p:nvPr/>
         </p:nvCxnSpPr>
         <p:spPr>
           <a:xfrm>
-            <a:off x="3186545" y="757457"/>
-            <a:ext cx="2992582" cy="461743"/>
+            <a:off x="4184627" y="1236054"/>
+            <a:ext cx="1036302" cy="3011481"/>
           </a:xfrm>
           <a:prstGeom prst="straightConnector1">
             <a:avLst/>
@@ -5887,14 +5507,16 @@
       </p:cxnSp>
       <p:cxnSp>
         <p:nvCxnSpPr>
-          <p:cNvPr id="20" name="Straight Arrow Connector 19"/>
-          <p:cNvCxnSpPr/>
+          <p:cNvPr id="29" name="Straight Arrow Connector 28"/>
+          <p:cNvCxnSpPr>
+            <a:stCxn id="7" idx="3"/>
+          </p:cNvCxnSpPr>
           <p:nvPr/>
         </p:nvCxnSpPr>
         <p:spPr>
-          <a:xfrm flipH="1">
-            <a:off x="7619747" y="2646218"/>
-            <a:ext cx="1606875" cy="2743200"/>
+          <a:xfrm flipV="1">
+            <a:off x="4293209" y="5140087"/>
+            <a:ext cx="927720" cy="622972"/>
           </a:xfrm>
           <a:prstGeom prst="straightConnector1">
             <a:avLst/>
@@ -5924,7 +5546,7 @@
     </p:spTree>
     <p:extLst>
       <p:ext uri="{BB962C8B-B14F-4D97-AF65-F5344CB8AC3E}">
-        <p14:creationId xmlns:p14="http://schemas.microsoft.com/office/powerpoint/2010/main" val="185665706"/>
+        <p14:creationId xmlns:p14="http://schemas.microsoft.com/office/powerpoint/2010/main" val="1044109734"/>
       </p:ext>
     </p:extLst>
   </p:cSld>
@@ -5951,6 +5573,811 @@
           <a:chExt cx="0" cy="0"/>
         </a:xfrm>
       </p:grpSpPr>
+      <p:pic>
+        <p:nvPicPr>
+          <p:cNvPr id="2" name="Picture 1"/>
+          <p:cNvPicPr>
+            <a:picLocks noChangeAspect="1"/>
+          </p:cNvPicPr>
+          <p:nvPr/>
+        </p:nvPicPr>
+        <p:blipFill rotWithShape="1">
+          <a:blip r:embed="rId2"/>
+          <a:srcRect b="78184"/>
+          <a:stretch/>
+        </p:blipFill>
+        <p:spPr>
+          <a:xfrm>
+            <a:off x="2736320" y="757457"/>
+            <a:ext cx="6904521" cy="5379675"/>
+          </a:xfrm>
+          <a:prstGeom prst="rect">
+            <a:avLst/>
+          </a:prstGeom>
+        </p:spPr>
+      </p:pic>
+      <p:sp>
+        <p:nvSpPr>
+          <p:cNvPr id="8" name="TextBox 7"/>
+          <p:cNvSpPr txBox="1"/>
+          <p:nvPr/>
+        </p:nvSpPr>
+        <p:spPr>
+          <a:xfrm>
+            <a:off x="439197" y="1470783"/>
+            <a:ext cx="2761203" cy="1384995"/>
+          </a:xfrm>
+          <a:prstGeom prst="rect">
+            <a:avLst/>
+          </a:prstGeom>
+          <a:noFill/>
+          <a:ln>
+            <a:solidFill>
+              <a:schemeClr val="tx1"/>
+            </a:solidFill>
+          </a:ln>
+        </p:spPr>
+        <p:txBody>
+          <a:bodyPr wrap="square" rtlCol="0">
+            <a:spAutoFit/>
+          </a:bodyPr>
+          <a:lstStyle/>
+          <a:p>
+            <a:r>
+              <a:rPr lang="en-US" sz="2000" b="1" dirty="0" smtClean="0">
+                <a:latin typeface="SF Pro Display" charset="0"/>
+                <a:ea typeface="SF Pro Display" charset="0"/>
+                <a:cs typeface="SF Pro Display" charset="0"/>
+              </a:rPr>
+              <a:t>Identity-as-collateral</a:t>
+            </a:r>
+          </a:p>
+          <a:p>
+            <a:r>
+              <a:rPr lang="en-US" sz="1600" dirty="0" smtClean="0">
+                <a:latin typeface="SF Pro Display" charset="0"/>
+                <a:ea typeface="SF Pro Display" charset="0"/>
+                <a:cs typeface="SF Pro Display" charset="0"/>
+              </a:rPr>
+              <a:t>Real-world identity allows unsecured lending with globally verified identity as collateral</a:t>
+            </a:r>
+            <a:endParaRPr lang="en-US" sz="1600" dirty="0">
+              <a:latin typeface="SF Pro Display" charset="0"/>
+              <a:ea typeface="SF Pro Display" charset="0"/>
+              <a:cs typeface="SF Pro Display" charset="0"/>
+            </a:endParaRPr>
+          </a:p>
+        </p:txBody>
+      </p:sp>
+      <p:cxnSp>
+        <p:nvCxnSpPr>
+          <p:cNvPr id="27" name="Straight Arrow Connector 26"/>
+          <p:cNvCxnSpPr>
+            <a:stCxn id="8" idx="2"/>
+          </p:cNvCxnSpPr>
+          <p:nvPr/>
+        </p:nvCxnSpPr>
+        <p:spPr>
+          <a:xfrm>
+            <a:off x="1819799" y="2855778"/>
+            <a:ext cx="1483840" cy="454601"/>
+          </a:xfrm>
+          <a:prstGeom prst="straightConnector1">
+            <a:avLst/>
+          </a:prstGeom>
+          <a:ln>
+            <a:solidFill>
+              <a:schemeClr val="tx1"/>
+            </a:solidFill>
+            <a:tailEnd type="triangle"/>
+          </a:ln>
+        </p:spPr>
+        <p:style>
+          <a:lnRef idx="1">
+            <a:schemeClr val="accent1"/>
+          </a:lnRef>
+          <a:fillRef idx="0">
+            <a:schemeClr val="accent1"/>
+          </a:fillRef>
+          <a:effectRef idx="0">
+            <a:schemeClr val="accent1"/>
+          </a:effectRef>
+          <a:fontRef idx="minor">
+            <a:schemeClr val="tx1"/>
+          </a:fontRef>
+        </p:style>
+      </p:cxnSp>
+      <p:sp>
+        <p:nvSpPr>
+          <p:cNvPr id="10" name="TextBox 9"/>
+          <p:cNvSpPr txBox="1"/>
+          <p:nvPr/>
+        </p:nvSpPr>
+        <p:spPr>
+          <a:xfrm>
+            <a:off x="9099755" y="2000744"/>
+            <a:ext cx="2838209" cy="1138773"/>
+          </a:xfrm>
+          <a:prstGeom prst="rect">
+            <a:avLst/>
+          </a:prstGeom>
+          <a:noFill/>
+          <a:ln>
+            <a:solidFill>
+              <a:schemeClr val="tx1"/>
+            </a:solidFill>
+          </a:ln>
+        </p:spPr>
+        <p:txBody>
+          <a:bodyPr wrap="square" rtlCol="0">
+            <a:spAutoFit/>
+          </a:bodyPr>
+          <a:lstStyle/>
+          <a:p>
+            <a:r>
+              <a:rPr lang="en-US" sz="2000" b="1" dirty="0" smtClean="0">
+                <a:latin typeface="SF Pro Display" charset="0"/>
+                <a:ea typeface="SF Pro Display" charset="0"/>
+                <a:cs typeface="SF Pro Display" charset="0"/>
+              </a:rPr>
+              <a:t>Social Attestation</a:t>
+            </a:r>
+          </a:p>
+          <a:p>
+            <a:r>
+              <a:rPr lang="en-US" sz="1600" dirty="0" smtClean="0">
+                <a:latin typeface="SF Pro Display" charset="0"/>
+                <a:ea typeface="SF Pro Display" charset="0"/>
+                <a:cs typeface="SF Pro Display" charset="0"/>
+              </a:rPr>
+              <a:t>Develop a richer credit profile by other verified profiles attesting for the borrower</a:t>
+            </a:r>
+            <a:endParaRPr lang="en-US" sz="1600" dirty="0">
+              <a:latin typeface="SF Pro Display" charset="0"/>
+              <a:ea typeface="SF Pro Display" charset="0"/>
+              <a:cs typeface="SF Pro Display" charset="0"/>
+            </a:endParaRPr>
+          </a:p>
+        </p:txBody>
+      </p:sp>
+      <p:cxnSp>
+        <p:nvCxnSpPr>
+          <p:cNvPr id="11" name="Straight Arrow Connector 10"/>
+          <p:cNvCxnSpPr>
+            <a:stCxn id="10" idx="1"/>
+          </p:cNvCxnSpPr>
+          <p:nvPr/>
+        </p:nvCxnSpPr>
+        <p:spPr>
+          <a:xfrm flipH="1">
+            <a:off x="7813965" y="2570131"/>
+            <a:ext cx="1285790" cy="543725"/>
+          </a:xfrm>
+          <a:prstGeom prst="straightConnector1">
+            <a:avLst/>
+          </a:prstGeom>
+          <a:ln>
+            <a:solidFill>
+              <a:schemeClr val="tx1"/>
+            </a:solidFill>
+            <a:tailEnd type="triangle"/>
+          </a:ln>
+        </p:spPr>
+        <p:style>
+          <a:lnRef idx="1">
+            <a:schemeClr val="accent1"/>
+          </a:lnRef>
+          <a:fillRef idx="0">
+            <a:schemeClr val="accent1"/>
+          </a:fillRef>
+          <a:effectRef idx="0">
+            <a:schemeClr val="accent1"/>
+          </a:effectRef>
+          <a:fontRef idx="minor">
+            <a:schemeClr val="tx1"/>
+          </a:fontRef>
+        </p:style>
+      </p:cxnSp>
+      <p:pic>
+        <p:nvPicPr>
+          <p:cNvPr id="13" name="Picture 12"/>
+          <p:cNvPicPr>
+            <a:picLocks noChangeAspect="1"/>
+          </p:cNvPicPr>
+          <p:nvPr/>
+        </p:nvPicPr>
+        <p:blipFill>
+          <a:blip r:embed="rId3"/>
+          <a:stretch>
+            <a:fillRect/>
+          </a:stretch>
+        </p:blipFill>
+        <p:spPr>
+          <a:xfrm>
+            <a:off x="430620" y="3113856"/>
+            <a:ext cx="1517379" cy="1946787"/>
+          </a:xfrm>
+          <a:prstGeom prst="rect">
+            <a:avLst/>
+          </a:prstGeom>
+        </p:spPr>
+      </p:pic>
+      <p:sp>
+        <p:nvSpPr>
+          <p:cNvPr id="14" name="AutoShape 2" descr="Box Logo"/>
+          <p:cNvSpPr>
+            <a:spLocks noChangeAspect="1" noChangeArrowheads="1"/>
+          </p:cNvSpPr>
+          <p:nvPr/>
+        </p:nvSpPr>
+        <p:spPr bwMode="auto">
+          <a:xfrm>
+            <a:off x="0" y="0"/>
+            <a:ext cx="304800" cy="304800"/>
+          </a:xfrm>
+          <a:prstGeom prst="rect">
+            <a:avLst/>
+          </a:prstGeom>
+          <a:noFill/>
+          <a:extLst>
+            <a:ext uri="{909E8E84-426E-40DD-AFC4-6F175D3DCCD1}">
+              <a14:hiddenFill xmlns:a14="http://schemas.microsoft.com/office/drawing/2010/main">
+                <a:solidFill>
+                  <a:srgbClr val="FFFFFF"/>
+                </a:solidFill>
+              </a14:hiddenFill>
+            </a:ext>
+          </a:extLst>
+        </p:spPr>
+        <p:txBody>
+          <a:bodyPr vert="horz" wrap="square" lIns="91440" tIns="45720" rIns="91440" bIns="45720" numCol="1" anchor="t" anchorCtr="0" compatLnSpc="1">
+            <a:prstTxWarp prst="textNoShape">
+              <a:avLst/>
+            </a:prstTxWarp>
+          </a:bodyPr>
+          <a:lstStyle/>
+          <a:p>
+            <a:endParaRPr lang="en-US"/>
+          </a:p>
+        </p:txBody>
+      </p:sp>
+      <p:pic>
+        <p:nvPicPr>
+          <p:cNvPr id="18" name="Picture 17"/>
+          <p:cNvPicPr>
+            <a:picLocks noChangeAspect="1"/>
+          </p:cNvPicPr>
+          <p:nvPr/>
+        </p:nvPicPr>
+        <p:blipFill>
+          <a:blip r:embed="rId4"/>
+          <a:stretch>
+            <a:fillRect/>
+          </a:stretch>
+        </p:blipFill>
+        <p:spPr>
+          <a:xfrm>
+            <a:off x="536309" y="5158520"/>
+            <a:ext cx="1208612" cy="499623"/>
+          </a:xfrm>
+          <a:prstGeom prst="rect">
+            <a:avLst/>
+          </a:prstGeom>
+        </p:spPr>
+      </p:pic>
+      <p:pic>
+        <p:nvPicPr>
+          <p:cNvPr id="25" name="Picture 24"/>
+          <p:cNvPicPr>
+            <a:picLocks noChangeAspect="1"/>
+          </p:cNvPicPr>
+          <p:nvPr/>
+        </p:nvPicPr>
+        <p:blipFill>
+          <a:blip r:embed="rId3"/>
+          <a:stretch>
+            <a:fillRect/>
+          </a:stretch>
+        </p:blipFill>
+        <p:spPr>
+          <a:xfrm>
+            <a:off x="10518859" y="3275177"/>
+            <a:ext cx="1517379" cy="1946787"/>
+          </a:xfrm>
+          <a:prstGeom prst="rect">
+            <a:avLst/>
+          </a:prstGeom>
+        </p:spPr>
+      </p:pic>
+    </p:spTree>
+    <p:extLst>
+      <p:ext uri="{BB962C8B-B14F-4D97-AF65-F5344CB8AC3E}">
+        <p14:creationId xmlns:p14="http://schemas.microsoft.com/office/powerpoint/2010/main" val="292632525"/>
+      </p:ext>
+    </p:extLst>
+  </p:cSld>
+  <p:clrMapOvr>
+    <a:masterClrMapping/>
+  </p:clrMapOvr>
+</p:sld>
+</file>
+
+<file path=ppt/slides/slide17.xml><?xml version="1.0" encoding="utf-8"?>
+<p:sld xmlns:a="http://schemas.openxmlformats.org/drawingml/2006/main" xmlns:r="http://schemas.openxmlformats.org/officeDocument/2006/relationships" xmlns:p="http://schemas.openxmlformats.org/presentationml/2006/main">
+  <p:cSld>
+    <p:spTree>
+      <p:nvGrpSpPr>
+        <p:cNvPr id="1" name=""/>
+        <p:cNvGrpSpPr/>
+        <p:nvPr/>
+      </p:nvGrpSpPr>
+      <p:grpSpPr>
+        <a:xfrm>
+          <a:off x="0" y="0"/>
+          <a:ext cx="0" cy="0"/>
+          <a:chOff x="0" y="0"/>
+          <a:chExt cx="0" cy="0"/>
+        </a:xfrm>
+      </p:grpSpPr>
+      <p:pic>
+        <p:nvPicPr>
+          <p:cNvPr id="2" name="Picture 1"/>
+          <p:cNvPicPr>
+            <a:picLocks noChangeAspect="1"/>
+          </p:cNvPicPr>
+          <p:nvPr/>
+        </p:nvPicPr>
+        <p:blipFill rotWithShape="1">
+          <a:blip r:embed="rId2"/>
+          <a:srcRect l="-507" t="21462" r="507" b="56722"/>
+          <a:stretch/>
+        </p:blipFill>
+        <p:spPr>
+          <a:xfrm>
+            <a:off x="2736320" y="757457"/>
+            <a:ext cx="6904521" cy="5379675"/>
+          </a:xfrm>
+          <a:prstGeom prst="rect">
+            <a:avLst/>
+          </a:prstGeom>
+        </p:spPr>
+      </p:pic>
+      <p:sp>
+        <p:nvSpPr>
+          <p:cNvPr id="8" name="TextBox 7"/>
+          <p:cNvSpPr txBox="1"/>
+          <p:nvPr/>
+        </p:nvSpPr>
+        <p:spPr>
+          <a:xfrm>
+            <a:off x="304800" y="437893"/>
+            <a:ext cx="2881745" cy="2246769"/>
+          </a:xfrm>
+          <a:prstGeom prst="rect">
+            <a:avLst/>
+          </a:prstGeom>
+          <a:noFill/>
+          <a:ln>
+            <a:solidFill>
+              <a:schemeClr val="tx1"/>
+            </a:solidFill>
+          </a:ln>
+        </p:spPr>
+        <p:txBody>
+          <a:bodyPr wrap="square" rtlCol="0">
+            <a:spAutoFit/>
+          </a:bodyPr>
+          <a:lstStyle/>
+          <a:p>
+            <a:r>
+              <a:rPr lang="en-US" sz="2000" b="1" dirty="0" smtClean="0">
+                <a:latin typeface="SF Pro Display" charset="0"/>
+                <a:ea typeface="SF Pro Display" charset="0"/>
+                <a:cs typeface="SF Pro Display" charset="0"/>
+              </a:rPr>
+              <a:t>ERC-20 Crowdfunding and Fractional Ownership</a:t>
+            </a:r>
+          </a:p>
+          <a:p>
+            <a:r>
+              <a:rPr lang="en-US" sz="1600" dirty="0" smtClean="0">
+                <a:latin typeface="SF Pro Display" charset="0"/>
+                <a:ea typeface="SF Pro Display" charset="0"/>
+                <a:cs typeface="SF Pro Display" charset="0"/>
+              </a:rPr>
+              <a:t>Innovative crowdsourcing models that allow for the issuance of verifiable ERC-20 debt tokens that are potentially tradeable for early liquidity</a:t>
+            </a:r>
+            <a:endParaRPr lang="en-US" sz="1600" dirty="0">
+              <a:latin typeface="SF Pro Display" charset="0"/>
+              <a:ea typeface="SF Pro Display" charset="0"/>
+              <a:cs typeface="SF Pro Display" charset="0"/>
+            </a:endParaRPr>
+          </a:p>
+        </p:txBody>
+      </p:sp>
+      <p:cxnSp>
+        <p:nvCxnSpPr>
+          <p:cNvPr id="27" name="Straight Arrow Connector 26"/>
+          <p:cNvCxnSpPr>
+            <a:stCxn id="8" idx="3"/>
+          </p:cNvCxnSpPr>
+          <p:nvPr/>
+        </p:nvCxnSpPr>
+        <p:spPr>
+          <a:xfrm>
+            <a:off x="3186545" y="1561278"/>
+            <a:ext cx="249382" cy="15388"/>
+          </a:xfrm>
+          <a:prstGeom prst="straightConnector1">
+            <a:avLst/>
+          </a:prstGeom>
+          <a:ln>
+            <a:solidFill>
+              <a:schemeClr val="tx1"/>
+            </a:solidFill>
+            <a:tailEnd type="triangle"/>
+          </a:ln>
+        </p:spPr>
+        <p:style>
+          <a:lnRef idx="1">
+            <a:schemeClr val="accent1"/>
+          </a:lnRef>
+          <a:fillRef idx="0">
+            <a:schemeClr val="accent1"/>
+          </a:fillRef>
+          <a:effectRef idx="0">
+            <a:schemeClr val="accent1"/>
+          </a:effectRef>
+          <a:fontRef idx="minor">
+            <a:schemeClr val="tx1"/>
+          </a:fontRef>
+        </p:style>
+      </p:cxnSp>
+      <p:pic>
+        <p:nvPicPr>
+          <p:cNvPr id="9" name="Picture 8"/>
+          <p:cNvPicPr>
+            <a:picLocks noChangeAspect="1"/>
+          </p:cNvPicPr>
+          <p:nvPr/>
+        </p:nvPicPr>
+        <p:blipFill>
+          <a:blip r:embed="rId3"/>
+          <a:stretch>
+            <a:fillRect/>
+          </a:stretch>
+        </p:blipFill>
+        <p:spPr>
+          <a:xfrm>
+            <a:off x="10416832" y="3447294"/>
+            <a:ext cx="1655529" cy="2124032"/>
+          </a:xfrm>
+          <a:prstGeom prst="rect">
+            <a:avLst/>
+          </a:prstGeom>
+        </p:spPr>
+      </p:pic>
+      <p:sp>
+        <p:nvSpPr>
+          <p:cNvPr id="10" name="TextBox 9"/>
+          <p:cNvSpPr txBox="1"/>
+          <p:nvPr/>
+        </p:nvSpPr>
+        <p:spPr>
+          <a:xfrm>
+            <a:off x="9226622" y="1822888"/>
+            <a:ext cx="2845739" cy="1754326"/>
+          </a:xfrm>
+          <a:prstGeom prst="rect">
+            <a:avLst/>
+          </a:prstGeom>
+          <a:noFill/>
+          <a:ln>
+            <a:solidFill>
+              <a:schemeClr val="tx1"/>
+            </a:solidFill>
+          </a:ln>
+        </p:spPr>
+        <p:txBody>
+          <a:bodyPr wrap="square" rtlCol="0">
+            <a:spAutoFit/>
+          </a:bodyPr>
+          <a:lstStyle/>
+          <a:p>
+            <a:r>
+              <a:rPr lang="en-US" sz="2000" b="1" dirty="0" smtClean="0">
+                <a:latin typeface="SF Pro Display" charset="0"/>
+                <a:ea typeface="SF Pro Display" charset="0"/>
+                <a:cs typeface="SF Pro Display" charset="0"/>
+              </a:rPr>
+              <a:t>Automated Flow of Funds through Smart Contracts</a:t>
+            </a:r>
+          </a:p>
+          <a:p>
+            <a:r>
+              <a:rPr lang="en-US" sz="1600" dirty="0" smtClean="0">
+                <a:latin typeface="SF Pro Display" charset="0"/>
+                <a:ea typeface="SF Pro Display" charset="0"/>
+                <a:cs typeface="SF Pro Display" charset="0"/>
+              </a:rPr>
+              <a:t>Automated tracking of debt terms, repayment payments, and handling of flow-of-funds </a:t>
+            </a:r>
+            <a:endParaRPr lang="en-US" sz="1600" dirty="0">
+              <a:latin typeface="SF Pro Display" charset="0"/>
+              <a:ea typeface="SF Pro Display" charset="0"/>
+              <a:cs typeface="SF Pro Display" charset="0"/>
+            </a:endParaRPr>
+          </a:p>
+        </p:txBody>
+      </p:sp>
+      <p:cxnSp>
+        <p:nvCxnSpPr>
+          <p:cNvPr id="11" name="Straight Arrow Connector 10"/>
+          <p:cNvCxnSpPr/>
+          <p:nvPr/>
+        </p:nvCxnSpPr>
+        <p:spPr>
+          <a:xfrm flipH="1">
+            <a:off x="6012873" y="2355273"/>
+            <a:ext cx="3213749" cy="1092021"/>
+          </a:xfrm>
+          <a:prstGeom prst="straightConnector1">
+            <a:avLst/>
+          </a:prstGeom>
+          <a:ln>
+            <a:solidFill>
+              <a:schemeClr val="tx1"/>
+            </a:solidFill>
+            <a:tailEnd type="triangle"/>
+          </a:ln>
+        </p:spPr>
+        <p:style>
+          <a:lnRef idx="1">
+            <a:schemeClr val="accent1"/>
+          </a:lnRef>
+          <a:fillRef idx="0">
+            <a:schemeClr val="accent1"/>
+          </a:fillRef>
+          <a:effectRef idx="0">
+            <a:schemeClr val="accent1"/>
+          </a:effectRef>
+          <a:fontRef idx="minor">
+            <a:schemeClr val="tx1"/>
+          </a:fontRef>
+        </p:style>
+      </p:cxnSp>
+      <p:sp>
+        <p:nvSpPr>
+          <p:cNvPr id="14" name="AutoShape 2" descr="Box Logo"/>
+          <p:cNvSpPr>
+            <a:spLocks noChangeAspect="1" noChangeArrowheads="1"/>
+          </p:cNvSpPr>
+          <p:nvPr/>
+        </p:nvSpPr>
+        <p:spPr bwMode="auto">
+          <a:xfrm>
+            <a:off x="0" y="0"/>
+            <a:ext cx="304800" cy="304800"/>
+          </a:xfrm>
+          <a:prstGeom prst="rect">
+            <a:avLst/>
+          </a:prstGeom>
+          <a:noFill/>
+          <a:extLst>
+            <a:ext uri="{909E8E84-426E-40DD-AFC4-6F175D3DCCD1}">
+              <a14:hiddenFill xmlns:a14="http://schemas.microsoft.com/office/drawing/2010/main">
+                <a:solidFill>
+                  <a:srgbClr val="FFFFFF"/>
+                </a:solidFill>
+              </a14:hiddenFill>
+            </a:ext>
+          </a:extLst>
+        </p:spPr>
+        <p:txBody>
+          <a:bodyPr vert="horz" wrap="square" lIns="91440" tIns="45720" rIns="91440" bIns="45720" numCol="1" anchor="t" anchorCtr="0" compatLnSpc="1">
+            <a:prstTxWarp prst="textNoShape">
+              <a:avLst/>
+            </a:prstTxWarp>
+          </a:bodyPr>
+          <a:lstStyle/>
+          <a:p>
+            <a:endParaRPr lang="en-US"/>
+          </a:p>
+        </p:txBody>
+      </p:sp>
+      <p:cxnSp>
+        <p:nvCxnSpPr>
+          <p:cNvPr id="15" name="Straight Arrow Connector 14"/>
+          <p:cNvCxnSpPr/>
+          <p:nvPr/>
+        </p:nvCxnSpPr>
+        <p:spPr>
+          <a:xfrm>
+            <a:off x="3186545" y="757457"/>
+            <a:ext cx="2992582" cy="461743"/>
+          </a:xfrm>
+          <a:prstGeom prst="straightConnector1">
+            <a:avLst/>
+          </a:prstGeom>
+          <a:ln>
+            <a:solidFill>
+              <a:schemeClr val="tx1"/>
+            </a:solidFill>
+            <a:tailEnd type="triangle"/>
+          </a:ln>
+        </p:spPr>
+        <p:style>
+          <a:lnRef idx="1">
+            <a:schemeClr val="accent1"/>
+          </a:lnRef>
+          <a:fillRef idx="0">
+            <a:schemeClr val="accent1"/>
+          </a:fillRef>
+          <a:effectRef idx="0">
+            <a:schemeClr val="accent1"/>
+          </a:effectRef>
+          <a:fontRef idx="minor">
+            <a:schemeClr val="tx1"/>
+          </a:fontRef>
+        </p:style>
+      </p:cxnSp>
+      <p:cxnSp>
+        <p:nvCxnSpPr>
+          <p:cNvPr id="20" name="Straight Arrow Connector 19"/>
+          <p:cNvCxnSpPr/>
+          <p:nvPr/>
+        </p:nvCxnSpPr>
+        <p:spPr>
+          <a:xfrm flipH="1">
+            <a:off x="7619747" y="2646218"/>
+            <a:ext cx="1606875" cy="2743200"/>
+          </a:xfrm>
+          <a:prstGeom prst="straightConnector1">
+            <a:avLst/>
+          </a:prstGeom>
+          <a:ln>
+            <a:solidFill>
+              <a:schemeClr val="tx1"/>
+            </a:solidFill>
+            <a:tailEnd type="triangle"/>
+          </a:ln>
+        </p:spPr>
+        <p:style>
+          <a:lnRef idx="1">
+            <a:schemeClr val="accent1"/>
+          </a:lnRef>
+          <a:fillRef idx="0">
+            <a:schemeClr val="accent1"/>
+          </a:fillRef>
+          <a:effectRef idx="0">
+            <a:schemeClr val="accent1"/>
+          </a:effectRef>
+          <a:fontRef idx="minor">
+            <a:schemeClr val="tx1"/>
+          </a:fontRef>
+        </p:style>
+      </p:cxnSp>
+      <p:sp>
+        <p:nvSpPr>
+          <p:cNvPr id="26" name="TextBox 25"/>
+          <p:cNvSpPr txBox="1"/>
+          <p:nvPr/>
+        </p:nvSpPr>
+        <p:spPr>
+          <a:xfrm>
+            <a:off x="429491" y="3674152"/>
+            <a:ext cx="2881745" cy="2185214"/>
+          </a:xfrm>
+          <a:prstGeom prst="rect">
+            <a:avLst/>
+          </a:prstGeom>
+          <a:noFill/>
+          <a:ln>
+            <a:solidFill>
+              <a:schemeClr val="tx1"/>
+            </a:solidFill>
+          </a:ln>
+        </p:spPr>
+        <p:txBody>
+          <a:bodyPr wrap="square" rtlCol="0">
+            <a:spAutoFit/>
+          </a:bodyPr>
+          <a:lstStyle/>
+          <a:p>
+            <a:r>
+              <a:rPr lang="en-US" sz="2000" b="1" dirty="0" smtClean="0">
+                <a:latin typeface="SF Pro Display" charset="0"/>
+                <a:ea typeface="SF Pro Display" charset="0"/>
+                <a:cs typeface="SF Pro Display" charset="0"/>
+              </a:rPr>
+              <a:t>Configurable Loan Contract</a:t>
+            </a:r>
+          </a:p>
+          <a:p>
+            <a:r>
+              <a:rPr lang="en-US" sz="1600" dirty="0" smtClean="0">
+                <a:latin typeface="SF Pro Display" charset="0"/>
+                <a:ea typeface="SF Pro Display" charset="0"/>
+                <a:cs typeface="SF Pro Display" charset="0"/>
+              </a:rPr>
+              <a:t>Flexible loan contracts with configurable terms (e.g. grace periods on interest and principal, variable tenor, Principal-Interest-Fees-Penalties breakdown</a:t>
+            </a:r>
+            <a:endParaRPr lang="en-US" sz="1600" dirty="0">
+              <a:latin typeface="SF Pro Display" charset="0"/>
+              <a:ea typeface="SF Pro Display" charset="0"/>
+              <a:cs typeface="SF Pro Display" charset="0"/>
+            </a:endParaRPr>
+          </a:p>
+        </p:txBody>
+      </p:sp>
+      <p:cxnSp>
+        <p:nvCxnSpPr>
+          <p:cNvPr id="28" name="Straight Arrow Connector 27"/>
+          <p:cNvCxnSpPr>
+            <a:stCxn id="26" idx="3"/>
+          </p:cNvCxnSpPr>
+          <p:nvPr/>
+        </p:nvCxnSpPr>
+        <p:spPr>
+          <a:xfrm flipV="1">
+            <a:off x="3311236" y="4583367"/>
+            <a:ext cx="727236" cy="183392"/>
+          </a:xfrm>
+          <a:prstGeom prst="straightConnector1">
+            <a:avLst/>
+          </a:prstGeom>
+          <a:ln>
+            <a:solidFill>
+              <a:schemeClr val="tx1"/>
+            </a:solidFill>
+            <a:tailEnd type="triangle"/>
+          </a:ln>
+        </p:spPr>
+        <p:style>
+          <a:lnRef idx="1">
+            <a:schemeClr val="accent1"/>
+          </a:lnRef>
+          <a:fillRef idx="0">
+            <a:schemeClr val="accent1"/>
+          </a:fillRef>
+          <a:effectRef idx="0">
+            <a:schemeClr val="accent1"/>
+          </a:effectRef>
+          <a:fontRef idx="minor">
+            <a:schemeClr val="tx1"/>
+          </a:fontRef>
+        </p:style>
+      </p:cxnSp>
+    </p:spTree>
+    <p:extLst>
+      <p:ext uri="{BB962C8B-B14F-4D97-AF65-F5344CB8AC3E}">
+        <p14:creationId xmlns:p14="http://schemas.microsoft.com/office/powerpoint/2010/main" val="185665706"/>
+      </p:ext>
+    </p:extLst>
+  </p:cSld>
+  <p:clrMapOvr>
+    <a:masterClrMapping/>
+  </p:clrMapOvr>
+</p:sld>
+</file>
+
+<file path=ppt/slides/slide18.xml><?xml version="1.0" encoding="utf-8"?>
+<p:sld xmlns:a="http://schemas.openxmlformats.org/drawingml/2006/main" xmlns:r="http://schemas.openxmlformats.org/officeDocument/2006/relationships" xmlns:p="http://schemas.openxmlformats.org/presentationml/2006/main">
+  <p:cSld>
+    <p:spTree>
+      <p:nvGrpSpPr>
+        <p:cNvPr id="1" name=""/>
+        <p:cNvGrpSpPr/>
+        <p:nvPr/>
+      </p:nvGrpSpPr>
+      <p:grpSpPr>
+        <a:xfrm>
+          <a:off x="0" y="0"/>
+          <a:ext cx="0" cy="0"/>
+          <a:chOff x="0" y="0"/>
+          <a:chExt cx="0" cy="0"/>
+        </a:xfrm>
+      </p:grpSpPr>
       <p:sp>
         <p:nvSpPr>
           <p:cNvPr id="2" name="Title 1"/>
@@ -5968,7 +6395,7 @@
           <a:p>
             <a:r>
               <a:rPr lang="en-US" dirty="0" smtClean="0"/>
-              <a:t>Implementation</a:t>
+              <a:t>How it works</a:t>
             </a:r>
             <a:endParaRPr lang="en-US" dirty="0"/>
           </a:p>
@@ -5977,7 +6404,1093 @@
     </p:spTree>
     <p:extLst>
       <p:ext uri="{BB962C8B-B14F-4D97-AF65-F5344CB8AC3E}">
-        <p14:creationId xmlns:p14="http://schemas.microsoft.com/office/powerpoint/2010/main" val="176927560"/>
+        <p14:creationId xmlns:p14="http://schemas.microsoft.com/office/powerpoint/2010/main" val="2002640623"/>
+      </p:ext>
+    </p:extLst>
+  </p:cSld>
+  <p:clrMapOvr>
+    <a:masterClrMapping/>
+  </p:clrMapOvr>
+</p:sld>
+</file>
+
+<file path=ppt/slides/slide19.xml><?xml version="1.0" encoding="utf-8"?>
+<p:sld xmlns:a="http://schemas.openxmlformats.org/drawingml/2006/main" xmlns:r="http://schemas.openxmlformats.org/officeDocument/2006/relationships" xmlns:p="http://schemas.openxmlformats.org/presentationml/2006/main">
+  <p:cSld>
+    <p:spTree>
+      <p:nvGrpSpPr>
+        <p:cNvPr id="1" name=""/>
+        <p:cNvGrpSpPr/>
+        <p:nvPr/>
+      </p:nvGrpSpPr>
+      <p:grpSpPr>
+        <a:xfrm>
+          <a:off x="0" y="0"/>
+          <a:ext cx="0" cy="0"/>
+          <a:chOff x="0" y="0"/>
+          <a:chExt cx="0" cy="0"/>
+        </a:xfrm>
+      </p:grpSpPr>
+      <p:sp>
+        <p:nvSpPr>
+          <p:cNvPr id="14" name="AutoShape 2" descr="Box Logo"/>
+          <p:cNvSpPr>
+            <a:spLocks noChangeAspect="1" noChangeArrowheads="1"/>
+          </p:cNvSpPr>
+          <p:nvPr/>
+        </p:nvSpPr>
+        <p:spPr bwMode="auto">
+          <a:xfrm>
+            <a:off x="-129528" y="4675716"/>
+            <a:ext cx="304800" cy="304800"/>
+          </a:xfrm>
+          <a:prstGeom prst="rect">
+            <a:avLst/>
+          </a:prstGeom>
+          <a:noFill/>
+          <a:extLst>
+            <a:ext uri="{909E8E84-426E-40DD-AFC4-6F175D3DCCD1}">
+              <a14:hiddenFill xmlns:a14="http://schemas.microsoft.com/office/drawing/2010/main">
+                <a:solidFill>
+                  <a:srgbClr val="FFFFFF"/>
+                </a:solidFill>
+              </a14:hiddenFill>
+            </a:ext>
+          </a:extLst>
+        </p:spPr>
+        <p:txBody>
+          <a:bodyPr vert="horz" wrap="square" lIns="91440" tIns="45720" rIns="91440" bIns="45720" numCol="1" anchor="t" anchorCtr="0" compatLnSpc="1">
+            <a:prstTxWarp prst="textNoShape">
+              <a:avLst/>
+            </a:prstTxWarp>
+          </a:bodyPr>
+          <a:lstStyle/>
+          <a:p>
+            <a:endParaRPr lang="en-US"/>
+          </a:p>
+        </p:txBody>
+      </p:sp>
+      <p:pic>
+        <p:nvPicPr>
+          <p:cNvPr id="12" name="Picture 11"/>
+          <p:cNvPicPr>
+            <a:picLocks noChangeAspect="1"/>
+          </p:cNvPicPr>
+          <p:nvPr/>
+        </p:nvPicPr>
+        <p:blipFill rotWithShape="1">
+          <a:blip r:embed="rId2"/>
+          <a:srcRect l="-507" t="21462" r="507" b="56722"/>
+          <a:stretch/>
+        </p:blipFill>
+        <p:spPr>
+          <a:xfrm>
+            <a:off x="4302336" y="2397459"/>
+            <a:ext cx="4071422" cy="3172259"/>
+          </a:xfrm>
+          <a:prstGeom prst="rect">
+            <a:avLst/>
+          </a:prstGeom>
+        </p:spPr>
+      </p:pic>
+      <p:pic>
+        <p:nvPicPr>
+          <p:cNvPr id="14338" name="Picture 2" descr="mage result for emoji person"/>
+          <p:cNvPicPr>
+            <a:picLocks noChangeAspect="1" noChangeArrowheads="1"/>
+          </p:cNvPicPr>
+          <p:nvPr/>
+        </p:nvPicPr>
+        <p:blipFill>
+          <a:blip r:embed="rId3">
+            <a:extLst>
+              <a:ext uri="{28A0092B-C50C-407E-A947-70E740481C1C}">
+                <a14:useLocalDpi xmlns:a14="http://schemas.microsoft.com/office/drawing/2010/main" val="0"/>
+              </a:ext>
+            </a:extLst>
+          </a:blip>
+          <a:srcRect/>
+          <a:stretch>
+            <a:fillRect/>
+          </a:stretch>
+        </p:blipFill>
+        <p:spPr bwMode="auto">
+          <a:xfrm>
+            <a:off x="265327" y="4980516"/>
+            <a:ext cx="692727" cy="692727"/>
+          </a:xfrm>
+          <a:prstGeom prst="rect">
+            <a:avLst/>
+          </a:prstGeom>
+          <a:noFill/>
+          <a:extLst>
+            <a:ext uri="{909E8E84-426E-40DD-AFC4-6F175D3DCCD1}">
+              <a14:hiddenFill xmlns:a14="http://schemas.microsoft.com/office/drawing/2010/main">
+                <a:solidFill>
+                  <a:srgbClr val="FFFFFF"/>
+                </a:solidFill>
+              </a14:hiddenFill>
+            </a:ext>
+          </a:extLst>
+        </p:spPr>
+      </p:pic>
+      <p:pic>
+        <p:nvPicPr>
+          <p:cNvPr id="14340" name="Picture 4" descr="mage result for emoji person"/>
+          <p:cNvPicPr>
+            <a:picLocks noChangeAspect="1" noChangeArrowheads="1"/>
+          </p:cNvPicPr>
+          <p:nvPr/>
+        </p:nvPicPr>
+        <p:blipFill>
+          <a:blip r:embed="rId4">
+            <a:extLst>
+              <a:ext uri="{28A0092B-C50C-407E-A947-70E740481C1C}">
+                <a14:useLocalDpi xmlns:a14="http://schemas.microsoft.com/office/drawing/2010/main" val="0"/>
+              </a:ext>
+            </a:extLst>
+          </a:blip>
+          <a:srcRect/>
+          <a:stretch>
+            <a:fillRect/>
+          </a:stretch>
+        </p:blipFill>
+        <p:spPr bwMode="auto">
+          <a:xfrm>
+            <a:off x="464128" y="2719566"/>
+            <a:ext cx="1524000" cy="1524000"/>
+          </a:xfrm>
+          <a:prstGeom prst="rect">
+            <a:avLst/>
+          </a:prstGeom>
+          <a:noFill/>
+          <a:extLst>
+            <a:ext uri="{909E8E84-426E-40DD-AFC4-6F175D3DCCD1}">
+              <a14:hiddenFill xmlns:a14="http://schemas.microsoft.com/office/drawing/2010/main">
+                <a:solidFill>
+                  <a:srgbClr val="FFFFFF"/>
+                </a:solidFill>
+              </a14:hiddenFill>
+            </a:ext>
+          </a:extLst>
+        </p:spPr>
+      </p:pic>
+      <p:pic>
+        <p:nvPicPr>
+          <p:cNvPr id="16" name="Picture 4" descr="mage result for emoji person"/>
+          <p:cNvPicPr>
+            <a:picLocks noChangeAspect="1" noChangeArrowheads="1"/>
+          </p:cNvPicPr>
+          <p:nvPr/>
+        </p:nvPicPr>
+        <p:blipFill>
+          <a:blip r:embed="rId4">
+            <a:extLst>
+              <a:ext uri="{28A0092B-C50C-407E-A947-70E740481C1C}">
+                <a14:useLocalDpi xmlns:a14="http://schemas.microsoft.com/office/drawing/2010/main" val="0"/>
+              </a:ext>
+            </a:extLst>
+          </a:blip>
+          <a:srcRect/>
+          <a:stretch>
+            <a:fillRect/>
+          </a:stretch>
+        </p:blipFill>
+        <p:spPr bwMode="auto">
+          <a:xfrm>
+            <a:off x="1048109" y="4952808"/>
+            <a:ext cx="720436" cy="720436"/>
+          </a:xfrm>
+          <a:prstGeom prst="rect">
+            <a:avLst/>
+          </a:prstGeom>
+          <a:noFill/>
+          <a:extLst>
+            <a:ext uri="{909E8E84-426E-40DD-AFC4-6F175D3DCCD1}">
+              <a14:hiddenFill xmlns:a14="http://schemas.microsoft.com/office/drawing/2010/main">
+                <a:solidFill>
+                  <a:srgbClr val="FFFFFF"/>
+                </a:solidFill>
+              </a14:hiddenFill>
+            </a:ext>
+          </a:extLst>
+        </p:spPr>
+      </p:pic>
+      <p:pic>
+        <p:nvPicPr>
+          <p:cNvPr id="17" name="Picture 2" descr="mage result for emoji person"/>
+          <p:cNvPicPr>
+            <a:picLocks noChangeAspect="1" noChangeArrowheads="1"/>
+          </p:cNvPicPr>
+          <p:nvPr/>
+        </p:nvPicPr>
+        <p:blipFill>
+          <a:blip r:embed="rId3">
+            <a:extLst>
+              <a:ext uri="{28A0092B-C50C-407E-A947-70E740481C1C}">
+                <a14:useLocalDpi xmlns:a14="http://schemas.microsoft.com/office/drawing/2010/main" val="0"/>
+              </a:ext>
+            </a:extLst>
+          </a:blip>
+          <a:srcRect/>
+          <a:stretch>
+            <a:fillRect/>
+          </a:stretch>
+        </p:blipFill>
+        <p:spPr bwMode="auto">
+          <a:xfrm>
+            <a:off x="1858600" y="5008224"/>
+            <a:ext cx="692727" cy="692727"/>
+          </a:xfrm>
+          <a:prstGeom prst="rect">
+            <a:avLst/>
+          </a:prstGeom>
+          <a:noFill/>
+          <a:extLst>
+            <a:ext uri="{909E8E84-426E-40DD-AFC4-6F175D3DCCD1}">
+              <a14:hiddenFill xmlns:a14="http://schemas.microsoft.com/office/drawing/2010/main">
+                <a:solidFill>
+                  <a:srgbClr val="FFFFFF"/>
+                </a:solidFill>
+              </a14:hiddenFill>
+            </a:ext>
+          </a:extLst>
+        </p:spPr>
+      </p:pic>
+      <p:pic>
+        <p:nvPicPr>
+          <p:cNvPr id="18" name="Picture 4" descr="mage result for emoji person"/>
+          <p:cNvPicPr>
+            <a:picLocks noChangeAspect="1" noChangeArrowheads="1"/>
+          </p:cNvPicPr>
+          <p:nvPr/>
+        </p:nvPicPr>
+        <p:blipFill>
+          <a:blip r:embed="rId4">
+            <a:extLst>
+              <a:ext uri="{28A0092B-C50C-407E-A947-70E740481C1C}">
+                <a14:useLocalDpi xmlns:a14="http://schemas.microsoft.com/office/drawing/2010/main" val="0"/>
+              </a:ext>
+            </a:extLst>
+          </a:blip>
+          <a:srcRect/>
+          <a:stretch>
+            <a:fillRect/>
+          </a:stretch>
+        </p:blipFill>
+        <p:spPr bwMode="auto">
+          <a:xfrm>
+            <a:off x="2641382" y="4980516"/>
+            <a:ext cx="720436" cy="720436"/>
+          </a:xfrm>
+          <a:prstGeom prst="rect">
+            <a:avLst/>
+          </a:prstGeom>
+          <a:noFill/>
+          <a:extLst>
+            <a:ext uri="{909E8E84-426E-40DD-AFC4-6F175D3DCCD1}">
+              <a14:hiddenFill xmlns:a14="http://schemas.microsoft.com/office/drawing/2010/main">
+                <a:solidFill>
+                  <a:srgbClr val="FFFFFF"/>
+                </a:solidFill>
+              </a14:hiddenFill>
+            </a:ext>
+          </a:extLst>
+        </p:spPr>
+      </p:pic>
+      <p:pic>
+        <p:nvPicPr>
+          <p:cNvPr id="19" name="Picture 2" descr="mage result for emoji person"/>
+          <p:cNvPicPr>
+            <a:picLocks noChangeAspect="1" noChangeArrowheads="1"/>
+          </p:cNvPicPr>
+          <p:nvPr/>
+        </p:nvPicPr>
+        <p:blipFill>
+          <a:blip r:embed="rId3">
+            <a:extLst>
+              <a:ext uri="{28A0092B-C50C-407E-A947-70E740481C1C}">
+                <a14:useLocalDpi xmlns:a14="http://schemas.microsoft.com/office/drawing/2010/main" val="0"/>
+              </a:ext>
+            </a:extLst>
+          </a:blip>
+          <a:srcRect/>
+          <a:stretch>
+            <a:fillRect/>
+          </a:stretch>
+        </p:blipFill>
+        <p:spPr bwMode="auto">
+          <a:xfrm>
+            <a:off x="1048109" y="5770228"/>
+            <a:ext cx="692727" cy="692727"/>
+          </a:xfrm>
+          <a:prstGeom prst="rect">
+            <a:avLst/>
+          </a:prstGeom>
+          <a:noFill/>
+          <a:extLst>
+            <a:ext uri="{909E8E84-426E-40DD-AFC4-6F175D3DCCD1}">
+              <a14:hiddenFill xmlns:a14="http://schemas.microsoft.com/office/drawing/2010/main">
+                <a:solidFill>
+                  <a:srgbClr val="FFFFFF"/>
+                </a:solidFill>
+              </a14:hiddenFill>
+            </a:ext>
+          </a:extLst>
+        </p:spPr>
+      </p:pic>
+      <p:pic>
+        <p:nvPicPr>
+          <p:cNvPr id="21" name="Picture 4" descr="mage result for emoji person"/>
+          <p:cNvPicPr>
+            <a:picLocks noChangeAspect="1" noChangeArrowheads="1"/>
+          </p:cNvPicPr>
+          <p:nvPr/>
+        </p:nvPicPr>
+        <p:blipFill>
+          <a:blip r:embed="rId4">
+            <a:extLst>
+              <a:ext uri="{28A0092B-C50C-407E-A947-70E740481C1C}">
+                <a14:useLocalDpi xmlns:a14="http://schemas.microsoft.com/office/drawing/2010/main" val="0"/>
+              </a:ext>
+            </a:extLst>
+          </a:blip>
+          <a:srcRect/>
+          <a:stretch>
+            <a:fillRect/>
+          </a:stretch>
+        </p:blipFill>
+        <p:spPr bwMode="auto">
+          <a:xfrm>
+            <a:off x="265327" y="5742519"/>
+            <a:ext cx="720436" cy="720436"/>
+          </a:xfrm>
+          <a:prstGeom prst="rect">
+            <a:avLst/>
+          </a:prstGeom>
+          <a:noFill/>
+          <a:extLst>
+            <a:ext uri="{909E8E84-426E-40DD-AFC4-6F175D3DCCD1}">
+              <a14:hiddenFill xmlns:a14="http://schemas.microsoft.com/office/drawing/2010/main">
+                <a:solidFill>
+                  <a:srgbClr val="FFFFFF"/>
+                </a:solidFill>
+              </a14:hiddenFill>
+            </a:ext>
+          </a:extLst>
+        </p:spPr>
+      </p:pic>
+      <p:sp>
+        <p:nvSpPr>
+          <p:cNvPr id="3" name="Snip and Round Single Corner Rectangle 2"/>
+          <p:cNvSpPr/>
+          <p:nvPr/>
+        </p:nvSpPr>
+        <p:spPr>
+          <a:xfrm>
+            <a:off x="4123765" y="2115671"/>
+            <a:ext cx="4428564" cy="1165411"/>
+          </a:xfrm>
+          <a:prstGeom prst="snipRoundRect">
+            <a:avLst/>
+          </a:prstGeom>
+          <a:noFill/>
+          <a:ln>
+            <a:solidFill>
+              <a:schemeClr val="tx1"/>
+            </a:solidFill>
+          </a:ln>
+        </p:spPr>
+        <p:style>
+          <a:lnRef idx="2">
+            <a:schemeClr val="accent1">
+              <a:shade val="50000"/>
+            </a:schemeClr>
+          </a:lnRef>
+          <a:fillRef idx="1">
+            <a:schemeClr val="accent1"/>
+          </a:fillRef>
+          <a:effectRef idx="0">
+            <a:schemeClr val="accent1"/>
+          </a:effectRef>
+          <a:fontRef idx="minor">
+            <a:schemeClr val="lt1"/>
+          </a:fontRef>
+        </p:style>
+        <p:txBody>
+          <a:bodyPr rtlCol="0" anchor="ctr"/>
+          <a:lstStyle/>
+          <a:p>
+            <a:pPr algn="ctr"/>
+            <a:endParaRPr lang="en-US"/>
+          </a:p>
+        </p:txBody>
+      </p:sp>
+      <p:sp>
+        <p:nvSpPr>
+          <p:cNvPr id="22" name="Snip and Round Single Corner Rectangle 21"/>
+          <p:cNvSpPr/>
+          <p:nvPr/>
+        </p:nvSpPr>
+        <p:spPr>
+          <a:xfrm>
+            <a:off x="4123765" y="3281082"/>
+            <a:ext cx="4428564" cy="2570424"/>
+          </a:xfrm>
+          <a:prstGeom prst="snipRoundRect">
+            <a:avLst/>
+          </a:prstGeom>
+          <a:noFill/>
+          <a:ln>
+            <a:solidFill>
+              <a:schemeClr val="tx1"/>
+            </a:solidFill>
+          </a:ln>
+        </p:spPr>
+        <p:style>
+          <a:lnRef idx="2">
+            <a:schemeClr val="accent1">
+              <a:shade val="50000"/>
+            </a:schemeClr>
+          </a:lnRef>
+          <a:fillRef idx="1">
+            <a:schemeClr val="accent1"/>
+          </a:fillRef>
+          <a:effectRef idx="0">
+            <a:schemeClr val="accent1"/>
+          </a:effectRef>
+          <a:fontRef idx="minor">
+            <a:schemeClr val="lt1"/>
+          </a:fontRef>
+        </p:style>
+        <p:txBody>
+          <a:bodyPr rtlCol="0" anchor="ctr"/>
+          <a:lstStyle/>
+          <a:p>
+            <a:pPr algn="ctr"/>
+            <a:endParaRPr lang="en-US"/>
+          </a:p>
+        </p:txBody>
+      </p:sp>
+      <p:sp>
+        <p:nvSpPr>
+          <p:cNvPr id="5" name="TextBox 4"/>
+          <p:cNvSpPr txBox="1"/>
+          <p:nvPr/>
+        </p:nvSpPr>
+        <p:spPr>
+          <a:xfrm>
+            <a:off x="4284406" y="1721224"/>
+            <a:ext cx="1996059" cy="369332"/>
+          </a:xfrm>
+          <a:prstGeom prst="rect">
+            <a:avLst/>
+          </a:prstGeom>
+          <a:noFill/>
+        </p:spPr>
+        <p:txBody>
+          <a:bodyPr wrap="none" rtlCol="0">
+            <a:spAutoFit/>
+          </a:bodyPr>
+          <a:lstStyle/>
+          <a:p>
+            <a:r>
+              <a:rPr lang="en-US" b="1" dirty="0" smtClean="0">
+                <a:latin typeface="SF Pro Display" charset="0"/>
+                <a:ea typeface="SF Pro Display" charset="0"/>
+                <a:cs typeface="SF Pro Display" charset="0"/>
+              </a:rPr>
+              <a:t>ERC-20 Contract</a:t>
+            </a:r>
+            <a:endParaRPr lang="en-US" b="1" dirty="0">
+              <a:latin typeface="SF Pro Display" charset="0"/>
+              <a:ea typeface="SF Pro Display" charset="0"/>
+              <a:cs typeface="SF Pro Display" charset="0"/>
+            </a:endParaRPr>
+          </a:p>
+        </p:txBody>
+      </p:sp>
+      <p:sp>
+        <p:nvSpPr>
+          <p:cNvPr id="23" name="TextBox 22"/>
+          <p:cNvSpPr txBox="1"/>
+          <p:nvPr/>
+        </p:nvSpPr>
+        <p:spPr>
+          <a:xfrm>
+            <a:off x="4228257" y="5893070"/>
+            <a:ext cx="1673856" cy="369332"/>
+          </a:xfrm>
+          <a:prstGeom prst="rect">
+            <a:avLst/>
+          </a:prstGeom>
+          <a:noFill/>
+        </p:spPr>
+        <p:txBody>
+          <a:bodyPr wrap="none" rtlCol="0">
+            <a:spAutoFit/>
+          </a:bodyPr>
+          <a:lstStyle/>
+          <a:p>
+            <a:r>
+              <a:rPr lang="en-US" b="1" dirty="0" smtClean="0">
+                <a:latin typeface="SF Pro Display" charset="0"/>
+                <a:ea typeface="SF Pro Display" charset="0"/>
+                <a:cs typeface="SF Pro Display" charset="0"/>
+              </a:rPr>
+              <a:t>Loan Contract</a:t>
+            </a:r>
+            <a:endParaRPr lang="en-US" b="1" dirty="0">
+              <a:latin typeface="SF Pro Display" charset="0"/>
+              <a:ea typeface="SF Pro Display" charset="0"/>
+              <a:cs typeface="SF Pro Display" charset="0"/>
+            </a:endParaRPr>
+          </a:p>
+        </p:txBody>
+      </p:sp>
+      <p:cxnSp>
+        <p:nvCxnSpPr>
+          <p:cNvPr id="7" name="Straight Arrow Connector 6"/>
+          <p:cNvCxnSpPr/>
+          <p:nvPr/>
+        </p:nvCxnSpPr>
+        <p:spPr>
+          <a:xfrm flipV="1">
+            <a:off x="1970198" y="2337944"/>
+            <a:ext cx="2314208" cy="783190"/>
+          </a:xfrm>
+          <a:prstGeom prst="straightConnector1">
+            <a:avLst/>
+          </a:prstGeom>
+          <a:ln w="28575">
+            <a:solidFill>
+              <a:schemeClr val="tx1"/>
+            </a:solidFill>
+            <a:tailEnd type="triangle"/>
+          </a:ln>
+        </p:spPr>
+        <p:style>
+          <a:lnRef idx="1">
+            <a:schemeClr val="accent1"/>
+          </a:lnRef>
+          <a:fillRef idx="0">
+            <a:schemeClr val="accent1"/>
+          </a:fillRef>
+          <a:effectRef idx="0">
+            <a:schemeClr val="accent1"/>
+          </a:effectRef>
+          <a:fontRef idx="minor">
+            <a:schemeClr val="tx1"/>
+          </a:fontRef>
+        </p:style>
+      </p:cxnSp>
+      <p:sp>
+        <p:nvSpPr>
+          <p:cNvPr id="26" name="TextBox 25"/>
+          <p:cNvSpPr txBox="1"/>
+          <p:nvPr/>
+        </p:nvSpPr>
+        <p:spPr>
+          <a:xfrm rot="20484665">
+            <a:off x="2181131" y="2398027"/>
+            <a:ext cx="1508746" cy="369332"/>
+          </a:xfrm>
+          <a:prstGeom prst="rect">
+            <a:avLst/>
+          </a:prstGeom>
+          <a:noFill/>
+        </p:spPr>
+        <p:txBody>
+          <a:bodyPr wrap="none" rtlCol="0">
+            <a:spAutoFit/>
+          </a:bodyPr>
+          <a:lstStyle/>
+          <a:p>
+            <a:r>
+              <a:rPr lang="en-US" b="1" smtClean="0">
+                <a:latin typeface="SF Pro Display" charset="0"/>
+                <a:ea typeface="SF Pro Display" charset="0"/>
+                <a:cs typeface="SF Pro Display" charset="0"/>
+              </a:rPr>
+              <a:t>Contribution</a:t>
+            </a:r>
+            <a:endParaRPr lang="en-US" b="1" dirty="0">
+              <a:latin typeface="SF Pro Display" charset="0"/>
+              <a:ea typeface="SF Pro Display" charset="0"/>
+              <a:cs typeface="SF Pro Display" charset="0"/>
+            </a:endParaRPr>
+          </a:p>
+        </p:txBody>
+      </p:sp>
+      <p:cxnSp>
+        <p:nvCxnSpPr>
+          <p:cNvPr id="28" name="Straight Arrow Connector 27"/>
+          <p:cNvCxnSpPr/>
+          <p:nvPr/>
+        </p:nvCxnSpPr>
+        <p:spPr>
+          <a:xfrm flipH="1">
+            <a:off x="2161527" y="3039765"/>
+            <a:ext cx="2301450" cy="842059"/>
+          </a:xfrm>
+          <a:prstGeom prst="straightConnector1">
+            <a:avLst/>
+          </a:prstGeom>
+          <a:ln w="28575">
+            <a:solidFill>
+              <a:schemeClr val="tx1"/>
+            </a:solidFill>
+            <a:tailEnd type="triangle"/>
+          </a:ln>
+        </p:spPr>
+        <p:style>
+          <a:lnRef idx="1">
+            <a:schemeClr val="accent1"/>
+          </a:lnRef>
+          <a:fillRef idx="0">
+            <a:schemeClr val="accent1"/>
+          </a:fillRef>
+          <a:effectRef idx="0">
+            <a:schemeClr val="accent1"/>
+          </a:effectRef>
+          <a:fontRef idx="minor">
+            <a:schemeClr val="tx1"/>
+          </a:fontRef>
+        </p:style>
+      </p:cxnSp>
+      <p:sp>
+        <p:nvSpPr>
+          <p:cNvPr id="32" name="TextBox 31"/>
+          <p:cNvSpPr txBox="1"/>
+          <p:nvPr/>
+        </p:nvSpPr>
+        <p:spPr>
+          <a:xfrm rot="20484665">
+            <a:off x="2195183" y="3581797"/>
+            <a:ext cx="2467342" cy="646331"/>
+          </a:xfrm>
+          <a:prstGeom prst="rect">
+            <a:avLst/>
+          </a:prstGeom>
+          <a:noFill/>
+        </p:spPr>
+        <p:txBody>
+          <a:bodyPr wrap="none" rtlCol="0">
+            <a:spAutoFit/>
+          </a:bodyPr>
+          <a:lstStyle/>
+          <a:p>
+            <a:pPr algn="ctr"/>
+            <a:r>
+              <a:rPr lang="en-US" b="1" smtClean="0">
+                <a:latin typeface="SF Pro Display" charset="0"/>
+                <a:ea typeface="SF Pro Display" charset="0"/>
+                <a:cs typeface="SF Pro Display" charset="0"/>
+              </a:rPr>
+              <a:t>Fractional Ownership </a:t>
+            </a:r>
+            <a:br>
+              <a:rPr lang="en-US" b="1" smtClean="0">
+                <a:latin typeface="SF Pro Display" charset="0"/>
+                <a:ea typeface="SF Pro Display" charset="0"/>
+                <a:cs typeface="SF Pro Display" charset="0"/>
+              </a:rPr>
+            </a:br>
+            <a:r>
+              <a:rPr lang="en-US" b="1" smtClean="0">
+                <a:latin typeface="SF Pro Display" charset="0"/>
+                <a:ea typeface="SF Pro Display" charset="0"/>
+                <a:cs typeface="SF Pro Display" charset="0"/>
+              </a:rPr>
+              <a:t>Debt Token</a:t>
+            </a:r>
+            <a:endParaRPr lang="en-US" b="1" dirty="0">
+              <a:latin typeface="SF Pro Display" charset="0"/>
+              <a:ea typeface="SF Pro Display" charset="0"/>
+              <a:cs typeface="SF Pro Display" charset="0"/>
+            </a:endParaRPr>
+          </a:p>
+        </p:txBody>
+      </p:sp>
+      <p:pic>
+        <p:nvPicPr>
+          <p:cNvPr id="14342" name="Picture 6" descr="oman on Apple iOS 12.2"/>
+          <p:cNvPicPr>
+            <a:picLocks noChangeAspect="1" noChangeArrowheads="1"/>
+          </p:cNvPicPr>
+          <p:nvPr/>
+        </p:nvPicPr>
+        <p:blipFill>
+          <a:blip r:embed="rId5">
+            <a:extLst>
+              <a:ext uri="{28A0092B-C50C-407E-A947-70E740481C1C}">
+                <a14:useLocalDpi xmlns:a14="http://schemas.microsoft.com/office/drawing/2010/main" val="0"/>
+              </a:ext>
+            </a:extLst>
+          </a:blip>
+          <a:srcRect/>
+          <a:stretch>
+            <a:fillRect/>
+          </a:stretch>
+        </p:blipFill>
+        <p:spPr bwMode="auto">
+          <a:xfrm>
+            <a:off x="10289715" y="3310324"/>
+            <a:ext cx="1143000" cy="1143000"/>
+          </a:xfrm>
+          <a:prstGeom prst="rect">
+            <a:avLst/>
+          </a:prstGeom>
+          <a:noFill/>
+          <a:extLst>
+            <a:ext uri="{909E8E84-426E-40DD-AFC4-6F175D3DCCD1}">
+              <a14:hiddenFill xmlns:a14="http://schemas.microsoft.com/office/drawing/2010/main">
+                <a:solidFill>
+                  <a:srgbClr val="FFFFFF"/>
+                </a:solidFill>
+              </a14:hiddenFill>
+            </a:ext>
+          </a:extLst>
+        </p:spPr>
+      </p:pic>
+      <p:sp>
+        <p:nvSpPr>
+          <p:cNvPr id="31" name="TextBox 30"/>
+          <p:cNvSpPr txBox="1"/>
+          <p:nvPr/>
+        </p:nvSpPr>
+        <p:spPr>
+          <a:xfrm>
+            <a:off x="894434" y="4315282"/>
+            <a:ext cx="920445" cy="369332"/>
+          </a:xfrm>
+          <a:prstGeom prst="rect">
+            <a:avLst/>
+          </a:prstGeom>
+          <a:noFill/>
+        </p:spPr>
+        <p:txBody>
+          <a:bodyPr wrap="none" rtlCol="0">
+            <a:spAutoFit/>
+          </a:bodyPr>
+          <a:lstStyle/>
+          <a:p>
+            <a:r>
+              <a:rPr lang="en-US" b="1" dirty="0" smtClean="0">
+                <a:latin typeface="SF Pro Display" charset="0"/>
+                <a:ea typeface="SF Pro Display" charset="0"/>
+                <a:cs typeface="SF Pro Display" charset="0"/>
+              </a:rPr>
+              <a:t>Lender</a:t>
+            </a:r>
+            <a:endParaRPr lang="en-US" b="1" dirty="0">
+              <a:latin typeface="SF Pro Display" charset="0"/>
+              <a:ea typeface="SF Pro Display" charset="0"/>
+              <a:cs typeface="SF Pro Display" charset="0"/>
+            </a:endParaRPr>
+          </a:p>
+        </p:txBody>
+      </p:sp>
+      <p:sp>
+        <p:nvSpPr>
+          <p:cNvPr id="36" name="TextBox 35"/>
+          <p:cNvSpPr txBox="1"/>
+          <p:nvPr/>
+        </p:nvSpPr>
+        <p:spPr>
+          <a:xfrm>
+            <a:off x="10257556" y="4584250"/>
+            <a:ext cx="1156086" cy="369332"/>
+          </a:xfrm>
+          <a:prstGeom prst="rect">
+            <a:avLst/>
+          </a:prstGeom>
+          <a:noFill/>
+        </p:spPr>
+        <p:txBody>
+          <a:bodyPr wrap="none" rtlCol="0">
+            <a:spAutoFit/>
+          </a:bodyPr>
+          <a:lstStyle/>
+          <a:p>
+            <a:r>
+              <a:rPr lang="en-US" b="1" dirty="0" smtClean="0">
+                <a:latin typeface="SF Pro Display" charset="0"/>
+                <a:ea typeface="SF Pro Display" charset="0"/>
+                <a:cs typeface="SF Pro Display" charset="0"/>
+              </a:rPr>
+              <a:t>Borrower</a:t>
+            </a:r>
+            <a:endParaRPr lang="en-US" b="1" dirty="0">
+              <a:latin typeface="SF Pro Display" charset="0"/>
+              <a:ea typeface="SF Pro Display" charset="0"/>
+              <a:cs typeface="SF Pro Display" charset="0"/>
+            </a:endParaRPr>
+          </a:p>
+        </p:txBody>
+      </p:sp>
+      <p:cxnSp>
+        <p:nvCxnSpPr>
+          <p:cNvPr id="34" name="Curved Connector 33"/>
+          <p:cNvCxnSpPr/>
+          <p:nvPr/>
+        </p:nvCxnSpPr>
+        <p:spPr>
+          <a:xfrm rot="16200000" flipH="1">
+            <a:off x="7206784" y="2800616"/>
+            <a:ext cx="1400897" cy="395169"/>
+          </a:xfrm>
+          <a:prstGeom prst="curvedConnector4">
+            <a:avLst>
+              <a:gd name="adj1" fmla="val -69945"/>
+              <a:gd name="adj2" fmla="val 384707"/>
+            </a:avLst>
+          </a:prstGeom>
+          <a:ln w="38100">
+            <a:solidFill>
+              <a:schemeClr val="tx1"/>
+            </a:solidFill>
+            <a:tailEnd type="triangle"/>
+          </a:ln>
+        </p:spPr>
+        <p:style>
+          <a:lnRef idx="1">
+            <a:schemeClr val="accent1"/>
+          </a:lnRef>
+          <a:fillRef idx="0">
+            <a:schemeClr val="accent1"/>
+          </a:fillRef>
+          <a:effectRef idx="0">
+            <a:schemeClr val="accent1"/>
+          </a:effectRef>
+          <a:fontRef idx="minor">
+            <a:schemeClr val="tx1"/>
+          </a:fontRef>
+        </p:style>
+      </p:cxnSp>
+      <p:sp>
+        <p:nvSpPr>
+          <p:cNvPr id="48" name="TextBox 47"/>
+          <p:cNvSpPr txBox="1"/>
+          <p:nvPr/>
+        </p:nvSpPr>
+        <p:spPr>
+          <a:xfrm>
+            <a:off x="8888118" y="997527"/>
+            <a:ext cx="1582659" cy="646331"/>
+          </a:xfrm>
+          <a:prstGeom prst="rect">
+            <a:avLst/>
+          </a:prstGeom>
+          <a:noFill/>
+        </p:spPr>
+        <p:txBody>
+          <a:bodyPr wrap="square" rtlCol="0">
+            <a:spAutoFit/>
+          </a:bodyPr>
+          <a:lstStyle/>
+          <a:p>
+            <a:r>
+              <a:rPr lang="en-US" b="1" dirty="0" smtClean="0">
+                <a:latin typeface="SF Pro Display" charset="0"/>
+                <a:ea typeface="SF Pro Display" charset="0"/>
+                <a:cs typeface="SF Pro Display" charset="0"/>
+              </a:rPr>
+              <a:t>Creates Debt Contract </a:t>
+            </a:r>
+            <a:endParaRPr lang="en-US" b="1" dirty="0">
+              <a:latin typeface="SF Pro Display" charset="0"/>
+              <a:ea typeface="SF Pro Display" charset="0"/>
+              <a:cs typeface="SF Pro Display" charset="0"/>
+            </a:endParaRPr>
+          </a:p>
+        </p:txBody>
+      </p:sp>
+      <p:cxnSp>
+        <p:nvCxnSpPr>
+          <p:cNvPr id="50" name="Curved Connector 49"/>
+          <p:cNvCxnSpPr/>
+          <p:nvPr/>
+        </p:nvCxnSpPr>
+        <p:spPr>
+          <a:xfrm rot="10800000">
+            <a:off x="5678757" y="3093081"/>
+            <a:ext cx="2260817" cy="605573"/>
+          </a:xfrm>
+          <a:prstGeom prst="curvedConnector3">
+            <a:avLst>
+              <a:gd name="adj1" fmla="val 99169"/>
+            </a:avLst>
+          </a:prstGeom>
+          <a:ln w="28575">
+            <a:solidFill>
+              <a:schemeClr val="tx1"/>
+            </a:solidFill>
+            <a:tailEnd type="triangle"/>
+          </a:ln>
+        </p:spPr>
+        <p:style>
+          <a:lnRef idx="1">
+            <a:schemeClr val="accent1"/>
+          </a:lnRef>
+          <a:fillRef idx="0">
+            <a:schemeClr val="accent1"/>
+          </a:fillRef>
+          <a:effectRef idx="0">
+            <a:schemeClr val="accent1"/>
+          </a:effectRef>
+          <a:fontRef idx="minor">
+            <a:schemeClr val="tx1"/>
+          </a:fontRef>
+        </p:style>
+      </p:cxnSp>
+      <p:sp>
+        <p:nvSpPr>
+          <p:cNvPr id="61" name="TextBox 60"/>
+          <p:cNvSpPr txBox="1"/>
+          <p:nvPr/>
+        </p:nvSpPr>
+        <p:spPr>
+          <a:xfrm>
+            <a:off x="5038423" y="3798359"/>
+            <a:ext cx="2333983" cy="369332"/>
+          </a:xfrm>
+          <a:prstGeom prst="rect">
+            <a:avLst/>
+          </a:prstGeom>
+          <a:noFill/>
+        </p:spPr>
+        <p:txBody>
+          <a:bodyPr wrap="square" rtlCol="0">
+            <a:spAutoFit/>
+          </a:bodyPr>
+          <a:lstStyle/>
+          <a:p>
+            <a:r>
+              <a:rPr lang="en-US" b="1" smtClean="0">
+                <a:latin typeface="SF Pro Display" charset="0"/>
+                <a:ea typeface="SF Pro Display" charset="0"/>
+                <a:cs typeface="SF Pro Display" charset="0"/>
+              </a:rPr>
+              <a:t>Returns Debt Token</a:t>
+            </a:r>
+            <a:endParaRPr lang="en-US" b="1" dirty="0">
+              <a:latin typeface="SF Pro Display" charset="0"/>
+              <a:ea typeface="SF Pro Display" charset="0"/>
+              <a:cs typeface="SF Pro Display" charset="0"/>
+            </a:endParaRPr>
+          </a:p>
+        </p:txBody>
+      </p:sp>
+      <p:cxnSp>
+        <p:nvCxnSpPr>
+          <p:cNvPr id="72" name="Straight Arrow Connector 71"/>
+          <p:cNvCxnSpPr/>
+          <p:nvPr/>
+        </p:nvCxnSpPr>
+        <p:spPr>
+          <a:xfrm>
+            <a:off x="7939574" y="3983025"/>
+            <a:ext cx="1994019" cy="260541"/>
+          </a:xfrm>
+          <a:prstGeom prst="straightConnector1">
+            <a:avLst/>
+          </a:prstGeom>
+          <a:ln w="28575">
+            <a:solidFill>
+              <a:schemeClr val="tx1"/>
+            </a:solidFill>
+            <a:tailEnd type="triangle"/>
+          </a:ln>
+        </p:spPr>
+        <p:style>
+          <a:lnRef idx="1">
+            <a:schemeClr val="accent1"/>
+          </a:lnRef>
+          <a:fillRef idx="0">
+            <a:schemeClr val="accent1"/>
+          </a:fillRef>
+          <a:effectRef idx="0">
+            <a:schemeClr val="accent1"/>
+          </a:effectRef>
+          <a:fontRef idx="minor">
+            <a:schemeClr val="tx1"/>
+          </a:fontRef>
+        </p:style>
+      </p:cxnSp>
+      <p:sp>
+        <p:nvSpPr>
+          <p:cNvPr id="73" name="TextBox 72"/>
+          <p:cNvSpPr txBox="1"/>
+          <p:nvPr/>
+        </p:nvSpPr>
+        <p:spPr>
+          <a:xfrm>
+            <a:off x="8289546" y="4243275"/>
+            <a:ext cx="1906831" cy="923330"/>
+          </a:xfrm>
+          <a:prstGeom prst="rect">
+            <a:avLst/>
+          </a:prstGeom>
+          <a:noFill/>
+        </p:spPr>
+        <p:txBody>
+          <a:bodyPr wrap="square" rtlCol="0">
+            <a:spAutoFit/>
+          </a:bodyPr>
+          <a:lstStyle/>
+          <a:p>
+            <a:r>
+              <a:rPr lang="en-US" b="1" smtClean="0">
+                <a:latin typeface="SF Pro Display" charset="0"/>
+                <a:ea typeface="SF Pro Display" charset="0"/>
+                <a:cs typeface="SF Pro Display" charset="0"/>
+              </a:rPr>
+              <a:t>Disburses money to borrower</a:t>
+            </a:r>
+            <a:endParaRPr lang="en-US" b="1" dirty="0">
+              <a:latin typeface="SF Pro Display" charset="0"/>
+              <a:ea typeface="SF Pro Display" charset="0"/>
+              <a:cs typeface="SF Pro Display" charset="0"/>
+            </a:endParaRPr>
+          </a:p>
+        </p:txBody>
+      </p:sp>
+      <p:sp>
+        <p:nvSpPr>
+          <p:cNvPr id="76" name="Title 1"/>
+          <p:cNvSpPr>
+            <a:spLocks noGrp="1"/>
+          </p:cNvSpPr>
+          <p:nvPr>
+            <p:ph type="ctrTitle"/>
+          </p:nvPr>
+        </p:nvSpPr>
+        <p:spPr>
+          <a:xfrm>
+            <a:off x="353821" y="332820"/>
+            <a:ext cx="3268613" cy="664707"/>
+          </a:xfrm>
+        </p:spPr>
+        <p:txBody>
+          <a:bodyPr>
+            <a:normAutofit/>
+          </a:bodyPr>
+          <a:lstStyle/>
+          <a:p>
+            <a:pPr algn="l"/>
+            <a:r>
+              <a:rPr lang="en-US" sz="4000" dirty="0" smtClean="0"/>
+              <a:t>Funding flow</a:t>
+            </a:r>
+            <a:endParaRPr lang="en-US" sz="4000" dirty="0"/>
+          </a:p>
+        </p:txBody>
+      </p:sp>
+    </p:spTree>
+    <p:extLst>
+      <p:ext uri="{BB962C8B-B14F-4D97-AF65-F5344CB8AC3E}">
+        <p14:creationId xmlns:p14="http://schemas.microsoft.com/office/powerpoint/2010/main" val="29694500"/>
       </p:ext>
     </p:extLst>
   </p:cSld>
@@ -6021,7 +7534,1410 @@
           <a:p>
             <a:r>
               <a:rPr lang="en-US" dirty="0" smtClean="0"/>
-              <a:t>Problem</a:t>
+              <a:t>Hi!</a:t>
+            </a:r>
+            <a:endParaRPr lang="en-US" dirty="0"/>
+          </a:p>
+        </p:txBody>
+      </p:sp>
+    </p:spTree>
+    <p:extLst>
+      <p:ext uri="{BB962C8B-B14F-4D97-AF65-F5344CB8AC3E}">
+        <p14:creationId xmlns:p14="http://schemas.microsoft.com/office/powerpoint/2010/main" val="130058242"/>
+      </p:ext>
+    </p:extLst>
+  </p:cSld>
+  <p:clrMapOvr>
+    <a:masterClrMapping/>
+  </p:clrMapOvr>
+</p:sld>
+</file>
+
+<file path=ppt/slides/slide20.xml><?xml version="1.0" encoding="utf-8"?>
+<p:sld xmlns:a="http://schemas.openxmlformats.org/drawingml/2006/main" xmlns:r="http://schemas.openxmlformats.org/officeDocument/2006/relationships" xmlns:p="http://schemas.openxmlformats.org/presentationml/2006/main">
+  <p:cSld>
+    <p:spTree>
+      <p:nvGrpSpPr>
+        <p:cNvPr id="1" name=""/>
+        <p:cNvGrpSpPr/>
+        <p:nvPr/>
+      </p:nvGrpSpPr>
+      <p:grpSpPr>
+        <a:xfrm>
+          <a:off x="0" y="0"/>
+          <a:ext cx="0" cy="0"/>
+          <a:chOff x="0" y="0"/>
+          <a:chExt cx="0" cy="0"/>
+        </a:xfrm>
+      </p:grpSpPr>
+      <p:sp>
+        <p:nvSpPr>
+          <p:cNvPr id="14" name="AutoShape 2" descr="Box Logo"/>
+          <p:cNvSpPr>
+            <a:spLocks noChangeAspect="1" noChangeArrowheads="1"/>
+          </p:cNvSpPr>
+          <p:nvPr/>
+        </p:nvSpPr>
+        <p:spPr bwMode="auto">
+          <a:xfrm>
+            <a:off x="-129528" y="4675716"/>
+            <a:ext cx="304800" cy="304800"/>
+          </a:xfrm>
+          <a:prstGeom prst="rect">
+            <a:avLst/>
+          </a:prstGeom>
+          <a:noFill/>
+          <a:extLst>
+            <a:ext uri="{909E8E84-426E-40DD-AFC4-6F175D3DCCD1}">
+              <a14:hiddenFill xmlns:a14="http://schemas.microsoft.com/office/drawing/2010/main">
+                <a:solidFill>
+                  <a:srgbClr val="FFFFFF"/>
+                </a:solidFill>
+              </a14:hiddenFill>
+            </a:ext>
+          </a:extLst>
+        </p:spPr>
+        <p:txBody>
+          <a:bodyPr vert="horz" wrap="square" lIns="91440" tIns="45720" rIns="91440" bIns="45720" numCol="1" anchor="t" anchorCtr="0" compatLnSpc="1">
+            <a:prstTxWarp prst="textNoShape">
+              <a:avLst/>
+            </a:prstTxWarp>
+          </a:bodyPr>
+          <a:lstStyle/>
+          <a:p>
+            <a:endParaRPr lang="en-US"/>
+          </a:p>
+        </p:txBody>
+      </p:sp>
+      <p:pic>
+        <p:nvPicPr>
+          <p:cNvPr id="12" name="Picture 11"/>
+          <p:cNvPicPr>
+            <a:picLocks noChangeAspect="1"/>
+          </p:cNvPicPr>
+          <p:nvPr/>
+        </p:nvPicPr>
+        <p:blipFill rotWithShape="1">
+          <a:blip r:embed="rId2"/>
+          <a:srcRect l="-507" t="21462" r="507" b="56722"/>
+          <a:stretch/>
+        </p:blipFill>
+        <p:spPr>
+          <a:xfrm>
+            <a:off x="4302336" y="2397459"/>
+            <a:ext cx="4071422" cy="3172259"/>
+          </a:xfrm>
+          <a:prstGeom prst="rect">
+            <a:avLst/>
+          </a:prstGeom>
+        </p:spPr>
+      </p:pic>
+      <p:pic>
+        <p:nvPicPr>
+          <p:cNvPr id="14338" name="Picture 2" descr="mage result for emoji person"/>
+          <p:cNvPicPr>
+            <a:picLocks noChangeAspect="1" noChangeArrowheads="1"/>
+          </p:cNvPicPr>
+          <p:nvPr/>
+        </p:nvPicPr>
+        <p:blipFill>
+          <a:blip r:embed="rId3">
+            <a:extLst>
+              <a:ext uri="{28A0092B-C50C-407E-A947-70E740481C1C}">
+                <a14:useLocalDpi xmlns:a14="http://schemas.microsoft.com/office/drawing/2010/main" val="0"/>
+              </a:ext>
+            </a:extLst>
+          </a:blip>
+          <a:srcRect/>
+          <a:stretch>
+            <a:fillRect/>
+          </a:stretch>
+        </p:blipFill>
+        <p:spPr bwMode="auto">
+          <a:xfrm>
+            <a:off x="265327" y="4980516"/>
+            <a:ext cx="692727" cy="692727"/>
+          </a:xfrm>
+          <a:prstGeom prst="rect">
+            <a:avLst/>
+          </a:prstGeom>
+          <a:noFill/>
+          <a:extLst>
+            <a:ext uri="{909E8E84-426E-40DD-AFC4-6F175D3DCCD1}">
+              <a14:hiddenFill xmlns:a14="http://schemas.microsoft.com/office/drawing/2010/main">
+                <a:solidFill>
+                  <a:srgbClr val="FFFFFF"/>
+                </a:solidFill>
+              </a14:hiddenFill>
+            </a:ext>
+          </a:extLst>
+        </p:spPr>
+      </p:pic>
+      <p:pic>
+        <p:nvPicPr>
+          <p:cNvPr id="14340" name="Picture 4" descr="mage result for emoji person"/>
+          <p:cNvPicPr>
+            <a:picLocks noChangeAspect="1" noChangeArrowheads="1"/>
+          </p:cNvPicPr>
+          <p:nvPr/>
+        </p:nvPicPr>
+        <p:blipFill>
+          <a:blip r:embed="rId4">
+            <a:extLst>
+              <a:ext uri="{28A0092B-C50C-407E-A947-70E740481C1C}">
+                <a14:useLocalDpi xmlns:a14="http://schemas.microsoft.com/office/drawing/2010/main" val="0"/>
+              </a:ext>
+            </a:extLst>
+          </a:blip>
+          <a:srcRect/>
+          <a:stretch>
+            <a:fillRect/>
+          </a:stretch>
+        </p:blipFill>
+        <p:spPr bwMode="auto">
+          <a:xfrm>
+            <a:off x="464128" y="2719566"/>
+            <a:ext cx="1524000" cy="1524000"/>
+          </a:xfrm>
+          <a:prstGeom prst="rect">
+            <a:avLst/>
+          </a:prstGeom>
+          <a:noFill/>
+          <a:extLst>
+            <a:ext uri="{909E8E84-426E-40DD-AFC4-6F175D3DCCD1}">
+              <a14:hiddenFill xmlns:a14="http://schemas.microsoft.com/office/drawing/2010/main">
+                <a:solidFill>
+                  <a:srgbClr val="FFFFFF"/>
+                </a:solidFill>
+              </a14:hiddenFill>
+            </a:ext>
+          </a:extLst>
+        </p:spPr>
+      </p:pic>
+      <p:pic>
+        <p:nvPicPr>
+          <p:cNvPr id="16" name="Picture 4" descr="mage result for emoji person"/>
+          <p:cNvPicPr>
+            <a:picLocks noChangeAspect="1" noChangeArrowheads="1"/>
+          </p:cNvPicPr>
+          <p:nvPr/>
+        </p:nvPicPr>
+        <p:blipFill>
+          <a:blip r:embed="rId4">
+            <a:extLst>
+              <a:ext uri="{28A0092B-C50C-407E-A947-70E740481C1C}">
+                <a14:useLocalDpi xmlns:a14="http://schemas.microsoft.com/office/drawing/2010/main" val="0"/>
+              </a:ext>
+            </a:extLst>
+          </a:blip>
+          <a:srcRect/>
+          <a:stretch>
+            <a:fillRect/>
+          </a:stretch>
+        </p:blipFill>
+        <p:spPr bwMode="auto">
+          <a:xfrm>
+            <a:off x="1048109" y="4952808"/>
+            <a:ext cx="720436" cy="720436"/>
+          </a:xfrm>
+          <a:prstGeom prst="rect">
+            <a:avLst/>
+          </a:prstGeom>
+          <a:noFill/>
+          <a:extLst>
+            <a:ext uri="{909E8E84-426E-40DD-AFC4-6F175D3DCCD1}">
+              <a14:hiddenFill xmlns:a14="http://schemas.microsoft.com/office/drawing/2010/main">
+                <a:solidFill>
+                  <a:srgbClr val="FFFFFF"/>
+                </a:solidFill>
+              </a14:hiddenFill>
+            </a:ext>
+          </a:extLst>
+        </p:spPr>
+      </p:pic>
+      <p:pic>
+        <p:nvPicPr>
+          <p:cNvPr id="17" name="Picture 2" descr="mage result for emoji person"/>
+          <p:cNvPicPr>
+            <a:picLocks noChangeAspect="1" noChangeArrowheads="1"/>
+          </p:cNvPicPr>
+          <p:nvPr/>
+        </p:nvPicPr>
+        <p:blipFill>
+          <a:blip r:embed="rId3">
+            <a:extLst>
+              <a:ext uri="{28A0092B-C50C-407E-A947-70E740481C1C}">
+                <a14:useLocalDpi xmlns:a14="http://schemas.microsoft.com/office/drawing/2010/main" val="0"/>
+              </a:ext>
+            </a:extLst>
+          </a:blip>
+          <a:srcRect/>
+          <a:stretch>
+            <a:fillRect/>
+          </a:stretch>
+        </p:blipFill>
+        <p:spPr bwMode="auto">
+          <a:xfrm>
+            <a:off x="1858600" y="5008224"/>
+            <a:ext cx="692727" cy="692727"/>
+          </a:xfrm>
+          <a:prstGeom prst="rect">
+            <a:avLst/>
+          </a:prstGeom>
+          <a:noFill/>
+          <a:extLst>
+            <a:ext uri="{909E8E84-426E-40DD-AFC4-6F175D3DCCD1}">
+              <a14:hiddenFill xmlns:a14="http://schemas.microsoft.com/office/drawing/2010/main">
+                <a:solidFill>
+                  <a:srgbClr val="FFFFFF"/>
+                </a:solidFill>
+              </a14:hiddenFill>
+            </a:ext>
+          </a:extLst>
+        </p:spPr>
+      </p:pic>
+      <p:pic>
+        <p:nvPicPr>
+          <p:cNvPr id="18" name="Picture 4" descr="mage result for emoji person"/>
+          <p:cNvPicPr>
+            <a:picLocks noChangeAspect="1" noChangeArrowheads="1"/>
+          </p:cNvPicPr>
+          <p:nvPr/>
+        </p:nvPicPr>
+        <p:blipFill>
+          <a:blip r:embed="rId4">
+            <a:extLst>
+              <a:ext uri="{28A0092B-C50C-407E-A947-70E740481C1C}">
+                <a14:useLocalDpi xmlns:a14="http://schemas.microsoft.com/office/drawing/2010/main" val="0"/>
+              </a:ext>
+            </a:extLst>
+          </a:blip>
+          <a:srcRect/>
+          <a:stretch>
+            <a:fillRect/>
+          </a:stretch>
+        </p:blipFill>
+        <p:spPr bwMode="auto">
+          <a:xfrm>
+            <a:off x="2641382" y="4980516"/>
+            <a:ext cx="720436" cy="720436"/>
+          </a:xfrm>
+          <a:prstGeom prst="rect">
+            <a:avLst/>
+          </a:prstGeom>
+          <a:noFill/>
+          <a:extLst>
+            <a:ext uri="{909E8E84-426E-40DD-AFC4-6F175D3DCCD1}">
+              <a14:hiddenFill xmlns:a14="http://schemas.microsoft.com/office/drawing/2010/main">
+                <a:solidFill>
+                  <a:srgbClr val="FFFFFF"/>
+                </a:solidFill>
+              </a14:hiddenFill>
+            </a:ext>
+          </a:extLst>
+        </p:spPr>
+      </p:pic>
+      <p:pic>
+        <p:nvPicPr>
+          <p:cNvPr id="19" name="Picture 2" descr="mage result for emoji person"/>
+          <p:cNvPicPr>
+            <a:picLocks noChangeAspect="1" noChangeArrowheads="1"/>
+          </p:cNvPicPr>
+          <p:nvPr/>
+        </p:nvPicPr>
+        <p:blipFill>
+          <a:blip r:embed="rId3">
+            <a:extLst>
+              <a:ext uri="{28A0092B-C50C-407E-A947-70E740481C1C}">
+                <a14:useLocalDpi xmlns:a14="http://schemas.microsoft.com/office/drawing/2010/main" val="0"/>
+              </a:ext>
+            </a:extLst>
+          </a:blip>
+          <a:srcRect/>
+          <a:stretch>
+            <a:fillRect/>
+          </a:stretch>
+        </p:blipFill>
+        <p:spPr bwMode="auto">
+          <a:xfrm>
+            <a:off x="1048109" y="5770228"/>
+            <a:ext cx="692727" cy="692727"/>
+          </a:xfrm>
+          <a:prstGeom prst="rect">
+            <a:avLst/>
+          </a:prstGeom>
+          <a:noFill/>
+          <a:extLst>
+            <a:ext uri="{909E8E84-426E-40DD-AFC4-6F175D3DCCD1}">
+              <a14:hiddenFill xmlns:a14="http://schemas.microsoft.com/office/drawing/2010/main">
+                <a:solidFill>
+                  <a:srgbClr val="FFFFFF"/>
+                </a:solidFill>
+              </a14:hiddenFill>
+            </a:ext>
+          </a:extLst>
+        </p:spPr>
+      </p:pic>
+      <p:pic>
+        <p:nvPicPr>
+          <p:cNvPr id="21" name="Picture 4" descr="mage result for emoji person"/>
+          <p:cNvPicPr>
+            <a:picLocks noChangeAspect="1" noChangeArrowheads="1"/>
+          </p:cNvPicPr>
+          <p:nvPr/>
+        </p:nvPicPr>
+        <p:blipFill>
+          <a:blip r:embed="rId4">
+            <a:extLst>
+              <a:ext uri="{28A0092B-C50C-407E-A947-70E740481C1C}">
+                <a14:useLocalDpi xmlns:a14="http://schemas.microsoft.com/office/drawing/2010/main" val="0"/>
+              </a:ext>
+            </a:extLst>
+          </a:blip>
+          <a:srcRect/>
+          <a:stretch>
+            <a:fillRect/>
+          </a:stretch>
+        </p:blipFill>
+        <p:spPr bwMode="auto">
+          <a:xfrm>
+            <a:off x="265327" y="5742519"/>
+            <a:ext cx="720436" cy="720436"/>
+          </a:xfrm>
+          <a:prstGeom prst="rect">
+            <a:avLst/>
+          </a:prstGeom>
+          <a:noFill/>
+          <a:extLst>
+            <a:ext uri="{909E8E84-426E-40DD-AFC4-6F175D3DCCD1}">
+              <a14:hiddenFill xmlns:a14="http://schemas.microsoft.com/office/drawing/2010/main">
+                <a:solidFill>
+                  <a:srgbClr val="FFFFFF"/>
+                </a:solidFill>
+              </a14:hiddenFill>
+            </a:ext>
+          </a:extLst>
+        </p:spPr>
+      </p:pic>
+      <p:sp>
+        <p:nvSpPr>
+          <p:cNvPr id="3" name="Snip and Round Single Corner Rectangle 2"/>
+          <p:cNvSpPr/>
+          <p:nvPr/>
+        </p:nvSpPr>
+        <p:spPr>
+          <a:xfrm>
+            <a:off x="4123765" y="2115671"/>
+            <a:ext cx="4428564" cy="1165411"/>
+          </a:xfrm>
+          <a:prstGeom prst="snipRoundRect">
+            <a:avLst/>
+          </a:prstGeom>
+          <a:noFill/>
+          <a:ln>
+            <a:solidFill>
+              <a:schemeClr val="tx1"/>
+            </a:solidFill>
+          </a:ln>
+        </p:spPr>
+        <p:style>
+          <a:lnRef idx="2">
+            <a:schemeClr val="accent1">
+              <a:shade val="50000"/>
+            </a:schemeClr>
+          </a:lnRef>
+          <a:fillRef idx="1">
+            <a:schemeClr val="accent1"/>
+          </a:fillRef>
+          <a:effectRef idx="0">
+            <a:schemeClr val="accent1"/>
+          </a:effectRef>
+          <a:fontRef idx="minor">
+            <a:schemeClr val="lt1"/>
+          </a:fontRef>
+        </p:style>
+        <p:txBody>
+          <a:bodyPr rtlCol="0" anchor="ctr"/>
+          <a:lstStyle/>
+          <a:p>
+            <a:pPr algn="ctr"/>
+            <a:endParaRPr lang="en-US"/>
+          </a:p>
+        </p:txBody>
+      </p:sp>
+      <p:sp>
+        <p:nvSpPr>
+          <p:cNvPr id="22" name="Snip and Round Single Corner Rectangle 21"/>
+          <p:cNvSpPr/>
+          <p:nvPr/>
+        </p:nvSpPr>
+        <p:spPr>
+          <a:xfrm>
+            <a:off x="4123765" y="3281082"/>
+            <a:ext cx="4428564" cy="2570424"/>
+          </a:xfrm>
+          <a:prstGeom prst="snipRoundRect">
+            <a:avLst/>
+          </a:prstGeom>
+          <a:noFill/>
+          <a:ln>
+            <a:solidFill>
+              <a:schemeClr val="tx1"/>
+            </a:solidFill>
+          </a:ln>
+        </p:spPr>
+        <p:style>
+          <a:lnRef idx="2">
+            <a:schemeClr val="accent1">
+              <a:shade val="50000"/>
+            </a:schemeClr>
+          </a:lnRef>
+          <a:fillRef idx="1">
+            <a:schemeClr val="accent1"/>
+          </a:fillRef>
+          <a:effectRef idx="0">
+            <a:schemeClr val="accent1"/>
+          </a:effectRef>
+          <a:fontRef idx="minor">
+            <a:schemeClr val="lt1"/>
+          </a:fontRef>
+        </p:style>
+        <p:txBody>
+          <a:bodyPr rtlCol="0" anchor="ctr"/>
+          <a:lstStyle/>
+          <a:p>
+            <a:pPr algn="ctr"/>
+            <a:endParaRPr lang="en-US"/>
+          </a:p>
+        </p:txBody>
+      </p:sp>
+      <p:sp>
+        <p:nvSpPr>
+          <p:cNvPr id="5" name="TextBox 4"/>
+          <p:cNvSpPr txBox="1"/>
+          <p:nvPr/>
+        </p:nvSpPr>
+        <p:spPr>
+          <a:xfrm>
+            <a:off x="4284406" y="1721224"/>
+            <a:ext cx="1996059" cy="369332"/>
+          </a:xfrm>
+          <a:prstGeom prst="rect">
+            <a:avLst/>
+          </a:prstGeom>
+          <a:noFill/>
+        </p:spPr>
+        <p:txBody>
+          <a:bodyPr wrap="none" rtlCol="0">
+            <a:spAutoFit/>
+          </a:bodyPr>
+          <a:lstStyle/>
+          <a:p>
+            <a:r>
+              <a:rPr lang="en-US" b="1" dirty="0" smtClean="0">
+                <a:latin typeface="SF Pro Display" charset="0"/>
+                <a:ea typeface="SF Pro Display" charset="0"/>
+                <a:cs typeface="SF Pro Display" charset="0"/>
+              </a:rPr>
+              <a:t>ERC-20 Contract</a:t>
+            </a:r>
+            <a:endParaRPr lang="en-US" b="1" dirty="0">
+              <a:latin typeface="SF Pro Display" charset="0"/>
+              <a:ea typeface="SF Pro Display" charset="0"/>
+              <a:cs typeface="SF Pro Display" charset="0"/>
+            </a:endParaRPr>
+          </a:p>
+        </p:txBody>
+      </p:sp>
+      <p:sp>
+        <p:nvSpPr>
+          <p:cNvPr id="23" name="TextBox 22"/>
+          <p:cNvSpPr txBox="1"/>
+          <p:nvPr/>
+        </p:nvSpPr>
+        <p:spPr>
+          <a:xfrm>
+            <a:off x="4228257" y="5893070"/>
+            <a:ext cx="1673856" cy="369332"/>
+          </a:xfrm>
+          <a:prstGeom prst="rect">
+            <a:avLst/>
+          </a:prstGeom>
+          <a:noFill/>
+        </p:spPr>
+        <p:txBody>
+          <a:bodyPr wrap="none" rtlCol="0">
+            <a:spAutoFit/>
+          </a:bodyPr>
+          <a:lstStyle/>
+          <a:p>
+            <a:r>
+              <a:rPr lang="en-US" b="1" dirty="0" smtClean="0">
+                <a:latin typeface="SF Pro Display" charset="0"/>
+                <a:ea typeface="SF Pro Display" charset="0"/>
+                <a:cs typeface="SF Pro Display" charset="0"/>
+              </a:rPr>
+              <a:t>Loan Contract</a:t>
+            </a:r>
+            <a:endParaRPr lang="en-US" b="1" dirty="0">
+              <a:latin typeface="SF Pro Display" charset="0"/>
+              <a:ea typeface="SF Pro Display" charset="0"/>
+              <a:cs typeface="SF Pro Display" charset="0"/>
+            </a:endParaRPr>
+          </a:p>
+        </p:txBody>
+      </p:sp>
+      <p:cxnSp>
+        <p:nvCxnSpPr>
+          <p:cNvPr id="28" name="Straight Arrow Connector 27"/>
+          <p:cNvCxnSpPr/>
+          <p:nvPr/>
+        </p:nvCxnSpPr>
+        <p:spPr>
+          <a:xfrm flipH="1">
+            <a:off x="2151695" y="2520177"/>
+            <a:ext cx="2301450" cy="842059"/>
+          </a:xfrm>
+          <a:prstGeom prst="straightConnector1">
+            <a:avLst/>
+          </a:prstGeom>
+          <a:ln w="28575">
+            <a:solidFill>
+              <a:schemeClr val="tx1"/>
+            </a:solidFill>
+            <a:tailEnd type="triangle"/>
+          </a:ln>
+        </p:spPr>
+        <p:style>
+          <a:lnRef idx="1">
+            <a:schemeClr val="accent1"/>
+          </a:lnRef>
+          <a:fillRef idx="0">
+            <a:schemeClr val="accent1"/>
+          </a:fillRef>
+          <a:effectRef idx="0">
+            <a:schemeClr val="accent1"/>
+          </a:effectRef>
+          <a:fontRef idx="minor">
+            <a:schemeClr val="tx1"/>
+          </a:fontRef>
+        </p:style>
+      </p:cxnSp>
+      <p:sp>
+        <p:nvSpPr>
+          <p:cNvPr id="32" name="TextBox 31"/>
+          <p:cNvSpPr txBox="1"/>
+          <p:nvPr/>
+        </p:nvSpPr>
+        <p:spPr>
+          <a:xfrm rot="20398395">
+            <a:off x="1746034" y="2248749"/>
+            <a:ext cx="2837300" cy="646331"/>
+          </a:xfrm>
+          <a:prstGeom prst="rect">
+            <a:avLst/>
+          </a:prstGeom>
+          <a:noFill/>
+        </p:spPr>
+        <p:txBody>
+          <a:bodyPr wrap="square" rtlCol="0">
+            <a:spAutoFit/>
+          </a:bodyPr>
+          <a:lstStyle/>
+          <a:p>
+            <a:pPr algn="ctr"/>
+            <a:r>
+              <a:rPr lang="en-US" b="1" dirty="0" smtClean="0">
+                <a:latin typeface="SF Pro Display" charset="0"/>
+                <a:ea typeface="SF Pro Display" charset="0"/>
+                <a:cs typeface="SF Pro Display" charset="0"/>
+              </a:rPr>
+              <a:t>Receive </a:t>
+            </a:r>
+            <a:r>
+              <a:rPr lang="en-US" b="1" smtClean="0">
+                <a:latin typeface="SF Pro Display" charset="0"/>
+                <a:ea typeface="SF Pro Display" charset="0"/>
+                <a:cs typeface="SF Pro Display" charset="0"/>
+              </a:rPr>
+              <a:t>fractional share of repayment</a:t>
+            </a:r>
+            <a:endParaRPr lang="en-US" b="1" dirty="0">
+              <a:latin typeface="SF Pro Display" charset="0"/>
+              <a:ea typeface="SF Pro Display" charset="0"/>
+              <a:cs typeface="SF Pro Display" charset="0"/>
+            </a:endParaRPr>
+          </a:p>
+        </p:txBody>
+      </p:sp>
+      <p:pic>
+        <p:nvPicPr>
+          <p:cNvPr id="14342" name="Picture 6" descr="oman on Apple iOS 12.2"/>
+          <p:cNvPicPr>
+            <a:picLocks noChangeAspect="1" noChangeArrowheads="1"/>
+          </p:cNvPicPr>
+          <p:nvPr/>
+        </p:nvPicPr>
+        <p:blipFill>
+          <a:blip r:embed="rId5">
+            <a:extLst>
+              <a:ext uri="{28A0092B-C50C-407E-A947-70E740481C1C}">
+                <a14:useLocalDpi xmlns:a14="http://schemas.microsoft.com/office/drawing/2010/main" val="0"/>
+              </a:ext>
+            </a:extLst>
+          </a:blip>
+          <a:srcRect/>
+          <a:stretch>
+            <a:fillRect/>
+          </a:stretch>
+        </p:blipFill>
+        <p:spPr bwMode="auto">
+          <a:xfrm>
+            <a:off x="10289715" y="3310324"/>
+            <a:ext cx="1143000" cy="1143000"/>
+          </a:xfrm>
+          <a:prstGeom prst="rect">
+            <a:avLst/>
+          </a:prstGeom>
+          <a:noFill/>
+          <a:extLst>
+            <a:ext uri="{909E8E84-426E-40DD-AFC4-6F175D3DCCD1}">
+              <a14:hiddenFill xmlns:a14="http://schemas.microsoft.com/office/drawing/2010/main">
+                <a:solidFill>
+                  <a:srgbClr val="FFFFFF"/>
+                </a:solidFill>
+              </a14:hiddenFill>
+            </a:ext>
+          </a:extLst>
+        </p:spPr>
+      </p:pic>
+      <p:sp>
+        <p:nvSpPr>
+          <p:cNvPr id="31" name="TextBox 30"/>
+          <p:cNvSpPr txBox="1"/>
+          <p:nvPr/>
+        </p:nvSpPr>
+        <p:spPr>
+          <a:xfrm>
+            <a:off x="894434" y="4315282"/>
+            <a:ext cx="920445" cy="369332"/>
+          </a:xfrm>
+          <a:prstGeom prst="rect">
+            <a:avLst/>
+          </a:prstGeom>
+          <a:noFill/>
+        </p:spPr>
+        <p:txBody>
+          <a:bodyPr wrap="none" rtlCol="0">
+            <a:spAutoFit/>
+          </a:bodyPr>
+          <a:lstStyle/>
+          <a:p>
+            <a:r>
+              <a:rPr lang="en-US" b="1" dirty="0" smtClean="0">
+                <a:latin typeface="SF Pro Display" charset="0"/>
+                <a:ea typeface="SF Pro Display" charset="0"/>
+                <a:cs typeface="SF Pro Display" charset="0"/>
+              </a:rPr>
+              <a:t>Lender</a:t>
+            </a:r>
+            <a:endParaRPr lang="en-US" b="1" dirty="0">
+              <a:latin typeface="SF Pro Display" charset="0"/>
+              <a:ea typeface="SF Pro Display" charset="0"/>
+              <a:cs typeface="SF Pro Display" charset="0"/>
+            </a:endParaRPr>
+          </a:p>
+        </p:txBody>
+      </p:sp>
+      <p:sp>
+        <p:nvSpPr>
+          <p:cNvPr id="36" name="TextBox 35"/>
+          <p:cNvSpPr txBox="1"/>
+          <p:nvPr/>
+        </p:nvSpPr>
+        <p:spPr>
+          <a:xfrm>
+            <a:off x="10257556" y="4584250"/>
+            <a:ext cx="1156086" cy="369332"/>
+          </a:xfrm>
+          <a:prstGeom prst="rect">
+            <a:avLst/>
+          </a:prstGeom>
+          <a:noFill/>
+        </p:spPr>
+        <p:txBody>
+          <a:bodyPr wrap="none" rtlCol="0">
+            <a:spAutoFit/>
+          </a:bodyPr>
+          <a:lstStyle/>
+          <a:p>
+            <a:r>
+              <a:rPr lang="en-US" b="1" dirty="0" smtClean="0">
+                <a:latin typeface="SF Pro Display" charset="0"/>
+                <a:ea typeface="SF Pro Display" charset="0"/>
+                <a:cs typeface="SF Pro Display" charset="0"/>
+              </a:rPr>
+              <a:t>Borrower</a:t>
+            </a:r>
+            <a:endParaRPr lang="en-US" b="1" dirty="0">
+              <a:latin typeface="SF Pro Display" charset="0"/>
+              <a:ea typeface="SF Pro Display" charset="0"/>
+              <a:cs typeface="SF Pro Display" charset="0"/>
+            </a:endParaRPr>
+          </a:p>
+        </p:txBody>
+      </p:sp>
+      <p:cxnSp>
+        <p:nvCxnSpPr>
+          <p:cNvPr id="50" name="Curved Connector 49"/>
+          <p:cNvCxnSpPr/>
+          <p:nvPr/>
+        </p:nvCxnSpPr>
+        <p:spPr>
+          <a:xfrm rot="10800000">
+            <a:off x="5678757" y="3093081"/>
+            <a:ext cx="2260817" cy="605573"/>
+          </a:xfrm>
+          <a:prstGeom prst="curvedConnector3">
+            <a:avLst>
+              <a:gd name="adj1" fmla="val 99169"/>
+            </a:avLst>
+          </a:prstGeom>
+          <a:ln w="28575">
+            <a:solidFill>
+              <a:schemeClr val="tx1"/>
+            </a:solidFill>
+            <a:tailEnd type="triangle"/>
+          </a:ln>
+        </p:spPr>
+        <p:style>
+          <a:lnRef idx="1">
+            <a:schemeClr val="accent1"/>
+          </a:lnRef>
+          <a:fillRef idx="0">
+            <a:schemeClr val="accent1"/>
+          </a:fillRef>
+          <a:effectRef idx="0">
+            <a:schemeClr val="accent1"/>
+          </a:effectRef>
+          <a:fontRef idx="minor">
+            <a:schemeClr val="tx1"/>
+          </a:fontRef>
+        </p:style>
+      </p:cxnSp>
+      <p:sp>
+        <p:nvSpPr>
+          <p:cNvPr id="61" name="TextBox 60"/>
+          <p:cNvSpPr txBox="1"/>
+          <p:nvPr/>
+        </p:nvSpPr>
+        <p:spPr>
+          <a:xfrm>
+            <a:off x="5642173" y="3735712"/>
+            <a:ext cx="2333983" cy="923330"/>
+          </a:xfrm>
+          <a:prstGeom prst="rect">
+            <a:avLst/>
+          </a:prstGeom>
+          <a:noFill/>
+        </p:spPr>
+        <p:txBody>
+          <a:bodyPr wrap="square" rtlCol="0">
+            <a:spAutoFit/>
+          </a:bodyPr>
+          <a:lstStyle/>
+          <a:p>
+            <a:r>
+              <a:rPr lang="en-US" b="1" dirty="0" smtClean="0">
+                <a:latin typeface="SF Pro Display" charset="0"/>
+                <a:ea typeface="SF Pro Display" charset="0"/>
+                <a:cs typeface="SF Pro Display" charset="0"/>
+              </a:rPr>
+              <a:t>Repayment routed to debt token holders</a:t>
+            </a:r>
+            <a:endParaRPr lang="en-US" b="1" dirty="0">
+              <a:latin typeface="SF Pro Display" charset="0"/>
+              <a:ea typeface="SF Pro Display" charset="0"/>
+              <a:cs typeface="SF Pro Display" charset="0"/>
+            </a:endParaRPr>
+          </a:p>
+        </p:txBody>
+      </p:sp>
+      <p:cxnSp>
+        <p:nvCxnSpPr>
+          <p:cNvPr id="72" name="Straight Arrow Connector 71"/>
+          <p:cNvCxnSpPr/>
+          <p:nvPr/>
+        </p:nvCxnSpPr>
+        <p:spPr>
+          <a:xfrm flipH="1" flipV="1">
+            <a:off x="8180973" y="3735712"/>
+            <a:ext cx="1930171" cy="199429"/>
+          </a:xfrm>
+          <a:prstGeom prst="straightConnector1">
+            <a:avLst/>
+          </a:prstGeom>
+          <a:ln w="28575">
+            <a:solidFill>
+              <a:schemeClr val="tx1"/>
+            </a:solidFill>
+            <a:tailEnd type="triangle"/>
+          </a:ln>
+        </p:spPr>
+        <p:style>
+          <a:lnRef idx="1">
+            <a:schemeClr val="accent1"/>
+          </a:lnRef>
+          <a:fillRef idx="0">
+            <a:schemeClr val="accent1"/>
+          </a:fillRef>
+          <a:effectRef idx="0">
+            <a:schemeClr val="accent1"/>
+          </a:effectRef>
+          <a:fontRef idx="minor">
+            <a:schemeClr val="tx1"/>
+          </a:fontRef>
+        </p:style>
+      </p:cxnSp>
+      <p:sp>
+        <p:nvSpPr>
+          <p:cNvPr id="73" name="TextBox 72"/>
+          <p:cNvSpPr txBox="1"/>
+          <p:nvPr/>
+        </p:nvSpPr>
+        <p:spPr>
+          <a:xfrm>
+            <a:off x="8710999" y="3935141"/>
+            <a:ext cx="1906831" cy="646331"/>
+          </a:xfrm>
+          <a:prstGeom prst="rect">
+            <a:avLst/>
+          </a:prstGeom>
+          <a:noFill/>
+        </p:spPr>
+        <p:txBody>
+          <a:bodyPr wrap="square" rtlCol="0">
+            <a:spAutoFit/>
+          </a:bodyPr>
+          <a:lstStyle/>
+          <a:p>
+            <a:r>
+              <a:rPr lang="en-US" b="1" smtClean="0">
+                <a:latin typeface="SF Pro Display" charset="0"/>
+                <a:ea typeface="SF Pro Display" charset="0"/>
+                <a:cs typeface="SF Pro Display" charset="0"/>
+              </a:rPr>
+              <a:t>Monthly Repayment</a:t>
+            </a:r>
+            <a:endParaRPr lang="en-US" b="1" dirty="0">
+              <a:latin typeface="SF Pro Display" charset="0"/>
+              <a:ea typeface="SF Pro Display" charset="0"/>
+              <a:cs typeface="SF Pro Display" charset="0"/>
+            </a:endParaRPr>
+          </a:p>
+        </p:txBody>
+      </p:sp>
+      <p:sp>
+        <p:nvSpPr>
+          <p:cNvPr id="76" name="Title 1"/>
+          <p:cNvSpPr>
+            <a:spLocks noGrp="1"/>
+          </p:cNvSpPr>
+          <p:nvPr>
+            <p:ph type="ctrTitle"/>
+          </p:nvPr>
+        </p:nvSpPr>
+        <p:spPr>
+          <a:xfrm>
+            <a:off x="353821" y="332820"/>
+            <a:ext cx="4684602" cy="664707"/>
+          </a:xfrm>
+        </p:spPr>
+        <p:txBody>
+          <a:bodyPr>
+            <a:normAutofit/>
+          </a:bodyPr>
+          <a:lstStyle/>
+          <a:p>
+            <a:pPr algn="l"/>
+            <a:r>
+              <a:rPr lang="en-US" sz="4000" dirty="0" smtClean="0"/>
+              <a:t>Repayment Flow</a:t>
+            </a:r>
+            <a:endParaRPr lang="en-US" sz="4000" dirty="0"/>
+          </a:p>
+        </p:txBody>
+      </p:sp>
+    </p:spTree>
+    <p:extLst>
+      <p:ext uri="{BB962C8B-B14F-4D97-AF65-F5344CB8AC3E}">
+        <p14:creationId xmlns:p14="http://schemas.microsoft.com/office/powerpoint/2010/main" val="603403299"/>
+      </p:ext>
+    </p:extLst>
+  </p:cSld>
+  <p:clrMapOvr>
+    <a:masterClrMapping/>
+  </p:clrMapOvr>
+</p:sld>
+</file>
+
+<file path=ppt/slides/slide21.xml><?xml version="1.0" encoding="utf-8"?>
+<p:sld xmlns:a="http://schemas.openxmlformats.org/drawingml/2006/main" xmlns:r="http://schemas.openxmlformats.org/officeDocument/2006/relationships" xmlns:p="http://schemas.openxmlformats.org/presentationml/2006/main">
+  <p:cSld>
+    <p:spTree>
+      <p:nvGrpSpPr>
+        <p:cNvPr id="1" name=""/>
+        <p:cNvGrpSpPr/>
+        <p:nvPr/>
+      </p:nvGrpSpPr>
+      <p:grpSpPr>
+        <a:xfrm>
+          <a:off x="0" y="0"/>
+          <a:ext cx="0" cy="0"/>
+          <a:chOff x="0" y="0"/>
+          <a:chExt cx="0" cy="0"/>
+        </a:xfrm>
+      </p:grpSpPr>
+      <p:sp>
+        <p:nvSpPr>
+          <p:cNvPr id="2" name="Title 1"/>
+          <p:cNvSpPr>
+            <a:spLocks noGrp="1"/>
+          </p:cNvSpPr>
+          <p:nvPr>
+            <p:ph type="ctrTitle"/>
+          </p:nvPr>
+        </p:nvSpPr>
+        <p:spPr/>
+        <p:txBody>
+          <a:bodyPr/>
+          <a:lstStyle/>
+          <a:p>
+            <a:r>
+              <a:rPr lang="en-US" dirty="0" smtClean="0"/>
+              <a:t>Implementation</a:t>
+            </a:r>
+            <a:endParaRPr lang="en-US" dirty="0"/>
+          </a:p>
+        </p:txBody>
+      </p:sp>
+    </p:spTree>
+    <p:extLst>
+      <p:ext uri="{BB962C8B-B14F-4D97-AF65-F5344CB8AC3E}">
+        <p14:creationId xmlns:p14="http://schemas.microsoft.com/office/powerpoint/2010/main" val="176927560"/>
+      </p:ext>
+    </p:extLst>
+  </p:cSld>
+  <p:clrMapOvr>
+    <a:masterClrMapping/>
+  </p:clrMapOvr>
+</p:sld>
+</file>
+
+<file path=ppt/slides/slide3.xml><?xml version="1.0" encoding="utf-8"?>
+<p:sld xmlns:a="http://schemas.openxmlformats.org/drawingml/2006/main" xmlns:r="http://schemas.openxmlformats.org/officeDocument/2006/relationships" xmlns:p="http://schemas.openxmlformats.org/presentationml/2006/main">
+  <p:cSld>
+    <p:spTree>
+      <p:nvGrpSpPr>
+        <p:cNvPr id="1" name=""/>
+        <p:cNvGrpSpPr/>
+        <p:nvPr/>
+      </p:nvGrpSpPr>
+      <p:grpSpPr>
+        <a:xfrm>
+          <a:off x="0" y="0"/>
+          <a:ext cx="0" cy="0"/>
+          <a:chOff x="0" y="0"/>
+          <a:chExt cx="0" cy="0"/>
+        </a:xfrm>
+      </p:grpSpPr>
+      <p:pic>
+        <p:nvPicPr>
+          <p:cNvPr id="4" name="Picture 4" descr="https://enable-loans-staging.herokuapp.com/static/media/world_dotted_map.8095d163.png"/>
+          <p:cNvPicPr>
+            <a:picLocks noChangeAspect="1" noChangeArrowheads="1"/>
+          </p:cNvPicPr>
+          <p:nvPr/>
+        </p:nvPicPr>
+        <p:blipFill>
+          <a:blip r:embed="rId2">
+            <a:extLst>
+              <a:ext uri="{28A0092B-C50C-407E-A947-70E740481C1C}">
+                <a14:useLocalDpi xmlns:a14="http://schemas.microsoft.com/office/drawing/2010/main" val="0"/>
+              </a:ext>
+            </a:extLst>
+          </a:blip>
+          <a:srcRect/>
+          <a:stretch>
+            <a:fillRect/>
+          </a:stretch>
+        </p:blipFill>
+        <p:spPr bwMode="auto">
+          <a:xfrm>
+            <a:off x="3107562" y="1640686"/>
+            <a:ext cx="6631142" cy="3749084"/>
+          </a:xfrm>
+          <a:prstGeom prst="rect">
+            <a:avLst/>
+          </a:prstGeom>
+          <a:noFill/>
+          <a:extLst>
+            <a:ext uri="{909E8E84-426E-40DD-AFC4-6F175D3DCCD1}">
+              <a14:hiddenFill xmlns:a14="http://schemas.microsoft.com/office/drawing/2010/main">
+                <a:solidFill>
+                  <a:srgbClr val="FFFFFF"/>
+                </a:solidFill>
+              </a14:hiddenFill>
+            </a:ext>
+          </a:extLst>
+        </p:spPr>
+      </p:pic>
+      <p:cxnSp>
+        <p:nvCxnSpPr>
+          <p:cNvPr id="5" name="Straight Arrow Connector 4"/>
+          <p:cNvCxnSpPr/>
+          <p:nvPr/>
+        </p:nvCxnSpPr>
+        <p:spPr>
+          <a:xfrm>
+            <a:off x="1619193" y="2190770"/>
+            <a:ext cx="1830589" cy="621703"/>
+          </a:xfrm>
+          <a:prstGeom prst="straightConnector1">
+            <a:avLst/>
+          </a:prstGeom>
+          <a:ln>
+            <a:solidFill>
+              <a:schemeClr val="tx1"/>
+            </a:solidFill>
+            <a:tailEnd type="triangle"/>
+          </a:ln>
+        </p:spPr>
+        <p:style>
+          <a:lnRef idx="1">
+            <a:schemeClr val="accent1"/>
+          </a:lnRef>
+          <a:fillRef idx="0">
+            <a:schemeClr val="accent1"/>
+          </a:fillRef>
+          <a:effectRef idx="0">
+            <a:schemeClr val="accent1"/>
+          </a:effectRef>
+          <a:fontRef idx="minor">
+            <a:schemeClr val="tx1"/>
+          </a:fontRef>
+        </p:style>
+      </p:cxnSp>
+      <p:sp>
+        <p:nvSpPr>
+          <p:cNvPr id="6" name="TextBox 5"/>
+          <p:cNvSpPr txBox="1"/>
+          <p:nvPr/>
+        </p:nvSpPr>
+        <p:spPr>
+          <a:xfrm>
+            <a:off x="698464" y="1821438"/>
+            <a:ext cx="1421281" cy="369332"/>
+          </a:xfrm>
+          <a:prstGeom prst="rect">
+            <a:avLst/>
+          </a:prstGeom>
+          <a:noFill/>
+        </p:spPr>
+        <p:txBody>
+          <a:bodyPr wrap="square" rtlCol="0">
+            <a:spAutoFit/>
+          </a:bodyPr>
+          <a:lstStyle/>
+          <a:p>
+            <a:r>
+              <a:rPr lang="en-US" b="1" smtClean="0">
+                <a:latin typeface="SF Pro Text" charset="0"/>
+                <a:ea typeface="SF Pro Text" charset="0"/>
+                <a:cs typeface="SF Pro Text" charset="0"/>
+              </a:rPr>
+              <a:t>Thomas</a:t>
+            </a:r>
+            <a:endParaRPr lang="en-US" sz="1400" dirty="0">
+              <a:latin typeface="SF Pro Text" charset="0"/>
+              <a:ea typeface="SF Pro Text" charset="0"/>
+              <a:cs typeface="SF Pro Text" charset="0"/>
+            </a:endParaRPr>
+          </a:p>
+        </p:txBody>
+      </p:sp>
+      <p:cxnSp>
+        <p:nvCxnSpPr>
+          <p:cNvPr id="8" name="Straight Arrow Connector 7"/>
+          <p:cNvCxnSpPr/>
+          <p:nvPr/>
+        </p:nvCxnSpPr>
+        <p:spPr>
+          <a:xfrm>
+            <a:off x="5387630" y="1199735"/>
+            <a:ext cx="389715" cy="2402447"/>
+          </a:xfrm>
+          <a:prstGeom prst="straightConnector1">
+            <a:avLst/>
+          </a:prstGeom>
+          <a:ln>
+            <a:solidFill>
+              <a:schemeClr val="tx1"/>
+            </a:solidFill>
+            <a:tailEnd type="triangle"/>
+          </a:ln>
+        </p:spPr>
+        <p:style>
+          <a:lnRef idx="1">
+            <a:schemeClr val="accent1"/>
+          </a:lnRef>
+          <a:fillRef idx="0">
+            <a:schemeClr val="accent1"/>
+          </a:fillRef>
+          <a:effectRef idx="0">
+            <a:schemeClr val="accent1"/>
+          </a:effectRef>
+          <a:fontRef idx="minor">
+            <a:schemeClr val="tx1"/>
+          </a:fontRef>
+        </p:style>
+      </p:cxnSp>
+      <p:sp>
+        <p:nvSpPr>
+          <p:cNvPr id="9" name="TextBox 8"/>
+          <p:cNvSpPr txBox="1"/>
+          <p:nvPr/>
+        </p:nvSpPr>
+        <p:spPr>
+          <a:xfrm>
+            <a:off x="4466901" y="830403"/>
+            <a:ext cx="1421281" cy="369332"/>
+          </a:xfrm>
+          <a:prstGeom prst="rect">
+            <a:avLst/>
+          </a:prstGeom>
+          <a:noFill/>
+        </p:spPr>
+        <p:txBody>
+          <a:bodyPr wrap="square" rtlCol="0">
+            <a:spAutoFit/>
+          </a:bodyPr>
+          <a:lstStyle/>
+          <a:p>
+            <a:r>
+              <a:rPr lang="en-US" b="1" dirty="0" smtClean="0">
+                <a:latin typeface="SF Pro Text" charset="0"/>
+                <a:ea typeface="SF Pro Text" charset="0"/>
+                <a:cs typeface="SF Pro Text" charset="0"/>
+              </a:rPr>
+              <a:t>Anthony</a:t>
+            </a:r>
+            <a:endParaRPr lang="en-US" sz="1400" dirty="0">
+              <a:latin typeface="SF Pro Text" charset="0"/>
+              <a:ea typeface="SF Pro Text" charset="0"/>
+              <a:cs typeface="SF Pro Text" charset="0"/>
+            </a:endParaRPr>
+          </a:p>
+        </p:txBody>
+      </p:sp>
+      <p:cxnSp>
+        <p:nvCxnSpPr>
+          <p:cNvPr id="11" name="Straight Arrow Connector 10"/>
+          <p:cNvCxnSpPr>
+            <a:stCxn id="12" idx="0"/>
+          </p:cNvCxnSpPr>
+          <p:nvPr/>
+        </p:nvCxnSpPr>
+        <p:spPr>
+          <a:xfrm flipV="1">
+            <a:off x="7629797" y="4132023"/>
+            <a:ext cx="391985" cy="1514032"/>
+          </a:xfrm>
+          <a:prstGeom prst="straightConnector1">
+            <a:avLst/>
+          </a:prstGeom>
+          <a:ln>
+            <a:solidFill>
+              <a:schemeClr val="tx1"/>
+            </a:solidFill>
+            <a:tailEnd type="triangle"/>
+          </a:ln>
+        </p:spPr>
+        <p:style>
+          <a:lnRef idx="1">
+            <a:schemeClr val="accent1"/>
+          </a:lnRef>
+          <a:fillRef idx="0">
+            <a:schemeClr val="accent1"/>
+          </a:fillRef>
+          <a:effectRef idx="0">
+            <a:schemeClr val="accent1"/>
+          </a:effectRef>
+          <a:fontRef idx="minor">
+            <a:schemeClr val="tx1"/>
+          </a:fontRef>
+        </p:style>
+      </p:cxnSp>
+      <p:sp>
+        <p:nvSpPr>
+          <p:cNvPr id="12" name="TextBox 11"/>
+          <p:cNvSpPr txBox="1"/>
+          <p:nvPr/>
+        </p:nvSpPr>
+        <p:spPr>
+          <a:xfrm>
+            <a:off x="6919156" y="5646055"/>
+            <a:ext cx="1421281" cy="369332"/>
+          </a:xfrm>
+          <a:prstGeom prst="rect">
+            <a:avLst/>
+          </a:prstGeom>
+          <a:noFill/>
+        </p:spPr>
+        <p:txBody>
+          <a:bodyPr wrap="square" rtlCol="0">
+            <a:spAutoFit/>
+          </a:bodyPr>
+          <a:lstStyle/>
+          <a:p>
+            <a:r>
+              <a:rPr lang="en-US" b="1" dirty="0" smtClean="0">
+                <a:latin typeface="SF Pro Text" charset="0"/>
+                <a:ea typeface="SF Pro Text" charset="0"/>
+                <a:cs typeface="SF Pro Text" charset="0"/>
+              </a:rPr>
+              <a:t>Daniel</a:t>
+            </a:r>
+            <a:endParaRPr lang="en-US" sz="1400" dirty="0">
+              <a:latin typeface="SF Pro Text" charset="0"/>
+              <a:ea typeface="SF Pro Text" charset="0"/>
+              <a:cs typeface="SF Pro Text" charset="0"/>
+            </a:endParaRPr>
+          </a:p>
+        </p:txBody>
+      </p:sp>
+      <p:cxnSp>
+        <p:nvCxnSpPr>
+          <p:cNvPr id="15" name="Straight Arrow Connector 14"/>
+          <p:cNvCxnSpPr/>
+          <p:nvPr/>
+        </p:nvCxnSpPr>
+        <p:spPr>
+          <a:xfrm flipH="1" flipV="1">
+            <a:off x="8160327" y="4132023"/>
+            <a:ext cx="457287" cy="1514032"/>
+          </a:xfrm>
+          <a:prstGeom prst="straightConnector1">
+            <a:avLst/>
+          </a:prstGeom>
+          <a:ln>
+            <a:solidFill>
+              <a:schemeClr val="tx1"/>
+            </a:solidFill>
+            <a:tailEnd type="triangle"/>
+          </a:ln>
+        </p:spPr>
+        <p:style>
+          <a:lnRef idx="1">
+            <a:schemeClr val="accent1"/>
+          </a:lnRef>
+          <a:fillRef idx="0">
+            <a:schemeClr val="accent1"/>
+          </a:fillRef>
+          <a:effectRef idx="0">
+            <a:schemeClr val="accent1"/>
+          </a:effectRef>
+          <a:fontRef idx="minor">
+            <a:schemeClr val="tx1"/>
+          </a:fontRef>
+        </p:style>
+      </p:cxnSp>
+      <p:sp>
+        <p:nvSpPr>
+          <p:cNvPr id="16" name="TextBox 15"/>
+          <p:cNvSpPr txBox="1"/>
+          <p:nvPr/>
+        </p:nvSpPr>
+        <p:spPr>
+          <a:xfrm>
+            <a:off x="8317423" y="5646055"/>
+            <a:ext cx="1421281" cy="369332"/>
+          </a:xfrm>
+          <a:prstGeom prst="rect">
+            <a:avLst/>
+          </a:prstGeom>
+          <a:noFill/>
+        </p:spPr>
+        <p:txBody>
+          <a:bodyPr wrap="square" rtlCol="0">
+            <a:spAutoFit/>
+          </a:bodyPr>
+          <a:lstStyle/>
+          <a:p>
+            <a:r>
+              <a:rPr lang="en-US" b="1" dirty="0" smtClean="0">
+                <a:latin typeface="SF Pro Text" charset="0"/>
+                <a:ea typeface="SF Pro Text" charset="0"/>
+                <a:cs typeface="SF Pro Text" charset="0"/>
+              </a:rPr>
+              <a:t>Ines</a:t>
+            </a:r>
+            <a:endParaRPr lang="en-US" sz="1400" dirty="0">
+              <a:latin typeface="SF Pro Text" charset="0"/>
+              <a:ea typeface="SF Pro Text" charset="0"/>
+              <a:cs typeface="SF Pro Text" charset="0"/>
+            </a:endParaRPr>
+          </a:p>
+        </p:txBody>
+      </p:sp>
+    </p:spTree>
+    <p:extLst>
+      <p:ext uri="{BB962C8B-B14F-4D97-AF65-F5344CB8AC3E}">
+        <p14:creationId xmlns:p14="http://schemas.microsoft.com/office/powerpoint/2010/main" val="730205254"/>
+      </p:ext>
+    </p:extLst>
+  </p:cSld>
+  <p:clrMapOvr>
+    <a:masterClrMapping/>
+  </p:clrMapOvr>
+</p:sld>
+</file>
+
+<file path=ppt/slides/slide4.xml><?xml version="1.0" encoding="utf-8"?>
+<p:sld xmlns:a="http://schemas.openxmlformats.org/drawingml/2006/main" xmlns:r="http://schemas.openxmlformats.org/officeDocument/2006/relationships" xmlns:p="http://schemas.openxmlformats.org/presentationml/2006/main">
+  <p:cSld>
+    <p:spTree>
+      <p:nvGrpSpPr>
+        <p:cNvPr id="1" name=""/>
+        <p:cNvGrpSpPr/>
+        <p:nvPr/>
+      </p:nvGrpSpPr>
+      <p:grpSpPr>
+        <a:xfrm>
+          <a:off x="0" y="0"/>
+          <a:ext cx="0" cy="0"/>
+          <a:chOff x="0" y="0"/>
+          <a:chExt cx="0" cy="0"/>
+        </a:xfrm>
+      </p:grpSpPr>
+      <p:sp>
+        <p:nvSpPr>
+          <p:cNvPr id="2" name="Title 1"/>
+          <p:cNvSpPr>
+            <a:spLocks noGrp="1"/>
+          </p:cNvSpPr>
+          <p:nvPr>
+            <p:ph type="ctrTitle"/>
+          </p:nvPr>
+        </p:nvSpPr>
+        <p:spPr/>
+        <p:txBody>
+          <a:bodyPr/>
+          <a:lstStyle/>
+          <a:p>
+            <a:r>
+              <a:rPr lang="en-US" dirty="0" smtClean="0"/>
+              <a:t>Ines’ story</a:t>
             </a:r>
             <a:endParaRPr lang="en-US" dirty="0"/>
           </a:p>
@@ -6059,7 +8975,7 @@
 </p:sld>
 </file>
 
-<file path=ppt/slides/slide3.xml><?xml version="1.0" encoding="utf-8"?>
+<file path=ppt/slides/slide5.xml><?xml version="1.0" encoding="utf-8"?>
 <p:sld xmlns:a="http://schemas.openxmlformats.org/drawingml/2006/main" xmlns:r="http://schemas.openxmlformats.org/officeDocument/2006/relationships" xmlns:p="http://schemas.openxmlformats.org/presentationml/2006/main">
   <p:cSld>
     <p:bg>
@@ -6122,7 +9038,7 @@
         <p:spPr>
           <a:xfrm>
             <a:off x="381395" y="135139"/>
-            <a:ext cx="2606733" cy="1325563"/>
+            <a:ext cx="2957550" cy="1325563"/>
           </a:xfrm>
         </p:spPr>
         <p:txBody>
@@ -6133,7 +9049,7 @@
           <a:p>
             <a:r>
               <a:rPr lang="en-US" dirty="0" smtClean="0"/>
-              <a:t>Problem</a:t>
+              <a:t>Ines’ Story</a:t>
             </a:r>
             <a:endParaRPr lang="en-US" dirty="0"/>
           </a:p>
@@ -6454,972 +9370,6 @@
     <p:extLst>
       <p:ext uri="{BB962C8B-B14F-4D97-AF65-F5344CB8AC3E}">
         <p14:creationId xmlns:p14="http://schemas.microsoft.com/office/powerpoint/2010/main" val="1310947140"/>
-      </p:ext>
-    </p:extLst>
-  </p:cSld>
-  <p:clrMapOvr>
-    <a:masterClrMapping/>
-  </p:clrMapOvr>
-</p:sld>
-</file>
-
-<file path=ppt/slides/slide4.xml><?xml version="1.0" encoding="utf-8"?>
-<p:sld xmlns:a="http://schemas.openxmlformats.org/drawingml/2006/main" xmlns:r="http://schemas.openxmlformats.org/officeDocument/2006/relationships" xmlns:p="http://schemas.openxmlformats.org/presentationml/2006/main">
-  <p:cSld>
-    <p:spTree>
-      <p:nvGrpSpPr>
-        <p:cNvPr id="1" name=""/>
-        <p:cNvGrpSpPr/>
-        <p:nvPr/>
-      </p:nvGrpSpPr>
-      <p:grpSpPr>
-        <a:xfrm>
-          <a:off x="0" y="0"/>
-          <a:ext cx="0" cy="0"/>
-          <a:chOff x="0" y="0"/>
-          <a:chExt cx="0" cy="0"/>
-        </a:xfrm>
-      </p:grpSpPr>
-      <p:pic>
-        <p:nvPicPr>
-          <p:cNvPr id="7" name="Content Placeholder 3"/>
-          <p:cNvPicPr>
-            <a:picLocks noGrp="1" noChangeAspect="1"/>
-          </p:cNvPicPr>
-          <p:nvPr>
-            <p:ph idx="1"/>
-          </p:nvPr>
-        </p:nvPicPr>
-        <p:blipFill rotWithShape="1">
-          <a:blip r:embed="rId3"/>
-          <a:srcRect b="16045"/>
-          <a:stretch/>
-        </p:blipFill>
-        <p:spPr>
-          <a:xfrm>
-            <a:off x="7429895" y="1060652"/>
-            <a:ext cx="4168000" cy="2344501"/>
-          </a:xfrm>
-          <a:prstGeom prst="rect">
-            <a:avLst/>
-          </a:prstGeom>
-        </p:spPr>
-      </p:pic>
-      <p:sp>
-        <p:nvSpPr>
-          <p:cNvPr id="2" name="Title 1"/>
-          <p:cNvSpPr>
-            <a:spLocks noGrp="1"/>
-          </p:cNvSpPr>
-          <p:nvPr>
-            <p:ph type="title"/>
-          </p:nvPr>
-        </p:nvSpPr>
-        <p:spPr>
-          <a:xfrm>
-            <a:off x="381395" y="135139"/>
-            <a:ext cx="2606733" cy="1325563"/>
-          </a:xfrm>
-        </p:spPr>
-        <p:txBody>
-          <a:bodyPr>
-            <a:normAutofit/>
-          </a:bodyPr>
-          <a:lstStyle/>
-          <a:p>
-            <a:r>
-              <a:rPr lang="en-US" dirty="0" smtClean="0"/>
-              <a:t>Problem</a:t>
-            </a:r>
-            <a:endParaRPr lang="en-US" dirty="0"/>
-          </a:p>
-        </p:txBody>
-      </p:sp>
-      <p:pic>
-        <p:nvPicPr>
-          <p:cNvPr id="3" name="Picture 2"/>
-          <p:cNvPicPr>
-            <a:picLocks noChangeAspect="1"/>
-          </p:cNvPicPr>
-          <p:nvPr/>
-        </p:nvPicPr>
-        <p:blipFill>
-          <a:blip r:embed="rId4"/>
-          <a:stretch>
-            <a:fillRect/>
-          </a:stretch>
-        </p:blipFill>
-        <p:spPr>
-          <a:xfrm>
-            <a:off x="7429895" y="3405153"/>
-            <a:ext cx="4160553" cy="2472130"/>
-          </a:xfrm>
-          <a:prstGeom prst="rect">
-            <a:avLst/>
-          </a:prstGeom>
-        </p:spPr>
-      </p:pic>
-      <p:pic>
-        <p:nvPicPr>
-          <p:cNvPr id="5" name="Picture 4" descr="https://enable-loans-staging.herokuapp.com/static/media/world_dotted_map.8095d163.png"/>
-          <p:cNvPicPr>
-            <a:picLocks noChangeAspect="1" noChangeArrowheads="1"/>
-          </p:cNvPicPr>
-          <p:nvPr/>
-        </p:nvPicPr>
-        <p:blipFill>
-          <a:blip r:embed="rId5">
-            <a:extLst>
-              <a:ext uri="{28A0092B-C50C-407E-A947-70E740481C1C}">
-                <a14:useLocalDpi xmlns:a14="http://schemas.microsoft.com/office/drawing/2010/main" val="0"/>
-              </a:ext>
-            </a:extLst>
-          </a:blip>
-          <a:srcRect/>
-          <a:stretch>
-            <a:fillRect/>
-          </a:stretch>
-        </p:blipFill>
-        <p:spPr bwMode="auto">
-          <a:xfrm>
-            <a:off x="1667240" y="2847249"/>
-            <a:ext cx="3716884" cy="2101434"/>
-          </a:xfrm>
-          <a:prstGeom prst="rect">
-            <a:avLst/>
-          </a:prstGeom>
-          <a:noFill/>
-          <a:extLst>
-            <a:ext uri="{909E8E84-426E-40DD-AFC4-6F175D3DCCD1}">
-              <a14:hiddenFill xmlns:a14="http://schemas.microsoft.com/office/drawing/2010/main">
-                <a:solidFill>
-                  <a:srgbClr val="FFFFFF"/>
-                </a:solidFill>
-              </a14:hiddenFill>
-            </a:ext>
-          </a:extLst>
-        </p:spPr>
-      </p:pic>
-      <p:sp>
-        <p:nvSpPr>
-          <p:cNvPr id="9" name="TextBox 8"/>
-          <p:cNvSpPr txBox="1"/>
-          <p:nvPr/>
-        </p:nvSpPr>
-        <p:spPr>
-          <a:xfrm>
-            <a:off x="3137181" y="475877"/>
-            <a:ext cx="3427135" cy="584775"/>
-          </a:xfrm>
-          <a:prstGeom prst="rect">
-            <a:avLst/>
-          </a:prstGeom>
-          <a:noFill/>
-        </p:spPr>
-        <p:txBody>
-          <a:bodyPr wrap="square" rtlCol="0">
-            <a:spAutoFit/>
-          </a:bodyPr>
-          <a:lstStyle/>
-          <a:p>
-            <a:r>
-              <a:rPr lang="en-US" b="1" dirty="0" smtClean="0">
-                <a:latin typeface="SF Pro Text" charset="0"/>
-                <a:ea typeface="SF Pro Text" charset="0"/>
-                <a:cs typeface="SF Pro Text" charset="0"/>
-              </a:rPr>
-              <a:t>$60,000 due May 20th</a:t>
-            </a:r>
-            <a:br>
-              <a:rPr lang="en-US" b="1" dirty="0" smtClean="0">
-                <a:latin typeface="SF Pro Text" charset="0"/>
-                <a:ea typeface="SF Pro Text" charset="0"/>
-                <a:cs typeface="SF Pro Text" charset="0"/>
-              </a:rPr>
-            </a:br>
-            <a:r>
-              <a:rPr lang="en-US" sz="1400" dirty="0" smtClean="0">
-                <a:latin typeface="SF Pro Text" charset="0"/>
-                <a:ea typeface="SF Pro Text" charset="0"/>
-                <a:cs typeface="SF Pro Text" charset="0"/>
-              </a:rPr>
-              <a:t>Cornell University, Masters </a:t>
-            </a:r>
-            <a:r>
-              <a:rPr lang="en-US" sz="1400" smtClean="0">
-                <a:latin typeface="SF Pro Text" charset="0"/>
-                <a:ea typeface="SF Pro Text" charset="0"/>
-                <a:cs typeface="SF Pro Text" charset="0"/>
-              </a:rPr>
-              <a:t>in HR</a:t>
-            </a:r>
-            <a:endParaRPr lang="en-US" sz="1400" dirty="0">
-              <a:latin typeface="SF Pro Text" charset="0"/>
-              <a:ea typeface="SF Pro Text" charset="0"/>
-              <a:cs typeface="SF Pro Text" charset="0"/>
-            </a:endParaRPr>
-          </a:p>
-        </p:txBody>
-      </p:sp>
-      <p:sp>
-        <p:nvSpPr>
-          <p:cNvPr id="12" name="TextBox 11"/>
-          <p:cNvSpPr txBox="1"/>
-          <p:nvPr/>
-        </p:nvSpPr>
-        <p:spPr>
-          <a:xfrm>
-            <a:off x="335644" y="4743023"/>
-            <a:ext cx="3138081" cy="1877437"/>
-          </a:xfrm>
-          <a:prstGeom prst="rect">
-            <a:avLst/>
-          </a:prstGeom>
-          <a:noFill/>
-          <a:ln>
-            <a:solidFill>
-              <a:schemeClr val="tx1"/>
-            </a:solidFill>
-          </a:ln>
-        </p:spPr>
-        <p:txBody>
-          <a:bodyPr wrap="square" rtlCol="0">
-            <a:spAutoFit/>
-          </a:bodyPr>
-          <a:lstStyle/>
-          <a:p>
-            <a:r>
-              <a:rPr lang="en-US" b="1" dirty="0" smtClean="0">
-                <a:latin typeface="SF Pro Text" charset="0"/>
-                <a:ea typeface="SF Pro Text" charset="0"/>
-                <a:cs typeface="SF Pro Text" charset="0"/>
-              </a:rPr>
-              <a:t>No access to capital</a:t>
-            </a:r>
-            <a:br>
-              <a:rPr lang="en-US" b="1" dirty="0" smtClean="0">
-                <a:latin typeface="SF Pro Text" charset="0"/>
-                <a:ea typeface="SF Pro Text" charset="0"/>
-                <a:cs typeface="SF Pro Text" charset="0"/>
-              </a:rPr>
-            </a:br>
-            <a:r>
-              <a:rPr lang="en-US" sz="1400" dirty="0" smtClean="0">
-                <a:latin typeface="SF Pro Text" charset="0"/>
-                <a:ea typeface="SF Pro Text" charset="0"/>
-                <a:cs typeface="SF Pro Text" charset="0"/>
-              </a:rPr>
-              <a:t>No low-interest rate federal student loan programs, private and state-owned banks only tend to give out small loans (&lt;$3,000) and don’t fund $60,000 loans over 10 </a:t>
-            </a:r>
-            <a:r>
-              <a:rPr lang="en-US" sz="1400" smtClean="0">
-                <a:latin typeface="SF Pro Text" charset="0"/>
-                <a:ea typeface="SF Pro Text" charset="0"/>
-                <a:cs typeface="SF Pro Text" charset="0"/>
-              </a:rPr>
-              <a:t>years unless it’s a mortgage or commercial loan</a:t>
-            </a:r>
-            <a:endParaRPr lang="en-US" sz="1400" dirty="0">
-              <a:latin typeface="SF Pro Text" charset="0"/>
-              <a:ea typeface="SF Pro Text" charset="0"/>
-              <a:cs typeface="SF Pro Text" charset="0"/>
-            </a:endParaRPr>
-          </a:p>
-        </p:txBody>
-      </p:sp>
-      <p:cxnSp>
-        <p:nvCxnSpPr>
-          <p:cNvPr id="13" name="Straight Arrow Connector 12"/>
-          <p:cNvCxnSpPr/>
-          <p:nvPr/>
-        </p:nvCxnSpPr>
-        <p:spPr>
-          <a:xfrm flipV="1">
-            <a:off x="2965112" y="4266737"/>
-            <a:ext cx="1282423" cy="476286"/>
-          </a:xfrm>
-          <a:prstGeom prst="straightConnector1">
-            <a:avLst/>
-          </a:prstGeom>
-          <a:ln>
-            <a:solidFill>
-              <a:schemeClr val="tx1"/>
-            </a:solidFill>
-            <a:tailEnd type="triangle"/>
-          </a:ln>
-        </p:spPr>
-        <p:style>
-          <a:lnRef idx="1">
-            <a:schemeClr val="accent1"/>
-          </a:lnRef>
-          <a:fillRef idx="0">
-            <a:schemeClr val="accent1"/>
-          </a:fillRef>
-          <a:effectRef idx="0">
-            <a:schemeClr val="accent1"/>
-          </a:effectRef>
-          <a:fontRef idx="minor">
-            <a:schemeClr val="tx1"/>
-          </a:fontRef>
-        </p:style>
-      </p:cxnSp>
-      <p:sp>
-        <p:nvSpPr>
-          <p:cNvPr id="14" name="TextBox 13"/>
-          <p:cNvSpPr txBox="1"/>
-          <p:nvPr/>
-        </p:nvSpPr>
-        <p:spPr>
-          <a:xfrm>
-            <a:off x="2919645" y="1469566"/>
-            <a:ext cx="2655780" cy="1292662"/>
-          </a:xfrm>
-          <a:prstGeom prst="rect">
-            <a:avLst/>
-          </a:prstGeom>
-          <a:noFill/>
-          <a:ln>
-            <a:solidFill>
-              <a:schemeClr val="tx1"/>
-            </a:solidFill>
-          </a:ln>
-        </p:spPr>
-        <p:txBody>
-          <a:bodyPr wrap="square" rtlCol="0">
-            <a:spAutoFit/>
-          </a:bodyPr>
-          <a:lstStyle/>
-          <a:p>
-            <a:r>
-              <a:rPr lang="en-US" b="1" dirty="0" smtClean="0">
-                <a:latin typeface="SF Pro Text" charset="0"/>
-                <a:ea typeface="SF Pro Text" charset="0"/>
-                <a:cs typeface="SF Pro Text" charset="0"/>
-              </a:rPr>
-              <a:t>High domestic interest rates</a:t>
-            </a:r>
-            <a:br>
-              <a:rPr lang="en-US" b="1" dirty="0" smtClean="0">
-                <a:latin typeface="SF Pro Text" charset="0"/>
-                <a:ea typeface="SF Pro Text" charset="0"/>
-                <a:cs typeface="SF Pro Text" charset="0"/>
-              </a:rPr>
-            </a:br>
-            <a:r>
-              <a:rPr lang="en-US" sz="1400" dirty="0" smtClean="0">
-                <a:latin typeface="SF Pro Text" charset="0"/>
-                <a:ea typeface="SF Pro Text" charset="0"/>
-                <a:cs typeface="SF Pro Text" charset="0"/>
-              </a:rPr>
-              <a:t>Secured: </a:t>
-            </a:r>
-            <a:r>
-              <a:rPr lang="en-US" sz="1400" b="1" dirty="0" smtClean="0">
-                <a:latin typeface="SF Pro Text" charset="0"/>
-                <a:ea typeface="SF Pro Text" charset="0"/>
-                <a:cs typeface="SF Pro Text" charset="0"/>
-              </a:rPr>
-              <a:t>9.9% - 12.5% </a:t>
-            </a:r>
-          </a:p>
-          <a:p>
-            <a:r>
-              <a:rPr lang="en-US" sz="1400" dirty="0" smtClean="0">
-                <a:latin typeface="SF Pro Text" charset="0"/>
-                <a:ea typeface="SF Pro Text" charset="0"/>
-                <a:cs typeface="SF Pro Text" charset="0"/>
-              </a:rPr>
-              <a:t>Unsecured: </a:t>
-            </a:r>
-            <a:r>
-              <a:rPr lang="en-US" sz="1400" b="1" dirty="0" smtClean="0">
-                <a:latin typeface="SF Pro Text" charset="0"/>
-                <a:ea typeface="SF Pro Text" charset="0"/>
-                <a:cs typeface="SF Pro Text" charset="0"/>
-              </a:rPr>
-              <a:t>17% - 30+%</a:t>
-            </a:r>
-          </a:p>
-          <a:p>
-            <a:r>
-              <a:rPr lang="en-US" sz="1400" dirty="0" smtClean="0">
-                <a:latin typeface="SF Pro Text" charset="0"/>
-                <a:ea typeface="SF Pro Text" charset="0"/>
-                <a:cs typeface="SF Pro Text" charset="0"/>
-              </a:rPr>
-              <a:t>Inflation: 2.5-2.57%</a:t>
-            </a:r>
-            <a:endParaRPr lang="en-US" sz="1400" dirty="0">
-              <a:latin typeface="SF Pro Text" charset="0"/>
-              <a:ea typeface="SF Pro Text" charset="0"/>
-              <a:cs typeface="SF Pro Text" charset="0"/>
-            </a:endParaRPr>
-          </a:p>
-        </p:txBody>
-      </p:sp>
-      <p:sp>
-        <p:nvSpPr>
-          <p:cNvPr id="16" name="TextBox 15"/>
-          <p:cNvSpPr txBox="1"/>
-          <p:nvPr/>
-        </p:nvSpPr>
-        <p:spPr>
-          <a:xfrm>
-            <a:off x="5364279" y="4132769"/>
-            <a:ext cx="1339270" cy="276999"/>
-          </a:xfrm>
-          <a:prstGeom prst="rect">
-            <a:avLst/>
-          </a:prstGeom>
-          <a:noFill/>
-          <a:ln>
-            <a:noFill/>
-          </a:ln>
-        </p:spPr>
-        <p:txBody>
-          <a:bodyPr wrap="square" rtlCol="0">
-            <a:spAutoFit/>
-          </a:bodyPr>
-          <a:lstStyle/>
-          <a:p>
-            <a:r>
-              <a:rPr lang="en-US" sz="1200" dirty="0" smtClean="0">
-                <a:latin typeface="SF Pro Text" charset="0"/>
-                <a:ea typeface="SF Pro Text" charset="0"/>
-                <a:cs typeface="SF Pro Text" charset="0"/>
-              </a:rPr>
-              <a:t>Indonesia</a:t>
-            </a:r>
-            <a:endParaRPr lang="en-US" sz="1050" dirty="0">
-              <a:latin typeface="SF Pro Text" charset="0"/>
-              <a:ea typeface="SF Pro Text" charset="0"/>
-              <a:cs typeface="SF Pro Text" charset="0"/>
-            </a:endParaRPr>
-          </a:p>
-        </p:txBody>
-      </p:sp>
-      <p:cxnSp>
-        <p:nvCxnSpPr>
-          <p:cNvPr id="17" name="Straight Arrow Connector 16"/>
-          <p:cNvCxnSpPr>
-            <a:stCxn id="14" idx="2"/>
-          </p:cNvCxnSpPr>
-          <p:nvPr/>
-        </p:nvCxnSpPr>
-        <p:spPr>
-          <a:xfrm>
-            <a:off x="4247535" y="2762228"/>
-            <a:ext cx="249076" cy="1298849"/>
-          </a:xfrm>
-          <a:prstGeom prst="straightConnector1">
-            <a:avLst/>
-          </a:prstGeom>
-          <a:ln>
-            <a:solidFill>
-              <a:schemeClr val="tx1"/>
-            </a:solidFill>
-            <a:tailEnd type="triangle"/>
-          </a:ln>
-        </p:spPr>
-        <p:style>
-          <a:lnRef idx="1">
-            <a:schemeClr val="accent1"/>
-          </a:lnRef>
-          <a:fillRef idx="0">
-            <a:schemeClr val="accent1"/>
-          </a:fillRef>
-          <a:effectRef idx="0">
-            <a:schemeClr val="accent1"/>
-          </a:effectRef>
-          <a:fontRef idx="minor">
-            <a:schemeClr val="tx1"/>
-          </a:fontRef>
-        </p:style>
-      </p:cxnSp>
-      <p:sp>
-        <p:nvSpPr>
-          <p:cNvPr id="22" name="TextBox 21"/>
-          <p:cNvSpPr txBox="1"/>
-          <p:nvPr/>
-        </p:nvSpPr>
-        <p:spPr>
-          <a:xfrm>
-            <a:off x="4496611" y="5173910"/>
-            <a:ext cx="2684207" cy="1446550"/>
-          </a:xfrm>
-          <a:prstGeom prst="rect">
-            <a:avLst/>
-          </a:prstGeom>
-          <a:noFill/>
-          <a:ln>
-            <a:solidFill>
-              <a:schemeClr val="tx1"/>
-            </a:solidFill>
-          </a:ln>
-        </p:spPr>
-        <p:txBody>
-          <a:bodyPr wrap="square" rtlCol="0">
-            <a:spAutoFit/>
-          </a:bodyPr>
-          <a:lstStyle/>
-          <a:p>
-            <a:r>
-              <a:rPr lang="en-US" b="1" dirty="0" smtClean="0">
-                <a:latin typeface="SF Pro Text" charset="0"/>
-                <a:ea typeface="SF Pro Text" charset="0"/>
-                <a:cs typeface="SF Pro Text" charset="0"/>
-              </a:rPr>
-              <a:t>Lender’s Fees</a:t>
-            </a:r>
-            <a:br>
-              <a:rPr lang="en-US" b="1" dirty="0" smtClean="0">
-                <a:latin typeface="SF Pro Text" charset="0"/>
-                <a:ea typeface="SF Pro Text" charset="0"/>
-                <a:cs typeface="SF Pro Text" charset="0"/>
-              </a:rPr>
-            </a:br>
-            <a:r>
-              <a:rPr lang="en-US" sz="1400" dirty="0" smtClean="0">
-                <a:latin typeface="SF Pro Text" charset="0"/>
-                <a:ea typeface="SF Pro Text" charset="0"/>
-                <a:cs typeface="SF Pro Text" charset="0"/>
-              </a:rPr>
-              <a:t>Traditional lenders charge origination fees (3-5% of loan amount) on top of interest to cover their operations. For a $60,000 loan, that’s $3,000.</a:t>
-            </a:r>
-            <a:endParaRPr lang="en-US" sz="1400" dirty="0">
-              <a:latin typeface="SF Pro Text" charset="0"/>
-              <a:ea typeface="SF Pro Text" charset="0"/>
-              <a:cs typeface="SF Pro Text" charset="0"/>
-            </a:endParaRPr>
-          </a:p>
-        </p:txBody>
-      </p:sp>
-      <p:cxnSp>
-        <p:nvCxnSpPr>
-          <p:cNvPr id="23" name="Straight Arrow Connector 22"/>
-          <p:cNvCxnSpPr>
-            <a:stCxn id="22" idx="0"/>
-          </p:cNvCxnSpPr>
-          <p:nvPr/>
-        </p:nvCxnSpPr>
-        <p:spPr>
-          <a:xfrm flipH="1" flipV="1">
-            <a:off x="4738296" y="4409768"/>
-            <a:ext cx="1100419" cy="764142"/>
-          </a:xfrm>
-          <a:prstGeom prst="straightConnector1">
-            <a:avLst/>
-          </a:prstGeom>
-          <a:ln>
-            <a:solidFill>
-              <a:schemeClr val="tx1"/>
-            </a:solidFill>
-            <a:tailEnd type="triangle"/>
-          </a:ln>
-        </p:spPr>
-        <p:style>
-          <a:lnRef idx="1">
-            <a:schemeClr val="accent1"/>
-          </a:lnRef>
-          <a:fillRef idx="0">
-            <a:schemeClr val="accent1"/>
-          </a:fillRef>
-          <a:effectRef idx="0">
-            <a:schemeClr val="accent1"/>
-          </a:effectRef>
-          <a:fontRef idx="minor">
-            <a:schemeClr val="tx1"/>
-          </a:fontRef>
-        </p:style>
-      </p:cxnSp>
-    </p:spTree>
-    <p:extLst>
-      <p:ext uri="{BB962C8B-B14F-4D97-AF65-F5344CB8AC3E}">
-        <p14:creationId xmlns:p14="http://schemas.microsoft.com/office/powerpoint/2010/main" val="641689755"/>
-      </p:ext>
-    </p:extLst>
-  </p:cSld>
-  <p:clrMapOvr>
-    <a:masterClrMapping/>
-  </p:clrMapOvr>
-</p:sld>
-</file>
-
-<file path=ppt/slides/slide5.xml><?xml version="1.0" encoding="utf-8"?>
-<p:sld xmlns:a="http://schemas.openxmlformats.org/drawingml/2006/main" xmlns:r="http://schemas.openxmlformats.org/officeDocument/2006/relationships" xmlns:p="http://schemas.openxmlformats.org/presentationml/2006/main">
-  <p:cSld>
-    <p:spTree>
-      <p:nvGrpSpPr>
-        <p:cNvPr id="1" name=""/>
-        <p:cNvGrpSpPr/>
-        <p:nvPr/>
-      </p:nvGrpSpPr>
-      <p:grpSpPr>
-        <a:xfrm>
-          <a:off x="0" y="0"/>
-          <a:ext cx="0" cy="0"/>
-          <a:chOff x="0" y="0"/>
-          <a:chExt cx="0" cy="0"/>
-        </a:xfrm>
-      </p:grpSpPr>
-      <p:pic>
-        <p:nvPicPr>
-          <p:cNvPr id="7" name="Content Placeholder 3"/>
-          <p:cNvPicPr>
-            <a:picLocks noGrp="1" noChangeAspect="1"/>
-          </p:cNvPicPr>
-          <p:nvPr>
-            <p:ph idx="1"/>
-          </p:nvPr>
-        </p:nvPicPr>
-        <p:blipFill rotWithShape="1">
-          <a:blip r:embed="rId2"/>
-          <a:srcRect b="16045"/>
-          <a:stretch/>
-        </p:blipFill>
-        <p:spPr>
-          <a:xfrm>
-            <a:off x="7429895" y="1060652"/>
-            <a:ext cx="4168000" cy="2344501"/>
-          </a:xfrm>
-          <a:prstGeom prst="rect">
-            <a:avLst/>
-          </a:prstGeom>
-        </p:spPr>
-      </p:pic>
-      <p:sp>
-        <p:nvSpPr>
-          <p:cNvPr id="2" name="Title 1"/>
-          <p:cNvSpPr>
-            <a:spLocks noGrp="1"/>
-          </p:cNvSpPr>
-          <p:nvPr>
-            <p:ph type="title"/>
-          </p:nvPr>
-        </p:nvSpPr>
-        <p:spPr>
-          <a:xfrm>
-            <a:off x="381395" y="135139"/>
-            <a:ext cx="2606733" cy="1325563"/>
-          </a:xfrm>
-        </p:spPr>
-        <p:txBody>
-          <a:bodyPr>
-            <a:normAutofit/>
-          </a:bodyPr>
-          <a:lstStyle/>
-          <a:p>
-            <a:r>
-              <a:rPr lang="en-US" dirty="0" smtClean="0"/>
-              <a:t>Problem</a:t>
-            </a:r>
-            <a:endParaRPr lang="en-US" dirty="0"/>
-          </a:p>
-        </p:txBody>
-      </p:sp>
-      <p:pic>
-        <p:nvPicPr>
-          <p:cNvPr id="3" name="Picture 2"/>
-          <p:cNvPicPr>
-            <a:picLocks noChangeAspect="1"/>
-          </p:cNvPicPr>
-          <p:nvPr/>
-        </p:nvPicPr>
-        <p:blipFill>
-          <a:blip r:embed="rId3"/>
-          <a:stretch>
-            <a:fillRect/>
-          </a:stretch>
-        </p:blipFill>
-        <p:spPr>
-          <a:xfrm>
-            <a:off x="7429895" y="3405153"/>
-            <a:ext cx="4160553" cy="2472130"/>
-          </a:xfrm>
-          <a:prstGeom prst="rect">
-            <a:avLst/>
-          </a:prstGeom>
-        </p:spPr>
-      </p:pic>
-      <p:pic>
-        <p:nvPicPr>
-          <p:cNvPr id="5" name="Picture 4" descr="https://enable-loans-staging.herokuapp.com/static/media/world_dotted_map.8095d163.png"/>
-          <p:cNvPicPr>
-            <a:picLocks noChangeAspect="1" noChangeArrowheads="1"/>
-          </p:cNvPicPr>
-          <p:nvPr/>
-        </p:nvPicPr>
-        <p:blipFill>
-          <a:blip r:embed="rId4">
-            <a:extLst>
-              <a:ext uri="{28A0092B-C50C-407E-A947-70E740481C1C}">
-                <a14:useLocalDpi xmlns:a14="http://schemas.microsoft.com/office/drawing/2010/main" val="0"/>
-              </a:ext>
-            </a:extLst>
-          </a:blip>
-          <a:srcRect/>
-          <a:stretch>
-            <a:fillRect/>
-          </a:stretch>
-        </p:blipFill>
-        <p:spPr bwMode="auto">
-          <a:xfrm>
-            <a:off x="1667240" y="2847249"/>
-            <a:ext cx="3716884" cy="2101434"/>
-          </a:xfrm>
-          <a:prstGeom prst="rect">
-            <a:avLst/>
-          </a:prstGeom>
-          <a:noFill/>
-          <a:extLst>
-            <a:ext uri="{909E8E84-426E-40DD-AFC4-6F175D3DCCD1}">
-              <a14:hiddenFill xmlns:a14="http://schemas.microsoft.com/office/drawing/2010/main">
-                <a:solidFill>
-                  <a:srgbClr val="FFFFFF"/>
-                </a:solidFill>
-              </a14:hiddenFill>
-            </a:ext>
-          </a:extLst>
-        </p:spPr>
-      </p:pic>
-      <p:sp>
-        <p:nvSpPr>
-          <p:cNvPr id="9" name="TextBox 8"/>
-          <p:cNvSpPr txBox="1"/>
-          <p:nvPr/>
-        </p:nvSpPr>
-        <p:spPr>
-          <a:xfrm>
-            <a:off x="3137181" y="475877"/>
-            <a:ext cx="3427135" cy="584775"/>
-          </a:xfrm>
-          <a:prstGeom prst="rect">
-            <a:avLst/>
-          </a:prstGeom>
-          <a:noFill/>
-        </p:spPr>
-        <p:txBody>
-          <a:bodyPr wrap="square" rtlCol="0">
-            <a:spAutoFit/>
-          </a:bodyPr>
-          <a:lstStyle/>
-          <a:p>
-            <a:r>
-              <a:rPr lang="en-US" b="1" dirty="0" smtClean="0">
-                <a:latin typeface="SF Pro Text" charset="0"/>
-                <a:ea typeface="SF Pro Text" charset="0"/>
-                <a:cs typeface="SF Pro Text" charset="0"/>
-              </a:rPr>
-              <a:t>$60,000 due May 20th</a:t>
-            </a:r>
-            <a:br>
-              <a:rPr lang="en-US" b="1" dirty="0" smtClean="0">
-                <a:latin typeface="SF Pro Text" charset="0"/>
-                <a:ea typeface="SF Pro Text" charset="0"/>
-                <a:cs typeface="SF Pro Text" charset="0"/>
-              </a:rPr>
-            </a:br>
-            <a:r>
-              <a:rPr lang="en-US" sz="1400" dirty="0" smtClean="0">
-                <a:latin typeface="SF Pro Text" charset="0"/>
-                <a:ea typeface="SF Pro Text" charset="0"/>
-                <a:cs typeface="SF Pro Text" charset="0"/>
-              </a:rPr>
-              <a:t>Cornell University, Masters </a:t>
-            </a:r>
-            <a:r>
-              <a:rPr lang="en-US" sz="1400" smtClean="0">
-                <a:latin typeface="SF Pro Text" charset="0"/>
-                <a:ea typeface="SF Pro Text" charset="0"/>
-                <a:cs typeface="SF Pro Text" charset="0"/>
-              </a:rPr>
-              <a:t>in HR</a:t>
-            </a:r>
-            <a:endParaRPr lang="en-US" sz="1400" dirty="0">
-              <a:latin typeface="SF Pro Text" charset="0"/>
-              <a:ea typeface="SF Pro Text" charset="0"/>
-              <a:cs typeface="SF Pro Text" charset="0"/>
-            </a:endParaRPr>
-          </a:p>
-        </p:txBody>
-      </p:sp>
-      <p:sp>
-        <p:nvSpPr>
-          <p:cNvPr id="14" name="TextBox 13"/>
-          <p:cNvSpPr txBox="1"/>
-          <p:nvPr/>
-        </p:nvSpPr>
-        <p:spPr>
-          <a:xfrm>
-            <a:off x="1366303" y="1779215"/>
-            <a:ext cx="4902724" cy="800219"/>
-          </a:xfrm>
-          <a:prstGeom prst="rect">
-            <a:avLst/>
-          </a:prstGeom>
-          <a:noFill/>
-          <a:ln>
-            <a:solidFill>
-              <a:schemeClr val="tx1"/>
-            </a:solidFill>
-          </a:ln>
-        </p:spPr>
-        <p:txBody>
-          <a:bodyPr wrap="square" rtlCol="0">
-            <a:spAutoFit/>
-          </a:bodyPr>
-          <a:lstStyle/>
-          <a:p>
-            <a:r>
-              <a:rPr lang="en-US" b="1" dirty="0" smtClean="0">
-                <a:latin typeface="SF Pro Text" charset="0"/>
-                <a:ea typeface="SF Pro Text" charset="0"/>
-                <a:cs typeface="SF Pro Text" charset="0"/>
-              </a:rPr>
-              <a:t>Cost of sending money to the US</a:t>
-            </a:r>
-            <a:br>
-              <a:rPr lang="en-US" b="1" dirty="0" smtClean="0">
-                <a:latin typeface="SF Pro Text" charset="0"/>
-                <a:ea typeface="SF Pro Text" charset="0"/>
-                <a:cs typeface="SF Pro Text" charset="0"/>
-              </a:rPr>
-            </a:br>
-            <a:r>
-              <a:rPr lang="en-US" sz="1400" dirty="0" smtClean="0">
-                <a:latin typeface="SF Pro Text" charset="0"/>
-                <a:ea typeface="SF Pro Text" charset="0"/>
-                <a:cs typeface="SF Pro Text" charset="0"/>
-              </a:rPr>
-              <a:t>Domestic bank fees and US bank fees can amount up to 5% or more. For a $60,000 loan, that’s $3,000</a:t>
-            </a:r>
-            <a:endParaRPr lang="en-US" sz="1400" b="1" dirty="0">
-              <a:latin typeface="SF Pro Text" charset="0"/>
-              <a:ea typeface="SF Pro Text" charset="0"/>
-              <a:cs typeface="SF Pro Text" charset="0"/>
-            </a:endParaRPr>
-          </a:p>
-        </p:txBody>
-      </p:sp>
-      <p:sp>
-        <p:nvSpPr>
-          <p:cNvPr id="16" name="TextBox 15"/>
-          <p:cNvSpPr txBox="1"/>
-          <p:nvPr/>
-        </p:nvSpPr>
-        <p:spPr>
-          <a:xfrm>
-            <a:off x="5364279" y="4132769"/>
-            <a:ext cx="1339270" cy="276999"/>
-          </a:xfrm>
-          <a:prstGeom prst="rect">
-            <a:avLst/>
-          </a:prstGeom>
-          <a:noFill/>
-          <a:ln>
-            <a:noFill/>
-          </a:ln>
-        </p:spPr>
-        <p:txBody>
-          <a:bodyPr wrap="square" rtlCol="0">
-            <a:spAutoFit/>
-          </a:bodyPr>
-          <a:lstStyle/>
-          <a:p>
-            <a:r>
-              <a:rPr lang="en-US" sz="1200" dirty="0" smtClean="0">
-                <a:latin typeface="SF Pro Text" charset="0"/>
-                <a:ea typeface="SF Pro Text" charset="0"/>
-                <a:cs typeface="SF Pro Text" charset="0"/>
-              </a:rPr>
-              <a:t>Indonesia</a:t>
-            </a:r>
-            <a:endParaRPr lang="en-US" sz="1050" dirty="0">
-              <a:latin typeface="SF Pro Text" charset="0"/>
-              <a:ea typeface="SF Pro Text" charset="0"/>
-              <a:cs typeface="SF Pro Text" charset="0"/>
-            </a:endParaRPr>
-          </a:p>
-        </p:txBody>
-      </p:sp>
-      <p:cxnSp>
-        <p:nvCxnSpPr>
-          <p:cNvPr id="17" name="Straight Arrow Connector 16"/>
-          <p:cNvCxnSpPr>
-            <a:stCxn id="14" idx="2"/>
-          </p:cNvCxnSpPr>
-          <p:nvPr/>
-        </p:nvCxnSpPr>
-        <p:spPr>
-          <a:xfrm flipH="1">
-            <a:off x="3598607" y="2579434"/>
-            <a:ext cx="219058" cy="796834"/>
-          </a:xfrm>
-          <a:prstGeom prst="straightConnector1">
-            <a:avLst/>
-          </a:prstGeom>
-          <a:ln>
-            <a:solidFill>
-              <a:schemeClr val="tx1"/>
-            </a:solidFill>
-            <a:tailEnd type="triangle"/>
-          </a:ln>
-        </p:spPr>
-        <p:style>
-          <a:lnRef idx="1">
-            <a:schemeClr val="accent1"/>
-          </a:lnRef>
-          <a:fillRef idx="0">
-            <a:schemeClr val="accent1"/>
-          </a:fillRef>
-          <a:effectRef idx="0">
-            <a:schemeClr val="accent1"/>
-          </a:effectRef>
-          <a:fontRef idx="minor">
-            <a:schemeClr val="tx1"/>
-          </a:fontRef>
-        </p:style>
-      </p:cxnSp>
-      <p:cxnSp>
-        <p:nvCxnSpPr>
-          <p:cNvPr id="23" name="Straight Arrow Connector 22"/>
-          <p:cNvCxnSpPr/>
-          <p:nvPr/>
-        </p:nvCxnSpPr>
-        <p:spPr>
-          <a:xfrm flipH="1" flipV="1">
-            <a:off x="2486683" y="3515895"/>
-            <a:ext cx="2012978" cy="755373"/>
-          </a:xfrm>
-          <a:prstGeom prst="straightConnector1">
-            <a:avLst/>
-          </a:prstGeom>
-          <a:ln w="38100">
-            <a:solidFill>
-              <a:schemeClr val="tx1"/>
-            </a:solidFill>
-            <a:tailEnd type="triangle"/>
-          </a:ln>
-        </p:spPr>
-        <p:style>
-          <a:lnRef idx="1">
-            <a:schemeClr val="accent1"/>
-          </a:lnRef>
-          <a:fillRef idx="0">
-            <a:schemeClr val="accent1"/>
-          </a:fillRef>
-          <a:effectRef idx="0">
-            <a:schemeClr val="accent1"/>
-          </a:effectRef>
-          <a:fontRef idx="minor">
-            <a:schemeClr val="tx1"/>
-          </a:fontRef>
-        </p:style>
-      </p:cxnSp>
-    </p:spTree>
-    <p:extLst>
-      <p:ext uri="{BB962C8B-B14F-4D97-AF65-F5344CB8AC3E}">
-        <p14:creationId xmlns:p14="http://schemas.microsoft.com/office/powerpoint/2010/main" val="740250046"/>
       </p:ext>
     </p:extLst>
   </p:cSld>
@@ -7457,7 +9407,7 @@
           </p:nvPr>
         </p:nvPicPr>
         <p:blipFill rotWithShape="1">
-          <a:blip r:embed="rId2"/>
+          <a:blip r:embed="rId3"/>
           <a:srcRect b="16045"/>
           <a:stretch/>
         </p:blipFill>
@@ -7484,7 +9434,7 @@
         <p:spPr>
           <a:xfrm>
             <a:off x="381395" y="135139"/>
-            <a:ext cx="2606733" cy="1325563"/>
+            <a:ext cx="3092330" cy="1325563"/>
           </a:xfrm>
         </p:spPr>
         <p:txBody>
@@ -7495,7 +9445,7 @@
           <a:p>
             <a:r>
               <a:rPr lang="en-US" dirty="0" smtClean="0"/>
-              <a:t>Problem</a:t>
+              <a:t>Ines’ Story</a:t>
             </a:r>
             <a:endParaRPr lang="en-US" dirty="0"/>
           </a:p>
@@ -7510,7 +9460,7 @@
           <p:nvPr/>
         </p:nvPicPr>
         <p:blipFill>
-          <a:blip r:embed="rId3"/>
+          <a:blip r:embed="rId4"/>
           <a:stretch>
             <a:fillRect/>
           </a:stretch>
@@ -7534,7 +9484,7 @@
           <p:nvPr/>
         </p:nvPicPr>
         <p:blipFill>
-          <a:blip r:embed="rId4">
+          <a:blip r:embed="rId5">
             <a:extLst>
               <a:ext uri="{28A0092B-C50C-407E-A947-70E740481C1C}">
                 <a14:useLocalDpi xmlns:a14="http://schemas.microsoft.com/office/drawing/2010/main" val="0"/>
@@ -7574,7 +9524,7 @@
         </p:nvSpPr>
         <p:spPr>
           <a:xfrm>
-            <a:off x="3137181" y="475877"/>
+            <a:off x="3503360" y="489574"/>
             <a:ext cx="3427135" cy="584775"/>
           </a:xfrm>
           <a:prstGeom prst="rect">
@@ -7629,21 +9579,23 @@
       </p:sp>
       <p:sp>
         <p:nvSpPr>
-          <p:cNvPr id="16" name="TextBox 15"/>
+          <p:cNvPr id="12" name="TextBox 11"/>
           <p:cNvSpPr txBox="1"/>
           <p:nvPr/>
         </p:nvSpPr>
         <p:spPr>
           <a:xfrm>
-            <a:off x="5364279" y="4132769"/>
-            <a:ext cx="1339270" cy="276999"/>
+            <a:off x="335644" y="4743023"/>
+            <a:ext cx="3138081" cy="1877437"/>
           </a:xfrm>
           <a:prstGeom prst="rect">
             <a:avLst/>
           </a:prstGeom>
           <a:noFill/>
           <a:ln>
-            <a:noFill/>
+            <a:solidFill>
+              <a:schemeClr val="tx1"/>
+            </a:solidFill>
           </a:ln>
         </p:spPr>
         <p:txBody>
@@ -7653,14 +9605,37 @@
           <a:lstStyle/>
           <a:p>
             <a:r>
-              <a:rPr lang="en-US" sz="1200" dirty="0" smtClean="0">
+              <a:rPr lang="en-US" b="1" dirty="0" smtClean="0">
                 <a:latin typeface="SF Pro Text" charset="0"/>
                 <a:ea typeface="SF Pro Text" charset="0"/>
                 <a:cs typeface="SF Pro Text" charset="0"/>
               </a:rPr>
-              <a:t>Indonesia</a:t>
-            </a:r>
-            <a:endParaRPr lang="en-US" sz="1050" dirty="0">
+              <a:t>No access to capital</a:t>
+            </a:r>
+            <a:br>
+              <a:rPr lang="en-US" b="1" dirty="0" smtClean="0">
+                <a:latin typeface="SF Pro Text" charset="0"/>
+                <a:ea typeface="SF Pro Text" charset="0"/>
+                <a:cs typeface="SF Pro Text" charset="0"/>
+              </a:rPr>
+            </a:br>
+            <a:r>
+              <a:rPr lang="en-US" sz="1400" dirty="0" smtClean="0">
+                <a:latin typeface="SF Pro Text" charset="0"/>
+                <a:ea typeface="SF Pro Text" charset="0"/>
+                <a:cs typeface="SF Pro Text" charset="0"/>
+              </a:rPr>
+              <a:t>No low-interest rate federal student loan programs, private and state-owned banks only tend to give out small loans (&lt;$3,000) and don’t fund $60,000 loans over 10 </a:t>
+            </a:r>
+            <a:r>
+              <a:rPr lang="en-US" sz="1400" smtClean="0">
+                <a:latin typeface="SF Pro Text" charset="0"/>
+                <a:ea typeface="SF Pro Text" charset="0"/>
+                <a:cs typeface="SF Pro Text" charset="0"/>
+              </a:rPr>
+              <a:t>years unless it’s a mortgage or commercial loan</a:t>
+            </a:r>
+            <a:endParaRPr lang="en-US" sz="1400" dirty="0">
               <a:latin typeface="SF Pro Text" charset="0"/>
               <a:ea typeface="SF Pro Text" charset="0"/>
               <a:cs typeface="SF Pro Text" charset="0"/>
@@ -7670,14 +9645,14 @@
       </p:sp>
       <p:cxnSp>
         <p:nvCxnSpPr>
-          <p:cNvPr id="12" name="Straight Arrow Connector 11"/>
+          <p:cNvPr id="13" name="Straight Arrow Connector 12"/>
           <p:cNvCxnSpPr/>
           <p:nvPr/>
         </p:nvCxnSpPr>
         <p:spPr>
           <a:xfrm flipV="1">
-            <a:off x="1684761" y="3805084"/>
-            <a:ext cx="792969" cy="1143599"/>
+            <a:off x="2965112" y="4266737"/>
+            <a:ext cx="1282423" cy="476286"/>
           </a:xfrm>
           <a:prstGeom prst="straightConnector1">
             <a:avLst/>
@@ -7706,14 +9681,14 @@
       </p:cxnSp>
       <p:sp>
         <p:nvSpPr>
-          <p:cNvPr id="13" name="TextBox 12"/>
+          <p:cNvPr id="14" name="TextBox 13"/>
           <p:cNvSpPr txBox="1"/>
           <p:nvPr/>
         </p:nvSpPr>
         <p:spPr>
           <a:xfrm>
-            <a:off x="335644" y="1372085"/>
-            <a:ext cx="3587427" cy="1292662"/>
+            <a:off x="2919645" y="1469566"/>
+            <a:ext cx="2655780" cy="1292662"/>
           </a:xfrm>
           <a:prstGeom prst="rect">
             <a:avLst/>
@@ -7737,7 +9712,7 @@
                 <a:ea typeface="SF Pro Text" charset="0"/>
                 <a:cs typeface="SF Pro Text" charset="0"/>
               </a:rPr>
-              <a:t>Immigrants have no credit history</a:t>
+              <a:t>High domestic interest rates</a:t>
             </a:r>
             <a:br>
               <a:rPr lang="en-US" b="1" dirty="0" smtClean="0">
@@ -7752,9 +9727,45 @@
                 <a:ea typeface="SF Pro Text" charset="0"/>
                 <a:cs typeface="SF Pro Text" charset="0"/>
               </a:rPr>
-              <a:t>Credit score and financial reputation in Indonesia doesn’t follow Ines to the US, despite being an executive in Indonesia</a:t>
-            </a:r>
-            <a:endParaRPr lang="en-US" sz="1400" b="1" dirty="0">
+              <a:t>Secured: </a:t>
+            </a:r>
+            <a:r>
+              <a:rPr lang="en-US" sz="1400" b="1" dirty="0" smtClean="0">
+                <a:latin typeface="SF Pro Text" charset="0"/>
+                <a:ea typeface="SF Pro Text" charset="0"/>
+                <a:cs typeface="SF Pro Text" charset="0"/>
+              </a:rPr>
+              <a:t>9.9% - 12.5% </a:t>
+            </a:r>
+          </a:p>
+          <a:p>
+            <a:r>
+              <a:rPr lang="en-US" sz="1400" dirty="0" smtClean="0">
+                <a:latin typeface="SF Pro Text" charset="0"/>
+                <a:ea typeface="SF Pro Text" charset="0"/>
+                <a:cs typeface="SF Pro Text" charset="0"/>
+              </a:rPr>
+              <a:t>Unsecured: </a:t>
+            </a:r>
+            <a:r>
+              <a:rPr lang="en-US" sz="1400" b="1" dirty="0" smtClean="0">
+                <a:latin typeface="SF Pro Text" charset="0"/>
+                <a:ea typeface="SF Pro Text" charset="0"/>
+                <a:cs typeface="SF Pro Text" charset="0"/>
+              </a:rPr>
+              <a:t>17% - 30+%</a:t>
+            </a:r>
+          </a:p>
+          <a:p>
+            <a:r>
+              <a:rPr lang="en-US" sz="1400" dirty="0" smtClean="0">
+                <a:latin typeface="SF Pro Text" charset="0"/>
+                <a:ea typeface="SF Pro Text" charset="0"/>
+                <a:cs typeface="SF Pro Text" charset="0"/>
+              </a:rPr>
+              <a:t>Inflation: 2.5-2.57%</a:t>
+            </a:r>
+            <a:endParaRPr lang="en-US" sz="1400" dirty="0">
               <a:latin typeface="SF Pro Text" charset="0"/>
               <a:ea typeface="SF Pro Text" charset="0"/>
               <a:cs typeface="SF Pro Text" charset="0"/>
@@ -7762,18 +9773,59 @@
           </a:p>
         </p:txBody>
       </p:sp>
+      <p:sp>
+        <p:nvSpPr>
+          <p:cNvPr id="16" name="TextBox 15"/>
+          <p:cNvSpPr txBox="1"/>
+          <p:nvPr/>
+        </p:nvSpPr>
+        <p:spPr>
+          <a:xfrm>
+            <a:off x="5364279" y="4132769"/>
+            <a:ext cx="1339270" cy="276999"/>
+          </a:xfrm>
+          <a:prstGeom prst="rect">
+            <a:avLst/>
+          </a:prstGeom>
+          <a:noFill/>
+          <a:ln>
+            <a:noFill/>
+          </a:ln>
+        </p:spPr>
+        <p:txBody>
+          <a:bodyPr wrap="square" rtlCol="0">
+            <a:spAutoFit/>
+          </a:bodyPr>
+          <a:lstStyle/>
+          <a:p>
+            <a:r>
+              <a:rPr lang="en-US" sz="1200" dirty="0" smtClean="0">
+                <a:latin typeface="SF Pro Text" charset="0"/>
+                <a:ea typeface="SF Pro Text" charset="0"/>
+                <a:cs typeface="SF Pro Text" charset="0"/>
+              </a:rPr>
+              <a:t>Indonesia</a:t>
+            </a:r>
+            <a:endParaRPr lang="en-US" sz="1050" dirty="0">
+              <a:latin typeface="SF Pro Text" charset="0"/>
+              <a:ea typeface="SF Pro Text" charset="0"/>
+              <a:cs typeface="SF Pro Text" charset="0"/>
+            </a:endParaRPr>
+          </a:p>
+        </p:txBody>
+      </p:sp>
       <p:cxnSp>
         <p:nvCxnSpPr>
-          <p:cNvPr id="15" name="Straight Arrow Connector 14"/>
+          <p:cNvPr id="17" name="Straight Arrow Connector 16"/>
           <p:cNvCxnSpPr>
-            <a:stCxn id="13" idx="2"/>
+            <a:stCxn id="14" idx="2"/>
           </p:cNvCxnSpPr>
           <p:nvPr/>
         </p:nvCxnSpPr>
         <p:spPr>
           <a:xfrm>
-            <a:off x="2129358" y="2664747"/>
-            <a:ext cx="200887" cy="740406"/>
+            <a:off x="4247535" y="2762228"/>
+            <a:ext cx="249076" cy="1298849"/>
           </a:xfrm>
           <a:prstGeom prst="straightConnector1">
             <a:avLst/>
@@ -7802,21 +9854,23 @@
       </p:cxnSp>
       <p:sp>
         <p:nvSpPr>
-          <p:cNvPr id="18" name="TextBox 17"/>
+          <p:cNvPr id="22" name="TextBox 21"/>
           <p:cNvSpPr txBox="1"/>
           <p:nvPr/>
         </p:nvSpPr>
         <p:spPr>
           <a:xfrm>
-            <a:off x="381396" y="5006422"/>
-            <a:ext cx="3670008" cy="1862048"/>
+            <a:off x="4496611" y="5173910"/>
+            <a:ext cx="2684207" cy="1446550"/>
           </a:xfrm>
           <a:prstGeom prst="rect">
             <a:avLst/>
           </a:prstGeom>
           <a:noFill/>
           <a:ln>
-            <a:noFill/>
+            <a:solidFill>
+              <a:schemeClr val="tx1"/>
+            </a:solidFill>
           </a:ln>
         </p:spPr>
         <p:txBody>
@@ -7831,163 +9885,23 @@
                 <a:ea typeface="SF Pro Text" charset="0"/>
                 <a:cs typeface="SF Pro Text" charset="0"/>
               </a:rPr>
-              <a:t>Current Solution: </a:t>
-            </a:r>
-            <a:endParaRPr lang="en-US" b="1" dirty="0">
-              <a:latin typeface="SF Pro Text" charset="0"/>
-              <a:ea typeface="SF Pro Text" charset="0"/>
-              <a:cs typeface="SF Pro Text" charset="0"/>
-            </a:endParaRPr>
-          </a:p>
-          <a:p>
+              <a:t>Lender’s Fees</a:t>
+            </a:r>
+            <a:br>
+              <a:rPr lang="en-US" b="1" dirty="0" smtClean="0">
+                <a:latin typeface="SF Pro Text" charset="0"/>
+                <a:ea typeface="SF Pro Text" charset="0"/>
+                <a:cs typeface="SF Pro Text" charset="0"/>
+              </a:rPr>
+            </a:br>
             <a:r>
               <a:rPr lang="en-US" sz="1400" dirty="0" smtClean="0">
                 <a:latin typeface="SF Pro Text" charset="0"/>
                 <a:ea typeface="SF Pro Text" charset="0"/>
                 <a:cs typeface="SF Pro Text" charset="0"/>
               </a:rPr>
-              <a:t>Cross-border lenders (</a:t>
-            </a:r>
-            <a:r>
-              <a:rPr lang="en-US" sz="1400" dirty="0" err="1" smtClean="0">
-                <a:latin typeface="SF Pro Text" charset="0"/>
-                <a:ea typeface="SF Pro Text" charset="0"/>
-                <a:cs typeface="SF Pro Text" charset="0"/>
-              </a:rPr>
-              <a:t>Mpower</a:t>
-            </a:r>
-            <a:r>
-              <a:rPr lang="en-US" sz="1400" dirty="0" smtClean="0">
-                <a:latin typeface="SF Pro Text" charset="0"/>
-                <a:ea typeface="SF Pro Text" charset="0"/>
-                <a:cs typeface="SF Pro Text" charset="0"/>
-              </a:rPr>
-              <a:t>, Prodigy)</a:t>
-            </a:r>
-            <a:br>
-              <a:rPr lang="en-US" sz="1400" dirty="0" smtClean="0">
-                <a:latin typeface="SF Pro Text" charset="0"/>
-                <a:ea typeface="SF Pro Text" charset="0"/>
-                <a:cs typeface="SF Pro Text" charset="0"/>
-              </a:rPr>
-            </a:br>
-            <a:endParaRPr lang="en-US" sz="900" dirty="0" smtClean="0">
-              <a:latin typeface="SF Pro Text" charset="0"/>
-              <a:ea typeface="SF Pro Text" charset="0"/>
-              <a:cs typeface="SF Pro Text" charset="0"/>
-            </a:endParaRPr>
-          </a:p>
-          <a:p>
-            <a:pPr marL="285750" indent="-285750">
-              <a:buFont typeface="Arial" charset="0"/>
-              <a:buChar char="•"/>
-            </a:pPr>
-            <a:r>
-              <a:rPr lang="en-US" sz="1400" b="1" dirty="0" smtClean="0">
-                <a:latin typeface="SF Pro Text" charset="0"/>
-                <a:ea typeface="SF Pro Text" charset="0"/>
-                <a:cs typeface="SF Pro Text" charset="0"/>
-              </a:rPr>
-              <a:t>11.99%</a:t>
-            </a:r>
-            <a:r>
-              <a:rPr lang="en-US" sz="1400" dirty="0" smtClean="0">
-                <a:latin typeface="SF Pro Text" charset="0"/>
-                <a:ea typeface="SF Pro Text" charset="0"/>
-                <a:cs typeface="SF Pro Text" charset="0"/>
-              </a:rPr>
-              <a:t> p.a. interest for $60,000, 10 year loan term </a:t>
-            </a:r>
-            <a:r>
-              <a:rPr lang="en-US" sz="1400" b="1" dirty="0" smtClean="0">
-                <a:latin typeface="SF Pro Text" charset="0"/>
-                <a:ea typeface="SF Pro Text" charset="0"/>
-                <a:cs typeface="SF Pro Text" charset="0"/>
-              </a:rPr>
-              <a:t>(total: </a:t>
-            </a:r>
-            <a:r>
-              <a:rPr lang="en-US" b="1" dirty="0" smtClean="0">
-                <a:latin typeface="SF Pro Text" charset="0"/>
-                <a:ea typeface="SF Pro Text" charset="0"/>
-                <a:cs typeface="SF Pro Text" charset="0"/>
-              </a:rPr>
-              <a:t>$103+k</a:t>
-            </a:r>
-            <a:r>
-              <a:rPr lang="en-US" sz="1400" b="1" dirty="0" smtClean="0">
-                <a:latin typeface="SF Pro Text" charset="0"/>
-                <a:ea typeface="SF Pro Text" charset="0"/>
-                <a:cs typeface="SF Pro Text" charset="0"/>
-              </a:rPr>
-              <a:t>)</a:t>
-            </a:r>
-          </a:p>
-          <a:p>
-            <a:pPr marL="285750" indent="-285750">
-              <a:buFont typeface="Arial" charset="0"/>
-              <a:buChar char="•"/>
-            </a:pPr>
-            <a:r>
-              <a:rPr lang="en-US" sz="1400" b="1" dirty="0" smtClean="0">
-                <a:latin typeface="SF Pro Text" charset="0"/>
-                <a:ea typeface="SF Pro Text" charset="0"/>
-                <a:cs typeface="SF Pro Text" charset="0"/>
-              </a:rPr>
-              <a:t>5% </a:t>
-            </a:r>
-            <a:r>
-              <a:rPr lang="en-US" sz="1400" dirty="0" smtClean="0">
-                <a:latin typeface="SF Pro Text" charset="0"/>
-                <a:ea typeface="SF Pro Text" charset="0"/>
-                <a:cs typeface="SF Pro Text" charset="0"/>
-              </a:rPr>
-              <a:t>origination fee (i.e. $3,000)</a:t>
-            </a:r>
-          </a:p>
-          <a:p>
-            <a:pPr marL="285750" indent="-285750">
-              <a:buFont typeface="Arial" charset="0"/>
-              <a:buChar char="•"/>
-            </a:pPr>
-            <a:r>
-              <a:rPr lang="en-US" sz="1400" dirty="0" smtClean="0">
-                <a:latin typeface="SF Pro Text" charset="0"/>
-                <a:ea typeface="SF Pro Text" charset="0"/>
-                <a:cs typeface="SF Pro Text" charset="0"/>
-              </a:rPr>
-              <a:t>Only funds </a:t>
-            </a:r>
-            <a:r>
-              <a:rPr lang="en-US" sz="1400" b="1" dirty="0" smtClean="0">
-                <a:latin typeface="SF Pro Text" charset="0"/>
-                <a:ea typeface="SF Pro Text" charset="0"/>
-                <a:cs typeface="SF Pro Text" charset="0"/>
-              </a:rPr>
-              <a:t>$25,000</a:t>
-            </a:r>
-            <a:r>
-              <a:rPr lang="en-US" sz="1400" dirty="0" smtClean="0">
-                <a:latin typeface="SF Pro Text" charset="0"/>
-                <a:ea typeface="SF Pro Text" charset="0"/>
-                <a:cs typeface="SF Pro Text" charset="0"/>
-              </a:rPr>
-              <a:t> out of </a:t>
-            </a:r>
-            <a:r>
-              <a:rPr lang="en-US" sz="1400" b="1" dirty="0" smtClean="0">
-                <a:latin typeface="SF Pro Text" charset="0"/>
-                <a:ea typeface="SF Pro Text" charset="0"/>
-                <a:cs typeface="SF Pro Text" charset="0"/>
-              </a:rPr>
-              <a:t>$60,000</a:t>
-            </a:r>
-          </a:p>
-          <a:p>
-            <a:pPr marL="285750" indent="-285750">
-              <a:buFont typeface="Arial" charset="0"/>
-              <a:buChar char="•"/>
-            </a:pPr>
+              <a:t>Traditional lenders charge origination fees (3-5% of loan amount) on top of interest to cover their operations. For a $60,000 loan, that’s $3,000.</a:t>
+            </a:r>
             <a:endParaRPr lang="en-US" sz="1400" dirty="0">
               <a:latin typeface="SF Pro Text" charset="0"/>
               <a:ea typeface="SF Pro Text" charset="0"/>
@@ -7996,75 +9910,48 @@
           </a:p>
         </p:txBody>
       </p:sp>
-      <p:pic>
-        <p:nvPicPr>
-          <p:cNvPr id="24" name="Picture 23"/>
-          <p:cNvPicPr>
-            <a:picLocks noChangeAspect="1"/>
-          </p:cNvPicPr>
-          <p:nvPr/>
-        </p:nvPicPr>
-        <p:blipFill>
-          <a:blip r:embed="rId5"/>
-          <a:stretch>
-            <a:fillRect/>
-          </a:stretch>
-        </p:blipFill>
-        <p:spPr>
-          <a:xfrm>
-            <a:off x="4320843" y="5226914"/>
-            <a:ext cx="2566411" cy="652780"/>
-          </a:xfrm>
-          <a:prstGeom prst="rect">
-            <a:avLst/>
-          </a:prstGeom>
-        </p:spPr>
-      </p:pic>
-      <p:pic>
-        <p:nvPicPr>
-          <p:cNvPr id="7170" name="Picture 2" descr="mage result for prodigy finance"/>
-          <p:cNvPicPr>
-            <a:picLocks noChangeAspect="1" noChangeArrowheads="1"/>
-          </p:cNvPicPr>
-          <p:nvPr/>
-        </p:nvPicPr>
-        <p:blipFill>
-          <a:blip r:embed="rId6">
-            <a:extLst>
-              <a:ext uri="{28A0092B-C50C-407E-A947-70E740481C1C}">
-                <a14:useLocalDpi xmlns:a14="http://schemas.microsoft.com/office/drawing/2010/main" val="0"/>
-              </a:ext>
-            </a:extLst>
-          </a:blip>
-          <a:srcRect/>
-          <a:stretch>
-            <a:fillRect/>
-          </a:stretch>
-        </p:blipFill>
-        <p:spPr bwMode="auto">
-          <a:xfrm>
-            <a:off x="4712866" y="5834524"/>
-            <a:ext cx="1782364" cy="646802"/>
-          </a:xfrm>
-          <a:prstGeom prst="rect">
-            <a:avLst/>
-          </a:prstGeom>
-          <a:noFill/>
-          <a:extLst>
-            <a:ext uri="{909E8E84-426E-40DD-AFC4-6F175D3DCCD1}">
-              <a14:hiddenFill xmlns:a14="http://schemas.microsoft.com/office/drawing/2010/main">
-                <a:solidFill>
-                  <a:srgbClr val="FFFFFF"/>
-                </a:solidFill>
-              </a14:hiddenFill>
-            </a:ext>
-          </a:extLst>
-        </p:spPr>
-      </p:pic>
+      <p:cxnSp>
+        <p:nvCxnSpPr>
+          <p:cNvPr id="23" name="Straight Arrow Connector 22"/>
+          <p:cNvCxnSpPr>
+            <a:stCxn id="22" idx="0"/>
+          </p:cNvCxnSpPr>
+          <p:nvPr/>
+        </p:nvCxnSpPr>
+        <p:spPr>
+          <a:xfrm flipH="1" flipV="1">
+            <a:off x="4738296" y="4409768"/>
+            <a:ext cx="1100419" cy="764142"/>
+          </a:xfrm>
+          <a:prstGeom prst="straightConnector1">
+            <a:avLst/>
+          </a:prstGeom>
+          <a:ln>
+            <a:solidFill>
+              <a:schemeClr val="tx1"/>
+            </a:solidFill>
+            <a:tailEnd type="triangle"/>
+          </a:ln>
+        </p:spPr>
+        <p:style>
+          <a:lnRef idx="1">
+            <a:schemeClr val="accent1"/>
+          </a:lnRef>
+          <a:fillRef idx="0">
+            <a:schemeClr val="accent1"/>
+          </a:fillRef>
+          <a:effectRef idx="0">
+            <a:schemeClr val="accent1"/>
+          </a:effectRef>
+          <a:fontRef idx="minor">
+            <a:schemeClr val="tx1"/>
+          </a:fontRef>
+        </p:style>
+      </p:cxnSp>
     </p:spTree>
     <p:extLst>
       <p:ext uri="{BB962C8B-B14F-4D97-AF65-F5344CB8AC3E}">
-        <p14:creationId xmlns:p14="http://schemas.microsoft.com/office/powerpoint/2010/main" val="288191567"/>
+        <p14:creationId xmlns:p14="http://schemas.microsoft.com/office/powerpoint/2010/main" val="641689755"/>
       </p:ext>
     </p:extLst>
   </p:cSld>
@@ -8091,66 +9978,383 @@
           <a:chExt cx="0" cy="0"/>
         </a:xfrm>
       </p:grpSpPr>
-      <p:sp>
-        <p:nvSpPr>
-          <p:cNvPr id="2" name="Title 1"/>
-          <p:cNvSpPr>
-            <a:spLocks noGrp="1"/>
+      <p:pic>
+        <p:nvPicPr>
+          <p:cNvPr id="7" name="Content Placeholder 3"/>
+          <p:cNvPicPr>
+            <a:picLocks noGrp="1" noChangeAspect="1"/>
+          </p:cNvPicPr>
+          <p:nvPr>
+            <p:ph idx="1"/>
+          </p:nvPr>
+        </p:nvPicPr>
+        <p:blipFill rotWithShape="1">
+          <a:blip r:embed="rId2"/>
+          <a:srcRect b="16045"/>
+          <a:stretch/>
+        </p:blipFill>
+        <p:spPr>
+          <a:xfrm>
+            <a:off x="7429895" y="1060652"/>
+            <a:ext cx="4168000" cy="2344501"/>
+          </a:xfrm>
+          <a:prstGeom prst="rect">
+            <a:avLst/>
+          </a:prstGeom>
+        </p:spPr>
+      </p:pic>
+      <p:pic>
+        <p:nvPicPr>
+          <p:cNvPr id="3" name="Picture 2"/>
+          <p:cNvPicPr>
+            <a:picLocks noChangeAspect="1"/>
+          </p:cNvPicPr>
+          <p:nvPr/>
+        </p:nvPicPr>
+        <p:blipFill>
+          <a:blip r:embed="rId3"/>
+          <a:stretch>
+            <a:fillRect/>
+          </a:stretch>
+        </p:blipFill>
+        <p:spPr>
+          <a:xfrm>
+            <a:off x="7429895" y="3405153"/>
+            <a:ext cx="4160553" cy="2472130"/>
+          </a:xfrm>
+          <a:prstGeom prst="rect">
+            <a:avLst/>
+          </a:prstGeom>
+        </p:spPr>
+      </p:pic>
+      <p:pic>
+        <p:nvPicPr>
+          <p:cNvPr id="5" name="Picture 4" descr="https://enable-loans-staging.herokuapp.com/static/media/world_dotted_map.8095d163.png"/>
+          <p:cNvPicPr>
+            <a:picLocks noChangeAspect="1" noChangeArrowheads="1"/>
+          </p:cNvPicPr>
+          <p:nvPr/>
+        </p:nvPicPr>
+        <p:blipFill>
+          <a:blip r:embed="rId4">
+            <a:extLst>
+              <a:ext uri="{28A0092B-C50C-407E-A947-70E740481C1C}">
+                <a14:useLocalDpi xmlns:a14="http://schemas.microsoft.com/office/drawing/2010/main" val="0"/>
+              </a:ext>
+            </a:extLst>
+          </a:blip>
+          <a:srcRect/>
+          <a:stretch>
+            <a:fillRect/>
+          </a:stretch>
+        </p:blipFill>
+        <p:spPr bwMode="auto">
+          <a:xfrm>
+            <a:off x="1667240" y="2847249"/>
+            <a:ext cx="3716884" cy="2101434"/>
+          </a:xfrm>
+          <a:prstGeom prst="rect">
+            <a:avLst/>
+          </a:prstGeom>
+          <a:noFill/>
+          <a:extLst>
+            <a:ext uri="{909E8E84-426E-40DD-AFC4-6F175D3DCCD1}">
+              <a14:hiddenFill xmlns:a14="http://schemas.microsoft.com/office/drawing/2010/main">
+                <a:solidFill>
+                  <a:srgbClr val="FFFFFF"/>
+                </a:solidFill>
+              </a14:hiddenFill>
+            </a:ext>
+          </a:extLst>
+        </p:spPr>
+      </p:pic>
+      <p:sp>
+        <p:nvSpPr>
+          <p:cNvPr id="14" name="TextBox 13"/>
+          <p:cNvSpPr txBox="1"/>
+          <p:nvPr/>
+        </p:nvSpPr>
+        <p:spPr>
+          <a:xfrm>
+            <a:off x="1366303" y="1779215"/>
+            <a:ext cx="4902724" cy="800219"/>
+          </a:xfrm>
+          <a:prstGeom prst="rect">
+            <a:avLst/>
+          </a:prstGeom>
+          <a:noFill/>
+          <a:ln>
+            <a:solidFill>
+              <a:schemeClr val="tx1"/>
+            </a:solidFill>
+          </a:ln>
+        </p:spPr>
+        <p:txBody>
+          <a:bodyPr wrap="square" rtlCol="0">
+            <a:spAutoFit/>
+          </a:bodyPr>
+          <a:lstStyle/>
+          <a:p>
+            <a:r>
+              <a:rPr lang="en-US" b="1" dirty="0" smtClean="0">
+                <a:latin typeface="SF Pro Text" charset="0"/>
+                <a:ea typeface="SF Pro Text" charset="0"/>
+                <a:cs typeface="SF Pro Text" charset="0"/>
+              </a:rPr>
+              <a:t>Cost of sending money to the US</a:t>
+            </a:r>
+            <a:br>
+              <a:rPr lang="en-US" b="1" dirty="0" smtClean="0">
+                <a:latin typeface="SF Pro Text" charset="0"/>
+                <a:ea typeface="SF Pro Text" charset="0"/>
+                <a:cs typeface="SF Pro Text" charset="0"/>
+              </a:rPr>
+            </a:br>
+            <a:r>
+              <a:rPr lang="en-US" sz="1400" dirty="0" smtClean="0">
+                <a:latin typeface="SF Pro Text" charset="0"/>
+                <a:ea typeface="SF Pro Text" charset="0"/>
+                <a:cs typeface="SF Pro Text" charset="0"/>
+              </a:rPr>
+              <a:t>Domestic bank fees and US bank fees can amount up to 5% or more. For a $60,000 loan, that’s $3,000</a:t>
+            </a:r>
+            <a:endParaRPr lang="en-US" sz="1400" b="1" dirty="0">
+              <a:latin typeface="SF Pro Text" charset="0"/>
+              <a:ea typeface="SF Pro Text" charset="0"/>
+              <a:cs typeface="SF Pro Text" charset="0"/>
+            </a:endParaRPr>
+          </a:p>
+        </p:txBody>
+      </p:sp>
+      <p:sp>
+        <p:nvSpPr>
+          <p:cNvPr id="16" name="TextBox 15"/>
+          <p:cNvSpPr txBox="1"/>
+          <p:nvPr/>
+        </p:nvSpPr>
+        <p:spPr>
+          <a:xfrm>
+            <a:off x="5364279" y="4132769"/>
+            <a:ext cx="1339270" cy="276999"/>
+          </a:xfrm>
+          <a:prstGeom prst="rect">
+            <a:avLst/>
+          </a:prstGeom>
+          <a:noFill/>
+          <a:ln>
+            <a:noFill/>
+          </a:ln>
+        </p:spPr>
+        <p:txBody>
+          <a:bodyPr wrap="square" rtlCol="0">
+            <a:spAutoFit/>
+          </a:bodyPr>
+          <a:lstStyle/>
+          <a:p>
+            <a:r>
+              <a:rPr lang="en-US" sz="1200" dirty="0" smtClean="0">
+                <a:latin typeface="SF Pro Text" charset="0"/>
+                <a:ea typeface="SF Pro Text" charset="0"/>
+                <a:cs typeface="SF Pro Text" charset="0"/>
+              </a:rPr>
+              <a:t>Indonesia</a:t>
+            </a:r>
+            <a:endParaRPr lang="en-US" sz="1050" dirty="0">
+              <a:latin typeface="SF Pro Text" charset="0"/>
+              <a:ea typeface="SF Pro Text" charset="0"/>
+              <a:cs typeface="SF Pro Text" charset="0"/>
+            </a:endParaRPr>
+          </a:p>
+        </p:txBody>
+      </p:sp>
+      <p:cxnSp>
+        <p:nvCxnSpPr>
+          <p:cNvPr id="17" name="Straight Arrow Connector 16"/>
+          <p:cNvCxnSpPr>
+            <a:stCxn id="14" idx="2"/>
+          </p:cNvCxnSpPr>
+          <p:nvPr/>
+        </p:nvCxnSpPr>
+        <p:spPr>
+          <a:xfrm flipH="1">
+            <a:off x="3598607" y="2579434"/>
+            <a:ext cx="219058" cy="796834"/>
+          </a:xfrm>
+          <a:prstGeom prst="straightConnector1">
+            <a:avLst/>
+          </a:prstGeom>
+          <a:ln>
+            <a:solidFill>
+              <a:schemeClr val="tx1"/>
+            </a:solidFill>
+            <a:tailEnd type="triangle"/>
+          </a:ln>
+        </p:spPr>
+        <p:style>
+          <a:lnRef idx="1">
+            <a:schemeClr val="accent1"/>
+          </a:lnRef>
+          <a:fillRef idx="0">
+            <a:schemeClr val="accent1"/>
+          </a:fillRef>
+          <a:effectRef idx="0">
+            <a:schemeClr val="accent1"/>
+          </a:effectRef>
+          <a:fontRef idx="minor">
+            <a:schemeClr val="tx1"/>
+          </a:fontRef>
+        </p:style>
+      </p:cxnSp>
+      <p:cxnSp>
+        <p:nvCxnSpPr>
+          <p:cNvPr id="23" name="Straight Arrow Connector 22"/>
+          <p:cNvCxnSpPr/>
+          <p:nvPr/>
+        </p:nvCxnSpPr>
+        <p:spPr>
+          <a:xfrm flipH="1" flipV="1">
+            <a:off x="2486683" y="3515895"/>
+            <a:ext cx="2012978" cy="755373"/>
+          </a:xfrm>
+          <a:prstGeom prst="straightConnector1">
+            <a:avLst/>
+          </a:prstGeom>
+          <a:ln w="38100">
+            <a:solidFill>
+              <a:schemeClr val="tx1"/>
+            </a:solidFill>
+            <a:tailEnd type="triangle"/>
+          </a:ln>
+        </p:spPr>
+        <p:style>
+          <a:lnRef idx="1">
+            <a:schemeClr val="accent1"/>
+          </a:lnRef>
+          <a:fillRef idx="0">
+            <a:schemeClr val="accent1"/>
+          </a:fillRef>
+          <a:effectRef idx="0">
+            <a:schemeClr val="accent1"/>
+          </a:effectRef>
+          <a:fontRef idx="minor">
+            <a:schemeClr val="tx1"/>
+          </a:fontRef>
+        </p:style>
+      </p:cxnSp>
+      <p:sp>
+        <p:nvSpPr>
+          <p:cNvPr id="20" name="Title 1"/>
+          <p:cNvSpPr txBox="1">
+            <a:spLocks/>
           </p:cNvSpPr>
-          <p:nvPr>
-            <p:ph type="title"/>
-          </p:nvPr>
-        </p:nvSpPr>
-        <p:spPr>
-          <a:xfrm>
-            <a:off x="2625212" y="1238865"/>
-            <a:ext cx="8716297" cy="2757948"/>
-          </a:xfrm>
-        </p:spPr>
-        <p:txBody>
-          <a:bodyPr>
-            <a:normAutofit fontScale="90000"/>
+          <p:nvPr/>
+        </p:nvSpPr>
+        <p:spPr>
+          <a:xfrm>
+            <a:off x="381395" y="135139"/>
+            <a:ext cx="3092330" cy="1325563"/>
+          </a:xfrm>
+          <a:prstGeom prst="rect">
+            <a:avLst/>
+          </a:prstGeom>
+        </p:spPr>
+        <p:txBody>
+          <a:bodyPr vert="horz" lIns="91440" tIns="45720" rIns="91440" bIns="45720" rtlCol="0" anchor="ctr">
+            <a:normAutofit/>
           </a:bodyPr>
-          <a:lstStyle/>
-          <a:p>
-            <a:pPr algn="r"/>
-            <a:r>
-              <a:rPr lang="en-US" sz="5300" b="0" dirty="0" smtClean="0"/>
-              <a:t>“Credit is fundamentally broken when crossing borders”</a:t>
-            </a:r>
-            <a:r>
-              <a:rPr lang="en-US" sz="2400" b="0" dirty="0" smtClean="0"/>
-              <a:t/>
+          <a:lstStyle>
+            <a:lvl1pPr algn="l" defTabSz="914400" rtl="0" eaLnBrk="1" latinLnBrk="0" hangingPunct="1">
+              <a:lnSpc>
+                <a:spcPct val="90000"/>
+              </a:lnSpc>
+              <a:spcBef>
+                <a:spcPct val="0"/>
+              </a:spcBef>
+              <a:buNone/>
+              <a:defRPr sz="4400" b="1" i="0" kern="1200">
+                <a:solidFill>
+                  <a:schemeClr val="tx1"/>
+                </a:solidFill>
+                <a:latin typeface="SF Pro Display" charset="0"/>
+                <a:ea typeface="SF Pro Display" charset="0"/>
+                <a:cs typeface="SF Pro Display" charset="0"/>
+              </a:defRPr>
+            </a:lvl1pPr>
+          </a:lstStyle>
+          <a:p>
+            <a:r>
+              <a:rPr lang="en-US" smtClean="0"/>
+              <a:t>Ines’ Story</a:t>
+            </a:r>
+            <a:endParaRPr lang="en-US" dirty="0"/>
+          </a:p>
+        </p:txBody>
+      </p:sp>
+      <p:sp>
+        <p:nvSpPr>
+          <p:cNvPr id="21" name="TextBox 20"/>
+          <p:cNvSpPr txBox="1"/>
+          <p:nvPr/>
+        </p:nvSpPr>
+        <p:spPr>
+          <a:xfrm>
+            <a:off x="3503360" y="489574"/>
+            <a:ext cx="3427135" cy="584775"/>
+          </a:xfrm>
+          <a:prstGeom prst="rect">
+            <a:avLst/>
+          </a:prstGeom>
+          <a:noFill/>
+        </p:spPr>
+        <p:txBody>
+          <a:bodyPr wrap="square" rtlCol="0">
+            <a:spAutoFit/>
+          </a:bodyPr>
+          <a:lstStyle/>
+          <a:p>
+            <a:r>
+              <a:rPr lang="en-US" b="1" dirty="0" smtClean="0">
+                <a:latin typeface="SF Pro Text" charset="0"/>
+                <a:ea typeface="SF Pro Text" charset="0"/>
+                <a:cs typeface="SF Pro Text" charset="0"/>
+              </a:rPr>
+              <a:t>$60,000 due May 20th</a:t>
             </a:r>
             <a:br>
-              <a:rPr lang="en-US" sz="2400" b="0" dirty="0" smtClean="0"/>
+              <a:rPr lang="en-US" b="1" dirty="0" smtClean="0">
+                <a:latin typeface="SF Pro Text" charset="0"/>
+                <a:ea typeface="SF Pro Text" charset="0"/>
+                <a:cs typeface="SF Pro Text" charset="0"/>
+              </a:rPr>
             </a:br>
             <a:r>
-              <a:rPr lang="en-US" sz="2400" b="0" dirty="0"/>
-              <a:t/>
-            </a:r>
-            <a:br>
-              <a:rPr lang="en-US" sz="2400" b="0" dirty="0"/>
-            </a:br>
-            <a:r>
-              <a:rPr lang="en-US" sz="2400" dirty="0" smtClean="0"/>
-              <a:t>Cameron Stevens</a:t>
-            </a:r>
-            <a:br>
-              <a:rPr lang="en-US" sz="2400" dirty="0" smtClean="0"/>
-            </a:br>
-            <a:r>
-              <a:rPr lang="en-US" sz="2400" dirty="0" smtClean="0"/>
-              <a:t>Founder, Prodigy Finance</a:t>
-            </a:r>
-            <a:endParaRPr lang="en-US" sz="2400" dirty="0"/>
+              <a:rPr lang="en-US" sz="1400" dirty="0" smtClean="0">
+                <a:latin typeface="SF Pro Text" charset="0"/>
+                <a:ea typeface="SF Pro Text" charset="0"/>
+                <a:cs typeface="SF Pro Text" charset="0"/>
+              </a:rPr>
+              <a:t>Cornell University, Masters </a:t>
+            </a:r>
+            <a:r>
+              <a:rPr lang="en-US" sz="1400" smtClean="0">
+                <a:latin typeface="SF Pro Text" charset="0"/>
+                <a:ea typeface="SF Pro Text" charset="0"/>
+                <a:cs typeface="SF Pro Text" charset="0"/>
+              </a:rPr>
+              <a:t>in HR</a:t>
+            </a:r>
+            <a:endParaRPr lang="en-US" sz="1400" dirty="0">
+              <a:latin typeface="SF Pro Text" charset="0"/>
+              <a:ea typeface="SF Pro Text" charset="0"/>
+              <a:cs typeface="SF Pro Text" charset="0"/>
+            </a:endParaRPr>
           </a:p>
         </p:txBody>
       </p:sp>
     </p:spTree>
     <p:extLst>
       <p:ext uri="{BB962C8B-B14F-4D97-AF65-F5344CB8AC3E}">
-        <p14:creationId xmlns:p14="http://schemas.microsoft.com/office/powerpoint/2010/main" val="269367575"/>
+        <p14:creationId xmlns:p14="http://schemas.microsoft.com/office/powerpoint/2010/main" val="740250046"/>
       </p:ext>
     </p:extLst>
   </p:cSld>
@@ -8177,24 +10381,574 @@
           <a:chExt cx="0" cy="0"/>
         </a:xfrm>
       </p:grpSpPr>
-      <p:sp>
-        <p:nvSpPr>
-          <p:cNvPr id="2" name="Title 1"/>
-          <p:cNvSpPr>
-            <a:spLocks noGrp="1"/>
+      <p:pic>
+        <p:nvPicPr>
+          <p:cNvPr id="7" name="Content Placeholder 3"/>
+          <p:cNvPicPr>
+            <a:picLocks noGrp="1" noChangeAspect="1"/>
+          </p:cNvPicPr>
+          <p:nvPr>
+            <p:ph idx="1"/>
+          </p:nvPr>
+        </p:nvPicPr>
+        <p:blipFill rotWithShape="1">
+          <a:blip r:embed="rId2"/>
+          <a:srcRect b="16045"/>
+          <a:stretch/>
+        </p:blipFill>
+        <p:spPr>
+          <a:xfrm>
+            <a:off x="7429895" y="1060652"/>
+            <a:ext cx="4168000" cy="2344501"/>
+          </a:xfrm>
+          <a:prstGeom prst="rect">
+            <a:avLst/>
+          </a:prstGeom>
+        </p:spPr>
+      </p:pic>
+      <p:pic>
+        <p:nvPicPr>
+          <p:cNvPr id="3" name="Picture 2"/>
+          <p:cNvPicPr>
+            <a:picLocks noChangeAspect="1"/>
+          </p:cNvPicPr>
+          <p:nvPr/>
+        </p:nvPicPr>
+        <p:blipFill>
+          <a:blip r:embed="rId3"/>
+          <a:stretch>
+            <a:fillRect/>
+          </a:stretch>
+        </p:blipFill>
+        <p:spPr>
+          <a:xfrm>
+            <a:off x="7429895" y="3405153"/>
+            <a:ext cx="4160553" cy="2472130"/>
+          </a:xfrm>
+          <a:prstGeom prst="rect">
+            <a:avLst/>
+          </a:prstGeom>
+        </p:spPr>
+      </p:pic>
+      <p:pic>
+        <p:nvPicPr>
+          <p:cNvPr id="5" name="Picture 4" descr="https://enable-loans-staging.herokuapp.com/static/media/world_dotted_map.8095d163.png"/>
+          <p:cNvPicPr>
+            <a:picLocks noChangeAspect="1" noChangeArrowheads="1"/>
+          </p:cNvPicPr>
+          <p:nvPr/>
+        </p:nvPicPr>
+        <p:blipFill>
+          <a:blip r:embed="rId4">
+            <a:extLst>
+              <a:ext uri="{28A0092B-C50C-407E-A947-70E740481C1C}">
+                <a14:useLocalDpi xmlns:a14="http://schemas.microsoft.com/office/drawing/2010/main" val="0"/>
+              </a:ext>
+            </a:extLst>
+          </a:blip>
+          <a:srcRect/>
+          <a:stretch>
+            <a:fillRect/>
+          </a:stretch>
+        </p:blipFill>
+        <p:spPr bwMode="auto">
+          <a:xfrm>
+            <a:off x="1667240" y="2847249"/>
+            <a:ext cx="3716884" cy="2101434"/>
+          </a:xfrm>
+          <a:prstGeom prst="rect">
+            <a:avLst/>
+          </a:prstGeom>
+          <a:noFill/>
+          <a:extLst>
+            <a:ext uri="{909E8E84-426E-40DD-AFC4-6F175D3DCCD1}">
+              <a14:hiddenFill xmlns:a14="http://schemas.microsoft.com/office/drawing/2010/main">
+                <a:solidFill>
+                  <a:srgbClr val="FFFFFF"/>
+                </a:solidFill>
+              </a14:hiddenFill>
+            </a:ext>
+          </a:extLst>
+        </p:spPr>
+      </p:pic>
+      <p:sp>
+        <p:nvSpPr>
+          <p:cNvPr id="16" name="TextBox 15"/>
+          <p:cNvSpPr txBox="1"/>
+          <p:nvPr/>
+        </p:nvSpPr>
+        <p:spPr>
+          <a:xfrm>
+            <a:off x="5364279" y="4132769"/>
+            <a:ext cx="1339270" cy="276999"/>
+          </a:xfrm>
+          <a:prstGeom prst="rect">
+            <a:avLst/>
+          </a:prstGeom>
+          <a:noFill/>
+          <a:ln>
+            <a:noFill/>
+          </a:ln>
+        </p:spPr>
+        <p:txBody>
+          <a:bodyPr wrap="square" rtlCol="0">
+            <a:spAutoFit/>
+          </a:bodyPr>
+          <a:lstStyle/>
+          <a:p>
+            <a:r>
+              <a:rPr lang="en-US" sz="1200" dirty="0" smtClean="0">
+                <a:latin typeface="SF Pro Text" charset="0"/>
+                <a:ea typeface="SF Pro Text" charset="0"/>
+                <a:cs typeface="SF Pro Text" charset="0"/>
+              </a:rPr>
+              <a:t>Indonesia</a:t>
+            </a:r>
+            <a:endParaRPr lang="en-US" sz="1050" dirty="0">
+              <a:latin typeface="SF Pro Text" charset="0"/>
+              <a:ea typeface="SF Pro Text" charset="0"/>
+              <a:cs typeface="SF Pro Text" charset="0"/>
+            </a:endParaRPr>
+          </a:p>
+        </p:txBody>
+      </p:sp>
+      <p:cxnSp>
+        <p:nvCxnSpPr>
+          <p:cNvPr id="12" name="Straight Arrow Connector 11"/>
+          <p:cNvCxnSpPr/>
+          <p:nvPr/>
+        </p:nvCxnSpPr>
+        <p:spPr>
+          <a:xfrm flipV="1">
+            <a:off x="1684761" y="3805084"/>
+            <a:ext cx="792969" cy="1143599"/>
+          </a:xfrm>
+          <a:prstGeom prst="straightConnector1">
+            <a:avLst/>
+          </a:prstGeom>
+          <a:ln>
+            <a:solidFill>
+              <a:schemeClr val="tx1"/>
+            </a:solidFill>
+            <a:tailEnd type="triangle"/>
+          </a:ln>
+        </p:spPr>
+        <p:style>
+          <a:lnRef idx="1">
+            <a:schemeClr val="accent1"/>
+          </a:lnRef>
+          <a:fillRef idx="0">
+            <a:schemeClr val="accent1"/>
+          </a:fillRef>
+          <a:effectRef idx="0">
+            <a:schemeClr val="accent1"/>
+          </a:effectRef>
+          <a:fontRef idx="minor">
+            <a:schemeClr val="tx1"/>
+          </a:fontRef>
+        </p:style>
+      </p:cxnSp>
+      <p:sp>
+        <p:nvSpPr>
+          <p:cNvPr id="13" name="TextBox 12"/>
+          <p:cNvSpPr txBox="1"/>
+          <p:nvPr/>
+        </p:nvSpPr>
+        <p:spPr>
+          <a:xfrm>
+            <a:off x="335644" y="1372085"/>
+            <a:ext cx="3587427" cy="1292662"/>
+          </a:xfrm>
+          <a:prstGeom prst="rect">
+            <a:avLst/>
+          </a:prstGeom>
+          <a:noFill/>
+          <a:ln>
+            <a:solidFill>
+              <a:schemeClr val="tx1"/>
+            </a:solidFill>
+          </a:ln>
+        </p:spPr>
+        <p:txBody>
+          <a:bodyPr wrap="square" rtlCol="0">
+            <a:spAutoFit/>
+          </a:bodyPr>
+          <a:lstStyle/>
+          <a:p>
+            <a:r>
+              <a:rPr lang="en-US" b="1" dirty="0" smtClean="0">
+                <a:latin typeface="SF Pro Text" charset="0"/>
+                <a:ea typeface="SF Pro Text" charset="0"/>
+                <a:cs typeface="SF Pro Text" charset="0"/>
+              </a:rPr>
+              <a:t>Immigrants have no credit history</a:t>
+            </a:r>
+            <a:br>
+              <a:rPr lang="en-US" b="1" dirty="0" smtClean="0">
+                <a:latin typeface="SF Pro Text" charset="0"/>
+                <a:ea typeface="SF Pro Text" charset="0"/>
+                <a:cs typeface="SF Pro Text" charset="0"/>
+              </a:rPr>
+            </a:br>
+            <a:r>
+              <a:rPr lang="en-US" sz="1400" dirty="0" smtClean="0">
+                <a:latin typeface="SF Pro Text" charset="0"/>
+                <a:ea typeface="SF Pro Text" charset="0"/>
+                <a:cs typeface="SF Pro Text" charset="0"/>
+              </a:rPr>
+              <a:t>Credit score and financial reputation in Indonesia doesn’t follow Ines to the US, despite being an executive in Indonesia</a:t>
+            </a:r>
+            <a:endParaRPr lang="en-US" sz="1400" b="1" dirty="0">
+              <a:latin typeface="SF Pro Text" charset="0"/>
+              <a:ea typeface="SF Pro Text" charset="0"/>
+              <a:cs typeface="SF Pro Text" charset="0"/>
+            </a:endParaRPr>
+          </a:p>
+        </p:txBody>
+      </p:sp>
+      <p:cxnSp>
+        <p:nvCxnSpPr>
+          <p:cNvPr id="15" name="Straight Arrow Connector 14"/>
+          <p:cNvCxnSpPr>
+            <a:stCxn id="13" idx="2"/>
+          </p:cNvCxnSpPr>
+          <p:nvPr/>
+        </p:nvCxnSpPr>
+        <p:spPr>
+          <a:xfrm>
+            <a:off x="2129358" y="2664747"/>
+            <a:ext cx="200887" cy="740406"/>
+          </a:xfrm>
+          <a:prstGeom prst="straightConnector1">
+            <a:avLst/>
+          </a:prstGeom>
+          <a:ln>
+            <a:solidFill>
+              <a:schemeClr val="tx1"/>
+            </a:solidFill>
+            <a:tailEnd type="triangle"/>
+          </a:ln>
+        </p:spPr>
+        <p:style>
+          <a:lnRef idx="1">
+            <a:schemeClr val="accent1"/>
+          </a:lnRef>
+          <a:fillRef idx="0">
+            <a:schemeClr val="accent1"/>
+          </a:fillRef>
+          <a:effectRef idx="0">
+            <a:schemeClr val="accent1"/>
+          </a:effectRef>
+          <a:fontRef idx="minor">
+            <a:schemeClr val="tx1"/>
+          </a:fontRef>
+        </p:style>
+      </p:cxnSp>
+      <p:sp>
+        <p:nvSpPr>
+          <p:cNvPr id="18" name="TextBox 17"/>
+          <p:cNvSpPr txBox="1"/>
+          <p:nvPr/>
+        </p:nvSpPr>
+        <p:spPr>
+          <a:xfrm>
+            <a:off x="381396" y="5006422"/>
+            <a:ext cx="3670008" cy="1862048"/>
+          </a:xfrm>
+          <a:prstGeom prst="rect">
+            <a:avLst/>
+          </a:prstGeom>
+          <a:noFill/>
+          <a:ln>
+            <a:noFill/>
+          </a:ln>
+        </p:spPr>
+        <p:txBody>
+          <a:bodyPr wrap="square" rtlCol="0">
+            <a:spAutoFit/>
+          </a:bodyPr>
+          <a:lstStyle/>
+          <a:p>
+            <a:r>
+              <a:rPr lang="en-US" b="1" dirty="0" smtClean="0">
+                <a:latin typeface="SF Pro Text" charset="0"/>
+                <a:ea typeface="SF Pro Text" charset="0"/>
+                <a:cs typeface="SF Pro Text" charset="0"/>
+              </a:rPr>
+              <a:t>Current Solution: </a:t>
+            </a:r>
+            <a:endParaRPr lang="en-US" b="1" dirty="0">
+              <a:latin typeface="SF Pro Text" charset="0"/>
+              <a:ea typeface="SF Pro Text" charset="0"/>
+              <a:cs typeface="SF Pro Text" charset="0"/>
+            </a:endParaRPr>
+          </a:p>
+          <a:p>
+            <a:r>
+              <a:rPr lang="en-US" sz="1400" dirty="0" smtClean="0">
+                <a:latin typeface="SF Pro Text" charset="0"/>
+                <a:ea typeface="SF Pro Text" charset="0"/>
+                <a:cs typeface="SF Pro Text" charset="0"/>
+              </a:rPr>
+              <a:t>Cross-border lenders (</a:t>
+            </a:r>
+            <a:r>
+              <a:rPr lang="en-US" sz="1400" dirty="0" err="1" smtClean="0">
+                <a:latin typeface="SF Pro Text" charset="0"/>
+                <a:ea typeface="SF Pro Text" charset="0"/>
+                <a:cs typeface="SF Pro Text" charset="0"/>
+              </a:rPr>
+              <a:t>Mpower</a:t>
+            </a:r>
+            <a:r>
+              <a:rPr lang="en-US" sz="1400" dirty="0" smtClean="0">
+                <a:latin typeface="SF Pro Text" charset="0"/>
+                <a:ea typeface="SF Pro Text" charset="0"/>
+                <a:cs typeface="SF Pro Text" charset="0"/>
+              </a:rPr>
+              <a:t>, Prodigy)</a:t>
+            </a:r>
+            <a:br>
+              <a:rPr lang="en-US" sz="1400" dirty="0" smtClean="0">
+                <a:latin typeface="SF Pro Text" charset="0"/>
+                <a:ea typeface="SF Pro Text" charset="0"/>
+                <a:cs typeface="SF Pro Text" charset="0"/>
+              </a:rPr>
+            </a:br>
+            <a:endParaRPr lang="en-US" sz="900" dirty="0" smtClean="0">
+              <a:latin typeface="SF Pro Text" charset="0"/>
+              <a:ea typeface="SF Pro Text" charset="0"/>
+              <a:cs typeface="SF Pro Text" charset="0"/>
+            </a:endParaRPr>
+          </a:p>
+          <a:p>
+            <a:pPr marL="285750" indent="-285750">
+              <a:buFont typeface="Arial" charset="0"/>
+              <a:buChar char="•"/>
+            </a:pPr>
+            <a:r>
+              <a:rPr lang="en-US" sz="1400" b="1" dirty="0" smtClean="0">
+                <a:latin typeface="SF Pro Text" charset="0"/>
+                <a:ea typeface="SF Pro Text" charset="0"/>
+                <a:cs typeface="SF Pro Text" charset="0"/>
+              </a:rPr>
+              <a:t>11.99%</a:t>
+            </a:r>
+            <a:r>
+              <a:rPr lang="en-US" sz="1400" dirty="0" smtClean="0">
+                <a:latin typeface="SF Pro Text" charset="0"/>
+                <a:ea typeface="SF Pro Text" charset="0"/>
+                <a:cs typeface="SF Pro Text" charset="0"/>
+              </a:rPr>
+              <a:t> p.a. interest for $60,000, 10 year loan term </a:t>
+            </a:r>
+            <a:r>
+              <a:rPr lang="en-US" sz="1400" b="1" dirty="0" smtClean="0">
+                <a:latin typeface="SF Pro Text" charset="0"/>
+                <a:ea typeface="SF Pro Text" charset="0"/>
+                <a:cs typeface="SF Pro Text" charset="0"/>
+              </a:rPr>
+              <a:t>(total: </a:t>
+            </a:r>
+            <a:r>
+              <a:rPr lang="en-US" b="1" dirty="0" smtClean="0">
+                <a:latin typeface="SF Pro Text" charset="0"/>
+                <a:ea typeface="SF Pro Text" charset="0"/>
+                <a:cs typeface="SF Pro Text" charset="0"/>
+              </a:rPr>
+              <a:t>$103+k</a:t>
+            </a:r>
+            <a:r>
+              <a:rPr lang="en-US" sz="1400" b="1" dirty="0" smtClean="0">
+                <a:latin typeface="SF Pro Text" charset="0"/>
+                <a:ea typeface="SF Pro Text" charset="0"/>
+                <a:cs typeface="SF Pro Text" charset="0"/>
+              </a:rPr>
+              <a:t>)</a:t>
+            </a:r>
+          </a:p>
+          <a:p>
+            <a:pPr marL="285750" indent="-285750">
+              <a:buFont typeface="Arial" charset="0"/>
+              <a:buChar char="•"/>
+            </a:pPr>
+            <a:r>
+              <a:rPr lang="en-US" sz="1400" b="1" dirty="0" smtClean="0">
+                <a:latin typeface="SF Pro Text" charset="0"/>
+                <a:ea typeface="SF Pro Text" charset="0"/>
+                <a:cs typeface="SF Pro Text" charset="0"/>
+              </a:rPr>
+              <a:t>5% </a:t>
+            </a:r>
+            <a:r>
+              <a:rPr lang="en-US" sz="1400" dirty="0" smtClean="0">
+                <a:latin typeface="SF Pro Text" charset="0"/>
+                <a:ea typeface="SF Pro Text" charset="0"/>
+                <a:cs typeface="SF Pro Text" charset="0"/>
+              </a:rPr>
+              <a:t>origination fee (i.e. $3,000)</a:t>
+            </a:r>
+          </a:p>
+          <a:p>
+            <a:pPr marL="285750" indent="-285750">
+              <a:buFont typeface="Arial" charset="0"/>
+              <a:buChar char="•"/>
+            </a:pPr>
+            <a:r>
+              <a:rPr lang="en-US" sz="1400" dirty="0" smtClean="0">
+                <a:latin typeface="SF Pro Text" charset="0"/>
+                <a:ea typeface="SF Pro Text" charset="0"/>
+                <a:cs typeface="SF Pro Text" charset="0"/>
+              </a:rPr>
+              <a:t>Only funds </a:t>
+            </a:r>
+            <a:r>
+              <a:rPr lang="en-US" sz="1400" b="1" dirty="0" smtClean="0">
+                <a:latin typeface="SF Pro Text" charset="0"/>
+                <a:ea typeface="SF Pro Text" charset="0"/>
+                <a:cs typeface="SF Pro Text" charset="0"/>
+              </a:rPr>
+              <a:t>$25,000</a:t>
+            </a:r>
+            <a:r>
+              <a:rPr lang="en-US" sz="1400" dirty="0" smtClean="0">
+                <a:latin typeface="SF Pro Text" charset="0"/>
+                <a:ea typeface="SF Pro Text" charset="0"/>
+                <a:cs typeface="SF Pro Text" charset="0"/>
+              </a:rPr>
+              <a:t> out of </a:t>
+            </a:r>
+            <a:r>
+              <a:rPr lang="en-US" sz="1400" b="1" dirty="0" smtClean="0">
+                <a:latin typeface="SF Pro Text" charset="0"/>
+                <a:ea typeface="SF Pro Text" charset="0"/>
+                <a:cs typeface="SF Pro Text" charset="0"/>
+              </a:rPr>
+              <a:t>$60,000</a:t>
+            </a:r>
+          </a:p>
+          <a:p>
+            <a:pPr marL="285750" indent="-285750">
+              <a:buFont typeface="Arial" charset="0"/>
+              <a:buChar char="•"/>
+            </a:pPr>
+            <a:endParaRPr lang="en-US" sz="1400" dirty="0">
+              <a:latin typeface="SF Pro Text" charset="0"/>
+              <a:ea typeface="SF Pro Text" charset="0"/>
+              <a:cs typeface="SF Pro Text" charset="0"/>
+            </a:endParaRPr>
+          </a:p>
+        </p:txBody>
+      </p:sp>
+      <p:pic>
+        <p:nvPicPr>
+          <p:cNvPr id="24" name="Picture 23"/>
+          <p:cNvPicPr>
+            <a:picLocks noChangeAspect="1"/>
+          </p:cNvPicPr>
+          <p:nvPr/>
+        </p:nvPicPr>
+        <p:blipFill>
+          <a:blip r:embed="rId5"/>
+          <a:stretch>
+            <a:fillRect/>
+          </a:stretch>
+        </p:blipFill>
+        <p:spPr>
+          <a:xfrm>
+            <a:off x="4320843" y="5226914"/>
+            <a:ext cx="2566411" cy="652780"/>
+          </a:xfrm>
+          <a:prstGeom prst="rect">
+            <a:avLst/>
+          </a:prstGeom>
+        </p:spPr>
+      </p:pic>
+      <p:pic>
+        <p:nvPicPr>
+          <p:cNvPr id="7170" name="Picture 2" descr="mage result for prodigy finance"/>
+          <p:cNvPicPr>
+            <a:picLocks noChangeAspect="1" noChangeArrowheads="1"/>
+          </p:cNvPicPr>
+          <p:nvPr/>
+        </p:nvPicPr>
+        <p:blipFill>
+          <a:blip r:embed="rId6">
+            <a:extLst>
+              <a:ext uri="{28A0092B-C50C-407E-A947-70E740481C1C}">
+                <a14:useLocalDpi xmlns:a14="http://schemas.microsoft.com/office/drawing/2010/main" val="0"/>
+              </a:ext>
+            </a:extLst>
+          </a:blip>
+          <a:srcRect/>
+          <a:stretch>
+            <a:fillRect/>
+          </a:stretch>
+        </p:blipFill>
+        <p:spPr bwMode="auto">
+          <a:xfrm>
+            <a:off x="4712866" y="5834524"/>
+            <a:ext cx="1782364" cy="646802"/>
+          </a:xfrm>
+          <a:prstGeom prst="rect">
+            <a:avLst/>
+          </a:prstGeom>
+          <a:noFill/>
+          <a:extLst>
+            <a:ext uri="{909E8E84-426E-40DD-AFC4-6F175D3DCCD1}">
+              <a14:hiddenFill xmlns:a14="http://schemas.microsoft.com/office/drawing/2010/main">
+                <a:solidFill>
+                  <a:srgbClr val="FFFFFF"/>
+                </a:solidFill>
+              </a14:hiddenFill>
+            </a:ext>
+          </a:extLst>
+        </p:spPr>
+      </p:pic>
+      <p:sp>
+        <p:nvSpPr>
+          <p:cNvPr id="28" name="Title 1"/>
+          <p:cNvSpPr txBox="1">
+            <a:spLocks/>
           </p:cNvSpPr>
-          <p:nvPr>
-            <p:ph type="ctrTitle"/>
-          </p:nvPr>
-        </p:nvSpPr>
-        <p:spPr/>
-        <p:txBody>
-          <a:bodyPr/>
-          <a:lstStyle/>
-          <a:p>
-            <a:r>
-              <a:rPr lang="en-US" dirty="0" smtClean="0"/>
-              <a:t>Solution</a:t>
+          <p:nvPr/>
+        </p:nvSpPr>
+        <p:spPr>
+          <a:xfrm>
+            <a:off x="381395" y="135139"/>
+            <a:ext cx="3092330" cy="1325563"/>
+          </a:xfrm>
+          <a:prstGeom prst="rect">
+            <a:avLst/>
+          </a:prstGeom>
+        </p:spPr>
+        <p:txBody>
+          <a:bodyPr vert="horz" lIns="91440" tIns="45720" rIns="91440" bIns="45720" rtlCol="0" anchor="ctr">
+            <a:normAutofit/>
+          </a:bodyPr>
+          <a:lstStyle>
+            <a:lvl1pPr algn="l" defTabSz="914400" rtl="0" eaLnBrk="1" latinLnBrk="0" hangingPunct="1">
+              <a:lnSpc>
+                <a:spcPct val="90000"/>
+              </a:lnSpc>
+              <a:spcBef>
+                <a:spcPct val="0"/>
+              </a:spcBef>
+              <a:buNone/>
+              <a:defRPr sz="4400" b="1" i="0" kern="1200">
+                <a:solidFill>
+                  <a:schemeClr val="tx1"/>
+                </a:solidFill>
+                <a:latin typeface="SF Pro Display" charset="0"/>
+                <a:ea typeface="SF Pro Display" charset="0"/>
+                <a:cs typeface="SF Pro Display" charset="0"/>
+              </a:defRPr>
+            </a:lvl1pPr>
+          </a:lstStyle>
+          <a:p>
+            <a:r>
+              <a:rPr lang="en-US" smtClean="0"/>
+              <a:t>Ines’ Story</a:t>
             </a:r>
             <a:endParaRPr lang="en-US" dirty="0"/>
           </a:p>
@@ -8202,27 +10956,69 @@
       </p:sp>
       <p:sp>
         <p:nvSpPr>
-          <p:cNvPr id="3" name="Subtitle 2"/>
-          <p:cNvSpPr>
-            <a:spLocks noGrp="1"/>
-          </p:cNvSpPr>
-          <p:nvPr>
-            <p:ph type="subTitle" idx="1"/>
-          </p:nvPr>
-        </p:nvSpPr>
-        <p:spPr/>
-        <p:txBody>
-          <a:bodyPr/>
-          <a:lstStyle/>
-          <a:p>
-            <a:endParaRPr lang="en-US"/>
+          <p:cNvPr id="29" name="TextBox 28"/>
+          <p:cNvSpPr txBox="1"/>
+          <p:nvPr/>
+        </p:nvSpPr>
+        <p:spPr>
+          <a:xfrm>
+            <a:off x="3503360" y="489574"/>
+            <a:ext cx="3427135" cy="584775"/>
+          </a:xfrm>
+          <a:prstGeom prst="rect">
+            <a:avLst/>
+          </a:prstGeom>
+          <a:noFill/>
+        </p:spPr>
+        <p:txBody>
+          <a:bodyPr wrap="square" rtlCol="0">
+            <a:spAutoFit/>
+          </a:bodyPr>
+          <a:lstStyle/>
+          <a:p>
+            <a:r>
+              <a:rPr lang="en-US" b="1" dirty="0" smtClean="0">
+                <a:latin typeface="SF Pro Text" charset="0"/>
+                <a:ea typeface="SF Pro Text" charset="0"/>
+                <a:cs typeface="SF Pro Text" charset="0"/>
+              </a:rPr>
+              <a:t>$60,000 due May 20th</a:t>
+            </a:r>
+            <a:br>
+              <a:rPr lang="en-US" b="1" dirty="0" smtClean="0">
+                <a:latin typeface="SF Pro Text" charset="0"/>
+                <a:ea typeface="SF Pro Text" charset="0"/>
+                <a:cs typeface="SF Pro Text" charset="0"/>
+              </a:rPr>
+            </a:br>
+            <a:r>
+              <a:rPr lang="en-US" sz="1400" dirty="0" smtClean="0">
+                <a:latin typeface="SF Pro Text" charset="0"/>
+                <a:ea typeface="SF Pro Text" charset="0"/>
+                <a:cs typeface="SF Pro Text" charset="0"/>
+              </a:rPr>
+              <a:t>Cornell University, Masters </a:t>
+            </a:r>
+            <a:r>
+              <a:rPr lang="en-US" sz="1400" smtClean="0">
+                <a:latin typeface="SF Pro Text" charset="0"/>
+                <a:ea typeface="SF Pro Text" charset="0"/>
+                <a:cs typeface="SF Pro Text" charset="0"/>
+              </a:rPr>
+              <a:t>in HR</a:t>
+            </a:r>
+            <a:endParaRPr lang="en-US" sz="1400" dirty="0">
+              <a:latin typeface="SF Pro Text" charset="0"/>
+              <a:ea typeface="SF Pro Text" charset="0"/>
+              <a:cs typeface="SF Pro Text" charset="0"/>
+            </a:endParaRPr>
           </a:p>
         </p:txBody>
       </p:sp>
     </p:spTree>
     <p:extLst>
       <p:ext uri="{BB962C8B-B14F-4D97-AF65-F5344CB8AC3E}">
-        <p14:creationId xmlns:p14="http://schemas.microsoft.com/office/powerpoint/2010/main" val="2002223964"/>
+        <p14:creationId xmlns:p14="http://schemas.microsoft.com/office/powerpoint/2010/main" val="288191567"/>
       </p:ext>
     </p:extLst>
   </p:cSld>
@@ -8233,7 +11029,7 @@
 </file>
 
 <file path=ppt/slides/slide9.xml><?xml version="1.0" encoding="utf-8"?>
-<p:sld xmlns:a="http://schemas.openxmlformats.org/drawingml/2006/main" xmlns:r="http://schemas.openxmlformats.org/officeDocument/2006/relationships" xmlns:p="http://schemas.openxmlformats.org/presentationml/2006/main">
+<p:sld xmlns:a="http://schemas.openxmlformats.org/drawingml/2006/main" xmlns:r="http://schemas.openxmlformats.org/officeDocument/2006/relationships" xmlns:p="http://schemas.openxmlformats.org/presentationml/2006/main" show="0">
   <p:cSld>
     <p:spTree>
       <p:nvGrpSpPr>
@@ -8261,7 +11057,7 @@
         </p:nvSpPr>
         <p:spPr>
           <a:xfrm>
-            <a:off x="2625212" y="619433"/>
+            <a:off x="2625212" y="1238865"/>
             <a:ext cx="8716297" cy="2757948"/>
           </a:xfrm>
         </p:spPr>
@@ -8273,208 +11069,56 @@
           <a:p>
             <a:pPr algn="r"/>
             <a:r>
-              <a:rPr lang="en-US" sz="5300" b="0" dirty="0" smtClean="0">
-                <a:solidFill>
-                  <a:schemeClr val="bg1">
-                    <a:lumMod val="85000"/>
-                  </a:schemeClr>
-                </a:solidFill>
-              </a:rPr>
+              <a:rPr lang="en-US" sz="5300" b="0" dirty="0" smtClean="0"/>
               <a:t>“Credit is fundamentally broken when crossing borders”</a:t>
             </a:r>
             <a:r>
-              <a:rPr lang="en-US" sz="2400" b="0" dirty="0" smtClean="0">
-                <a:solidFill>
-                  <a:schemeClr val="bg1">
-                    <a:lumMod val="85000"/>
-                  </a:schemeClr>
-                </a:solidFill>
-              </a:rPr>
+              <a:rPr lang="en-US" sz="2400" b="0" dirty="0" smtClean="0"/>
               <a:t/>
             </a:r>
             <a:br>
-              <a:rPr lang="en-US" sz="2400" b="0" dirty="0" smtClean="0">
-                <a:solidFill>
-                  <a:schemeClr val="bg1">
-                    <a:lumMod val="85000"/>
-                  </a:schemeClr>
-                </a:solidFill>
-              </a:rPr>
+              <a:rPr lang="en-US" sz="2400" b="0" dirty="0" smtClean="0"/>
             </a:br>
             <a:r>
-              <a:rPr lang="en-US" sz="2400" b="0" dirty="0" smtClean="0">
-                <a:solidFill>
-                  <a:schemeClr val="bg1">
-                    <a:lumMod val="85000"/>
-                  </a:schemeClr>
-                </a:solidFill>
-              </a:rPr>
+              <a:rPr lang="en-US" sz="2400" b="0" dirty="0"/>
               <a:t/>
             </a:r>
             <a:br>
-              <a:rPr lang="en-US" sz="2400" b="0" dirty="0" smtClean="0">
-                <a:solidFill>
-                  <a:schemeClr val="bg1">
-                    <a:lumMod val="85000"/>
-                  </a:schemeClr>
-                </a:solidFill>
-              </a:rPr>
+              <a:rPr lang="en-US" sz="2400" b="0" dirty="0"/>
             </a:br>
             <a:r>
-              <a:rPr lang="en-US" sz="2400" dirty="0" smtClean="0">
-                <a:solidFill>
-                  <a:schemeClr val="bg1">
-                    <a:lumMod val="85000"/>
-                  </a:schemeClr>
-                </a:solidFill>
-              </a:rPr>
+              <a:rPr lang="en-US" sz="2400" dirty="0" smtClean="0"/>
               <a:t>Cameron Stevens</a:t>
             </a:r>
             <a:br>
-              <a:rPr lang="en-US" sz="2400" dirty="0" smtClean="0">
-                <a:solidFill>
-                  <a:schemeClr val="bg1">
-                    <a:lumMod val="85000"/>
-                  </a:schemeClr>
-                </a:solidFill>
-              </a:rPr>
+              <a:rPr lang="en-US" sz="2400" dirty="0" smtClean="0"/>
             </a:br>
             <a:r>
-              <a:rPr lang="en-US" sz="2400" dirty="0" smtClean="0">
-                <a:solidFill>
-                  <a:schemeClr val="bg1">
-                    <a:lumMod val="85000"/>
-                  </a:schemeClr>
-                </a:solidFill>
-              </a:rPr>
+              <a:rPr lang="en-US" sz="2400" dirty="0" smtClean="0"/>
               <a:t>Founder, Prodigy Finance</a:t>
             </a:r>
-            <a:endParaRPr lang="en-US" sz="2400" dirty="0">
-              <a:solidFill>
-                <a:schemeClr val="bg1">
-                  <a:lumMod val="85000"/>
-                </a:schemeClr>
-              </a:solidFill>
-            </a:endParaRPr>
-          </a:p>
-        </p:txBody>
-      </p:sp>
-      <p:sp>
-        <p:nvSpPr>
-          <p:cNvPr id="4" name="Rounded Rectangle 3"/>
-          <p:cNvSpPr/>
-          <p:nvPr/>
-        </p:nvSpPr>
-        <p:spPr>
-          <a:xfrm>
-            <a:off x="2625209" y="2690047"/>
-            <a:ext cx="2920181" cy="1548581"/>
-          </a:xfrm>
-          <a:prstGeom prst="roundRect">
-            <a:avLst>
-              <a:gd name="adj" fmla="val 9587"/>
-            </a:avLst>
-          </a:prstGeom>
-          <a:ln w="28575"/>
-        </p:spPr>
-        <p:style>
-          <a:lnRef idx="2">
-            <a:schemeClr val="dk1"/>
-          </a:lnRef>
-          <a:fillRef idx="1">
-            <a:schemeClr val="lt1"/>
-          </a:fillRef>
-          <a:effectRef idx="0">
-            <a:schemeClr val="dk1"/>
-          </a:effectRef>
-          <a:fontRef idx="minor">
-            <a:schemeClr val="dk1"/>
-          </a:fontRef>
-        </p:style>
-        <p:txBody>
-          <a:bodyPr rtlCol="0" anchor="ctr"/>
-          <a:lstStyle/>
-          <a:p>
-            <a:pPr algn="ctr"/>
-            <a:r>
-              <a:rPr lang="en-US" sz="2000" dirty="0" smtClean="0">
-                <a:latin typeface="SF Pro Display Light" charset="0"/>
-                <a:ea typeface="SF Pro Display Light" charset="0"/>
-                <a:cs typeface="SF Pro Display Light" charset="0"/>
-              </a:rPr>
-              <a:t>Global credit history and identity-as-collateral</a:t>
-            </a:r>
-            <a:endParaRPr lang="en-US" sz="2000" dirty="0">
-              <a:latin typeface="SF Pro Display Light" charset="0"/>
-              <a:ea typeface="SF Pro Display Light" charset="0"/>
-              <a:cs typeface="SF Pro Display Light" charset="0"/>
-            </a:endParaRPr>
-          </a:p>
-        </p:txBody>
-      </p:sp>
-      <p:sp>
-        <p:nvSpPr>
-          <p:cNvPr id="5" name="Rounded Rectangle 4"/>
-          <p:cNvSpPr/>
-          <p:nvPr/>
-        </p:nvSpPr>
-        <p:spPr>
-          <a:xfrm>
-            <a:off x="5565055" y="4542503"/>
-            <a:ext cx="2920181" cy="1548581"/>
-          </a:xfrm>
-          <a:prstGeom prst="roundRect">
-            <a:avLst>
-              <a:gd name="adj" fmla="val 9587"/>
-            </a:avLst>
-          </a:prstGeom>
-          <a:ln w="28575"/>
-        </p:spPr>
-        <p:style>
-          <a:lnRef idx="2">
-            <a:schemeClr val="dk1"/>
-          </a:lnRef>
-          <a:fillRef idx="1">
-            <a:schemeClr val="lt1"/>
-          </a:fillRef>
-          <a:effectRef idx="0">
-            <a:schemeClr val="dk1"/>
-          </a:effectRef>
-          <a:fontRef idx="minor">
-            <a:schemeClr val="dk1"/>
-          </a:fontRef>
-        </p:style>
-        <p:txBody>
-          <a:bodyPr rtlCol="0" anchor="ctr"/>
-          <a:lstStyle/>
-          <a:p>
-            <a:pPr algn="ctr"/>
-            <a:r>
-              <a:rPr lang="en-US" sz="2000" dirty="0" smtClean="0">
-                <a:latin typeface="SF Pro Display Light" charset="0"/>
-                <a:ea typeface="SF Pro Display Light" charset="0"/>
-                <a:cs typeface="SF Pro Display Light" charset="0"/>
-              </a:rPr>
-              <a:t>Free (i.e. $0) money movement and servicing</a:t>
-            </a:r>
-            <a:endParaRPr lang="en-US" sz="2000" dirty="0">
-              <a:latin typeface="SF Pro Display Light" charset="0"/>
-              <a:ea typeface="SF Pro Display Light" charset="0"/>
-              <a:cs typeface="SF Pro Display Light" charset="0"/>
-            </a:endParaRPr>
+            <a:endParaRPr lang="en-US" sz="2400" dirty="0"/>
           </a:p>
         </p:txBody>
       </p:sp>
     </p:spTree>
     <p:extLst>
       <p:ext uri="{BB962C8B-B14F-4D97-AF65-F5344CB8AC3E}">
-        <p14:creationId xmlns:p14="http://schemas.microsoft.com/office/powerpoint/2010/main" val="937878503"/>
+        <p14:creationId xmlns:p14="http://schemas.microsoft.com/office/powerpoint/2010/main" val="269367575"/>
       </p:ext>
     </p:extLst>
   </p:cSld>
   <p:clrMapOvr>
     <a:masterClrMapping/>
   </p:clrMapOvr>
+  <mc:AlternateContent xmlns:mc="http://schemas.openxmlformats.org/markup-compatibility/2006">
+    <mc:Choice xmlns:p14="http://schemas.microsoft.com/office/powerpoint/2010/main" Requires="p14">
+      <p:transition spd="slow" p14:dur="2000"/>
+    </mc:Choice>
+    <mc:Fallback>
+      <p:transition spd="slow"/>
+    </mc:Fallback>
+  </mc:AlternateContent>
 </p:sld>
 </file>
 

--- a/presentation/presentation.pptx
+++ b/presentation/presentation.pptx
@@ -5,7 +5,7 @@
     <p:sldMasterId id="2147483648" r:id="rId1"/>
   </p:sldMasterIdLst>
   <p:notesMasterIdLst>
-    <p:notesMasterId r:id="rId23"/>
+    <p:notesMasterId r:id="rId28"/>
   </p:notesMasterIdLst>
   <p:sldIdLst>
     <p:sldId id="256" r:id="rId2"/>
@@ -17,18 +17,23 @@
     <p:sldId id="259" r:id="rId8"/>
     <p:sldId id="261" r:id="rId9"/>
     <p:sldId id="262" r:id="rId10"/>
-    <p:sldId id="266" r:id="rId11"/>
-    <p:sldId id="264" r:id="rId12"/>
-    <p:sldId id="265" r:id="rId13"/>
-    <p:sldId id="263" r:id="rId14"/>
-    <p:sldId id="268" r:id="rId15"/>
-    <p:sldId id="269" r:id="rId16"/>
-    <p:sldId id="271" r:id="rId17"/>
-    <p:sldId id="272" r:id="rId18"/>
-    <p:sldId id="276" r:id="rId19"/>
-    <p:sldId id="275" r:id="rId20"/>
-    <p:sldId id="277" r:id="rId21"/>
-    <p:sldId id="270" r:id="rId22"/>
+    <p:sldId id="268" r:id="rId11"/>
+    <p:sldId id="269" r:id="rId12"/>
+    <p:sldId id="271" r:id="rId13"/>
+    <p:sldId id="272" r:id="rId14"/>
+    <p:sldId id="276" r:id="rId15"/>
+    <p:sldId id="275" r:id="rId16"/>
+    <p:sldId id="277" r:id="rId17"/>
+    <p:sldId id="270" r:id="rId18"/>
+    <p:sldId id="280" r:id="rId19"/>
+    <p:sldId id="281" r:id="rId20"/>
+    <p:sldId id="282" r:id="rId21"/>
+    <p:sldId id="278" r:id="rId22"/>
+    <p:sldId id="279" r:id="rId23"/>
+    <p:sldId id="266" r:id="rId24"/>
+    <p:sldId id="264" r:id="rId25"/>
+    <p:sldId id="265" r:id="rId26"/>
+    <p:sldId id="263" r:id="rId27"/>
   </p:sldIdLst>
   <p:sldSz cx="12192000" cy="6858000"/>
   <p:notesSz cx="6858000" cy="9144000"/>
@@ -3623,6 +3628,5403 @@
 </file>
 
 <file path=ppt/slides/slide10.xml><?xml version="1.0" encoding="utf-8"?>
+<p:sld xmlns:a="http://schemas.openxmlformats.org/drawingml/2006/main" xmlns:r="http://schemas.openxmlformats.org/officeDocument/2006/relationships" xmlns:p="http://schemas.openxmlformats.org/presentationml/2006/main">
+  <p:cSld>
+    <p:spTree>
+      <p:nvGrpSpPr>
+        <p:cNvPr id="1" name=""/>
+        <p:cNvGrpSpPr/>
+        <p:nvPr/>
+      </p:nvGrpSpPr>
+      <p:grpSpPr>
+        <a:xfrm>
+          <a:off x="0" y="0"/>
+          <a:ext cx="0" cy="0"/>
+          <a:chOff x="0" y="0"/>
+          <a:chExt cx="0" cy="0"/>
+        </a:xfrm>
+      </p:grpSpPr>
+      <p:sp>
+        <p:nvSpPr>
+          <p:cNvPr id="2" name="Title 1"/>
+          <p:cNvSpPr>
+            <a:spLocks noGrp="1"/>
+          </p:cNvSpPr>
+          <p:nvPr>
+            <p:ph type="ctrTitle"/>
+          </p:nvPr>
+        </p:nvSpPr>
+        <p:spPr/>
+        <p:txBody>
+          <a:bodyPr/>
+          <a:lstStyle/>
+          <a:p>
+            <a:r>
+              <a:rPr lang="en-US" dirty="0" smtClean="0"/>
+              <a:t>Product</a:t>
+            </a:r>
+            <a:endParaRPr lang="en-US" dirty="0"/>
+          </a:p>
+        </p:txBody>
+      </p:sp>
+    </p:spTree>
+    <p:extLst>
+      <p:ext uri="{BB962C8B-B14F-4D97-AF65-F5344CB8AC3E}">
+        <p14:creationId xmlns:p14="http://schemas.microsoft.com/office/powerpoint/2010/main" val="1764398525"/>
+      </p:ext>
+    </p:extLst>
+  </p:cSld>
+  <p:clrMapOvr>
+    <a:masterClrMapping/>
+  </p:clrMapOvr>
+</p:sld>
+</file>
+
+<file path=ppt/slides/slide11.xml><?xml version="1.0" encoding="utf-8"?>
+<p:sld xmlns:a="http://schemas.openxmlformats.org/drawingml/2006/main" xmlns:r="http://schemas.openxmlformats.org/officeDocument/2006/relationships" xmlns:p="http://schemas.openxmlformats.org/presentationml/2006/main">
+  <p:cSld>
+    <p:spTree>
+      <p:nvGrpSpPr>
+        <p:cNvPr id="1" name=""/>
+        <p:cNvGrpSpPr/>
+        <p:nvPr/>
+      </p:nvGrpSpPr>
+      <p:grpSpPr>
+        <a:xfrm>
+          <a:off x="0" y="0"/>
+          <a:ext cx="0" cy="0"/>
+          <a:chOff x="0" y="0"/>
+          <a:chExt cx="0" cy="0"/>
+        </a:xfrm>
+      </p:grpSpPr>
+      <p:pic>
+        <p:nvPicPr>
+          <p:cNvPr id="4" name="Picture 3"/>
+          <p:cNvPicPr>
+            <a:picLocks noChangeAspect="1"/>
+          </p:cNvPicPr>
+          <p:nvPr/>
+        </p:nvPicPr>
+        <p:blipFill>
+          <a:blip r:embed="rId2"/>
+          <a:stretch>
+            <a:fillRect/>
+          </a:stretch>
+        </p:blipFill>
+        <p:spPr>
+          <a:xfrm>
+            <a:off x="5037648" y="1236054"/>
+            <a:ext cx="3374574" cy="4689987"/>
+          </a:xfrm>
+          <a:prstGeom prst="rect">
+            <a:avLst/>
+          </a:prstGeom>
+        </p:spPr>
+      </p:pic>
+      <p:pic>
+        <p:nvPicPr>
+          <p:cNvPr id="6" name="Picture 5"/>
+          <p:cNvPicPr>
+            <a:picLocks noChangeAspect="1"/>
+          </p:cNvPicPr>
+          <p:nvPr/>
+        </p:nvPicPr>
+        <p:blipFill>
+          <a:blip r:embed="rId3"/>
+          <a:stretch>
+            <a:fillRect/>
+          </a:stretch>
+        </p:blipFill>
+        <p:spPr>
+          <a:xfrm>
+            <a:off x="241709" y="343502"/>
+            <a:ext cx="2057658" cy="2639961"/>
+          </a:xfrm>
+          <a:prstGeom prst="rect">
+            <a:avLst/>
+          </a:prstGeom>
+        </p:spPr>
+      </p:pic>
+      <p:sp>
+        <p:nvSpPr>
+          <p:cNvPr id="7" name="TextBox 6"/>
+          <p:cNvSpPr txBox="1"/>
+          <p:nvPr/>
+        </p:nvSpPr>
+        <p:spPr>
+          <a:xfrm>
+            <a:off x="385523" y="5316783"/>
+            <a:ext cx="3907686" cy="892552"/>
+          </a:xfrm>
+          <a:prstGeom prst="rect">
+            <a:avLst/>
+          </a:prstGeom>
+          <a:noFill/>
+          <a:ln>
+            <a:solidFill>
+              <a:schemeClr val="tx1"/>
+            </a:solidFill>
+          </a:ln>
+        </p:spPr>
+        <p:txBody>
+          <a:bodyPr wrap="square" rtlCol="0">
+            <a:spAutoFit/>
+          </a:bodyPr>
+          <a:lstStyle/>
+          <a:p>
+            <a:r>
+              <a:rPr lang="en-US" sz="2000" b="1" dirty="0" smtClean="0">
+                <a:latin typeface="SF Pro Display" charset="0"/>
+                <a:ea typeface="SF Pro Display" charset="0"/>
+                <a:cs typeface="SF Pro Display" charset="0"/>
+              </a:rPr>
+              <a:t>Borderless Credit Marketplace</a:t>
+            </a:r>
+          </a:p>
+          <a:p>
+            <a:r>
+              <a:rPr lang="en-US" sz="1600" dirty="0" smtClean="0">
+                <a:latin typeface="SF Pro Display" charset="0"/>
+                <a:ea typeface="SF Pro Display" charset="0"/>
+                <a:cs typeface="SF Pro Display" charset="0"/>
+              </a:rPr>
+              <a:t>Anyone around the world with USDC can fund a loan</a:t>
+            </a:r>
+            <a:endParaRPr lang="en-US" sz="1600" dirty="0">
+              <a:latin typeface="SF Pro Display" charset="0"/>
+              <a:ea typeface="SF Pro Display" charset="0"/>
+              <a:cs typeface="SF Pro Display" charset="0"/>
+            </a:endParaRPr>
+          </a:p>
+        </p:txBody>
+      </p:sp>
+      <p:sp>
+        <p:nvSpPr>
+          <p:cNvPr id="8" name="TextBox 7"/>
+          <p:cNvSpPr txBox="1"/>
+          <p:nvPr/>
+        </p:nvSpPr>
+        <p:spPr>
+          <a:xfrm>
+            <a:off x="2319274" y="343502"/>
+            <a:ext cx="3730705" cy="892552"/>
+          </a:xfrm>
+          <a:prstGeom prst="rect">
+            <a:avLst/>
+          </a:prstGeom>
+          <a:noFill/>
+          <a:ln>
+            <a:solidFill>
+              <a:schemeClr val="tx1"/>
+            </a:solidFill>
+          </a:ln>
+        </p:spPr>
+        <p:txBody>
+          <a:bodyPr wrap="square" rtlCol="0">
+            <a:spAutoFit/>
+          </a:bodyPr>
+          <a:lstStyle/>
+          <a:p>
+            <a:r>
+              <a:rPr lang="en-US" sz="2000" b="1" dirty="0" err="1" smtClean="0">
+                <a:latin typeface="SF Pro Display" charset="0"/>
+                <a:ea typeface="SF Pro Display" charset="0"/>
+                <a:cs typeface="SF Pro Display" charset="0"/>
+              </a:rPr>
+              <a:t>Stablecoin</a:t>
+            </a:r>
+            <a:r>
+              <a:rPr lang="en-US" sz="2000" b="1" dirty="0" smtClean="0">
+                <a:latin typeface="SF Pro Display" charset="0"/>
+                <a:ea typeface="SF Pro Display" charset="0"/>
+                <a:cs typeface="SF Pro Display" charset="0"/>
+              </a:rPr>
+              <a:t> Loans</a:t>
+            </a:r>
+          </a:p>
+          <a:p>
+            <a:r>
+              <a:rPr lang="en-US" sz="1600" dirty="0" smtClean="0">
+                <a:latin typeface="SF Pro Display" charset="0"/>
+                <a:ea typeface="SF Pro Display" charset="0"/>
+                <a:cs typeface="SF Pro Display" charset="0"/>
+              </a:rPr>
+              <a:t>Near-$0 money movement across borders from wallet to wallet </a:t>
+            </a:r>
+            <a:endParaRPr lang="en-US" sz="1600" dirty="0">
+              <a:latin typeface="SF Pro Display" charset="0"/>
+              <a:ea typeface="SF Pro Display" charset="0"/>
+              <a:cs typeface="SF Pro Display" charset="0"/>
+            </a:endParaRPr>
+          </a:p>
+        </p:txBody>
+      </p:sp>
+      <p:cxnSp>
+        <p:nvCxnSpPr>
+          <p:cNvPr id="27" name="Straight Arrow Connector 26"/>
+          <p:cNvCxnSpPr>
+            <a:stCxn id="8" idx="2"/>
+          </p:cNvCxnSpPr>
+          <p:nvPr/>
+        </p:nvCxnSpPr>
+        <p:spPr>
+          <a:xfrm>
+            <a:off x="4184627" y="1236054"/>
+            <a:ext cx="1036302" cy="3011481"/>
+          </a:xfrm>
+          <a:prstGeom prst="straightConnector1">
+            <a:avLst/>
+          </a:prstGeom>
+          <a:ln>
+            <a:solidFill>
+              <a:schemeClr val="tx1"/>
+            </a:solidFill>
+            <a:tailEnd type="triangle"/>
+          </a:ln>
+        </p:spPr>
+        <p:style>
+          <a:lnRef idx="1">
+            <a:schemeClr val="accent1"/>
+          </a:lnRef>
+          <a:fillRef idx="0">
+            <a:schemeClr val="accent1"/>
+          </a:fillRef>
+          <a:effectRef idx="0">
+            <a:schemeClr val="accent1"/>
+          </a:effectRef>
+          <a:fontRef idx="minor">
+            <a:schemeClr val="tx1"/>
+          </a:fontRef>
+        </p:style>
+      </p:cxnSp>
+      <p:cxnSp>
+        <p:nvCxnSpPr>
+          <p:cNvPr id="29" name="Straight Arrow Connector 28"/>
+          <p:cNvCxnSpPr>
+            <a:stCxn id="7" idx="3"/>
+          </p:cNvCxnSpPr>
+          <p:nvPr/>
+        </p:nvCxnSpPr>
+        <p:spPr>
+          <a:xfrm flipV="1">
+            <a:off x="4293209" y="5140087"/>
+            <a:ext cx="927720" cy="622972"/>
+          </a:xfrm>
+          <a:prstGeom prst="straightConnector1">
+            <a:avLst/>
+          </a:prstGeom>
+          <a:ln>
+            <a:solidFill>
+              <a:schemeClr val="tx1"/>
+            </a:solidFill>
+            <a:tailEnd type="triangle"/>
+          </a:ln>
+        </p:spPr>
+        <p:style>
+          <a:lnRef idx="1">
+            <a:schemeClr val="accent1"/>
+          </a:lnRef>
+          <a:fillRef idx="0">
+            <a:schemeClr val="accent1"/>
+          </a:fillRef>
+          <a:effectRef idx="0">
+            <a:schemeClr val="accent1"/>
+          </a:effectRef>
+          <a:fontRef idx="minor">
+            <a:schemeClr val="tx1"/>
+          </a:fontRef>
+        </p:style>
+      </p:cxnSp>
+    </p:spTree>
+    <p:extLst>
+      <p:ext uri="{BB962C8B-B14F-4D97-AF65-F5344CB8AC3E}">
+        <p14:creationId xmlns:p14="http://schemas.microsoft.com/office/powerpoint/2010/main" val="1044109734"/>
+      </p:ext>
+    </p:extLst>
+  </p:cSld>
+  <p:clrMapOvr>
+    <a:masterClrMapping/>
+  </p:clrMapOvr>
+</p:sld>
+</file>
+
+<file path=ppt/slides/slide12.xml><?xml version="1.0" encoding="utf-8"?>
+<p:sld xmlns:a="http://schemas.openxmlformats.org/drawingml/2006/main" xmlns:r="http://schemas.openxmlformats.org/officeDocument/2006/relationships" xmlns:p="http://schemas.openxmlformats.org/presentationml/2006/main">
+  <p:cSld>
+    <p:spTree>
+      <p:nvGrpSpPr>
+        <p:cNvPr id="1" name=""/>
+        <p:cNvGrpSpPr/>
+        <p:nvPr/>
+      </p:nvGrpSpPr>
+      <p:grpSpPr>
+        <a:xfrm>
+          <a:off x="0" y="0"/>
+          <a:ext cx="0" cy="0"/>
+          <a:chOff x="0" y="0"/>
+          <a:chExt cx="0" cy="0"/>
+        </a:xfrm>
+      </p:grpSpPr>
+      <p:pic>
+        <p:nvPicPr>
+          <p:cNvPr id="2" name="Picture 1"/>
+          <p:cNvPicPr>
+            <a:picLocks noChangeAspect="1"/>
+          </p:cNvPicPr>
+          <p:nvPr/>
+        </p:nvPicPr>
+        <p:blipFill rotWithShape="1">
+          <a:blip r:embed="rId2"/>
+          <a:srcRect b="78184"/>
+          <a:stretch/>
+        </p:blipFill>
+        <p:spPr>
+          <a:xfrm>
+            <a:off x="2736320" y="757457"/>
+            <a:ext cx="6904521" cy="5379675"/>
+          </a:xfrm>
+          <a:prstGeom prst="rect">
+            <a:avLst/>
+          </a:prstGeom>
+        </p:spPr>
+      </p:pic>
+      <p:sp>
+        <p:nvSpPr>
+          <p:cNvPr id="8" name="TextBox 7"/>
+          <p:cNvSpPr txBox="1"/>
+          <p:nvPr/>
+        </p:nvSpPr>
+        <p:spPr>
+          <a:xfrm>
+            <a:off x="439197" y="1470783"/>
+            <a:ext cx="2761203" cy="1384995"/>
+          </a:xfrm>
+          <a:prstGeom prst="rect">
+            <a:avLst/>
+          </a:prstGeom>
+          <a:noFill/>
+          <a:ln>
+            <a:solidFill>
+              <a:schemeClr val="tx1"/>
+            </a:solidFill>
+          </a:ln>
+        </p:spPr>
+        <p:txBody>
+          <a:bodyPr wrap="square" rtlCol="0">
+            <a:spAutoFit/>
+          </a:bodyPr>
+          <a:lstStyle/>
+          <a:p>
+            <a:r>
+              <a:rPr lang="en-US" sz="2000" b="1" dirty="0" smtClean="0">
+                <a:latin typeface="SF Pro Display" charset="0"/>
+                <a:ea typeface="SF Pro Display" charset="0"/>
+                <a:cs typeface="SF Pro Display" charset="0"/>
+              </a:rPr>
+              <a:t>Identity-as-collateral</a:t>
+            </a:r>
+          </a:p>
+          <a:p>
+            <a:r>
+              <a:rPr lang="en-US" sz="1600" dirty="0" smtClean="0">
+                <a:latin typeface="SF Pro Display" charset="0"/>
+                <a:ea typeface="SF Pro Display" charset="0"/>
+                <a:cs typeface="SF Pro Display" charset="0"/>
+              </a:rPr>
+              <a:t>Real-world identity allows unsecured lending with globally verified identity as collateral</a:t>
+            </a:r>
+            <a:endParaRPr lang="en-US" sz="1600" dirty="0">
+              <a:latin typeface="SF Pro Display" charset="0"/>
+              <a:ea typeface="SF Pro Display" charset="0"/>
+              <a:cs typeface="SF Pro Display" charset="0"/>
+            </a:endParaRPr>
+          </a:p>
+        </p:txBody>
+      </p:sp>
+      <p:cxnSp>
+        <p:nvCxnSpPr>
+          <p:cNvPr id="27" name="Straight Arrow Connector 26"/>
+          <p:cNvCxnSpPr>
+            <a:stCxn id="8" idx="2"/>
+          </p:cNvCxnSpPr>
+          <p:nvPr/>
+        </p:nvCxnSpPr>
+        <p:spPr>
+          <a:xfrm>
+            <a:off x="1819799" y="2855778"/>
+            <a:ext cx="1483840" cy="454601"/>
+          </a:xfrm>
+          <a:prstGeom prst="straightConnector1">
+            <a:avLst/>
+          </a:prstGeom>
+          <a:ln>
+            <a:solidFill>
+              <a:schemeClr val="tx1"/>
+            </a:solidFill>
+            <a:tailEnd type="triangle"/>
+          </a:ln>
+        </p:spPr>
+        <p:style>
+          <a:lnRef idx="1">
+            <a:schemeClr val="accent1"/>
+          </a:lnRef>
+          <a:fillRef idx="0">
+            <a:schemeClr val="accent1"/>
+          </a:fillRef>
+          <a:effectRef idx="0">
+            <a:schemeClr val="accent1"/>
+          </a:effectRef>
+          <a:fontRef idx="minor">
+            <a:schemeClr val="tx1"/>
+          </a:fontRef>
+        </p:style>
+      </p:cxnSp>
+      <p:sp>
+        <p:nvSpPr>
+          <p:cNvPr id="10" name="TextBox 9"/>
+          <p:cNvSpPr txBox="1"/>
+          <p:nvPr/>
+        </p:nvSpPr>
+        <p:spPr>
+          <a:xfrm>
+            <a:off x="9099755" y="2000744"/>
+            <a:ext cx="2838209" cy="1138773"/>
+          </a:xfrm>
+          <a:prstGeom prst="rect">
+            <a:avLst/>
+          </a:prstGeom>
+          <a:noFill/>
+          <a:ln>
+            <a:solidFill>
+              <a:schemeClr val="tx1"/>
+            </a:solidFill>
+          </a:ln>
+        </p:spPr>
+        <p:txBody>
+          <a:bodyPr wrap="square" rtlCol="0">
+            <a:spAutoFit/>
+          </a:bodyPr>
+          <a:lstStyle/>
+          <a:p>
+            <a:r>
+              <a:rPr lang="en-US" sz="2000" b="1" dirty="0" smtClean="0">
+                <a:latin typeface="SF Pro Display" charset="0"/>
+                <a:ea typeface="SF Pro Display" charset="0"/>
+                <a:cs typeface="SF Pro Display" charset="0"/>
+              </a:rPr>
+              <a:t>Social Attestation</a:t>
+            </a:r>
+          </a:p>
+          <a:p>
+            <a:r>
+              <a:rPr lang="en-US" sz="1600" dirty="0" smtClean="0">
+                <a:latin typeface="SF Pro Display" charset="0"/>
+                <a:ea typeface="SF Pro Display" charset="0"/>
+                <a:cs typeface="SF Pro Display" charset="0"/>
+              </a:rPr>
+              <a:t>Develop a richer credit profile by other verified profiles attesting for the borrower</a:t>
+            </a:r>
+            <a:endParaRPr lang="en-US" sz="1600" dirty="0">
+              <a:latin typeface="SF Pro Display" charset="0"/>
+              <a:ea typeface="SF Pro Display" charset="0"/>
+              <a:cs typeface="SF Pro Display" charset="0"/>
+            </a:endParaRPr>
+          </a:p>
+        </p:txBody>
+      </p:sp>
+      <p:cxnSp>
+        <p:nvCxnSpPr>
+          <p:cNvPr id="11" name="Straight Arrow Connector 10"/>
+          <p:cNvCxnSpPr>
+            <a:stCxn id="10" idx="1"/>
+          </p:cNvCxnSpPr>
+          <p:nvPr/>
+        </p:nvCxnSpPr>
+        <p:spPr>
+          <a:xfrm flipH="1">
+            <a:off x="7813965" y="2570131"/>
+            <a:ext cx="1285790" cy="543725"/>
+          </a:xfrm>
+          <a:prstGeom prst="straightConnector1">
+            <a:avLst/>
+          </a:prstGeom>
+          <a:ln>
+            <a:solidFill>
+              <a:schemeClr val="tx1"/>
+            </a:solidFill>
+            <a:tailEnd type="triangle"/>
+          </a:ln>
+        </p:spPr>
+        <p:style>
+          <a:lnRef idx="1">
+            <a:schemeClr val="accent1"/>
+          </a:lnRef>
+          <a:fillRef idx="0">
+            <a:schemeClr val="accent1"/>
+          </a:fillRef>
+          <a:effectRef idx="0">
+            <a:schemeClr val="accent1"/>
+          </a:effectRef>
+          <a:fontRef idx="minor">
+            <a:schemeClr val="tx1"/>
+          </a:fontRef>
+        </p:style>
+      </p:cxnSp>
+      <p:pic>
+        <p:nvPicPr>
+          <p:cNvPr id="13" name="Picture 12"/>
+          <p:cNvPicPr>
+            <a:picLocks noChangeAspect="1"/>
+          </p:cNvPicPr>
+          <p:nvPr/>
+        </p:nvPicPr>
+        <p:blipFill>
+          <a:blip r:embed="rId3"/>
+          <a:stretch>
+            <a:fillRect/>
+          </a:stretch>
+        </p:blipFill>
+        <p:spPr>
+          <a:xfrm>
+            <a:off x="430620" y="3113856"/>
+            <a:ext cx="1517379" cy="1946787"/>
+          </a:xfrm>
+          <a:prstGeom prst="rect">
+            <a:avLst/>
+          </a:prstGeom>
+        </p:spPr>
+      </p:pic>
+      <p:sp>
+        <p:nvSpPr>
+          <p:cNvPr id="14" name="AutoShape 2" descr="Box Logo"/>
+          <p:cNvSpPr>
+            <a:spLocks noChangeAspect="1" noChangeArrowheads="1"/>
+          </p:cNvSpPr>
+          <p:nvPr/>
+        </p:nvSpPr>
+        <p:spPr bwMode="auto">
+          <a:xfrm>
+            <a:off x="0" y="0"/>
+            <a:ext cx="304800" cy="304800"/>
+          </a:xfrm>
+          <a:prstGeom prst="rect">
+            <a:avLst/>
+          </a:prstGeom>
+          <a:noFill/>
+          <a:extLst>
+            <a:ext uri="{909E8E84-426E-40DD-AFC4-6F175D3DCCD1}">
+              <a14:hiddenFill xmlns:a14="http://schemas.microsoft.com/office/drawing/2010/main">
+                <a:solidFill>
+                  <a:srgbClr val="FFFFFF"/>
+                </a:solidFill>
+              </a14:hiddenFill>
+            </a:ext>
+          </a:extLst>
+        </p:spPr>
+        <p:txBody>
+          <a:bodyPr vert="horz" wrap="square" lIns="91440" tIns="45720" rIns="91440" bIns="45720" numCol="1" anchor="t" anchorCtr="0" compatLnSpc="1">
+            <a:prstTxWarp prst="textNoShape">
+              <a:avLst/>
+            </a:prstTxWarp>
+          </a:bodyPr>
+          <a:lstStyle/>
+          <a:p>
+            <a:endParaRPr lang="en-US"/>
+          </a:p>
+        </p:txBody>
+      </p:sp>
+      <p:pic>
+        <p:nvPicPr>
+          <p:cNvPr id="18" name="Picture 17"/>
+          <p:cNvPicPr>
+            <a:picLocks noChangeAspect="1"/>
+          </p:cNvPicPr>
+          <p:nvPr/>
+        </p:nvPicPr>
+        <p:blipFill>
+          <a:blip r:embed="rId4"/>
+          <a:stretch>
+            <a:fillRect/>
+          </a:stretch>
+        </p:blipFill>
+        <p:spPr>
+          <a:xfrm>
+            <a:off x="536309" y="5158520"/>
+            <a:ext cx="1208612" cy="499623"/>
+          </a:xfrm>
+          <a:prstGeom prst="rect">
+            <a:avLst/>
+          </a:prstGeom>
+        </p:spPr>
+      </p:pic>
+      <p:pic>
+        <p:nvPicPr>
+          <p:cNvPr id="25" name="Picture 24"/>
+          <p:cNvPicPr>
+            <a:picLocks noChangeAspect="1"/>
+          </p:cNvPicPr>
+          <p:nvPr/>
+        </p:nvPicPr>
+        <p:blipFill>
+          <a:blip r:embed="rId3"/>
+          <a:stretch>
+            <a:fillRect/>
+          </a:stretch>
+        </p:blipFill>
+        <p:spPr>
+          <a:xfrm>
+            <a:off x="10518859" y="3275177"/>
+            <a:ext cx="1517379" cy="1946787"/>
+          </a:xfrm>
+          <a:prstGeom prst="rect">
+            <a:avLst/>
+          </a:prstGeom>
+        </p:spPr>
+      </p:pic>
+    </p:spTree>
+    <p:extLst>
+      <p:ext uri="{BB962C8B-B14F-4D97-AF65-F5344CB8AC3E}">
+        <p14:creationId xmlns:p14="http://schemas.microsoft.com/office/powerpoint/2010/main" val="292632525"/>
+      </p:ext>
+    </p:extLst>
+  </p:cSld>
+  <p:clrMapOvr>
+    <a:masterClrMapping/>
+  </p:clrMapOvr>
+</p:sld>
+</file>
+
+<file path=ppt/slides/slide13.xml><?xml version="1.0" encoding="utf-8"?>
+<p:sld xmlns:a="http://schemas.openxmlformats.org/drawingml/2006/main" xmlns:r="http://schemas.openxmlformats.org/officeDocument/2006/relationships" xmlns:p="http://schemas.openxmlformats.org/presentationml/2006/main">
+  <p:cSld>
+    <p:spTree>
+      <p:nvGrpSpPr>
+        <p:cNvPr id="1" name=""/>
+        <p:cNvGrpSpPr/>
+        <p:nvPr/>
+      </p:nvGrpSpPr>
+      <p:grpSpPr>
+        <a:xfrm>
+          <a:off x="0" y="0"/>
+          <a:ext cx="0" cy="0"/>
+          <a:chOff x="0" y="0"/>
+          <a:chExt cx="0" cy="0"/>
+        </a:xfrm>
+      </p:grpSpPr>
+      <p:pic>
+        <p:nvPicPr>
+          <p:cNvPr id="2" name="Picture 1"/>
+          <p:cNvPicPr>
+            <a:picLocks noChangeAspect="1"/>
+          </p:cNvPicPr>
+          <p:nvPr/>
+        </p:nvPicPr>
+        <p:blipFill rotWithShape="1">
+          <a:blip r:embed="rId2"/>
+          <a:srcRect l="-507" t="21462" r="507" b="56722"/>
+          <a:stretch/>
+        </p:blipFill>
+        <p:spPr>
+          <a:xfrm>
+            <a:off x="2736320" y="757457"/>
+            <a:ext cx="6904521" cy="5379675"/>
+          </a:xfrm>
+          <a:prstGeom prst="rect">
+            <a:avLst/>
+          </a:prstGeom>
+        </p:spPr>
+      </p:pic>
+      <p:sp>
+        <p:nvSpPr>
+          <p:cNvPr id="8" name="TextBox 7"/>
+          <p:cNvSpPr txBox="1"/>
+          <p:nvPr/>
+        </p:nvSpPr>
+        <p:spPr>
+          <a:xfrm>
+            <a:off x="304800" y="437893"/>
+            <a:ext cx="2881745" cy="2246769"/>
+          </a:xfrm>
+          <a:prstGeom prst="rect">
+            <a:avLst/>
+          </a:prstGeom>
+          <a:noFill/>
+          <a:ln>
+            <a:solidFill>
+              <a:schemeClr val="tx1"/>
+            </a:solidFill>
+          </a:ln>
+        </p:spPr>
+        <p:txBody>
+          <a:bodyPr wrap="square" rtlCol="0">
+            <a:spAutoFit/>
+          </a:bodyPr>
+          <a:lstStyle/>
+          <a:p>
+            <a:r>
+              <a:rPr lang="en-US" sz="2000" b="1" dirty="0" smtClean="0">
+                <a:latin typeface="SF Pro Display" charset="0"/>
+                <a:ea typeface="SF Pro Display" charset="0"/>
+                <a:cs typeface="SF Pro Display" charset="0"/>
+              </a:rPr>
+              <a:t>ERC-20 Crowdfunding and Fractional Ownership</a:t>
+            </a:r>
+          </a:p>
+          <a:p>
+            <a:r>
+              <a:rPr lang="en-US" sz="1600" dirty="0" smtClean="0">
+                <a:latin typeface="SF Pro Display" charset="0"/>
+                <a:ea typeface="SF Pro Display" charset="0"/>
+                <a:cs typeface="SF Pro Display" charset="0"/>
+              </a:rPr>
+              <a:t>Innovative crowdsourcing models that allow for the issuance of verifiable ERC-20 debt tokens that are potentially tradeable for early liquidity</a:t>
+            </a:r>
+            <a:endParaRPr lang="en-US" sz="1600" dirty="0">
+              <a:latin typeface="SF Pro Display" charset="0"/>
+              <a:ea typeface="SF Pro Display" charset="0"/>
+              <a:cs typeface="SF Pro Display" charset="0"/>
+            </a:endParaRPr>
+          </a:p>
+        </p:txBody>
+      </p:sp>
+      <p:cxnSp>
+        <p:nvCxnSpPr>
+          <p:cNvPr id="27" name="Straight Arrow Connector 26"/>
+          <p:cNvCxnSpPr>
+            <a:stCxn id="8" idx="3"/>
+          </p:cNvCxnSpPr>
+          <p:nvPr/>
+        </p:nvCxnSpPr>
+        <p:spPr>
+          <a:xfrm>
+            <a:off x="3186545" y="1561278"/>
+            <a:ext cx="249382" cy="15388"/>
+          </a:xfrm>
+          <a:prstGeom prst="straightConnector1">
+            <a:avLst/>
+          </a:prstGeom>
+          <a:ln>
+            <a:solidFill>
+              <a:schemeClr val="tx1"/>
+            </a:solidFill>
+            <a:tailEnd type="triangle"/>
+          </a:ln>
+        </p:spPr>
+        <p:style>
+          <a:lnRef idx="1">
+            <a:schemeClr val="accent1"/>
+          </a:lnRef>
+          <a:fillRef idx="0">
+            <a:schemeClr val="accent1"/>
+          </a:fillRef>
+          <a:effectRef idx="0">
+            <a:schemeClr val="accent1"/>
+          </a:effectRef>
+          <a:fontRef idx="minor">
+            <a:schemeClr val="tx1"/>
+          </a:fontRef>
+        </p:style>
+      </p:cxnSp>
+      <p:pic>
+        <p:nvPicPr>
+          <p:cNvPr id="9" name="Picture 8"/>
+          <p:cNvPicPr>
+            <a:picLocks noChangeAspect="1"/>
+          </p:cNvPicPr>
+          <p:nvPr/>
+        </p:nvPicPr>
+        <p:blipFill>
+          <a:blip r:embed="rId3"/>
+          <a:stretch>
+            <a:fillRect/>
+          </a:stretch>
+        </p:blipFill>
+        <p:spPr>
+          <a:xfrm>
+            <a:off x="10416832" y="3447294"/>
+            <a:ext cx="1655529" cy="2124032"/>
+          </a:xfrm>
+          <a:prstGeom prst="rect">
+            <a:avLst/>
+          </a:prstGeom>
+        </p:spPr>
+      </p:pic>
+      <p:sp>
+        <p:nvSpPr>
+          <p:cNvPr id="10" name="TextBox 9"/>
+          <p:cNvSpPr txBox="1"/>
+          <p:nvPr/>
+        </p:nvSpPr>
+        <p:spPr>
+          <a:xfrm>
+            <a:off x="9226622" y="1822888"/>
+            <a:ext cx="2845739" cy="1754326"/>
+          </a:xfrm>
+          <a:prstGeom prst="rect">
+            <a:avLst/>
+          </a:prstGeom>
+          <a:noFill/>
+          <a:ln>
+            <a:solidFill>
+              <a:schemeClr val="tx1"/>
+            </a:solidFill>
+          </a:ln>
+        </p:spPr>
+        <p:txBody>
+          <a:bodyPr wrap="square" rtlCol="0">
+            <a:spAutoFit/>
+          </a:bodyPr>
+          <a:lstStyle/>
+          <a:p>
+            <a:r>
+              <a:rPr lang="en-US" sz="2000" b="1" dirty="0" smtClean="0">
+                <a:latin typeface="SF Pro Display" charset="0"/>
+                <a:ea typeface="SF Pro Display" charset="0"/>
+                <a:cs typeface="SF Pro Display" charset="0"/>
+              </a:rPr>
+              <a:t>Automated Flow of Funds through Smart Contracts</a:t>
+            </a:r>
+          </a:p>
+          <a:p>
+            <a:r>
+              <a:rPr lang="en-US" sz="1600" dirty="0" smtClean="0">
+                <a:latin typeface="SF Pro Display" charset="0"/>
+                <a:ea typeface="SF Pro Display" charset="0"/>
+                <a:cs typeface="SF Pro Display" charset="0"/>
+              </a:rPr>
+              <a:t>Automated tracking of debt terms, repayment payments, and handling of flow-of-funds </a:t>
+            </a:r>
+            <a:endParaRPr lang="en-US" sz="1600" dirty="0">
+              <a:latin typeface="SF Pro Display" charset="0"/>
+              <a:ea typeface="SF Pro Display" charset="0"/>
+              <a:cs typeface="SF Pro Display" charset="0"/>
+            </a:endParaRPr>
+          </a:p>
+        </p:txBody>
+      </p:sp>
+      <p:cxnSp>
+        <p:nvCxnSpPr>
+          <p:cNvPr id="11" name="Straight Arrow Connector 10"/>
+          <p:cNvCxnSpPr/>
+          <p:nvPr/>
+        </p:nvCxnSpPr>
+        <p:spPr>
+          <a:xfrm flipH="1">
+            <a:off x="6012873" y="2355273"/>
+            <a:ext cx="3213749" cy="1092021"/>
+          </a:xfrm>
+          <a:prstGeom prst="straightConnector1">
+            <a:avLst/>
+          </a:prstGeom>
+          <a:ln>
+            <a:solidFill>
+              <a:schemeClr val="tx1"/>
+            </a:solidFill>
+            <a:tailEnd type="triangle"/>
+          </a:ln>
+        </p:spPr>
+        <p:style>
+          <a:lnRef idx="1">
+            <a:schemeClr val="accent1"/>
+          </a:lnRef>
+          <a:fillRef idx="0">
+            <a:schemeClr val="accent1"/>
+          </a:fillRef>
+          <a:effectRef idx="0">
+            <a:schemeClr val="accent1"/>
+          </a:effectRef>
+          <a:fontRef idx="minor">
+            <a:schemeClr val="tx1"/>
+          </a:fontRef>
+        </p:style>
+      </p:cxnSp>
+      <p:sp>
+        <p:nvSpPr>
+          <p:cNvPr id="14" name="AutoShape 2" descr="Box Logo"/>
+          <p:cNvSpPr>
+            <a:spLocks noChangeAspect="1" noChangeArrowheads="1"/>
+          </p:cNvSpPr>
+          <p:nvPr/>
+        </p:nvSpPr>
+        <p:spPr bwMode="auto">
+          <a:xfrm>
+            <a:off x="0" y="0"/>
+            <a:ext cx="304800" cy="304800"/>
+          </a:xfrm>
+          <a:prstGeom prst="rect">
+            <a:avLst/>
+          </a:prstGeom>
+          <a:noFill/>
+          <a:extLst>
+            <a:ext uri="{909E8E84-426E-40DD-AFC4-6F175D3DCCD1}">
+              <a14:hiddenFill xmlns:a14="http://schemas.microsoft.com/office/drawing/2010/main">
+                <a:solidFill>
+                  <a:srgbClr val="FFFFFF"/>
+                </a:solidFill>
+              </a14:hiddenFill>
+            </a:ext>
+          </a:extLst>
+        </p:spPr>
+        <p:txBody>
+          <a:bodyPr vert="horz" wrap="square" lIns="91440" tIns="45720" rIns="91440" bIns="45720" numCol="1" anchor="t" anchorCtr="0" compatLnSpc="1">
+            <a:prstTxWarp prst="textNoShape">
+              <a:avLst/>
+            </a:prstTxWarp>
+          </a:bodyPr>
+          <a:lstStyle/>
+          <a:p>
+            <a:endParaRPr lang="en-US"/>
+          </a:p>
+        </p:txBody>
+      </p:sp>
+      <p:cxnSp>
+        <p:nvCxnSpPr>
+          <p:cNvPr id="15" name="Straight Arrow Connector 14"/>
+          <p:cNvCxnSpPr/>
+          <p:nvPr/>
+        </p:nvCxnSpPr>
+        <p:spPr>
+          <a:xfrm>
+            <a:off x="3186545" y="757457"/>
+            <a:ext cx="2992582" cy="461743"/>
+          </a:xfrm>
+          <a:prstGeom prst="straightConnector1">
+            <a:avLst/>
+          </a:prstGeom>
+          <a:ln>
+            <a:solidFill>
+              <a:schemeClr val="tx1"/>
+            </a:solidFill>
+            <a:tailEnd type="triangle"/>
+          </a:ln>
+        </p:spPr>
+        <p:style>
+          <a:lnRef idx="1">
+            <a:schemeClr val="accent1"/>
+          </a:lnRef>
+          <a:fillRef idx="0">
+            <a:schemeClr val="accent1"/>
+          </a:fillRef>
+          <a:effectRef idx="0">
+            <a:schemeClr val="accent1"/>
+          </a:effectRef>
+          <a:fontRef idx="minor">
+            <a:schemeClr val="tx1"/>
+          </a:fontRef>
+        </p:style>
+      </p:cxnSp>
+      <p:cxnSp>
+        <p:nvCxnSpPr>
+          <p:cNvPr id="20" name="Straight Arrow Connector 19"/>
+          <p:cNvCxnSpPr/>
+          <p:nvPr/>
+        </p:nvCxnSpPr>
+        <p:spPr>
+          <a:xfrm flipH="1">
+            <a:off x="7619747" y="2646218"/>
+            <a:ext cx="1606875" cy="2743200"/>
+          </a:xfrm>
+          <a:prstGeom prst="straightConnector1">
+            <a:avLst/>
+          </a:prstGeom>
+          <a:ln>
+            <a:solidFill>
+              <a:schemeClr val="tx1"/>
+            </a:solidFill>
+            <a:tailEnd type="triangle"/>
+          </a:ln>
+        </p:spPr>
+        <p:style>
+          <a:lnRef idx="1">
+            <a:schemeClr val="accent1"/>
+          </a:lnRef>
+          <a:fillRef idx="0">
+            <a:schemeClr val="accent1"/>
+          </a:fillRef>
+          <a:effectRef idx="0">
+            <a:schemeClr val="accent1"/>
+          </a:effectRef>
+          <a:fontRef idx="minor">
+            <a:schemeClr val="tx1"/>
+          </a:fontRef>
+        </p:style>
+      </p:cxnSp>
+      <p:sp>
+        <p:nvSpPr>
+          <p:cNvPr id="26" name="TextBox 25"/>
+          <p:cNvSpPr txBox="1"/>
+          <p:nvPr/>
+        </p:nvSpPr>
+        <p:spPr>
+          <a:xfrm>
+            <a:off x="429491" y="3674152"/>
+            <a:ext cx="2881745" cy="2185214"/>
+          </a:xfrm>
+          <a:prstGeom prst="rect">
+            <a:avLst/>
+          </a:prstGeom>
+          <a:noFill/>
+          <a:ln>
+            <a:solidFill>
+              <a:schemeClr val="tx1"/>
+            </a:solidFill>
+          </a:ln>
+        </p:spPr>
+        <p:txBody>
+          <a:bodyPr wrap="square" rtlCol="0">
+            <a:spAutoFit/>
+          </a:bodyPr>
+          <a:lstStyle/>
+          <a:p>
+            <a:r>
+              <a:rPr lang="en-US" sz="2000" b="1" dirty="0" smtClean="0">
+                <a:latin typeface="SF Pro Display" charset="0"/>
+                <a:ea typeface="SF Pro Display" charset="0"/>
+                <a:cs typeface="SF Pro Display" charset="0"/>
+              </a:rPr>
+              <a:t>Configurable Loan Contract</a:t>
+            </a:r>
+          </a:p>
+          <a:p>
+            <a:r>
+              <a:rPr lang="en-US" sz="1600" dirty="0" smtClean="0">
+                <a:latin typeface="SF Pro Display" charset="0"/>
+                <a:ea typeface="SF Pro Display" charset="0"/>
+                <a:cs typeface="SF Pro Display" charset="0"/>
+              </a:rPr>
+              <a:t>Flexible loan contracts with configurable terms (e.g. grace periods on interest and principal, variable tenor, Principal-Interest-Fees-Penalties breakdown</a:t>
+            </a:r>
+            <a:endParaRPr lang="en-US" sz="1600" dirty="0">
+              <a:latin typeface="SF Pro Display" charset="0"/>
+              <a:ea typeface="SF Pro Display" charset="0"/>
+              <a:cs typeface="SF Pro Display" charset="0"/>
+            </a:endParaRPr>
+          </a:p>
+        </p:txBody>
+      </p:sp>
+      <p:cxnSp>
+        <p:nvCxnSpPr>
+          <p:cNvPr id="28" name="Straight Arrow Connector 27"/>
+          <p:cNvCxnSpPr>
+            <a:stCxn id="26" idx="3"/>
+          </p:cNvCxnSpPr>
+          <p:nvPr/>
+        </p:nvCxnSpPr>
+        <p:spPr>
+          <a:xfrm flipV="1">
+            <a:off x="3311236" y="4583367"/>
+            <a:ext cx="727236" cy="183392"/>
+          </a:xfrm>
+          <a:prstGeom prst="straightConnector1">
+            <a:avLst/>
+          </a:prstGeom>
+          <a:ln>
+            <a:solidFill>
+              <a:schemeClr val="tx1"/>
+            </a:solidFill>
+            <a:tailEnd type="triangle"/>
+          </a:ln>
+        </p:spPr>
+        <p:style>
+          <a:lnRef idx="1">
+            <a:schemeClr val="accent1"/>
+          </a:lnRef>
+          <a:fillRef idx="0">
+            <a:schemeClr val="accent1"/>
+          </a:fillRef>
+          <a:effectRef idx="0">
+            <a:schemeClr val="accent1"/>
+          </a:effectRef>
+          <a:fontRef idx="minor">
+            <a:schemeClr val="tx1"/>
+          </a:fontRef>
+        </p:style>
+      </p:cxnSp>
+    </p:spTree>
+    <p:extLst>
+      <p:ext uri="{BB962C8B-B14F-4D97-AF65-F5344CB8AC3E}">
+        <p14:creationId xmlns:p14="http://schemas.microsoft.com/office/powerpoint/2010/main" val="185665706"/>
+      </p:ext>
+    </p:extLst>
+  </p:cSld>
+  <p:clrMapOvr>
+    <a:masterClrMapping/>
+  </p:clrMapOvr>
+</p:sld>
+</file>
+
+<file path=ppt/slides/slide14.xml><?xml version="1.0" encoding="utf-8"?>
+<p:sld xmlns:a="http://schemas.openxmlformats.org/drawingml/2006/main" xmlns:r="http://schemas.openxmlformats.org/officeDocument/2006/relationships" xmlns:p="http://schemas.openxmlformats.org/presentationml/2006/main">
+  <p:cSld>
+    <p:spTree>
+      <p:nvGrpSpPr>
+        <p:cNvPr id="1" name=""/>
+        <p:cNvGrpSpPr/>
+        <p:nvPr/>
+      </p:nvGrpSpPr>
+      <p:grpSpPr>
+        <a:xfrm>
+          <a:off x="0" y="0"/>
+          <a:ext cx="0" cy="0"/>
+          <a:chOff x="0" y="0"/>
+          <a:chExt cx="0" cy="0"/>
+        </a:xfrm>
+      </p:grpSpPr>
+      <p:sp>
+        <p:nvSpPr>
+          <p:cNvPr id="2" name="Title 1"/>
+          <p:cNvSpPr>
+            <a:spLocks noGrp="1"/>
+          </p:cNvSpPr>
+          <p:nvPr>
+            <p:ph type="ctrTitle"/>
+          </p:nvPr>
+        </p:nvSpPr>
+        <p:spPr/>
+        <p:txBody>
+          <a:bodyPr/>
+          <a:lstStyle/>
+          <a:p>
+            <a:r>
+              <a:rPr lang="en-US" dirty="0" smtClean="0"/>
+              <a:t>How it works</a:t>
+            </a:r>
+            <a:endParaRPr lang="en-US" dirty="0"/>
+          </a:p>
+        </p:txBody>
+      </p:sp>
+    </p:spTree>
+    <p:extLst>
+      <p:ext uri="{BB962C8B-B14F-4D97-AF65-F5344CB8AC3E}">
+        <p14:creationId xmlns:p14="http://schemas.microsoft.com/office/powerpoint/2010/main" val="2002640623"/>
+      </p:ext>
+    </p:extLst>
+  </p:cSld>
+  <p:clrMapOvr>
+    <a:masterClrMapping/>
+  </p:clrMapOvr>
+</p:sld>
+</file>
+
+<file path=ppt/slides/slide15.xml><?xml version="1.0" encoding="utf-8"?>
+<p:sld xmlns:a="http://schemas.openxmlformats.org/drawingml/2006/main" xmlns:r="http://schemas.openxmlformats.org/officeDocument/2006/relationships" xmlns:p="http://schemas.openxmlformats.org/presentationml/2006/main">
+  <p:cSld>
+    <p:spTree>
+      <p:nvGrpSpPr>
+        <p:cNvPr id="1" name=""/>
+        <p:cNvGrpSpPr/>
+        <p:nvPr/>
+      </p:nvGrpSpPr>
+      <p:grpSpPr>
+        <a:xfrm>
+          <a:off x="0" y="0"/>
+          <a:ext cx="0" cy="0"/>
+          <a:chOff x="0" y="0"/>
+          <a:chExt cx="0" cy="0"/>
+        </a:xfrm>
+      </p:grpSpPr>
+      <p:sp>
+        <p:nvSpPr>
+          <p:cNvPr id="14" name="AutoShape 2" descr="Box Logo"/>
+          <p:cNvSpPr>
+            <a:spLocks noChangeAspect="1" noChangeArrowheads="1"/>
+          </p:cNvSpPr>
+          <p:nvPr/>
+        </p:nvSpPr>
+        <p:spPr bwMode="auto">
+          <a:xfrm>
+            <a:off x="-129528" y="4675716"/>
+            <a:ext cx="304800" cy="304800"/>
+          </a:xfrm>
+          <a:prstGeom prst="rect">
+            <a:avLst/>
+          </a:prstGeom>
+          <a:noFill/>
+          <a:extLst>
+            <a:ext uri="{909E8E84-426E-40DD-AFC4-6F175D3DCCD1}">
+              <a14:hiddenFill xmlns:a14="http://schemas.microsoft.com/office/drawing/2010/main">
+                <a:solidFill>
+                  <a:srgbClr val="FFFFFF"/>
+                </a:solidFill>
+              </a14:hiddenFill>
+            </a:ext>
+          </a:extLst>
+        </p:spPr>
+        <p:txBody>
+          <a:bodyPr vert="horz" wrap="square" lIns="91440" tIns="45720" rIns="91440" bIns="45720" numCol="1" anchor="t" anchorCtr="0" compatLnSpc="1">
+            <a:prstTxWarp prst="textNoShape">
+              <a:avLst/>
+            </a:prstTxWarp>
+          </a:bodyPr>
+          <a:lstStyle/>
+          <a:p>
+            <a:endParaRPr lang="en-US"/>
+          </a:p>
+        </p:txBody>
+      </p:sp>
+      <p:pic>
+        <p:nvPicPr>
+          <p:cNvPr id="12" name="Picture 11"/>
+          <p:cNvPicPr>
+            <a:picLocks noChangeAspect="1"/>
+          </p:cNvPicPr>
+          <p:nvPr/>
+        </p:nvPicPr>
+        <p:blipFill rotWithShape="1">
+          <a:blip r:embed="rId2"/>
+          <a:srcRect l="-507" t="21462" r="507" b="56722"/>
+          <a:stretch/>
+        </p:blipFill>
+        <p:spPr>
+          <a:xfrm>
+            <a:off x="4302336" y="2397459"/>
+            <a:ext cx="4071422" cy="3172259"/>
+          </a:xfrm>
+          <a:prstGeom prst="rect">
+            <a:avLst/>
+          </a:prstGeom>
+        </p:spPr>
+      </p:pic>
+      <p:pic>
+        <p:nvPicPr>
+          <p:cNvPr id="14338" name="Picture 2" descr="mage result for emoji person"/>
+          <p:cNvPicPr>
+            <a:picLocks noChangeAspect="1" noChangeArrowheads="1"/>
+          </p:cNvPicPr>
+          <p:nvPr/>
+        </p:nvPicPr>
+        <p:blipFill>
+          <a:blip r:embed="rId3">
+            <a:extLst>
+              <a:ext uri="{28A0092B-C50C-407E-A947-70E740481C1C}">
+                <a14:useLocalDpi xmlns:a14="http://schemas.microsoft.com/office/drawing/2010/main" val="0"/>
+              </a:ext>
+            </a:extLst>
+          </a:blip>
+          <a:srcRect/>
+          <a:stretch>
+            <a:fillRect/>
+          </a:stretch>
+        </p:blipFill>
+        <p:spPr bwMode="auto">
+          <a:xfrm>
+            <a:off x="265327" y="4980516"/>
+            <a:ext cx="692727" cy="692727"/>
+          </a:xfrm>
+          <a:prstGeom prst="rect">
+            <a:avLst/>
+          </a:prstGeom>
+          <a:noFill/>
+          <a:extLst>
+            <a:ext uri="{909E8E84-426E-40DD-AFC4-6F175D3DCCD1}">
+              <a14:hiddenFill xmlns:a14="http://schemas.microsoft.com/office/drawing/2010/main">
+                <a:solidFill>
+                  <a:srgbClr val="FFFFFF"/>
+                </a:solidFill>
+              </a14:hiddenFill>
+            </a:ext>
+          </a:extLst>
+        </p:spPr>
+      </p:pic>
+      <p:pic>
+        <p:nvPicPr>
+          <p:cNvPr id="14340" name="Picture 4" descr="mage result for emoji person"/>
+          <p:cNvPicPr>
+            <a:picLocks noChangeAspect="1" noChangeArrowheads="1"/>
+          </p:cNvPicPr>
+          <p:nvPr/>
+        </p:nvPicPr>
+        <p:blipFill>
+          <a:blip r:embed="rId4">
+            <a:extLst>
+              <a:ext uri="{28A0092B-C50C-407E-A947-70E740481C1C}">
+                <a14:useLocalDpi xmlns:a14="http://schemas.microsoft.com/office/drawing/2010/main" val="0"/>
+              </a:ext>
+            </a:extLst>
+          </a:blip>
+          <a:srcRect/>
+          <a:stretch>
+            <a:fillRect/>
+          </a:stretch>
+        </p:blipFill>
+        <p:spPr bwMode="auto">
+          <a:xfrm>
+            <a:off x="464128" y="2719566"/>
+            <a:ext cx="1524000" cy="1524000"/>
+          </a:xfrm>
+          <a:prstGeom prst="rect">
+            <a:avLst/>
+          </a:prstGeom>
+          <a:noFill/>
+          <a:extLst>
+            <a:ext uri="{909E8E84-426E-40DD-AFC4-6F175D3DCCD1}">
+              <a14:hiddenFill xmlns:a14="http://schemas.microsoft.com/office/drawing/2010/main">
+                <a:solidFill>
+                  <a:srgbClr val="FFFFFF"/>
+                </a:solidFill>
+              </a14:hiddenFill>
+            </a:ext>
+          </a:extLst>
+        </p:spPr>
+      </p:pic>
+      <p:pic>
+        <p:nvPicPr>
+          <p:cNvPr id="16" name="Picture 4" descr="mage result for emoji person"/>
+          <p:cNvPicPr>
+            <a:picLocks noChangeAspect="1" noChangeArrowheads="1"/>
+          </p:cNvPicPr>
+          <p:nvPr/>
+        </p:nvPicPr>
+        <p:blipFill>
+          <a:blip r:embed="rId4">
+            <a:extLst>
+              <a:ext uri="{28A0092B-C50C-407E-A947-70E740481C1C}">
+                <a14:useLocalDpi xmlns:a14="http://schemas.microsoft.com/office/drawing/2010/main" val="0"/>
+              </a:ext>
+            </a:extLst>
+          </a:blip>
+          <a:srcRect/>
+          <a:stretch>
+            <a:fillRect/>
+          </a:stretch>
+        </p:blipFill>
+        <p:spPr bwMode="auto">
+          <a:xfrm>
+            <a:off x="1048109" y="4952808"/>
+            <a:ext cx="720436" cy="720436"/>
+          </a:xfrm>
+          <a:prstGeom prst="rect">
+            <a:avLst/>
+          </a:prstGeom>
+          <a:noFill/>
+          <a:extLst>
+            <a:ext uri="{909E8E84-426E-40DD-AFC4-6F175D3DCCD1}">
+              <a14:hiddenFill xmlns:a14="http://schemas.microsoft.com/office/drawing/2010/main">
+                <a:solidFill>
+                  <a:srgbClr val="FFFFFF"/>
+                </a:solidFill>
+              </a14:hiddenFill>
+            </a:ext>
+          </a:extLst>
+        </p:spPr>
+      </p:pic>
+      <p:pic>
+        <p:nvPicPr>
+          <p:cNvPr id="17" name="Picture 2" descr="mage result for emoji person"/>
+          <p:cNvPicPr>
+            <a:picLocks noChangeAspect="1" noChangeArrowheads="1"/>
+          </p:cNvPicPr>
+          <p:nvPr/>
+        </p:nvPicPr>
+        <p:blipFill>
+          <a:blip r:embed="rId3">
+            <a:extLst>
+              <a:ext uri="{28A0092B-C50C-407E-A947-70E740481C1C}">
+                <a14:useLocalDpi xmlns:a14="http://schemas.microsoft.com/office/drawing/2010/main" val="0"/>
+              </a:ext>
+            </a:extLst>
+          </a:blip>
+          <a:srcRect/>
+          <a:stretch>
+            <a:fillRect/>
+          </a:stretch>
+        </p:blipFill>
+        <p:spPr bwMode="auto">
+          <a:xfrm>
+            <a:off x="1858600" y="5008224"/>
+            <a:ext cx="692727" cy="692727"/>
+          </a:xfrm>
+          <a:prstGeom prst="rect">
+            <a:avLst/>
+          </a:prstGeom>
+          <a:noFill/>
+          <a:extLst>
+            <a:ext uri="{909E8E84-426E-40DD-AFC4-6F175D3DCCD1}">
+              <a14:hiddenFill xmlns:a14="http://schemas.microsoft.com/office/drawing/2010/main">
+                <a:solidFill>
+                  <a:srgbClr val="FFFFFF"/>
+                </a:solidFill>
+              </a14:hiddenFill>
+            </a:ext>
+          </a:extLst>
+        </p:spPr>
+      </p:pic>
+      <p:pic>
+        <p:nvPicPr>
+          <p:cNvPr id="18" name="Picture 4" descr="mage result for emoji person"/>
+          <p:cNvPicPr>
+            <a:picLocks noChangeAspect="1" noChangeArrowheads="1"/>
+          </p:cNvPicPr>
+          <p:nvPr/>
+        </p:nvPicPr>
+        <p:blipFill>
+          <a:blip r:embed="rId4">
+            <a:extLst>
+              <a:ext uri="{28A0092B-C50C-407E-A947-70E740481C1C}">
+                <a14:useLocalDpi xmlns:a14="http://schemas.microsoft.com/office/drawing/2010/main" val="0"/>
+              </a:ext>
+            </a:extLst>
+          </a:blip>
+          <a:srcRect/>
+          <a:stretch>
+            <a:fillRect/>
+          </a:stretch>
+        </p:blipFill>
+        <p:spPr bwMode="auto">
+          <a:xfrm>
+            <a:off x="2641382" y="4980516"/>
+            <a:ext cx="720436" cy="720436"/>
+          </a:xfrm>
+          <a:prstGeom prst="rect">
+            <a:avLst/>
+          </a:prstGeom>
+          <a:noFill/>
+          <a:extLst>
+            <a:ext uri="{909E8E84-426E-40DD-AFC4-6F175D3DCCD1}">
+              <a14:hiddenFill xmlns:a14="http://schemas.microsoft.com/office/drawing/2010/main">
+                <a:solidFill>
+                  <a:srgbClr val="FFFFFF"/>
+                </a:solidFill>
+              </a14:hiddenFill>
+            </a:ext>
+          </a:extLst>
+        </p:spPr>
+      </p:pic>
+      <p:pic>
+        <p:nvPicPr>
+          <p:cNvPr id="19" name="Picture 2" descr="mage result for emoji person"/>
+          <p:cNvPicPr>
+            <a:picLocks noChangeAspect="1" noChangeArrowheads="1"/>
+          </p:cNvPicPr>
+          <p:nvPr/>
+        </p:nvPicPr>
+        <p:blipFill>
+          <a:blip r:embed="rId3">
+            <a:extLst>
+              <a:ext uri="{28A0092B-C50C-407E-A947-70E740481C1C}">
+                <a14:useLocalDpi xmlns:a14="http://schemas.microsoft.com/office/drawing/2010/main" val="0"/>
+              </a:ext>
+            </a:extLst>
+          </a:blip>
+          <a:srcRect/>
+          <a:stretch>
+            <a:fillRect/>
+          </a:stretch>
+        </p:blipFill>
+        <p:spPr bwMode="auto">
+          <a:xfrm>
+            <a:off x="1048109" y="5770228"/>
+            <a:ext cx="692727" cy="692727"/>
+          </a:xfrm>
+          <a:prstGeom prst="rect">
+            <a:avLst/>
+          </a:prstGeom>
+          <a:noFill/>
+          <a:extLst>
+            <a:ext uri="{909E8E84-426E-40DD-AFC4-6F175D3DCCD1}">
+              <a14:hiddenFill xmlns:a14="http://schemas.microsoft.com/office/drawing/2010/main">
+                <a:solidFill>
+                  <a:srgbClr val="FFFFFF"/>
+                </a:solidFill>
+              </a14:hiddenFill>
+            </a:ext>
+          </a:extLst>
+        </p:spPr>
+      </p:pic>
+      <p:pic>
+        <p:nvPicPr>
+          <p:cNvPr id="21" name="Picture 4" descr="mage result for emoji person"/>
+          <p:cNvPicPr>
+            <a:picLocks noChangeAspect="1" noChangeArrowheads="1"/>
+          </p:cNvPicPr>
+          <p:nvPr/>
+        </p:nvPicPr>
+        <p:blipFill>
+          <a:blip r:embed="rId4">
+            <a:extLst>
+              <a:ext uri="{28A0092B-C50C-407E-A947-70E740481C1C}">
+                <a14:useLocalDpi xmlns:a14="http://schemas.microsoft.com/office/drawing/2010/main" val="0"/>
+              </a:ext>
+            </a:extLst>
+          </a:blip>
+          <a:srcRect/>
+          <a:stretch>
+            <a:fillRect/>
+          </a:stretch>
+        </p:blipFill>
+        <p:spPr bwMode="auto">
+          <a:xfrm>
+            <a:off x="265327" y="5742519"/>
+            <a:ext cx="720436" cy="720436"/>
+          </a:xfrm>
+          <a:prstGeom prst="rect">
+            <a:avLst/>
+          </a:prstGeom>
+          <a:noFill/>
+          <a:extLst>
+            <a:ext uri="{909E8E84-426E-40DD-AFC4-6F175D3DCCD1}">
+              <a14:hiddenFill xmlns:a14="http://schemas.microsoft.com/office/drawing/2010/main">
+                <a:solidFill>
+                  <a:srgbClr val="FFFFFF"/>
+                </a:solidFill>
+              </a14:hiddenFill>
+            </a:ext>
+          </a:extLst>
+        </p:spPr>
+      </p:pic>
+      <p:sp>
+        <p:nvSpPr>
+          <p:cNvPr id="3" name="Snip and Round Single Corner Rectangle 2"/>
+          <p:cNvSpPr/>
+          <p:nvPr/>
+        </p:nvSpPr>
+        <p:spPr>
+          <a:xfrm>
+            <a:off x="4123765" y="2115671"/>
+            <a:ext cx="4428564" cy="1165411"/>
+          </a:xfrm>
+          <a:prstGeom prst="snipRoundRect">
+            <a:avLst/>
+          </a:prstGeom>
+          <a:noFill/>
+          <a:ln>
+            <a:solidFill>
+              <a:schemeClr val="tx1"/>
+            </a:solidFill>
+          </a:ln>
+        </p:spPr>
+        <p:style>
+          <a:lnRef idx="2">
+            <a:schemeClr val="accent1">
+              <a:shade val="50000"/>
+            </a:schemeClr>
+          </a:lnRef>
+          <a:fillRef idx="1">
+            <a:schemeClr val="accent1"/>
+          </a:fillRef>
+          <a:effectRef idx="0">
+            <a:schemeClr val="accent1"/>
+          </a:effectRef>
+          <a:fontRef idx="minor">
+            <a:schemeClr val="lt1"/>
+          </a:fontRef>
+        </p:style>
+        <p:txBody>
+          <a:bodyPr rtlCol="0" anchor="ctr"/>
+          <a:lstStyle/>
+          <a:p>
+            <a:pPr algn="ctr"/>
+            <a:endParaRPr lang="en-US"/>
+          </a:p>
+        </p:txBody>
+      </p:sp>
+      <p:sp>
+        <p:nvSpPr>
+          <p:cNvPr id="22" name="Snip and Round Single Corner Rectangle 21"/>
+          <p:cNvSpPr/>
+          <p:nvPr/>
+        </p:nvSpPr>
+        <p:spPr>
+          <a:xfrm>
+            <a:off x="4123765" y="3281082"/>
+            <a:ext cx="4428564" cy="2570424"/>
+          </a:xfrm>
+          <a:prstGeom prst="snipRoundRect">
+            <a:avLst/>
+          </a:prstGeom>
+          <a:noFill/>
+          <a:ln>
+            <a:solidFill>
+              <a:schemeClr val="tx1"/>
+            </a:solidFill>
+          </a:ln>
+        </p:spPr>
+        <p:style>
+          <a:lnRef idx="2">
+            <a:schemeClr val="accent1">
+              <a:shade val="50000"/>
+            </a:schemeClr>
+          </a:lnRef>
+          <a:fillRef idx="1">
+            <a:schemeClr val="accent1"/>
+          </a:fillRef>
+          <a:effectRef idx="0">
+            <a:schemeClr val="accent1"/>
+          </a:effectRef>
+          <a:fontRef idx="minor">
+            <a:schemeClr val="lt1"/>
+          </a:fontRef>
+        </p:style>
+        <p:txBody>
+          <a:bodyPr rtlCol="0" anchor="ctr"/>
+          <a:lstStyle/>
+          <a:p>
+            <a:pPr algn="ctr"/>
+            <a:endParaRPr lang="en-US"/>
+          </a:p>
+        </p:txBody>
+      </p:sp>
+      <p:sp>
+        <p:nvSpPr>
+          <p:cNvPr id="5" name="TextBox 4"/>
+          <p:cNvSpPr txBox="1"/>
+          <p:nvPr/>
+        </p:nvSpPr>
+        <p:spPr>
+          <a:xfrm>
+            <a:off x="4284406" y="1721224"/>
+            <a:ext cx="1996059" cy="369332"/>
+          </a:xfrm>
+          <a:prstGeom prst="rect">
+            <a:avLst/>
+          </a:prstGeom>
+          <a:noFill/>
+        </p:spPr>
+        <p:txBody>
+          <a:bodyPr wrap="none" rtlCol="0">
+            <a:spAutoFit/>
+          </a:bodyPr>
+          <a:lstStyle/>
+          <a:p>
+            <a:r>
+              <a:rPr lang="en-US" b="1" dirty="0" smtClean="0">
+                <a:latin typeface="SF Pro Display" charset="0"/>
+                <a:ea typeface="SF Pro Display" charset="0"/>
+                <a:cs typeface="SF Pro Display" charset="0"/>
+              </a:rPr>
+              <a:t>ERC-20 Contract</a:t>
+            </a:r>
+            <a:endParaRPr lang="en-US" b="1" dirty="0">
+              <a:latin typeface="SF Pro Display" charset="0"/>
+              <a:ea typeface="SF Pro Display" charset="0"/>
+              <a:cs typeface="SF Pro Display" charset="0"/>
+            </a:endParaRPr>
+          </a:p>
+        </p:txBody>
+      </p:sp>
+      <p:sp>
+        <p:nvSpPr>
+          <p:cNvPr id="23" name="TextBox 22"/>
+          <p:cNvSpPr txBox="1"/>
+          <p:nvPr/>
+        </p:nvSpPr>
+        <p:spPr>
+          <a:xfrm>
+            <a:off x="4228257" y="5893070"/>
+            <a:ext cx="1673856" cy="369332"/>
+          </a:xfrm>
+          <a:prstGeom prst="rect">
+            <a:avLst/>
+          </a:prstGeom>
+          <a:noFill/>
+        </p:spPr>
+        <p:txBody>
+          <a:bodyPr wrap="none" rtlCol="0">
+            <a:spAutoFit/>
+          </a:bodyPr>
+          <a:lstStyle/>
+          <a:p>
+            <a:r>
+              <a:rPr lang="en-US" b="1" dirty="0" smtClean="0">
+                <a:latin typeface="SF Pro Display" charset="0"/>
+                <a:ea typeface="SF Pro Display" charset="0"/>
+                <a:cs typeface="SF Pro Display" charset="0"/>
+              </a:rPr>
+              <a:t>Loan Contract</a:t>
+            </a:r>
+            <a:endParaRPr lang="en-US" b="1" dirty="0">
+              <a:latin typeface="SF Pro Display" charset="0"/>
+              <a:ea typeface="SF Pro Display" charset="0"/>
+              <a:cs typeface="SF Pro Display" charset="0"/>
+            </a:endParaRPr>
+          </a:p>
+        </p:txBody>
+      </p:sp>
+      <p:cxnSp>
+        <p:nvCxnSpPr>
+          <p:cNvPr id="7" name="Straight Arrow Connector 6"/>
+          <p:cNvCxnSpPr/>
+          <p:nvPr/>
+        </p:nvCxnSpPr>
+        <p:spPr>
+          <a:xfrm flipV="1">
+            <a:off x="1970198" y="2337944"/>
+            <a:ext cx="2314208" cy="783190"/>
+          </a:xfrm>
+          <a:prstGeom prst="straightConnector1">
+            <a:avLst/>
+          </a:prstGeom>
+          <a:ln w="28575">
+            <a:solidFill>
+              <a:schemeClr val="tx1"/>
+            </a:solidFill>
+            <a:tailEnd type="triangle"/>
+          </a:ln>
+        </p:spPr>
+        <p:style>
+          <a:lnRef idx="1">
+            <a:schemeClr val="accent1"/>
+          </a:lnRef>
+          <a:fillRef idx="0">
+            <a:schemeClr val="accent1"/>
+          </a:fillRef>
+          <a:effectRef idx="0">
+            <a:schemeClr val="accent1"/>
+          </a:effectRef>
+          <a:fontRef idx="minor">
+            <a:schemeClr val="tx1"/>
+          </a:fontRef>
+        </p:style>
+      </p:cxnSp>
+      <p:sp>
+        <p:nvSpPr>
+          <p:cNvPr id="26" name="TextBox 25"/>
+          <p:cNvSpPr txBox="1"/>
+          <p:nvPr/>
+        </p:nvSpPr>
+        <p:spPr>
+          <a:xfrm rot="20484665">
+            <a:off x="2181131" y="2398027"/>
+            <a:ext cx="1508746" cy="369332"/>
+          </a:xfrm>
+          <a:prstGeom prst="rect">
+            <a:avLst/>
+          </a:prstGeom>
+          <a:noFill/>
+        </p:spPr>
+        <p:txBody>
+          <a:bodyPr wrap="none" rtlCol="0">
+            <a:spAutoFit/>
+          </a:bodyPr>
+          <a:lstStyle/>
+          <a:p>
+            <a:r>
+              <a:rPr lang="en-US" b="1" smtClean="0">
+                <a:latin typeface="SF Pro Display" charset="0"/>
+                <a:ea typeface="SF Pro Display" charset="0"/>
+                <a:cs typeface="SF Pro Display" charset="0"/>
+              </a:rPr>
+              <a:t>Contribution</a:t>
+            </a:r>
+            <a:endParaRPr lang="en-US" b="1" dirty="0">
+              <a:latin typeface="SF Pro Display" charset="0"/>
+              <a:ea typeface="SF Pro Display" charset="0"/>
+              <a:cs typeface="SF Pro Display" charset="0"/>
+            </a:endParaRPr>
+          </a:p>
+        </p:txBody>
+      </p:sp>
+      <p:cxnSp>
+        <p:nvCxnSpPr>
+          <p:cNvPr id="28" name="Straight Arrow Connector 27"/>
+          <p:cNvCxnSpPr/>
+          <p:nvPr/>
+        </p:nvCxnSpPr>
+        <p:spPr>
+          <a:xfrm flipH="1">
+            <a:off x="2161527" y="3039765"/>
+            <a:ext cx="2301450" cy="842059"/>
+          </a:xfrm>
+          <a:prstGeom prst="straightConnector1">
+            <a:avLst/>
+          </a:prstGeom>
+          <a:ln w="28575">
+            <a:solidFill>
+              <a:schemeClr val="tx1"/>
+            </a:solidFill>
+            <a:tailEnd type="triangle"/>
+          </a:ln>
+        </p:spPr>
+        <p:style>
+          <a:lnRef idx="1">
+            <a:schemeClr val="accent1"/>
+          </a:lnRef>
+          <a:fillRef idx="0">
+            <a:schemeClr val="accent1"/>
+          </a:fillRef>
+          <a:effectRef idx="0">
+            <a:schemeClr val="accent1"/>
+          </a:effectRef>
+          <a:fontRef idx="minor">
+            <a:schemeClr val="tx1"/>
+          </a:fontRef>
+        </p:style>
+      </p:cxnSp>
+      <p:sp>
+        <p:nvSpPr>
+          <p:cNvPr id="32" name="TextBox 31"/>
+          <p:cNvSpPr txBox="1"/>
+          <p:nvPr/>
+        </p:nvSpPr>
+        <p:spPr>
+          <a:xfrm rot="20484665">
+            <a:off x="2195183" y="3581797"/>
+            <a:ext cx="2467342" cy="646331"/>
+          </a:xfrm>
+          <a:prstGeom prst="rect">
+            <a:avLst/>
+          </a:prstGeom>
+          <a:noFill/>
+        </p:spPr>
+        <p:txBody>
+          <a:bodyPr wrap="none" rtlCol="0">
+            <a:spAutoFit/>
+          </a:bodyPr>
+          <a:lstStyle/>
+          <a:p>
+            <a:pPr algn="ctr"/>
+            <a:r>
+              <a:rPr lang="en-US" b="1" smtClean="0">
+                <a:latin typeface="SF Pro Display" charset="0"/>
+                <a:ea typeface="SF Pro Display" charset="0"/>
+                <a:cs typeface="SF Pro Display" charset="0"/>
+              </a:rPr>
+              <a:t>Fractional Ownership </a:t>
+            </a:r>
+            <a:br>
+              <a:rPr lang="en-US" b="1" smtClean="0">
+                <a:latin typeface="SF Pro Display" charset="0"/>
+                <a:ea typeface="SF Pro Display" charset="0"/>
+                <a:cs typeface="SF Pro Display" charset="0"/>
+              </a:rPr>
+            </a:br>
+            <a:r>
+              <a:rPr lang="en-US" b="1" smtClean="0">
+                <a:latin typeface="SF Pro Display" charset="0"/>
+                <a:ea typeface="SF Pro Display" charset="0"/>
+                <a:cs typeface="SF Pro Display" charset="0"/>
+              </a:rPr>
+              <a:t>Debt Token</a:t>
+            </a:r>
+            <a:endParaRPr lang="en-US" b="1" dirty="0">
+              <a:latin typeface="SF Pro Display" charset="0"/>
+              <a:ea typeface="SF Pro Display" charset="0"/>
+              <a:cs typeface="SF Pro Display" charset="0"/>
+            </a:endParaRPr>
+          </a:p>
+        </p:txBody>
+      </p:sp>
+      <p:pic>
+        <p:nvPicPr>
+          <p:cNvPr id="14342" name="Picture 6" descr="oman on Apple iOS 12.2"/>
+          <p:cNvPicPr>
+            <a:picLocks noChangeAspect="1" noChangeArrowheads="1"/>
+          </p:cNvPicPr>
+          <p:nvPr/>
+        </p:nvPicPr>
+        <p:blipFill>
+          <a:blip r:embed="rId5">
+            <a:extLst>
+              <a:ext uri="{28A0092B-C50C-407E-A947-70E740481C1C}">
+                <a14:useLocalDpi xmlns:a14="http://schemas.microsoft.com/office/drawing/2010/main" val="0"/>
+              </a:ext>
+            </a:extLst>
+          </a:blip>
+          <a:srcRect/>
+          <a:stretch>
+            <a:fillRect/>
+          </a:stretch>
+        </p:blipFill>
+        <p:spPr bwMode="auto">
+          <a:xfrm>
+            <a:off x="10289715" y="3310324"/>
+            <a:ext cx="1143000" cy="1143000"/>
+          </a:xfrm>
+          <a:prstGeom prst="rect">
+            <a:avLst/>
+          </a:prstGeom>
+          <a:noFill/>
+          <a:extLst>
+            <a:ext uri="{909E8E84-426E-40DD-AFC4-6F175D3DCCD1}">
+              <a14:hiddenFill xmlns:a14="http://schemas.microsoft.com/office/drawing/2010/main">
+                <a:solidFill>
+                  <a:srgbClr val="FFFFFF"/>
+                </a:solidFill>
+              </a14:hiddenFill>
+            </a:ext>
+          </a:extLst>
+        </p:spPr>
+      </p:pic>
+      <p:sp>
+        <p:nvSpPr>
+          <p:cNvPr id="31" name="TextBox 30"/>
+          <p:cNvSpPr txBox="1"/>
+          <p:nvPr/>
+        </p:nvSpPr>
+        <p:spPr>
+          <a:xfrm>
+            <a:off x="894434" y="4315282"/>
+            <a:ext cx="920445" cy="369332"/>
+          </a:xfrm>
+          <a:prstGeom prst="rect">
+            <a:avLst/>
+          </a:prstGeom>
+          <a:noFill/>
+        </p:spPr>
+        <p:txBody>
+          <a:bodyPr wrap="none" rtlCol="0">
+            <a:spAutoFit/>
+          </a:bodyPr>
+          <a:lstStyle/>
+          <a:p>
+            <a:r>
+              <a:rPr lang="en-US" b="1" dirty="0" smtClean="0">
+                <a:latin typeface="SF Pro Display" charset="0"/>
+                <a:ea typeface="SF Pro Display" charset="0"/>
+                <a:cs typeface="SF Pro Display" charset="0"/>
+              </a:rPr>
+              <a:t>Lender</a:t>
+            </a:r>
+            <a:endParaRPr lang="en-US" b="1" dirty="0">
+              <a:latin typeface="SF Pro Display" charset="0"/>
+              <a:ea typeface="SF Pro Display" charset="0"/>
+              <a:cs typeface="SF Pro Display" charset="0"/>
+            </a:endParaRPr>
+          </a:p>
+        </p:txBody>
+      </p:sp>
+      <p:sp>
+        <p:nvSpPr>
+          <p:cNvPr id="36" name="TextBox 35"/>
+          <p:cNvSpPr txBox="1"/>
+          <p:nvPr/>
+        </p:nvSpPr>
+        <p:spPr>
+          <a:xfrm>
+            <a:off x="10257556" y="4584250"/>
+            <a:ext cx="1156086" cy="369332"/>
+          </a:xfrm>
+          <a:prstGeom prst="rect">
+            <a:avLst/>
+          </a:prstGeom>
+          <a:noFill/>
+        </p:spPr>
+        <p:txBody>
+          <a:bodyPr wrap="none" rtlCol="0">
+            <a:spAutoFit/>
+          </a:bodyPr>
+          <a:lstStyle/>
+          <a:p>
+            <a:r>
+              <a:rPr lang="en-US" b="1" dirty="0" smtClean="0">
+                <a:latin typeface="SF Pro Display" charset="0"/>
+                <a:ea typeface="SF Pro Display" charset="0"/>
+                <a:cs typeface="SF Pro Display" charset="0"/>
+              </a:rPr>
+              <a:t>Borrower</a:t>
+            </a:r>
+            <a:endParaRPr lang="en-US" b="1" dirty="0">
+              <a:latin typeface="SF Pro Display" charset="0"/>
+              <a:ea typeface="SF Pro Display" charset="0"/>
+              <a:cs typeface="SF Pro Display" charset="0"/>
+            </a:endParaRPr>
+          </a:p>
+        </p:txBody>
+      </p:sp>
+      <p:cxnSp>
+        <p:nvCxnSpPr>
+          <p:cNvPr id="34" name="Curved Connector 33"/>
+          <p:cNvCxnSpPr/>
+          <p:nvPr/>
+        </p:nvCxnSpPr>
+        <p:spPr>
+          <a:xfrm rot="16200000" flipH="1">
+            <a:off x="7206784" y="2800616"/>
+            <a:ext cx="1400897" cy="395169"/>
+          </a:xfrm>
+          <a:prstGeom prst="curvedConnector4">
+            <a:avLst>
+              <a:gd name="adj1" fmla="val -69945"/>
+              <a:gd name="adj2" fmla="val 384707"/>
+            </a:avLst>
+          </a:prstGeom>
+          <a:ln w="38100">
+            <a:solidFill>
+              <a:schemeClr val="tx1"/>
+            </a:solidFill>
+            <a:tailEnd type="triangle"/>
+          </a:ln>
+        </p:spPr>
+        <p:style>
+          <a:lnRef idx="1">
+            <a:schemeClr val="accent1"/>
+          </a:lnRef>
+          <a:fillRef idx="0">
+            <a:schemeClr val="accent1"/>
+          </a:fillRef>
+          <a:effectRef idx="0">
+            <a:schemeClr val="accent1"/>
+          </a:effectRef>
+          <a:fontRef idx="minor">
+            <a:schemeClr val="tx1"/>
+          </a:fontRef>
+        </p:style>
+      </p:cxnSp>
+      <p:sp>
+        <p:nvSpPr>
+          <p:cNvPr id="48" name="TextBox 47"/>
+          <p:cNvSpPr txBox="1"/>
+          <p:nvPr/>
+        </p:nvSpPr>
+        <p:spPr>
+          <a:xfrm>
+            <a:off x="8888118" y="997527"/>
+            <a:ext cx="1582659" cy="646331"/>
+          </a:xfrm>
+          <a:prstGeom prst="rect">
+            <a:avLst/>
+          </a:prstGeom>
+          <a:noFill/>
+        </p:spPr>
+        <p:txBody>
+          <a:bodyPr wrap="square" rtlCol="0">
+            <a:spAutoFit/>
+          </a:bodyPr>
+          <a:lstStyle/>
+          <a:p>
+            <a:r>
+              <a:rPr lang="en-US" b="1" dirty="0" smtClean="0">
+                <a:latin typeface="SF Pro Display" charset="0"/>
+                <a:ea typeface="SF Pro Display" charset="0"/>
+                <a:cs typeface="SF Pro Display" charset="0"/>
+              </a:rPr>
+              <a:t>Creates Debt Contract </a:t>
+            </a:r>
+            <a:endParaRPr lang="en-US" b="1" dirty="0">
+              <a:latin typeface="SF Pro Display" charset="0"/>
+              <a:ea typeface="SF Pro Display" charset="0"/>
+              <a:cs typeface="SF Pro Display" charset="0"/>
+            </a:endParaRPr>
+          </a:p>
+        </p:txBody>
+      </p:sp>
+      <p:cxnSp>
+        <p:nvCxnSpPr>
+          <p:cNvPr id="50" name="Curved Connector 49"/>
+          <p:cNvCxnSpPr/>
+          <p:nvPr/>
+        </p:nvCxnSpPr>
+        <p:spPr>
+          <a:xfrm rot="10800000">
+            <a:off x="5678757" y="3093081"/>
+            <a:ext cx="2260817" cy="605573"/>
+          </a:xfrm>
+          <a:prstGeom prst="curvedConnector3">
+            <a:avLst>
+              <a:gd name="adj1" fmla="val 99169"/>
+            </a:avLst>
+          </a:prstGeom>
+          <a:ln w="28575">
+            <a:solidFill>
+              <a:schemeClr val="tx1"/>
+            </a:solidFill>
+            <a:tailEnd type="triangle"/>
+          </a:ln>
+        </p:spPr>
+        <p:style>
+          <a:lnRef idx="1">
+            <a:schemeClr val="accent1"/>
+          </a:lnRef>
+          <a:fillRef idx="0">
+            <a:schemeClr val="accent1"/>
+          </a:fillRef>
+          <a:effectRef idx="0">
+            <a:schemeClr val="accent1"/>
+          </a:effectRef>
+          <a:fontRef idx="minor">
+            <a:schemeClr val="tx1"/>
+          </a:fontRef>
+        </p:style>
+      </p:cxnSp>
+      <p:sp>
+        <p:nvSpPr>
+          <p:cNvPr id="61" name="TextBox 60"/>
+          <p:cNvSpPr txBox="1"/>
+          <p:nvPr/>
+        </p:nvSpPr>
+        <p:spPr>
+          <a:xfrm>
+            <a:off x="5038423" y="3798359"/>
+            <a:ext cx="2333983" cy="369332"/>
+          </a:xfrm>
+          <a:prstGeom prst="rect">
+            <a:avLst/>
+          </a:prstGeom>
+          <a:noFill/>
+        </p:spPr>
+        <p:txBody>
+          <a:bodyPr wrap="square" rtlCol="0">
+            <a:spAutoFit/>
+          </a:bodyPr>
+          <a:lstStyle/>
+          <a:p>
+            <a:r>
+              <a:rPr lang="en-US" b="1" smtClean="0">
+                <a:latin typeface="SF Pro Display" charset="0"/>
+                <a:ea typeface="SF Pro Display" charset="0"/>
+                <a:cs typeface="SF Pro Display" charset="0"/>
+              </a:rPr>
+              <a:t>Returns Debt Token</a:t>
+            </a:r>
+            <a:endParaRPr lang="en-US" b="1" dirty="0">
+              <a:latin typeface="SF Pro Display" charset="0"/>
+              <a:ea typeface="SF Pro Display" charset="0"/>
+              <a:cs typeface="SF Pro Display" charset="0"/>
+            </a:endParaRPr>
+          </a:p>
+        </p:txBody>
+      </p:sp>
+      <p:cxnSp>
+        <p:nvCxnSpPr>
+          <p:cNvPr id="72" name="Straight Arrow Connector 71"/>
+          <p:cNvCxnSpPr/>
+          <p:nvPr/>
+        </p:nvCxnSpPr>
+        <p:spPr>
+          <a:xfrm>
+            <a:off x="7939574" y="3983025"/>
+            <a:ext cx="1994019" cy="260541"/>
+          </a:xfrm>
+          <a:prstGeom prst="straightConnector1">
+            <a:avLst/>
+          </a:prstGeom>
+          <a:ln w="28575">
+            <a:solidFill>
+              <a:schemeClr val="tx1"/>
+            </a:solidFill>
+            <a:tailEnd type="triangle"/>
+          </a:ln>
+        </p:spPr>
+        <p:style>
+          <a:lnRef idx="1">
+            <a:schemeClr val="accent1"/>
+          </a:lnRef>
+          <a:fillRef idx="0">
+            <a:schemeClr val="accent1"/>
+          </a:fillRef>
+          <a:effectRef idx="0">
+            <a:schemeClr val="accent1"/>
+          </a:effectRef>
+          <a:fontRef idx="minor">
+            <a:schemeClr val="tx1"/>
+          </a:fontRef>
+        </p:style>
+      </p:cxnSp>
+      <p:sp>
+        <p:nvSpPr>
+          <p:cNvPr id="73" name="TextBox 72"/>
+          <p:cNvSpPr txBox="1"/>
+          <p:nvPr/>
+        </p:nvSpPr>
+        <p:spPr>
+          <a:xfrm>
+            <a:off x="8289546" y="4243275"/>
+            <a:ext cx="1906831" cy="923330"/>
+          </a:xfrm>
+          <a:prstGeom prst="rect">
+            <a:avLst/>
+          </a:prstGeom>
+          <a:noFill/>
+        </p:spPr>
+        <p:txBody>
+          <a:bodyPr wrap="square" rtlCol="0">
+            <a:spAutoFit/>
+          </a:bodyPr>
+          <a:lstStyle/>
+          <a:p>
+            <a:r>
+              <a:rPr lang="en-US" b="1" smtClean="0">
+                <a:latin typeface="SF Pro Display" charset="0"/>
+                <a:ea typeface="SF Pro Display" charset="0"/>
+                <a:cs typeface="SF Pro Display" charset="0"/>
+              </a:rPr>
+              <a:t>Disburses money to borrower</a:t>
+            </a:r>
+            <a:endParaRPr lang="en-US" b="1" dirty="0">
+              <a:latin typeface="SF Pro Display" charset="0"/>
+              <a:ea typeface="SF Pro Display" charset="0"/>
+              <a:cs typeface="SF Pro Display" charset="0"/>
+            </a:endParaRPr>
+          </a:p>
+        </p:txBody>
+      </p:sp>
+      <p:sp>
+        <p:nvSpPr>
+          <p:cNvPr id="76" name="Title 1"/>
+          <p:cNvSpPr>
+            <a:spLocks noGrp="1"/>
+          </p:cNvSpPr>
+          <p:nvPr>
+            <p:ph type="ctrTitle"/>
+          </p:nvPr>
+        </p:nvSpPr>
+        <p:spPr>
+          <a:xfrm>
+            <a:off x="353821" y="332820"/>
+            <a:ext cx="3268613" cy="664707"/>
+          </a:xfrm>
+        </p:spPr>
+        <p:txBody>
+          <a:bodyPr>
+            <a:normAutofit/>
+          </a:bodyPr>
+          <a:lstStyle/>
+          <a:p>
+            <a:pPr algn="l"/>
+            <a:r>
+              <a:rPr lang="en-US" sz="4000" dirty="0" smtClean="0"/>
+              <a:t>Funding flow</a:t>
+            </a:r>
+            <a:endParaRPr lang="en-US" sz="4000" dirty="0"/>
+          </a:p>
+        </p:txBody>
+      </p:sp>
+    </p:spTree>
+    <p:extLst>
+      <p:ext uri="{BB962C8B-B14F-4D97-AF65-F5344CB8AC3E}">
+        <p14:creationId xmlns:p14="http://schemas.microsoft.com/office/powerpoint/2010/main" val="29694500"/>
+      </p:ext>
+    </p:extLst>
+  </p:cSld>
+  <p:clrMapOvr>
+    <a:masterClrMapping/>
+  </p:clrMapOvr>
+</p:sld>
+</file>
+
+<file path=ppt/slides/slide16.xml><?xml version="1.0" encoding="utf-8"?>
+<p:sld xmlns:a="http://schemas.openxmlformats.org/drawingml/2006/main" xmlns:r="http://schemas.openxmlformats.org/officeDocument/2006/relationships" xmlns:p="http://schemas.openxmlformats.org/presentationml/2006/main">
+  <p:cSld>
+    <p:spTree>
+      <p:nvGrpSpPr>
+        <p:cNvPr id="1" name=""/>
+        <p:cNvGrpSpPr/>
+        <p:nvPr/>
+      </p:nvGrpSpPr>
+      <p:grpSpPr>
+        <a:xfrm>
+          <a:off x="0" y="0"/>
+          <a:ext cx="0" cy="0"/>
+          <a:chOff x="0" y="0"/>
+          <a:chExt cx="0" cy="0"/>
+        </a:xfrm>
+      </p:grpSpPr>
+      <p:sp>
+        <p:nvSpPr>
+          <p:cNvPr id="14" name="AutoShape 2" descr="Box Logo"/>
+          <p:cNvSpPr>
+            <a:spLocks noChangeAspect="1" noChangeArrowheads="1"/>
+          </p:cNvSpPr>
+          <p:nvPr/>
+        </p:nvSpPr>
+        <p:spPr bwMode="auto">
+          <a:xfrm>
+            <a:off x="-129528" y="4675716"/>
+            <a:ext cx="304800" cy="304800"/>
+          </a:xfrm>
+          <a:prstGeom prst="rect">
+            <a:avLst/>
+          </a:prstGeom>
+          <a:noFill/>
+          <a:extLst>
+            <a:ext uri="{909E8E84-426E-40DD-AFC4-6F175D3DCCD1}">
+              <a14:hiddenFill xmlns:a14="http://schemas.microsoft.com/office/drawing/2010/main">
+                <a:solidFill>
+                  <a:srgbClr val="FFFFFF"/>
+                </a:solidFill>
+              </a14:hiddenFill>
+            </a:ext>
+          </a:extLst>
+        </p:spPr>
+        <p:txBody>
+          <a:bodyPr vert="horz" wrap="square" lIns="91440" tIns="45720" rIns="91440" bIns="45720" numCol="1" anchor="t" anchorCtr="0" compatLnSpc="1">
+            <a:prstTxWarp prst="textNoShape">
+              <a:avLst/>
+            </a:prstTxWarp>
+          </a:bodyPr>
+          <a:lstStyle/>
+          <a:p>
+            <a:endParaRPr lang="en-US"/>
+          </a:p>
+        </p:txBody>
+      </p:sp>
+      <p:pic>
+        <p:nvPicPr>
+          <p:cNvPr id="12" name="Picture 11"/>
+          <p:cNvPicPr>
+            <a:picLocks noChangeAspect="1"/>
+          </p:cNvPicPr>
+          <p:nvPr/>
+        </p:nvPicPr>
+        <p:blipFill rotWithShape="1">
+          <a:blip r:embed="rId2"/>
+          <a:srcRect l="-507" t="21462" r="507" b="56722"/>
+          <a:stretch/>
+        </p:blipFill>
+        <p:spPr>
+          <a:xfrm>
+            <a:off x="4302336" y="2397459"/>
+            <a:ext cx="4071422" cy="3172259"/>
+          </a:xfrm>
+          <a:prstGeom prst="rect">
+            <a:avLst/>
+          </a:prstGeom>
+        </p:spPr>
+      </p:pic>
+      <p:pic>
+        <p:nvPicPr>
+          <p:cNvPr id="14338" name="Picture 2" descr="mage result for emoji person"/>
+          <p:cNvPicPr>
+            <a:picLocks noChangeAspect="1" noChangeArrowheads="1"/>
+          </p:cNvPicPr>
+          <p:nvPr/>
+        </p:nvPicPr>
+        <p:blipFill>
+          <a:blip r:embed="rId3">
+            <a:extLst>
+              <a:ext uri="{28A0092B-C50C-407E-A947-70E740481C1C}">
+                <a14:useLocalDpi xmlns:a14="http://schemas.microsoft.com/office/drawing/2010/main" val="0"/>
+              </a:ext>
+            </a:extLst>
+          </a:blip>
+          <a:srcRect/>
+          <a:stretch>
+            <a:fillRect/>
+          </a:stretch>
+        </p:blipFill>
+        <p:spPr bwMode="auto">
+          <a:xfrm>
+            <a:off x="265327" y="4980516"/>
+            <a:ext cx="692727" cy="692727"/>
+          </a:xfrm>
+          <a:prstGeom prst="rect">
+            <a:avLst/>
+          </a:prstGeom>
+          <a:noFill/>
+          <a:extLst>
+            <a:ext uri="{909E8E84-426E-40DD-AFC4-6F175D3DCCD1}">
+              <a14:hiddenFill xmlns:a14="http://schemas.microsoft.com/office/drawing/2010/main">
+                <a:solidFill>
+                  <a:srgbClr val="FFFFFF"/>
+                </a:solidFill>
+              </a14:hiddenFill>
+            </a:ext>
+          </a:extLst>
+        </p:spPr>
+      </p:pic>
+      <p:pic>
+        <p:nvPicPr>
+          <p:cNvPr id="14340" name="Picture 4" descr="mage result for emoji person"/>
+          <p:cNvPicPr>
+            <a:picLocks noChangeAspect="1" noChangeArrowheads="1"/>
+          </p:cNvPicPr>
+          <p:nvPr/>
+        </p:nvPicPr>
+        <p:blipFill>
+          <a:blip r:embed="rId4">
+            <a:extLst>
+              <a:ext uri="{28A0092B-C50C-407E-A947-70E740481C1C}">
+                <a14:useLocalDpi xmlns:a14="http://schemas.microsoft.com/office/drawing/2010/main" val="0"/>
+              </a:ext>
+            </a:extLst>
+          </a:blip>
+          <a:srcRect/>
+          <a:stretch>
+            <a:fillRect/>
+          </a:stretch>
+        </p:blipFill>
+        <p:spPr bwMode="auto">
+          <a:xfrm>
+            <a:off x="464128" y="2719566"/>
+            <a:ext cx="1524000" cy="1524000"/>
+          </a:xfrm>
+          <a:prstGeom prst="rect">
+            <a:avLst/>
+          </a:prstGeom>
+          <a:noFill/>
+          <a:extLst>
+            <a:ext uri="{909E8E84-426E-40DD-AFC4-6F175D3DCCD1}">
+              <a14:hiddenFill xmlns:a14="http://schemas.microsoft.com/office/drawing/2010/main">
+                <a:solidFill>
+                  <a:srgbClr val="FFFFFF"/>
+                </a:solidFill>
+              </a14:hiddenFill>
+            </a:ext>
+          </a:extLst>
+        </p:spPr>
+      </p:pic>
+      <p:pic>
+        <p:nvPicPr>
+          <p:cNvPr id="16" name="Picture 4" descr="mage result for emoji person"/>
+          <p:cNvPicPr>
+            <a:picLocks noChangeAspect="1" noChangeArrowheads="1"/>
+          </p:cNvPicPr>
+          <p:nvPr/>
+        </p:nvPicPr>
+        <p:blipFill>
+          <a:blip r:embed="rId4">
+            <a:extLst>
+              <a:ext uri="{28A0092B-C50C-407E-A947-70E740481C1C}">
+                <a14:useLocalDpi xmlns:a14="http://schemas.microsoft.com/office/drawing/2010/main" val="0"/>
+              </a:ext>
+            </a:extLst>
+          </a:blip>
+          <a:srcRect/>
+          <a:stretch>
+            <a:fillRect/>
+          </a:stretch>
+        </p:blipFill>
+        <p:spPr bwMode="auto">
+          <a:xfrm>
+            <a:off x="1048109" y="4952808"/>
+            <a:ext cx="720436" cy="720436"/>
+          </a:xfrm>
+          <a:prstGeom prst="rect">
+            <a:avLst/>
+          </a:prstGeom>
+          <a:noFill/>
+          <a:extLst>
+            <a:ext uri="{909E8E84-426E-40DD-AFC4-6F175D3DCCD1}">
+              <a14:hiddenFill xmlns:a14="http://schemas.microsoft.com/office/drawing/2010/main">
+                <a:solidFill>
+                  <a:srgbClr val="FFFFFF"/>
+                </a:solidFill>
+              </a14:hiddenFill>
+            </a:ext>
+          </a:extLst>
+        </p:spPr>
+      </p:pic>
+      <p:pic>
+        <p:nvPicPr>
+          <p:cNvPr id="17" name="Picture 2" descr="mage result for emoji person"/>
+          <p:cNvPicPr>
+            <a:picLocks noChangeAspect="1" noChangeArrowheads="1"/>
+          </p:cNvPicPr>
+          <p:nvPr/>
+        </p:nvPicPr>
+        <p:blipFill>
+          <a:blip r:embed="rId3">
+            <a:extLst>
+              <a:ext uri="{28A0092B-C50C-407E-A947-70E740481C1C}">
+                <a14:useLocalDpi xmlns:a14="http://schemas.microsoft.com/office/drawing/2010/main" val="0"/>
+              </a:ext>
+            </a:extLst>
+          </a:blip>
+          <a:srcRect/>
+          <a:stretch>
+            <a:fillRect/>
+          </a:stretch>
+        </p:blipFill>
+        <p:spPr bwMode="auto">
+          <a:xfrm>
+            <a:off x="1858600" y="5008224"/>
+            <a:ext cx="692727" cy="692727"/>
+          </a:xfrm>
+          <a:prstGeom prst="rect">
+            <a:avLst/>
+          </a:prstGeom>
+          <a:noFill/>
+          <a:extLst>
+            <a:ext uri="{909E8E84-426E-40DD-AFC4-6F175D3DCCD1}">
+              <a14:hiddenFill xmlns:a14="http://schemas.microsoft.com/office/drawing/2010/main">
+                <a:solidFill>
+                  <a:srgbClr val="FFFFFF"/>
+                </a:solidFill>
+              </a14:hiddenFill>
+            </a:ext>
+          </a:extLst>
+        </p:spPr>
+      </p:pic>
+      <p:pic>
+        <p:nvPicPr>
+          <p:cNvPr id="18" name="Picture 4" descr="mage result for emoji person"/>
+          <p:cNvPicPr>
+            <a:picLocks noChangeAspect="1" noChangeArrowheads="1"/>
+          </p:cNvPicPr>
+          <p:nvPr/>
+        </p:nvPicPr>
+        <p:blipFill>
+          <a:blip r:embed="rId4">
+            <a:extLst>
+              <a:ext uri="{28A0092B-C50C-407E-A947-70E740481C1C}">
+                <a14:useLocalDpi xmlns:a14="http://schemas.microsoft.com/office/drawing/2010/main" val="0"/>
+              </a:ext>
+            </a:extLst>
+          </a:blip>
+          <a:srcRect/>
+          <a:stretch>
+            <a:fillRect/>
+          </a:stretch>
+        </p:blipFill>
+        <p:spPr bwMode="auto">
+          <a:xfrm>
+            <a:off x="2641382" y="4980516"/>
+            <a:ext cx="720436" cy="720436"/>
+          </a:xfrm>
+          <a:prstGeom prst="rect">
+            <a:avLst/>
+          </a:prstGeom>
+          <a:noFill/>
+          <a:extLst>
+            <a:ext uri="{909E8E84-426E-40DD-AFC4-6F175D3DCCD1}">
+              <a14:hiddenFill xmlns:a14="http://schemas.microsoft.com/office/drawing/2010/main">
+                <a:solidFill>
+                  <a:srgbClr val="FFFFFF"/>
+                </a:solidFill>
+              </a14:hiddenFill>
+            </a:ext>
+          </a:extLst>
+        </p:spPr>
+      </p:pic>
+      <p:pic>
+        <p:nvPicPr>
+          <p:cNvPr id="19" name="Picture 2" descr="mage result for emoji person"/>
+          <p:cNvPicPr>
+            <a:picLocks noChangeAspect="1" noChangeArrowheads="1"/>
+          </p:cNvPicPr>
+          <p:nvPr/>
+        </p:nvPicPr>
+        <p:blipFill>
+          <a:blip r:embed="rId3">
+            <a:extLst>
+              <a:ext uri="{28A0092B-C50C-407E-A947-70E740481C1C}">
+                <a14:useLocalDpi xmlns:a14="http://schemas.microsoft.com/office/drawing/2010/main" val="0"/>
+              </a:ext>
+            </a:extLst>
+          </a:blip>
+          <a:srcRect/>
+          <a:stretch>
+            <a:fillRect/>
+          </a:stretch>
+        </p:blipFill>
+        <p:spPr bwMode="auto">
+          <a:xfrm>
+            <a:off x="1048109" y="5770228"/>
+            <a:ext cx="692727" cy="692727"/>
+          </a:xfrm>
+          <a:prstGeom prst="rect">
+            <a:avLst/>
+          </a:prstGeom>
+          <a:noFill/>
+          <a:extLst>
+            <a:ext uri="{909E8E84-426E-40DD-AFC4-6F175D3DCCD1}">
+              <a14:hiddenFill xmlns:a14="http://schemas.microsoft.com/office/drawing/2010/main">
+                <a:solidFill>
+                  <a:srgbClr val="FFFFFF"/>
+                </a:solidFill>
+              </a14:hiddenFill>
+            </a:ext>
+          </a:extLst>
+        </p:spPr>
+      </p:pic>
+      <p:pic>
+        <p:nvPicPr>
+          <p:cNvPr id="21" name="Picture 4" descr="mage result for emoji person"/>
+          <p:cNvPicPr>
+            <a:picLocks noChangeAspect="1" noChangeArrowheads="1"/>
+          </p:cNvPicPr>
+          <p:nvPr/>
+        </p:nvPicPr>
+        <p:blipFill>
+          <a:blip r:embed="rId4">
+            <a:extLst>
+              <a:ext uri="{28A0092B-C50C-407E-A947-70E740481C1C}">
+                <a14:useLocalDpi xmlns:a14="http://schemas.microsoft.com/office/drawing/2010/main" val="0"/>
+              </a:ext>
+            </a:extLst>
+          </a:blip>
+          <a:srcRect/>
+          <a:stretch>
+            <a:fillRect/>
+          </a:stretch>
+        </p:blipFill>
+        <p:spPr bwMode="auto">
+          <a:xfrm>
+            <a:off x="265327" y="5742519"/>
+            <a:ext cx="720436" cy="720436"/>
+          </a:xfrm>
+          <a:prstGeom prst="rect">
+            <a:avLst/>
+          </a:prstGeom>
+          <a:noFill/>
+          <a:extLst>
+            <a:ext uri="{909E8E84-426E-40DD-AFC4-6F175D3DCCD1}">
+              <a14:hiddenFill xmlns:a14="http://schemas.microsoft.com/office/drawing/2010/main">
+                <a:solidFill>
+                  <a:srgbClr val="FFFFFF"/>
+                </a:solidFill>
+              </a14:hiddenFill>
+            </a:ext>
+          </a:extLst>
+        </p:spPr>
+      </p:pic>
+      <p:sp>
+        <p:nvSpPr>
+          <p:cNvPr id="3" name="Snip and Round Single Corner Rectangle 2"/>
+          <p:cNvSpPr/>
+          <p:nvPr/>
+        </p:nvSpPr>
+        <p:spPr>
+          <a:xfrm>
+            <a:off x="4123765" y="2115671"/>
+            <a:ext cx="4428564" cy="1165411"/>
+          </a:xfrm>
+          <a:prstGeom prst="snipRoundRect">
+            <a:avLst/>
+          </a:prstGeom>
+          <a:noFill/>
+          <a:ln>
+            <a:solidFill>
+              <a:schemeClr val="tx1"/>
+            </a:solidFill>
+          </a:ln>
+        </p:spPr>
+        <p:style>
+          <a:lnRef idx="2">
+            <a:schemeClr val="accent1">
+              <a:shade val="50000"/>
+            </a:schemeClr>
+          </a:lnRef>
+          <a:fillRef idx="1">
+            <a:schemeClr val="accent1"/>
+          </a:fillRef>
+          <a:effectRef idx="0">
+            <a:schemeClr val="accent1"/>
+          </a:effectRef>
+          <a:fontRef idx="minor">
+            <a:schemeClr val="lt1"/>
+          </a:fontRef>
+        </p:style>
+        <p:txBody>
+          <a:bodyPr rtlCol="0" anchor="ctr"/>
+          <a:lstStyle/>
+          <a:p>
+            <a:pPr algn="ctr"/>
+            <a:endParaRPr lang="en-US"/>
+          </a:p>
+        </p:txBody>
+      </p:sp>
+      <p:sp>
+        <p:nvSpPr>
+          <p:cNvPr id="22" name="Snip and Round Single Corner Rectangle 21"/>
+          <p:cNvSpPr/>
+          <p:nvPr/>
+        </p:nvSpPr>
+        <p:spPr>
+          <a:xfrm>
+            <a:off x="4123765" y="3281082"/>
+            <a:ext cx="4428564" cy="2570424"/>
+          </a:xfrm>
+          <a:prstGeom prst="snipRoundRect">
+            <a:avLst/>
+          </a:prstGeom>
+          <a:noFill/>
+          <a:ln>
+            <a:solidFill>
+              <a:schemeClr val="tx1"/>
+            </a:solidFill>
+          </a:ln>
+        </p:spPr>
+        <p:style>
+          <a:lnRef idx="2">
+            <a:schemeClr val="accent1">
+              <a:shade val="50000"/>
+            </a:schemeClr>
+          </a:lnRef>
+          <a:fillRef idx="1">
+            <a:schemeClr val="accent1"/>
+          </a:fillRef>
+          <a:effectRef idx="0">
+            <a:schemeClr val="accent1"/>
+          </a:effectRef>
+          <a:fontRef idx="minor">
+            <a:schemeClr val="lt1"/>
+          </a:fontRef>
+        </p:style>
+        <p:txBody>
+          <a:bodyPr rtlCol="0" anchor="ctr"/>
+          <a:lstStyle/>
+          <a:p>
+            <a:pPr algn="ctr"/>
+            <a:endParaRPr lang="en-US"/>
+          </a:p>
+        </p:txBody>
+      </p:sp>
+      <p:sp>
+        <p:nvSpPr>
+          <p:cNvPr id="5" name="TextBox 4"/>
+          <p:cNvSpPr txBox="1"/>
+          <p:nvPr/>
+        </p:nvSpPr>
+        <p:spPr>
+          <a:xfrm>
+            <a:off x="4284406" y="1721224"/>
+            <a:ext cx="1996059" cy="369332"/>
+          </a:xfrm>
+          <a:prstGeom prst="rect">
+            <a:avLst/>
+          </a:prstGeom>
+          <a:noFill/>
+        </p:spPr>
+        <p:txBody>
+          <a:bodyPr wrap="none" rtlCol="0">
+            <a:spAutoFit/>
+          </a:bodyPr>
+          <a:lstStyle/>
+          <a:p>
+            <a:r>
+              <a:rPr lang="en-US" b="1" dirty="0" smtClean="0">
+                <a:latin typeface="SF Pro Display" charset="0"/>
+                <a:ea typeface="SF Pro Display" charset="0"/>
+                <a:cs typeface="SF Pro Display" charset="0"/>
+              </a:rPr>
+              <a:t>ERC-20 Contract</a:t>
+            </a:r>
+            <a:endParaRPr lang="en-US" b="1" dirty="0">
+              <a:latin typeface="SF Pro Display" charset="0"/>
+              <a:ea typeface="SF Pro Display" charset="0"/>
+              <a:cs typeface="SF Pro Display" charset="0"/>
+            </a:endParaRPr>
+          </a:p>
+        </p:txBody>
+      </p:sp>
+      <p:sp>
+        <p:nvSpPr>
+          <p:cNvPr id="23" name="TextBox 22"/>
+          <p:cNvSpPr txBox="1"/>
+          <p:nvPr/>
+        </p:nvSpPr>
+        <p:spPr>
+          <a:xfrm>
+            <a:off x="4228257" y="5893070"/>
+            <a:ext cx="1673856" cy="369332"/>
+          </a:xfrm>
+          <a:prstGeom prst="rect">
+            <a:avLst/>
+          </a:prstGeom>
+          <a:noFill/>
+        </p:spPr>
+        <p:txBody>
+          <a:bodyPr wrap="none" rtlCol="0">
+            <a:spAutoFit/>
+          </a:bodyPr>
+          <a:lstStyle/>
+          <a:p>
+            <a:r>
+              <a:rPr lang="en-US" b="1" dirty="0" smtClean="0">
+                <a:latin typeface="SF Pro Display" charset="0"/>
+                <a:ea typeface="SF Pro Display" charset="0"/>
+                <a:cs typeface="SF Pro Display" charset="0"/>
+              </a:rPr>
+              <a:t>Loan Contract</a:t>
+            </a:r>
+            <a:endParaRPr lang="en-US" b="1" dirty="0">
+              <a:latin typeface="SF Pro Display" charset="0"/>
+              <a:ea typeface="SF Pro Display" charset="0"/>
+              <a:cs typeface="SF Pro Display" charset="0"/>
+            </a:endParaRPr>
+          </a:p>
+        </p:txBody>
+      </p:sp>
+      <p:cxnSp>
+        <p:nvCxnSpPr>
+          <p:cNvPr id="28" name="Straight Arrow Connector 27"/>
+          <p:cNvCxnSpPr/>
+          <p:nvPr/>
+        </p:nvCxnSpPr>
+        <p:spPr>
+          <a:xfrm flipH="1">
+            <a:off x="2151695" y="2520177"/>
+            <a:ext cx="2301450" cy="842059"/>
+          </a:xfrm>
+          <a:prstGeom prst="straightConnector1">
+            <a:avLst/>
+          </a:prstGeom>
+          <a:ln w="28575">
+            <a:solidFill>
+              <a:schemeClr val="tx1"/>
+            </a:solidFill>
+            <a:tailEnd type="triangle"/>
+          </a:ln>
+        </p:spPr>
+        <p:style>
+          <a:lnRef idx="1">
+            <a:schemeClr val="accent1"/>
+          </a:lnRef>
+          <a:fillRef idx="0">
+            <a:schemeClr val="accent1"/>
+          </a:fillRef>
+          <a:effectRef idx="0">
+            <a:schemeClr val="accent1"/>
+          </a:effectRef>
+          <a:fontRef idx="minor">
+            <a:schemeClr val="tx1"/>
+          </a:fontRef>
+        </p:style>
+      </p:cxnSp>
+      <p:sp>
+        <p:nvSpPr>
+          <p:cNvPr id="32" name="TextBox 31"/>
+          <p:cNvSpPr txBox="1"/>
+          <p:nvPr/>
+        </p:nvSpPr>
+        <p:spPr>
+          <a:xfrm rot="20398395">
+            <a:off x="1746034" y="2248749"/>
+            <a:ext cx="2837300" cy="646331"/>
+          </a:xfrm>
+          <a:prstGeom prst="rect">
+            <a:avLst/>
+          </a:prstGeom>
+          <a:noFill/>
+        </p:spPr>
+        <p:txBody>
+          <a:bodyPr wrap="square" rtlCol="0">
+            <a:spAutoFit/>
+          </a:bodyPr>
+          <a:lstStyle/>
+          <a:p>
+            <a:pPr algn="ctr"/>
+            <a:r>
+              <a:rPr lang="en-US" b="1" dirty="0" smtClean="0">
+                <a:latin typeface="SF Pro Display" charset="0"/>
+                <a:ea typeface="SF Pro Display" charset="0"/>
+                <a:cs typeface="SF Pro Display" charset="0"/>
+              </a:rPr>
+              <a:t>Receive </a:t>
+            </a:r>
+            <a:r>
+              <a:rPr lang="en-US" b="1" smtClean="0">
+                <a:latin typeface="SF Pro Display" charset="0"/>
+                <a:ea typeface="SF Pro Display" charset="0"/>
+                <a:cs typeface="SF Pro Display" charset="0"/>
+              </a:rPr>
+              <a:t>fractional share of repayment</a:t>
+            </a:r>
+            <a:endParaRPr lang="en-US" b="1" dirty="0">
+              <a:latin typeface="SF Pro Display" charset="0"/>
+              <a:ea typeface="SF Pro Display" charset="0"/>
+              <a:cs typeface="SF Pro Display" charset="0"/>
+            </a:endParaRPr>
+          </a:p>
+        </p:txBody>
+      </p:sp>
+      <p:pic>
+        <p:nvPicPr>
+          <p:cNvPr id="14342" name="Picture 6" descr="oman on Apple iOS 12.2"/>
+          <p:cNvPicPr>
+            <a:picLocks noChangeAspect="1" noChangeArrowheads="1"/>
+          </p:cNvPicPr>
+          <p:nvPr/>
+        </p:nvPicPr>
+        <p:blipFill>
+          <a:blip r:embed="rId5">
+            <a:extLst>
+              <a:ext uri="{28A0092B-C50C-407E-A947-70E740481C1C}">
+                <a14:useLocalDpi xmlns:a14="http://schemas.microsoft.com/office/drawing/2010/main" val="0"/>
+              </a:ext>
+            </a:extLst>
+          </a:blip>
+          <a:srcRect/>
+          <a:stretch>
+            <a:fillRect/>
+          </a:stretch>
+        </p:blipFill>
+        <p:spPr bwMode="auto">
+          <a:xfrm>
+            <a:off x="10289715" y="3310324"/>
+            <a:ext cx="1143000" cy="1143000"/>
+          </a:xfrm>
+          <a:prstGeom prst="rect">
+            <a:avLst/>
+          </a:prstGeom>
+          <a:noFill/>
+          <a:extLst>
+            <a:ext uri="{909E8E84-426E-40DD-AFC4-6F175D3DCCD1}">
+              <a14:hiddenFill xmlns:a14="http://schemas.microsoft.com/office/drawing/2010/main">
+                <a:solidFill>
+                  <a:srgbClr val="FFFFFF"/>
+                </a:solidFill>
+              </a14:hiddenFill>
+            </a:ext>
+          </a:extLst>
+        </p:spPr>
+      </p:pic>
+      <p:sp>
+        <p:nvSpPr>
+          <p:cNvPr id="31" name="TextBox 30"/>
+          <p:cNvSpPr txBox="1"/>
+          <p:nvPr/>
+        </p:nvSpPr>
+        <p:spPr>
+          <a:xfrm>
+            <a:off x="894434" y="4315282"/>
+            <a:ext cx="920445" cy="369332"/>
+          </a:xfrm>
+          <a:prstGeom prst="rect">
+            <a:avLst/>
+          </a:prstGeom>
+          <a:noFill/>
+        </p:spPr>
+        <p:txBody>
+          <a:bodyPr wrap="none" rtlCol="0">
+            <a:spAutoFit/>
+          </a:bodyPr>
+          <a:lstStyle/>
+          <a:p>
+            <a:r>
+              <a:rPr lang="en-US" b="1" dirty="0" smtClean="0">
+                <a:latin typeface="SF Pro Display" charset="0"/>
+                <a:ea typeface="SF Pro Display" charset="0"/>
+                <a:cs typeface="SF Pro Display" charset="0"/>
+              </a:rPr>
+              <a:t>Lender</a:t>
+            </a:r>
+            <a:endParaRPr lang="en-US" b="1" dirty="0">
+              <a:latin typeface="SF Pro Display" charset="0"/>
+              <a:ea typeface="SF Pro Display" charset="0"/>
+              <a:cs typeface="SF Pro Display" charset="0"/>
+            </a:endParaRPr>
+          </a:p>
+        </p:txBody>
+      </p:sp>
+      <p:sp>
+        <p:nvSpPr>
+          <p:cNvPr id="36" name="TextBox 35"/>
+          <p:cNvSpPr txBox="1"/>
+          <p:nvPr/>
+        </p:nvSpPr>
+        <p:spPr>
+          <a:xfrm>
+            <a:off x="10257556" y="4584250"/>
+            <a:ext cx="1156086" cy="369332"/>
+          </a:xfrm>
+          <a:prstGeom prst="rect">
+            <a:avLst/>
+          </a:prstGeom>
+          <a:noFill/>
+        </p:spPr>
+        <p:txBody>
+          <a:bodyPr wrap="none" rtlCol="0">
+            <a:spAutoFit/>
+          </a:bodyPr>
+          <a:lstStyle/>
+          <a:p>
+            <a:r>
+              <a:rPr lang="en-US" b="1" dirty="0" smtClean="0">
+                <a:latin typeface="SF Pro Display" charset="0"/>
+                <a:ea typeface="SF Pro Display" charset="0"/>
+                <a:cs typeface="SF Pro Display" charset="0"/>
+              </a:rPr>
+              <a:t>Borrower</a:t>
+            </a:r>
+            <a:endParaRPr lang="en-US" b="1" dirty="0">
+              <a:latin typeface="SF Pro Display" charset="0"/>
+              <a:ea typeface="SF Pro Display" charset="0"/>
+              <a:cs typeface="SF Pro Display" charset="0"/>
+            </a:endParaRPr>
+          </a:p>
+        </p:txBody>
+      </p:sp>
+      <p:cxnSp>
+        <p:nvCxnSpPr>
+          <p:cNvPr id="50" name="Curved Connector 49"/>
+          <p:cNvCxnSpPr/>
+          <p:nvPr/>
+        </p:nvCxnSpPr>
+        <p:spPr>
+          <a:xfrm rot="10800000">
+            <a:off x="5678757" y="3093081"/>
+            <a:ext cx="2260817" cy="605573"/>
+          </a:xfrm>
+          <a:prstGeom prst="curvedConnector3">
+            <a:avLst>
+              <a:gd name="adj1" fmla="val 99169"/>
+            </a:avLst>
+          </a:prstGeom>
+          <a:ln w="28575">
+            <a:solidFill>
+              <a:schemeClr val="tx1"/>
+            </a:solidFill>
+            <a:tailEnd type="triangle"/>
+          </a:ln>
+        </p:spPr>
+        <p:style>
+          <a:lnRef idx="1">
+            <a:schemeClr val="accent1"/>
+          </a:lnRef>
+          <a:fillRef idx="0">
+            <a:schemeClr val="accent1"/>
+          </a:fillRef>
+          <a:effectRef idx="0">
+            <a:schemeClr val="accent1"/>
+          </a:effectRef>
+          <a:fontRef idx="minor">
+            <a:schemeClr val="tx1"/>
+          </a:fontRef>
+        </p:style>
+      </p:cxnSp>
+      <p:sp>
+        <p:nvSpPr>
+          <p:cNvPr id="61" name="TextBox 60"/>
+          <p:cNvSpPr txBox="1"/>
+          <p:nvPr/>
+        </p:nvSpPr>
+        <p:spPr>
+          <a:xfrm>
+            <a:off x="5642173" y="3735712"/>
+            <a:ext cx="2333983" cy="923330"/>
+          </a:xfrm>
+          <a:prstGeom prst="rect">
+            <a:avLst/>
+          </a:prstGeom>
+          <a:noFill/>
+        </p:spPr>
+        <p:txBody>
+          <a:bodyPr wrap="square" rtlCol="0">
+            <a:spAutoFit/>
+          </a:bodyPr>
+          <a:lstStyle/>
+          <a:p>
+            <a:r>
+              <a:rPr lang="en-US" b="1" dirty="0" smtClean="0">
+                <a:latin typeface="SF Pro Display" charset="0"/>
+                <a:ea typeface="SF Pro Display" charset="0"/>
+                <a:cs typeface="SF Pro Display" charset="0"/>
+              </a:rPr>
+              <a:t>Repayment routed to debt token holders</a:t>
+            </a:r>
+            <a:endParaRPr lang="en-US" b="1" dirty="0">
+              <a:latin typeface="SF Pro Display" charset="0"/>
+              <a:ea typeface="SF Pro Display" charset="0"/>
+              <a:cs typeface="SF Pro Display" charset="0"/>
+            </a:endParaRPr>
+          </a:p>
+        </p:txBody>
+      </p:sp>
+      <p:cxnSp>
+        <p:nvCxnSpPr>
+          <p:cNvPr id="72" name="Straight Arrow Connector 71"/>
+          <p:cNvCxnSpPr/>
+          <p:nvPr/>
+        </p:nvCxnSpPr>
+        <p:spPr>
+          <a:xfrm flipH="1" flipV="1">
+            <a:off x="8180973" y="3735712"/>
+            <a:ext cx="1930171" cy="199429"/>
+          </a:xfrm>
+          <a:prstGeom prst="straightConnector1">
+            <a:avLst/>
+          </a:prstGeom>
+          <a:ln w="28575">
+            <a:solidFill>
+              <a:schemeClr val="tx1"/>
+            </a:solidFill>
+            <a:tailEnd type="triangle"/>
+          </a:ln>
+        </p:spPr>
+        <p:style>
+          <a:lnRef idx="1">
+            <a:schemeClr val="accent1"/>
+          </a:lnRef>
+          <a:fillRef idx="0">
+            <a:schemeClr val="accent1"/>
+          </a:fillRef>
+          <a:effectRef idx="0">
+            <a:schemeClr val="accent1"/>
+          </a:effectRef>
+          <a:fontRef idx="minor">
+            <a:schemeClr val="tx1"/>
+          </a:fontRef>
+        </p:style>
+      </p:cxnSp>
+      <p:sp>
+        <p:nvSpPr>
+          <p:cNvPr id="73" name="TextBox 72"/>
+          <p:cNvSpPr txBox="1"/>
+          <p:nvPr/>
+        </p:nvSpPr>
+        <p:spPr>
+          <a:xfrm>
+            <a:off x="8710999" y="3935141"/>
+            <a:ext cx="1906831" cy="646331"/>
+          </a:xfrm>
+          <a:prstGeom prst="rect">
+            <a:avLst/>
+          </a:prstGeom>
+          <a:noFill/>
+        </p:spPr>
+        <p:txBody>
+          <a:bodyPr wrap="square" rtlCol="0">
+            <a:spAutoFit/>
+          </a:bodyPr>
+          <a:lstStyle/>
+          <a:p>
+            <a:r>
+              <a:rPr lang="en-US" b="1" smtClean="0">
+                <a:latin typeface="SF Pro Display" charset="0"/>
+                <a:ea typeface="SF Pro Display" charset="0"/>
+                <a:cs typeface="SF Pro Display" charset="0"/>
+              </a:rPr>
+              <a:t>Monthly Repayment</a:t>
+            </a:r>
+            <a:endParaRPr lang="en-US" b="1" dirty="0">
+              <a:latin typeface="SF Pro Display" charset="0"/>
+              <a:ea typeface="SF Pro Display" charset="0"/>
+              <a:cs typeface="SF Pro Display" charset="0"/>
+            </a:endParaRPr>
+          </a:p>
+        </p:txBody>
+      </p:sp>
+      <p:sp>
+        <p:nvSpPr>
+          <p:cNvPr id="76" name="Title 1"/>
+          <p:cNvSpPr>
+            <a:spLocks noGrp="1"/>
+          </p:cNvSpPr>
+          <p:nvPr>
+            <p:ph type="ctrTitle"/>
+          </p:nvPr>
+        </p:nvSpPr>
+        <p:spPr>
+          <a:xfrm>
+            <a:off x="353821" y="332820"/>
+            <a:ext cx="4684602" cy="664707"/>
+          </a:xfrm>
+        </p:spPr>
+        <p:txBody>
+          <a:bodyPr>
+            <a:normAutofit/>
+          </a:bodyPr>
+          <a:lstStyle/>
+          <a:p>
+            <a:pPr algn="l"/>
+            <a:r>
+              <a:rPr lang="en-US" sz="4000" dirty="0" smtClean="0"/>
+              <a:t>Repayment Flow</a:t>
+            </a:r>
+            <a:endParaRPr lang="en-US" sz="4000" dirty="0"/>
+          </a:p>
+        </p:txBody>
+      </p:sp>
+    </p:spTree>
+    <p:extLst>
+      <p:ext uri="{BB962C8B-B14F-4D97-AF65-F5344CB8AC3E}">
+        <p14:creationId xmlns:p14="http://schemas.microsoft.com/office/powerpoint/2010/main" val="603403299"/>
+      </p:ext>
+    </p:extLst>
+  </p:cSld>
+  <p:clrMapOvr>
+    <a:masterClrMapping/>
+  </p:clrMapOvr>
+</p:sld>
+</file>
+
+<file path=ppt/slides/slide17.xml><?xml version="1.0" encoding="utf-8"?>
+<p:sld xmlns:a="http://schemas.openxmlformats.org/drawingml/2006/main" xmlns:r="http://schemas.openxmlformats.org/officeDocument/2006/relationships" xmlns:p="http://schemas.openxmlformats.org/presentationml/2006/main">
+  <p:cSld>
+    <p:spTree>
+      <p:nvGrpSpPr>
+        <p:cNvPr id="1" name=""/>
+        <p:cNvGrpSpPr/>
+        <p:nvPr/>
+      </p:nvGrpSpPr>
+      <p:grpSpPr>
+        <a:xfrm>
+          <a:off x="0" y="0"/>
+          <a:ext cx="0" cy="0"/>
+          <a:chOff x="0" y="0"/>
+          <a:chExt cx="0" cy="0"/>
+        </a:xfrm>
+      </p:grpSpPr>
+      <p:sp>
+        <p:nvSpPr>
+          <p:cNvPr id="2" name="Title 1"/>
+          <p:cNvSpPr>
+            <a:spLocks noGrp="1"/>
+          </p:cNvSpPr>
+          <p:nvPr>
+            <p:ph type="ctrTitle"/>
+          </p:nvPr>
+        </p:nvSpPr>
+        <p:spPr/>
+        <p:txBody>
+          <a:bodyPr/>
+          <a:lstStyle/>
+          <a:p>
+            <a:r>
+              <a:rPr lang="en-US" dirty="0" smtClean="0"/>
+              <a:t>Implementation</a:t>
+            </a:r>
+            <a:endParaRPr lang="en-US" dirty="0"/>
+          </a:p>
+        </p:txBody>
+      </p:sp>
+    </p:spTree>
+    <p:extLst>
+      <p:ext uri="{BB962C8B-B14F-4D97-AF65-F5344CB8AC3E}">
+        <p14:creationId xmlns:p14="http://schemas.microsoft.com/office/powerpoint/2010/main" val="176927560"/>
+      </p:ext>
+    </p:extLst>
+  </p:cSld>
+  <p:clrMapOvr>
+    <a:masterClrMapping/>
+  </p:clrMapOvr>
+</p:sld>
+</file>
+
+<file path=ppt/slides/slide18.xml><?xml version="1.0" encoding="utf-8"?>
+<p:sld xmlns:a="http://schemas.openxmlformats.org/drawingml/2006/main" xmlns:r="http://schemas.openxmlformats.org/officeDocument/2006/relationships" xmlns:p="http://schemas.openxmlformats.org/presentationml/2006/main">
+  <p:cSld>
+    <p:spTree>
+      <p:nvGrpSpPr>
+        <p:cNvPr id="1" name=""/>
+        <p:cNvGrpSpPr/>
+        <p:nvPr/>
+      </p:nvGrpSpPr>
+      <p:grpSpPr>
+        <a:xfrm>
+          <a:off x="0" y="0"/>
+          <a:ext cx="0" cy="0"/>
+          <a:chOff x="0" y="0"/>
+          <a:chExt cx="0" cy="0"/>
+        </a:xfrm>
+      </p:grpSpPr>
+      <p:sp>
+        <p:nvSpPr>
+          <p:cNvPr id="7" name="TextBox 6"/>
+          <p:cNvSpPr txBox="1"/>
+          <p:nvPr/>
+        </p:nvSpPr>
+        <p:spPr>
+          <a:xfrm>
+            <a:off x="676549" y="2251461"/>
+            <a:ext cx="4648486" cy="1692771"/>
+          </a:xfrm>
+          <a:prstGeom prst="rect">
+            <a:avLst/>
+          </a:prstGeom>
+          <a:noFill/>
+          <a:ln>
+            <a:solidFill>
+              <a:schemeClr val="tx1"/>
+            </a:solidFill>
+          </a:ln>
+        </p:spPr>
+        <p:txBody>
+          <a:bodyPr wrap="square" rtlCol="0">
+            <a:spAutoFit/>
+          </a:bodyPr>
+          <a:lstStyle/>
+          <a:p>
+            <a:r>
+              <a:rPr lang="en-US" sz="2800" b="1" dirty="0" smtClean="0">
+                <a:latin typeface="SF Pro Display" charset="0"/>
+                <a:ea typeface="SF Pro Display" charset="0"/>
+                <a:cs typeface="SF Pro Display" charset="0"/>
+              </a:rPr>
+              <a:t>Trusted Decentralized Identity</a:t>
+            </a:r>
+          </a:p>
+          <a:p>
+            <a:r>
+              <a:rPr lang="en-US" sz="1600" dirty="0" smtClean="0">
+                <a:latin typeface="SF Pro Display" charset="0"/>
+                <a:ea typeface="SF Pro Display" charset="0"/>
+                <a:cs typeface="SF Pro Display" charset="0"/>
+              </a:rPr>
+              <a:t>Oracle problem </a:t>
+            </a:r>
+            <a:r>
+              <a:rPr lang="mr-IN" sz="1600" dirty="0" smtClean="0">
+                <a:latin typeface="SF Pro Display" charset="0"/>
+                <a:ea typeface="SF Pro Display" charset="0"/>
+                <a:cs typeface="SF Pro Display" charset="0"/>
+              </a:rPr>
+              <a:t>–</a:t>
+            </a:r>
+            <a:r>
+              <a:rPr lang="en-US" sz="1600" dirty="0" smtClean="0">
+                <a:latin typeface="SF Pro Display" charset="0"/>
+                <a:ea typeface="SF Pro Display" charset="0"/>
+                <a:cs typeface="SF Pro Display" charset="0"/>
+              </a:rPr>
+              <a:t> how do you get, verify and validate a user’s identity and tie it to an on-chain entity (e.g. address)?</a:t>
+            </a:r>
+            <a:endParaRPr lang="en-US" sz="1600" dirty="0">
+              <a:latin typeface="SF Pro Display" charset="0"/>
+              <a:ea typeface="SF Pro Display" charset="0"/>
+              <a:cs typeface="SF Pro Display" charset="0"/>
+            </a:endParaRPr>
+          </a:p>
+        </p:txBody>
+      </p:sp>
+      <p:sp>
+        <p:nvSpPr>
+          <p:cNvPr id="8" name="Title 1"/>
+          <p:cNvSpPr txBox="1">
+            <a:spLocks/>
+          </p:cNvSpPr>
+          <p:nvPr/>
+        </p:nvSpPr>
+        <p:spPr>
+          <a:xfrm>
+            <a:off x="389679" y="404538"/>
+            <a:ext cx="5222226" cy="664707"/>
+          </a:xfrm>
+          <a:prstGeom prst="rect">
+            <a:avLst/>
+          </a:prstGeom>
+        </p:spPr>
+        <p:txBody>
+          <a:bodyPr vert="horz" lIns="91440" tIns="45720" rIns="91440" bIns="45720" rtlCol="0" anchor="ctr">
+            <a:normAutofit fontScale="92500"/>
+          </a:bodyPr>
+          <a:lstStyle>
+            <a:lvl1pPr algn="l" defTabSz="914400" rtl="0" eaLnBrk="1" latinLnBrk="0" hangingPunct="1">
+              <a:lnSpc>
+                <a:spcPct val="90000"/>
+              </a:lnSpc>
+              <a:spcBef>
+                <a:spcPct val="0"/>
+              </a:spcBef>
+              <a:buNone/>
+              <a:defRPr sz="4400" b="1" i="0" kern="1200">
+                <a:solidFill>
+                  <a:schemeClr val="tx1"/>
+                </a:solidFill>
+                <a:latin typeface="SF Pro Display" charset="0"/>
+                <a:ea typeface="SF Pro Display" charset="0"/>
+                <a:cs typeface="SF Pro Display" charset="0"/>
+              </a:defRPr>
+            </a:lvl1pPr>
+          </a:lstStyle>
+          <a:p>
+            <a:r>
+              <a:rPr lang="en-US" sz="4000" smtClean="0"/>
+              <a:t>Decentralized Identity</a:t>
+            </a:r>
+            <a:endParaRPr lang="en-US" sz="4000" dirty="0"/>
+          </a:p>
+        </p:txBody>
+      </p:sp>
+      <p:sp>
+        <p:nvSpPr>
+          <p:cNvPr id="12" name="TextBox 11"/>
+          <p:cNvSpPr txBox="1"/>
+          <p:nvPr/>
+        </p:nvSpPr>
+        <p:spPr>
+          <a:xfrm>
+            <a:off x="676549" y="4280062"/>
+            <a:ext cx="4648486" cy="1692771"/>
+          </a:xfrm>
+          <a:prstGeom prst="rect">
+            <a:avLst/>
+          </a:prstGeom>
+          <a:noFill/>
+          <a:ln>
+            <a:solidFill>
+              <a:schemeClr val="bg1">
+                <a:lumMod val="75000"/>
+              </a:schemeClr>
+            </a:solidFill>
+          </a:ln>
+        </p:spPr>
+        <p:txBody>
+          <a:bodyPr wrap="square" rtlCol="0">
+            <a:spAutoFit/>
+          </a:bodyPr>
+          <a:lstStyle/>
+          <a:p>
+            <a:r>
+              <a:rPr lang="en-US" sz="2800" b="1" dirty="0" smtClean="0">
+                <a:solidFill>
+                  <a:schemeClr val="bg1">
+                    <a:lumMod val="85000"/>
+                  </a:schemeClr>
+                </a:solidFill>
+                <a:latin typeface="SF Pro Display" charset="0"/>
+                <a:ea typeface="SF Pro Display" charset="0"/>
+                <a:cs typeface="SF Pro Display" charset="0"/>
+              </a:rPr>
+              <a:t>Decentralized + Private </a:t>
+            </a:r>
+            <a:br>
+              <a:rPr lang="en-US" sz="2800" b="1" dirty="0" smtClean="0">
+                <a:solidFill>
+                  <a:schemeClr val="bg1">
+                    <a:lumMod val="85000"/>
+                  </a:schemeClr>
+                </a:solidFill>
+                <a:latin typeface="SF Pro Display" charset="0"/>
+                <a:ea typeface="SF Pro Display" charset="0"/>
+                <a:cs typeface="SF Pro Display" charset="0"/>
+              </a:rPr>
+            </a:br>
+            <a:r>
+              <a:rPr lang="en-US" sz="2800" b="1" dirty="0" smtClean="0">
+                <a:solidFill>
+                  <a:schemeClr val="bg1">
+                    <a:lumMod val="85000"/>
+                  </a:schemeClr>
+                </a:solidFill>
+                <a:latin typeface="SF Pro Display" charset="0"/>
+                <a:ea typeface="SF Pro Display" charset="0"/>
+                <a:cs typeface="SF Pro Display" charset="0"/>
+              </a:rPr>
+              <a:t>Data Storage</a:t>
+            </a:r>
+          </a:p>
+          <a:p>
+            <a:r>
+              <a:rPr lang="en-US" sz="1600" dirty="0" smtClean="0">
+                <a:solidFill>
+                  <a:schemeClr val="bg1">
+                    <a:lumMod val="85000"/>
+                  </a:schemeClr>
+                </a:solidFill>
+                <a:latin typeface="SF Pro Display" charset="0"/>
+                <a:ea typeface="SF Pro Display" charset="0"/>
+                <a:cs typeface="SF Pro Display" charset="0"/>
+              </a:rPr>
+              <a:t>How do you verify data about users on chain, while still preserving data privacy?</a:t>
+            </a:r>
+          </a:p>
+          <a:p>
+            <a:endParaRPr lang="en-US" sz="1600" dirty="0">
+              <a:solidFill>
+                <a:schemeClr val="bg1">
+                  <a:lumMod val="85000"/>
+                </a:schemeClr>
+              </a:solidFill>
+              <a:latin typeface="SF Pro Display" charset="0"/>
+              <a:ea typeface="SF Pro Display" charset="0"/>
+              <a:cs typeface="SF Pro Display" charset="0"/>
+            </a:endParaRPr>
+          </a:p>
+        </p:txBody>
+      </p:sp>
+      <p:pic>
+        <p:nvPicPr>
+          <p:cNvPr id="9" name="Picture 8"/>
+          <p:cNvPicPr>
+            <a:picLocks noChangeAspect="1"/>
+          </p:cNvPicPr>
+          <p:nvPr/>
+        </p:nvPicPr>
+        <p:blipFill>
+          <a:blip r:embed="rId2"/>
+          <a:stretch>
+            <a:fillRect/>
+          </a:stretch>
+        </p:blipFill>
+        <p:spPr>
+          <a:xfrm>
+            <a:off x="6967070" y="3314087"/>
+            <a:ext cx="2106535" cy="2702670"/>
+          </a:xfrm>
+          <a:prstGeom prst="rect">
+            <a:avLst/>
+          </a:prstGeom>
+        </p:spPr>
+      </p:pic>
+      <p:pic>
+        <p:nvPicPr>
+          <p:cNvPr id="10" name="Picture 9"/>
+          <p:cNvPicPr>
+            <a:picLocks noChangeAspect="1"/>
+          </p:cNvPicPr>
+          <p:nvPr/>
+        </p:nvPicPr>
+        <p:blipFill>
+          <a:blip r:embed="rId3"/>
+          <a:stretch>
+            <a:fillRect/>
+          </a:stretch>
+        </p:blipFill>
+        <p:spPr>
+          <a:xfrm>
+            <a:off x="9536875" y="4120910"/>
+            <a:ext cx="1793850" cy="741552"/>
+          </a:xfrm>
+          <a:prstGeom prst="rect">
+            <a:avLst/>
+          </a:prstGeom>
+        </p:spPr>
+      </p:pic>
+      <p:sp>
+        <p:nvSpPr>
+          <p:cNvPr id="2" name="TextBox 1"/>
+          <p:cNvSpPr txBox="1"/>
+          <p:nvPr/>
+        </p:nvSpPr>
+        <p:spPr>
+          <a:xfrm>
+            <a:off x="2348753" y="1463233"/>
+            <a:ext cx="1127232" cy="369332"/>
+          </a:xfrm>
+          <a:prstGeom prst="rect">
+            <a:avLst/>
+          </a:prstGeom>
+          <a:noFill/>
+        </p:spPr>
+        <p:txBody>
+          <a:bodyPr wrap="none" rtlCol="0">
+            <a:spAutoFit/>
+          </a:bodyPr>
+          <a:lstStyle/>
+          <a:p>
+            <a:r>
+              <a:rPr lang="en-US" b="1" dirty="0" smtClean="0">
+                <a:latin typeface="SF Pro Display" charset="0"/>
+                <a:ea typeface="SF Pro Display" charset="0"/>
+                <a:cs typeface="SF Pro Display" charset="0"/>
+              </a:rPr>
+              <a:t>Problem:</a:t>
+            </a:r>
+            <a:endParaRPr lang="en-US" b="1" dirty="0">
+              <a:latin typeface="SF Pro Display" charset="0"/>
+              <a:ea typeface="SF Pro Display" charset="0"/>
+              <a:cs typeface="SF Pro Display" charset="0"/>
+            </a:endParaRPr>
+          </a:p>
+        </p:txBody>
+      </p:sp>
+      <p:cxnSp>
+        <p:nvCxnSpPr>
+          <p:cNvPr id="4" name="Straight Connector 3"/>
+          <p:cNvCxnSpPr/>
+          <p:nvPr/>
+        </p:nvCxnSpPr>
+        <p:spPr>
+          <a:xfrm>
+            <a:off x="6113929" y="1237129"/>
+            <a:ext cx="0" cy="5109883"/>
+          </a:xfrm>
+          <a:prstGeom prst="line">
+            <a:avLst/>
+          </a:prstGeom>
+          <a:ln w="38100">
+            <a:solidFill>
+              <a:schemeClr val="tx1"/>
+            </a:solidFill>
+          </a:ln>
+        </p:spPr>
+        <p:style>
+          <a:lnRef idx="1">
+            <a:schemeClr val="accent1"/>
+          </a:lnRef>
+          <a:fillRef idx="0">
+            <a:schemeClr val="accent1"/>
+          </a:fillRef>
+          <a:effectRef idx="0">
+            <a:schemeClr val="accent1"/>
+          </a:effectRef>
+          <a:fontRef idx="minor">
+            <a:schemeClr val="tx1"/>
+          </a:fontRef>
+        </p:style>
+      </p:cxnSp>
+      <p:sp>
+        <p:nvSpPr>
+          <p:cNvPr id="15" name="TextBox 14"/>
+          <p:cNvSpPr txBox="1"/>
+          <p:nvPr/>
+        </p:nvSpPr>
+        <p:spPr>
+          <a:xfrm>
+            <a:off x="8687961" y="1463233"/>
+            <a:ext cx="1053494" cy="369332"/>
+          </a:xfrm>
+          <a:prstGeom prst="rect">
+            <a:avLst/>
+          </a:prstGeom>
+          <a:noFill/>
+        </p:spPr>
+        <p:txBody>
+          <a:bodyPr wrap="none" rtlCol="0">
+            <a:spAutoFit/>
+          </a:bodyPr>
+          <a:lstStyle/>
+          <a:p>
+            <a:r>
+              <a:rPr lang="en-US" b="1" dirty="0" smtClean="0">
+                <a:latin typeface="SF Pro Display" charset="0"/>
+                <a:ea typeface="SF Pro Display" charset="0"/>
+                <a:cs typeface="SF Pro Display" charset="0"/>
+              </a:rPr>
+              <a:t>Solution</a:t>
+            </a:r>
+            <a:endParaRPr lang="en-US" b="1" dirty="0">
+              <a:latin typeface="SF Pro Display" charset="0"/>
+              <a:ea typeface="SF Pro Display" charset="0"/>
+              <a:cs typeface="SF Pro Display" charset="0"/>
+            </a:endParaRPr>
+          </a:p>
+        </p:txBody>
+      </p:sp>
+      <p:sp>
+        <p:nvSpPr>
+          <p:cNvPr id="5" name="TextBox 4"/>
+          <p:cNvSpPr txBox="1"/>
+          <p:nvPr/>
+        </p:nvSpPr>
+        <p:spPr>
+          <a:xfrm>
+            <a:off x="6910962" y="2251461"/>
+            <a:ext cx="4676062" cy="646331"/>
+          </a:xfrm>
+          <a:prstGeom prst="rect">
+            <a:avLst/>
+          </a:prstGeom>
+          <a:noFill/>
+        </p:spPr>
+        <p:txBody>
+          <a:bodyPr wrap="square" rtlCol="0">
+            <a:spAutoFit/>
+          </a:bodyPr>
+          <a:lstStyle/>
+          <a:p>
+            <a:r>
+              <a:rPr lang="en-US" dirty="0" smtClean="0">
+                <a:latin typeface="SF Pro Text" charset="0"/>
+                <a:ea typeface="SF Pro Text" charset="0"/>
+                <a:cs typeface="SF Pro Text" charset="0"/>
+              </a:rPr>
+              <a:t>With Bloom as a base, leverage additional ID attestation from other providers</a:t>
+            </a:r>
+            <a:endParaRPr lang="en-US" dirty="0">
+              <a:latin typeface="SF Pro Text" charset="0"/>
+              <a:ea typeface="SF Pro Text" charset="0"/>
+              <a:cs typeface="SF Pro Text" charset="0"/>
+            </a:endParaRPr>
+          </a:p>
+        </p:txBody>
+      </p:sp>
+    </p:spTree>
+    <p:extLst>
+      <p:ext uri="{BB962C8B-B14F-4D97-AF65-F5344CB8AC3E}">
+        <p14:creationId xmlns:p14="http://schemas.microsoft.com/office/powerpoint/2010/main" val="529265232"/>
+      </p:ext>
+    </p:extLst>
+  </p:cSld>
+  <p:clrMapOvr>
+    <a:masterClrMapping/>
+  </p:clrMapOvr>
+</p:sld>
+</file>
+
+<file path=ppt/slides/slide19.xml><?xml version="1.0" encoding="utf-8"?>
+<p:sld xmlns:a="http://schemas.openxmlformats.org/drawingml/2006/main" xmlns:r="http://schemas.openxmlformats.org/officeDocument/2006/relationships" xmlns:p="http://schemas.openxmlformats.org/presentationml/2006/main">
+  <p:cSld>
+    <p:spTree>
+      <p:nvGrpSpPr>
+        <p:cNvPr id="1" name=""/>
+        <p:cNvGrpSpPr/>
+        <p:nvPr/>
+      </p:nvGrpSpPr>
+      <p:grpSpPr>
+        <a:xfrm>
+          <a:off x="0" y="0"/>
+          <a:ext cx="0" cy="0"/>
+          <a:chOff x="0" y="0"/>
+          <a:chExt cx="0" cy="0"/>
+        </a:xfrm>
+      </p:grpSpPr>
+      <p:sp>
+        <p:nvSpPr>
+          <p:cNvPr id="7" name="TextBox 6"/>
+          <p:cNvSpPr txBox="1"/>
+          <p:nvPr/>
+        </p:nvSpPr>
+        <p:spPr>
+          <a:xfrm>
+            <a:off x="676549" y="2251461"/>
+            <a:ext cx="4648486" cy="1692771"/>
+          </a:xfrm>
+          <a:prstGeom prst="rect">
+            <a:avLst/>
+          </a:prstGeom>
+          <a:noFill/>
+          <a:ln>
+            <a:solidFill>
+              <a:schemeClr val="bg1">
+                <a:lumMod val="75000"/>
+              </a:schemeClr>
+            </a:solidFill>
+          </a:ln>
+        </p:spPr>
+        <p:txBody>
+          <a:bodyPr wrap="square" rtlCol="0">
+            <a:spAutoFit/>
+          </a:bodyPr>
+          <a:lstStyle/>
+          <a:p>
+            <a:r>
+              <a:rPr lang="en-US" sz="2800" b="1" dirty="0" smtClean="0">
+                <a:solidFill>
+                  <a:schemeClr val="bg1">
+                    <a:lumMod val="85000"/>
+                  </a:schemeClr>
+                </a:solidFill>
+                <a:latin typeface="SF Pro Display" charset="0"/>
+                <a:ea typeface="SF Pro Display" charset="0"/>
+                <a:cs typeface="SF Pro Display" charset="0"/>
+              </a:rPr>
+              <a:t>Trusted Decentralized Identity</a:t>
+            </a:r>
+          </a:p>
+          <a:p>
+            <a:r>
+              <a:rPr lang="en-US" sz="1600" dirty="0" smtClean="0">
+                <a:solidFill>
+                  <a:schemeClr val="bg1">
+                    <a:lumMod val="85000"/>
+                  </a:schemeClr>
+                </a:solidFill>
+                <a:latin typeface="SF Pro Display" charset="0"/>
+                <a:ea typeface="SF Pro Display" charset="0"/>
+                <a:cs typeface="SF Pro Display" charset="0"/>
+              </a:rPr>
+              <a:t>Oracle problem </a:t>
+            </a:r>
+            <a:r>
+              <a:rPr lang="mr-IN" sz="1600" dirty="0" smtClean="0">
+                <a:solidFill>
+                  <a:schemeClr val="bg1">
+                    <a:lumMod val="85000"/>
+                  </a:schemeClr>
+                </a:solidFill>
+                <a:latin typeface="SF Pro Display" charset="0"/>
+                <a:ea typeface="SF Pro Display" charset="0"/>
+                <a:cs typeface="SF Pro Display" charset="0"/>
+              </a:rPr>
+              <a:t>–</a:t>
+            </a:r>
+            <a:r>
+              <a:rPr lang="en-US" sz="1600" dirty="0" smtClean="0">
+                <a:solidFill>
+                  <a:schemeClr val="bg1">
+                    <a:lumMod val="85000"/>
+                  </a:schemeClr>
+                </a:solidFill>
+                <a:latin typeface="SF Pro Display" charset="0"/>
+                <a:ea typeface="SF Pro Display" charset="0"/>
+                <a:cs typeface="SF Pro Display" charset="0"/>
+              </a:rPr>
+              <a:t> how do you get, verify and validate a user’s identity and tie it to an on-chain entity (e.g. address)?</a:t>
+            </a:r>
+            <a:endParaRPr lang="en-US" sz="1600" dirty="0">
+              <a:solidFill>
+                <a:schemeClr val="bg1">
+                  <a:lumMod val="85000"/>
+                </a:schemeClr>
+              </a:solidFill>
+              <a:latin typeface="SF Pro Display" charset="0"/>
+              <a:ea typeface="SF Pro Display" charset="0"/>
+              <a:cs typeface="SF Pro Display" charset="0"/>
+            </a:endParaRPr>
+          </a:p>
+        </p:txBody>
+      </p:sp>
+      <p:sp>
+        <p:nvSpPr>
+          <p:cNvPr id="8" name="Title 1"/>
+          <p:cNvSpPr txBox="1">
+            <a:spLocks/>
+          </p:cNvSpPr>
+          <p:nvPr/>
+        </p:nvSpPr>
+        <p:spPr>
+          <a:xfrm>
+            <a:off x="389679" y="404538"/>
+            <a:ext cx="5222226" cy="664707"/>
+          </a:xfrm>
+          <a:prstGeom prst="rect">
+            <a:avLst/>
+          </a:prstGeom>
+        </p:spPr>
+        <p:txBody>
+          <a:bodyPr vert="horz" lIns="91440" tIns="45720" rIns="91440" bIns="45720" rtlCol="0" anchor="ctr">
+            <a:normAutofit fontScale="92500"/>
+          </a:bodyPr>
+          <a:lstStyle>
+            <a:lvl1pPr algn="l" defTabSz="914400" rtl="0" eaLnBrk="1" latinLnBrk="0" hangingPunct="1">
+              <a:lnSpc>
+                <a:spcPct val="90000"/>
+              </a:lnSpc>
+              <a:spcBef>
+                <a:spcPct val="0"/>
+              </a:spcBef>
+              <a:buNone/>
+              <a:defRPr sz="4400" b="1" i="0" kern="1200">
+                <a:solidFill>
+                  <a:schemeClr val="tx1"/>
+                </a:solidFill>
+                <a:latin typeface="SF Pro Display" charset="0"/>
+                <a:ea typeface="SF Pro Display" charset="0"/>
+                <a:cs typeface="SF Pro Display" charset="0"/>
+              </a:defRPr>
+            </a:lvl1pPr>
+          </a:lstStyle>
+          <a:p>
+            <a:r>
+              <a:rPr lang="en-US" sz="4000" smtClean="0"/>
+              <a:t>Decentralized Identity</a:t>
+            </a:r>
+            <a:endParaRPr lang="en-US" sz="4000" dirty="0"/>
+          </a:p>
+        </p:txBody>
+      </p:sp>
+      <p:sp>
+        <p:nvSpPr>
+          <p:cNvPr id="12" name="TextBox 11"/>
+          <p:cNvSpPr txBox="1"/>
+          <p:nvPr/>
+        </p:nvSpPr>
+        <p:spPr>
+          <a:xfrm>
+            <a:off x="676549" y="4280062"/>
+            <a:ext cx="4648486" cy="1692771"/>
+          </a:xfrm>
+          <a:prstGeom prst="rect">
+            <a:avLst/>
+          </a:prstGeom>
+          <a:noFill/>
+          <a:ln>
+            <a:solidFill>
+              <a:schemeClr val="tx1"/>
+            </a:solidFill>
+          </a:ln>
+        </p:spPr>
+        <p:txBody>
+          <a:bodyPr wrap="square" rtlCol="0">
+            <a:spAutoFit/>
+          </a:bodyPr>
+          <a:lstStyle/>
+          <a:p>
+            <a:r>
+              <a:rPr lang="en-US" sz="2800" b="1" dirty="0" smtClean="0">
+                <a:latin typeface="SF Pro Display" charset="0"/>
+                <a:ea typeface="SF Pro Display" charset="0"/>
+                <a:cs typeface="SF Pro Display" charset="0"/>
+              </a:rPr>
+              <a:t>Decentralized + Private </a:t>
+            </a:r>
+            <a:br>
+              <a:rPr lang="en-US" sz="2800" b="1" dirty="0" smtClean="0">
+                <a:latin typeface="SF Pro Display" charset="0"/>
+                <a:ea typeface="SF Pro Display" charset="0"/>
+                <a:cs typeface="SF Pro Display" charset="0"/>
+              </a:rPr>
+            </a:br>
+            <a:r>
+              <a:rPr lang="en-US" sz="2800" b="1" dirty="0" smtClean="0">
+                <a:latin typeface="SF Pro Display" charset="0"/>
+                <a:ea typeface="SF Pro Display" charset="0"/>
+                <a:cs typeface="SF Pro Display" charset="0"/>
+              </a:rPr>
+              <a:t>Data Storage</a:t>
+            </a:r>
+          </a:p>
+          <a:p>
+            <a:r>
+              <a:rPr lang="en-US" sz="1600" dirty="0" smtClean="0">
+                <a:latin typeface="SF Pro Display" charset="0"/>
+                <a:ea typeface="SF Pro Display" charset="0"/>
+                <a:cs typeface="SF Pro Display" charset="0"/>
+              </a:rPr>
+              <a:t>How do you verify data about users on chain, while still preserving data privacy?</a:t>
+            </a:r>
+          </a:p>
+          <a:p>
+            <a:endParaRPr lang="en-US" sz="1600" dirty="0">
+              <a:latin typeface="SF Pro Display" charset="0"/>
+              <a:ea typeface="SF Pro Display" charset="0"/>
+              <a:cs typeface="SF Pro Display" charset="0"/>
+            </a:endParaRPr>
+          </a:p>
+        </p:txBody>
+      </p:sp>
+      <p:sp>
+        <p:nvSpPr>
+          <p:cNvPr id="2" name="TextBox 1"/>
+          <p:cNvSpPr txBox="1"/>
+          <p:nvPr/>
+        </p:nvSpPr>
+        <p:spPr>
+          <a:xfrm>
+            <a:off x="2348753" y="1463233"/>
+            <a:ext cx="1127232" cy="369332"/>
+          </a:xfrm>
+          <a:prstGeom prst="rect">
+            <a:avLst/>
+          </a:prstGeom>
+          <a:noFill/>
+        </p:spPr>
+        <p:txBody>
+          <a:bodyPr wrap="none" rtlCol="0">
+            <a:spAutoFit/>
+          </a:bodyPr>
+          <a:lstStyle/>
+          <a:p>
+            <a:r>
+              <a:rPr lang="en-US" b="1" dirty="0" smtClean="0">
+                <a:latin typeface="SF Pro Display" charset="0"/>
+                <a:ea typeface="SF Pro Display" charset="0"/>
+                <a:cs typeface="SF Pro Display" charset="0"/>
+              </a:rPr>
+              <a:t>Problem:</a:t>
+            </a:r>
+            <a:endParaRPr lang="en-US" b="1" dirty="0">
+              <a:latin typeface="SF Pro Display" charset="0"/>
+              <a:ea typeface="SF Pro Display" charset="0"/>
+              <a:cs typeface="SF Pro Display" charset="0"/>
+            </a:endParaRPr>
+          </a:p>
+        </p:txBody>
+      </p:sp>
+      <p:cxnSp>
+        <p:nvCxnSpPr>
+          <p:cNvPr id="4" name="Straight Connector 3"/>
+          <p:cNvCxnSpPr/>
+          <p:nvPr/>
+        </p:nvCxnSpPr>
+        <p:spPr>
+          <a:xfrm>
+            <a:off x="6113929" y="1237129"/>
+            <a:ext cx="0" cy="5109883"/>
+          </a:xfrm>
+          <a:prstGeom prst="line">
+            <a:avLst/>
+          </a:prstGeom>
+          <a:ln w="38100">
+            <a:solidFill>
+              <a:schemeClr val="tx1"/>
+            </a:solidFill>
+          </a:ln>
+        </p:spPr>
+        <p:style>
+          <a:lnRef idx="1">
+            <a:schemeClr val="accent1"/>
+          </a:lnRef>
+          <a:fillRef idx="0">
+            <a:schemeClr val="accent1"/>
+          </a:fillRef>
+          <a:effectRef idx="0">
+            <a:schemeClr val="accent1"/>
+          </a:effectRef>
+          <a:fontRef idx="minor">
+            <a:schemeClr val="tx1"/>
+          </a:fontRef>
+        </p:style>
+      </p:cxnSp>
+      <p:sp>
+        <p:nvSpPr>
+          <p:cNvPr id="15" name="TextBox 14"/>
+          <p:cNvSpPr txBox="1"/>
+          <p:nvPr/>
+        </p:nvSpPr>
+        <p:spPr>
+          <a:xfrm>
+            <a:off x="8687961" y="1463233"/>
+            <a:ext cx="1053494" cy="369332"/>
+          </a:xfrm>
+          <a:prstGeom prst="rect">
+            <a:avLst/>
+          </a:prstGeom>
+          <a:noFill/>
+        </p:spPr>
+        <p:txBody>
+          <a:bodyPr wrap="none" rtlCol="0">
+            <a:spAutoFit/>
+          </a:bodyPr>
+          <a:lstStyle/>
+          <a:p>
+            <a:r>
+              <a:rPr lang="en-US" b="1" dirty="0" smtClean="0">
+                <a:latin typeface="SF Pro Display" charset="0"/>
+                <a:ea typeface="SF Pro Display" charset="0"/>
+                <a:cs typeface="SF Pro Display" charset="0"/>
+              </a:rPr>
+              <a:t>Solution</a:t>
+            </a:r>
+            <a:endParaRPr lang="en-US" b="1" dirty="0">
+              <a:latin typeface="SF Pro Display" charset="0"/>
+              <a:ea typeface="SF Pro Display" charset="0"/>
+              <a:cs typeface="SF Pro Display" charset="0"/>
+            </a:endParaRPr>
+          </a:p>
+        </p:txBody>
+      </p:sp>
+      <p:pic>
+        <p:nvPicPr>
+          <p:cNvPr id="11" name="Picture 8" descr="A close up of a sign&#10;&#10;Description generated with very high confidence">
+            <a:extLst>
+              <a:ext uri="{FF2B5EF4-FFF2-40B4-BE49-F238E27FC236}">
+                <a16:creationId xmlns:a16="http://schemas.microsoft.com/office/drawing/2014/main" xmlns="" id="{FBC76D31-C983-42EA-A1EA-5393C045CB34}"/>
+              </a:ext>
+            </a:extLst>
+          </p:cNvPr>
+          <p:cNvPicPr>
+            <a:picLocks noChangeAspect="1"/>
+          </p:cNvPicPr>
+          <p:nvPr/>
+        </p:nvPicPr>
+        <p:blipFill>
+          <a:blip r:embed="rId2"/>
+          <a:stretch>
+            <a:fillRect/>
+          </a:stretch>
+        </p:blipFill>
+        <p:spPr>
+          <a:xfrm>
+            <a:off x="7188317" y="3944232"/>
+            <a:ext cx="982195" cy="982195"/>
+          </a:xfrm>
+          <a:prstGeom prst="rect">
+            <a:avLst/>
+          </a:prstGeom>
+        </p:spPr>
+      </p:pic>
+      <p:pic>
+        <p:nvPicPr>
+          <p:cNvPr id="13" name="Picture 14" descr="A close up of a logo&#10;&#10;Description generated with very high confidence">
+            <a:extLst>
+              <a:ext uri="{FF2B5EF4-FFF2-40B4-BE49-F238E27FC236}">
+                <a16:creationId xmlns:a16="http://schemas.microsoft.com/office/drawing/2014/main" xmlns="" id="{22644681-E2A4-4B26-A490-D6AF153BADE0}"/>
+              </a:ext>
+            </a:extLst>
+          </p:cNvPr>
+          <p:cNvPicPr>
+            <a:picLocks noChangeAspect="1"/>
+          </p:cNvPicPr>
+          <p:nvPr/>
+        </p:nvPicPr>
+        <p:blipFill>
+          <a:blip r:embed="rId3"/>
+          <a:stretch>
+            <a:fillRect/>
+          </a:stretch>
+        </p:blipFill>
+        <p:spPr>
+          <a:xfrm>
+            <a:off x="6902824" y="4926427"/>
+            <a:ext cx="1553182" cy="975687"/>
+          </a:xfrm>
+          <a:prstGeom prst="rect">
+            <a:avLst/>
+          </a:prstGeom>
+        </p:spPr>
+      </p:pic>
+      <p:pic>
+        <p:nvPicPr>
+          <p:cNvPr id="14" name="Picture 13" descr="A close up of a logo&#10;&#10;Description generated with high confidence">
+            <a:extLst>
+              <a:ext uri="{FF2B5EF4-FFF2-40B4-BE49-F238E27FC236}">
+                <a16:creationId xmlns:a16="http://schemas.microsoft.com/office/drawing/2014/main" xmlns="" id="{E368F16C-42E4-4B91-908D-20C72319FE4C}"/>
+              </a:ext>
+            </a:extLst>
+          </p:cNvPr>
+          <p:cNvPicPr>
+            <a:picLocks noChangeAspect="1"/>
+          </p:cNvPicPr>
+          <p:nvPr/>
+        </p:nvPicPr>
+        <p:blipFill>
+          <a:blip r:embed="rId4"/>
+          <a:stretch>
+            <a:fillRect/>
+          </a:stretch>
+        </p:blipFill>
+        <p:spPr>
+          <a:xfrm>
+            <a:off x="9918147" y="3996375"/>
+            <a:ext cx="1300891" cy="1300891"/>
+          </a:xfrm>
+          <a:prstGeom prst="rect">
+            <a:avLst/>
+          </a:prstGeom>
+        </p:spPr>
+      </p:pic>
+      <p:pic>
+        <p:nvPicPr>
+          <p:cNvPr id="16" name="Picture 12">
+            <a:extLst>
+              <a:ext uri="{FF2B5EF4-FFF2-40B4-BE49-F238E27FC236}">
+                <a16:creationId xmlns:a16="http://schemas.microsoft.com/office/drawing/2014/main" xmlns="" id="{35A5FD5D-2DFB-41D2-B223-00B4EF1DDAF0}"/>
+              </a:ext>
+            </a:extLst>
+          </p:cNvPr>
+          <p:cNvPicPr>
+            <a:picLocks noChangeAspect="1"/>
+          </p:cNvPicPr>
+          <p:nvPr/>
+        </p:nvPicPr>
+        <p:blipFill>
+          <a:blip r:embed="rId5"/>
+          <a:stretch>
+            <a:fillRect/>
+          </a:stretch>
+        </p:blipFill>
+        <p:spPr>
+          <a:xfrm>
+            <a:off x="9799865" y="5297266"/>
+            <a:ext cx="1537457" cy="763966"/>
+          </a:xfrm>
+          <a:prstGeom prst="rect">
+            <a:avLst/>
+          </a:prstGeom>
+        </p:spPr>
+      </p:pic>
+      <p:pic>
+        <p:nvPicPr>
+          <p:cNvPr id="17" name="Picture 16" descr="A close up of a logo&#10;&#10;Description generated with very high confidence">
+            <a:extLst>
+              <a:ext uri="{FF2B5EF4-FFF2-40B4-BE49-F238E27FC236}">
+                <a16:creationId xmlns:a16="http://schemas.microsoft.com/office/drawing/2014/main" xmlns="" id="{3BF96D7F-B774-4C6D-973E-004884C7AECA}"/>
+              </a:ext>
+            </a:extLst>
+          </p:cNvPr>
+          <p:cNvPicPr>
+            <a:picLocks noChangeAspect="1"/>
+          </p:cNvPicPr>
+          <p:nvPr/>
+        </p:nvPicPr>
+        <p:blipFill>
+          <a:blip r:embed="rId6"/>
+          <a:stretch>
+            <a:fillRect/>
+          </a:stretch>
+        </p:blipFill>
+        <p:spPr>
+          <a:xfrm>
+            <a:off x="8786083" y="4497802"/>
+            <a:ext cx="857250" cy="857250"/>
+          </a:xfrm>
+          <a:prstGeom prst="rect">
+            <a:avLst/>
+          </a:prstGeom>
+        </p:spPr>
+      </p:pic>
+      <p:sp>
+        <p:nvSpPr>
+          <p:cNvPr id="18" name="TextBox 17"/>
+          <p:cNvSpPr txBox="1"/>
+          <p:nvPr/>
+        </p:nvSpPr>
+        <p:spPr>
+          <a:xfrm>
+            <a:off x="6910962" y="2251461"/>
+            <a:ext cx="4676062" cy="369332"/>
+          </a:xfrm>
+          <a:prstGeom prst="rect">
+            <a:avLst/>
+          </a:prstGeom>
+          <a:noFill/>
+        </p:spPr>
+        <p:txBody>
+          <a:bodyPr wrap="square" rtlCol="0">
+            <a:spAutoFit/>
+          </a:bodyPr>
+          <a:lstStyle/>
+          <a:p>
+            <a:r>
+              <a:rPr lang="en-US" dirty="0" smtClean="0">
+                <a:latin typeface="SF Pro Text" charset="0"/>
+                <a:ea typeface="SF Pro Text" charset="0"/>
+                <a:cs typeface="SF Pro Text" charset="0"/>
+              </a:rPr>
+              <a:t>&lt;&lt;Edit here&gt;&gt;</a:t>
+            </a:r>
+            <a:endParaRPr lang="en-US" dirty="0">
+              <a:latin typeface="SF Pro Text" charset="0"/>
+              <a:ea typeface="SF Pro Text" charset="0"/>
+              <a:cs typeface="SF Pro Text" charset="0"/>
+            </a:endParaRPr>
+          </a:p>
+        </p:txBody>
+      </p:sp>
+    </p:spTree>
+    <p:extLst>
+      <p:ext uri="{BB962C8B-B14F-4D97-AF65-F5344CB8AC3E}">
+        <p14:creationId xmlns:p14="http://schemas.microsoft.com/office/powerpoint/2010/main" val="1341331720"/>
+      </p:ext>
+    </p:extLst>
+  </p:cSld>
+  <p:clrMapOvr>
+    <a:masterClrMapping/>
+  </p:clrMapOvr>
+</p:sld>
+</file>
+
+<file path=ppt/slides/slide2.xml><?xml version="1.0" encoding="utf-8"?>
+<p:sld xmlns:a="http://schemas.openxmlformats.org/drawingml/2006/main" xmlns:r="http://schemas.openxmlformats.org/officeDocument/2006/relationships" xmlns:p="http://schemas.openxmlformats.org/presentationml/2006/main">
+  <p:cSld>
+    <p:spTree>
+      <p:nvGrpSpPr>
+        <p:cNvPr id="1" name=""/>
+        <p:cNvGrpSpPr/>
+        <p:nvPr/>
+      </p:nvGrpSpPr>
+      <p:grpSpPr>
+        <a:xfrm>
+          <a:off x="0" y="0"/>
+          <a:ext cx="0" cy="0"/>
+          <a:chOff x="0" y="0"/>
+          <a:chExt cx="0" cy="0"/>
+        </a:xfrm>
+      </p:grpSpPr>
+      <p:sp>
+        <p:nvSpPr>
+          <p:cNvPr id="2" name="Title 1"/>
+          <p:cNvSpPr>
+            <a:spLocks noGrp="1"/>
+          </p:cNvSpPr>
+          <p:nvPr>
+            <p:ph type="ctrTitle"/>
+          </p:nvPr>
+        </p:nvSpPr>
+        <p:spPr/>
+        <p:txBody>
+          <a:bodyPr/>
+          <a:lstStyle/>
+          <a:p>
+            <a:r>
+              <a:rPr lang="en-US" dirty="0" smtClean="0"/>
+              <a:t>Hi!</a:t>
+            </a:r>
+            <a:endParaRPr lang="en-US" dirty="0"/>
+          </a:p>
+        </p:txBody>
+      </p:sp>
+    </p:spTree>
+    <p:extLst>
+      <p:ext uri="{BB962C8B-B14F-4D97-AF65-F5344CB8AC3E}">
+        <p14:creationId xmlns:p14="http://schemas.microsoft.com/office/powerpoint/2010/main" val="130058242"/>
+      </p:ext>
+    </p:extLst>
+  </p:cSld>
+  <p:clrMapOvr>
+    <a:masterClrMapping/>
+  </p:clrMapOvr>
+</p:sld>
+</file>
+
+<file path=ppt/slides/slide20.xml><?xml version="1.0" encoding="utf-8"?>
+<p:sld xmlns:a="http://schemas.openxmlformats.org/drawingml/2006/main" xmlns:r="http://schemas.openxmlformats.org/officeDocument/2006/relationships" xmlns:p="http://schemas.openxmlformats.org/presentationml/2006/main">
+  <p:cSld>
+    <p:spTree>
+      <p:nvGrpSpPr>
+        <p:cNvPr id="1" name=""/>
+        <p:cNvGrpSpPr/>
+        <p:nvPr/>
+      </p:nvGrpSpPr>
+      <p:grpSpPr>
+        <a:xfrm>
+          <a:off x="0" y="0"/>
+          <a:ext cx="0" cy="0"/>
+          <a:chOff x="0" y="0"/>
+          <a:chExt cx="0" cy="0"/>
+        </a:xfrm>
+      </p:grpSpPr>
+      <p:sp>
+        <p:nvSpPr>
+          <p:cNvPr id="8" name="Title 1"/>
+          <p:cNvSpPr txBox="1">
+            <a:spLocks/>
+          </p:cNvSpPr>
+          <p:nvPr/>
+        </p:nvSpPr>
+        <p:spPr>
+          <a:xfrm>
+            <a:off x="389679" y="404538"/>
+            <a:ext cx="5222226" cy="664707"/>
+          </a:xfrm>
+          <a:prstGeom prst="rect">
+            <a:avLst/>
+          </a:prstGeom>
+        </p:spPr>
+        <p:txBody>
+          <a:bodyPr vert="horz" lIns="91440" tIns="45720" rIns="91440" bIns="45720" rtlCol="0" anchor="ctr">
+            <a:normAutofit fontScale="85000" lnSpcReduction="10000"/>
+          </a:bodyPr>
+          <a:lstStyle>
+            <a:lvl1pPr algn="l" defTabSz="914400" rtl="0" eaLnBrk="1" latinLnBrk="0" hangingPunct="1">
+              <a:lnSpc>
+                <a:spcPct val="90000"/>
+              </a:lnSpc>
+              <a:spcBef>
+                <a:spcPct val="0"/>
+              </a:spcBef>
+              <a:buNone/>
+              <a:defRPr sz="4400" b="1" i="0" kern="1200">
+                <a:solidFill>
+                  <a:schemeClr val="tx1"/>
+                </a:solidFill>
+                <a:latin typeface="SF Pro Display" charset="0"/>
+                <a:ea typeface="SF Pro Display" charset="0"/>
+                <a:cs typeface="SF Pro Display" charset="0"/>
+              </a:defRPr>
+            </a:lvl1pPr>
+          </a:lstStyle>
+          <a:p>
+            <a:r>
+              <a:rPr lang="en-US" sz="4000" dirty="0" err="1" smtClean="0"/>
+              <a:t>Stablecoin</a:t>
+            </a:r>
+            <a:r>
+              <a:rPr lang="en-US" sz="4000" dirty="0" smtClean="0"/>
+              <a:t> Interest Rates</a:t>
+            </a:r>
+            <a:endParaRPr lang="en-US" sz="4000" dirty="0"/>
+          </a:p>
+        </p:txBody>
+      </p:sp>
+      <p:sp>
+        <p:nvSpPr>
+          <p:cNvPr id="2" name="TextBox 1"/>
+          <p:cNvSpPr txBox="1"/>
+          <p:nvPr/>
+        </p:nvSpPr>
+        <p:spPr>
+          <a:xfrm>
+            <a:off x="2348753" y="1463233"/>
+            <a:ext cx="1127232" cy="369332"/>
+          </a:xfrm>
+          <a:prstGeom prst="rect">
+            <a:avLst/>
+          </a:prstGeom>
+          <a:noFill/>
+        </p:spPr>
+        <p:txBody>
+          <a:bodyPr wrap="none" rtlCol="0">
+            <a:spAutoFit/>
+          </a:bodyPr>
+          <a:lstStyle/>
+          <a:p>
+            <a:r>
+              <a:rPr lang="en-US" b="1" dirty="0" smtClean="0">
+                <a:latin typeface="SF Pro Display" charset="0"/>
+                <a:ea typeface="SF Pro Display" charset="0"/>
+                <a:cs typeface="SF Pro Display" charset="0"/>
+              </a:rPr>
+              <a:t>Problem:</a:t>
+            </a:r>
+            <a:endParaRPr lang="en-US" b="1" dirty="0">
+              <a:latin typeface="SF Pro Display" charset="0"/>
+              <a:ea typeface="SF Pro Display" charset="0"/>
+              <a:cs typeface="SF Pro Display" charset="0"/>
+            </a:endParaRPr>
+          </a:p>
+        </p:txBody>
+      </p:sp>
+      <p:cxnSp>
+        <p:nvCxnSpPr>
+          <p:cNvPr id="4" name="Straight Connector 3"/>
+          <p:cNvCxnSpPr/>
+          <p:nvPr/>
+        </p:nvCxnSpPr>
+        <p:spPr>
+          <a:xfrm>
+            <a:off x="6113929" y="1237129"/>
+            <a:ext cx="0" cy="5109883"/>
+          </a:xfrm>
+          <a:prstGeom prst="line">
+            <a:avLst/>
+          </a:prstGeom>
+          <a:ln w="38100">
+            <a:solidFill>
+              <a:schemeClr val="tx1"/>
+            </a:solidFill>
+          </a:ln>
+        </p:spPr>
+        <p:style>
+          <a:lnRef idx="1">
+            <a:schemeClr val="accent1"/>
+          </a:lnRef>
+          <a:fillRef idx="0">
+            <a:schemeClr val="accent1"/>
+          </a:fillRef>
+          <a:effectRef idx="0">
+            <a:schemeClr val="accent1"/>
+          </a:effectRef>
+          <a:fontRef idx="minor">
+            <a:schemeClr val="tx1"/>
+          </a:fontRef>
+        </p:style>
+      </p:cxnSp>
+      <p:sp>
+        <p:nvSpPr>
+          <p:cNvPr id="15" name="TextBox 14"/>
+          <p:cNvSpPr txBox="1"/>
+          <p:nvPr/>
+        </p:nvSpPr>
+        <p:spPr>
+          <a:xfrm>
+            <a:off x="8687961" y="1463233"/>
+            <a:ext cx="1053494" cy="369332"/>
+          </a:xfrm>
+          <a:prstGeom prst="rect">
+            <a:avLst/>
+          </a:prstGeom>
+          <a:noFill/>
+        </p:spPr>
+        <p:txBody>
+          <a:bodyPr wrap="none" rtlCol="0">
+            <a:spAutoFit/>
+          </a:bodyPr>
+          <a:lstStyle/>
+          <a:p>
+            <a:r>
+              <a:rPr lang="en-US" b="1" dirty="0" smtClean="0">
+                <a:latin typeface="SF Pro Display" charset="0"/>
+                <a:ea typeface="SF Pro Display" charset="0"/>
+                <a:cs typeface="SF Pro Display" charset="0"/>
+              </a:rPr>
+              <a:t>Solution</a:t>
+            </a:r>
+            <a:endParaRPr lang="en-US" b="1" dirty="0">
+              <a:latin typeface="SF Pro Display" charset="0"/>
+              <a:ea typeface="SF Pro Display" charset="0"/>
+              <a:cs typeface="SF Pro Display" charset="0"/>
+            </a:endParaRPr>
+          </a:p>
+        </p:txBody>
+      </p:sp>
+      <p:sp>
+        <p:nvSpPr>
+          <p:cNvPr id="18" name="TextBox 17"/>
+          <p:cNvSpPr txBox="1"/>
+          <p:nvPr/>
+        </p:nvSpPr>
+        <p:spPr>
+          <a:xfrm>
+            <a:off x="6910962" y="2251461"/>
+            <a:ext cx="4676062" cy="1200329"/>
+          </a:xfrm>
+          <a:prstGeom prst="rect">
+            <a:avLst/>
+          </a:prstGeom>
+          <a:noFill/>
+        </p:spPr>
+        <p:txBody>
+          <a:bodyPr wrap="square" rtlCol="0">
+            <a:spAutoFit/>
+          </a:bodyPr>
+          <a:lstStyle/>
+          <a:p>
+            <a:r>
+              <a:rPr lang="en-US" dirty="0" smtClean="0">
+                <a:latin typeface="SF Pro Text" charset="0"/>
+                <a:ea typeface="SF Pro Text" charset="0"/>
+                <a:cs typeface="SF Pro Text" charset="0"/>
+              </a:rPr>
+              <a:t>Fiat-collateralized </a:t>
+            </a:r>
+            <a:r>
+              <a:rPr lang="en-US" dirty="0" err="1" smtClean="0">
+                <a:latin typeface="SF Pro Text" charset="0"/>
+                <a:ea typeface="SF Pro Text" charset="0"/>
+                <a:cs typeface="SF Pro Text" charset="0"/>
+              </a:rPr>
+              <a:t>stablecoins</a:t>
+            </a:r>
+            <a:r>
+              <a:rPr lang="en-US" dirty="0">
+                <a:latin typeface="SF Pro Text" charset="0"/>
+                <a:ea typeface="SF Pro Text" charset="0"/>
+                <a:cs typeface="SF Pro Text" charset="0"/>
+              </a:rPr>
+              <a:t> </a:t>
+            </a:r>
+            <a:r>
+              <a:rPr lang="en-US" dirty="0" smtClean="0">
+                <a:latin typeface="SF Pro Text" charset="0"/>
+                <a:ea typeface="SF Pro Text" charset="0"/>
+                <a:cs typeface="SF Pro Text" charset="0"/>
+              </a:rPr>
+              <a:t>are unaffected by MKR stability fees and provide more predictability over 10-year term</a:t>
+            </a:r>
+            <a:endParaRPr lang="en-US" dirty="0">
+              <a:latin typeface="SF Pro Text" charset="0"/>
+              <a:ea typeface="SF Pro Text" charset="0"/>
+              <a:cs typeface="SF Pro Text" charset="0"/>
+            </a:endParaRPr>
+          </a:p>
+        </p:txBody>
+      </p:sp>
+      <p:sp>
+        <p:nvSpPr>
+          <p:cNvPr id="19" name="TextBox 18"/>
+          <p:cNvSpPr txBox="1"/>
+          <p:nvPr/>
+        </p:nvSpPr>
+        <p:spPr>
+          <a:xfrm>
+            <a:off x="519952" y="2188561"/>
+            <a:ext cx="4978405" cy="1569660"/>
+          </a:xfrm>
+          <a:prstGeom prst="rect">
+            <a:avLst/>
+          </a:prstGeom>
+          <a:noFill/>
+          <a:ln>
+            <a:solidFill>
+              <a:schemeClr val="tx1"/>
+            </a:solidFill>
+          </a:ln>
+        </p:spPr>
+        <p:txBody>
+          <a:bodyPr wrap="square" rtlCol="0">
+            <a:spAutoFit/>
+          </a:bodyPr>
+          <a:lstStyle/>
+          <a:p>
+            <a:r>
+              <a:rPr lang="en-US" sz="2800" b="1" dirty="0" err="1" smtClean="0">
+                <a:latin typeface="SF Pro Display" charset="0"/>
+                <a:ea typeface="SF Pro Display" charset="0"/>
+                <a:cs typeface="SF Pro Display" charset="0"/>
+              </a:rPr>
+              <a:t>Stablecoin</a:t>
+            </a:r>
+            <a:r>
+              <a:rPr lang="en-US" sz="2800" b="1" dirty="0" smtClean="0">
+                <a:latin typeface="SF Pro Display" charset="0"/>
+                <a:ea typeface="SF Pro Display" charset="0"/>
+                <a:cs typeface="SF Pro Display" charset="0"/>
+              </a:rPr>
+              <a:t> Interest Rates</a:t>
+            </a:r>
+            <a:endParaRPr lang="en-US" sz="2800" dirty="0" smtClean="0">
+              <a:latin typeface="SF Pro Display" charset="0"/>
+              <a:ea typeface="SF Pro Display" charset="0"/>
+              <a:cs typeface="SF Pro Display" charset="0"/>
+            </a:endParaRPr>
+          </a:p>
+          <a:p>
+            <a:r>
+              <a:rPr lang="en-US" sz="1600" dirty="0" smtClean="0">
+                <a:latin typeface="SF Pro Display" charset="0"/>
+                <a:ea typeface="SF Pro Display" charset="0"/>
+                <a:cs typeface="SF Pro Display" charset="0"/>
+              </a:rPr>
+              <a:t>With the Dai stability fees causing interest rates to rise to 14.5%, how can we issue low-interest loans using </a:t>
+            </a:r>
+            <a:r>
+              <a:rPr lang="en-US" sz="1600" dirty="0" err="1" smtClean="0">
+                <a:latin typeface="SF Pro Display" charset="0"/>
+                <a:ea typeface="SF Pro Display" charset="0"/>
+                <a:cs typeface="SF Pro Display" charset="0"/>
+              </a:rPr>
+              <a:t>Stablecoins</a:t>
+            </a:r>
+            <a:r>
+              <a:rPr lang="en-US" sz="1600" dirty="0" smtClean="0">
+                <a:latin typeface="SF Pro Display" charset="0"/>
+                <a:ea typeface="SF Pro Display" charset="0"/>
+                <a:cs typeface="SF Pro Display" charset="0"/>
+              </a:rPr>
+              <a:t>?</a:t>
+            </a:r>
+          </a:p>
+          <a:p>
+            <a:endParaRPr lang="en-US" sz="2000" dirty="0" smtClean="0">
+              <a:latin typeface="SF Pro Display" charset="0"/>
+              <a:ea typeface="SF Pro Display" charset="0"/>
+              <a:cs typeface="SF Pro Display" charset="0"/>
+            </a:endParaRPr>
+          </a:p>
+        </p:txBody>
+      </p:sp>
+      <p:pic>
+        <p:nvPicPr>
+          <p:cNvPr id="3" name="Picture 2"/>
+          <p:cNvPicPr>
+            <a:picLocks noChangeAspect="1"/>
+          </p:cNvPicPr>
+          <p:nvPr/>
+        </p:nvPicPr>
+        <p:blipFill>
+          <a:blip r:embed="rId2"/>
+          <a:stretch>
+            <a:fillRect/>
+          </a:stretch>
+        </p:blipFill>
+        <p:spPr>
+          <a:xfrm>
+            <a:off x="898617" y="4497802"/>
+            <a:ext cx="4256572" cy="1678252"/>
+          </a:xfrm>
+          <a:prstGeom prst="rect">
+            <a:avLst/>
+          </a:prstGeom>
+        </p:spPr>
+      </p:pic>
+      <p:sp>
+        <p:nvSpPr>
+          <p:cNvPr id="20" name="Title 1"/>
+          <p:cNvSpPr txBox="1">
+            <a:spLocks/>
+          </p:cNvSpPr>
+          <p:nvPr/>
+        </p:nvSpPr>
+        <p:spPr>
+          <a:xfrm>
+            <a:off x="4429012" y="4212830"/>
+            <a:ext cx="1162707" cy="664707"/>
+          </a:xfrm>
+          <a:prstGeom prst="rect">
+            <a:avLst/>
+          </a:prstGeom>
+        </p:spPr>
+        <p:txBody>
+          <a:bodyPr vert="horz" lIns="91440" tIns="45720" rIns="91440" bIns="45720" rtlCol="0" anchor="ctr">
+            <a:normAutofit/>
+          </a:bodyPr>
+          <a:lstStyle>
+            <a:lvl1pPr algn="l" defTabSz="914400" rtl="0" eaLnBrk="1" latinLnBrk="0" hangingPunct="1">
+              <a:lnSpc>
+                <a:spcPct val="90000"/>
+              </a:lnSpc>
+              <a:spcBef>
+                <a:spcPct val="0"/>
+              </a:spcBef>
+              <a:buNone/>
+              <a:defRPr sz="4400" b="1" i="0" kern="1200">
+                <a:solidFill>
+                  <a:schemeClr val="tx1"/>
+                </a:solidFill>
+                <a:latin typeface="SF Pro Display" charset="0"/>
+                <a:ea typeface="SF Pro Display" charset="0"/>
+                <a:cs typeface="SF Pro Display" charset="0"/>
+              </a:defRPr>
+            </a:lvl1pPr>
+          </a:lstStyle>
+          <a:p>
+            <a:r>
+              <a:rPr lang="en-US" sz="2400" dirty="0" smtClean="0"/>
+              <a:t>14.5%</a:t>
+            </a:r>
+            <a:endParaRPr lang="en-US" sz="2400" dirty="0"/>
+          </a:p>
+        </p:txBody>
+      </p:sp>
+      <p:pic>
+        <p:nvPicPr>
+          <p:cNvPr id="21" name="Picture 20"/>
+          <p:cNvPicPr>
+            <a:picLocks noChangeAspect="1"/>
+          </p:cNvPicPr>
+          <p:nvPr/>
+        </p:nvPicPr>
+        <p:blipFill>
+          <a:blip r:embed="rId3"/>
+          <a:stretch>
+            <a:fillRect/>
+          </a:stretch>
+        </p:blipFill>
+        <p:spPr>
+          <a:xfrm>
+            <a:off x="6729502" y="3922391"/>
+            <a:ext cx="1956082" cy="2509640"/>
+          </a:xfrm>
+          <a:prstGeom prst="rect">
+            <a:avLst/>
+          </a:prstGeom>
+        </p:spPr>
+      </p:pic>
+      <p:pic>
+        <p:nvPicPr>
+          <p:cNvPr id="5" name="Picture 4"/>
+          <p:cNvPicPr>
+            <a:picLocks noChangeAspect="1"/>
+          </p:cNvPicPr>
+          <p:nvPr/>
+        </p:nvPicPr>
+        <p:blipFill>
+          <a:blip r:embed="rId4"/>
+          <a:stretch>
+            <a:fillRect/>
+          </a:stretch>
+        </p:blipFill>
+        <p:spPr>
+          <a:xfrm>
+            <a:off x="9074110" y="4545183"/>
+            <a:ext cx="2044269" cy="799147"/>
+          </a:xfrm>
+          <a:prstGeom prst="rect">
+            <a:avLst/>
+          </a:prstGeom>
+        </p:spPr>
+      </p:pic>
+    </p:spTree>
+    <p:extLst>
+      <p:ext uri="{BB962C8B-B14F-4D97-AF65-F5344CB8AC3E}">
+        <p14:creationId xmlns:p14="http://schemas.microsoft.com/office/powerpoint/2010/main" val="723871595"/>
+      </p:ext>
+    </p:extLst>
+  </p:cSld>
+  <p:clrMapOvr>
+    <a:masterClrMapping/>
+  </p:clrMapOvr>
+</p:sld>
+</file>
+
+<file path=ppt/slides/slide21.xml><?xml version="1.0" encoding="utf-8"?>
+<p:sld xmlns:a="http://schemas.openxmlformats.org/drawingml/2006/main" xmlns:r="http://schemas.openxmlformats.org/officeDocument/2006/relationships" xmlns:p="http://schemas.openxmlformats.org/presentationml/2006/main">
+  <p:cSld>
+    <p:spTree>
+      <p:nvGrpSpPr>
+        <p:cNvPr id="1" name=""/>
+        <p:cNvGrpSpPr/>
+        <p:nvPr/>
+      </p:nvGrpSpPr>
+      <p:grpSpPr>
+        <a:xfrm>
+          <a:off x="0" y="0"/>
+          <a:ext cx="0" cy="0"/>
+          <a:chOff x="0" y="0"/>
+          <a:chExt cx="0" cy="0"/>
+        </a:xfrm>
+      </p:grpSpPr>
+      <p:sp>
+        <p:nvSpPr>
+          <p:cNvPr id="7" name="TextBox 6"/>
+          <p:cNvSpPr txBox="1"/>
+          <p:nvPr/>
+        </p:nvSpPr>
+        <p:spPr>
+          <a:xfrm>
+            <a:off x="425537" y="1667738"/>
+            <a:ext cx="3478307" cy="2369880"/>
+          </a:xfrm>
+          <a:prstGeom prst="rect">
+            <a:avLst/>
+          </a:prstGeom>
+          <a:noFill/>
+          <a:ln>
+            <a:solidFill>
+              <a:schemeClr val="tx1"/>
+            </a:solidFill>
+          </a:ln>
+        </p:spPr>
+        <p:txBody>
+          <a:bodyPr wrap="square" rtlCol="0">
+            <a:spAutoFit/>
+          </a:bodyPr>
+          <a:lstStyle/>
+          <a:p>
+            <a:r>
+              <a:rPr lang="en-US" sz="2800" b="1" dirty="0" smtClean="0">
+                <a:latin typeface="SF Pro Display" charset="0"/>
+                <a:ea typeface="SF Pro Display" charset="0"/>
+                <a:cs typeface="SF Pro Display" charset="0"/>
+              </a:rPr>
+              <a:t>Trusted Decentralized Identity</a:t>
+            </a:r>
+          </a:p>
+          <a:p>
+            <a:r>
+              <a:rPr lang="en-US" sz="1600" dirty="0" smtClean="0">
+                <a:latin typeface="SF Pro Display" charset="0"/>
+                <a:ea typeface="SF Pro Display" charset="0"/>
+                <a:cs typeface="SF Pro Display" charset="0"/>
+              </a:rPr>
+              <a:t>Oracle problem </a:t>
+            </a:r>
+            <a:r>
+              <a:rPr lang="mr-IN" sz="1600" dirty="0" smtClean="0">
+                <a:latin typeface="SF Pro Display" charset="0"/>
+                <a:ea typeface="SF Pro Display" charset="0"/>
+                <a:cs typeface="SF Pro Display" charset="0"/>
+              </a:rPr>
+              <a:t>–</a:t>
+            </a:r>
+            <a:r>
+              <a:rPr lang="en-US" sz="1600" dirty="0" smtClean="0">
+                <a:latin typeface="SF Pro Display" charset="0"/>
+                <a:ea typeface="SF Pro Display" charset="0"/>
+                <a:cs typeface="SF Pro Display" charset="0"/>
+              </a:rPr>
+              <a:t> how do you get, verify and validate a user’s identity and tie it to an on-chain entity (e.g. address)?</a:t>
+            </a:r>
+            <a:endParaRPr lang="en-US" sz="1600" dirty="0">
+              <a:latin typeface="SF Pro Display" charset="0"/>
+              <a:ea typeface="SF Pro Display" charset="0"/>
+              <a:cs typeface="SF Pro Display" charset="0"/>
+            </a:endParaRPr>
+          </a:p>
+        </p:txBody>
+      </p:sp>
+      <p:sp>
+        <p:nvSpPr>
+          <p:cNvPr id="8" name="Title 1"/>
+          <p:cNvSpPr txBox="1">
+            <a:spLocks/>
+          </p:cNvSpPr>
+          <p:nvPr/>
+        </p:nvSpPr>
+        <p:spPr>
+          <a:xfrm>
+            <a:off x="389679" y="404538"/>
+            <a:ext cx="5222226" cy="664707"/>
+          </a:xfrm>
+          <a:prstGeom prst="rect">
+            <a:avLst/>
+          </a:prstGeom>
+        </p:spPr>
+        <p:txBody>
+          <a:bodyPr vert="horz" lIns="91440" tIns="45720" rIns="91440" bIns="45720" rtlCol="0" anchor="ctr">
+            <a:normAutofit fontScale="92500"/>
+          </a:bodyPr>
+          <a:lstStyle>
+            <a:lvl1pPr algn="l" defTabSz="914400" rtl="0" eaLnBrk="1" latinLnBrk="0" hangingPunct="1">
+              <a:lnSpc>
+                <a:spcPct val="90000"/>
+              </a:lnSpc>
+              <a:spcBef>
+                <a:spcPct val="0"/>
+              </a:spcBef>
+              <a:buNone/>
+              <a:defRPr sz="4400" b="1" i="0" kern="1200">
+                <a:solidFill>
+                  <a:schemeClr val="tx1"/>
+                </a:solidFill>
+                <a:latin typeface="SF Pro Display" charset="0"/>
+                <a:ea typeface="SF Pro Display" charset="0"/>
+                <a:cs typeface="SF Pro Display" charset="0"/>
+              </a:defRPr>
+            </a:lvl1pPr>
+          </a:lstStyle>
+          <a:p>
+            <a:r>
+              <a:rPr lang="en-US" sz="4000" smtClean="0"/>
+              <a:t>Decentralized Identity</a:t>
+            </a:r>
+            <a:endParaRPr lang="en-US" sz="4000" dirty="0"/>
+          </a:p>
+        </p:txBody>
+      </p:sp>
+      <p:sp>
+        <p:nvSpPr>
+          <p:cNvPr id="11" name="TextBox 10"/>
+          <p:cNvSpPr txBox="1"/>
+          <p:nvPr/>
+        </p:nvSpPr>
+        <p:spPr>
+          <a:xfrm>
+            <a:off x="8032376" y="1444334"/>
+            <a:ext cx="3657600" cy="2246769"/>
+          </a:xfrm>
+          <a:prstGeom prst="rect">
+            <a:avLst/>
+          </a:prstGeom>
+          <a:noFill/>
+          <a:ln>
+            <a:solidFill>
+              <a:schemeClr val="tx1"/>
+            </a:solidFill>
+          </a:ln>
+        </p:spPr>
+        <p:txBody>
+          <a:bodyPr wrap="square" rtlCol="0">
+            <a:spAutoFit/>
+          </a:bodyPr>
+          <a:lstStyle/>
+          <a:p>
+            <a:r>
+              <a:rPr lang="en-US" sz="2800" b="1" dirty="0" err="1" smtClean="0">
+                <a:latin typeface="SF Pro Display" charset="0"/>
+                <a:ea typeface="SF Pro Display" charset="0"/>
+                <a:cs typeface="SF Pro Display" charset="0"/>
+              </a:rPr>
+              <a:t>Stablecoin</a:t>
+            </a:r>
+            <a:r>
+              <a:rPr lang="en-US" sz="2800" b="1" dirty="0" smtClean="0">
+                <a:latin typeface="SF Pro Display" charset="0"/>
+                <a:ea typeface="SF Pro Display" charset="0"/>
+                <a:cs typeface="SF Pro Display" charset="0"/>
+              </a:rPr>
+              <a:t> Interest Rates</a:t>
+            </a:r>
+            <a:endParaRPr lang="en-US" sz="2800" dirty="0" smtClean="0">
+              <a:latin typeface="SF Pro Display" charset="0"/>
+              <a:ea typeface="SF Pro Display" charset="0"/>
+              <a:cs typeface="SF Pro Display" charset="0"/>
+            </a:endParaRPr>
+          </a:p>
+          <a:p>
+            <a:r>
+              <a:rPr lang="en-US" sz="1600" dirty="0" smtClean="0">
+                <a:latin typeface="SF Pro Display" charset="0"/>
+                <a:ea typeface="SF Pro Display" charset="0"/>
+                <a:cs typeface="SF Pro Display" charset="0"/>
+              </a:rPr>
+              <a:t>With the Dai stability fees causing interest rates to rise to 14.5%, how can we issue low-interest loans using </a:t>
+            </a:r>
+            <a:r>
+              <a:rPr lang="en-US" sz="1600" dirty="0" err="1" smtClean="0">
+                <a:latin typeface="SF Pro Display" charset="0"/>
+                <a:ea typeface="SF Pro Display" charset="0"/>
+                <a:cs typeface="SF Pro Display" charset="0"/>
+              </a:rPr>
+              <a:t>Stablecoins</a:t>
+            </a:r>
+            <a:r>
+              <a:rPr lang="en-US" sz="1600" dirty="0" smtClean="0">
+                <a:latin typeface="SF Pro Display" charset="0"/>
+                <a:ea typeface="SF Pro Display" charset="0"/>
+                <a:cs typeface="SF Pro Display" charset="0"/>
+              </a:rPr>
+              <a:t>?</a:t>
+            </a:r>
+          </a:p>
+          <a:p>
+            <a:endParaRPr lang="en-US" sz="2000" dirty="0" smtClean="0">
+              <a:latin typeface="SF Pro Display" charset="0"/>
+              <a:ea typeface="SF Pro Display" charset="0"/>
+              <a:cs typeface="SF Pro Display" charset="0"/>
+            </a:endParaRPr>
+          </a:p>
+        </p:txBody>
+      </p:sp>
+      <p:sp>
+        <p:nvSpPr>
+          <p:cNvPr id="12" name="TextBox 11"/>
+          <p:cNvSpPr txBox="1"/>
+          <p:nvPr/>
+        </p:nvSpPr>
+        <p:spPr>
+          <a:xfrm>
+            <a:off x="4204446" y="1677719"/>
+            <a:ext cx="3478307" cy="2369880"/>
+          </a:xfrm>
+          <a:prstGeom prst="rect">
+            <a:avLst/>
+          </a:prstGeom>
+          <a:noFill/>
+          <a:ln>
+            <a:solidFill>
+              <a:schemeClr val="tx1"/>
+            </a:solidFill>
+          </a:ln>
+        </p:spPr>
+        <p:txBody>
+          <a:bodyPr wrap="square" rtlCol="0">
+            <a:spAutoFit/>
+          </a:bodyPr>
+          <a:lstStyle/>
+          <a:p>
+            <a:r>
+              <a:rPr lang="en-US" sz="2800" b="1" dirty="0" smtClean="0">
+                <a:latin typeface="SF Pro Display" charset="0"/>
+                <a:ea typeface="SF Pro Display" charset="0"/>
+                <a:cs typeface="SF Pro Display" charset="0"/>
+              </a:rPr>
+              <a:t>Decentralized + Private </a:t>
+            </a:r>
+            <a:br>
+              <a:rPr lang="en-US" sz="2800" b="1" dirty="0" smtClean="0">
+                <a:latin typeface="SF Pro Display" charset="0"/>
+                <a:ea typeface="SF Pro Display" charset="0"/>
+                <a:cs typeface="SF Pro Display" charset="0"/>
+              </a:rPr>
+            </a:br>
+            <a:r>
+              <a:rPr lang="en-US" sz="2800" b="1" dirty="0" smtClean="0">
+                <a:latin typeface="SF Pro Display" charset="0"/>
+                <a:ea typeface="SF Pro Display" charset="0"/>
+                <a:cs typeface="SF Pro Display" charset="0"/>
+              </a:rPr>
+              <a:t>Data Storage</a:t>
+            </a:r>
+          </a:p>
+          <a:p>
+            <a:r>
+              <a:rPr lang="en-US" sz="1600" dirty="0" smtClean="0">
+                <a:latin typeface="SF Pro Display" charset="0"/>
+                <a:ea typeface="SF Pro Display" charset="0"/>
+                <a:cs typeface="SF Pro Display" charset="0"/>
+              </a:rPr>
+              <a:t>How do you verify data about users on chain, while still preserving data privacy?</a:t>
+            </a:r>
+          </a:p>
+          <a:p>
+            <a:endParaRPr lang="en-US" sz="1600" dirty="0">
+              <a:latin typeface="SF Pro Display" charset="0"/>
+              <a:ea typeface="SF Pro Display" charset="0"/>
+              <a:cs typeface="SF Pro Display" charset="0"/>
+            </a:endParaRPr>
+          </a:p>
+        </p:txBody>
+      </p:sp>
+      <p:sp>
+        <p:nvSpPr>
+          <p:cNvPr id="13" name="TextBox 12"/>
+          <p:cNvSpPr txBox="1"/>
+          <p:nvPr/>
+        </p:nvSpPr>
+        <p:spPr>
+          <a:xfrm>
+            <a:off x="609599" y="4261021"/>
+            <a:ext cx="7189695" cy="1692771"/>
+          </a:xfrm>
+          <a:prstGeom prst="rect">
+            <a:avLst/>
+          </a:prstGeom>
+          <a:noFill/>
+          <a:ln>
+            <a:solidFill>
+              <a:schemeClr val="tx1"/>
+            </a:solidFill>
+          </a:ln>
+        </p:spPr>
+        <p:txBody>
+          <a:bodyPr wrap="square" rtlCol="0">
+            <a:spAutoFit/>
+          </a:bodyPr>
+          <a:lstStyle/>
+          <a:p>
+            <a:r>
+              <a:rPr lang="en-US" sz="2800" b="1" dirty="0" smtClean="0">
+                <a:latin typeface="SF Pro Display" charset="0"/>
+                <a:ea typeface="SF Pro Display" charset="0"/>
+                <a:cs typeface="SF Pro Display" charset="0"/>
+              </a:rPr>
+              <a:t>Managing Fractional Ownership &amp; Crowdfunding </a:t>
+            </a:r>
+          </a:p>
+          <a:p>
+            <a:r>
+              <a:rPr lang="en-US" sz="1600" dirty="0" smtClean="0">
+                <a:latin typeface="SF Pro Display" charset="0"/>
+                <a:ea typeface="SF Pro Display" charset="0"/>
+                <a:cs typeface="SF Pro Display" charset="0"/>
+              </a:rPr>
+              <a:t>A crowdfunded loan requires a lot of flow-of-funds operation to keep track of fractional ownership of loan, route repayments correctly to fractional share owners, and track debt obligations to each owner</a:t>
+            </a:r>
+            <a:endParaRPr lang="en-US" sz="1600" dirty="0">
+              <a:latin typeface="SF Pro Display" charset="0"/>
+              <a:ea typeface="SF Pro Display" charset="0"/>
+              <a:cs typeface="SF Pro Display" charset="0"/>
+            </a:endParaRPr>
+          </a:p>
+        </p:txBody>
+      </p:sp>
+      <p:sp>
+        <p:nvSpPr>
+          <p:cNvPr id="14" name="TextBox 13"/>
+          <p:cNvSpPr txBox="1"/>
+          <p:nvPr/>
+        </p:nvSpPr>
+        <p:spPr>
+          <a:xfrm>
+            <a:off x="8032376" y="4261021"/>
+            <a:ext cx="3657600" cy="1261884"/>
+          </a:xfrm>
+          <a:prstGeom prst="rect">
+            <a:avLst/>
+          </a:prstGeom>
+          <a:noFill/>
+          <a:ln>
+            <a:solidFill>
+              <a:schemeClr val="tx1"/>
+            </a:solidFill>
+          </a:ln>
+        </p:spPr>
+        <p:txBody>
+          <a:bodyPr wrap="square" rtlCol="0">
+            <a:spAutoFit/>
+          </a:bodyPr>
+          <a:lstStyle/>
+          <a:p>
+            <a:r>
+              <a:rPr lang="en-US" sz="2800" b="1" dirty="0" smtClean="0">
+                <a:latin typeface="SF Pro Display" charset="0"/>
+                <a:ea typeface="SF Pro Display" charset="0"/>
+                <a:cs typeface="SF Pro Display" charset="0"/>
+              </a:rPr>
+              <a:t>UX &amp; </a:t>
+            </a:r>
+            <a:r>
+              <a:rPr lang="en-US" sz="2800" b="1" dirty="0" err="1" smtClean="0">
+                <a:latin typeface="SF Pro Display" charset="0"/>
+                <a:ea typeface="SF Pro Display" charset="0"/>
+                <a:cs typeface="SF Pro Display" charset="0"/>
+              </a:rPr>
+              <a:t>Blockchain</a:t>
+            </a:r>
+            <a:endParaRPr lang="en-US" sz="2800" b="1" dirty="0" smtClean="0">
+              <a:latin typeface="SF Pro Display" charset="0"/>
+              <a:ea typeface="SF Pro Display" charset="0"/>
+              <a:cs typeface="SF Pro Display" charset="0"/>
+            </a:endParaRPr>
+          </a:p>
+          <a:p>
+            <a:r>
+              <a:rPr lang="en-US" sz="1600" dirty="0" smtClean="0">
+                <a:latin typeface="SF Pro Display" charset="0"/>
+                <a:ea typeface="SF Pro Display" charset="0"/>
+                <a:cs typeface="SF Pro Display" charset="0"/>
+              </a:rPr>
+              <a:t>How do we minimize friction and required awareness of </a:t>
+            </a:r>
+            <a:r>
+              <a:rPr lang="en-US" sz="1600" dirty="0" err="1" smtClean="0">
+                <a:latin typeface="SF Pro Display" charset="0"/>
+                <a:ea typeface="SF Pro Display" charset="0"/>
+                <a:cs typeface="SF Pro Display" charset="0"/>
+              </a:rPr>
+              <a:t>blockchain</a:t>
+            </a:r>
+            <a:r>
+              <a:rPr lang="en-US" sz="1600" dirty="0" smtClean="0">
+                <a:latin typeface="SF Pro Display" charset="0"/>
+                <a:ea typeface="SF Pro Display" charset="0"/>
+                <a:cs typeface="SF Pro Display" charset="0"/>
+              </a:rPr>
+              <a:t> aspects (e.g. meta transactions?)</a:t>
+            </a:r>
+            <a:endParaRPr lang="en-US" sz="1600" dirty="0">
+              <a:latin typeface="SF Pro Display" charset="0"/>
+              <a:ea typeface="SF Pro Display" charset="0"/>
+              <a:cs typeface="SF Pro Display" charset="0"/>
+            </a:endParaRPr>
+          </a:p>
+        </p:txBody>
+      </p:sp>
+    </p:spTree>
+    <p:extLst>
+      <p:ext uri="{BB962C8B-B14F-4D97-AF65-F5344CB8AC3E}">
+        <p14:creationId xmlns:p14="http://schemas.microsoft.com/office/powerpoint/2010/main" val="714753521"/>
+      </p:ext>
+    </p:extLst>
+  </p:cSld>
+  <p:clrMapOvr>
+    <a:masterClrMapping/>
+  </p:clrMapOvr>
+</p:sld>
+</file>
+
+<file path=ppt/slides/slide22.xml><?xml version="1.0" encoding="utf-8"?>
+<p:sld xmlns:a="http://schemas.openxmlformats.org/drawingml/2006/main" xmlns:r="http://schemas.openxmlformats.org/officeDocument/2006/relationships" xmlns:p="http://schemas.openxmlformats.org/presentationml/2006/main">
+  <p:cSld>
+    <p:spTree>
+      <p:nvGrpSpPr>
+        <p:cNvPr id="1" name=""/>
+        <p:cNvGrpSpPr/>
+        <p:nvPr/>
+      </p:nvGrpSpPr>
+      <p:grpSpPr>
+        <a:xfrm>
+          <a:off x="0" y="0"/>
+          <a:ext cx="0" cy="0"/>
+          <a:chOff x="0" y="0"/>
+          <a:chExt cx="0" cy="0"/>
+        </a:xfrm>
+      </p:grpSpPr>
+      <p:sp>
+        <p:nvSpPr>
+          <p:cNvPr id="8" name="Title 1"/>
+          <p:cNvSpPr txBox="1">
+            <a:spLocks/>
+          </p:cNvSpPr>
+          <p:nvPr/>
+        </p:nvSpPr>
+        <p:spPr>
+          <a:xfrm>
+            <a:off x="353821" y="332820"/>
+            <a:ext cx="5222226" cy="664707"/>
+          </a:xfrm>
+          <a:prstGeom prst="rect">
+            <a:avLst/>
+          </a:prstGeom>
+        </p:spPr>
+        <p:txBody>
+          <a:bodyPr vert="horz" lIns="91440" tIns="45720" rIns="91440" bIns="45720" rtlCol="0" anchor="ctr">
+            <a:normAutofit/>
+          </a:bodyPr>
+          <a:lstStyle>
+            <a:lvl1pPr algn="l" defTabSz="914400" rtl="0" eaLnBrk="1" latinLnBrk="0" hangingPunct="1">
+              <a:lnSpc>
+                <a:spcPct val="90000"/>
+              </a:lnSpc>
+              <a:spcBef>
+                <a:spcPct val="0"/>
+              </a:spcBef>
+              <a:buNone/>
+              <a:defRPr sz="4400" b="1" i="0" kern="1200">
+                <a:solidFill>
+                  <a:schemeClr val="tx1"/>
+                </a:solidFill>
+                <a:latin typeface="SF Pro Display" charset="0"/>
+                <a:ea typeface="SF Pro Display" charset="0"/>
+                <a:cs typeface="SF Pro Display" charset="0"/>
+              </a:defRPr>
+            </a:lvl1pPr>
+          </a:lstStyle>
+          <a:p>
+            <a:r>
+              <a:rPr lang="en-US" sz="4000" dirty="0" smtClean="0"/>
+              <a:t>Technical Challenges</a:t>
+            </a:r>
+            <a:endParaRPr lang="en-US" sz="4000" dirty="0"/>
+          </a:p>
+        </p:txBody>
+      </p:sp>
+      <p:sp>
+        <p:nvSpPr>
+          <p:cNvPr id="13" name="TextBox 12"/>
+          <p:cNvSpPr txBox="1"/>
+          <p:nvPr/>
+        </p:nvSpPr>
+        <p:spPr>
+          <a:xfrm>
+            <a:off x="555810" y="1517821"/>
+            <a:ext cx="7189695" cy="1692771"/>
+          </a:xfrm>
+          <a:prstGeom prst="rect">
+            <a:avLst/>
+          </a:prstGeom>
+          <a:noFill/>
+          <a:ln>
+            <a:solidFill>
+              <a:schemeClr val="tx1"/>
+            </a:solidFill>
+          </a:ln>
+        </p:spPr>
+        <p:txBody>
+          <a:bodyPr wrap="square" rtlCol="0">
+            <a:spAutoFit/>
+          </a:bodyPr>
+          <a:lstStyle/>
+          <a:p>
+            <a:r>
+              <a:rPr lang="en-US" sz="2800" b="1" dirty="0" smtClean="0">
+                <a:latin typeface="SF Pro Display" charset="0"/>
+                <a:ea typeface="SF Pro Display" charset="0"/>
+                <a:cs typeface="SF Pro Display" charset="0"/>
+              </a:rPr>
+              <a:t>Managing Fractional Ownership &amp; Crowdfunding </a:t>
+            </a:r>
+          </a:p>
+          <a:p>
+            <a:r>
+              <a:rPr lang="en-US" sz="1600" dirty="0" smtClean="0">
+                <a:latin typeface="SF Pro Display" charset="0"/>
+                <a:ea typeface="SF Pro Display" charset="0"/>
+                <a:cs typeface="SF Pro Display" charset="0"/>
+              </a:rPr>
+              <a:t>A crowdfunded loan requires a lot of flow-of-funds operation to keep track of fractional ownership of loan, route repayments correctly to fractional share owners, and track debt obligations to each owner</a:t>
+            </a:r>
+            <a:endParaRPr lang="en-US" sz="1600" dirty="0">
+              <a:latin typeface="SF Pro Display" charset="0"/>
+              <a:ea typeface="SF Pro Display" charset="0"/>
+              <a:cs typeface="SF Pro Display" charset="0"/>
+            </a:endParaRPr>
+          </a:p>
+        </p:txBody>
+      </p:sp>
+      <p:sp>
+        <p:nvSpPr>
+          <p:cNvPr id="14" name="TextBox 13"/>
+          <p:cNvSpPr txBox="1"/>
+          <p:nvPr/>
+        </p:nvSpPr>
+        <p:spPr>
+          <a:xfrm>
+            <a:off x="7978587" y="1517821"/>
+            <a:ext cx="3657600" cy="1261884"/>
+          </a:xfrm>
+          <a:prstGeom prst="rect">
+            <a:avLst/>
+          </a:prstGeom>
+          <a:noFill/>
+          <a:ln>
+            <a:solidFill>
+              <a:schemeClr val="tx1"/>
+            </a:solidFill>
+          </a:ln>
+        </p:spPr>
+        <p:txBody>
+          <a:bodyPr wrap="square" rtlCol="0">
+            <a:spAutoFit/>
+          </a:bodyPr>
+          <a:lstStyle/>
+          <a:p>
+            <a:r>
+              <a:rPr lang="en-US" sz="2800" b="1" dirty="0" smtClean="0">
+                <a:latin typeface="SF Pro Display" charset="0"/>
+                <a:ea typeface="SF Pro Display" charset="0"/>
+                <a:cs typeface="SF Pro Display" charset="0"/>
+              </a:rPr>
+              <a:t>UX &amp; </a:t>
+            </a:r>
+            <a:r>
+              <a:rPr lang="en-US" sz="2800" b="1" dirty="0" err="1" smtClean="0">
+                <a:latin typeface="SF Pro Display" charset="0"/>
+                <a:ea typeface="SF Pro Display" charset="0"/>
+                <a:cs typeface="SF Pro Display" charset="0"/>
+              </a:rPr>
+              <a:t>Blockchain</a:t>
+            </a:r>
+            <a:endParaRPr lang="en-US" sz="2800" b="1" dirty="0" smtClean="0">
+              <a:latin typeface="SF Pro Display" charset="0"/>
+              <a:ea typeface="SF Pro Display" charset="0"/>
+              <a:cs typeface="SF Pro Display" charset="0"/>
+            </a:endParaRPr>
+          </a:p>
+          <a:p>
+            <a:r>
+              <a:rPr lang="en-US" sz="1600" dirty="0" smtClean="0">
+                <a:latin typeface="SF Pro Display" charset="0"/>
+                <a:ea typeface="SF Pro Display" charset="0"/>
+                <a:cs typeface="SF Pro Display" charset="0"/>
+              </a:rPr>
+              <a:t>How do we minimize friction and required awareness of </a:t>
+            </a:r>
+            <a:r>
+              <a:rPr lang="en-US" sz="1600" dirty="0" err="1" smtClean="0">
+                <a:latin typeface="SF Pro Display" charset="0"/>
+                <a:ea typeface="SF Pro Display" charset="0"/>
+                <a:cs typeface="SF Pro Display" charset="0"/>
+              </a:rPr>
+              <a:t>blockchain</a:t>
+            </a:r>
+            <a:r>
+              <a:rPr lang="en-US" sz="1600" dirty="0" smtClean="0">
+                <a:latin typeface="SF Pro Display" charset="0"/>
+                <a:ea typeface="SF Pro Display" charset="0"/>
+                <a:cs typeface="SF Pro Display" charset="0"/>
+              </a:rPr>
+              <a:t> aspects (e.g. meta transactions?)</a:t>
+            </a:r>
+            <a:endParaRPr lang="en-US" sz="1600" dirty="0">
+              <a:latin typeface="SF Pro Display" charset="0"/>
+              <a:ea typeface="SF Pro Display" charset="0"/>
+              <a:cs typeface="SF Pro Display" charset="0"/>
+            </a:endParaRPr>
+          </a:p>
+        </p:txBody>
+      </p:sp>
+    </p:spTree>
+    <p:extLst>
+      <p:ext uri="{BB962C8B-B14F-4D97-AF65-F5344CB8AC3E}">
+        <p14:creationId xmlns:p14="http://schemas.microsoft.com/office/powerpoint/2010/main" val="814041947"/>
+      </p:ext>
+    </p:extLst>
+  </p:cSld>
+  <p:clrMapOvr>
+    <a:masterClrMapping/>
+  </p:clrMapOvr>
+</p:sld>
+</file>
+
+<file path=ppt/slides/slide23.xml><?xml version="1.0" encoding="utf-8"?>
 <p:sld xmlns:a="http://schemas.openxmlformats.org/drawingml/2006/main" xmlns:r="http://schemas.openxmlformats.org/officeDocument/2006/relationships" xmlns:p="http://schemas.openxmlformats.org/presentationml/2006/main" show="0">
   <p:cSld>
     <p:spTree>
@@ -3683,7 +9085,7 @@
 </p:sld>
 </file>
 
-<file path=ppt/slides/slide11.xml><?xml version="1.0" encoding="utf-8"?>
+<file path=ppt/slides/slide24.xml><?xml version="1.0" encoding="utf-8"?>
 <p:sld xmlns:a="http://schemas.openxmlformats.org/drawingml/2006/main" xmlns:r="http://schemas.openxmlformats.org/officeDocument/2006/relationships" xmlns:p="http://schemas.openxmlformats.org/presentationml/2006/main" show="0">
   <p:cSld>
     <p:spTree>
@@ -3937,7 +9339,7 @@
 </p:sld>
 </file>
 
-<file path=ppt/slides/slide12.xml><?xml version="1.0" encoding="utf-8"?>
+<file path=ppt/slides/slide25.xml><?xml version="1.0" encoding="utf-8"?>
 <p:sld xmlns:a="http://schemas.openxmlformats.org/drawingml/2006/main" xmlns:r="http://schemas.openxmlformats.org/officeDocument/2006/relationships" xmlns:p="http://schemas.openxmlformats.org/presentationml/2006/main" show="0">
   <p:cSld>
     <p:spTree>
@@ -4454,7 +9856,7 @@
 </p:sld>
 </file>
 
-<file path=ppt/slides/slide13.xml><?xml version="1.0" encoding="utf-8"?>
+<file path=ppt/slides/slide26.xml><?xml version="1.0" encoding="utf-8"?>
 <p:sld xmlns:a="http://schemas.openxmlformats.org/drawingml/2006/main" xmlns:r="http://schemas.openxmlformats.org/officeDocument/2006/relationships" xmlns:p="http://schemas.openxmlformats.org/presentationml/2006/main" show="0">
   <p:cSld>
     <p:spTree>
@@ -5232,3305 +10634,6 @@
       <p:transition spd="slow"/>
     </mc:Fallback>
   </mc:AlternateContent>
-</p:sld>
-</file>
-
-<file path=ppt/slides/slide14.xml><?xml version="1.0" encoding="utf-8"?>
-<p:sld xmlns:a="http://schemas.openxmlformats.org/drawingml/2006/main" xmlns:r="http://schemas.openxmlformats.org/officeDocument/2006/relationships" xmlns:p="http://schemas.openxmlformats.org/presentationml/2006/main">
-  <p:cSld>
-    <p:spTree>
-      <p:nvGrpSpPr>
-        <p:cNvPr id="1" name=""/>
-        <p:cNvGrpSpPr/>
-        <p:nvPr/>
-      </p:nvGrpSpPr>
-      <p:grpSpPr>
-        <a:xfrm>
-          <a:off x="0" y="0"/>
-          <a:ext cx="0" cy="0"/>
-          <a:chOff x="0" y="0"/>
-          <a:chExt cx="0" cy="0"/>
-        </a:xfrm>
-      </p:grpSpPr>
-      <p:sp>
-        <p:nvSpPr>
-          <p:cNvPr id="2" name="Title 1"/>
-          <p:cNvSpPr>
-            <a:spLocks noGrp="1"/>
-          </p:cNvSpPr>
-          <p:nvPr>
-            <p:ph type="ctrTitle"/>
-          </p:nvPr>
-        </p:nvSpPr>
-        <p:spPr/>
-        <p:txBody>
-          <a:bodyPr/>
-          <a:lstStyle/>
-          <a:p>
-            <a:r>
-              <a:rPr lang="en-US" dirty="0" smtClean="0"/>
-              <a:t>Product</a:t>
-            </a:r>
-            <a:endParaRPr lang="en-US" dirty="0"/>
-          </a:p>
-        </p:txBody>
-      </p:sp>
-    </p:spTree>
-    <p:extLst>
-      <p:ext uri="{BB962C8B-B14F-4D97-AF65-F5344CB8AC3E}">
-        <p14:creationId xmlns:p14="http://schemas.microsoft.com/office/powerpoint/2010/main" val="1764398525"/>
-      </p:ext>
-    </p:extLst>
-  </p:cSld>
-  <p:clrMapOvr>
-    <a:masterClrMapping/>
-  </p:clrMapOvr>
-</p:sld>
-</file>
-
-<file path=ppt/slides/slide15.xml><?xml version="1.0" encoding="utf-8"?>
-<p:sld xmlns:a="http://schemas.openxmlformats.org/drawingml/2006/main" xmlns:r="http://schemas.openxmlformats.org/officeDocument/2006/relationships" xmlns:p="http://schemas.openxmlformats.org/presentationml/2006/main">
-  <p:cSld>
-    <p:spTree>
-      <p:nvGrpSpPr>
-        <p:cNvPr id="1" name=""/>
-        <p:cNvGrpSpPr/>
-        <p:nvPr/>
-      </p:nvGrpSpPr>
-      <p:grpSpPr>
-        <a:xfrm>
-          <a:off x="0" y="0"/>
-          <a:ext cx="0" cy="0"/>
-          <a:chOff x="0" y="0"/>
-          <a:chExt cx="0" cy="0"/>
-        </a:xfrm>
-      </p:grpSpPr>
-      <p:pic>
-        <p:nvPicPr>
-          <p:cNvPr id="4" name="Picture 3"/>
-          <p:cNvPicPr>
-            <a:picLocks noChangeAspect="1"/>
-          </p:cNvPicPr>
-          <p:nvPr/>
-        </p:nvPicPr>
-        <p:blipFill>
-          <a:blip r:embed="rId2"/>
-          <a:stretch>
-            <a:fillRect/>
-          </a:stretch>
-        </p:blipFill>
-        <p:spPr>
-          <a:xfrm>
-            <a:off x="5037648" y="1236054"/>
-            <a:ext cx="3374574" cy="4689987"/>
-          </a:xfrm>
-          <a:prstGeom prst="rect">
-            <a:avLst/>
-          </a:prstGeom>
-        </p:spPr>
-      </p:pic>
-      <p:pic>
-        <p:nvPicPr>
-          <p:cNvPr id="6" name="Picture 5"/>
-          <p:cNvPicPr>
-            <a:picLocks noChangeAspect="1"/>
-          </p:cNvPicPr>
-          <p:nvPr/>
-        </p:nvPicPr>
-        <p:blipFill>
-          <a:blip r:embed="rId3"/>
-          <a:stretch>
-            <a:fillRect/>
-          </a:stretch>
-        </p:blipFill>
-        <p:spPr>
-          <a:xfrm>
-            <a:off x="241709" y="343502"/>
-            <a:ext cx="2057658" cy="2639961"/>
-          </a:xfrm>
-          <a:prstGeom prst="rect">
-            <a:avLst/>
-          </a:prstGeom>
-        </p:spPr>
-      </p:pic>
-      <p:sp>
-        <p:nvSpPr>
-          <p:cNvPr id="7" name="TextBox 6"/>
-          <p:cNvSpPr txBox="1"/>
-          <p:nvPr/>
-        </p:nvSpPr>
-        <p:spPr>
-          <a:xfrm>
-            <a:off x="385523" y="5316783"/>
-            <a:ext cx="3907686" cy="892552"/>
-          </a:xfrm>
-          <a:prstGeom prst="rect">
-            <a:avLst/>
-          </a:prstGeom>
-          <a:noFill/>
-          <a:ln>
-            <a:solidFill>
-              <a:schemeClr val="tx1"/>
-            </a:solidFill>
-          </a:ln>
-        </p:spPr>
-        <p:txBody>
-          <a:bodyPr wrap="square" rtlCol="0">
-            <a:spAutoFit/>
-          </a:bodyPr>
-          <a:lstStyle/>
-          <a:p>
-            <a:r>
-              <a:rPr lang="en-US" sz="2000" b="1" dirty="0" smtClean="0">
-                <a:latin typeface="SF Pro Display" charset="0"/>
-                <a:ea typeface="SF Pro Display" charset="0"/>
-                <a:cs typeface="SF Pro Display" charset="0"/>
-              </a:rPr>
-              <a:t>Borderless Credit Marketplace</a:t>
-            </a:r>
-          </a:p>
-          <a:p>
-            <a:r>
-              <a:rPr lang="en-US" sz="1600" dirty="0" smtClean="0">
-                <a:latin typeface="SF Pro Display" charset="0"/>
-                <a:ea typeface="SF Pro Display" charset="0"/>
-                <a:cs typeface="SF Pro Display" charset="0"/>
-              </a:rPr>
-              <a:t>Anyone around the world with USDC can fund a loan</a:t>
-            </a:r>
-            <a:endParaRPr lang="en-US" sz="1600" dirty="0">
-              <a:latin typeface="SF Pro Display" charset="0"/>
-              <a:ea typeface="SF Pro Display" charset="0"/>
-              <a:cs typeface="SF Pro Display" charset="0"/>
-            </a:endParaRPr>
-          </a:p>
-        </p:txBody>
-      </p:sp>
-      <p:sp>
-        <p:nvSpPr>
-          <p:cNvPr id="8" name="TextBox 7"/>
-          <p:cNvSpPr txBox="1"/>
-          <p:nvPr/>
-        </p:nvSpPr>
-        <p:spPr>
-          <a:xfrm>
-            <a:off x="2319274" y="343502"/>
-            <a:ext cx="3730705" cy="892552"/>
-          </a:xfrm>
-          <a:prstGeom prst="rect">
-            <a:avLst/>
-          </a:prstGeom>
-          <a:noFill/>
-          <a:ln>
-            <a:solidFill>
-              <a:schemeClr val="tx1"/>
-            </a:solidFill>
-          </a:ln>
-        </p:spPr>
-        <p:txBody>
-          <a:bodyPr wrap="square" rtlCol="0">
-            <a:spAutoFit/>
-          </a:bodyPr>
-          <a:lstStyle/>
-          <a:p>
-            <a:r>
-              <a:rPr lang="en-US" sz="2000" b="1" dirty="0" err="1" smtClean="0">
-                <a:latin typeface="SF Pro Display" charset="0"/>
-                <a:ea typeface="SF Pro Display" charset="0"/>
-                <a:cs typeface="SF Pro Display" charset="0"/>
-              </a:rPr>
-              <a:t>Stablecoin</a:t>
-            </a:r>
-            <a:r>
-              <a:rPr lang="en-US" sz="2000" b="1" dirty="0" smtClean="0">
-                <a:latin typeface="SF Pro Display" charset="0"/>
-                <a:ea typeface="SF Pro Display" charset="0"/>
-                <a:cs typeface="SF Pro Display" charset="0"/>
-              </a:rPr>
-              <a:t> Loans</a:t>
-            </a:r>
-          </a:p>
-          <a:p>
-            <a:r>
-              <a:rPr lang="en-US" sz="1600" dirty="0" smtClean="0">
-                <a:latin typeface="SF Pro Display" charset="0"/>
-                <a:ea typeface="SF Pro Display" charset="0"/>
-                <a:cs typeface="SF Pro Display" charset="0"/>
-              </a:rPr>
-              <a:t>Near-$0 money movement across borders from wallet to wallet </a:t>
-            </a:r>
-            <a:endParaRPr lang="en-US" sz="1600" dirty="0">
-              <a:latin typeface="SF Pro Display" charset="0"/>
-              <a:ea typeface="SF Pro Display" charset="0"/>
-              <a:cs typeface="SF Pro Display" charset="0"/>
-            </a:endParaRPr>
-          </a:p>
-        </p:txBody>
-      </p:sp>
-      <p:cxnSp>
-        <p:nvCxnSpPr>
-          <p:cNvPr id="27" name="Straight Arrow Connector 26"/>
-          <p:cNvCxnSpPr>
-            <a:stCxn id="8" idx="2"/>
-          </p:cNvCxnSpPr>
-          <p:nvPr/>
-        </p:nvCxnSpPr>
-        <p:spPr>
-          <a:xfrm>
-            <a:off x="4184627" y="1236054"/>
-            <a:ext cx="1036302" cy="3011481"/>
-          </a:xfrm>
-          <a:prstGeom prst="straightConnector1">
-            <a:avLst/>
-          </a:prstGeom>
-          <a:ln>
-            <a:solidFill>
-              <a:schemeClr val="tx1"/>
-            </a:solidFill>
-            <a:tailEnd type="triangle"/>
-          </a:ln>
-        </p:spPr>
-        <p:style>
-          <a:lnRef idx="1">
-            <a:schemeClr val="accent1"/>
-          </a:lnRef>
-          <a:fillRef idx="0">
-            <a:schemeClr val="accent1"/>
-          </a:fillRef>
-          <a:effectRef idx="0">
-            <a:schemeClr val="accent1"/>
-          </a:effectRef>
-          <a:fontRef idx="minor">
-            <a:schemeClr val="tx1"/>
-          </a:fontRef>
-        </p:style>
-      </p:cxnSp>
-      <p:cxnSp>
-        <p:nvCxnSpPr>
-          <p:cNvPr id="29" name="Straight Arrow Connector 28"/>
-          <p:cNvCxnSpPr>
-            <a:stCxn id="7" idx="3"/>
-          </p:cNvCxnSpPr>
-          <p:nvPr/>
-        </p:nvCxnSpPr>
-        <p:spPr>
-          <a:xfrm flipV="1">
-            <a:off x="4293209" y="5140087"/>
-            <a:ext cx="927720" cy="622972"/>
-          </a:xfrm>
-          <a:prstGeom prst="straightConnector1">
-            <a:avLst/>
-          </a:prstGeom>
-          <a:ln>
-            <a:solidFill>
-              <a:schemeClr val="tx1"/>
-            </a:solidFill>
-            <a:tailEnd type="triangle"/>
-          </a:ln>
-        </p:spPr>
-        <p:style>
-          <a:lnRef idx="1">
-            <a:schemeClr val="accent1"/>
-          </a:lnRef>
-          <a:fillRef idx="0">
-            <a:schemeClr val="accent1"/>
-          </a:fillRef>
-          <a:effectRef idx="0">
-            <a:schemeClr val="accent1"/>
-          </a:effectRef>
-          <a:fontRef idx="minor">
-            <a:schemeClr val="tx1"/>
-          </a:fontRef>
-        </p:style>
-      </p:cxnSp>
-    </p:spTree>
-    <p:extLst>
-      <p:ext uri="{BB962C8B-B14F-4D97-AF65-F5344CB8AC3E}">
-        <p14:creationId xmlns:p14="http://schemas.microsoft.com/office/powerpoint/2010/main" val="1044109734"/>
-      </p:ext>
-    </p:extLst>
-  </p:cSld>
-  <p:clrMapOvr>
-    <a:masterClrMapping/>
-  </p:clrMapOvr>
-</p:sld>
-</file>
-
-<file path=ppt/slides/slide16.xml><?xml version="1.0" encoding="utf-8"?>
-<p:sld xmlns:a="http://schemas.openxmlformats.org/drawingml/2006/main" xmlns:r="http://schemas.openxmlformats.org/officeDocument/2006/relationships" xmlns:p="http://schemas.openxmlformats.org/presentationml/2006/main">
-  <p:cSld>
-    <p:spTree>
-      <p:nvGrpSpPr>
-        <p:cNvPr id="1" name=""/>
-        <p:cNvGrpSpPr/>
-        <p:nvPr/>
-      </p:nvGrpSpPr>
-      <p:grpSpPr>
-        <a:xfrm>
-          <a:off x="0" y="0"/>
-          <a:ext cx="0" cy="0"/>
-          <a:chOff x="0" y="0"/>
-          <a:chExt cx="0" cy="0"/>
-        </a:xfrm>
-      </p:grpSpPr>
-      <p:pic>
-        <p:nvPicPr>
-          <p:cNvPr id="2" name="Picture 1"/>
-          <p:cNvPicPr>
-            <a:picLocks noChangeAspect="1"/>
-          </p:cNvPicPr>
-          <p:nvPr/>
-        </p:nvPicPr>
-        <p:blipFill rotWithShape="1">
-          <a:blip r:embed="rId2"/>
-          <a:srcRect b="78184"/>
-          <a:stretch/>
-        </p:blipFill>
-        <p:spPr>
-          <a:xfrm>
-            <a:off x="2736320" y="757457"/>
-            <a:ext cx="6904521" cy="5379675"/>
-          </a:xfrm>
-          <a:prstGeom prst="rect">
-            <a:avLst/>
-          </a:prstGeom>
-        </p:spPr>
-      </p:pic>
-      <p:sp>
-        <p:nvSpPr>
-          <p:cNvPr id="8" name="TextBox 7"/>
-          <p:cNvSpPr txBox="1"/>
-          <p:nvPr/>
-        </p:nvSpPr>
-        <p:spPr>
-          <a:xfrm>
-            <a:off x="439197" y="1470783"/>
-            <a:ext cx="2761203" cy="1384995"/>
-          </a:xfrm>
-          <a:prstGeom prst="rect">
-            <a:avLst/>
-          </a:prstGeom>
-          <a:noFill/>
-          <a:ln>
-            <a:solidFill>
-              <a:schemeClr val="tx1"/>
-            </a:solidFill>
-          </a:ln>
-        </p:spPr>
-        <p:txBody>
-          <a:bodyPr wrap="square" rtlCol="0">
-            <a:spAutoFit/>
-          </a:bodyPr>
-          <a:lstStyle/>
-          <a:p>
-            <a:r>
-              <a:rPr lang="en-US" sz="2000" b="1" dirty="0" smtClean="0">
-                <a:latin typeface="SF Pro Display" charset="0"/>
-                <a:ea typeface="SF Pro Display" charset="0"/>
-                <a:cs typeface="SF Pro Display" charset="0"/>
-              </a:rPr>
-              <a:t>Identity-as-collateral</a:t>
-            </a:r>
-          </a:p>
-          <a:p>
-            <a:r>
-              <a:rPr lang="en-US" sz="1600" dirty="0" smtClean="0">
-                <a:latin typeface="SF Pro Display" charset="0"/>
-                <a:ea typeface="SF Pro Display" charset="0"/>
-                <a:cs typeface="SF Pro Display" charset="0"/>
-              </a:rPr>
-              <a:t>Real-world identity allows unsecured lending with globally verified identity as collateral</a:t>
-            </a:r>
-            <a:endParaRPr lang="en-US" sz="1600" dirty="0">
-              <a:latin typeface="SF Pro Display" charset="0"/>
-              <a:ea typeface="SF Pro Display" charset="0"/>
-              <a:cs typeface="SF Pro Display" charset="0"/>
-            </a:endParaRPr>
-          </a:p>
-        </p:txBody>
-      </p:sp>
-      <p:cxnSp>
-        <p:nvCxnSpPr>
-          <p:cNvPr id="27" name="Straight Arrow Connector 26"/>
-          <p:cNvCxnSpPr>
-            <a:stCxn id="8" idx="2"/>
-          </p:cNvCxnSpPr>
-          <p:nvPr/>
-        </p:nvCxnSpPr>
-        <p:spPr>
-          <a:xfrm>
-            <a:off x="1819799" y="2855778"/>
-            <a:ext cx="1483840" cy="454601"/>
-          </a:xfrm>
-          <a:prstGeom prst="straightConnector1">
-            <a:avLst/>
-          </a:prstGeom>
-          <a:ln>
-            <a:solidFill>
-              <a:schemeClr val="tx1"/>
-            </a:solidFill>
-            <a:tailEnd type="triangle"/>
-          </a:ln>
-        </p:spPr>
-        <p:style>
-          <a:lnRef idx="1">
-            <a:schemeClr val="accent1"/>
-          </a:lnRef>
-          <a:fillRef idx="0">
-            <a:schemeClr val="accent1"/>
-          </a:fillRef>
-          <a:effectRef idx="0">
-            <a:schemeClr val="accent1"/>
-          </a:effectRef>
-          <a:fontRef idx="minor">
-            <a:schemeClr val="tx1"/>
-          </a:fontRef>
-        </p:style>
-      </p:cxnSp>
-      <p:sp>
-        <p:nvSpPr>
-          <p:cNvPr id="10" name="TextBox 9"/>
-          <p:cNvSpPr txBox="1"/>
-          <p:nvPr/>
-        </p:nvSpPr>
-        <p:spPr>
-          <a:xfrm>
-            <a:off x="9099755" y="2000744"/>
-            <a:ext cx="2838209" cy="1138773"/>
-          </a:xfrm>
-          <a:prstGeom prst="rect">
-            <a:avLst/>
-          </a:prstGeom>
-          <a:noFill/>
-          <a:ln>
-            <a:solidFill>
-              <a:schemeClr val="tx1"/>
-            </a:solidFill>
-          </a:ln>
-        </p:spPr>
-        <p:txBody>
-          <a:bodyPr wrap="square" rtlCol="0">
-            <a:spAutoFit/>
-          </a:bodyPr>
-          <a:lstStyle/>
-          <a:p>
-            <a:r>
-              <a:rPr lang="en-US" sz="2000" b="1" dirty="0" smtClean="0">
-                <a:latin typeface="SF Pro Display" charset="0"/>
-                <a:ea typeface="SF Pro Display" charset="0"/>
-                <a:cs typeface="SF Pro Display" charset="0"/>
-              </a:rPr>
-              <a:t>Social Attestation</a:t>
-            </a:r>
-          </a:p>
-          <a:p>
-            <a:r>
-              <a:rPr lang="en-US" sz="1600" dirty="0" smtClean="0">
-                <a:latin typeface="SF Pro Display" charset="0"/>
-                <a:ea typeface="SF Pro Display" charset="0"/>
-                <a:cs typeface="SF Pro Display" charset="0"/>
-              </a:rPr>
-              <a:t>Develop a richer credit profile by other verified profiles attesting for the borrower</a:t>
-            </a:r>
-            <a:endParaRPr lang="en-US" sz="1600" dirty="0">
-              <a:latin typeface="SF Pro Display" charset="0"/>
-              <a:ea typeface="SF Pro Display" charset="0"/>
-              <a:cs typeface="SF Pro Display" charset="0"/>
-            </a:endParaRPr>
-          </a:p>
-        </p:txBody>
-      </p:sp>
-      <p:cxnSp>
-        <p:nvCxnSpPr>
-          <p:cNvPr id="11" name="Straight Arrow Connector 10"/>
-          <p:cNvCxnSpPr>
-            <a:stCxn id="10" idx="1"/>
-          </p:cNvCxnSpPr>
-          <p:nvPr/>
-        </p:nvCxnSpPr>
-        <p:spPr>
-          <a:xfrm flipH="1">
-            <a:off x="7813965" y="2570131"/>
-            <a:ext cx="1285790" cy="543725"/>
-          </a:xfrm>
-          <a:prstGeom prst="straightConnector1">
-            <a:avLst/>
-          </a:prstGeom>
-          <a:ln>
-            <a:solidFill>
-              <a:schemeClr val="tx1"/>
-            </a:solidFill>
-            <a:tailEnd type="triangle"/>
-          </a:ln>
-        </p:spPr>
-        <p:style>
-          <a:lnRef idx="1">
-            <a:schemeClr val="accent1"/>
-          </a:lnRef>
-          <a:fillRef idx="0">
-            <a:schemeClr val="accent1"/>
-          </a:fillRef>
-          <a:effectRef idx="0">
-            <a:schemeClr val="accent1"/>
-          </a:effectRef>
-          <a:fontRef idx="minor">
-            <a:schemeClr val="tx1"/>
-          </a:fontRef>
-        </p:style>
-      </p:cxnSp>
-      <p:pic>
-        <p:nvPicPr>
-          <p:cNvPr id="13" name="Picture 12"/>
-          <p:cNvPicPr>
-            <a:picLocks noChangeAspect="1"/>
-          </p:cNvPicPr>
-          <p:nvPr/>
-        </p:nvPicPr>
-        <p:blipFill>
-          <a:blip r:embed="rId3"/>
-          <a:stretch>
-            <a:fillRect/>
-          </a:stretch>
-        </p:blipFill>
-        <p:spPr>
-          <a:xfrm>
-            <a:off x="430620" y="3113856"/>
-            <a:ext cx="1517379" cy="1946787"/>
-          </a:xfrm>
-          <a:prstGeom prst="rect">
-            <a:avLst/>
-          </a:prstGeom>
-        </p:spPr>
-      </p:pic>
-      <p:sp>
-        <p:nvSpPr>
-          <p:cNvPr id="14" name="AutoShape 2" descr="Box Logo"/>
-          <p:cNvSpPr>
-            <a:spLocks noChangeAspect="1" noChangeArrowheads="1"/>
-          </p:cNvSpPr>
-          <p:nvPr/>
-        </p:nvSpPr>
-        <p:spPr bwMode="auto">
-          <a:xfrm>
-            <a:off x="0" y="0"/>
-            <a:ext cx="304800" cy="304800"/>
-          </a:xfrm>
-          <a:prstGeom prst="rect">
-            <a:avLst/>
-          </a:prstGeom>
-          <a:noFill/>
-          <a:extLst>
-            <a:ext uri="{909E8E84-426E-40DD-AFC4-6F175D3DCCD1}">
-              <a14:hiddenFill xmlns:a14="http://schemas.microsoft.com/office/drawing/2010/main">
-                <a:solidFill>
-                  <a:srgbClr val="FFFFFF"/>
-                </a:solidFill>
-              </a14:hiddenFill>
-            </a:ext>
-          </a:extLst>
-        </p:spPr>
-        <p:txBody>
-          <a:bodyPr vert="horz" wrap="square" lIns="91440" tIns="45720" rIns="91440" bIns="45720" numCol="1" anchor="t" anchorCtr="0" compatLnSpc="1">
-            <a:prstTxWarp prst="textNoShape">
-              <a:avLst/>
-            </a:prstTxWarp>
-          </a:bodyPr>
-          <a:lstStyle/>
-          <a:p>
-            <a:endParaRPr lang="en-US"/>
-          </a:p>
-        </p:txBody>
-      </p:sp>
-      <p:pic>
-        <p:nvPicPr>
-          <p:cNvPr id="18" name="Picture 17"/>
-          <p:cNvPicPr>
-            <a:picLocks noChangeAspect="1"/>
-          </p:cNvPicPr>
-          <p:nvPr/>
-        </p:nvPicPr>
-        <p:blipFill>
-          <a:blip r:embed="rId4"/>
-          <a:stretch>
-            <a:fillRect/>
-          </a:stretch>
-        </p:blipFill>
-        <p:spPr>
-          <a:xfrm>
-            <a:off x="536309" y="5158520"/>
-            <a:ext cx="1208612" cy="499623"/>
-          </a:xfrm>
-          <a:prstGeom prst="rect">
-            <a:avLst/>
-          </a:prstGeom>
-        </p:spPr>
-      </p:pic>
-      <p:pic>
-        <p:nvPicPr>
-          <p:cNvPr id="25" name="Picture 24"/>
-          <p:cNvPicPr>
-            <a:picLocks noChangeAspect="1"/>
-          </p:cNvPicPr>
-          <p:nvPr/>
-        </p:nvPicPr>
-        <p:blipFill>
-          <a:blip r:embed="rId3"/>
-          <a:stretch>
-            <a:fillRect/>
-          </a:stretch>
-        </p:blipFill>
-        <p:spPr>
-          <a:xfrm>
-            <a:off x="10518859" y="3275177"/>
-            <a:ext cx="1517379" cy="1946787"/>
-          </a:xfrm>
-          <a:prstGeom prst="rect">
-            <a:avLst/>
-          </a:prstGeom>
-        </p:spPr>
-      </p:pic>
-    </p:spTree>
-    <p:extLst>
-      <p:ext uri="{BB962C8B-B14F-4D97-AF65-F5344CB8AC3E}">
-        <p14:creationId xmlns:p14="http://schemas.microsoft.com/office/powerpoint/2010/main" val="292632525"/>
-      </p:ext>
-    </p:extLst>
-  </p:cSld>
-  <p:clrMapOvr>
-    <a:masterClrMapping/>
-  </p:clrMapOvr>
-</p:sld>
-</file>
-
-<file path=ppt/slides/slide17.xml><?xml version="1.0" encoding="utf-8"?>
-<p:sld xmlns:a="http://schemas.openxmlformats.org/drawingml/2006/main" xmlns:r="http://schemas.openxmlformats.org/officeDocument/2006/relationships" xmlns:p="http://schemas.openxmlformats.org/presentationml/2006/main">
-  <p:cSld>
-    <p:spTree>
-      <p:nvGrpSpPr>
-        <p:cNvPr id="1" name=""/>
-        <p:cNvGrpSpPr/>
-        <p:nvPr/>
-      </p:nvGrpSpPr>
-      <p:grpSpPr>
-        <a:xfrm>
-          <a:off x="0" y="0"/>
-          <a:ext cx="0" cy="0"/>
-          <a:chOff x="0" y="0"/>
-          <a:chExt cx="0" cy="0"/>
-        </a:xfrm>
-      </p:grpSpPr>
-      <p:pic>
-        <p:nvPicPr>
-          <p:cNvPr id="2" name="Picture 1"/>
-          <p:cNvPicPr>
-            <a:picLocks noChangeAspect="1"/>
-          </p:cNvPicPr>
-          <p:nvPr/>
-        </p:nvPicPr>
-        <p:blipFill rotWithShape="1">
-          <a:blip r:embed="rId2"/>
-          <a:srcRect l="-507" t="21462" r="507" b="56722"/>
-          <a:stretch/>
-        </p:blipFill>
-        <p:spPr>
-          <a:xfrm>
-            <a:off x="2736320" y="757457"/>
-            <a:ext cx="6904521" cy="5379675"/>
-          </a:xfrm>
-          <a:prstGeom prst="rect">
-            <a:avLst/>
-          </a:prstGeom>
-        </p:spPr>
-      </p:pic>
-      <p:sp>
-        <p:nvSpPr>
-          <p:cNvPr id="8" name="TextBox 7"/>
-          <p:cNvSpPr txBox="1"/>
-          <p:nvPr/>
-        </p:nvSpPr>
-        <p:spPr>
-          <a:xfrm>
-            <a:off x="304800" y="437893"/>
-            <a:ext cx="2881745" cy="2246769"/>
-          </a:xfrm>
-          <a:prstGeom prst="rect">
-            <a:avLst/>
-          </a:prstGeom>
-          <a:noFill/>
-          <a:ln>
-            <a:solidFill>
-              <a:schemeClr val="tx1"/>
-            </a:solidFill>
-          </a:ln>
-        </p:spPr>
-        <p:txBody>
-          <a:bodyPr wrap="square" rtlCol="0">
-            <a:spAutoFit/>
-          </a:bodyPr>
-          <a:lstStyle/>
-          <a:p>
-            <a:r>
-              <a:rPr lang="en-US" sz="2000" b="1" dirty="0" smtClean="0">
-                <a:latin typeface="SF Pro Display" charset="0"/>
-                <a:ea typeface="SF Pro Display" charset="0"/>
-                <a:cs typeface="SF Pro Display" charset="0"/>
-              </a:rPr>
-              <a:t>ERC-20 Crowdfunding and Fractional Ownership</a:t>
-            </a:r>
-          </a:p>
-          <a:p>
-            <a:r>
-              <a:rPr lang="en-US" sz="1600" dirty="0" smtClean="0">
-                <a:latin typeface="SF Pro Display" charset="0"/>
-                <a:ea typeface="SF Pro Display" charset="0"/>
-                <a:cs typeface="SF Pro Display" charset="0"/>
-              </a:rPr>
-              <a:t>Innovative crowdsourcing models that allow for the issuance of verifiable ERC-20 debt tokens that are potentially tradeable for early liquidity</a:t>
-            </a:r>
-            <a:endParaRPr lang="en-US" sz="1600" dirty="0">
-              <a:latin typeface="SF Pro Display" charset="0"/>
-              <a:ea typeface="SF Pro Display" charset="0"/>
-              <a:cs typeface="SF Pro Display" charset="0"/>
-            </a:endParaRPr>
-          </a:p>
-        </p:txBody>
-      </p:sp>
-      <p:cxnSp>
-        <p:nvCxnSpPr>
-          <p:cNvPr id="27" name="Straight Arrow Connector 26"/>
-          <p:cNvCxnSpPr>
-            <a:stCxn id="8" idx="3"/>
-          </p:cNvCxnSpPr>
-          <p:nvPr/>
-        </p:nvCxnSpPr>
-        <p:spPr>
-          <a:xfrm>
-            <a:off x="3186545" y="1561278"/>
-            <a:ext cx="249382" cy="15388"/>
-          </a:xfrm>
-          <a:prstGeom prst="straightConnector1">
-            <a:avLst/>
-          </a:prstGeom>
-          <a:ln>
-            <a:solidFill>
-              <a:schemeClr val="tx1"/>
-            </a:solidFill>
-            <a:tailEnd type="triangle"/>
-          </a:ln>
-        </p:spPr>
-        <p:style>
-          <a:lnRef idx="1">
-            <a:schemeClr val="accent1"/>
-          </a:lnRef>
-          <a:fillRef idx="0">
-            <a:schemeClr val="accent1"/>
-          </a:fillRef>
-          <a:effectRef idx="0">
-            <a:schemeClr val="accent1"/>
-          </a:effectRef>
-          <a:fontRef idx="minor">
-            <a:schemeClr val="tx1"/>
-          </a:fontRef>
-        </p:style>
-      </p:cxnSp>
-      <p:pic>
-        <p:nvPicPr>
-          <p:cNvPr id="9" name="Picture 8"/>
-          <p:cNvPicPr>
-            <a:picLocks noChangeAspect="1"/>
-          </p:cNvPicPr>
-          <p:nvPr/>
-        </p:nvPicPr>
-        <p:blipFill>
-          <a:blip r:embed="rId3"/>
-          <a:stretch>
-            <a:fillRect/>
-          </a:stretch>
-        </p:blipFill>
-        <p:spPr>
-          <a:xfrm>
-            <a:off x="10416832" y="3447294"/>
-            <a:ext cx="1655529" cy="2124032"/>
-          </a:xfrm>
-          <a:prstGeom prst="rect">
-            <a:avLst/>
-          </a:prstGeom>
-        </p:spPr>
-      </p:pic>
-      <p:sp>
-        <p:nvSpPr>
-          <p:cNvPr id="10" name="TextBox 9"/>
-          <p:cNvSpPr txBox="1"/>
-          <p:nvPr/>
-        </p:nvSpPr>
-        <p:spPr>
-          <a:xfrm>
-            <a:off x="9226622" y="1822888"/>
-            <a:ext cx="2845739" cy="1754326"/>
-          </a:xfrm>
-          <a:prstGeom prst="rect">
-            <a:avLst/>
-          </a:prstGeom>
-          <a:noFill/>
-          <a:ln>
-            <a:solidFill>
-              <a:schemeClr val="tx1"/>
-            </a:solidFill>
-          </a:ln>
-        </p:spPr>
-        <p:txBody>
-          <a:bodyPr wrap="square" rtlCol="0">
-            <a:spAutoFit/>
-          </a:bodyPr>
-          <a:lstStyle/>
-          <a:p>
-            <a:r>
-              <a:rPr lang="en-US" sz="2000" b="1" dirty="0" smtClean="0">
-                <a:latin typeface="SF Pro Display" charset="0"/>
-                <a:ea typeface="SF Pro Display" charset="0"/>
-                <a:cs typeface="SF Pro Display" charset="0"/>
-              </a:rPr>
-              <a:t>Automated Flow of Funds through Smart Contracts</a:t>
-            </a:r>
-          </a:p>
-          <a:p>
-            <a:r>
-              <a:rPr lang="en-US" sz="1600" dirty="0" smtClean="0">
-                <a:latin typeface="SF Pro Display" charset="0"/>
-                <a:ea typeface="SF Pro Display" charset="0"/>
-                <a:cs typeface="SF Pro Display" charset="0"/>
-              </a:rPr>
-              <a:t>Automated tracking of debt terms, repayment payments, and handling of flow-of-funds </a:t>
-            </a:r>
-            <a:endParaRPr lang="en-US" sz="1600" dirty="0">
-              <a:latin typeface="SF Pro Display" charset="0"/>
-              <a:ea typeface="SF Pro Display" charset="0"/>
-              <a:cs typeface="SF Pro Display" charset="0"/>
-            </a:endParaRPr>
-          </a:p>
-        </p:txBody>
-      </p:sp>
-      <p:cxnSp>
-        <p:nvCxnSpPr>
-          <p:cNvPr id="11" name="Straight Arrow Connector 10"/>
-          <p:cNvCxnSpPr/>
-          <p:nvPr/>
-        </p:nvCxnSpPr>
-        <p:spPr>
-          <a:xfrm flipH="1">
-            <a:off x="6012873" y="2355273"/>
-            <a:ext cx="3213749" cy="1092021"/>
-          </a:xfrm>
-          <a:prstGeom prst="straightConnector1">
-            <a:avLst/>
-          </a:prstGeom>
-          <a:ln>
-            <a:solidFill>
-              <a:schemeClr val="tx1"/>
-            </a:solidFill>
-            <a:tailEnd type="triangle"/>
-          </a:ln>
-        </p:spPr>
-        <p:style>
-          <a:lnRef idx="1">
-            <a:schemeClr val="accent1"/>
-          </a:lnRef>
-          <a:fillRef idx="0">
-            <a:schemeClr val="accent1"/>
-          </a:fillRef>
-          <a:effectRef idx="0">
-            <a:schemeClr val="accent1"/>
-          </a:effectRef>
-          <a:fontRef idx="minor">
-            <a:schemeClr val="tx1"/>
-          </a:fontRef>
-        </p:style>
-      </p:cxnSp>
-      <p:sp>
-        <p:nvSpPr>
-          <p:cNvPr id="14" name="AutoShape 2" descr="Box Logo"/>
-          <p:cNvSpPr>
-            <a:spLocks noChangeAspect="1" noChangeArrowheads="1"/>
-          </p:cNvSpPr>
-          <p:nvPr/>
-        </p:nvSpPr>
-        <p:spPr bwMode="auto">
-          <a:xfrm>
-            <a:off x="0" y="0"/>
-            <a:ext cx="304800" cy="304800"/>
-          </a:xfrm>
-          <a:prstGeom prst="rect">
-            <a:avLst/>
-          </a:prstGeom>
-          <a:noFill/>
-          <a:extLst>
-            <a:ext uri="{909E8E84-426E-40DD-AFC4-6F175D3DCCD1}">
-              <a14:hiddenFill xmlns:a14="http://schemas.microsoft.com/office/drawing/2010/main">
-                <a:solidFill>
-                  <a:srgbClr val="FFFFFF"/>
-                </a:solidFill>
-              </a14:hiddenFill>
-            </a:ext>
-          </a:extLst>
-        </p:spPr>
-        <p:txBody>
-          <a:bodyPr vert="horz" wrap="square" lIns="91440" tIns="45720" rIns="91440" bIns="45720" numCol="1" anchor="t" anchorCtr="0" compatLnSpc="1">
-            <a:prstTxWarp prst="textNoShape">
-              <a:avLst/>
-            </a:prstTxWarp>
-          </a:bodyPr>
-          <a:lstStyle/>
-          <a:p>
-            <a:endParaRPr lang="en-US"/>
-          </a:p>
-        </p:txBody>
-      </p:sp>
-      <p:cxnSp>
-        <p:nvCxnSpPr>
-          <p:cNvPr id="15" name="Straight Arrow Connector 14"/>
-          <p:cNvCxnSpPr/>
-          <p:nvPr/>
-        </p:nvCxnSpPr>
-        <p:spPr>
-          <a:xfrm>
-            <a:off x="3186545" y="757457"/>
-            <a:ext cx="2992582" cy="461743"/>
-          </a:xfrm>
-          <a:prstGeom prst="straightConnector1">
-            <a:avLst/>
-          </a:prstGeom>
-          <a:ln>
-            <a:solidFill>
-              <a:schemeClr val="tx1"/>
-            </a:solidFill>
-            <a:tailEnd type="triangle"/>
-          </a:ln>
-        </p:spPr>
-        <p:style>
-          <a:lnRef idx="1">
-            <a:schemeClr val="accent1"/>
-          </a:lnRef>
-          <a:fillRef idx="0">
-            <a:schemeClr val="accent1"/>
-          </a:fillRef>
-          <a:effectRef idx="0">
-            <a:schemeClr val="accent1"/>
-          </a:effectRef>
-          <a:fontRef idx="minor">
-            <a:schemeClr val="tx1"/>
-          </a:fontRef>
-        </p:style>
-      </p:cxnSp>
-      <p:cxnSp>
-        <p:nvCxnSpPr>
-          <p:cNvPr id="20" name="Straight Arrow Connector 19"/>
-          <p:cNvCxnSpPr/>
-          <p:nvPr/>
-        </p:nvCxnSpPr>
-        <p:spPr>
-          <a:xfrm flipH="1">
-            <a:off x="7619747" y="2646218"/>
-            <a:ext cx="1606875" cy="2743200"/>
-          </a:xfrm>
-          <a:prstGeom prst="straightConnector1">
-            <a:avLst/>
-          </a:prstGeom>
-          <a:ln>
-            <a:solidFill>
-              <a:schemeClr val="tx1"/>
-            </a:solidFill>
-            <a:tailEnd type="triangle"/>
-          </a:ln>
-        </p:spPr>
-        <p:style>
-          <a:lnRef idx="1">
-            <a:schemeClr val="accent1"/>
-          </a:lnRef>
-          <a:fillRef idx="0">
-            <a:schemeClr val="accent1"/>
-          </a:fillRef>
-          <a:effectRef idx="0">
-            <a:schemeClr val="accent1"/>
-          </a:effectRef>
-          <a:fontRef idx="minor">
-            <a:schemeClr val="tx1"/>
-          </a:fontRef>
-        </p:style>
-      </p:cxnSp>
-      <p:sp>
-        <p:nvSpPr>
-          <p:cNvPr id="26" name="TextBox 25"/>
-          <p:cNvSpPr txBox="1"/>
-          <p:nvPr/>
-        </p:nvSpPr>
-        <p:spPr>
-          <a:xfrm>
-            <a:off x="429491" y="3674152"/>
-            <a:ext cx="2881745" cy="2185214"/>
-          </a:xfrm>
-          <a:prstGeom prst="rect">
-            <a:avLst/>
-          </a:prstGeom>
-          <a:noFill/>
-          <a:ln>
-            <a:solidFill>
-              <a:schemeClr val="tx1"/>
-            </a:solidFill>
-          </a:ln>
-        </p:spPr>
-        <p:txBody>
-          <a:bodyPr wrap="square" rtlCol="0">
-            <a:spAutoFit/>
-          </a:bodyPr>
-          <a:lstStyle/>
-          <a:p>
-            <a:r>
-              <a:rPr lang="en-US" sz="2000" b="1" dirty="0" smtClean="0">
-                <a:latin typeface="SF Pro Display" charset="0"/>
-                <a:ea typeface="SF Pro Display" charset="0"/>
-                <a:cs typeface="SF Pro Display" charset="0"/>
-              </a:rPr>
-              <a:t>Configurable Loan Contract</a:t>
-            </a:r>
-          </a:p>
-          <a:p>
-            <a:r>
-              <a:rPr lang="en-US" sz="1600" dirty="0" smtClean="0">
-                <a:latin typeface="SF Pro Display" charset="0"/>
-                <a:ea typeface="SF Pro Display" charset="0"/>
-                <a:cs typeface="SF Pro Display" charset="0"/>
-              </a:rPr>
-              <a:t>Flexible loan contracts with configurable terms (e.g. grace periods on interest and principal, variable tenor, Principal-Interest-Fees-Penalties breakdown</a:t>
-            </a:r>
-            <a:endParaRPr lang="en-US" sz="1600" dirty="0">
-              <a:latin typeface="SF Pro Display" charset="0"/>
-              <a:ea typeface="SF Pro Display" charset="0"/>
-              <a:cs typeface="SF Pro Display" charset="0"/>
-            </a:endParaRPr>
-          </a:p>
-        </p:txBody>
-      </p:sp>
-      <p:cxnSp>
-        <p:nvCxnSpPr>
-          <p:cNvPr id="28" name="Straight Arrow Connector 27"/>
-          <p:cNvCxnSpPr>
-            <a:stCxn id="26" idx="3"/>
-          </p:cNvCxnSpPr>
-          <p:nvPr/>
-        </p:nvCxnSpPr>
-        <p:spPr>
-          <a:xfrm flipV="1">
-            <a:off x="3311236" y="4583367"/>
-            <a:ext cx="727236" cy="183392"/>
-          </a:xfrm>
-          <a:prstGeom prst="straightConnector1">
-            <a:avLst/>
-          </a:prstGeom>
-          <a:ln>
-            <a:solidFill>
-              <a:schemeClr val="tx1"/>
-            </a:solidFill>
-            <a:tailEnd type="triangle"/>
-          </a:ln>
-        </p:spPr>
-        <p:style>
-          <a:lnRef idx="1">
-            <a:schemeClr val="accent1"/>
-          </a:lnRef>
-          <a:fillRef idx="0">
-            <a:schemeClr val="accent1"/>
-          </a:fillRef>
-          <a:effectRef idx="0">
-            <a:schemeClr val="accent1"/>
-          </a:effectRef>
-          <a:fontRef idx="minor">
-            <a:schemeClr val="tx1"/>
-          </a:fontRef>
-        </p:style>
-      </p:cxnSp>
-    </p:spTree>
-    <p:extLst>
-      <p:ext uri="{BB962C8B-B14F-4D97-AF65-F5344CB8AC3E}">
-        <p14:creationId xmlns:p14="http://schemas.microsoft.com/office/powerpoint/2010/main" val="185665706"/>
-      </p:ext>
-    </p:extLst>
-  </p:cSld>
-  <p:clrMapOvr>
-    <a:masterClrMapping/>
-  </p:clrMapOvr>
-</p:sld>
-</file>
-
-<file path=ppt/slides/slide18.xml><?xml version="1.0" encoding="utf-8"?>
-<p:sld xmlns:a="http://schemas.openxmlformats.org/drawingml/2006/main" xmlns:r="http://schemas.openxmlformats.org/officeDocument/2006/relationships" xmlns:p="http://schemas.openxmlformats.org/presentationml/2006/main">
-  <p:cSld>
-    <p:spTree>
-      <p:nvGrpSpPr>
-        <p:cNvPr id="1" name=""/>
-        <p:cNvGrpSpPr/>
-        <p:nvPr/>
-      </p:nvGrpSpPr>
-      <p:grpSpPr>
-        <a:xfrm>
-          <a:off x="0" y="0"/>
-          <a:ext cx="0" cy="0"/>
-          <a:chOff x="0" y="0"/>
-          <a:chExt cx="0" cy="0"/>
-        </a:xfrm>
-      </p:grpSpPr>
-      <p:sp>
-        <p:nvSpPr>
-          <p:cNvPr id="2" name="Title 1"/>
-          <p:cNvSpPr>
-            <a:spLocks noGrp="1"/>
-          </p:cNvSpPr>
-          <p:nvPr>
-            <p:ph type="ctrTitle"/>
-          </p:nvPr>
-        </p:nvSpPr>
-        <p:spPr/>
-        <p:txBody>
-          <a:bodyPr/>
-          <a:lstStyle/>
-          <a:p>
-            <a:r>
-              <a:rPr lang="en-US" dirty="0" smtClean="0"/>
-              <a:t>How it works</a:t>
-            </a:r>
-            <a:endParaRPr lang="en-US" dirty="0"/>
-          </a:p>
-        </p:txBody>
-      </p:sp>
-    </p:spTree>
-    <p:extLst>
-      <p:ext uri="{BB962C8B-B14F-4D97-AF65-F5344CB8AC3E}">
-        <p14:creationId xmlns:p14="http://schemas.microsoft.com/office/powerpoint/2010/main" val="2002640623"/>
-      </p:ext>
-    </p:extLst>
-  </p:cSld>
-  <p:clrMapOvr>
-    <a:masterClrMapping/>
-  </p:clrMapOvr>
-</p:sld>
-</file>
-
-<file path=ppt/slides/slide19.xml><?xml version="1.0" encoding="utf-8"?>
-<p:sld xmlns:a="http://schemas.openxmlformats.org/drawingml/2006/main" xmlns:r="http://schemas.openxmlformats.org/officeDocument/2006/relationships" xmlns:p="http://schemas.openxmlformats.org/presentationml/2006/main">
-  <p:cSld>
-    <p:spTree>
-      <p:nvGrpSpPr>
-        <p:cNvPr id="1" name=""/>
-        <p:cNvGrpSpPr/>
-        <p:nvPr/>
-      </p:nvGrpSpPr>
-      <p:grpSpPr>
-        <a:xfrm>
-          <a:off x="0" y="0"/>
-          <a:ext cx="0" cy="0"/>
-          <a:chOff x="0" y="0"/>
-          <a:chExt cx="0" cy="0"/>
-        </a:xfrm>
-      </p:grpSpPr>
-      <p:sp>
-        <p:nvSpPr>
-          <p:cNvPr id="14" name="AutoShape 2" descr="Box Logo"/>
-          <p:cNvSpPr>
-            <a:spLocks noChangeAspect="1" noChangeArrowheads="1"/>
-          </p:cNvSpPr>
-          <p:nvPr/>
-        </p:nvSpPr>
-        <p:spPr bwMode="auto">
-          <a:xfrm>
-            <a:off x="-129528" y="4675716"/>
-            <a:ext cx="304800" cy="304800"/>
-          </a:xfrm>
-          <a:prstGeom prst="rect">
-            <a:avLst/>
-          </a:prstGeom>
-          <a:noFill/>
-          <a:extLst>
-            <a:ext uri="{909E8E84-426E-40DD-AFC4-6F175D3DCCD1}">
-              <a14:hiddenFill xmlns:a14="http://schemas.microsoft.com/office/drawing/2010/main">
-                <a:solidFill>
-                  <a:srgbClr val="FFFFFF"/>
-                </a:solidFill>
-              </a14:hiddenFill>
-            </a:ext>
-          </a:extLst>
-        </p:spPr>
-        <p:txBody>
-          <a:bodyPr vert="horz" wrap="square" lIns="91440" tIns="45720" rIns="91440" bIns="45720" numCol="1" anchor="t" anchorCtr="0" compatLnSpc="1">
-            <a:prstTxWarp prst="textNoShape">
-              <a:avLst/>
-            </a:prstTxWarp>
-          </a:bodyPr>
-          <a:lstStyle/>
-          <a:p>
-            <a:endParaRPr lang="en-US"/>
-          </a:p>
-        </p:txBody>
-      </p:sp>
-      <p:pic>
-        <p:nvPicPr>
-          <p:cNvPr id="12" name="Picture 11"/>
-          <p:cNvPicPr>
-            <a:picLocks noChangeAspect="1"/>
-          </p:cNvPicPr>
-          <p:nvPr/>
-        </p:nvPicPr>
-        <p:blipFill rotWithShape="1">
-          <a:blip r:embed="rId2"/>
-          <a:srcRect l="-507" t="21462" r="507" b="56722"/>
-          <a:stretch/>
-        </p:blipFill>
-        <p:spPr>
-          <a:xfrm>
-            <a:off x="4302336" y="2397459"/>
-            <a:ext cx="4071422" cy="3172259"/>
-          </a:xfrm>
-          <a:prstGeom prst="rect">
-            <a:avLst/>
-          </a:prstGeom>
-        </p:spPr>
-      </p:pic>
-      <p:pic>
-        <p:nvPicPr>
-          <p:cNvPr id="14338" name="Picture 2" descr="mage result for emoji person"/>
-          <p:cNvPicPr>
-            <a:picLocks noChangeAspect="1" noChangeArrowheads="1"/>
-          </p:cNvPicPr>
-          <p:nvPr/>
-        </p:nvPicPr>
-        <p:blipFill>
-          <a:blip r:embed="rId3">
-            <a:extLst>
-              <a:ext uri="{28A0092B-C50C-407E-A947-70E740481C1C}">
-                <a14:useLocalDpi xmlns:a14="http://schemas.microsoft.com/office/drawing/2010/main" val="0"/>
-              </a:ext>
-            </a:extLst>
-          </a:blip>
-          <a:srcRect/>
-          <a:stretch>
-            <a:fillRect/>
-          </a:stretch>
-        </p:blipFill>
-        <p:spPr bwMode="auto">
-          <a:xfrm>
-            <a:off x="265327" y="4980516"/>
-            <a:ext cx="692727" cy="692727"/>
-          </a:xfrm>
-          <a:prstGeom prst="rect">
-            <a:avLst/>
-          </a:prstGeom>
-          <a:noFill/>
-          <a:extLst>
-            <a:ext uri="{909E8E84-426E-40DD-AFC4-6F175D3DCCD1}">
-              <a14:hiddenFill xmlns:a14="http://schemas.microsoft.com/office/drawing/2010/main">
-                <a:solidFill>
-                  <a:srgbClr val="FFFFFF"/>
-                </a:solidFill>
-              </a14:hiddenFill>
-            </a:ext>
-          </a:extLst>
-        </p:spPr>
-      </p:pic>
-      <p:pic>
-        <p:nvPicPr>
-          <p:cNvPr id="14340" name="Picture 4" descr="mage result for emoji person"/>
-          <p:cNvPicPr>
-            <a:picLocks noChangeAspect="1" noChangeArrowheads="1"/>
-          </p:cNvPicPr>
-          <p:nvPr/>
-        </p:nvPicPr>
-        <p:blipFill>
-          <a:blip r:embed="rId4">
-            <a:extLst>
-              <a:ext uri="{28A0092B-C50C-407E-A947-70E740481C1C}">
-                <a14:useLocalDpi xmlns:a14="http://schemas.microsoft.com/office/drawing/2010/main" val="0"/>
-              </a:ext>
-            </a:extLst>
-          </a:blip>
-          <a:srcRect/>
-          <a:stretch>
-            <a:fillRect/>
-          </a:stretch>
-        </p:blipFill>
-        <p:spPr bwMode="auto">
-          <a:xfrm>
-            <a:off x="464128" y="2719566"/>
-            <a:ext cx="1524000" cy="1524000"/>
-          </a:xfrm>
-          <a:prstGeom prst="rect">
-            <a:avLst/>
-          </a:prstGeom>
-          <a:noFill/>
-          <a:extLst>
-            <a:ext uri="{909E8E84-426E-40DD-AFC4-6F175D3DCCD1}">
-              <a14:hiddenFill xmlns:a14="http://schemas.microsoft.com/office/drawing/2010/main">
-                <a:solidFill>
-                  <a:srgbClr val="FFFFFF"/>
-                </a:solidFill>
-              </a14:hiddenFill>
-            </a:ext>
-          </a:extLst>
-        </p:spPr>
-      </p:pic>
-      <p:pic>
-        <p:nvPicPr>
-          <p:cNvPr id="16" name="Picture 4" descr="mage result for emoji person"/>
-          <p:cNvPicPr>
-            <a:picLocks noChangeAspect="1" noChangeArrowheads="1"/>
-          </p:cNvPicPr>
-          <p:nvPr/>
-        </p:nvPicPr>
-        <p:blipFill>
-          <a:blip r:embed="rId4">
-            <a:extLst>
-              <a:ext uri="{28A0092B-C50C-407E-A947-70E740481C1C}">
-                <a14:useLocalDpi xmlns:a14="http://schemas.microsoft.com/office/drawing/2010/main" val="0"/>
-              </a:ext>
-            </a:extLst>
-          </a:blip>
-          <a:srcRect/>
-          <a:stretch>
-            <a:fillRect/>
-          </a:stretch>
-        </p:blipFill>
-        <p:spPr bwMode="auto">
-          <a:xfrm>
-            <a:off x="1048109" y="4952808"/>
-            <a:ext cx="720436" cy="720436"/>
-          </a:xfrm>
-          <a:prstGeom prst="rect">
-            <a:avLst/>
-          </a:prstGeom>
-          <a:noFill/>
-          <a:extLst>
-            <a:ext uri="{909E8E84-426E-40DD-AFC4-6F175D3DCCD1}">
-              <a14:hiddenFill xmlns:a14="http://schemas.microsoft.com/office/drawing/2010/main">
-                <a:solidFill>
-                  <a:srgbClr val="FFFFFF"/>
-                </a:solidFill>
-              </a14:hiddenFill>
-            </a:ext>
-          </a:extLst>
-        </p:spPr>
-      </p:pic>
-      <p:pic>
-        <p:nvPicPr>
-          <p:cNvPr id="17" name="Picture 2" descr="mage result for emoji person"/>
-          <p:cNvPicPr>
-            <a:picLocks noChangeAspect="1" noChangeArrowheads="1"/>
-          </p:cNvPicPr>
-          <p:nvPr/>
-        </p:nvPicPr>
-        <p:blipFill>
-          <a:blip r:embed="rId3">
-            <a:extLst>
-              <a:ext uri="{28A0092B-C50C-407E-A947-70E740481C1C}">
-                <a14:useLocalDpi xmlns:a14="http://schemas.microsoft.com/office/drawing/2010/main" val="0"/>
-              </a:ext>
-            </a:extLst>
-          </a:blip>
-          <a:srcRect/>
-          <a:stretch>
-            <a:fillRect/>
-          </a:stretch>
-        </p:blipFill>
-        <p:spPr bwMode="auto">
-          <a:xfrm>
-            <a:off x="1858600" y="5008224"/>
-            <a:ext cx="692727" cy="692727"/>
-          </a:xfrm>
-          <a:prstGeom prst="rect">
-            <a:avLst/>
-          </a:prstGeom>
-          <a:noFill/>
-          <a:extLst>
-            <a:ext uri="{909E8E84-426E-40DD-AFC4-6F175D3DCCD1}">
-              <a14:hiddenFill xmlns:a14="http://schemas.microsoft.com/office/drawing/2010/main">
-                <a:solidFill>
-                  <a:srgbClr val="FFFFFF"/>
-                </a:solidFill>
-              </a14:hiddenFill>
-            </a:ext>
-          </a:extLst>
-        </p:spPr>
-      </p:pic>
-      <p:pic>
-        <p:nvPicPr>
-          <p:cNvPr id="18" name="Picture 4" descr="mage result for emoji person"/>
-          <p:cNvPicPr>
-            <a:picLocks noChangeAspect="1" noChangeArrowheads="1"/>
-          </p:cNvPicPr>
-          <p:nvPr/>
-        </p:nvPicPr>
-        <p:blipFill>
-          <a:blip r:embed="rId4">
-            <a:extLst>
-              <a:ext uri="{28A0092B-C50C-407E-A947-70E740481C1C}">
-                <a14:useLocalDpi xmlns:a14="http://schemas.microsoft.com/office/drawing/2010/main" val="0"/>
-              </a:ext>
-            </a:extLst>
-          </a:blip>
-          <a:srcRect/>
-          <a:stretch>
-            <a:fillRect/>
-          </a:stretch>
-        </p:blipFill>
-        <p:spPr bwMode="auto">
-          <a:xfrm>
-            <a:off x="2641382" y="4980516"/>
-            <a:ext cx="720436" cy="720436"/>
-          </a:xfrm>
-          <a:prstGeom prst="rect">
-            <a:avLst/>
-          </a:prstGeom>
-          <a:noFill/>
-          <a:extLst>
-            <a:ext uri="{909E8E84-426E-40DD-AFC4-6F175D3DCCD1}">
-              <a14:hiddenFill xmlns:a14="http://schemas.microsoft.com/office/drawing/2010/main">
-                <a:solidFill>
-                  <a:srgbClr val="FFFFFF"/>
-                </a:solidFill>
-              </a14:hiddenFill>
-            </a:ext>
-          </a:extLst>
-        </p:spPr>
-      </p:pic>
-      <p:pic>
-        <p:nvPicPr>
-          <p:cNvPr id="19" name="Picture 2" descr="mage result for emoji person"/>
-          <p:cNvPicPr>
-            <a:picLocks noChangeAspect="1" noChangeArrowheads="1"/>
-          </p:cNvPicPr>
-          <p:nvPr/>
-        </p:nvPicPr>
-        <p:blipFill>
-          <a:blip r:embed="rId3">
-            <a:extLst>
-              <a:ext uri="{28A0092B-C50C-407E-A947-70E740481C1C}">
-                <a14:useLocalDpi xmlns:a14="http://schemas.microsoft.com/office/drawing/2010/main" val="0"/>
-              </a:ext>
-            </a:extLst>
-          </a:blip>
-          <a:srcRect/>
-          <a:stretch>
-            <a:fillRect/>
-          </a:stretch>
-        </p:blipFill>
-        <p:spPr bwMode="auto">
-          <a:xfrm>
-            <a:off x="1048109" y="5770228"/>
-            <a:ext cx="692727" cy="692727"/>
-          </a:xfrm>
-          <a:prstGeom prst="rect">
-            <a:avLst/>
-          </a:prstGeom>
-          <a:noFill/>
-          <a:extLst>
-            <a:ext uri="{909E8E84-426E-40DD-AFC4-6F175D3DCCD1}">
-              <a14:hiddenFill xmlns:a14="http://schemas.microsoft.com/office/drawing/2010/main">
-                <a:solidFill>
-                  <a:srgbClr val="FFFFFF"/>
-                </a:solidFill>
-              </a14:hiddenFill>
-            </a:ext>
-          </a:extLst>
-        </p:spPr>
-      </p:pic>
-      <p:pic>
-        <p:nvPicPr>
-          <p:cNvPr id="21" name="Picture 4" descr="mage result for emoji person"/>
-          <p:cNvPicPr>
-            <a:picLocks noChangeAspect="1" noChangeArrowheads="1"/>
-          </p:cNvPicPr>
-          <p:nvPr/>
-        </p:nvPicPr>
-        <p:blipFill>
-          <a:blip r:embed="rId4">
-            <a:extLst>
-              <a:ext uri="{28A0092B-C50C-407E-A947-70E740481C1C}">
-                <a14:useLocalDpi xmlns:a14="http://schemas.microsoft.com/office/drawing/2010/main" val="0"/>
-              </a:ext>
-            </a:extLst>
-          </a:blip>
-          <a:srcRect/>
-          <a:stretch>
-            <a:fillRect/>
-          </a:stretch>
-        </p:blipFill>
-        <p:spPr bwMode="auto">
-          <a:xfrm>
-            <a:off x="265327" y="5742519"/>
-            <a:ext cx="720436" cy="720436"/>
-          </a:xfrm>
-          <a:prstGeom prst="rect">
-            <a:avLst/>
-          </a:prstGeom>
-          <a:noFill/>
-          <a:extLst>
-            <a:ext uri="{909E8E84-426E-40DD-AFC4-6F175D3DCCD1}">
-              <a14:hiddenFill xmlns:a14="http://schemas.microsoft.com/office/drawing/2010/main">
-                <a:solidFill>
-                  <a:srgbClr val="FFFFFF"/>
-                </a:solidFill>
-              </a14:hiddenFill>
-            </a:ext>
-          </a:extLst>
-        </p:spPr>
-      </p:pic>
-      <p:sp>
-        <p:nvSpPr>
-          <p:cNvPr id="3" name="Snip and Round Single Corner Rectangle 2"/>
-          <p:cNvSpPr/>
-          <p:nvPr/>
-        </p:nvSpPr>
-        <p:spPr>
-          <a:xfrm>
-            <a:off x="4123765" y="2115671"/>
-            <a:ext cx="4428564" cy="1165411"/>
-          </a:xfrm>
-          <a:prstGeom prst="snipRoundRect">
-            <a:avLst/>
-          </a:prstGeom>
-          <a:noFill/>
-          <a:ln>
-            <a:solidFill>
-              <a:schemeClr val="tx1"/>
-            </a:solidFill>
-          </a:ln>
-        </p:spPr>
-        <p:style>
-          <a:lnRef idx="2">
-            <a:schemeClr val="accent1">
-              <a:shade val="50000"/>
-            </a:schemeClr>
-          </a:lnRef>
-          <a:fillRef idx="1">
-            <a:schemeClr val="accent1"/>
-          </a:fillRef>
-          <a:effectRef idx="0">
-            <a:schemeClr val="accent1"/>
-          </a:effectRef>
-          <a:fontRef idx="minor">
-            <a:schemeClr val="lt1"/>
-          </a:fontRef>
-        </p:style>
-        <p:txBody>
-          <a:bodyPr rtlCol="0" anchor="ctr"/>
-          <a:lstStyle/>
-          <a:p>
-            <a:pPr algn="ctr"/>
-            <a:endParaRPr lang="en-US"/>
-          </a:p>
-        </p:txBody>
-      </p:sp>
-      <p:sp>
-        <p:nvSpPr>
-          <p:cNvPr id="22" name="Snip and Round Single Corner Rectangle 21"/>
-          <p:cNvSpPr/>
-          <p:nvPr/>
-        </p:nvSpPr>
-        <p:spPr>
-          <a:xfrm>
-            <a:off x="4123765" y="3281082"/>
-            <a:ext cx="4428564" cy="2570424"/>
-          </a:xfrm>
-          <a:prstGeom prst="snipRoundRect">
-            <a:avLst/>
-          </a:prstGeom>
-          <a:noFill/>
-          <a:ln>
-            <a:solidFill>
-              <a:schemeClr val="tx1"/>
-            </a:solidFill>
-          </a:ln>
-        </p:spPr>
-        <p:style>
-          <a:lnRef idx="2">
-            <a:schemeClr val="accent1">
-              <a:shade val="50000"/>
-            </a:schemeClr>
-          </a:lnRef>
-          <a:fillRef idx="1">
-            <a:schemeClr val="accent1"/>
-          </a:fillRef>
-          <a:effectRef idx="0">
-            <a:schemeClr val="accent1"/>
-          </a:effectRef>
-          <a:fontRef idx="minor">
-            <a:schemeClr val="lt1"/>
-          </a:fontRef>
-        </p:style>
-        <p:txBody>
-          <a:bodyPr rtlCol="0" anchor="ctr"/>
-          <a:lstStyle/>
-          <a:p>
-            <a:pPr algn="ctr"/>
-            <a:endParaRPr lang="en-US"/>
-          </a:p>
-        </p:txBody>
-      </p:sp>
-      <p:sp>
-        <p:nvSpPr>
-          <p:cNvPr id="5" name="TextBox 4"/>
-          <p:cNvSpPr txBox="1"/>
-          <p:nvPr/>
-        </p:nvSpPr>
-        <p:spPr>
-          <a:xfrm>
-            <a:off x="4284406" y="1721224"/>
-            <a:ext cx="1996059" cy="369332"/>
-          </a:xfrm>
-          <a:prstGeom prst="rect">
-            <a:avLst/>
-          </a:prstGeom>
-          <a:noFill/>
-        </p:spPr>
-        <p:txBody>
-          <a:bodyPr wrap="none" rtlCol="0">
-            <a:spAutoFit/>
-          </a:bodyPr>
-          <a:lstStyle/>
-          <a:p>
-            <a:r>
-              <a:rPr lang="en-US" b="1" dirty="0" smtClean="0">
-                <a:latin typeface="SF Pro Display" charset="0"/>
-                <a:ea typeface="SF Pro Display" charset="0"/>
-                <a:cs typeface="SF Pro Display" charset="0"/>
-              </a:rPr>
-              <a:t>ERC-20 Contract</a:t>
-            </a:r>
-            <a:endParaRPr lang="en-US" b="1" dirty="0">
-              <a:latin typeface="SF Pro Display" charset="0"/>
-              <a:ea typeface="SF Pro Display" charset="0"/>
-              <a:cs typeface="SF Pro Display" charset="0"/>
-            </a:endParaRPr>
-          </a:p>
-        </p:txBody>
-      </p:sp>
-      <p:sp>
-        <p:nvSpPr>
-          <p:cNvPr id="23" name="TextBox 22"/>
-          <p:cNvSpPr txBox="1"/>
-          <p:nvPr/>
-        </p:nvSpPr>
-        <p:spPr>
-          <a:xfrm>
-            <a:off x="4228257" y="5893070"/>
-            <a:ext cx="1673856" cy="369332"/>
-          </a:xfrm>
-          <a:prstGeom prst="rect">
-            <a:avLst/>
-          </a:prstGeom>
-          <a:noFill/>
-        </p:spPr>
-        <p:txBody>
-          <a:bodyPr wrap="none" rtlCol="0">
-            <a:spAutoFit/>
-          </a:bodyPr>
-          <a:lstStyle/>
-          <a:p>
-            <a:r>
-              <a:rPr lang="en-US" b="1" dirty="0" smtClean="0">
-                <a:latin typeface="SF Pro Display" charset="0"/>
-                <a:ea typeface="SF Pro Display" charset="0"/>
-                <a:cs typeface="SF Pro Display" charset="0"/>
-              </a:rPr>
-              <a:t>Loan Contract</a:t>
-            </a:r>
-            <a:endParaRPr lang="en-US" b="1" dirty="0">
-              <a:latin typeface="SF Pro Display" charset="0"/>
-              <a:ea typeface="SF Pro Display" charset="0"/>
-              <a:cs typeface="SF Pro Display" charset="0"/>
-            </a:endParaRPr>
-          </a:p>
-        </p:txBody>
-      </p:sp>
-      <p:cxnSp>
-        <p:nvCxnSpPr>
-          <p:cNvPr id="7" name="Straight Arrow Connector 6"/>
-          <p:cNvCxnSpPr/>
-          <p:nvPr/>
-        </p:nvCxnSpPr>
-        <p:spPr>
-          <a:xfrm flipV="1">
-            <a:off x="1970198" y="2337944"/>
-            <a:ext cx="2314208" cy="783190"/>
-          </a:xfrm>
-          <a:prstGeom prst="straightConnector1">
-            <a:avLst/>
-          </a:prstGeom>
-          <a:ln w="28575">
-            <a:solidFill>
-              <a:schemeClr val="tx1"/>
-            </a:solidFill>
-            <a:tailEnd type="triangle"/>
-          </a:ln>
-        </p:spPr>
-        <p:style>
-          <a:lnRef idx="1">
-            <a:schemeClr val="accent1"/>
-          </a:lnRef>
-          <a:fillRef idx="0">
-            <a:schemeClr val="accent1"/>
-          </a:fillRef>
-          <a:effectRef idx="0">
-            <a:schemeClr val="accent1"/>
-          </a:effectRef>
-          <a:fontRef idx="minor">
-            <a:schemeClr val="tx1"/>
-          </a:fontRef>
-        </p:style>
-      </p:cxnSp>
-      <p:sp>
-        <p:nvSpPr>
-          <p:cNvPr id="26" name="TextBox 25"/>
-          <p:cNvSpPr txBox="1"/>
-          <p:nvPr/>
-        </p:nvSpPr>
-        <p:spPr>
-          <a:xfrm rot="20484665">
-            <a:off x="2181131" y="2398027"/>
-            <a:ext cx="1508746" cy="369332"/>
-          </a:xfrm>
-          <a:prstGeom prst="rect">
-            <a:avLst/>
-          </a:prstGeom>
-          <a:noFill/>
-        </p:spPr>
-        <p:txBody>
-          <a:bodyPr wrap="none" rtlCol="0">
-            <a:spAutoFit/>
-          </a:bodyPr>
-          <a:lstStyle/>
-          <a:p>
-            <a:r>
-              <a:rPr lang="en-US" b="1" smtClean="0">
-                <a:latin typeface="SF Pro Display" charset="0"/>
-                <a:ea typeface="SF Pro Display" charset="0"/>
-                <a:cs typeface="SF Pro Display" charset="0"/>
-              </a:rPr>
-              <a:t>Contribution</a:t>
-            </a:r>
-            <a:endParaRPr lang="en-US" b="1" dirty="0">
-              <a:latin typeface="SF Pro Display" charset="0"/>
-              <a:ea typeface="SF Pro Display" charset="0"/>
-              <a:cs typeface="SF Pro Display" charset="0"/>
-            </a:endParaRPr>
-          </a:p>
-        </p:txBody>
-      </p:sp>
-      <p:cxnSp>
-        <p:nvCxnSpPr>
-          <p:cNvPr id="28" name="Straight Arrow Connector 27"/>
-          <p:cNvCxnSpPr/>
-          <p:nvPr/>
-        </p:nvCxnSpPr>
-        <p:spPr>
-          <a:xfrm flipH="1">
-            <a:off x="2161527" y="3039765"/>
-            <a:ext cx="2301450" cy="842059"/>
-          </a:xfrm>
-          <a:prstGeom prst="straightConnector1">
-            <a:avLst/>
-          </a:prstGeom>
-          <a:ln w="28575">
-            <a:solidFill>
-              <a:schemeClr val="tx1"/>
-            </a:solidFill>
-            <a:tailEnd type="triangle"/>
-          </a:ln>
-        </p:spPr>
-        <p:style>
-          <a:lnRef idx="1">
-            <a:schemeClr val="accent1"/>
-          </a:lnRef>
-          <a:fillRef idx="0">
-            <a:schemeClr val="accent1"/>
-          </a:fillRef>
-          <a:effectRef idx="0">
-            <a:schemeClr val="accent1"/>
-          </a:effectRef>
-          <a:fontRef idx="minor">
-            <a:schemeClr val="tx1"/>
-          </a:fontRef>
-        </p:style>
-      </p:cxnSp>
-      <p:sp>
-        <p:nvSpPr>
-          <p:cNvPr id="32" name="TextBox 31"/>
-          <p:cNvSpPr txBox="1"/>
-          <p:nvPr/>
-        </p:nvSpPr>
-        <p:spPr>
-          <a:xfrm rot="20484665">
-            <a:off x="2195183" y="3581797"/>
-            <a:ext cx="2467342" cy="646331"/>
-          </a:xfrm>
-          <a:prstGeom prst="rect">
-            <a:avLst/>
-          </a:prstGeom>
-          <a:noFill/>
-        </p:spPr>
-        <p:txBody>
-          <a:bodyPr wrap="none" rtlCol="0">
-            <a:spAutoFit/>
-          </a:bodyPr>
-          <a:lstStyle/>
-          <a:p>
-            <a:pPr algn="ctr"/>
-            <a:r>
-              <a:rPr lang="en-US" b="1" smtClean="0">
-                <a:latin typeface="SF Pro Display" charset="0"/>
-                <a:ea typeface="SF Pro Display" charset="0"/>
-                <a:cs typeface="SF Pro Display" charset="0"/>
-              </a:rPr>
-              <a:t>Fractional Ownership </a:t>
-            </a:r>
-            <a:br>
-              <a:rPr lang="en-US" b="1" smtClean="0">
-                <a:latin typeface="SF Pro Display" charset="0"/>
-                <a:ea typeface="SF Pro Display" charset="0"/>
-                <a:cs typeface="SF Pro Display" charset="0"/>
-              </a:rPr>
-            </a:br>
-            <a:r>
-              <a:rPr lang="en-US" b="1" smtClean="0">
-                <a:latin typeface="SF Pro Display" charset="0"/>
-                <a:ea typeface="SF Pro Display" charset="0"/>
-                <a:cs typeface="SF Pro Display" charset="0"/>
-              </a:rPr>
-              <a:t>Debt Token</a:t>
-            </a:r>
-            <a:endParaRPr lang="en-US" b="1" dirty="0">
-              <a:latin typeface="SF Pro Display" charset="0"/>
-              <a:ea typeface="SF Pro Display" charset="0"/>
-              <a:cs typeface="SF Pro Display" charset="0"/>
-            </a:endParaRPr>
-          </a:p>
-        </p:txBody>
-      </p:sp>
-      <p:pic>
-        <p:nvPicPr>
-          <p:cNvPr id="14342" name="Picture 6" descr="oman on Apple iOS 12.2"/>
-          <p:cNvPicPr>
-            <a:picLocks noChangeAspect="1" noChangeArrowheads="1"/>
-          </p:cNvPicPr>
-          <p:nvPr/>
-        </p:nvPicPr>
-        <p:blipFill>
-          <a:blip r:embed="rId5">
-            <a:extLst>
-              <a:ext uri="{28A0092B-C50C-407E-A947-70E740481C1C}">
-                <a14:useLocalDpi xmlns:a14="http://schemas.microsoft.com/office/drawing/2010/main" val="0"/>
-              </a:ext>
-            </a:extLst>
-          </a:blip>
-          <a:srcRect/>
-          <a:stretch>
-            <a:fillRect/>
-          </a:stretch>
-        </p:blipFill>
-        <p:spPr bwMode="auto">
-          <a:xfrm>
-            <a:off x="10289715" y="3310324"/>
-            <a:ext cx="1143000" cy="1143000"/>
-          </a:xfrm>
-          <a:prstGeom prst="rect">
-            <a:avLst/>
-          </a:prstGeom>
-          <a:noFill/>
-          <a:extLst>
-            <a:ext uri="{909E8E84-426E-40DD-AFC4-6F175D3DCCD1}">
-              <a14:hiddenFill xmlns:a14="http://schemas.microsoft.com/office/drawing/2010/main">
-                <a:solidFill>
-                  <a:srgbClr val="FFFFFF"/>
-                </a:solidFill>
-              </a14:hiddenFill>
-            </a:ext>
-          </a:extLst>
-        </p:spPr>
-      </p:pic>
-      <p:sp>
-        <p:nvSpPr>
-          <p:cNvPr id="31" name="TextBox 30"/>
-          <p:cNvSpPr txBox="1"/>
-          <p:nvPr/>
-        </p:nvSpPr>
-        <p:spPr>
-          <a:xfrm>
-            <a:off x="894434" y="4315282"/>
-            <a:ext cx="920445" cy="369332"/>
-          </a:xfrm>
-          <a:prstGeom prst="rect">
-            <a:avLst/>
-          </a:prstGeom>
-          <a:noFill/>
-        </p:spPr>
-        <p:txBody>
-          <a:bodyPr wrap="none" rtlCol="0">
-            <a:spAutoFit/>
-          </a:bodyPr>
-          <a:lstStyle/>
-          <a:p>
-            <a:r>
-              <a:rPr lang="en-US" b="1" dirty="0" smtClean="0">
-                <a:latin typeface="SF Pro Display" charset="0"/>
-                <a:ea typeface="SF Pro Display" charset="0"/>
-                <a:cs typeface="SF Pro Display" charset="0"/>
-              </a:rPr>
-              <a:t>Lender</a:t>
-            </a:r>
-            <a:endParaRPr lang="en-US" b="1" dirty="0">
-              <a:latin typeface="SF Pro Display" charset="0"/>
-              <a:ea typeface="SF Pro Display" charset="0"/>
-              <a:cs typeface="SF Pro Display" charset="0"/>
-            </a:endParaRPr>
-          </a:p>
-        </p:txBody>
-      </p:sp>
-      <p:sp>
-        <p:nvSpPr>
-          <p:cNvPr id="36" name="TextBox 35"/>
-          <p:cNvSpPr txBox="1"/>
-          <p:nvPr/>
-        </p:nvSpPr>
-        <p:spPr>
-          <a:xfrm>
-            <a:off x="10257556" y="4584250"/>
-            <a:ext cx="1156086" cy="369332"/>
-          </a:xfrm>
-          <a:prstGeom prst="rect">
-            <a:avLst/>
-          </a:prstGeom>
-          <a:noFill/>
-        </p:spPr>
-        <p:txBody>
-          <a:bodyPr wrap="none" rtlCol="0">
-            <a:spAutoFit/>
-          </a:bodyPr>
-          <a:lstStyle/>
-          <a:p>
-            <a:r>
-              <a:rPr lang="en-US" b="1" dirty="0" smtClean="0">
-                <a:latin typeface="SF Pro Display" charset="0"/>
-                <a:ea typeface="SF Pro Display" charset="0"/>
-                <a:cs typeface="SF Pro Display" charset="0"/>
-              </a:rPr>
-              <a:t>Borrower</a:t>
-            </a:r>
-            <a:endParaRPr lang="en-US" b="1" dirty="0">
-              <a:latin typeface="SF Pro Display" charset="0"/>
-              <a:ea typeface="SF Pro Display" charset="0"/>
-              <a:cs typeface="SF Pro Display" charset="0"/>
-            </a:endParaRPr>
-          </a:p>
-        </p:txBody>
-      </p:sp>
-      <p:cxnSp>
-        <p:nvCxnSpPr>
-          <p:cNvPr id="34" name="Curved Connector 33"/>
-          <p:cNvCxnSpPr/>
-          <p:nvPr/>
-        </p:nvCxnSpPr>
-        <p:spPr>
-          <a:xfrm rot="16200000" flipH="1">
-            <a:off x="7206784" y="2800616"/>
-            <a:ext cx="1400897" cy="395169"/>
-          </a:xfrm>
-          <a:prstGeom prst="curvedConnector4">
-            <a:avLst>
-              <a:gd name="adj1" fmla="val -69945"/>
-              <a:gd name="adj2" fmla="val 384707"/>
-            </a:avLst>
-          </a:prstGeom>
-          <a:ln w="38100">
-            <a:solidFill>
-              <a:schemeClr val="tx1"/>
-            </a:solidFill>
-            <a:tailEnd type="triangle"/>
-          </a:ln>
-        </p:spPr>
-        <p:style>
-          <a:lnRef idx="1">
-            <a:schemeClr val="accent1"/>
-          </a:lnRef>
-          <a:fillRef idx="0">
-            <a:schemeClr val="accent1"/>
-          </a:fillRef>
-          <a:effectRef idx="0">
-            <a:schemeClr val="accent1"/>
-          </a:effectRef>
-          <a:fontRef idx="minor">
-            <a:schemeClr val="tx1"/>
-          </a:fontRef>
-        </p:style>
-      </p:cxnSp>
-      <p:sp>
-        <p:nvSpPr>
-          <p:cNvPr id="48" name="TextBox 47"/>
-          <p:cNvSpPr txBox="1"/>
-          <p:nvPr/>
-        </p:nvSpPr>
-        <p:spPr>
-          <a:xfrm>
-            <a:off x="8888118" y="997527"/>
-            <a:ext cx="1582659" cy="646331"/>
-          </a:xfrm>
-          <a:prstGeom prst="rect">
-            <a:avLst/>
-          </a:prstGeom>
-          <a:noFill/>
-        </p:spPr>
-        <p:txBody>
-          <a:bodyPr wrap="square" rtlCol="0">
-            <a:spAutoFit/>
-          </a:bodyPr>
-          <a:lstStyle/>
-          <a:p>
-            <a:r>
-              <a:rPr lang="en-US" b="1" dirty="0" smtClean="0">
-                <a:latin typeface="SF Pro Display" charset="0"/>
-                <a:ea typeface="SF Pro Display" charset="0"/>
-                <a:cs typeface="SF Pro Display" charset="0"/>
-              </a:rPr>
-              <a:t>Creates Debt Contract </a:t>
-            </a:r>
-            <a:endParaRPr lang="en-US" b="1" dirty="0">
-              <a:latin typeface="SF Pro Display" charset="0"/>
-              <a:ea typeface="SF Pro Display" charset="0"/>
-              <a:cs typeface="SF Pro Display" charset="0"/>
-            </a:endParaRPr>
-          </a:p>
-        </p:txBody>
-      </p:sp>
-      <p:cxnSp>
-        <p:nvCxnSpPr>
-          <p:cNvPr id="50" name="Curved Connector 49"/>
-          <p:cNvCxnSpPr/>
-          <p:nvPr/>
-        </p:nvCxnSpPr>
-        <p:spPr>
-          <a:xfrm rot="10800000">
-            <a:off x="5678757" y="3093081"/>
-            <a:ext cx="2260817" cy="605573"/>
-          </a:xfrm>
-          <a:prstGeom prst="curvedConnector3">
-            <a:avLst>
-              <a:gd name="adj1" fmla="val 99169"/>
-            </a:avLst>
-          </a:prstGeom>
-          <a:ln w="28575">
-            <a:solidFill>
-              <a:schemeClr val="tx1"/>
-            </a:solidFill>
-            <a:tailEnd type="triangle"/>
-          </a:ln>
-        </p:spPr>
-        <p:style>
-          <a:lnRef idx="1">
-            <a:schemeClr val="accent1"/>
-          </a:lnRef>
-          <a:fillRef idx="0">
-            <a:schemeClr val="accent1"/>
-          </a:fillRef>
-          <a:effectRef idx="0">
-            <a:schemeClr val="accent1"/>
-          </a:effectRef>
-          <a:fontRef idx="minor">
-            <a:schemeClr val="tx1"/>
-          </a:fontRef>
-        </p:style>
-      </p:cxnSp>
-      <p:sp>
-        <p:nvSpPr>
-          <p:cNvPr id="61" name="TextBox 60"/>
-          <p:cNvSpPr txBox="1"/>
-          <p:nvPr/>
-        </p:nvSpPr>
-        <p:spPr>
-          <a:xfrm>
-            <a:off x="5038423" y="3798359"/>
-            <a:ext cx="2333983" cy="369332"/>
-          </a:xfrm>
-          <a:prstGeom prst="rect">
-            <a:avLst/>
-          </a:prstGeom>
-          <a:noFill/>
-        </p:spPr>
-        <p:txBody>
-          <a:bodyPr wrap="square" rtlCol="0">
-            <a:spAutoFit/>
-          </a:bodyPr>
-          <a:lstStyle/>
-          <a:p>
-            <a:r>
-              <a:rPr lang="en-US" b="1" smtClean="0">
-                <a:latin typeface="SF Pro Display" charset="0"/>
-                <a:ea typeface="SF Pro Display" charset="0"/>
-                <a:cs typeface="SF Pro Display" charset="0"/>
-              </a:rPr>
-              <a:t>Returns Debt Token</a:t>
-            </a:r>
-            <a:endParaRPr lang="en-US" b="1" dirty="0">
-              <a:latin typeface="SF Pro Display" charset="0"/>
-              <a:ea typeface="SF Pro Display" charset="0"/>
-              <a:cs typeface="SF Pro Display" charset="0"/>
-            </a:endParaRPr>
-          </a:p>
-        </p:txBody>
-      </p:sp>
-      <p:cxnSp>
-        <p:nvCxnSpPr>
-          <p:cNvPr id="72" name="Straight Arrow Connector 71"/>
-          <p:cNvCxnSpPr/>
-          <p:nvPr/>
-        </p:nvCxnSpPr>
-        <p:spPr>
-          <a:xfrm>
-            <a:off x="7939574" y="3983025"/>
-            <a:ext cx="1994019" cy="260541"/>
-          </a:xfrm>
-          <a:prstGeom prst="straightConnector1">
-            <a:avLst/>
-          </a:prstGeom>
-          <a:ln w="28575">
-            <a:solidFill>
-              <a:schemeClr val="tx1"/>
-            </a:solidFill>
-            <a:tailEnd type="triangle"/>
-          </a:ln>
-        </p:spPr>
-        <p:style>
-          <a:lnRef idx="1">
-            <a:schemeClr val="accent1"/>
-          </a:lnRef>
-          <a:fillRef idx="0">
-            <a:schemeClr val="accent1"/>
-          </a:fillRef>
-          <a:effectRef idx="0">
-            <a:schemeClr val="accent1"/>
-          </a:effectRef>
-          <a:fontRef idx="minor">
-            <a:schemeClr val="tx1"/>
-          </a:fontRef>
-        </p:style>
-      </p:cxnSp>
-      <p:sp>
-        <p:nvSpPr>
-          <p:cNvPr id="73" name="TextBox 72"/>
-          <p:cNvSpPr txBox="1"/>
-          <p:nvPr/>
-        </p:nvSpPr>
-        <p:spPr>
-          <a:xfrm>
-            <a:off x="8289546" y="4243275"/>
-            <a:ext cx="1906831" cy="923330"/>
-          </a:xfrm>
-          <a:prstGeom prst="rect">
-            <a:avLst/>
-          </a:prstGeom>
-          <a:noFill/>
-        </p:spPr>
-        <p:txBody>
-          <a:bodyPr wrap="square" rtlCol="0">
-            <a:spAutoFit/>
-          </a:bodyPr>
-          <a:lstStyle/>
-          <a:p>
-            <a:r>
-              <a:rPr lang="en-US" b="1" smtClean="0">
-                <a:latin typeface="SF Pro Display" charset="0"/>
-                <a:ea typeface="SF Pro Display" charset="0"/>
-                <a:cs typeface="SF Pro Display" charset="0"/>
-              </a:rPr>
-              <a:t>Disburses money to borrower</a:t>
-            </a:r>
-            <a:endParaRPr lang="en-US" b="1" dirty="0">
-              <a:latin typeface="SF Pro Display" charset="0"/>
-              <a:ea typeface="SF Pro Display" charset="0"/>
-              <a:cs typeface="SF Pro Display" charset="0"/>
-            </a:endParaRPr>
-          </a:p>
-        </p:txBody>
-      </p:sp>
-      <p:sp>
-        <p:nvSpPr>
-          <p:cNvPr id="76" name="Title 1"/>
-          <p:cNvSpPr>
-            <a:spLocks noGrp="1"/>
-          </p:cNvSpPr>
-          <p:nvPr>
-            <p:ph type="ctrTitle"/>
-          </p:nvPr>
-        </p:nvSpPr>
-        <p:spPr>
-          <a:xfrm>
-            <a:off x="353821" y="332820"/>
-            <a:ext cx="3268613" cy="664707"/>
-          </a:xfrm>
-        </p:spPr>
-        <p:txBody>
-          <a:bodyPr>
-            <a:normAutofit/>
-          </a:bodyPr>
-          <a:lstStyle/>
-          <a:p>
-            <a:pPr algn="l"/>
-            <a:r>
-              <a:rPr lang="en-US" sz="4000" dirty="0" smtClean="0"/>
-              <a:t>Funding flow</a:t>
-            </a:r>
-            <a:endParaRPr lang="en-US" sz="4000" dirty="0"/>
-          </a:p>
-        </p:txBody>
-      </p:sp>
-    </p:spTree>
-    <p:extLst>
-      <p:ext uri="{BB962C8B-B14F-4D97-AF65-F5344CB8AC3E}">
-        <p14:creationId xmlns:p14="http://schemas.microsoft.com/office/powerpoint/2010/main" val="29694500"/>
-      </p:ext>
-    </p:extLst>
-  </p:cSld>
-  <p:clrMapOvr>
-    <a:masterClrMapping/>
-  </p:clrMapOvr>
-</p:sld>
-</file>
-
-<file path=ppt/slides/slide2.xml><?xml version="1.0" encoding="utf-8"?>
-<p:sld xmlns:a="http://schemas.openxmlformats.org/drawingml/2006/main" xmlns:r="http://schemas.openxmlformats.org/officeDocument/2006/relationships" xmlns:p="http://schemas.openxmlformats.org/presentationml/2006/main">
-  <p:cSld>
-    <p:spTree>
-      <p:nvGrpSpPr>
-        <p:cNvPr id="1" name=""/>
-        <p:cNvGrpSpPr/>
-        <p:nvPr/>
-      </p:nvGrpSpPr>
-      <p:grpSpPr>
-        <a:xfrm>
-          <a:off x="0" y="0"/>
-          <a:ext cx="0" cy="0"/>
-          <a:chOff x="0" y="0"/>
-          <a:chExt cx="0" cy="0"/>
-        </a:xfrm>
-      </p:grpSpPr>
-      <p:sp>
-        <p:nvSpPr>
-          <p:cNvPr id="2" name="Title 1"/>
-          <p:cNvSpPr>
-            <a:spLocks noGrp="1"/>
-          </p:cNvSpPr>
-          <p:nvPr>
-            <p:ph type="ctrTitle"/>
-          </p:nvPr>
-        </p:nvSpPr>
-        <p:spPr/>
-        <p:txBody>
-          <a:bodyPr/>
-          <a:lstStyle/>
-          <a:p>
-            <a:r>
-              <a:rPr lang="en-US" dirty="0" smtClean="0"/>
-              <a:t>Hi!</a:t>
-            </a:r>
-            <a:endParaRPr lang="en-US" dirty="0"/>
-          </a:p>
-        </p:txBody>
-      </p:sp>
-    </p:spTree>
-    <p:extLst>
-      <p:ext uri="{BB962C8B-B14F-4D97-AF65-F5344CB8AC3E}">
-        <p14:creationId xmlns:p14="http://schemas.microsoft.com/office/powerpoint/2010/main" val="130058242"/>
-      </p:ext>
-    </p:extLst>
-  </p:cSld>
-  <p:clrMapOvr>
-    <a:masterClrMapping/>
-  </p:clrMapOvr>
-</p:sld>
-</file>
-
-<file path=ppt/slides/slide20.xml><?xml version="1.0" encoding="utf-8"?>
-<p:sld xmlns:a="http://schemas.openxmlformats.org/drawingml/2006/main" xmlns:r="http://schemas.openxmlformats.org/officeDocument/2006/relationships" xmlns:p="http://schemas.openxmlformats.org/presentationml/2006/main">
-  <p:cSld>
-    <p:spTree>
-      <p:nvGrpSpPr>
-        <p:cNvPr id="1" name=""/>
-        <p:cNvGrpSpPr/>
-        <p:nvPr/>
-      </p:nvGrpSpPr>
-      <p:grpSpPr>
-        <a:xfrm>
-          <a:off x="0" y="0"/>
-          <a:ext cx="0" cy="0"/>
-          <a:chOff x="0" y="0"/>
-          <a:chExt cx="0" cy="0"/>
-        </a:xfrm>
-      </p:grpSpPr>
-      <p:sp>
-        <p:nvSpPr>
-          <p:cNvPr id="14" name="AutoShape 2" descr="Box Logo"/>
-          <p:cNvSpPr>
-            <a:spLocks noChangeAspect="1" noChangeArrowheads="1"/>
-          </p:cNvSpPr>
-          <p:nvPr/>
-        </p:nvSpPr>
-        <p:spPr bwMode="auto">
-          <a:xfrm>
-            <a:off x="-129528" y="4675716"/>
-            <a:ext cx="304800" cy="304800"/>
-          </a:xfrm>
-          <a:prstGeom prst="rect">
-            <a:avLst/>
-          </a:prstGeom>
-          <a:noFill/>
-          <a:extLst>
-            <a:ext uri="{909E8E84-426E-40DD-AFC4-6F175D3DCCD1}">
-              <a14:hiddenFill xmlns:a14="http://schemas.microsoft.com/office/drawing/2010/main">
-                <a:solidFill>
-                  <a:srgbClr val="FFFFFF"/>
-                </a:solidFill>
-              </a14:hiddenFill>
-            </a:ext>
-          </a:extLst>
-        </p:spPr>
-        <p:txBody>
-          <a:bodyPr vert="horz" wrap="square" lIns="91440" tIns="45720" rIns="91440" bIns="45720" numCol="1" anchor="t" anchorCtr="0" compatLnSpc="1">
-            <a:prstTxWarp prst="textNoShape">
-              <a:avLst/>
-            </a:prstTxWarp>
-          </a:bodyPr>
-          <a:lstStyle/>
-          <a:p>
-            <a:endParaRPr lang="en-US"/>
-          </a:p>
-        </p:txBody>
-      </p:sp>
-      <p:pic>
-        <p:nvPicPr>
-          <p:cNvPr id="12" name="Picture 11"/>
-          <p:cNvPicPr>
-            <a:picLocks noChangeAspect="1"/>
-          </p:cNvPicPr>
-          <p:nvPr/>
-        </p:nvPicPr>
-        <p:blipFill rotWithShape="1">
-          <a:blip r:embed="rId2"/>
-          <a:srcRect l="-507" t="21462" r="507" b="56722"/>
-          <a:stretch/>
-        </p:blipFill>
-        <p:spPr>
-          <a:xfrm>
-            <a:off x="4302336" y="2397459"/>
-            <a:ext cx="4071422" cy="3172259"/>
-          </a:xfrm>
-          <a:prstGeom prst="rect">
-            <a:avLst/>
-          </a:prstGeom>
-        </p:spPr>
-      </p:pic>
-      <p:pic>
-        <p:nvPicPr>
-          <p:cNvPr id="14338" name="Picture 2" descr="mage result for emoji person"/>
-          <p:cNvPicPr>
-            <a:picLocks noChangeAspect="1" noChangeArrowheads="1"/>
-          </p:cNvPicPr>
-          <p:nvPr/>
-        </p:nvPicPr>
-        <p:blipFill>
-          <a:blip r:embed="rId3">
-            <a:extLst>
-              <a:ext uri="{28A0092B-C50C-407E-A947-70E740481C1C}">
-                <a14:useLocalDpi xmlns:a14="http://schemas.microsoft.com/office/drawing/2010/main" val="0"/>
-              </a:ext>
-            </a:extLst>
-          </a:blip>
-          <a:srcRect/>
-          <a:stretch>
-            <a:fillRect/>
-          </a:stretch>
-        </p:blipFill>
-        <p:spPr bwMode="auto">
-          <a:xfrm>
-            <a:off x="265327" y="4980516"/>
-            <a:ext cx="692727" cy="692727"/>
-          </a:xfrm>
-          <a:prstGeom prst="rect">
-            <a:avLst/>
-          </a:prstGeom>
-          <a:noFill/>
-          <a:extLst>
-            <a:ext uri="{909E8E84-426E-40DD-AFC4-6F175D3DCCD1}">
-              <a14:hiddenFill xmlns:a14="http://schemas.microsoft.com/office/drawing/2010/main">
-                <a:solidFill>
-                  <a:srgbClr val="FFFFFF"/>
-                </a:solidFill>
-              </a14:hiddenFill>
-            </a:ext>
-          </a:extLst>
-        </p:spPr>
-      </p:pic>
-      <p:pic>
-        <p:nvPicPr>
-          <p:cNvPr id="14340" name="Picture 4" descr="mage result for emoji person"/>
-          <p:cNvPicPr>
-            <a:picLocks noChangeAspect="1" noChangeArrowheads="1"/>
-          </p:cNvPicPr>
-          <p:nvPr/>
-        </p:nvPicPr>
-        <p:blipFill>
-          <a:blip r:embed="rId4">
-            <a:extLst>
-              <a:ext uri="{28A0092B-C50C-407E-A947-70E740481C1C}">
-                <a14:useLocalDpi xmlns:a14="http://schemas.microsoft.com/office/drawing/2010/main" val="0"/>
-              </a:ext>
-            </a:extLst>
-          </a:blip>
-          <a:srcRect/>
-          <a:stretch>
-            <a:fillRect/>
-          </a:stretch>
-        </p:blipFill>
-        <p:spPr bwMode="auto">
-          <a:xfrm>
-            <a:off x="464128" y="2719566"/>
-            <a:ext cx="1524000" cy="1524000"/>
-          </a:xfrm>
-          <a:prstGeom prst="rect">
-            <a:avLst/>
-          </a:prstGeom>
-          <a:noFill/>
-          <a:extLst>
-            <a:ext uri="{909E8E84-426E-40DD-AFC4-6F175D3DCCD1}">
-              <a14:hiddenFill xmlns:a14="http://schemas.microsoft.com/office/drawing/2010/main">
-                <a:solidFill>
-                  <a:srgbClr val="FFFFFF"/>
-                </a:solidFill>
-              </a14:hiddenFill>
-            </a:ext>
-          </a:extLst>
-        </p:spPr>
-      </p:pic>
-      <p:pic>
-        <p:nvPicPr>
-          <p:cNvPr id="16" name="Picture 4" descr="mage result for emoji person"/>
-          <p:cNvPicPr>
-            <a:picLocks noChangeAspect="1" noChangeArrowheads="1"/>
-          </p:cNvPicPr>
-          <p:nvPr/>
-        </p:nvPicPr>
-        <p:blipFill>
-          <a:blip r:embed="rId4">
-            <a:extLst>
-              <a:ext uri="{28A0092B-C50C-407E-A947-70E740481C1C}">
-                <a14:useLocalDpi xmlns:a14="http://schemas.microsoft.com/office/drawing/2010/main" val="0"/>
-              </a:ext>
-            </a:extLst>
-          </a:blip>
-          <a:srcRect/>
-          <a:stretch>
-            <a:fillRect/>
-          </a:stretch>
-        </p:blipFill>
-        <p:spPr bwMode="auto">
-          <a:xfrm>
-            <a:off x="1048109" y="4952808"/>
-            <a:ext cx="720436" cy="720436"/>
-          </a:xfrm>
-          <a:prstGeom prst="rect">
-            <a:avLst/>
-          </a:prstGeom>
-          <a:noFill/>
-          <a:extLst>
-            <a:ext uri="{909E8E84-426E-40DD-AFC4-6F175D3DCCD1}">
-              <a14:hiddenFill xmlns:a14="http://schemas.microsoft.com/office/drawing/2010/main">
-                <a:solidFill>
-                  <a:srgbClr val="FFFFFF"/>
-                </a:solidFill>
-              </a14:hiddenFill>
-            </a:ext>
-          </a:extLst>
-        </p:spPr>
-      </p:pic>
-      <p:pic>
-        <p:nvPicPr>
-          <p:cNvPr id="17" name="Picture 2" descr="mage result for emoji person"/>
-          <p:cNvPicPr>
-            <a:picLocks noChangeAspect="1" noChangeArrowheads="1"/>
-          </p:cNvPicPr>
-          <p:nvPr/>
-        </p:nvPicPr>
-        <p:blipFill>
-          <a:blip r:embed="rId3">
-            <a:extLst>
-              <a:ext uri="{28A0092B-C50C-407E-A947-70E740481C1C}">
-                <a14:useLocalDpi xmlns:a14="http://schemas.microsoft.com/office/drawing/2010/main" val="0"/>
-              </a:ext>
-            </a:extLst>
-          </a:blip>
-          <a:srcRect/>
-          <a:stretch>
-            <a:fillRect/>
-          </a:stretch>
-        </p:blipFill>
-        <p:spPr bwMode="auto">
-          <a:xfrm>
-            <a:off x="1858600" y="5008224"/>
-            <a:ext cx="692727" cy="692727"/>
-          </a:xfrm>
-          <a:prstGeom prst="rect">
-            <a:avLst/>
-          </a:prstGeom>
-          <a:noFill/>
-          <a:extLst>
-            <a:ext uri="{909E8E84-426E-40DD-AFC4-6F175D3DCCD1}">
-              <a14:hiddenFill xmlns:a14="http://schemas.microsoft.com/office/drawing/2010/main">
-                <a:solidFill>
-                  <a:srgbClr val="FFFFFF"/>
-                </a:solidFill>
-              </a14:hiddenFill>
-            </a:ext>
-          </a:extLst>
-        </p:spPr>
-      </p:pic>
-      <p:pic>
-        <p:nvPicPr>
-          <p:cNvPr id="18" name="Picture 4" descr="mage result for emoji person"/>
-          <p:cNvPicPr>
-            <a:picLocks noChangeAspect="1" noChangeArrowheads="1"/>
-          </p:cNvPicPr>
-          <p:nvPr/>
-        </p:nvPicPr>
-        <p:blipFill>
-          <a:blip r:embed="rId4">
-            <a:extLst>
-              <a:ext uri="{28A0092B-C50C-407E-A947-70E740481C1C}">
-                <a14:useLocalDpi xmlns:a14="http://schemas.microsoft.com/office/drawing/2010/main" val="0"/>
-              </a:ext>
-            </a:extLst>
-          </a:blip>
-          <a:srcRect/>
-          <a:stretch>
-            <a:fillRect/>
-          </a:stretch>
-        </p:blipFill>
-        <p:spPr bwMode="auto">
-          <a:xfrm>
-            <a:off x="2641382" y="4980516"/>
-            <a:ext cx="720436" cy="720436"/>
-          </a:xfrm>
-          <a:prstGeom prst="rect">
-            <a:avLst/>
-          </a:prstGeom>
-          <a:noFill/>
-          <a:extLst>
-            <a:ext uri="{909E8E84-426E-40DD-AFC4-6F175D3DCCD1}">
-              <a14:hiddenFill xmlns:a14="http://schemas.microsoft.com/office/drawing/2010/main">
-                <a:solidFill>
-                  <a:srgbClr val="FFFFFF"/>
-                </a:solidFill>
-              </a14:hiddenFill>
-            </a:ext>
-          </a:extLst>
-        </p:spPr>
-      </p:pic>
-      <p:pic>
-        <p:nvPicPr>
-          <p:cNvPr id="19" name="Picture 2" descr="mage result for emoji person"/>
-          <p:cNvPicPr>
-            <a:picLocks noChangeAspect="1" noChangeArrowheads="1"/>
-          </p:cNvPicPr>
-          <p:nvPr/>
-        </p:nvPicPr>
-        <p:blipFill>
-          <a:blip r:embed="rId3">
-            <a:extLst>
-              <a:ext uri="{28A0092B-C50C-407E-A947-70E740481C1C}">
-                <a14:useLocalDpi xmlns:a14="http://schemas.microsoft.com/office/drawing/2010/main" val="0"/>
-              </a:ext>
-            </a:extLst>
-          </a:blip>
-          <a:srcRect/>
-          <a:stretch>
-            <a:fillRect/>
-          </a:stretch>
-        </p:blipFill>
-        <p:spPr bwMode="auto">
-          <a:xfrm>
-            <a:off x="1048109" y="5770228"/>
-            <a:ext cx="692727" cy="692727"/>
-          </a:xfrm>
-          <a:prstGeom prst="rect">
-            <a:avLst/>
-          </a:prstGeom>
-          <a:noFill/>
-          <a:extLst>
-            <a:ext uri="{909E8E84-426E-40DD-AFC4-6F175D3DCCD1}">
-              <a14:hiddenFill xmlns:a14="http://schemas.microsoft.com/office/drawing/2010/main">
-                <a:solidFill>
-                  <a:srgbClr val="FFFFFF"/>
-                </a:solidFill>
-              </a14:hiddenFill>
-            </a:ext>
-          </a:extLst>
-        </p:spPr>
-      </p:pic>
-      <p:pic>
-        <p:nvPicPr>
-          <p:cNvPr id="21" name="Picture 4" descr="mage result for emoji person"/>
-          <p:cNvPicPr>
-            <a:picLocks noChangeAspect="1" noChangeArrowheads="1"/>
-          </p:cNvPicPr>
-          <p:nvPr/>
-        </p:nvPicPr>
-        <p:blipFill>
-          <a:blip r:embed="rId4">
-            <a:extLst>
-              <a:ext uri="{28A0092B-C50C-407E-A947-70E740481C1C}">
-                <a14:useLocalDpi xmlns:a14="http://schemas.microsoft.com/office/drawing/2010/main" val="0"/>
-              </a:ext>
-            </a:extLst>
-          </a:blip>
-          <a:srcRect/>
-          <a:stretch>
-            <a:fillRect/>
-          </a:stretch>
-        </p:blipFill>
-        <p:spPr bwMode="auto">
-          <a:xfrm>
-            <a:off x="265327" y="5742519"/>
-            <a:ext cx="720436" cy="720436"/>
-          </a:xfrm>
-          <a:prstGeom prst="rect">
-            <a:avLst/>
-          </a:prstGeom>
-          <a:noFill/>
-          <a:extLst>
-            <a:ext uri="{909E8E84-426E-40DD-AFC4-6F175D3DCCD1}">
-              <a14:hiddenFill xmlns:a14="http://schemas.microsoft.com/office/drawing/2010/main">
-                <a:solidFill>
-                  <a:srgbClr val="FFFFFF"/>
-                </a:solidFill>
-              </a14:hiddenFill>
-            </a:ext>
-          </a:extLst>
-        </p:spPr>
-      </p:pic>
-      <p:sp>
-        <p:nvSpPr>
-          <p:cNvPr id="3" name="Snip and Round Single Corner Rectangle 2"/>
-          <p:cNvSpPr/>
-          <p:nvPr/>
-        </p:nvSpPr>
-        <p:spPr>
-          <a:xfrm>
-            <a:off x="4123765" y="2115671"/>
-            <a:ext cx="4428564" cy="1165411"/>
-          </a:xfrm>
-          <a:prstGeom prst="snipRoundRect">
-            <a:avLst/>
-          </a:prstGeom>
-          <a:noFill/>
-          <a:ln>
-            <a:solidFill>
-              <a:schemeClr val="tx1"/>
-            </a:solidFill>
-          </a:ln>
-        </p:spPr>
-        <p:style>
-          <a:lnRef idx="2">
-            <a:schemeClr val="accent1">
-              <a:shade val="50000"/>
-            </a:schemeClr>
-          </a:lnRef>
-          <a:fillRef idx="1">
-            <a:schemeClr val="accent1"/>
-          </a:fillRef>
-          <a:effectRef idx="0">
-            <a:schemeClr val="accent1"/>
-          </a:effectRef>
-          <a:fontRef idx="minor">
-            <a:schemeClr val="lt1"/>
-          </a:fontRef>
-        </p:style>
-        <p:txBody>
-          <a:bodyPr rtlCol="0" anchor="ctr"/>
-          <a:lstStyle/>
-          <a:p>
-            <a:pPr algn="ctr"/>
-            <a:endParaRPr lang="en-US"/>
-          </a:p>
-        </p:txBody>
-      </p:sp>
-      <p:sp>
-        <p:nvSpPr>
-          <p:cNvPr id="22" name="Snip and Round Single Corner Rectangle 21"/>
-          <p:cNvSpPr/>
-          <p:nvPr/>
-        </p:nvSpPr>
-        <p:spPr>
-          <a:xfrm>
-            <a:off x="4123765" y="3281082"/>
-            <a:ext cx="4428564" cy="2570424"/>
-          </a:xfrm>
-          <a:prstGeom prst="snipRoundRect">
-            <a:avLst/>
-          </a:prstGeom>
-          <a:noFill/>
-          <a:ln>
-            <a:solidFill>
-              <a:schemeClr val="tx1"/>
-            </a:solidFill>
-          </a:ln>
-        </p:spPr>
-        <p:style>
-          <a:lnRef idx="2">
-            <a:schemeClr val="accent1">
-              <a:shade val="50000"/>
-            </a:schemeClr>
-          </a:lnRef>
-          <a:fillRef idx="1">
-            <a:schemeClr val="accent1"/>
-          </a:fillRef>
-          <a:effectRef idx="0">
-            <a:schemeClr val="accent1"/>
-          </a:effectRef>
-          <a:fontRef idx="minor">
-            <a:schemeClr val="lt1"/>
-          </a:fontRef>
-        </p:style>
-        <p:txBody>
-          <a:bodyPr rtlCol="0" anchor="ctr"/>
-          <a:lstStyle/>
-          <a:p>
-            <a:pPr algn="ctr"/>
-            <a:endParaRPr lang="en-US"/>
-          </a:p>
-        </p:txBody>
-      </p:sp>
-      <p:sp>
-        <p:nvSpPr>
-          <p:cNvPr id="5" name="TextBox 4"/>
-          <p:cNvSpPr txBox="1"/>
-          <p:nvPr/>
-        </p:nvSpPr>
-        <p:spPr>
-          <a:xfrm>
-            <a:off x="4284406" y="1721224"/>
-            <a:ext cx="1996059" cy="369332"/>
-          </a:xfrm>
-          <a:prstGeom prst="rect">
-            <a:avLst/>
-          </a:prstGeom>
-          <a:noFill/>
-        </p:spPr>
-        <p:txBody>
-          <a:bodyPr wrap="none" rtlCol="0">
-            <a:spAutoFit/>
-          </a:bodyPr>
-          <a:lstStyle/>
-          <a:p>
-            <a:r>
-              <a:rPr lang="en-US" b="1" dirty="0" smtClean="0">
-                <a:latin typeface="SF Pro Display" charset="0"/>
-                <a:ea typeface="SF Pro Display" charset="0"/>
-                <a:cs typeface="SF Pro Display" charset="0"/>
-              </a:rPr>
-              <a:t>ERC-20 Contract</a:t>
-            </a:r>
-            <a:endParaRPr lang="en-US" b="1" dirty="0">
-              <a:latin typeface="SF Pro Display" charset="0"/>
-              <a:ea typeface="SF Pro Display" charset="0"/>
-              <a:cs typeface="SF Pro Display" charset="0"/>
-            </a:endParaRPr>
-          </a:p>
-        </p:txBody>
-      </p:sp>
-      <p:sp>
-        <p:nvSpPr>
-          <p:cNvPr id="23" name="TextBox 22"/>
-          <p:cNvSpPr txBox="1"/>
-          <p:nvPr/>
-        </p:nvSpPr>
-        <p:spPr>
-          <a:xfrm>
-            <a:off x="4228257" y="5893070"/>
-            <a:ext cx="1673856" cy="369332"/>
-          </a:xfrm>
-          <a:prstGeom prst="rect">
-            <a:avLst/>
-          </a:prstGeom>
-          <a:noFill/>
-        </p:spPr>
-        <p:txBody>
-          <a:bodyPr wrap="none" rtlCol="0">
-            <a:spAutoFit/>
-          </a:bodyPr>
-          <a:lstStyle/>
-          <a:p>
-            <a:r>
-              <a:rPr lang="en-US" b="1" dirty="0" smtClean="0">
-                <a:latin typeface="SF Pro Display" charset="0"/>
-                <a:ea typeface="SF Pro Display" charset="0"/>
-                <a:cs typeface="SF Pro Display" charset="0"/>
-              </a:rPr>
-              <a:t>Loan Contract</a:t>
-            </a:r>
-            <a:endParaRPr lang="en-US" b="1" dirty="0">
-              <a:latin typeface="SF Pro Display" charset="0"/>
-              <a:ea typeface="SF Pro Display" charset="0"/>
-              <a:cs typeface="SF Pro Display" charset="0"/>
-            </a:endParaRPr>
-          </a:p>
-        </p:txBody>
-      </p:sp>
-      <p:cxnSp>
-        <p:nvCxnSpPr>
-          <p:cNvPr id="28" name="Straight Arrow Connector 27"/>
-          <p:cNvCxnSpPr/>
-          <p:nvPr/>
-        </p:nvCxnSpPr>
-        <p:spPr>
-          <a:xfrm flipH="1">
-            <a:off x="2151695" y="2520177"/>
-            <a:ext cx="2301450" cy="842059"/>
-          </a:xfrm>
-          <a:prstGeom prst="straightConnector1">
-            <a:avLst/>
-          </a:prstGeom>
-          <a:ln w="28575">
-            <a:solidFill>
-              <a:schemeClr val="tx1"/>
-            </a:solidFill>
-            <a:tailEnd type="triangle"/>
-          </a:ln>
-        </p:spPr>
-        <p:style>
-          <a:lnRef idx="1">
-            <a:schemeClr val="accent1"/>
-          </a:lnRef>
-          <a:fillRef idx="0">
-            <a:schemeClr val="accent1"/>
-          </a:fillRef>
-          <a:effectRef idx="0">
-            <a:schemeClr val="accent1"/>
-          </a:effectRef>
-          <a:fontRef idx="minor">
-            <a:schemeClr val="tx1"/>
-          </a:fontRef>
-        </p:style>
-      </p:cxnSp>
-      <p:sp>
-        <p:nvSpPr>
-          <p:cNvPr id="32" name="TextBox 31"/>
-          <p:cNvSpPr txBox="1"/>
-          <p:nvPr/>
-        </p:nvSpPr>
-        <p:spPr>
-          <a:xfrm rot="20398395">
-            <a:off x="1746034" y="2248749"/>
-            <a:ext cx="2837300" cy="646331"/>
-          </a:xfrm>
-          <a:prstGeom prst="rect">
-            <a:avLst/>
-          </a:prstGeom>
-          <a:noFill/>
-        </p:spPr>
-        <p:txBody>
-          <a:bodyPr wrap="square" rtlCol="0">
-            <a:spAutoFit/>
-          </a:bodyPr>
-          <a:lstStyle/>
-          <a:p>
-            <a:pPr algn="ctr"/>
-            <a:r>
-              <a:rPr lang="en-US" b="1" dirty="0" smtClean="0">
-                <a:latin typeface="SF Pro Display" charset="0"/>
-                <a:ea typeface="SF Pro Display" charset="0"/>
-                <a:cs typeface="SF Pro Display" charset="0"/>
-              </a:rPr>
-              <a:t>Receive </a:t>
-            </a:r>
-            <a:r>
-              <a:rPr lang="en-US" b="1" smtClean="0">
-                <a:latin typeface="SF Pro Display" charset="0"/>
-                <a:ea typeface="SF Pro Display" charset="0"/>
-                <a:cs typeface="SF Pro Display" charset="0"/>
-              </a:rPr>
-              <a:t>fractional share of repayment</a:t>
-            </a:r>
-            <a:endParaRPr lang="en-US" b="1" dirty="0">
-              <a:latin typeface="SF Pro Display" charset="0"/>
-              <a:ea typeface="SF Pro Display" charset="0"/>
-              <a:cs typeface="SF Pro Display" charset="0"/>
-            </a:endParaRPr>
-          </a:p>
-        </p:txBody>
-      </p:sp>
-      <p:pic>
-        <p:nvPicPr>
-          <p:cNvPr id="14342" name="Picture 6" descr="oman on Apple iOS 12.2"/>
-          <p:cNvPicPr>
-            <a:picLocks noChangeAspect="1" noChangeArrowheads="1"/>
-          </p:cNvPicPr>
-          <p:nvPr/>
-        </p:nvPicPr>
-        <p:blipFill>
-          <a:blip r:embed="rId5">
-            <a:extLst>
-              <a:ext uri="{28A0092B-C50C-407E-A947-70E740481C1C}">
-                <a14:useLocalDpi xmlns:a14="http://schemas.microsoft.com/office/drawing/2010/main" val="0"/>
-              </a:ext>
-            </a:extLst>
-          </a:blip>
-          <a:srcRect/>
-          <a:stretch>
-            <a:fillRect/>
-          </a:stretch>
-        </p:blipFill>
-        <p:spPr bwMode="auto">
-          <a:xfrm>
-            <a:off x="10289715" y="3310324"/>
-            <a:ext cx="1143000" cy="1143000"/>
-          </a:xfrm>
-          <a:prstGeom prst="rect">
-            <a:avLst/>
-          </a:prstGeom>
-          <a:noFill/>
-          <a:extLst>
-            <a:ext uri="{909E8E84-426E-40DD-AFC4-6F175D3DCCD1}">
-              <a14:hiddenFill xmlns:a14="http://schemas.microsoft.com/office/drawing/2010/main">
-                <a:solidFill>
-                  <a:srgbClr val="FFFFFF"/>
-                </a:solidFill>
-              </a14:hiddenFill>
-            </a:ext>
-          </a:extLst>
-        </p:spPr>
-      </p:pic>
-      <p:sp>
-        <p:nvSpPr>
-          <p:cNvPr id="31" name="TextBox 30"/>
-          <p:cNvSpPr txBox="1"/>
-          <p:nvPr/>
-        </p:nvSpPr>
-        <p:spPr>
-          <a:xfrm>
-            <a:off x="894434" y="4315282"/>
-            <a:ext cx="920445" cy="369332"/>
-          </a:xfrm>
-          <a:prstGeom prst="rect">
-            <a:avLst/>
-          </a:prstGeom>
-          <a:noFill/>
-        </p:spPr>
-        <p:txBody>
-          <a:bodyPr wrap="none" rtlCol="0">
-            <a:spAutoFit/>
-          </a:bodyPr>
-          <a:lstStyle/>
-          <a:p>
-            <a:r>
-              <a:rPr lang="en-US" b="1" dirty="0" smtClean="0">
-                <a:latin typeface="SF Pro Display" charset="0"/>
-                <a:ea typeface="SF Pro Display" charset="0"/>
-                <a:cs typeface="SF Pro Display" charset="0"/>
-              </a:rPr>
-              <a:t>Lender</a:t>
-            </a:r>
-            <a:endParaRPr lang="en-US" b="1" dirty="0">
-              <a:latin typeface="SF Pro Display" charset="0"/>
-              <a:ea typeface="SF Pro Display" charset="0"/>
-              <a:cs typeface="SF Pro Display" charset="0"/>
-            </a:endParaRPr>
-          </a:p>
-        </p:txBody>
-      </p:sp>
-      <p:sp>
-        <p:nvSpPr>
-          <p:cNvPr id="36" name="TextBox 35"/>
-          <p:cNvSpPr txBox="1"/>
-          <p:nvPr/>
-        </p:nvSpPr>
-        <p:spPr>
-          <a:xfrm>
-            <a:off x="10257556" y="4584250"/>
-            <a:ext cx="1156086" cy="369332"/>
-          </a:xfrm>
-          <a:prstGeom prst="rect">
-            <a:avLst/>
-          </a:prstGeom>
-          <a:noFill/>
-        </p:spPr>
-        <p:txBody>
-          <a:bodyPr wrap="none" rtlCol="0">
-            <a:spAutoFit/>
-          </a:bodyPr>
-          <a:lstStyle/>
-          <a:p>
-            <a:r>
-              <a:rPr lang="en-US" b="1" dirty="0" smtClean="0">
-                <a:latin typeface="SF Pro Display" charset="0"/>
-                <a:ea typeface="SF Pro Display" charset="0"/>
-                <a:cs typeface="SF Pro Display" charset="0"/>
-              </a:rPr>
-              <a:t>Borrower</a:t>
-            </a:r>
-            <a:endParaRPr lang="en-US" b="1" dirty="0">
-              <a:latin typeface="SF Pro Display" charset="0"/>
-              <a:ea typeface="SF Pro Display" charset="0"/>
-              <a:cs typeface="SF Pro Display" charset="0"/>
-            </a:endParaRPr>
-          </a:p>
-        </p:txBody>
-      </p:sp>
-      <p:cxnSp>
-        <p:nvCxnSpPr>
-          <p:cNvPr id="50" name="Curved Connector 49"/>
-          <p:cNvCxnSpPr/>
-          <p:nvPr/>
-        </p:nvCxnSpPr>
-        <p:spPr>
-          <a:xfrm rot="10800000">
-            <a:off x="5678757" y="3093081"/>
-            <a:ext cx="2260817" cy="605573"/>
-          </a:xfrm>
-          <a:prstGeom prst="curvedConnector3">
-            <a:avLst>
-              <a:gd name="adj1" fmla="val 99169"/>
-            </a:avLst>
-          </a:prstGeom>
-          <a:ln w="28575">
-            <a:solidFill>
-              <a:schemeClr val="tx1"/>
-            </a:solidFill>
-            <a:tailEnd type="triangle"/>
-          </a:ln>
-        </p:spPr>
-        <p:style>
-          <a:lnRef idx="1">
-            <a:schemeClr val="accent1"/>
-          </a:lnRef>
-          <a:fillRef idx="0">
-            <a:schemeClr val="accent1"/>
-          </a:fillRef>
-          <a:effectRef idx="0">
-            <a:schemeClr val="accent1"/>
-          </a:effectRef>
-          <a:fontRef idx="minor">
-            <a:schemeClr val="tx1"/>
-          </a:fontRef>
-        </p:style>
-      </p:cxnSp>
-      <p:sp>
-        <p:nvSpPr>
-          <p:cNvPr id="61" name="TextBox 60"/>
-          <p:cNvSpPr txBox="1"/>
-          <p:nvPr/>
-        </p:nvSpPr>
-        <p:spPr>
-          <a:xfrm>
-            <a:off x="5642173" y="3735712"/>
-            <a:ext cx="2333983" cy="923330"/>
-          </a:xfrm>
-          <a:prstGeom prst="rect">
-            <a:avLst/>
-          </a:prstGeom>
-          <a:noFill/>
-        </p:spPr>
-        <p:txBody>
-          <a:bodyPr wrap="square" rtlCol="0">
-            <a:spAutoFit/>
-          </a:bodyPr>
-          <a:lstStyle/>
-          <a:p>
-            <a:r>
-              <a:rPr lang="en-US" b="1" dirty="0" smtClean="0">
-                <a:latin typeface="SF Pro Display" charset="0"/>
-                <a:ea typeface="SF Pro Display" charset="0"/>
-                <a:cs typeface="SF Pro Display" charset="0"/>
-              </a:rPr>
-              <a:t>Repayment routed to debt token holders</a:t>
-            </a:r>
-            <a:endParaRPr lang="en-US" b="1" dirty="0">
-              <a:latin typeface="SF Pro Display" charset="0"/>
-              <a:ea typeface="SF Pro Display" charset="0"/>
-              <a:cs typeface="SF Pro Display" charset="0"/>
-            </a:endParaRPr>
-          </a:p>
-        </p:txBody>
-      </p:sp>
-      <p:cxnSp>
-        <p:nvCxnSpPr>
-          <p:cNvPr id="72" name="Straight Arrow Connector 71"/>
-          <p:cNvCxnSpPr/>
-          <p:nvPr/>
-        </p:nvCxnSpPr>
-        <p:spPr>
-          <a:xfrm flipH="1" flipV="1">
-            <a:off x="8180973" y="3735712"/>
-            <a:ext cx="1930171" cy="199429"/>
-          </a:xfrm>
-          <a:prstGeom prst="straightConnector1">
-            <a:avLst/>
-          </a:prstGeom>
-          <a:ln w="28575">
-            <a:solidFill>
-              <a:schemeClr val="tx1"/>
-            </a:solidFill>
-            <a:tailEnd type="triangle"/>
-          </a:ln>
-        </p:spPr>
-        <p:style>
-          <a:lnRef idx="1">
-            <a:schemeClr val="accent1"/>
-          </a:lnRef>
-          <a:fillRef idx="0">
-            <a:schemeClr val="accent1"/>
-          </a:fillRef>
-          <a:effectRef idx="0">
-            <a:schemeClr val="accent1"/>
-          </a:effectRef>
-          <a:fontRef idx="minor">
-            <a:schemeClr val="tx1"/>
-          </a:fontRef>
-        </p:style>
-      </p:cxnSp>
-      <p:sp>
-        <p:nvSpPr>
-          <p:cNvPr id="73" name="TextBox 72"/>
-          <p:cNvSpPr txBox="1"/>
-          <p:nvPr/>
-        </p:nvSpPr>
-        <p:spPr>
-          <a:xfrm>
-            <a:off x="8710999" y="3935141"/>
-            <a:ext cx="1906831" cy="646331"/>
-          </a:xfrm>
-          <a:prstGeom prst="rect">
-            <a:avLst/>
-          </a:prstGeom>
-          <a:noFill/>
-        </p:spPr>
-        <p:txBody>
-          <a:bodyPr wrap="square" rtlCol="0">
-            <a:spAutoFit/>
-          </a:bodyPr>
-          <a:lstStyle/>
-          <a:p>
-            <a:r>
-              <a:rPr lang="en-US" b="1" smtClean="0">
-                <a:latin typeface="SF Pro Display" charset="0"/>
-                <a:ea typeface="SF Pro Display" charset="0"/>
-                <a:cs typeface="SF Pro Display" charset="0"/>
-              </a:rPr>
-              <a:t>Monthly Repayment</a:t>
-            </a:r>
-            <a:endParaRPr lang="en-US" b="1" dirty="0">
-              <a:latin typeface="SF Pro Display" charset="0"/>
-              <a:ea typeface="SF Pro Display" charset="0"/>
-              <a:cs typeface="SF Pro Display" charset="0"/>
-            </a:endParaRPr>
-          </a:p>
-        </p:txBody>
-      </p:sp>
-      <p:sp>
-        <p:nvSpPr>
-          <p:cNvPr id="76" name="Title 1"/>
-          <p:cNvSpPr>
-            <a:spLocks noGrp="1"/>
-          </p:cNvSpPr>
-          <p:nvPr>
-            <p:ph type="ctrTitle"/>
-          </p:nvPr>
-        </p:nvSpPr>
-        <p:spPr>
-          <a:xfrm>
-            <a:off x="353821" y="332820"/>
-            <a:ext cx="4684602" cy="664707"/>
-          </a:xfrm>
-        </p:spPr>
-        <p:txBody>
-          <a:bodyPr>
-            <a:normAutofit/>
-          </a:bodyPr>
-          <a:lstStyle/>
-          <a:p>
-            <a:pPr algn="l"/>
-            <a:r>
-              <a:rPr lang="en-US" sz="4000" dirty="0" smtClean="0"/>
-              <a:t>Repayment Flow</a:t>
-            </a:r>
-            <a:endParaRPr lang="en-US" sz="4000" dirty="0"/>
-          </a:p>
-        </p:txBody>
-      </p:sp>
-    </p:spTree>
-    <p:extLst>
-      <p:ext uri="{BB962C8B-B14F-4D97-AF65-F5344CB8AC3E}">
-        <p14:creationId xmlns:p14="http://schemas.microsoft.com/office/powerpoint/2010/main" val="603403299"/>
-      </p:ext>
-    </p:extLst>
-  </p:cSld>
-  <p:clrMapOvr>
-    <a:masterClrMapping/>
-  </p:clrMapOvr>
-</p:sld>
-</file>
-
-<file path=ppt/slides/slide21.xml><?xml version="1.0" encoding="utf-8"?>
-<p:sld xmlns:a="http://schemas.openxmlformats.org/drawingml/2006/main" xmlns:r="http://schemas.openxmlformats.org/officeDocument/2006/relationships" xmlns:p="http://schemas.openxmlformats.org/presentationml/2006/main">
-  <p:cSld>
-    <p:spTree>
-      <p:nvGrpSpPr>
-        <p:cNvPr id="1" name=""/>
-        <p:cNvGrpSpPr/>
-        <p:nvPr/>
-      </p:nvGrpSpPr>
-      <p:grpSpPr>
-        <a:xfrm>
-          <a:off x="0" y="0"/>
-          <a:ext cx="0" cy="0"/>
-          <a:chOff x="0" y="0"/>
-          <a:chExt cx="0" cy="0"/>
-        </a:xfrm>
-      </p:grpSpPr>
-      <p:sp>
-        <p:nvSpPr>
-          <p:cNvPr id="2" name="Title 1"/>
-          <p:cNvSpPr>
-            <a:spLocks noGrp="1"/>
-          </p:cNvSpPr>
-          <p:nvPr>
-            <p:ph type="ctrTitle"/>
-          </p:nvPr>
-        </p:nvSpPr>
-        <p:spPr/>
-        <p:txBody>
-          <a:bodyPr/>
-          <a:lstStyle/>
-          <a:p>
-            <a:r>
-              <a:rPr lang="en-US" dirty="0" smtClean="0"/>
-              <a:t>Implementation</a:t>
-            </a:r>
-            <a:endParaRPr lang="en-US" dirty="0"/>
-          </a:p>
-        </p:txBody>
-      </p:sp>
-    </p:spTree>
-    <p:extLst>
-      <p:ext uri="{BB962C8B-B14F-4D97-AF65-F5344CB8AC3E}">
-        <p14:creationId xmlns:p14="http://schemas.microsoft.com/office/powerpoint/2010/main" val="176927560"/>
-      </p:ext>
-    </p:extLst>
-  </p:cSld>
-  <p:clrMapOvr>
-    <a:masterClrMapping/>
-  </p:clrMapOvr>
 </p:sld>
 </file>
 
